--- a/Spring_Beginners_2_SpringBootForMS.pptx
+++ b/Spring_Beginners_2_SpringBootForMS.pptx
@@ -20,27 +20,30 @@
     <p:sldId id="275" r:id="rId14"/>
     <p:sldId id="276" r:id="rId15"/>
     <p:sldId id="279" r:id="rId16"/>
-    <p:sldId id="291" r:id="rId17"/>
-    <p:sldId id="273" r:id="rId18"/>
-    <p:sldId id="274" r:id="rId19"/>
-    <p:sldId id="289" r:id="rId20"/>
-    <p:sldId id="294" r:id="rId21"/>
-    <p:sldId id="290" r:id="rId22"/>
-    <p:sldId id="293" r:id="rId23"/>
-    <p:sldId id="262" r:id="rId24"/>
-    <p:sldId id="280" r:id="rId25"/>
-    <p:sldId id="257" r:id="rId26"/>
-    <p:sldId id="259" r:id="rId27"/>
-    <p:sldId id="261" r:id="rId28"/>
-    <p:sldId id="281" r:id="rId29"/>
-    <p:sldId id="282" r:id="rId30"/>
-    <p:sldId id="283" r:id="rId31"/>
-    <p:sldId id="284" r:id="rId32"/>
-    <p:sldId id="285" r:id="rId33"/>
-    <p:sldId id="286" r:id="rId34"/>
-    <p:sldId id="287" r:id="rId35"/>
-    <p:sldId id="288" r:id="rId36"/>
-    <p:sldId id="292" r:id="rId37"/>
+    <p:sldId id="295" r:id="rId17"/>
+    <p:sldId id="297" r:id="rId18"/>
+    <p:sldId id="296" r:id="rId19"/>
+    <p:sldId id="291" r:id="rId20"/>
+    <p:sldId id="273" r:id="rId21"/>
+    <p:sldId id="274" r:id="rId22"/>
+    <p:sldId id="289" r:id="rId23"/>
+    <p:sldId id="294" r:id="rId24"/>
+    <p:sldId id="290" r:id="rId25"/>
+    <p:sldId id="293" r:id="rId26"/>
+    <p:sldId id="262" r:id="rId27"/>
+    <p:sldId id="280" r:id="rId28"/>
+    <p:sldId id="257" r:id="rId29"/>
+    <p:sldId id="259" r:id="rId30"/>
+    <p:sldId id="261" r:id="rId31"/>
+    <p:sldId id="281" r:id="rId32"/>
+    <p:sldId id="282" r:id="rId33"/>
+    <p:sldId id="283" r:id="rId34"/>
+    <p:sldId id="284" r:id="rId35"/>
+    <p:sldId id="285" r:id="rId36"/>
+    <p:sldId id="286" r:id="rId37"/>
+    <p:sldId id="287" r:id="rId38"/>
+    <p:sldId id="288" r:id="rId39"/>
+    <p:sldId id="292" r:id="rId40"/>
   </p:sldIdLst>
   <p:sldSz cx="12192000" cy="6858000"/>
   <p:notesSz cx="6858000" cy="9144000"/>
@@ -870,7 +873,7 @@
             <a:fld id="{B61BEF0D-F0BB-DE4B-95CE-6DB70DBA9567}" type="datetimeFigureOut">
               <a:rPr lang="en-US" dirty="0"/>
               <a:pPr/>
-              <a:t>5/7/23</a:t>
+              <a:t>5/16/23</a:t>
             </a:fld>
             <a:endParaRPr lang="en-US" dirty="0"/>
           </a:p>
@@ -1118,7 +1121,7 @@
             <a:fld id="{B61BEF0D-F0BB-DE4B-95CE-6DB70DBA9567}" type="datetimeFigureOut">
               <a:rPr lang="en-US" dirty="0"/>
               <a:pPr/>
-              <a:t>5/7/23</a:t>
+              <a:t>5/16/23</a:t>
             </a:fld>
             <a:endParaRPr lang="en-US" dirty="0"/>
           </a:p>
@@ -1429,7 +1432,7 @@
             <a:fld id="{B61BEF0D-F0BB-DE4B-95CE-6DB70DBA9567}" type="datetimeFigureOut">
               <a:rPr lang="en-US" dirty="0"/>
               <a:pPr/>
-              <a:t>5/7/23</a:t>
+              <a:t>5/16/23</a:t>
             </a:fld>
             <a:endParaRPr lang="en-US" dirty="0"/>
           </a:p>
@@ -1767,7 +1770,7 @@
             <a:fld id="{B61BEF0D-F0BB-DE4B-95CE-6DB70DBA9567}" type="datetimeFigureOut">
               <a:rPr lang="en-US" dirty="0"/>
               <a:pPr/>
-              <a:t>5/7/23</a:t>
+              <a:t>5/16/23</a:t>
             </a:fld>
             <a:endParaRPr lang="en-US" dirty="0"/>
           </a:p>
@@ -2078,7 +2081,7 @@
             <a:fld id="{B61BEF0D-F0BB-DE4B-95CE-6DB70DBA9567}" type="datetimeFigureOut">
               <a:rPr lang="en-US" dirty="0"/>
               <a:pPr/>
-              <a:t>5/7/23</a:t>
+              <a:t>5/16/23</a:t>
             </a:fld>
             <a:endParaRPr lang="en-US" dirty="0"/>
           </a:p>
@@ -2468,7 +2471,7 @@
             <a:fld id="{B61BEF0D-F0BB-DE4B-95CE-6DB70DBA9567}" type="datetimeFigureOut">
               <a:rPr lang="en-US" dirty="0"/>
               <a:pPr/>
-              <a:t>5/7/23</a:t>
+              <a:t>5/16/23</a:t>
             </a:fld>
             <a:endParaRPr lang="en-US" dirty="0"/>
           </a:p>
@@ -2634,7 +2637,7 @@
           <a:p>
             <a:fld id="{55C6B4A9-1611-4792-9094-5F34BCA07E0B}" type="datetimeFigureOut">
               <a:rPr lang="en-US" dirty="0"/>
-              <a:t>5/7/23</a:t>
+              <a:t>5/16/23</a:t>
             </a:fld>
             <a:endParaRPr lang="en-US" dirty="0"/>
           </a:p>
@@ -2810,7 +2813,7 @@
             <a:fld id="{B61BEF0D-F0BB-DE4B-95CE-6DB70DBA9567}" type="datetimeFigureOut">
               <a:rPr lang="en-US" dirty="0"/>
               <a:pPr/>
-              <a:t>5/7/23</a:t>
+              <a:t>5/16/23</a:t>
             </a:fld>
             <a:endParaRPr lang="en-US" dirty="0"/>
           </a:p>
@@ -2983,7 +2986,7 @@
             <a:fld id="{B61BEF0D-F0BB-DE4B-95CE-6DB70DBA9567}" type="datetimeFigureOut">
               <a:rPr lang="en-US" dirty="0"/>
               <a:pPr/>
-              <a:t>5/7/23</a:t>
+              <a:t>5/16/23</a:t>
             </a:fld>
             <a:endParaRPr lang="en-US" dirty="0"/>
           </a:p>
@@ -3227,7 +3230,7 @@
             <a:fld id="{B61BEF0D-F0BB-DE4B-95CE-6DB70DBA9567}" type="datetimeFigureOut">
               <a:rPr lang="en-US" dirty="0"/>
               <a:pPr/>
-              <a:t>5/7/23</a:t>
+              <a:t>5/16/23</a:t>
             </a:fld>
             <a:endParaRPr lang="en-US" dirty="0"/>
           </a:p>
@@ -3455,7 +3458,7 @@
           <a:p>
             <a:fld id="{EB712588-04B1-427B-82EE-E8DB90309F08}" type="datetimeFigureOut">
               <a:rPr lang="en-US" dirty="0"/>
-              <a:t>5/7/23</a:t>
+              <a:t>5/16/23</a:t>
             </a:fld>
             <a:endParaRPr lang="en-US" dirty="0"/>
           </a:p>
@@ -3825,7 +3828,7 @@
             <a:fld id="{B61BEF0D-F0BB-DE4B-95CE-6DB70DBA9567}" type="datetimeFigureOut">
               <a:rPr lang="en-US" dirty="0"/>
               <a:pPr/>
-              <a:t>5/7/23</a:t>
+              <a:t>5/16/23</a:t>
             </a:fld>
             <a:endParaRPr lang="en-US" dirty="0"/>
           </a:p>
@@ -3945,7 +3948,7 @@
             <a:fld id="{B61BEF0D-F0BB-DE4B-95CE-6DB70DBA9567}" type="datetimeFigureOut">
               <a:rPr lang="en-US" dirty="0"/>
               <a:pPr/>
-              <a:t>5/7/23</a:t>
+              <a:t>5/16/23</a:t>
             </a:fld>
             <a:endParaRPr lang="en-US" dirty="0"/>
           </a:p>
@@ -4037,7 +4040,7 @@
             <a:fld id="{B61BEF0D-F0BB-DE4B-95CE-6DB70DBA9567}" type="datetimeFigureOut">
               <a:rPr lang="en-US" dirty="0"/>
               <a:pPr/>
-              <a:t>5/7/23</a:t>
+              <a:t>5/16/23</a:t>
             </a:fld>
             <a:endParaRPr lang="en-US" dirty="0"/>
           </a:p>
@@ -4288,7 +4291,7 @@
           <a:p>
             <a:fld id="{42A54C80-263E-416B-A8E0-580EDEADCBDC}" type="datetimeFigureOut">
               <a:rPr lang="en-US" dirty="0"/>
-              <a:t>5/7/23</a:t>
+              <a:t>5/16/23</a:t>
             </a:fld>
             <a:endParaRPr lang="en-US" dirty="0"/>
           </a:p>
@@ -4547,7 +4550,7 @@
             <a:fld id="{B61BEF0D-F0BB-DE4B-95CE-6DB70DBA9567}" type="datetimeFigureOut">
               <a:rPr lang="en-US" dirty="0"/>
               <a:pPr/>
-              <a:t>5/7/23</a:t>
+              <a:t>5/16/23</a:t>
             </a:fld>
             <a:endParaRPr lang="en-US" dirty="0"/>
           </a:p>
@@ -5287,7 +5290,7 @@
             <a:fld id="{B61BEF0D-F0BB-DE4B-95CE-6DB70DBA9567}" type="datetimeFigureOut">
               <a:rPr lang="en-US" dirty="0"/>
               <a:pPr/>
-              <a:t>5/7/23</a:t>
+              <a:t>5/16/23</a:t>
             </a:fld>
             <a:endParaRPr lang="en-US" dirty="0"/>
           </a:p>
@@ -9517,6 +9520,56 @@
       </p:sp>
       <p:sp>
         <p:nvSpPr>
+          <p:cNvPr id="4" name="Rectangle 3">
+            <a:extLst>
+              <a:ext uri="{FF2B5EF4-FFF2-40B4-BE49-F238E27FC236}">
+                <a16:creationId xmlns:a16="http://schemas.microsoft.com/office/drawing/2014/main" id="{87B8604E-EB22-4D0F-0DDF-EF212098B4DB}"/>
+              </a:ext>
+            </a:extLst>
+          </p:cNvPr>
+          <p:cNvSpPr/>
+          <p:nvPr/>
+        </p:nvSpPr>
+        <p:spPr>
+          <a:xfrm>
+            <a:off x="677334" y="4727448"/>
+            <a:ext cx="4589610" cy="1408176"/>
+          </a:xfrm>
+          <a:prstGeom prst="rect">
+            <a:avLst/>
+          </a:prstGeom>
+          <a:solidFill>
+            <a:schemeClr val="tx2">
+              <a:lumMod val="20000"/>
+              <a:lumOff val="80000"/>
+            </a:schemeClr>
+          </a:solidFill>
+        </p:spPr>
+        <p:style>
+          <a:lnRef idx="2">
+            <a:schemeClr val="accent6"/>
+          </a:lnRef>
+          <a:fillRef idx="1">
+            <a:schemeClr val="lt1"/>
+          </a:fillRef>
+          <a:effectRef idx="0">
+            <a:schemeClr val="accent6"/>
+          </a:effectRef>
+          <a:fontRef idx="minor">
+            <a:schemeClr val="dk1"/>
+          </a:fontRef>
+        </p:style>
+        <p:txBody>
+          <a:bodyPr rtlCol="0" anchor="ctr"/>
+          <a:lstStyle/>
+          <a:p>
+            <a:pPr algn="ctr"/>
+            <a:endParaRPr lang="en-IL"/>
+          </a:p>
+        </p:txBody>
+      </p:sp>
+      <p:sp>
+        <p:nvSpPr>
           <p:cNvPr id="3" name="Content Placeholder 2">
             <a:extLst>
               <a:ext uri="{FF2B5EF4-FFF2-40B4-BE49-F238E27FC236}">
@@ -9539,40 +9592,69 @@
         </p:spPr>
         <p:txBody>
           <a:bodyPr>
-            <a:normAutofit lnSpcReduction="10000"/>
+            <a:normAutofit fontScale="85000" lnSpcReduction="20000"/>
           </a:bodyPr>
           <a:lstStyle/>
           <a:p>
             <a:r>
-              <a:rPr lang="en-US" sz="2000" dirty="0"/>
-              <a:t>The</a:t>
-            </a:r>
-            <a:r>
-              <a:rPr lang="en-US" sz="2000" dirty="0">
-                <a:solidFill>
-                  <a:schemeClr val="accent1"/>
-                </a:solidFill>
-              </a:rPr>
-              <a:t> Spring Boot Test Starter </a:t>
-            </a:r>
-            <a:r>
-              <a:rPr lang="en-US" sz="2000" dirty="0"/>
-              <a:t>comes with </a:t>
-            </a:r>
-            <a:r>
-              <a:rPr lang="en-US" sz="2000" dirty="0">
+              <a:rPr lang="en-US" sz="2100" dirty="0"/>
+              <a:t>Spring Boot provides a number of utilities and annotations to help when testing your application. Most developers use the </a:t>
+            </a:r>
+            <a:r>
+              <a:rPr lang="en-US" sz="2100" dirty="0">
+                <a:solidFill>
+                  <a:srgbClr val="92D050"/>
+                </a:solidFill>
+              </a:rPr>
+              <a:t>spring-boot-starter-test</a:t>
+            </a:r>
+            <a:r>
+              <a:rPr lang="en-US" sz="2100" dirty="0"/>
+              <a:t> “Starter”, which imports (in the test scope):</a:t>
+            </a:r>
+          </a:p>
+          <a:p>
+            <a:pPr lvl="1"/>
+            <a:r>
+              <a:rPr lang="en-US" sz="1800" dirty="0">
+                <a:solidFill>
+                  <a:srgbClr val="92D050"/>
+                </a:solidFill>
+              </a:rPr>
+              <a:t>Spring Test &amp; Spring Boot Test</a:t>
+            </a:r>
+            <a:r>
+              <a:rPr lang="en-US" sz="1800" dirty="0">
+                <a:solidFill>
+                  <a:schemeClr val="tx1"/>
+                </a:solidFill>
+              </a:rPr>
+              <a:t> - utilities and integration test support for Spring Boot applications.</a:t>
+            </a:r>
+          </a:p>
+          <a:p>
+            <a:pPr lvl="1"/>
+            <a:r>
+              <a:rPr lang="en-US" sz="1800" dirty="0">
                 <a:solidFill>
                   <a:srgbClr val="00B0F0"/>
                 </a:solidFill>
               </a:rPr>
-              <a:t>Mockito</a:t>
-            </a:r>
-            <a:r>
-              <a:rPr lang="en-US" sz="2000" dirty="0"/>
-              <a:t> and </a:t>
-            </a:r>
-            <a:r>
-              <a:rPr lang="en-US" sz="2000" dirty="0" err="1">
+              <a:t>Junit - </a:t>
+            </a:r>
+            <a:r>
+              <a:rPr lang="en-US" sz="1800" dirty="0">
+                <a:solidFill>
+                  <a:schemeClr val="tx1"/>
+                </a:solidFill>
+              </a:rPr>
+              <a:t>the de-facto standard for unit testing Java applications.</a:t>
+            </a:r>
+          </a:p>
+          <a:p>
+            <a:pPr lvl="1"/>
+            <a:r>
+              <a:rPr lang="en-US" sz="1800" dirty="0" err="1">
                 <a:solidFill>
                   <a:srgbClr val="00B0F0"/>
                 </a:solidFill>
@@ -9580,167 +9662,319 @@
               <a:t>AssertJ</a:t>
             </a:r>
             <a:r>
-              <a:rPr lang="en-US" sz="2000" dirty="0"/>
-              <a:t> as testing libraries.</a:t>
-            </a:r>
-          </a:p>
-          <a:p>
-            <a:r>
-              <a:rPr lang="en-US" sz="2000" dirty="0">
-                <a:solidFill>
-                  <a:schemeClr val="accent1"/>
-                </a:solidFill>
-              </a:rPr>
-              <a:t>Spring Boot Test </a:t>
-            </a:r>
-            <a:r>
-              <a:rPr lang="en-US" sz="2000" dirty="0"/>
-              <a:t>provides two annotations for testing Spring application:</a:t>
+              <a:rPr lang="en-US" sz="1800" dirty="0"/>
+              <a:t> - a fluent assertion library.</a:t>
             </a:r>
           </a:p>
           <a:p>
             <a:pPr lvl="1"/>
             <a:r>
-              <a:rPr lang="en-US" sz="2000" dirty="0">
-                <a:solidFill>
-                  <a:schemeClr val="accent1"/>
-                </a:solidFill>
-              </a:rPr>
-              <a:t>@</a:t>
-            </a:r>
-            <a:r>
-              <a:rPr lang="en-US" sz="2000" dirty="0" err="1">
-                <a:solidFill>
-                  <a:schemeClr val="accent1"/>
-                </a:solidFill>
-              </a:rPr>
-              <a:t>SpringBootTest</a:t>
-            </a:r>
-            <a:r>
-              <a:rPr lang="en-US" sz="2000" dirty="0">
-                <a:solidFill>
-                  <a:schemeClr val="accent1"/>
-                </a:solidFill>
-              </a:rPr>
-              <a:t> </a:t>
-            </a:r>
-            <a:r>
-              <a:rPr lang="en-US" sz="2000" dirty="0"/>
-              <a:t>– this annotation creates an application context and loads all beans of the application. It means we can @</a:t>
-            </a:r>
-            <a:r>
-              <a:rPr lang="en-US" sz="2000" dirty="0" err="1"/>
-              <a:t>Autowire</a:t>
-            </a:r>
-            <a:r>
-              <a:rPr lang="en-US" sz="2000" dirty="0"/>
-              <a:t> any bean that's picked up by component scanning into our test. @</a:t>
-            </a:r>
-            <a:r>
-              <a:rPr lang="en-US" sz="2000" dirty="0" err="1"/>
-              <a:t>SpringBootTest</a:t>
-            </a:r>
-            <a:r>
-              <a:rPr lang="en-US" sz="2000" dirty="0"/>
-              <a:t> starts the embedded server and creates a web environment. Use @</a:t>
-            </a:r>
-            <a:r>
-              <a:rPr lang="en-US" sz="2000" dirty="0" err="1"/>
-              <a:t>SpringBootTest</a:t>
-            </a:r>
-            <a:r>
-              <a:rPr lang="en-US" sz="2000" dirty="0"/>
-              <a:t> for </a:t>
-            </a:r>
-            <a:r>
-              <a:rPr lang="en-US" sz="2000" b="1" dirty="0"/>
-              <a:t>integration tests</a:t>
-            </a:r>
-            <a:r>
-              <a:rPr lang="en-US" sz="2000" dirty="0"/>
-              <a:t>.</a:t>
+              <a:rPr lang="en-US" sz="1800" dirty="0">
+                <a:solidFill>
+                  <a:srgbClr val="00B0F0"/>
+                </a:solidFill>
+              </a:rPr>
+              <a:t>Mockito - a Java mocking framework.</a:t>
             </a:r>
           </a:p>
           <a:p>
             <a:pPr lvl="1"/>
             <a:r>
-              <a:rPr lang="en-US" sz="2000" dirty="0">
-                <a:solidFill>
-                  <a:schemeClr val="accent1"/>
-                </a:solidFill>
-              </a:rPr>
-              <a:t>@</a:t>
-            </a:r>
-            <a:r>
-              <a:rPr lang="en-US" sz="2000" dirty="0" err="1">
-                <a:solidFill>
-                  <a:schemeClr val="accent1"/>
-                </a:solidFill>
-              </a:rPr>
-              <a:t>WebMvcTest</a:t>
-            </a:r>
-            <a:r>
-              <a:rPr lang="en-US" sz="2000" dirty="0">
-                <a:solidFill>
-                  <a:schemeClr val="accent1"/>
-                </a:solidFill>
-              </a:rPr>
-              <a:t> </a:t>
-            </a:r>
-            <a:r>
-              <a:rPr lang="en-US" sz="2000" dirty="0"/>
-              <a:t>– allows to test Spring MVC controller, loads </a:t>
-            </a:r>
-            <a:r>
-              <a:rPr lang="en-US" sz="2000" b="1" dirty="0"/>
-              <a:t>only</a:t>
-            </a:r>
-            <a:r>
-              <a:rPr lang="en-US" sz="2000" dirty="0"/>
-              <a:t> the specified controller and its dependencies only without loading the entire application. Good for </a:t>
-            </a:r>
-            <a:r>
-              <a:rPr lang="en-US" sz="2000" b="1" dirty="0"/>
-              <a:t>Unit testing</a:t>
-            </a:r>
-            <a:r>
-              <a:rPr lang="en-US" sz="2000" dirty="0"/>
-              <a:t>.</a:t>
-            </a:r>
-          </a:p>
-          <a:p>
-            <a:r>
-              <a:rPr lang="en-US" sz="2000" dirty="0"/>
-              <a:t>Use </a:t>
-            </a:r>
-            <a:r>
-              <a:rPr lang="en-US" sz="2000" dirty="0">
-                <a:solidFill>
-                  <a:schemeClr val="accent1"/>
-                </a:solidFill>
-              </a:rPr>
-              <a:t>@</a:t>
-            </a:r>
-            <a:r>
-              <a:rPr lang="en-US" sz="2000" dirty="0" err="1">
-                <a:solidFill>
-                  <a:schemeClr val="accent1"/>
-                </a:solidFill>
-              </a:rPr>
-              <a:t>MockBean</a:t>
-            </a:r>
-            <a:r>
-              <a:rPr lang="en-US" sz="2000" dirty="0">
-                <a:solidFill>
-                  <a:schemeClr val="accent1"/>
-                </a:solidFill>
-              </a:rPr>
-              <a:t> </a:t>
-            </a:r>
-            <a:r>
-              <a:rPr lang="en-US" sz="2000" dirty="0"/>
-              <a:t>annotation to mock a bean object.</a:t>
-            </a:r>
+              <a:rPr lang="en-US" sz="1800" dirty="0" err="1">
+                <a:solidFill>
+                  <a:srgbClr val="00B0F0"/>
+                </a:solidFill>
+              </a:rPr>
+              <a:t>Hamcrest</a:t>
+            </a:r>
+            <a:r>
+              <a:rPr lang="en-US" sz="1800" dirty="0"/>
+              <a:t> - a library of matcher objects</a:t>
+            </a:r>
+          </a:p>
+          <a:p>
+            <a:pPr lvl="1"/>
+            <a:r>
+              <a:rPr lang="en-US" sz="1800" dirty="0"/>
+              <a:t>a number of other useful testing libraries.</a:t>
+            </a:r>
+          </a:p>
+          <a:p>
+            <a:endParaRPr lang="en-US" sz="2000" dirty="0"/>
+          </a:p>
+          <a:p>
+            <a:pPr marL="0" indent="0">
+              <a:buNone/>
+            </a:pPr>
+            <a:r>
+              <a:rPr lang="en-US" sz="1800" dirty="0">
+                <a:solidFill>
+                  <a:srgbClr val="080808"/>
+                </a:solidFill>
+                <a:effectLst/>
+                <a:latin typeface="JetBrains Mono"/>
+              </a:rPr>
+              <a:t>&lt;</a:t>
+            </a:r>
+            <a:r>
+              <a:rPr lang="en-US" sz="1800" dirty="0">
+                <a:solidFill>
+                  <a:srgbClr val="0033B3"/>
+                </a:solidFill>
+                <a:effectLst/>
+                <a:latin typeface="JetBrains Mono"/>
+              </a:rPr>
+              <a:t>dependency</a:t>
+            </a:r>
+            <a:r>
+              <a:rPr lang="en-US" sz="1800" dirty="0">
+                <a:solidFill>
+                  <a:srgbClr val="080808"/>
+                </a:solidFill>
+                <a:effectLst/>
+                <a:latin typeface="JetBrains Mono"/>
+              </a:rPr>
+              <a:t>&gt;</a:t>
+            </a:r>
+            <a:br>
+              <a:rPr lang="en-US" sz="1800" dirty="0">
+                <a:solidFill>
+                  <a:srgbClr val="080808"/>
+                </a:solidFill>
+                <a:effectLst/>
+                <a:latin typeface="JetBrains Mono"/>
+              </a:rPr>
+            </a:br>
+            <a:r>
+              <a:rPr lang="en-US" sz="1800" dirty="0">
+                <a:solidFill>
+                  <a:srgbClr val="080808"/>
+                </a:solidFill>
+                <a:effectLst/>
+                <a:latin typeface="JetBrains Mono"/>
+              </a:rPr>
+              <a:t>    &lt;</a:t>
+            </a:r>
+            <a:r>
+              <a:rPr lang="en-US" sz="1800" dirty="0" err="1">
+                <a:solidFill>
+                  <a:srgbClr val="0033B3"/>
+                </a:solidFill>
+                <a:effectLst/>
+                <a:latin typeface="JetBrains Mono"/>
+              </a:rPr>
+              <a:t>groupId</a:t>
+            </a:r>
+            <a:r>
+              <a:rPr lang="en-US" sz="1800" dirty="0">
+                <a:solidFill>
+                  <a:srgbClr val="080808"/>
+                </a:solidFill>
+                <a:effectLst/>
+                <a:latin typeface="JetBrains Mono"/>
+              </a:rPr>
+              <a:t>&gt;</a:t>
+            </a:r>
+            <a:r>
+              <a:rPr lang="en-US" sz="1800" dirty="0" err="1">
+                <a:solidFill>
+                  <a:srgbClr val="080808"/>
+                </a:solidFill>
+                <a:effectLst/>
+                <a:latin typeface="JetBrains Mono"/>
+              </a:rPr>
+              <a:t>org.springframework.boot</a:t>
+            </a:r>
+            <a:r>
+              <a:rPr lang="en-US" sz="1800" dirty="0">
+                <a:solidFill>
+                  <a:srgbClr val="080808"/>
+                </a:solidFill>
+                <a:effectLst/>
+                <a:latin typeface="JetBrains Mono"/>
+              </a:rPr>
+              <a:t>&lt;/</a:t>
+            </a:r>
+            <a:r>
+              <a:rPr lang="en-US" sz="1800" dirty="0" err="1">
+                <a:solidFill>
+                  <a:srgbClr val="0033B3"/>
+                </a:solidFill>
+                <a:effectLst/>
+                <a:latin typeface="JetBrains Mono"/>
+              </a:rPr>
+              <a:t>groupId</a:t>
+            </a:r>
+            <a:r>
+              <a:rPr lang="en-US" sz="1800" dirty="0">
+                <a:solidFill>
+                  <a:srgbClr val="080808"/>
+                </a:solidFill>
+                <a:effectLst/>
+                <a:latin typeface="JetBrains Mono"/>
+              </a:rPr>
+              <a:t>&gt;</a:t>
+            </a:r>
+            <a:br>
+              <a:rPr lang="en-US" sz="1800" dirty="0">
+                <a:solidFill>
+                  <a:srgbClr val="080808"/>
+                </a:solidFill>
+                <a:effectLst/>
+                <a:latin typeface="JetBrains Mono"/>
+              </a:rPr>
+            </a:br>
+            <a:r>
+              <a:rPr lang="en-US" sz="1800" dirty="0">
+                <a:solidFill>
+                  <a:srgbClr val="080808"/>
+                </a:solidFill>
+                <a:effectLst/>
+                <a:latin typeface="JetBrains Mono"/>
+              </a:rPr>
+              <a:t>    &lt;</a:t>
+            </a:r>
+            <a:r>
+              <a:rPr lang="en-US" sz="1800" dirty="0" err="1">
+                <a:solidFill>
+                  <a:srgbClr val="0033B3"/>
+                </a:solidFill>
+                <a:effectLst/>
+                <a:latin typeface="JetBrains Mono"/>
+              </a:rPr>
+              <a:t>artifactId</a:t>
+            </a:r>
+            <a:r>
+              <a:rPr lang="en-US" sz="1800" dirty="0">
+                <a:solidFill>
+                  <a:srgbClr val="080808"/>
+                </a:solidFill>
+                <a:effectLst/>
+                <a:latin typeface="JetBrains Mono"/>
+              </a:rPr>
+              <a:t>&gt;spring-boot-starter-test&lt;/</a:t>
+            </a:r>
+            <a:r>
+              <a:rPr lang="en-US" sz="1800" dirty="0" err="1">
+                <a:solidFill>
+                  <a:srgbClr val="0033B3"/>
+                </a:solidFill>
+                <a:effectLst/>
+                <a:latin typeface="JetBrains Mono"/>
+              </a:rPr>
+              <a:t>artifactId</a:t>
+            </a:r>
+            <a:r>
+              <a:rPr lang="en-US" sz="1800" dirty="0">
+                <a:solidFill>
+                  <a:srgbClr val="080808"/>
+                </a:solidFill>
+                <a:effectLst/>
+                <a:latin typeface="JetBrains Mono"/>
+              </a:rPr>
+              <a:t>&gt;</a:t>
+            </a:r>
+            <a:br>
+              <a:rPr lang="en-US" sz="1800" dirty="0">
+                <a:solidFill>
+                  <a:srgbClr val="080808"/>
+                </a:solidFill>
+                <a:effectLst/>
+                <a:latin typeface="JetBrains Mono"/>
+              </a:rPr>
+            </a:br>
+            <a:r>
+              <a:rPr lang="en-US" sz="1800" dirty="0">
+                <a:solidFill>
+                  <a:srgbClr val="080808"/>
+                </a:solidFill>
+                <a:effectLst/>
+                <a:latin typeface="JetBrains Mono"/>
+              </a:rPr>
+              <a:t>    &lt;</a:t>
+            </a:r>
+            <a:r>
+              <a:rPr lang="en-US" sz="1800" dirty="0">
+                <a:solidFill>
+                  <a:srgbClr val="0033B3"/>
+                </a:solidFill>
+                <a:effectLst/>
+                <a:latin typeface="JetBrains Mono"/>
+              </a:rPr>
+              <a:t>scope</a:t>
+            </a:r>
+            <a:r>
+              <a:rPr lang="en-US" sz="1800" dirty="0">
+                <a:solidFill>
+                  <a:srgbClr val="080808"/>
+                </a:solidFill>
+                <a:effectLst/>
+                <a:latin typeface="JetBrains Mono"/>
+              </a:rPr>
+              <a:t>&gt;test&lt;/</a:t>
+            </a:r>
+            <a:r>
+              <a:rPr lang="en-US" sz="1800" dirty="0">
+                <a:solidFill>
+                  <a:srgbClr val="0033B3"/>
+                </a:solidFill>
+                <a:effectLst/>
+                <a:latin typeface="JetBrains Mono"/>
+              </a:rPr>
+              <a:t>scope</a:t>
+            </a:r>
+            <a:r>
+              <a:rPr lang="en-US" sz="1800" dirty="0">
+                <a:solidFill>
+                  <a:srgbClr val="080808"/>
+                </a:solidFill>
+                <a:effectLst/>
+                <a:latin typeface="JetBrains Mono"/>
+              </a:rPr>
+              <a:t>&gt;</a:t>
+            </a:r>
+            <a:br>
+              <a:rPr lang="en-US" sz="1800" dirty="0">
+                <a:solidFill>
+                  <a:srgbClr val="080808"/>
+                </a:solidFill>
+                <a:effectLst/>
+                <a:latin typeface="JetBrains Mono"/>
+              </a:rPr>
+            </a:br>
+            <a:r>
+              <a:rPr lang="en-US" sz="1800" dirty="0">
+                <a:solidFill>
+                  <a:srgbClr val="080808"/>
+                </a:solidFill>
+                <a:effectLst/>
+                <a:latin typeface="JetBrains Mono"/>
+              </a:rPr>
+              <a:t>&lt;/</a:t>
+            </a:r>
+            <a:r>
+              <a:rPr lang="en-US" sz="1800" dirty="0">
+                <a:solidFill>
+                  <a:srgbClr val="0033B3"/>
+                </a:solidFill>
+                <a:effectLst/>
+                <a:latin typeface="JetBrains Mono"/>
+              </a:rPr>
+              <a:t>dependency</a:t>
+            </a:r>
+            <a:r>
+              <a:rPr lang="en-US" sz="1800" dirty="0">
+                <a:solidFill>
+                  <a:srgbClr val="080808"/>
+                </a:solidFill>
+                <a:effectLst/>
+                <a:latin typeface="JetBrains Mono"/>
+              </a:rPr>
+              <a:t>&gt;</a:t>
+            </a:r>
+          </a:p>
+          <a:p>
+            <a:endParaRPr lang="en-US" sz="2000" dirty="0"/>
           </a:p>
         </p:txBody>
       </p:sp>
@@ -9779,7 +10013,7 @@
           <p:cNvPr id="2" name="Title 1">
             <a:extLst>
               <a:ext uri="{FF2B5EF4-FFF2-40B4-BE49-F238E27FC236}">
-                <a16:creationId xmlns:a16="http://schemas.microsoft.com/office/drawing/2014/main" id="{06F2650E-704A-05BA-C44D-B60D833AD400}"/>
+                <a16:creationId xmlns:a16="http://schemas.microsoft.com/office/drawing/2014/main" id="{5B5D60C3-15A9-CBE7-D0C3-A830B2DAD700}"/>
               </a:ext>
             </a:extLst>
           </p:cNvPr>
@@ -9797,8 +10031,33 @@
           <a:p>
             <a:r>
               <a:rPr lang="en-IL" dirty="0"/>
-              <a:t>Hands-on</a:t>
-            </a:r>
+              <a:t>Testing with </a:t>
+            </a:r>
+            <a:r>
+              <a:rPr lang="en-US" sz="3600" dirty="0">
+                <a:solidFill>
+                  <a:schemeClr val="accent1"/>
+                </a:solidFill>
+              </a:rPr>
+              <a:t>@</a:t>
+            </a:r>
+            <a:r>
+              <a:rPr lang="en-US" sz="3600" dirty="0" err="1">
+                <a:solidFill>
+                  <a:schemeClr val="accent1"/>
+                </a:solidFill>
+              </a:rPr>
+              <a:t>SpringBootTest</a:t>
+            </a:r>
+            <a:r>
+              <a:rPr lang="en-US" sz="3600" dirty="0">
+                <a:solidFill>
+                  <a:schemeClr val="accent1"/>
+                </a:solidFill>
+              </a:rPr>
+              <a:t> </a:t>
+            </a:r>
+            <a:endParaRPr lang="en-IL" dirty="0"/>
           </a:p>
         </p:txBody>
       </p:sp>
@@ -9807,7 +10066,7 @@
           <p:cNvPr id="3" name="Content Placeholder 2">
             <a:extLst>
               <a:ext uri="{FF2B5EF4-FFF2-40B4-BE49-F238E27FC236}">
-                <a16:creationId xmlns:a16="http://schemas.microsoft.com/office/drawing/2014/main" id="{1A7CD13F-FA6F-3E8C-F9AE-F29C9B5DF573}"/>
+                <a16:creationId xmlns:a16="http://schemas.microsoft.com/office/drawing/2014/main" id="{7695F3AC-07A0-6B46-6A24-05ABC310C07C}"/>
               </a:ext>
             </a:extLst>
           </p:cNvPr>
@@ -9821,164 +10080,148 @@
         <p:spPr/>
         <p:txBody>
           <a:bodyPr>
-            <a:normAutofit fontScale="85000" lnSpcReduction="10000"/>
+            <a:normAutofit/>
           </a:bodyPr>
           <a:lstStyle/>
           <a:p>
-            <a:pPr marL="342900" indent="-342900" algn="l" defTabSz="457200" rtl="0" eaLnBrk="1" latinLnBrk="0" hangingPunct="1">
-              <a:spcBef>
-                <a:spcPts val="1000"/>
-              </a:spcBef>
-              <a:spcAft>
-                <a:spcPts val="0"/>
-              </a:spcAft>
-              <a:buClr>
-                <a:schemeClr val="accent1"/>
-              </a:buClr>
-              <a:buSzPct val="80000"/>
-              <a:buFont typeface="Wingdings 3" charset="2"/>
-              <a:buChar char=""/>
-            </a:pPr>
-            <a:r>
-              <a:rPr lang="en-IL" dirty="0"/>
-              <a:t>Create a REST microservice that implements ATM (</a:t>
-            </a:r>
-            <a:r>
-              <a:rPr lang="he-IL" dirty="0"/>
-              <a:t>כספומט</a:t>
-            </a:r>
-            <a:r>
-              <a:rPr lang="en-IL" dirty="0"/>
-              <a:t>)</a:t>
-            </a:r>
-          </a:p>
-          <a:p>
-            <a:pPr marL="342900" indent="-342900" algn="l" defTabSz="457200" rtl="0" eaLnBrk="1" latinLnBrk="0" hangingPunct="1">
-              <a:spcBef>
-                <a:spcPts val="1000"/>
-              </a:spcBef>
-              <a:spcAft>
-                <a:spcPts val="0"/>
-              </a:spcAft>
-              <a:buClr>
-                <a:schemeClr val="accent1"/>
-              </a:buClr>
-              <a:buSzPct val="80000"/>
-              <a:buFont typeface="Wingdings 3" charset="2"/>
-              <a:buChar char=""/>
-            </a:pPr>
-            <a:r>
-              <a:rPr lang="en-IL" dirty="0"/>
-              <a:t>Implement a repository class that keeps the amount of money for different accounts.</a:t>
-            </a:r>
-          </a:p>
-          <a:p>
-            <a:pPr marL="342900" indent="-342900" algn="l" defTabSz="457200" rtl="0" eaLnBrk="1" latinLnBrk="0" hangingPunct="1">
-              <a:spcBef>
-                <a:spcPts val="1000"/>
-              </a:spcBef>
-              <a:spcAft>
-                <a:spcPts val="0"/>
-              </a:spcAft>
-              <a:buClr>
-                <a:schemeClr val="accent1"/>
-              </a:buClr>
-              <a:buSzPct val="80000"/>
-              <a:buFont typeface="Wingdings 3" charset="2"/>
-              <a:buChar char=""/>
-            </a:pPr>
-            <a:r>
-              <a:rPr lang="en-IL" dirty="0"/>
-              <a:t>Implement the following APIs:</a:t>
-            </a:r>
-          </a:p>
-          <a:p>
-            <a:pPr lvl="1" indent="-342900"/>
-            <a:r>
-              <a:rPr lang="en-IL" dirty="0"/>
-              <a:t>GET </a:t>
-            </a:r>
-            <a:r>
-              <a:rPr lang="en-US" dirty="0">
-                <a:hlinkClick r:id="rId2"/>
-              </a:rPr>
-              <a:t>http://localhost:8080/ballance/{accountID}/info?currency=NIS</a:t>
-            </a:r>
-            <a:endParaRPr lang="en-IL" dirty="0"/>
-          </a:p>
-          <a:p>
-            <a:pPr lvl="2" indent="-342900"/>
-            <a:r>
-              <a:rPr lang="en-IL" dirty="0"/>
-              <a:t>Returns the amount of money for the specified account. Currency is an optional </a:t>
-            </a:r>
-            <a:r>
-              <a:rPr lang="en-US" dirty="0"/>
-              <a:t>parameter;</a:t>
-            </a:r>
-            <a:r>
-              <a:rPr lang="en-IL" dirty="0"/>
-              <a:t> the default value is NIS.</a:t>
-            </a:r>
-          </a:p>
-          <a:p>
-            <a:pPr lvl="1"/>
-            <a:r>
-              <a:rPr lang="en-IL" dirty="0"/>
-              <a:t>POST </a:t>
-            </a:r>
-            <a:r>
-              <a:rPr lang="en-US" dirty="0">
-                <a:hlinkClick r:id="rId3"/>
-              </a:rPr>
-              <a:t>http://localhost:8080/ballance/{accountID}/transaction/withdraw?amount=100&amp;currency=NIS  </a:t>
-            </a:r>
-            <a:endParaRPr lang="en-US" dirty="0"/>
-          </a:p>
-          <a:p>
-            <a:pPr lvl="2"/>
-            <a:r>
-              <a:rPr lang="en-US" dirty="0"/>
-              <a:t>Sends a request to withdraw money from the account. Returns the balance of the account after the transaction. </a:t>
-            </a:r>
-          </a:p>
-          <a:p>
-            <a:pPr lvl="1"/>
-            <a:r>
-              <a:rPr lang="en-IL" dirty="0"/>
-              <a:t>POST </a:t>
-            </a:r>
-            <a:r>
-              <a:rPr lang="en-US" dirty="0">
-                <a:hlinkClick r:id="rId4"/>
-              </a:rPr>
-              <a:t>http://localhost:8080/ballance/{accountID}/transaction/invest?amount=100&amp;currency=NIS  </a:t>
-            </a:r>
-            <a:endParaRPr lang="en-US" dirty="0"/>
-          </a:p>
-          <a:p>
-            <a:pPr lvl="2"/>
-            <a:r>
-              <a:rPr lang="en-US" dirty="0"/>
-              <a:t>Sends a request to put money into the account. Returns the balance of the account after the transaction. </a:t>
-            </a:r>
-            <a:endParaRPr lang="en-IL" dirty="0"/>
-          </a:p>
-          <a:p>
-            <a:pPr marL="342900" indent="-342900" algn="l" defTabSz="457200" rtl="0" eaLnBrk="1" latinLnBrk="0" hangingPunct="1">
-              <a:spcBef>
-                <a:spcPts val="1000"/>
-              </a:spcBef>
-              <a:spcAft>
-                <a:spcPts val="0"/>
-              </a:spcAft>
-              <a:buClr>
-                <a:schemeClr val="accent1"/>
-              </a:buClr>
-              <a:buSzPct val="80000"/>
-              <a:buFont typeface="Wingdings 3" charset="2"/>
-              <a:buChar char=""/>
-            </a:pPr>
+            <a:r>
+              <a:rPr lang="en-US" sz="2400" dirty="0">
+                <a:solidFill>
+                  <a:schemeClr val="tx1"/>
+                </a:solidFill>
+              </a:rPr>
+              <a:t>The </a:t>
+            </a:r>
+            <a:r>
+              <a:rPr lang="en-US" sz="2400" dirty="0">
+                <a:solidFill>
+                  <a:srgbClr val="92D050"/>
+                </a:solidFill>
+              </a:rPr>
+              <a:t>@</a:t>
+            </a:r>
+            <a:r>
+              <a:rPr lang="en-US" sz="2400" dirty="0" err="1">
+                <a:solidFill>
+                  <a:srgbClr val="92D050"/>
+                </a:solidFill>
+              </a:rPr>
+              <a:t>SpringBootTest</a:t>
+            </a:r>
+            <a:r>
+              <a:rPr lang="en-US" sz="2400" dirty="0">
+                <a:solidFill>
+                  <a:srgbClr val="92D050"/>
+                </a:solidFill>
+              </a:rPr>
+              <a:t> </a:t>
+            </a:r>
+            <a:r>
+              <a:rPr lang="en-US" sz="2400" dirty="0">
+                <a:solidFill>
+                  <a:schemeClr val="tx1"/>
+                </a:solidFill>
+              </a:rPr>
+              <a:t>annotation is useful when we need to bootstrap the entire Spring application container. </a:t>
+            </a:r>
+          </a:p>
+          <a:p>
+            <a:r>
+              <a:rPr lang="en-US" sz="2400" dirty="0"/>
+              <a:t>This annotation creates an application context and loads all beans of the application. It means we can </a:t>
+            </a:r>
+            <a:r>
+              <a:rPr lang="en-US" sz="2400" dirty="0">
+                <a:solidFill>
+                  <a:srgbClr val="92D050"/>
+                </a:solidFill>
+              </a:rPr>
+              <a:t>@</a:t>
+            </a:r>
+            <a:r>
+              <a:rPr lang="en-US" sz="2400" dirty="0" err="1">
+                <a:solidFill>
+                  <a:srgbClr val="92D050"/>
+                </a:solidFill>
+              </a:rPr>
+              <a:t>Autowire</a:t>
+            </a:r>
+            <a:r>
+              <a:rPr lang="en-US" sz="2400" dirty="0">
+                <a:solidFill>
+                  <a:srgbClr val="92D050"/>
+                </a:solidFill>
+              </a:rPr>
+              <a:t> </a:t>
+            </a:r>
+            <a:r>
+              <a:rPr lang="en-US" sz="2400" dirty="0"/>
+              <a:t>any bean that's picked up by component scanning into our test. </a:t>
+            </a:r>
+            <a:r>
+              <a:rPr lang="en-US" sz="2400" dirty="0">
+                <a:solidFill>
+                  <a:srgbClr val="92D050"/>
+                </a:solidFill>
+              </a:rPr>
+              <a:t>@</a:t>
+            </a:r>
+            <a:r>
+              <a:rPr lang="en-US" sz="2400" dirty="0" err="1">
+                <a:solidFill>
+                  <a:srgbClr val="92D050"/>
+                </a:solidFill>
+              </a:rPr>
+              <a:t>SpringBootTest</a:t>
+            </a:r>
+            <a:r>
+              <a:rPr lang="en-US" sz="2400" dirty="0">
+                <a:solidFill>
+                  <a:srgbClr val="92D050"/>
+                </a:solidFill>
+              </a:rPr>
+              <a:t> </a:t>
+            </a:r>
+            <a:r>
+              <a:rPr lang="en-US" sz="2400" dirty="0"/>
+              <a:t>starts the embedded server and creates a web environment. </a:t>
+            </a:r>
+          </a:p>
+          <a:p>
+            <a:r>
+              <a:rPr lang="en-US" sz="2400" dirty="0"/>
+              <a:t>Use </a:t>
+            </a:r>
+            <a:r>
+              <a:rPr lang="en-US" sz="2400" dirty="0">
+                <a:solidFill>
+                  <a:schemeClr val="accent1"/>
+                </a:solidFill>
+              </a:rPr>
+              <a:t>@</a:t>
+            </a:r>
+            <a:r>
+              <a:rPr lang="en-US" sz="2400" dirty="0" err="1">
+                <a:solidFill>
+                  <a:schemeClr val="accent1"/>
+                </a:solidFill>
+              </a:rPr>
+              <a:t>MockBean</a:t>
+            </a:r>
+            <a:r>
+              <a:rPr lang="en-US" sz="2400" dirty="0">
+                <a:solidFill>
+                  <a:schemeClr val="accent1"/>
+                </a:solidFill>
+              </a:rPr>
+              <a:t> </a:t>
+            </a:r>
+            <a:r>
+              <a:rPr lang="en-US" sz="2400" dirty="0"/>
+              <a:t>annotation to mock a bean object.</a:t>
+            </a:r>
+          </a:p>
+          <a:p>
             <a:endParaRPr lang="en-IL" dirty="0"/>
           </a:p>
         </p:txBody>
@@ -9986,7 +10229,7 @@
     </p:spTree>
     <p:extLst>
       <p:ext uri="{BB962C8B-B14F-4D97-AF65-F5344CB8AC3E}">
-        <p14:creationId xmlns:p14="http://schemas.microsoft.com/office/powerpoint/2010/main" val="2238921821"/>
+        <p14:creationId xmlns:p14="http://schemas.microsoft.com/office/powerpoint/2010/main" val="3935365845"/>
       </p:ext>
     </p:extLst>
   </p:cSld>
@@ -10018,7 +10261,7 @@
           <p:cNvPr id="2" name="Title 1">
             <a:extLst>
               <a:ext uri="{FF2B5EF4-FFF2-40B4-BE49-F238E27FC236}">
-                <a16:creationId xmlns:a16="http://schemas.microsoft.com/office/drawing/2014/main" id="{2FA11E1D-F7CD-9C2E-E611-F939102AC085}"/>
+                <a16:creationId xmlns:a16="http://schemas.microsoft.com/office/drawing/2014/main" id="{0675B8A8-BE1D-3ADD-89FA-D4C9D987C9EF}"/>
               </a:ext>
             </a:extLst>
           </p:cNvPr>
@@ -10035,9 +10278,65 @@
           <a:lstStyle/>
           <a:p>
             <a:r>
-              <a:rPr lang="en-IL" dirty="0"/>
-              <a:t>Part 2: Error handling in REST with Spring</a:t>
-            </a:r>
+              <a:rPr lang="en-US" dirty="0"/>
+              <a:t>Testing With a Mock Environment</a:t>
+            </a:r>
+            <a:br>
+              <a:rPr lang="en-US" dirty="0"/>
+            </a:br>
+            <a:endParaRPr lang="en-IL" dirty="0"/>
+          </a:p>
+        </p:txBody>
+      </p:sp>
+      <p:sp>
+        <p:nvSpPr>
+          <p:cNvPr id="4" name="Rectangle 3">
+            <a:extLst>
+              <a:ext uri="{FF2B5EF4-FFF2-40B4-BE49-F238E27FC236}">
+                <a16:creationId xmlns:a16="http://schemas.microsoft.com/office/drawing/2014/main" id="{35A2A8D7-D009-33AD-1C74-059C94F48226}"/>
+              </a:ext>
+            </a:extLst>
+          </p:cNvPr>
+          <p:cNvSpPr/>
+          <p:nvPr/>
+        </p:nvSpPr>
+        <p:spPr>
+          <a:xfrm>
+            <a:off x="677334" y="2880360"/>
+            <a:ext cx="5659458" cy="3017520"/>
+          </a:xfrm>
+          <a:prstGeom prst="rect">
+            <a:avLst/>
+          </a:prstGeom>
+          <a:solidFill>
+            <a:schemeClr val="tx2">
+              <a:lumMod val="20000"/>
+              <a:lumOff val="80000"/>
+            </a:schemeClr>
+          </a:solidFill>
+        </p:spPr>
+        <p:style>
+          <a:lnRef idx="2">
+            <a:schemeClr val="accent1">
+              <a:shade val="50000"/>
+            </a:schemeClr>
+          </a:lnRef>
+          <a:fillRef idx="1">
+            <a:schemeClr val="accent1"/>
+          </a:fillRef>
+          <a:effectRef idx="0">
+            <a:schemeClr val="accent1"/>
+          </a:effectRef>
+          <a:fontRef idx="minor">
+            <a:schemeClr val="lt1"/>
+          </a:fontRef>
+        </p:style>
+        <p:txBody>
+          <a:bodyPr rtlCol="0" anchor="ctr"/>
+          <a:lstStyle/>
+          <a:p>
+            <a:pPr algn="ctr"/>
+            <a:endParaRPr lang="en-IL"/>
           </a:p>
         </p:txBody>
       </p:sp>
@@ -10046,7 +10345,7 @@
           <p:cNvPr id="3" name="Content Placeholder 2">
             <a:extLst>
               <a:ext uri="{FF2B5EF4-FFF2-40B4-BE49-F238E27FC236}">
-                <a16:creationId xmlns:a16="http://schemas.microsoft.com/office/drawing/2014/main" id="{55681765-B02E-FFFD-E528-AE539CB297CE}"/>
+                <a16:creationId xmlns:a16="http://schemas.microsoft.com/office/drawing/2014/main" id="{9974008F-05B7-F79C-FCF0-C4706C8AFD4E}"/>
               </a:ext>
             </a:extLst>
           </p:cNvPr>
@@ -10057,113 +10356,914 @@
             <p:ph idx="1"/>
           </p:nvPr>
         </p:nvSpPr>
-        <p:spPr/>
+        <p:spPr>
+          <a:xfrm>
+            <a:off x="677334" y="1627631"/>
+            <a:ext cx="8596668" cy="4413731"/>
+          </a:xfrm>
+        </p:spPr>
         <p:txBody>
           <a:bodyPr>
-            <a:normAutofit lnSpcReduction="10000"/>
+            <a:normAutofit fontScale="47500" lnSpcReduction="20000"/>
           </a:bodyPr>
           <a:lstStyle/>
           <a:p>
             <a:r>
-              <a:rPr lang="en-IL" sz="2400" dirty="0"/>
-              <a:t>What do we expect from the REST microservice error handling?</a:t>
-            </a:r>
-          </a:p>
-          <a:p>
-            <a:pPr lvl="1"/>
-            <a:r>
-              <a:rPr lang="en-IL" sz="2000" dirty="0"/>
-              <a:t>We want to handle all possible errors and report to the client detailed information about the problem.</a:t>
-            </a:r>
-          </a:p>
-          <a:p>
-            <a:pPr lvl="1"/>
-            <a:r>
-              <a:rPr lang="en-IL" sz="2000" dirty="0"/>
-              <a:t>We want to build a centralized error-handling mechanism, to consolidate all errors we want to handle in one place. At the same time, we want to provide a default error handling for unexpected exceptions.</a:t>
-            </a:r>
-          </a:p>
-          <a:p>
-            <a:r>
-              <a:rPr lang="en-IL" sz="2400" dirty="0"/>
-              <a:t>The solution – </a:t>
-            </a:r>
-            <a:r>
-              <a:rPr lang="en-IL" sz="2400" b="1" i="1" dirty="0">
-                <a:solidFill>
-                  <a:srgbClr val="0070C0"/>
-                </a:solidFill>
-              </a:rPr>
-              <a:t>@ResponseStatus</a:t>
-            </a:r>
-            <a:r>
-              <a:rPr lang="en-IL" sz="2400" dirty="0"/>
-              <a:t>, </a:t>
-            </a:r>
-            <a:r>
-              <a:rPr lang="en-IL" sz="2400" b="1" i="1" dirty="0">
-                <a:solidFill>
-                  <a:srgbClr val="0070C0"/>
-                </a:solidFill>
-              </a:rPr>
-              <a:t>@E</a:t>
-            </a:r>
-            <a:r>
-              <a:rPr lang="en-US" sz="2400" b="1" i="1" dirty="0">
-                <a:solidFill>
-                  <a:srgbClr val="0070C0"/>
-                </a:solidFill>
-              </a:rPr>
-              <a:t>x</a:t>
-            </a:r>
-            <a:r>
-              <a:rPr lang="en-IL" sz="2400" b="1" i="1" dirty="0">
-                <a:solidFill>
-                  <a:srgbClr val="0070C0"/>
-                </a:solidFill>
-              </a:rPr>
-              <a:t>ceptionHandler </a:t>
-            </a:r>
-            <a:r>
-              <a:rPr lang="en-IL" sz="2400" dirty="0"/>
-              <a:t>and </a:t>
-            </a:r>
-            <a:r>
-              <a:rPr lang="en-IL" sz="2400" b="1" i="1" dirty="0">
-                <a:solidFill>
-                  <a:srgbClr val="0070C0"/>
-                </a:solidFill>
-              </a:rPr>
-              <a:t>@RestControllerAdvice </a:t>
-            </a:r>
-            <a:r>
-              <a:rPr lang="en-IL" sz="2400" dirty="0"/>
-              <a:t>annotations and </a:t>
-            </a:r>
-            <a:r>
-              <a:rPr lang="en-IL" sz="2400" b="1" i="1" dirty="0">
-                <a:solidFill>
-                  <a:srgbClr val="0070C0"/>
-                </a:solidFill>
-              </a:rPr>
-              <a:t>ResponseEntityExceptionHandler</a:t>
-            </a:r>
-            <a:r>
-              <a:rPr lang="en-IL" sz="2400" dirty="0"/>
-              <a:t> class.</a:t>
-            </a:r>
-            <a:endParaRPr lang="en-IL" sz="2400" b="1" i="1" dirty="0">
-              <a:solidFill>
-                <a:srgbClr val="0070C0"/>
-              </a:solidFill>
-            </a:endParaRPr>
+              <a:rPr lang="en-US" sz="3800" dirty="0"/>
+              <a:t>By default, </a:t>
+            </a:r>
+            <a:r>
+              <a:rPr lang="en-US" sz="3800" dirty="0">
+                <a:solidFill>
+                  <a:srgbClr val="92D050"/>
+                </a:solidFill>
+              </a:rPr>
+              <a:t>@</a:t>
+            </a:r>
+            <a:r>
+              <a:rPr lang="en-US" sz="3800" dirty="0" err="1">
+                <a:solidFill>
+                  <a:srgbClr val="92D050"/>
+                </a:solidFill>
+              </a:rPr>
+              <a:t>SpringBootTest</a:t>
+            </a:r>
+            <a:r>
+              <a:rPr lang="en-US" sz="3800" dirty="0">
+                <a:solidFill>
+                  <a:srgbClr val="92D050"/>
+                </a:solidFill>
+              </a:rPr>
+              <a:t> </a:t>
+            </a:r>
+            <a:r>
+              <a:rPr lang="en-US" sz="3800" dirty="0"/>
+              <a:t>does not start the server but instead sets up a mock environment for testing web endpoints.</a:t>
+            </a:r>
+          </a:p>
+          <a:p>
+            <a:r>
+              <a:rPr lang="en-US" sz="3800" dirty="0"/>
+              <a:t>With Spring, we can query our web endpoints using </a:t>
+            </a:r>
+            <a:r>
+              <a:rPr lang="en-US" sz="3800" dirty="0" err="1">
+                <a:solidFill>
+                  <a:srgbClr val="00B0F0"/>
+                </a:solidFill>
+              </a:rPr>
+              <a:t>MockMvc</a:t>
+            </a:r>
+            <a:r>
+              <a:rPr lang="en-US" sz="3800" dirty="0"/>
+              <a:t>, as shown in the following example:</a:t>
+            </a:r>
+          </a:p>
+          <a:p>
+            <a:pPr marL="0" indent="0">
+              <a:buNone/>
+            </a:pPr>
+            <a:endParaRPr lang="en-US" sz="2000" dirty="0"/>
+          </a:p>
+          <a:p>
+            <a:pPr marL="0" indent="0">
+              <a:buNone/>
+            </a:pPr>
+            <a:r>
+              <a:rPr lang="en-US" sz="2500" b="1" dirty="0">
+                <a:solidFill>
+                  <a:srgbClr val="9E880D"/>
+                </a:solidFill>
+                <a:effectLst/>
+                <a:latin typeface="JetBrains Mono"/>
+              </a:rPr>
+              <a:t>@</a:t>
+            </a:r>
+            <a:r>
+              <a:rPr lang="en-US" sz="2500" b="1" dirty="0" err="1">
+                <a:solidFill>
+                  <a:srgbClr val="9E880D"/>
+                </a:solidFill>
+                <a:effectLst/>
+                <a:latin typeface="JetBrains Mono"/>
+              </a:rPr>
+              <a:t>AutoConfigureMockMvc</a:t>
+            </a:r>
+            <a:br>
+              <a:rPr lang="en-US" sz="2500" b="1" dirty="0">
+                <a:solidFill>
+                  <a:srgbClr val="9E880D"/>
+                </a:solidFill>
+                <a:effectLst/>
+                <a:latin typeface="JetBrains Mono"/>
+              </a:rPr>
+            </a:br>
+            <a:r>
+              <a:rPr lang="en-US" sz="2500" b="1" dirty="0">
+                <a:solidFill>
+                  <a:srgbClr val="9E880D"/>
+                </a:solidFill>
+                <a:effectLst/>
+                <a:latin typeface="JetBrains Mono"/>
+              </a:rPr>
+              <a:t>@</a:t>
+            </a:r>
+            <a:r>
+              <a:rPr lang="en-US" sz="2500" b="1" dirty="0" err="1">
+                <a:solidFill>
+                  <a:srgbClr val="9E880D"/>
+                </a:solidFill>
+                <a:effectLst/>
+                <a:latin typeface="JetBrains Mono"/>
+              </a:rPr>
+              <a:t>SpringBootTest</a:t>
+            </a:r>
+            <a:br>
+              <a:rPr lang="en-US" sz="2500" dirty="0">
+                <a:solidFill>
+                  <a:srgbClr val="9E880D"/>
+                </a:solidFill>
+                <a:effectLst/>
+                <a:latin typeface="JetBrains Mono"/>
+              </a:rPr>
+            </a:br>
+            <a:r>
+              <a:rPr lang="en-US" sz="2500" dirty="0">
+                <a:solidFill>
+                  <a:srgbClr val="0033B3"/>
+                </a:solidFill>
+                <a:effectLst/>
+                <a:latin typeface="JetBrains Mono"/>
+              </a:rPr>
+              <a:t>class </a:t>
+            </a:r>
+            <a:r>
+              <a:rPr lang="en-US" sz="2500" dirty="0" err="1">
+                <a:solidFill>
+                  <a:srgbClr val="000000"/>
+                </a:solidFill>
+                <a:effectLst/>
+                <a:latin typeface="JetBrains Mono"/>
+              </a:rPr>
+              <a:t>SpringMicroserviceDemoApplicationTests</a:t>
+            </a:r>
+            <a:r>
+              <a:rPr lang="en-US" sz="2500" dirty="0">
+                <a:solidFill>
+                  <a:srgbClr val="000000"/>
+                </a:solidFill>
+                <a:effectLst/>
+                <a:latin typeface="JetBrains Mono"/>
+              </a:rPr>
+              <a:t> </a:t>
+            </a:r>
+            <a:r>
+              <a:rPr lang="en-US" sz="2500" dirty="0">
+                <a:solidFill>
+                  <a:srgbClr val="080808"/>
+                </a:solidFill>
+                <a:effectLst/>
+                <a:latin typeface="JetBrains Mono"/>
+              </a:rPr>
+              <a:t>{</a:t>
+            </a:r>
+            <a:br>
+              <a:rPr lang="en-US" sz="2500" dirty="0">
+                <a:solidFill>
+                  <a:srgbClr val="080808"/>
+                </a:solidFill>
+                <a:effectLst/>
+                <a:latin typeface="JetBrains Mono"/>
+              </a:rPr>
+            </a:br>
+            <a:br>
+              <a:rPr lang="en-US" sz="2500" dirty="0">
+                <a:solidFill>
+                  <a:srgbClr val="080808"/>
+                </a:solidFill>
+                <a:effectLst/>
+                <a:latin typeface="JetBrains Mono"/>
+              </a:rPr>
+            </a:br>
+            <a:r>
+              <a:rPr lang="en-US" sz="2500" dirty="0">
+                <a:solidFill>
+                  <a:srgbClr val="080808"/>
+                </a:solidFill>
+                <a:effectLst/>
+                <a:latin typeface="JetBrains Mono"/>
+              </a:rPr>
+              <a:t>    </a:t>
+            </a:r>
+            <a:r>
+              <a:rPr lang="en-US" sz="2500" dirty="0">
+                <a:solidFill>
+                  <a:srgbClr val="9E880D"/>
+                </a:solidFill>
+                <a:effectLst/>
+                <a:latin typeface="JetBrains Mono"/>
+              </a:rPr>
+              <a:t>@</a:t>
+            </a:r>
+            <a:r>
+              <a:rPr lang="en-US" sz="2500" dirty="0" err="1">
+                <a:solidFill>
+                  <a:srgbClr val="9E880D"/>
+                </a:solidFill>
+                <a:effectLst/>
+                <a:latin typeface="JetBrains Mono"/>
+              </a:rPr>
+              <a:t>Autowired</a:t>
+            </a:r>
+            <a:br>
+              <a:rPr lang="en-US" sz="2500" dirty="0">
+                <a:solidFill>
+                  <a:srgbClr val="9E880D"/>
+                </a:solidFill>
+                <a:effectLst/>
+                <a:latin typeface="JetBrains Mono"/>
+              </a:rPr>
+            </a:br>
+            <a:r>
+              <a:rPr lang="en-US" sz="2500" dirty="0">
+                <a:solidFill>
+                  <a:srgbClr val="9E880D"/>
+                </a:solidFill>
+                <a:effectLst/>
+                <a:latin typeface="JetBrains Mono"/>
+              </a:rPr>
+              <a:t>    </a:t>
+            </a:r>
+            <a:r>
+              <a:rPr lang="en-US" sz="2500" b="1" dirty="0" err="1">
+                <a:solidFill>
+                  <a:srgbClr val="000000"/>
+                </a:solidFill>
+                <a:effectLst/>
+                <a:latin typeface="JetBrains Mono"/>
+              </a:rPr>
+              <a:t>MockMvc</a:t>
+            </a:r>
+            <a:r>
+              <a:rPr lang="en-US" sz="2500" b="1" dirty="0">
+                <a:solidFill>
+                  <a:srgbClr val="000000"/>
+                </a:solidFill>
+                <a:effectLst/>
+                <a:latin typeface="JetBrains Mono"/>
+              </a:rPr>
+              <a:t> </a:t>
+            </a:r>
+            <a:r>
+              <a:rPr lang="en-US" sz="2500" b="1" dirty="0" err="1">
+                <a:solidFill>
+                  <a:srgbClr val="871094"/>
+                </a:solidFill>
+                <a:effectLst/>
+                <a:latin typeface="JetBrains Mono"/>
+              </a:rPr>
+              <a:t>mockMvc</a:t>
+            </a:r>
+            <a:r>
+              <a:rPr lang="en-US" sz="2500" b="1" dirty="0">
+                <a:solidFill>
+                  <a:srgbClr val="080808"/>
+                </a:solidFill>
+                <a:effectLst/>
+                <a:latin typeface="JetBrains Mono"/>
+              </a:rPr>
+              <a:t>;</a:t>
+            </a:r>
+            <a:br>
+              <a:rPr lang="en-US" sz="2500" dirty="0">
+                <a:solidFill>
+                  <a:srgbClr val="080808"/>
+                </a:solidFill>
+                <a:effectLst/>
+                <a:latin typeface="JetBrains Mono"/>
+              </a:rPr>
+            </a:br>
+            <a:br>
+              <a:rPr lang="en-US" sz="2500" dirty="0">
+                <a:solidFill>
+                  <a:srgbClr val="080808"/>
+                </a:solidFill>
+                <a:effectLst/>
+                <a:latin typeface="JetBrains Mono"/>
+              </a:rPr>
+            </a:br>
+            <a:r>
+              <a:rPr lang="en-US" sz="2500" dirty="0">
+                <a:solidFill>
+                  <a:srgbClr val="080808"/>
+                </a:solidFill>
+                <a:effectLst/>
+                <a:latin typeface="JetBrains Mono"/>
+              </a:rPr>
+              <a:t>   </a:t>
+            </a:r>
+            <a:r>
+              <a:rPr lang="en-US" sz="2500" dirty="0">
+                <a:solidFill>
+                  <a:srgbClr val="9E880D"/>
+                </a:solidFill>
+                <a:effectLst/>
+                <a:latin typeface="JetBrains Mono"/>
+              </a:rPr>
+              <a:t>@Test</a:t>
+            </a:r>
+            <a:br>
+              <a:rPr lang="en-US" sz="2500" dirty="0">
+                <a:solidFill>
+                  <a:srgbClr val="9E880D"/>
+                </a:solidFill>
+                <a:effectLst/>
+                <a:latin typeface="JetBrains Mono"/>
+              </a:rPr>
+            </a:br>
+            <a:r>
+              <a:rPr lang="en-US" sz="2500" dirty="0">
+                <a:solidFill>
+                  <a:srgbClr val="9E880D"/>
+                </a:solidFill>
+                <a:effectLst/>
+                <a:latin typeface="JetBrains Mono"/>
+              </a:rPr>
+              <a:t>    </a:t>
+            </a:r>
+            <a:r>
+              <a:rPr lang="en-US" sz="2500" dirty="0">
+                <a:solidFill>
+                  <a:srgbClr val="0033B3"/>
+                </a:solidFill>
+                <a:effectLst/>
+                <a:latin typeface="JetBrains Mono"/>
+              </a:rPr>
+              <a:t>void </a:t>
+            </a:r>
+            <a:r>
+              <a:rPr lang="en-US" sz="2500" dirty="0" err="1">
+                <a:solidFill>
+                  <a:srgbClr val="00627A"/>
+                </a:solidFill>
+                <a:effectLst/>
+                <a:latin typeface="JetBrains Mono"/>
+              </a:rPr>
+              <a:t>testWithMockMvc</a:t>
+            </a:r>
+            <a:r>
+              <a:rPr lang="en-US" sz="2500" dirty="0">
+                <a:solidFill>
+                  <a:srgbClr val="080808"/>
+                </a:solidFill>
+                <a:effectLst/>
+                <a:latin typeface="JetBrains Mono"/>
+              </a:rPr>
+              <a:t>() </a:t>
+            </a:r>
+            <a:r>
+              <a:rPr lang="en-US" sz="2500" dirty="0">
+                <a:solidFill>
+                  <a:srgbClr val="0033B3"/>
+                </a:solidFill>
+                <a:effectLst/>
+                <a:latin typeface="JetBrains Mono"/>
+              </a:rPr>
+              <a:t>throws </a:t>
+            </a:r>
+            <a:r>
+              <a:rPr lang="en-US" sz="2500" dirty="0">
+                <a:solidFill>
+                  <a:srgbClr val="000000"/>
+                </a:solidFill>
+                <a:effectLst/>
+                <a:latin typeface="JetBrains Mono"/>
+              </a:rPr>
+              <a:t>Exception </a:t>
+            </a:r>
+            <a:r>
+              <a:rPr lang="en-US" sz="2500" dirty="0">
+                <a:solidFill>
+                  <a:srgbClr val="080808"/>
+                </a:solidFill>
+                <a:effectLst/>
+                <a:latin typeface="JetBrains Mono"/>
+              </a:rPr>
+              <a:t>{</a:t>
+            </a:r>
+            <a:br>
+              <a:rPr lang="en-US" sz="2500" dirty="0">
+                <a:solidFill>
+                  <a:srgbClr val="080808"/>
+                </a:solidFill>
+                <a:effectLst/>
+                <a:latin typeface="JetBrains Mono"/>
+              </a:rPr>
+            </a:br>
+            <a:r>
+              <a:rPr lang="en-US" sz="2500" dirty="0">
+                <a:solidFill>
+                  <a:srgbClr val="080808"/>
+                </a:solidFill>
+                <a:effectLst/>
+                <a:latin typeface="JetBrains Mono"/>
+              </a:rPr>
+              <a:t>	</a:t>
+            </a:r>
+            <a:r>
+              <a:rPr lang="en-US" sz="2500" dirty="0">
+                <a:solidFill>
+                  <a:srgbClr val="871094"/>
+                </a:solidFill>
+                <a:effectLst/>
+                <a:latin typeface="JetBrains Mono"/>
+              </a:rPr>
+              <a:t> </a:t>
+            </a:r>
+            <a:r>
+              <a:rPr lang="en-US" sz="2500" b="1" dirty="0" err="1">
+                <a:solidFill>
+                  <a:srgbClr val="871094"/>
+                </a:solidFill>
+                <a:effectLst/>
+                <a:latin typeface="JetBrains Mono"/>
+              </a:rPr>
+              <a:t>mockMvc</a:t>
+            </a:r>
+            <a:r>
+              <a:rPr lang="en-US" sz="2500" b="0" i="0" u="none" strike="noStrike" dirty="0">
+                <a:solidFill>
+                  <a:srgbClr val="24292E"/>
+                </a:solidFill>
+                <a:effectLst/>
+                <a:latin typeface="SFMono-Regular"/>
+              </a:rPr>
+              <a:t> .perform(get().</a:t>
+            </a:r>
+            <a:r>
+              <a:rPr lang="en-US" sz="2500" b="0" i="0" u="none" strike="noStrike" dirty="0" err="1">
+                <a:solidFill>
+                  <a:srgbClr val="24292E"/>
+                </a:solidFill>
+                <a:effectLst/>
+                <a:latin typeface="SFMono-Regular"/>
+              </a:rPr>
+              <a:t>uri</a:t>
+            </a:r>
+            <a:r>
+              <a:rPr lang="en-US" sz="2500" b="0" i="0" u="none" strike="noStrike" dirty="0">
+                <a:solidFill>
+                  <a:srgbClr val="24292E"/>
+                </a:solidFill>
+                <a:effectLst/>
+                <a:latin typeface="SFMono-Regular"/>
+              </a:rPr>
+              <a:t>(</a:t>
+            </a:r>
+            <a:r>
+              <a:rPr lang="en-US" sz="2500" b="0" i="0" u="none" strike="noStrike" dirty="0">
+                <a:effectLst/>
+                <a:latin typeface="SFMono-Regular"/>
+              </a:rPr>
+              <a:t>"/"</a:t>
+            </a:r>
+            <a:r>
+              <a:rPr lang="en-US" sz="2500" b="0" i="0" u="none" strike="noStrike" dirty="0">
+                <a:solidFill>
+                  <a:srgbClr val="24292E"/>
+                </a:solidFill>
+                <a:effectLst/>
+                <a:latin typeface="SFMono-Regular"/>
+              </a:rPr>
+              <a:t>)</a:t>
+            </a:r>
+          </a:p>
+          <a:p>
+            <a:pPr marL="0" indent="0">
+              <a:spcBef>
+                <a:spcPts val="0"/>
+              </a:spcBef>
+              <a:buNone/>
+            </a:pPr>
+            <a:r>
+              <a:rPr lang="en-US" sz="2500" dirty="0">
+                <a:solidFill>
+                  <a:srgbClr val="24292E"/>
+                </a:solidFill>
+                <a:latin typeface="SFMono-Regular"/>
+              </a:rPr>
+              <a:t>		.</a:t>
+            </a:r>
+            <a:r>
+              <a:rPr lang="en-US" sz="2500" b="0" i="0" u="none" strike="noStrike" dirty="0">
+                <a:solidFill>
+                  <a:srgbClr val="24292E"/>
+                </a:solidFill>
+                <a:effectLst/>
+                <a:latin typeface="SFMono-Regular"/>
+              </a:rPr>
+              <a:t>exchange()</a:t>
+            </a:r>
+          </a:p>
+          <a:p>
+            <a:pPr marL="0" indent="0">
+              <a:spcBef>
+                <a:spcPts val="0"/>
+              </a:spcBef>
+              <a:buNone/>
+            </a:pPr>
+            <a:r>
+              <a:rPr lang="en-US" sz="2500" b="0" i="0" u="none" strike="noStrike" dirty="0">
+                <a:solidFill>
+                  <a:srgbClr val="24292E"/>
+                </a:solidFill>
+                <a:effectLst/>
+                <a:latin typeface="SFMono-Regular"/>
+              </a:rPr>
+              <a:t>		.</a:t>
+            </a:r>
+            <a:r>
+              <a:rPr lang="en-US" sz="2500" b="0" i="0" u="none" strike="noStrike" dirty="0" err="1">
+                <a:solidFill>
+                  <a:srgbClr val="24292E"/>
+                </a:solidFill>
+                <a:effectLst/>
+                <a:latin typeface="SFMono-Regular"/>
+              </a:rPr>
+              <a:t>expectStatus</a:t>
+            </a:r>
+            <a:r>
+              <a:rPr lang="en-US" sz="2500" b="0" i="0" u="none" strike="noStrike" dirty="0">
+                <a:solidFill>
+                  <a:srgbClr val="24292E"/>
+                </a:solidFill>
+                <a:effectLst/>
+                <a:latin typeface="SFMono-Regular"/>
+              </a:rPr>
+              <a:t>()</a:t>
+            </a:r>
+          </a:p>
+          <a:p>
+            <a:pPr marL="0" indent="0">
+              <a:spcBef>
+                <a:spcPts val="0"/>
+              </a:spcBef>
+              <a:buNone/>
+            </a:pPr>
+            <a:r>
+              <a:rPr lang="en-US" sz="2500" b="0" i="0" u="none" strike="noStrike" dirty="0">
+                <a:solidFill>
+                  <a:srgbClr val="24292E"/>
+                </a:solidFill>
+                <a:effectLst/>
+                <a:latin typeface="SFMono-Regular"/>
+              </a:rPr>
+              <a:t>		.</a:t>
+            </a:r>
+            <a:r>
+              <a:rPr lang="en-US" sz="2500" b="0" i="0" u="none" strike="noStrike" dirty="0" err="1">
+                <a:solidFill>
+                  <a:srgbClr val="24292E"/>
+                </a:solidFill>
+                <a:effectLst/>
+                <a:latin typeface="SFMono-Regular"/>
+              </a:rPr>
+              <a:t>isOk</a:t>
+            </a:r>
+            <a:r>
+              <a:rPr lang="en-US" sz="2500" b="0" i="0" u="none" strike="noStrike" dirty="0">
+                <a:solidFill>
+                  <a:srgbClr val="24292E"/>
+                </a:solidFill>
+                <a:effectLst/>
+                <a:latin typeface="SFMono-Regular"/>
+              </a:rPr>
+              <a:t>()</a:t>
+            </a:r>
+          </a:p>
+          <a:p>
+            <a:pPr marL="0" indent="0">
+              <a:spcBef>
+                <a:spcPts val="0"/>
+              </a:spcBef>
+              <a:buNone/>
+            </a:pPr>
+            <a:r>
+              <a:rPr lang="en-US" sz="2500" b="0" i="0" u="none" strike="noStrike" dirty="0">
+                <a:solidFill>
+                  <a:srgbClr val="24292E"/>
+                </a:solidFill>
+                <a:effectLst/>
+                <a:latin typeface="SFMono-Regular"/>
+              </a:rPr>
+              <a:t>		.</a:t>
+            </a:r>
+            <a:r>
+              <a:rPr lang="en-US" sz="2500" b="0" i="0" u="none" strike="noStrike" dirty="0" err="1">
+                <a:solidFill>
+                  <a:srgbClr val="24292E"/>
+                </a:solidFill>
+                <a:effectLst/>
+                <a:latin typeface="SFMono-Regular"/>
+              </a:rPr>
+              <a:t>expectBody</a:t>
+            </a:r>
+            <a:r>
+              <a:rPr lang="en-US" sz="2500" b="0" i="0" u="none" strike="noStrike" dirty="0">
+                <a:solidFill>
+                  <a:srgbClr val="24292E"/>
+                </a:solidFill>
+                <a:effectLst/>
+                <a:latin typeface="SFMono-Regular"/>
+              </a:rPr>
+              <a:t>(</a:t>
+            </a:r>
+            <a:r>
+              <a:rPr lang="en-US" sz="2500" b="0" i="0" u="none" strike="noStrike" dirty="0" err="1">
+                <a:solidFill>
+                  <a:srgbClr val="24292E"/>
+                </a:solidFill>
+                <a:effectLst/>
+                <a:latin typeface="SFMono-Regular"/>
+              </a:rPr>
+              <a:t>String.class</a:t>
+            </a:r>
+            <a:r>
+              <a:rPr lang="en-US" sz="2500" b="0" i="0" u="none" strike="noStrike" dirty="0">
+                <a:solidFill>
+                  <a:srgbClr val="24292E"/>
+                </a:solidFill>
+                <a:effectLst/>
+                <a:latin typeface="SFMono-Regular"/>
+              </a:rPr>
+              <a:t>)</a:t>
+            </a:r>
+          </a:p>
+          <a:p>
+            <a:pPr marL="0" indent="0">
+              <a:spcBef>
+                <a:spcPts val="0"/>
+              </a:spcBef>
+              <a:buNone/>
+            </a:pPr>
+            <a:r>
+              <a:rPr lang="en-US" sz="2500" dirty="0">
+                <a:solidFill>
+                  <a:srgbClr val="24292E"/>
+                </a:solidFill>
+                <a:latin typeface="SFMono-Regular"/>
+              </a:rPr>
+              <a:t>		</a:t>
+            </a:r>
+            <a:r>
+              <a:rPr lang="en-US" sz="2500" b="0" i="0" u="none" strike="noStrike" dirty="0">
+                <a:solidFill>
+                  <a:srgbClr val="24292E"/>
+                </a:solidFill>
+                <a:effectLst/>
+                <a:latin typeface="SFMono-Regular"/>
+              </a:rPr>
+              <a:t>.</a:t>
+            </a:r>
+            <a:r>
+              <a:rPr lang="en-US" sz="2500" b="0" i="0" u="none" strike="noStrike" dirty="0" err="1">
+                <a:solidFill>
+                  <a:srgbClr val="24292E"/>
+                </a:solidFill>
+                <a:effectLst/>
+                <a:latin typeface="SFMono-Regular"/>
+              </a:rPr>
+              <a:t>isEqualTo</a:t>
+            </a:r>
+            <a:r>
+              <a:rPr lang="en-US" sz="2500" b="0" i="0" u="none" strike="noStrike" dirty="0">
+                <a:solidFill>
+                  <a:srgbClr val="24292E"/>
+                </a:solidFill>
+                <a:effectLst/>
+                <a:latin typeface="SFMono-Regular"/>
+              </a:rPr>
+              <a:t>(</a:t>
+            </a:r>
+            <a:r>
+              <a:rPr lang="en-US" sz="2500" b="0" i="0" u="none" strike="noStrike" dirty="0">
+                <a:effectLst/>
+                <a:latin typeface="SFMono-Regular"/>
+              </a:rPr>
+              <a:t>"Hello World"</a:t>
+            </a:r>
+            <a:r>
+              <a:rPr lang="en-US" sz="2500" b="0" i="0" u="none" strike="noStrike" dirty="0">
+                <a:solidFill>
+                  <a:srgbClr val="24292E"/>
+                </a:solidFill>
+                <a:effectLst/>
+                <a:latin typeface="SFMono-Regular"/>
+              </a:rPr>
+              <a:t>));</a:t>
+            </a:r>
+            <a:br>
+              <a:rPr lang="en-US" sz="2500" dirty="0">
+                <a:solidFill>
+                  <a:srgbClr val="080808"/>
+                </a:solidFill>
+                <a:effectLst/>
+                <a:latin typeface="JetBrains Mono"/>
+              </a:rPr>
+            </a:br>
+            <a:r>
+              <a:rPr lang="en-US" sz="2500" dirty="0">
+                <a:solidFill>
+                  <a:srgbClr val="080808"/>
+                </a:solidFill>
+                <a:effectLst/>
+                <a:latin typeface="JetBrains Mono"/>
+              </a:rPr>
+              <a:t>    }</a:t>
+            </a:r>
+            <a:br>
+              <a:rPr lang="en-US" sz="2500" dirty="0">
+                <a:solidFill>
+                  <a:srgbClr val="080808"/>
+                </a:solidFill>
+                <a:effectLst/>
+                <a:latin typeface="JetBrains Mono"/>
+              </a:rPr>
+            </a:br>
+            <a:br>
+              <a:rPr lang="en-US" sz="2500" dirty="0">
+                <a:solidFill>
+                  <a:srgbClr val="080808"/>
+                </a:solidFill>
+                <a:effectLst/>
+                <a:latin typeface="JetBrains Mono"/>
+              </a:rPr>
+            </a:br>
+            <a:r>
+              <a:rPr lang="en-US" sz="2500" dirty="0">
+                <a:solidFill>
+                  <a:srgbClr val="080808"/>
+                </a:solidFill>
+                <a:effectLst/>
+                <a:latin typeface="JetBrains Mono"/>
+              </a:rPr>
+              <a:t>}</a:t>
+            </a:r>
+          </a:p>
+        </p:txBody>
+      </p:sp>
+      <p:sp>
+        <p:nvSpPr>
+          <p:cNvPr id="5" name="TextBox 4">
+            <a:extLst>
+              <a:ext uri="{FF2B5EF4-FFF2-40B4-BE49-F238E27FC236}">
+                <a16:creationId xmlns:a16="http://schemas.microsoft.com/office/drawing/2014/main" id="{2AE3F2D2-636B-28FA-93C1-C1F6420FA5A6}"/>
+              </a:ext>
+            </a:extLst>
+          </p:cNvPr>
+          <p:cNvSpPr txBox="1"/>
+          <p:nvPr/>
+        </p:nvSpPr>
+        <p:spPr>
+          <a:xfrm>
+            <a:off x="6821424" y="4045363"/>
+            <a:ext cx="3081528" cy="1754326"/>
+          </a:xfrm>
+          <a:prstGeom prst="rect">
+            <a:avLst/>
+          </a:prstGeom>
+          <a:solidFill>
+            <a:schemeClr val="accent1">
+              <a:lumMod val="20000"/>
+              <a:lumOff val="80000"/>
+            </a:schemeClr>
+          </a:solidFill>
+          <a:ln w="6350">
+            <a:solidFill>
+              <a:schemeClr val="accent1"/>
+            </a:solidFill>
+          </a:ln>
+        </p:spPr>
+        <p:txBody>
+          <a:bodyPr wrap="square" rtlCol="0">
+            <a:spAutoFit/>
+          </a:bodyPr>
+          <a:lstStyle/>
+          <a:p>
+            <a:r>
+              <a:rPr lang="en-IL" i="1" dirty="0"/>
+              <a:t>In this test </a:t>
+            </a:r>
+            <a:r>
+              <a:rPr lang="en-IL" b="1" i="1" dirty="0">
+                <a:solidFill>
+                  <a:srgbClr val="00B0F0"/>
+                </a:solidFill>
+              </a:rPr>
+              <a:t>mockMvc</a:t>
+            </a:r>
+            <a:r>
+              <a:rPr lang="en-IL" i="1" dirty="0"/>
+              <a:t> calls endPoint (“/”), implemented in the tested application, and verifies that it returns HTTP 200 OK and body “Hello World”. </a:t>
+            </a:r>
+          </a:p>
+        </p:txBody>
+      </p:sp>
+      <p:sp>
+        <p:nvSpPr>
+          <p:cNvPr id="6" name="TextBox 5">
+            <a:extLst>
+              <a:ext uri="{FF2B5EF4-FFF2-40B4-BE49-F238E27FC236}">
+                <a16:creationId xmlns:a16="http://schemas.microsoft.com/office/drawing/2014/main" id="{114C128E-27B4-D7A3-9E6F-AF6ACA49DD1A}"/>
+              </a:ext>
+            </a:extLst>
+          </p:cNvPr>
+          <p:cNvSpPr txBox="1"/>
+          <p:nvPr/>
+        </p:nvSpPr>
+        <p:spPr>
+          <a:xfrm>
+            <a:off x="6931152" y="2880360"/>
+            <a:ext cx="3282696" cy="923330"/>
+          </a:xfrm>
+          <a:prstGeom prst="rect">
+            <a:avLst/>
+          </a:prstGeom>
+          <a:solidFill>
+            <a:schemeClr val="accent1">
+              <a:lumMod val="20000"/>
+              <a:lumOff val="80000"/>
+            </a:schemeClr>
+          </a:solidFill>
+          <a:ln>
+            <a:solidFill>
+              <a:schemeClr val="accent1"/>
+            </a:solidFill>
+          </a:ln>
+        </p:spPr>
+        <p:txBody>
+          <a:bodyPr wrap="square" rtlCol="0">
+            <a:spAutoFit/>
+          </a:bodyPr>
+          <a:lstStyle/>
+          <a:p>
+            <a:r>
+              <a:rPr lang="en-IL" dirty="0"/>
+              <a:t>Use annotation </a:t>
+            </a:r>
+            <a:r>
+              <a:rPr lang="en-US" sz="1800" b="1" dirty="0">
+                <a:solidFill>
+                  <a:srgbClr val="9E880D"/>
+                </a:solidFill>
+                <a:effectLst/>
+                <a:latin typeface="JetBrains Mono"/>
+              </a:rPr>
+              <a:t>@</a:t>
+            </a:r>
+            <a:r>
+              <a:rPr lang="en-US" sz="1800" b="1" dirty="0" err="1">
+                <a:solidFill>
+                  <a:srgbClr val="9E880D"/>
+                </a:solidFill>
+                <a:effectLst/>
+                <a:latin typeface="JetBrains Mono"/>
+              </a:rPr>
+              <a:t>AutoConfigureMockMvc</a:t>
+            </a:r>
+            <a:r>
+              <a:rPr lang="en-US" sz="1800" b="1" dirty="0">
+                <a:solidFill>
+                  <a:srgbClr val="9E880D"/>
+                </a:solidFill>
+                <a:effectLst/>
+                <a:latin typeface="JetBrains Mono"/>
+              </a:rPr>
+              <a:t> </a:t>
+            </a:r>
+            <a:r>
+              <a:rPr lang="en-US" dirty="0"/>
+              <a:t>for operations with </a:t>
+            </a:r>
+            <a:r>
+              <a:rPr lang="en-US" b="1" dirty="0" err="1">
+                <a:solidFill>
+                  <a:srgbClr val="00B0F0"/>
+                </a:solidFill>
+              </a:rPr>
+              <a:t>MockMvc</a:t>
+            </a:r>
+            <a:r>
+              <a:rPr lang="en-IL" dirty="0"/>
+              <a:t> </a:t>
+            </a:r>
           </a:p>
         </p:txBody>
       </p:sp>
     </p:spTree>
     <p:extLst>
       <p:ext uri="{BB962C8B-B14F-4D97-AF65-F5344CB8AC3E}">
-        <p14:creationId xmlns:p14="http://schemas.microsoft.com/office/powerpoint/2010/main" val="4282582936"/>
+        <p14:creationId xmlns:p14="http://schemas.microsoft.com/office/powerpoint/2010/main" val="1490968188"/>
       </p:ext>
     </p:extLst>
   </p:cSld>
@@ -10195,7 +11295,7 @@
           <p:cNvPr id="2" name="Title 1">
             <a:extLst>
               <a:ext uri="{FF2B5EF4-FFF2-40B4-BE49-F238E27FC236}">
-                <a16:creationId xmlns:a16="http://schemas.microsoft.com/office/drawing/2014/main" id="{C34BA05C-A01F-DF2C-310C-D7C0B27D9A0E}"/>
+                <a16:creationId xmlns:a16="http://schemas.microsoft.com/office/drawing/2014/main" id="{5B5D60C3-15A9-CBE7-D0C3-A830B2DAD700}"/>
               </a:ext>
             </a:extLst>
           </p:cNvPr>
@@ -10212,30 +11312,24 @@
           <a:lstStyle/>
           <a:p>
             <a:r>
-              <a:rPr lang="en-US" dirty="0">
-                <a:solidFill>
-                  <a:srgbClr val="92D050"/>
+              <a:rPr lang="en-IL" dirty="0"/>
+              <a:t>Testing with </a:t>
+            </a:r>
+            <a:r>
+              <a:rPr lang="en-US" sz="3600" dirty="0">
+                <a:solidFill>
+                  <a:schemeClr val="accent1"/>
                 </a:solidFill>
               </a:rPr>
               <a:t>@</a:t>
             </a:r>
             <a:r>
-              <a:rPr lang="en-US" b="0" i="0" dirty="0" err="1">
-                <a:solidFill>
-                  <a:srgbClr val="92D050"/>
-                </a:solidFill>
-                <a:effectLst/>
-              </a:rPr>
-              <a:t>ExceptionHandler</a:t>
-            </a:r>
-            <a:r>
-              <a:rPr lang="en-US" b="0" i="0" u="none" strike="noStrike" dirty="0">
-                <a:solidFill>
-                  <a:srgbClr val="000000"/>
-                </a:solidFill>
-                <a:effectLst/>
-              </a:rPr>
-              <a:t> </a:t>
+              <a:rPr lang="en-US" sz="3600" dirty="0" err="1">
+                <a:solidFill>
+                  <a:schemeClr val="accent1"/>
+                </a:solidFill>
+              </a:rPr>
+              <a:t>WebMvcTest</a:t>
             </a:r>
             <a:endParaRPr lang="en-IL" dirty="0"/>
           </a:p>
@@ -10246,7 +11340,7 @@
           <p:cNvPr id="3" name="Content Placeholder 2">
             <a:extLst>
               <a:ext uri="{FF2B5EF4-FFF2-40B4-BE49-F238E27FC236}">
-                <a16:creationId xmlns:a16="http://schemas.microsoft.com/office/drawing/2014/main" id="{85FFC017-A7BC-8FC0-887B-CD7EB945FA7E}"/>
+                <a16:creationId xmlns:a16="http://schemas.microsoft.com/office/drawing/2014/main" id="{7695F3AC-07A0-6B46-6A24-05ABC310C07C}"/>
               </a:ext>
             </a:extLst>
           </p:cNvPr>
@@ -10257,347 +11351,217 @@
             <p:ph idx="1"/>
           </p:nvPr>
         </p:nvSpPr>
-        <p:spPr>
-          <a:xfrm>
-            <a:off x="677334" y="1488613"/>
-            <a:ext cx="8596668" cy="4759787"/>
-          </a:xfrm>
-        </p:spPr>
+        <p:spPr/>
         <p:txBody>
           <a:bodyPr>
-            <a:normAutofit/>
+            <a:normAutofit fontScale="92500" lnSpcReduction="20000"/>
           </a:bodyPr>
           <a:lstStyle/>
           <a:p>
-            <a:pPr marL="0" indent="0">
-              <a:buNone/>
-            </a:pPr>
-            <a:r>
-              <a:rPr lang="en-US" sz="2000" dirty="0">
-                <a:solidFill>
-                  <a:srgbClr val="92D050"/>
+            <a:r>
+              <a:rPr lang="en-US" sz="2400" dirty="0">
+                <a:solidFill>
+                  <a:schemeClr val="tx1"/>
+                </a:solidFill>
+              </a:rPr>
+              <a:t>If you want to focus only on the web layer and not start a complete </a:t>
+            </a:r>
+            <a:r>
+              <a:rPr lang="en-US" sz="2400" dirty="0" err="1">
+                <a:solidFill>
+                  <a:schemeClr val="tx1"/>
+                </a:solidFill>
+              </a:rPr>
+              <a:t>ApplicationContext</a:t>
+            </a:r>
+            <a:r>
+              <a:rPr lang="en-US" sz="2400" dirty="0">
+                <a:solidFill>
+                  <a:schemeClr val="tx1"/>
+                </a:solidFill>
+              </a:rPr>
+              <a:t>, consider using </a:t>
+            </a:r>
+            <a:r>
+              <a:rPr lang="en-US" sz="2400" dirty="0">
+                <a:solidFill>
+                  <a:schemeClr val="accent1"/>
                 </a:solidFill>
               </a:rPr>
               <a:t>@</a:t>
             </a:r>
             <a:r>
-              <a:rPr lang="en-US" sz="2000" b="0" i="0" dirty="0" err="1">
-                <a:solidFill>
-                  <a:srgbClr val="92D050"/>
-                </a:solidFill>
-                <a:effectLst/>
-              </a:rPr>
-              <a:t>ExceptionHandler</a:t>
-            </a:r>
-            <a:r>
-              <a:rPr lang="en-US" sz="2000" b="0" i="0" u="none" strike="noStrike" dirty="0">
-                <a:solidFill>
-                  <a:srgbClr val="000000"/>
-                </a:solidFill>
-                <a:effectLst/>
-              </a:rPr>
-              <a:t> is a Spring annotation that provides a mechanism to treat exceptions thrown during execution of handlers (controller operations).</a:t>
-            </a:r>
-          </a:p>
-          <a:p>
-            <a:pPr marL="0" indent="0">
-              <a:buNone/>
-            </a:pPr>
-            <a:endParaRPr lang="en-US" sz="2000" dirty="0">
-              <a:solidFill>
-                <a:srgbClr val="000000"/>
-              </a:solidFill>
-            </a:endParaRPr>
-          </a:p>
-          <a:p>
-            <a:pPr marL="0" indent="0">
-              <a:buNone/>
-            </a:pPr>
-            <a:r>
-              <a:rPr lang="en-US" sz="1600" b="1" i="0" u="none" strike="noStrike" dirty="0">
-                <a:solidFill>
-                  <a:srgbClr val="63B175"/>
-                </a:solidFill>
-                <a:effectLst/>
-                <a:latin typeface="Source Code Pro" panose="020B0509030403020204" pitchFamily="49" charset="0"/>
-              </a:rPr>
-              <a:t>public</a:t>
-            </a:r>
-            <a:r>
-              <a:rPr lang="en-US" sz="1600" b="0" i="0" u="none" strike="noStrike" dirty="0">
-                <a:solidFill>
-                  <a:srgbClr val="000000"/>
-                </a:solidFill>
-                <a:effectLst/>
-                <a:latin typeface="Source Code Pro" panose="020B0509030403020204" pitchFamily="49" charset="0"/>
+              <a:rPr lang="en-US" sz="2400" dirty="0" err="1">
+                <a:solidFill>
+                  <a:schemeClr val="accent1"/>
+                </a:solidFill>
+              </a:rPr>
+              <a:t>WebMvcTest</a:t>
+            </a:r>
+            <a:r>
+              <a:rPr lang="en-US" sz="2400" dirty="0">
+                <a:solidFill>
+                  <a:schemeClr val="accent1"/>
+                </a:solidFill>
               </a:rPr>
               <a:t> </a:t>
             </a:r>
             <a:r>
-              <a:rPr lang="en-US" sz="1600" b="1" i="0" u="none" strike="noStrike" dirty="0">
-                <a:solidFill>
-                  <a:srgbClr val="63B175"/>
-                </a:solidFill>
-                <a:effectLst/>
-                <a:latin typeface="Source Code Pro" panose="020B0509030403020204" pitchFamily="49" charset="0"/>
-              </a:rPr>
-              <a:t>class</a:t>
-            </a:r>
-            <a:r>
-              <a:rPr lang="en-US" sz="1600" b="0" i="0" u="none" strike="noStrike" dirty="0">
-                <a:solidFill>
-                  <a:srgbClr val="000000"/>
-                </a:solidFill>
-                <a:effectLst/>
-                <a:latin typeface="Source Code Pro" panose="020B0509030403020204" pitchFamily="49" charset="0"/>
-              </a:rPr>
-              <a:t> </a:t>
-            </a:r>
-            <a:r>
-              <a:rPr lang="en-US" sz="1600" b="1" i="0" u="none" strike="noStrike" dirty="0" err="1">
-                <a:solidFill>
-                  <a:srgbClr val="267438"/>
-                </a:solidFill>
-                <a:effectLst/>
-                <a:latin typeface="Source Code Pro" panose="020B0509030403020204" pitchFamily="49" charset="0"/>
-              </a:rPr>
-              <a:t>FooController</a:t>
-            </a:r>
-            <a:r>
-              <a:rPr lang="en-US" sz="1600" b="0" i="0" u="none" strike="noStrike" dirty="0">
-                <a:solidFill>
-                  <a:srgbClr val="000000"/>
-                </a:solidFill>
-                <a:effectLst/>
-                <a:latin typeface="Source Code Pro" panose="020B0509030403020204" pitchFamily="49" charset="0"/>
-              </a:rPr>
-              <a:t>{ </a:t>
-            </a:r>
-          </a:p>
-          <a:p>
-            <a:pPr marL="0" indent="0">
-              <a:buNone/>
-            </a:pPr>
-            <a:r>
-              <a:rPr lang="en-US" sz="1600" b="0" i="0" u="none" strike="noStrike" dirty="0">
-                <a:solidFill>
-                  <a:srgbClr val="888888"/>
-                </a:solidFill>
-                <a:effectLst/>
-                <a:latin typeface="Source Code Pro" panose="020B0509030403020204" pitchFamily="49" charset="0"/>
-              </a:rPr>
-              <a:t>  //...</a:t>
-            </a:r>
-            <a:endParaRPr lang="en-US" sz="1600" dirty="0">
-              <a:solidFill>
-                <a:srgbClr val="000000"/>
-              </a:solidFill>
-            </a:endParaRPr>
-          </a:p>
-          <a:p>
-            <a:pPr marL="0" indent="0">
-              <a:buNone/>
-            </a:pPr>
-            <a:r>
-              <a:rPr lang="en-US" sz="1400" b="0" i="0" u="none" strike="noStrike" dirty="0">
-                <a:solidFill>
-                  <a:srgbClr val="1F7199"/>
-                </a:solidFill>
-                <a:effectLst/>
-                <a:latin typeface="Source Code Pro" panose="020B0509030403020204" pitchFamily="49" charset="0"/>
-              </a:rPr>
-              <a:t>  @</a:t>
-            </a:r>
-            <a:r>
-              <a:rPr lang="en-US" sz="1400" b="0" i="0" u="none" strike="noStrike" dirty="0" err="1">
-                <a:solidFill>
-                  <a:srgbClr val="1F7199"/>
-                </a:solidFill>
-                <a:effectLst/>
-                <a:latin typeface="Source Code Pro" panose="020B0509030403020204" pitchFamily="49" charset="0"/>
-              </a:rPr>
-              <a:t>ExceptionHandler</a:t>
-            </a:r>
-            <a:r>
-              <a:rPr lang="en-US" sz="1400" b="0" i="0" u="none" strike="noStrike" dirty="0">
-                <a:solidFill>
-                  <a:srgbClr val="1F7199"/>
-                </a:solidFill>
-                <a:effectLst/>
-                <a:latin typeface="Source Code Pro" panose="020B0509030403020204" pitchFamily="49" charset="0"/>
-              </a:rPr>
-              <a:t>({ CustomException1.class, CustomException2.class })</a:t>
-            </a:r>
-            <a:r>
-              <a:rPr lang="en-US" sz="1400" b="0" i="0" u="none" strike="noStrike" dirty="0">
-                <a:solidFill>
-                  <a:srgbClr val="000000"/>
-                </a:solidFill>
-                <a:effectLst/>
-                <a:latin typeface="Source Code Pro" panose="020B0509030403020204" pitchFamily="49" charset="0"/>
-              </a:rPr>
-              <a:t> </a:t>
-            </a:r>
-          </a:p>
-          <a:p>
-            <a:pPr marL="0" indent="0">
-              <a:buNone/>
-            </a:pPr>
-            <a:r>
-              <a:rPr lang="en-US" sz="1600" b="1" i="0" u="none" strike="noStrike" dirty="0">
-                <a:solidFill>
-                  <a:srgbClr val="63B175"/>
-                </a:solidFill>
-                <a:effectLst/>
-                <a:latin typeface="Source Code Pro" panose="020B0509030403020204" pitchFamily="49" charset="0"/>
-              </a:rPr>
-              <a:t>  public</a:t>
-            </a:r>
-            <a:r>
-              <a:rPr lang="en-US" sz="1600" b="0" i="0" u="none" strike="noStrike" dirty="0">
-                <a:solidFill>
-                  <a:srgbClr val="000000"/>
-                </a:solidFill>
-                <a:effectLst/>
-                <a:latin typeface="Source Code Pro" panose="020B0509030403020204" pitchFamily="49" charset="0"/>
-              </a:rPr>
-              <a:t> </a:t>
-            </a:r>
-            <a:r>
-              <a:rPr lang="en-US" sz="1600" b="1" i="0" u="none" strike="noStrike" dirty="0">
-                <a:solidFill>
-                  <a:srgbClr val="63B175"/>
-                </a:solidFill>
-                <a:effectLst/>
-                <a:latin typeface="Source Code Pro" panose="020B0509030403020204" pitchFamily="49" charset="0"/>
-              </a:rPr>
-              <a:t>void</a:t>
-            </a:r>
-            <a:r>
-              <a:rPr lang="en-US" sz="1600" b="0" i="0" u="none" strike="noStrike" dirty="0">
-                <a:solidFill>
-                  <a:srgbClr val="000000"/>
-                </a:solidFill>
-                <a:effectLst/>
-                <a:latin typeface="Source Code Pro" panose="020B0509030403020204" pitchFamily="49" charset="0"/>
-              </a:rPr>
-              <a:t> </a:t>
-            </a:r>
-            <a:r>
-              <a:rPr lang="en-US" sz="1600" b="1" i="0" u="none" strike="noStrike" dirty="0" err="1">
-                <a:solidFill>
-                  <a:srgbClr val="267438"/>
-                </a:solidFill>
-                <a:effectLst/>
-                <a:latin typeface="Source Code Pro" panose="020B0509030403020204" pitchFamily="49" charset="0"/>
-              </a:rPr>
-              <a:t>handleException</a:t>
-            </a:r>
-            <a:r>
-              <a:rPr lang="en-US" sz="1600" b="0" i="0" u="none" strike="noStrike" dirty="0">
-                <a:solidFill>
-                  <a:srgbClr val="000000"/>
-                </a:solidFill>
-                <a:effectLst/>
-                <a:latin typeface="Source Code Pro" panose="020B0509030403020204" pitchFamily="49" charset="0"/>
-              </a:rPr>
-              <a:t>() { </a:t>
-            </a:r>
-            <a:r>
-              <a:rPr lang="en-US" sz="1600" b="0" i="0" u="none" strike="noStrike" dirty="0">
-                <a:solidFill>
-                  <a:srgbClr val="888888"/>
-                </a:solidFill>
-                <a:effectLst/>
-                <a:latin typeface="Source Code Pro" panose="020B0509030403020204" pitchFamily="49" charset="0"/>
-              </a:rPr>
-              <a:t>//</a:t>
-            </a:r>
-            <a:r>
-              <a:rPr lang="en-US" sz="1600" b="0" i="0" u="none" strike="noStrike" dirty="0">
-                <a:solidFill>
-                  <a:srgbClr val="000000"/>
-                </a:solidFill>
-                <a:effectLst/>
-                <a:latin typeface="Source Code Pro" panose="020B0509030403020204" pitchFamily="49" charset="0"/>
-              </a:rPr>
-              <a:t> </a:t>
-            </a:r>
-          </a:p>
-          <a:p>
-            <a:pPr marL="0" indent="0">
-              <a:buNone/>
-            </a:pPr>
-            <a:r>
-              <a:rPr lang="en-US" sz="1600" b="0" i="0" u="none" strike="noStrike" dirty="0">
-                <a:solidFill>
-                  <a:srgbClr val="000000"/>
-                </a:solidFill>
-                <a:effectLst/>
-                <a:latin typeface="Source Code Pro" panose="020B0509030403020204" pitchFamily="49" charset="0"/>
-              </a:rPr>
-              <a:t>  }</a:t>
-            </a:r>
-          </a:p>
-          <a:p>
-            <a:pPr marL="0" indent="0">
-              <a:buNone/>
-            </a:pPr>
-            <a:r>
-              <a:rPr lang="en-US" sz="1600" b="0" i="0" u="none" strike="noStrike" dirty="0">
-                <a:solidFill>
-                  <a:srgbClr val="000000"/>
-                </a:solidFill>
-                <a:effectLst/>
-                <a:latin typeface="Source Code Pro" panose="020B0509030403020204" pitchFamily="49" charset="0"/>
-              </a:rPr>
-              <a:t>}</a:t>
-            </a:r>
-            <a:endParaRPr lang="en-US" sz="2000" dirty="0">
-              <a:solidFill>
-                <a:srgbClr val="000000"/>
-              </a:solidFill>
-              <a:latin typeface="Source Code Pro" panose="020B0509030403020204" pitchFamily="49" charset="0"/>
-            </a:endParaRPr>
-          </a:p>
-          <a:p>
-            <a:pPr marL="0" indent="0">
-              <a:buNone/>
-            </a:pPr>
-            <a:r>
-              <a:rPr lang="en-US" sz="2000" b="0" i="0" u="none" strike="noStrike" dirty="0">
-                <a:solidFill>
-                  <a:srgbClr val="000000"/>
-                </a:solidFill>
-                <a:effectLst/>
-              </a:rPr>
-              <a:t>If we will enter this </a:t>
-            </a:r>
-            <a:r>
-              <a:rPr lang="en-US" sz="2000" dirty="0">
-                <a:solidFill>
-                  <a:srgbClr val="000000"/>
-                </a:solidFill>
-              </a:rPr>
-              <a:t>annotation </a:t>
-            </a:r>
-            <a:r>
-              <a:rPr lang="en-US" sz="2000" b="0" i="0" u="none" strike="noStrike" dirty="0">
-                <a:solidFill>
-                  <a:srgbClr val="000000"/>
-                </a:solidFill>
-                <a:effectLst/>
-              </a:rPr>
-              <a:t>on methods of controller classes, it will serve as the entry point for handling exceptions thrown within this controller only.</a:t>
-            </a:r>
-            <a:endParaRPr lang="en-IL" sz="2000" dirty="0"/>
+              <a:rPr lang="en-US" sz="2400" dirty="0">
+                <a:solidFill>
+                  <a:schemeClr val="tx1"/>
+                </a:solidFill>
+              </a:rPr>
+              <a:t>instead.</a:t>
+            </a:r>
+          </a:p>
+          <a:p>
+            <a:r>
+              <a:rPr lang="en-US" sz="2400" dirty="0">
+                <a:solidFill>
+                  <a:schemeClr val="accent1"/>
+                </a:solidFill>
+              </a:rPr>
+              <a:t>@</a:t>
+            </a:r>
+            <a:r>
+              <a:rPr lang="en-US" sz="2400" dirty="0" err="1">
+                <a:solidFill>
+                  <a:schemeClr val="accent1"/>
+                </a:solidFill>
+              </a:rPr>
+              <a:t>WebMvcTest</a:t>
+            </a:r>
+            <a:r>
+              <a:rPr lang="en-US" sz="2400" dirty="0">
+                <a:solidFill>
+                  <a:schemeClr val="accent1"/>
+                </a:solidFill>
+              </a:rPr>
+              <a:t> </a:t>
+            </a:r>
+            <a:r>
+              <a:rPr lang="en-US" sz="2400" dirty="0">
+                <a:solidFill>
+                  <a:schemeClr val="tx1"/>
+                </a:solidFill>
+              </a:rPr>
+              <a:t>auto-configures the Spring MVC infrastructure and limits scanned beans to @Controller-related beans. So, if your controller has some dependency to other beans from your service layer, the test won't start until you either load that config yourself or provide a mock for it. </a:t>
+            </a:r>
+          </a:p>
+          <a:p>
+            <a:r>
+              <a:rPr lang="en-US" sz="2400" dirty="0"/>
+              <a:t>Often, </a:t>
+            </a:r>
+            <a:r>
+              <a:rPr lang="en-US" sz="2500" dirty="0">
+                <a:solidFill>
+                  <a:schemeClr val="accent1"/>
+                </a:solidFill>
+              </a:rPr>
+              <a:t>@</a:t>
+            </a:r>
+            <a:r>
+              <a:rPr lang="en-US" sz="2500" dirty="0" err="1">
+                <a:solidFill>
+                  <a:schemeClr val="accent1"/>
+                </a:solidFill>
+              </a:rPr>
+              <a:t>WebMvcTest</a:t>
+            </a:r>
+            <a:r>
+              <a:rPr lang="en-US" sz="2500" dirty="0">
+                <a:solidFill>
+                  <a:schemeClr val="accent1"/>
+                </a:solidFill>
+              </a:rPr>
+              <a:t> </a:t>
+            </a:r>
+            <a:r>
+              <a:rPr lang="en-US" sz="2400" dirty="0"/>
+              <a:t>is limited to a single controller and is used in combination with </a:t>
+            </a:r>
+            <a:r>
+              <a:rPr lang="en-US" sz="2500" dirty="0">
+                <a:solidFill>
+                  <a:schemeClr val="accent1"/>
+                </a:solidFill>
+              </a:rPr>
+              <a:t>@</a:t>
+            </a:r>
+            <a:r>
+              <a:rPr lang="en-US" sz="2500" dirty="0" err="1">
+                <a:solidFill>
+                  <a:schemeClr val="accent1"/>
+                </a:solidFill>
+              </a:rPr>
+              <a:t>MockBean</a:t>
+            </a:r>
+            <a:r>
+              <a:rPr lang="en-US" sz="2500" dirty="0">
+                <a:solidFill>
+                  <a:schemeClr val="accent1"/>
+                </a:solidFill>
+              </a:rPr>
+              <a:t> </a:t>
+            </a:r>
+            <a:r>
+              <a:rPr lang="en-US" sz="2400" dirty="0"/>
+              <a:t>to provide mock implementations for required dependencies.</a:t>
+            </a:r>
+          </a:p>
+          <a:p>
+            <a:r>
+              <a:rPr lang="en-US" sz="2400" dirty="0"/>
+              <a:t>Note: </a:t>
+            </a:r>
+            <a:r>
+              <a:rPr lang="en-US" sz="2400" dirty="0">
+                <a:solidFill>
+                  <a:schemeClr val="accent1"/>
+                </a:solidFill>
+              </a:rPr>
+              <a:t>@</a:t>
+            </a:r>
+            <a:r>
+              <a:rPr lang="en-US" sz="2400" dirty="0" err="1">
+                <a:solidFill>
+                  <a:schemeClr val="accent1"/>
+                </a:solidFill>
+              </a:rPr>
+              <a:t>WebMvcTest</a:t>
+            </a:r>
+            <a:r>
+              <a:rPr lang="en-US" sz="2400" dirty="0">
+                <a:solidFill>
+                  <a:schemeClr val="accent1"/>
+                </a:solidFill>
+              </a:rPr>
+              <a:t> </a:t>
+            </a:r>
+            <a:r>
+              <a:rPr lang="en-US" sz="2400" dirty="0"/>
+              <a:t>also auto-configures </a:t>
+            </a:r>
+            <a:r>
+              <a:rPr lang="en-US" sz="2400" dirty="0" err="1"/>
+              <a:t>MockMvc</a:t>
+            </a:r>
+            <a:r>
+              <a:rPr lang="en-US" sz="2400" dirty="0"/>
+              <a:t>. </a:t>
+            </a:r>
+          </a:p>
+          <a:p>
+            <a:endParaRPr lang="en-IL" dirty="0"/>
           </a:p>
         </p:txBody>
       </p:sp>
     </p:spTree>
     <p:extLst>
       <p:ext uri="{BB962C8B-B14F-4D97-AF65-F5344CB8AC3E}">
-        <p14:creationId xmlns:p14="http://schemas.microsoft.com/office/powerpoint/2010/main" val="615323632"/>
+        <p14:creationId xmlns:p14="http://schemas.microsoft.com/office/powerpoint/2010/main" val="650263682"/>
       </p:ext>
     </p:extLst>
   </p:cSld>
@@ -10629,7 +11593,7 @@
           <p:cNvPr id="2" name="Title 1">
             <a:extLst>
               <a:ext uri="{FF2B5EF4-FFF2-40B4-BE49-F238E27FC236}">
-                <a16:creationId xmlns:a16="http://schemas.microsoft.com/office/drawing/2014/main" id="{42F05250-7750-4EB0-4704-385E3A74FF94}"/>
+                <a16:creationId xmlns:a16="http://schemas.microsoft.com/office/drawing/2014/main" id="{06F2650E-704A-05BA-C44D-B60D833AD400}"/>
               </a:ext>
             </a:extLst>
           </p:cNvPr>
@@ -10646,18 +11610,9 @@
           <a:lstStyle/>
           <a:p>
             <a:r>
-              <a:rPr lang="en-US" dirty="0"/>
-              <a:t>@</a:t>
-            </a:r>
-            <a:r>
-              <a:rPr lang="en-US" dirty="0" err="1"/>
-              <a:t>RestControllerAdvice</a:t>
-            </a:r>
-            <a:r>
-              <a:rPr lang="en-US" dirty="0"/>
-              <a:t> </a:t>
-            </a:r>
-            <a:endParaRPr lang="en-IL" dirty="0"/>
+              <a:rPr lang="en-IL" dirty="0"/>
+              <a:t>Hands-on</a:t>
+            </a:r>
           </a:p>
         </p:txBody>
       </p:sp>
@@ -10666,7 +11621,7 @@
           <p:cNvPr id="3" name="Content Placeholder 2">
             <a:extLst>
               <a:ext uri="{FF2B5EF4-FFF2-40B4-BE49-F238E27FC236}">
-                <a16:creationId xmlns:a16="http://schemas.microsoft.com/office/drawing/2014/main" id="{4B4FDE07-0CC7-7A2A-D275-086560F956D2}"/>
+                <a16:creationId xmlns:a16="http://schemas.microsoft.com/office/drawing/2014/main" id="{1A7CD13F-FA6F-3E8C-F9AE-F29C9B5DF573}"/>
               </a:ext>
             </a:extLst>
           </p:cNvPr>
@@ -10677,148 +11632,178 @@
             <p:ph idx="1"/>
           </p:nvPr>
         </p:nvSpPr>
-        <p:spPr>
-          <a:xfrm>
-            <a:off x="677334" y="1930401"/>
-            <a:ext cx="8705205" cy="4110962"/>
-          </a:xfrm>
-        </p:spPr>
+        <p:spPr/>
         <p:txBody>
           <a:bodyPr>
-            <a:normAutofit/>
+            <a:normAutofit fontScale="85000" lnSpcReduction="10000"/>
           </a:bodyPr>
           <a:lstStyle/>
           <a:p>
-            <a:r>
-              <a:rPr lang="en-US" sz="2000" dirty="0"/>
-              <a:t>Altogether, the most common approach is to use </a:t>
-            </a:r>
-            <a:r>
-              <a:rPr lang="en-US" sz="2000" dirty="0">
-                <a:solidFill>
-                  <a:srgbClr val="92D050"/>
-                </a:solidFill>
-              </a:rPr>
-              <a:t>@</a:t>
-            </a:r>
-            <a:r>
-              <a:rPr lang="en-US" sz="2000" dirty="0" err="1">
-                <a:solidFill>
-                  <a:srgbClr val="92D050"/>
-                </a:solidFill>
-              </a:rPr>
-              <a:t>ExceptionHandler</a:t>
-            </a:r>
-            <a:r>
-              <a:rPr lang="en-US" sz="2000" dirty="0">
-                <a:solidFill>
-                  <a:srgbClr val="92D050"/>
-                </a:solidFill>
-              </a:rPr>
-              <a:t> </a:t>
-            </a:r>
-            <a:r>
-              <a:rPr lang="en-US" sz="2000" dirty="0"/>
-              <a:t>on methods of </a:t>
-            </a:r>
-            <a:r>
-              <a:rPr lang="en-US" sz="2000" dirty="0">
-                <a:solidFill>
-                  <a:srgbClr val="92D050"/>
-                </a:solidFill>
-              </a:rPr>
-              <a:t>@</a:t>
-            </a:r>
-            <a:r>
-              <a:rPr lang="en-US" sz="2000" dirty="0" err="1">
-                <a:solidFill>
-                  <a:srgbClr val="92D050"/>
-                </a:solidFill>
-              </a:rPr>
-              <a:t>RestControllerAdvice</a:t>
-            </a:r>
-            <a:r>
-              <a:rPr lang="en-US" sz="2000" dirty="0">
-                <a:solidFill>
-                  <a:srgbClr val="92D050"/>
-                </a:solidFill>
-              </a:rPr>
-              <a:t> </a:t>
-            </a:r>
-            <a:r>
-              <a:rPr lang="en-US" sz="2000" dirty="0"/>
-              <a:t>classes so that the Spring Boot exception handling will be applied globally for all application controllers (or to a subset of controllers, if specified).</a:t>
-            </a:r>
-          </a:p>
-          <a:p>
-            <a:r>
-              <a:rPr lang="en-US" sz="2000" dirty="0">
-                <a:solidFill>
-                  <a:srgbClr val="92D050"/>
-                </a:solidFill>
-              </a:rPr>
-              <a:t>@</a:t>
-            </a:r>
-            <a:r>
-              <a:rPr lang="en-US" sz="2000" dirty="0" err="1">
-                <a:solidFill>
-                  <a:srgbClr val="92D050"/>
-                </a:solidFill>
-              </a:rPr>
-              <a:t>RestControllerAdvice</a:t>
-            </a:r>
-            <a:r>
-              <a:rPr lang="en-US" sz="2000" dirty="0"/>
-              <a:t> is an annotation in Spring and, as the name suggests, is “advice” for multiple controllers. It enables the application of a single </a:t>
-            </a:r>
-            <a:r>
-              <a:rPr lang="en-US" sz="2000" dirty="0">
-                <a:solidFill>
-                  <a:srgbClr val="92D050"/>
-                </a:solidFill>
-              </a:rPr>
-              <a:t>@</a:t>
-            </a:r>
-            <a:r>
-              <a:rPr lang="en-US" sz="2000" dirty="0" err="1">
-                <a:solidFill>
-                  <a:srgbClr val="92D050"/>
-                </a:solidFill>
-              </a:rPr>
-              <a:t>ExceptionHandler</a:t>
-            </a:r>
-            <a:r>
-              <a:rPr lang="en-US" sz="2000" dirty="0"/>
-              <a:t> to multiple controllers. With this annotation, we can define how to treat such an exception in a single place, and the system will call this handler for thrown exceptions on classes covered by this </a:t>
-            </a:r>
-            <a:r>
-              <a:rPr lang="en-US" sz="2000" dirty="0">
-                <a:solidFill>
-                  <a:srgbClr val="92D050"/>
-                </a:solidFill>
-              </a:rPr>
-              <a:t>@</a:t>
-            </a:r>
-            <a:r>
-              <a:rPr lang="en-US" sz="2000" dirty="0" err="1">
-                <a:solidFill>
-                  <a:srgbClr val="92D050"/>
-                </a:solidFill>
-              </a:rPr>
-              <a:t>RestControllerAdvice</a:t>
-            </a:r>
-            <a:r>
-              <a:rPr lang="en-US" sz="2000" dirty="0"/>
-              <a:t>.</a:t>
-            </a:r>
-            <a:endParaRPr lang="en-IL" sz="2000" dirty="0"/>
+            <a:pPr marL="342900" indent="-342900" algn="l" defTabSz="457200" rtl="0" eaLnBrk="1" latinLnBrk="0" hangingPunct="1">
+              <a:spcBef>
+                <a:spcPts val="1000"/>
+              </a:spcBef>
+              <a:spcAft>
+                <a:spcPts val="0"/>
+              </a:spcAft>
+              <a:buClr>
+                <a:schemeClr val="accent1"/>
+              </a:buClr>
+              <a:buSzPct val="80000"/>
+              <a:buFont typeface="Wingdings 3" charset="2"/>
+              <a:buChar char=""/>
+            </a:pPr>
+            <a:r>
+              <a:rPr lang="en-IL" dirty="0"/>
+              <a:t>Create a REST microservice that implements ATM (</a:t>
+            </a:r>
+            <a:r>
+              <a:rPr lang="he-IL" dirty="0"/>
+              <a:t>כספומט</a:t>
+            </a:r>
+            <a:r>
+              <a:rPr lang="en-IL" dirty="0"/>
+              <a:t>)</a:t>
+            </a:r>
+          </a:p>
+          <a:p>
+            <a:pPr marL="342900" indent="-342900" algn="l" defTabSz="457200" rtl="0" eaLnBrk="1" latinLnBrk="0" hangingPunct="1">
+              <a:spcBef>
+                <a:spcPts val="1000"/>
+              </a:spcBef>
+              <a:spcAft>
+                <a:spcPts val="0"/>
+              </a:spcAft>
+              <a:buClr>
+                <a:schemeClr val="accent1"/>
+              </a:buClr>
+              <a:buSzPct val="80000"/>
+              <a:buFont typeface="Wingdings 3" charset="2"/>
+              <a:buChar char=""/>
+            </a:pPr>
+            <a:r>
+              <a:rPr lang="en-IL" dirty="0"/>
+              <a:t>Implement a repository class that keeps the amount of money for different accounts.</a:t>
+            </a:r>
+          </a:p>
+          <a:p>
+            <a:pPr marL="342900" indent="-342900" algn="l" defTabSz="457200" rtl="0" eaLnBrk="1" latinLnBrk="0" hangingPunct="1">
+              <a:spcBef>
+                <a:spcPts val="1000"/>
+              </a:spcBef>
+              <a:spcAft>
+                <a:spcPts val="0"/>
+              </a:spcAft>
+              <a:buClr>
+                <a:schemeClr val="accent1"/>
+              </a:buClr>
+              <a:buSzPct val="80000"/>
+              <a:buFont typeface="Wingdings 3" charset="2"/>
+              <a:buChar char=""/>
+            </a:pPr>
+            <a:r>
+              <a:rPr lang="en-IL" dirty="0"/>
+              <a:t>Implement the following APIs:</a:t>
+            </a:r>
+          </a:p>
+          <a:p>
+            <a:pPr lvl="1" indent="-342900"/>
+            <a:r>
+              <a:rPr lang="en-IL" dirty="0"/>
+              <a:t>GET </a:t>
+            </a:r>
+            <a:r>
+              <a:rPr lang="en-US" dirty="0">
+                <a:hlinkClick r:id="rId2"/>
+              </a:rPr>
+              <a:t>http://localhost:8080/ballance/{accountID}/info?currency=NIS</a:t>
+            </a:r>
+            <a:endParaRPr lang="en-IL" dirty="0"/>
+          </a:p>
+          <a:p>
+            <a:pPr lvl="2" indent="-342900"/>
+            <a:r>
+              <a:rPr lang="en-IL" dirty="0"/>
+              <a:t>Returns the amount of money for the specified account. Currency is an optional </a:t>
+            </a:r>
+            <a:r>
+              <a:rPr lang="en-US" dirty="0"/>
+              <a:t>parameter;</a:t>
+            </a:r>
+            <a:r>
+              <a:rPr lang="en-IL" dirty="0"/>
+              <a:t> the default value is NIS.</a:t>
+            </a:r>
+          </a:p>
+          <a:p>
+            <a:pPr lvl="1"/>
+            <a:r>
+              <a:rPr lang="en-IL" dirty="0"/>
+              <a:t>POST </a:t>
+            </a:r>
+            <a:r>
+              <a:rPr lang="en-US" dirty="0">
+                <a:hlinkClick r:id="rId3"/>
+              </a:rPr>
+              <a:t>http://localhost:8080/ballance/{accountID}/transaction/withdraw?amount=100&amp;currency=NIS  </a:t>
+            </a:r>
+            <a:endParaRPr lang="en-US" dirty="0"/>
+          </a:p>
+          <a:p>
+            <a:pPr lvl="2"/>
+            <a:r>
+              <a:rPr lang="en-US" dirty="0"/>
+              <a:t>Sends a request to withdraw money from the account. Returns the balance of the account after the transaction. </a:t>
+            </a:r>
+          </a:p>
+          <a:p>
+            <a:pPr lvl="1"/>
+            <a:r>
+              <a:rPr lang="en-IL" dirty="0"/>
+              <a:t>POST </a:t>
+            </a:r>
+            <a:r>
+              <a:rPr lang="en-US" dirty="0">
+                <a:hlinkClick r:id="rId4"/>
+              </a:rPr>
+              <a:t>http://localhost:8080/ballance/{accountID}/transaction/invest?amount=100&amp;currency=NIS  </a:t>
+            </a:r>
+            <a:endParaRPr lang="en-US" dirty="0"/>
+          </a:p>
+          <a:p>
+            <a:pPr lvl="2"/>
+            <a:r>
+              <a:rPr lang="en-US" dirty="0"/>
+              <a:t>Sends a request to put money into the account. Returns the balance of the account after the transaction. </a:t>
+            </a:r>
+            <a:endParaRPr lang="en-IL" dirty="0"/>
+          </a:p>
+          <a:p>
+            <a:pPr marL="342900" indent="-342900" algn="l" defTabSz="457200" rtl="0" eaLnBrk="1" latinLnBrk="0" hangingPunct="1">
+              <a:spcBef>
+                <a:spcPts val="1000"/>
+              </a:spcBef>
+              <a:spcAft>
+                <a:spcPts val="0"/>
+              </a:spcAft>
+              <a:buClr>
+                <a:schemeClr val="accent1"/>
+              </a:buClr>
+              <a:buSzPct val="80000"/>
+              <a:buFont typeface="Wingdings 3" charset="2"/>
+              <a:buChar char=""/>
+            </a:pPr>
+            <a:r>
+              <a:rPr lang="en-IL" dirty="0"/>
+              <a:t>Write tests</a:t>
+            </a:r>
           </a:p>
         </p:txBody>
       </p:sp>
     </p:spTree>
     <p:extLst>
       <p:ext uri="{BB962C8B-B14F-4D97-AF65-F5344CB8AC3E}">
-        <p14:creationId xmlns:p14="http://schemas.microsoft.com/office/powerpoint/2010/main" val="484608028"/>
+        <p14:creationId xmlns:p14="http://schemas.microsoft.com/office/powerpoint/2010/main" val="2238921821"/>
       </p:ext>
     </p:extLst>
   </p:cSld>
@@ -10995,6 +11980,838 @@
           <p:cNvPr id="2" name="Title 1">
             <a:extLst>
               <a:ext uri="{FF2B5EF4-FFF2-40B4-BE49-F238E27FC236}">
+                <a16:creationId xmlns:a16="http://schemas.microsoft.com/office/drawing/2014/main" id="{2FA11E1D-F7CD-9C2E-E611-F939102AC085}"/>
+              </a:ext>
+            </a:extLst>
+          </p:cNvPr>
+          <p:cNvSpPr>
+            <a:spLocks noGrp="1"/>
+          </p:cNvSpPr>
+          <p:nvPr>
+            <p:ph type="title"/>
+          </p:nvPr>
+        </p:nvSpPr>
+        <p:spPr/>
+        <p:txBody>
+          <a:bodyPr/>
+          <a:lstStyle/>
+          <a:p>
+            <a:r>
+              <a:rPr lang="en-IL" dirty="0"/>
+              <a:t>Part 2: Error handling in REST with Spring</a:t>
+            </a:r>
+          </a:p>
+        </p:txBody>
+      </p:sp>
+      <p:sp>
+        <p:nvSpPr>
+          <p:cNvPr id="3" name="Content Placeholder 2">
+            <a:extLst>
+              <a:ext uri="{FF2B5EF4-FFF2-40B4-BE49-F238E27FC236}">
+                <a16:creationId xmlns:a16="http://schemas.microsoft.com/office/drawing/2014/main" id="{55681765-B02E-FFFD-E528-AE539CB297CE}"/>
+              </a:ext>
+            </a:extLst>
+          </p:cNvPr>
+          <p:cNvSpPr>
+            <a:spLocks noGrp="1"/>
+          </p:cNvSpPr>
+          <p:nvPr>
+            <p:ph idx="1"/>
+          </p:nvPr>
+        </p:nvSpPr>
+        <p:spPr/>
+        <p:txBody>
+          <a:bodyPr>
+            <a:normAutofit lnSpcReduction="10000"/>
+          </a:bodyPr>
+          <a:lstStyle/>
+          <a:p>
+            <a:r>
+              <a:rPr lang="en-IL" sz="2400" dirty="0"/>
+              <a:t>What do we expect from the REST microservice error handling?</a:t>
+            </a:r>
+          </a:p>
+          <a:p>
+            <a:pPr lvl="1"/>
+            <a:r>
+              <a:rPr lang="en-IL" sz="2000" dirty="0"/>
+              <a:t>We want to handle all possible errors and report to the client detailed information about the problem.</a:t>
+            </a:r>
+          </a:p>
+          <a:p>
+            <a:pPr lvl="1"/>
+            <a:r>
+              <a:rPr lang="en-IL" sz="2000" dirty="0"/>
+              <a:t>We want to build a centralized error-handling mechanism, to consolidate all errors we want to handle in one place. At the same time, we want to provide a default error handling for unexpected exceptions.</a:t>
+            </a:r>
+          </a:p>
+          <a:p>
+            <a:r>
+              <a:rPr lang="en-IL" sz="2400" dirty="0"/>
+              <a:t>The solution – </a:t>
+            </a:r>
+            <a:r>
+              <a:rPr lang="en-IL" sz="2400" b="1" i="1" dirty="0">
+                <a:solidFill>
+                  <a:srgbClr val="0070C0"/>
+                </a:solidFill>
+              </a:rPr>
+              <a:t>@ResponseStatus</a:t>
+            </a:r>
+            <a:r>
+              <a:rPr lang="en-IL" sz="2400" dirty="0"/>
+              <a:t>, </a:t>
+            </a:r>
+            <a:r>
+              <a:rPr lang="en-IL" sz="2400" b="1" i="1" dirty="0">
+                <a:solidFill>
+                  <a:srgbClr val="0070C0"/>
+                </a:solidFill>
+              </a:rPr>
+              <a:t>@E</a:t>
+            </a:r>
+            <a:r>
+              <a:rPr lang="en-US" sz="2400" b="1" i="1" dirty="0">
+                <a:solidFill>
+                  <a:srgbClr val="0070C0"/>
+                </a:solidFill>
+              </a:rPr>
+              <a:t>x</a:t>
+            </a:r>
+            <a:r>
+              <a:rPr lang="en-IL" sz="2400" b="1" i="1" dirty="0">
+                <a:solidFill>
+                  <a:srgbClr val="0070C0"/>
+                </a:solidFill>
+              </a:rPr>
+              <a:t>ceptionHandler </a:t>
+            </a:r>
+            <a:r>
+              <a:rPr lang="en-IL" sz="2400" dirty="0"/>
+              <a:t>and </a:t>
+            </a:r>
+            <a:r>
+              <a:rPr lang="en-IL" sz="2400" b="1" i="1" dirty="0">
+                <a:solidFill>
+                  <a:srgbClr val="0070C0"/>
+                </a:solidFill>
+              </a:rPr>
+              <a:t>@RestControllerAdvice </a:t>
+            </a:r>
+            <a:r>
+              <a:rPr lang="en-IL" sz="2400" dirty="0"/>
+              <a:t>annotations and </a:t>
+            </a:r>
+            <a:r>
+              <a:rPr lang="en-IL" sz="2400" b="1" i="1" dirty="0">
+                <a:solidFill>
+                  <a:srgbClr val="0070C0"/>
+                </a:solidFill>
+              </a:rPr>
+              <a:t>ResponseEntityExceptionHandler</a:t>
+            </a:r>
+            <a:r>
+              <a:rPr lang="en-IL" sz="2400" dirty="0"/>
+              <a:t> class.</a:t>
+            </a:r>
+            <a:endParaRPr lang="en-IL" sz="2400" b="1" i="1" dirty="0">
+              <a:solidFill>
+                <a:srgbClr val="0070C0"/>
+              </a:solidFill>
+            </a:endParaRPr>
+          </a:p>
+        </p:txBody>
+      </p:sp>
+    </p:spTree>
+    <p:extLst>
+      <p:ext uri="{BB962C8B-B14F-4D97-AF65-F5344CB8AC3E}">
+        <p14:creationId xmlns:p14="http://schemas.microsoft.com/office/powerpoint/2010/main" val="4282582936"/>
+      </p:ext>
+    </p:extLst>
+  </p:cSld>
+  <p:clrMapOvr>
+    <a:masterClrMapping/>
+  </p:clrMapOvr>
+</p:sld>
+</file>
+
+<file path=ppt/slides/slide21.xml><?xml version="1.0" encoding="utf-8"?>
+<p:sld xmlns:a="http://schemas.openxmlformats.org/drawingml/2006/main" xmlns:r="http://schemas.openxmlformats.org/officeDocument/2006/relationships" xmlns:p="http://schemas.openxmlformats.org/presentationml/2006/main">
+  <p:cSld>
+    <p:spTree>
+      <p:nvGrpSpPr>
+        <p:cNvPr id="1" name=""/>
+        <p:cNvGrpSpPr/>
+        <p:nvPr/>
+      </p:nvGrpSpPr>
+      <p:grpSpPr>
+        <a:xfrm>
+          <a:off x="0" y="0"/>
+          <a:ext cx="0" cy="0"/>
+          <a:chOff x="0" y="0"/>
+          <a:chExt cx="0" cy="0"/>
+        </a:xfrm>
+      </p:grpSpPr>
+      <p:sp>
+        <p:nvSpPr>
+          <p:cNvPr id="2" name="Title 1">
+            <a:extLst>
+              <a:ext uri="{FF2B5EF4-FFF2-40B4-BE49-F238E27FC236}">
+                <a16:creationId xmlns:a16="http://schemas.microsoft.com/office/drawing/2014/main" id="{C34BA05C-A01F-DF2C-310C-D7C0B27D9A0E}"/>
+              </a:ext>
+            </a:extLst>
+          </p:cNvPr>
+          <p:cNvSpPr>
+            <a:spLocks noGrp="1"/>
+          </p:cNvSpPr>
+          <p:nvPr>
+            <p:ph type="title"/>
+          </p:nvPr>
+        </p:nvSpPr>
+        <p:spPr/>
+        <p:txBody>
+          <a:bodyPr/>
+          <a:lstStyle/>
+          <a:p>
+            <a:r>
+              <a:rPr lang="en-US" dirty="0">
+                <a:solidFill>
+                  <a:srgbClr val="92D050"/>
+                </a:solidFill>
+              </a:rPr>
+              <a:t>@</a:t>
+            </a:r>
+            <a:r>
+              <a:rPr lang="en-US" b="0" i="0" dirty="0" err="1">
+                <a:solidFill>
+                  <a:srgbClr val="92D050"/>
+                </a:solidFill>
+                <a:effectLst/>
+              </a:rPr>
+              <a:t>ExceptionHandler</a:t>
+            </a:r>
+            <a:r>
+              <a:rPr lang="en-US" b="0" i="0" u="none" strike="noStrike" dirty="0">
+                <a:solidFill>
+                  <a:srgbClr val="000000"/>
+                </a:solidFill>
+                <a:effectLst/>
+              </a:rPr>
+              <a:t> </a:t>
+            </a:r>
+            <a:endParaRPr lang="en-IL" dirty="0"/>
+          </a:p>
+        </p:txBody>
+      </p:sp>
+      <p:sp>
+        <p:nvSpPr>
+          <p:cNvPr id="3" name="Content Placeholder 2">
+            <a:extLst>
+              <a:ext uri="{FF2B5EF4-FFF2-40B4-BE49-F238E27FC236}">
+                <a16:creationId xmlns:a16="http://schemas.microsoft.com/office/drawing/2014/main" id="{85FFC017-A7BC-8FC0-887B-CD7EB945FA7E}"/>
+              </a:ext>
+            </a:extLst>
+          </p:cNvPr>
+          <p:cNvSpPr>
+            <a:spLocks noGrp="1"/>
+          </p:cNvSpPr>
+          <p:nvPr>
+            <p:ph idx="1"/>
+          </p:nvPr>
+        </p:nvSpPr>
+        <p:spPr>
+          <a:xfrm>
+            <a:off x="677334" y="1488613"/>
+            <a:ext cx="8596668" cy="4759787"/>
+          </a:xfrm>
+        </p:spPr>
+        <p:txBody>
+          <a:bodyPr>
+            <a:normAutofit/>
+          </a:bodyPr>
+          <a:lstStyle/>
+          <a:p>
+            <a:pPr marL="0" indent="0">
+              <a:buNone/>
+            </a:pPr>
+            <a:r>
+              <a:rPr lang="en-US" sz="2000" dirty="0">
+                <a:solidFill>
+                  <a:srgbClr val="92D050"/>
+                </a:solidFill>
+              </a:rPr>
+              <a:t>@</a:t>
+            </a:r>
+            <a:r>
+              <a:rPr lang="en-US" sz="2000" b="0" i="0" dirty="0" err="1">
+                <a:solidFill>
+                  <a:srgbClr val="92D050"/>
+                </a:solidFill>
+                <a:effectLst/>
+              </a:rPr>
+              <a:t>ExceptionHandler</a:t>
+            </a:r>
+            <a:r>
+              <a:rPr lang="en-US" sz="2000" b="0" i="0" u="none" strike="noStrike" dirty="0">
+                <a:solidFill>
+                  <a:srgbClr val="000000"/>
+                </a:solidFill>
+                <a:effectLst/>
+              </a:rPr>
+              <a:t> is a Spring annotation that provides a mechanism to treat exceptions thrown during execution of handlers (controller operations).</a:t>
+            </a:r>
+          </a:p>
+          <a:p>
+            <a:pPr marL="0" indent="0">
+              <a:buNone/>
+            </a:pPr>
+            <a:endParaRPr lang="en-US" sz="2000" dirty="0">
+              <a:solidFill>
+                <a:srgbClr val="000000"/>
+              </a:solidFill>
+            </a:endParaRPr>
+          </a:p>
+          <a:p>
+            <a:pPr marL="0" indent="0">
+              <a:buNone/>
+            </a:pPr>
+            <a:r>
+              <a:rPr lang="en-US" sz="1600" b="1" i="0" u="none" strike="noStrike" dirty="0">
+                <a:solidFill>
+                  <a:srgbClr val="63B175"/>
+                </a:solidFill>
+                <a:effectLst/>
+                <a:latin typeface="Source Code Pro" panose="020B0509030403020204" pitchFamily="49" charset="0"/>
+              </a:rPr>
+              <a:t>public</a:t>
+            </a:r>
+            <a:r>
+              <a:rPr lang="en-US" sz="1600" b="0" i="0" u="none" strike="noStrike" dirty="0">
+                <a:solidFill>
+                  <a:srgbClr val="000000"/>
+                </a:solidFill>
+                <a:effectLst/>
+                <a:latin typeface="Source Code Pro" panose="020B0509030403020204" pitchFamily="49" charset="0"/>
+              </a:rPr>
+              <a:t> </a:t>
+            </a:r>
+            <a:r>
+              <a:rPr lang="en-US" sz="1600" b="1" i="0" u="none" strike="noStrike" dirty="0">
+                <a:solidFill>
+                  <a:srgbClr val="63B175"/>
+                </a:solidFill>
+                <a:effectLst/>
+                <a:latin typeface="Source Code Pro" panose="020B0509030403020204" pitchFamily="49" charset="0"/>
+              </a:rPr>
+              <a:t>class</a:t>
+            </a:r>
+            <a:r>
+              <a:rPr lang="en-US" sz="1600" b="0" i="0" u="none" strike="noStrike" dirty="0">
+                <a:solidFill>
+                  <a:srgbClr val="000000"/>
+                </a:solidFill>
+                <a:effectLst/>
+                <a:latin typeface="Source Code Pro" panose="020B0509030403020204" pitchFamily="49" charset="0"/>
+              </a:rPr>
+              <a:t> </a:t>
+            </a:r>
+            <a:r>
+              <a:rPr lang="en-US" sz="1600" b="1" i="0" u="none" strike="noStrike" dirty="0" err="1">
+                <a:solidFill>
+                  <a:srgbClr val="267438"/>
+                </a:solidFill>
+                <a:effectLst/>
+                <a:latin typeface="Source Code Pro" panose="020B0509030403020204" pitchFamily="49" charset="0"/>
+              </a:rPr>
+              <a:t>FooController</a:t>
+            </a:r>
+            <a:r>
+              <a:rPr lang="en-US" sz="1600" b="0" i="0" u="none" strike="noStrike" dirty="0">
+                <a:solidFill>
+                  <a:srgbClr val="000000"/>
+                </a:solidFill>
+                <a:effectLst/>
+                <a:latin typeface="Source Code Pro" panose="020B0509030403020204" pitchFamily="49" charset="0"/>
+              </a:rPr>
+              <a:t>{ </a:t>
+            </a:r>
+          </a:p>
+          <a:p>
+            <a:pPr marL="0" indent="0">
+              <a:buNone/>
+            </a:pPr>
+            <a:r>
+              <a:rPr lang="en-US" sz="1600" b="0" i="0" u="none" strike="noStrike" dirty="0">
+                <a:solidFill>
+                  <a:srgbClr val="888888"/>
+                </a:solidFill>
+                <a:effectLst/>
+                <a:latin typeface="Source Code Pro" panose="020B0509030403020204" pitchFamily="49" charset="0"/>
+              </a:rPr>
+              <a:t>  //...</a:t>
+            </a:r>
+            <a:endParaRPr lang="en-US" sz="1600" dirty="0">
+              <a:solidFill>
+                <a:srgbClr val="000000"/>
+              </a:solidFill>
+            </a:endParaRPr>
+          </a:p>
+          <a:p>
+            <a:pPr marL="0" indent="0">
+              <a:buNone/>
+            </a:pPr>
+            <a:r>
+              <a:rPr lang="en-US" sz="1400" b="0" i="0" u="none" strike="noStrike" dirty="0">
+                <a:solidFill>
+                  <a:srgbClr val="1F7199"/>
+                </a:solidFill>
+                <a:effectLst/>
+                <a:latin typeface="Source Code Pro" panose="020B0509030403020204" pitchFamily="49" charset="0"/>
+              </a:rPr>
+              <a:t>  @</a:t>
+            </a:r>
+            <a:r>
+              <a:rPr lang="en-US" sz="1400" b="0" i="0" u="none" strike="noStrike" dirty="0" err="1">
+                <a:solidFill>
+                  <a:srgbClr val="1F7199"/>
+                </a:solidFill>
+                <a:effectLst/>
+                <a:latin typeface="Source Code Pro" panose="020B0509030403020204" pitchFamily="49" charset="0"/>
+              </a:rPr>
+              <a:t>ExceptionHandler</a:t>
+            </a:r>
+            <a:r>
+              <a:rPr lang="en-US" sz="1400" b="0" i="0" u="none" strike="noStrike" dirty="0">
+                <a:solidFill>
+                  <a:srgbClr val="1F7199"/>
+                </a:solidFill>
+                <a:effectLst/>
+                <a:latin typeface="Source Code Pro" panose="020B0509030403020204" pitchFamily="49" charset="0"/>
+              </a:rPr>
+              <a:t>({ CustomException1.class, CustomException2.class })</a:t>
+            </a:r>
+            <a:r>
+              <a:rPr lang="en-US" sz="1400" b="0" i="0" u="none" strike="noStrike" dirty="0">
+                <a:solidFill>
+                  <a:srgbClr val="000000"/>
+                </a:solidFill>
+                <a:effectLst/>
+                <a:latin typeface="Source Code Pro" panose="020B0509030403020204" pitchFamily="49" charset="0"/>
+              </a:rPr>
+              <a:t> </a:t>
+            </a:r>
+          </a:p>
+          <a:p>
+            <a:pPr marL="0" indent="0">
+              <a:buNone/>
+            </a:pPr>
+            <a:r>
+              <a:rPr lang="en-US" sz="1600" b="1" i="0" u="none" strike="noStrike" dirty="0">
+                <a:solidFill>
+                  <a:srgbClr val="63B175"/>
+                </a:solidFill>
+                <a:effectLst/>
+                <a:latin typeface="Source Code Pro" panose="020B0509030403020204" pitchFamily="49" charset="0"/>
+              </a:rPr>
+              <a:t>  public</a:t>
+            </a:r>
+            <a:r>
+              <a:rPr lang="en-US" sz="1600" b="0" i="0" u="none" strike="noStrike" dirty="0">
+                <a:solidFill>
+                  <a:srgbClr val="000000"/>
+                </a:solidFill>
+                <a:effectLst/>
+                <a:latin typeface="Source Code Pro" panose="020B0509030403020204" pitchFamily="49" charset="0"/>
+              </a:rPr>
+              <a:t> </a:t>
+            </a:r>
+            <a:r>
+              <a:rPr lang="en-US" sz="1600" b="1" i="0" u="none" strike="noStrike" dirty="0">
+                <a:solidFill>
+                  <a:srgbClr val="63B175"/>
+                </a:solidFill>
+                <a:effectLst/>
+                <a:latin typeface="Source Code Pro" panose="020B0509030403020204" pitchFamily="49" charset="0"/>
+              </a:rPr>
+              <a:t>void</a:t>
+            </a:r>
+            <a:r>
+              <a:rPr lang="en-US" sz="1600" b="0" i="0" u="none" strike="noStrike" dirty="0">
+                <a:solidFill>
+                  <a:srgbClr val="000000"/>
+                </a:solidFill>
+                <a:effectLst/>
+                <a:latin typeface="Source Code Pro" panose="020B0509030403020204" pitchFamily="49" charset="0"/>
+              </a:rPr>
+              <a:t> </a:t>
+            </a:r>
+            <a:r>
+              <a:rPr lang="en-US" sz="1600" b="1" i="0" u="none" strike="noStrike" dirty="0" err="1">
+                <a:solidFill>
+                  <a:srgbClr val="267438"/>
+                </a:solidFill>
+                <a:effectLst/>
+                <a:latin typeface="Source Code Pro" panose="020B0509030403020204" pitchFamily="49" charset="0"/>
+              </a:rPr>
+              <a:t>handleException</a:t>
+            </a:r>
+            <a:r>
+              <a:rPr lang="en-US" sz="1600" b="0" i="0" u="none" strike="noStrike" dirty="0">
+                <a:solidFill>
+                  <a:srgbClr val="000000"/>
+                </a:solidFill>
+                <a:effectLst/>
+                <a:latin typeface="Source Code Pro" panose="020B0509030403020204" pitchFamily="49" charset="0"/>
+              </a:rPr>
+              <a:t>() { </a:t>
+            </a:r>
+            <a:r>
+              <a:rPr lang="en-US" sz="1600" b="0" i="0" u="none" strike="noStrike" dirty="0">
+                <a:solidFill>
+                  <a:srgbClr val="888888"/>
+                </a:solidFill>
+                <a:effectLst/>
+                <a:latin typeface="Source Code Pro" panose="020B0509030403020204" pitchFamily="49" charset="0"/>
+              </a:rPr>
+              <a:t>//</a:t>
+            </a:r>
+            <a:r>
+              <a:rPr lang="en-US" sz="1600" b="0" i="0" u="none" strike="noStrike" dirty="0">
+                <a:solidFill>
+                  <a:srgbClr val="000000"/>
+                </a:solidFill>
+                <a:effectLst/>
+                <a:latin typeface="Source Code Pro" panose="020B0509030403020204" pitchFamily="49" charset="0"/>
+              </a:rPr>
+              <a:t> </a:t>
+            </a:r>
+          </a:p>
+          <a:p>
+            <a:pPr marL="0" indent="0">
+              <a:buNone/>
+            </a:pPr>
+            <a:r>
+              <a:rPr lang="en-US" sz="1600" b="0" i="0" u="none" strike="noStrike" dirty="0">
+                <a:solidFill>
+                  <a:srgbClr val="000000"/>
+                </a:solidFill>
+                <a:effectLst/>
+                <a:latin typeface="Source Code Pro" panose="020B0509030403020204" pitchFamily="49" charset="0"/>
+              </a:rPr>
+              <a:t>  }</a:t>
+            </a:r>
+          </a:p>
+          <a:p>
+            <a:pPr marL="0" indent="0">
+              <a:buNone/>
+            </a:pPr>
+            <a:r>
+              <a:rPr lang="en-US" sz="1600" b="0" i="0" u="none" strike="noStrike" dirty="0">
+                <a:solidFill>
+                  <a:srgbClr val="000000"/>
+                </a:solidFill>
+                <a:effectLst/>
+                <a:latin typeface="Source Code Pro" panose="020B0509030403020204" pitchFamily="49" charset="0"/>
+              </a:rPr>
+              <a:t>}</a:t>
+            </a:r>
+            <a:endParaRPr lang="en-US" sz="2000" dirty="0">
+              <a:solidFill>
+                <a:srgbClr val="000000"/>
+              </a:solidFill>
+              <a:latin typeface="Source Code Pro" panose="020B0509030403020204" pitchFamily="49" charset="0"/>
+            </a:endParaRPr>
+          </a:p>
+          <a:p>
+            <a:pPr marL="0" indent="0">
+              <a:buNone/>
+            </a:pPr>
+            <a:r>
+              <a:rPr lang="en-US" sz="2000" b="0" i="0" u="none" strike="noStrike" dirty="0">
+                <a:solidFill>
+                  <a:srgbClr val="000000"/>
+                </a:solidFill>
+                <a:effectLst/>
+              </a:rPr>
+              <a:t>If we will enter this </a:t>
+            </a:r>
+            <a:r>
+              <a:rPr lang="en-US" sz="2000" dirty="0">
+                <a:solidFill>
+                  <a:srgbClr val="000000"/>
+                </a:solidFill>
+              </a:rPr>
+              <a:t>annotation </a:t>
+            </a:r>
+            <a:r>
+              <a:rPr lang="en-US" sz="2000" b="0" i="0" u="none" strike="noStrike" dirty="0">
+                <a:solidFill>
+                  <a:srgbClr val="000000"/>
+                </a:solidFill>
+                <a:effectLst/>
+              </a:rPr>
+              <a:t>on methods of controller classes, it will serve as the entry point for handling exceptions thrown within this controller only.</a:t>
+            </a:r>
+            <a:endParaRPr lang="en-IL" sz="2000" dirty="0"/>
+          </a:p>
+        </p:txBody>
+      </p:sp>
+    </p:spTree>
+    <p:extLst>
+      <p:ext uri="{BB962C8B-B14F-4D97-AF65-F5344CB8AC3E}">
+        <p14:creationId xmlns:p14="http://schemas.microsoft.com/office/powerpoint/2010/main" val="615323632"/>
+      </p:ext>
+    </p:extLst>
+  </p:cSld>
+  <p:clrMapOvr>
+    <a:masterClrMapping/>
+  </p:clrMapOvr>
+</p:sld>
+</file>
+
+<file path=ppt/slides/slide22.xml><?xml version="1.0" encoding="utf-8"?>
+<p:sld xmlns:a="http://schemas.openxmlformats.org/drawingml/2006/main" xmlns:r="http://schemas.openxmlformats.org/officeDocument/2006/relationships" xmlns:p="http://schemas.openxmlformats.org/presentationml/2006/main">
+  <p:cSld>
+    <p:spTree>
+      <p:nvGrpSpPr>
+        <p:cNvPr id="1" name=""/>
+        <p:cNvGrpSpPr/>
+        <p:nvPr/>
+      </p:nvGrpSpPr>
+      <p:grpSpPr>
+        <a:xfrm>
+          <a:off x="0" y="0"/>
+          <a:ext cx="0" cy="0"/>
+          <a:chOff x="0" y="0"/>
+          <a:chExt cx="0" cy="0"/>
+        </a:xfrm>
+      </p:grpSpPr>
+      <p:sp>
+        <p:nvSpPr>
+          <p:cNvPr id="2" name="Title 1">
+            <a:extLst>
+              <a:ext uri="{FF2B5EF4-FFF2-40B4-BE49-F238E27FC236}">
+                <a16:creationId xmlns:a16="http://schemas.microsoft.com/office/drawing/2014/main" id="{42F05250-7750-4EB0-4704-385E3A74FF94}"/>
+              </a:ext>
+            </a:extLst>
+          </p:cNvPr>
+          <p:cNvSpPr>
+            <a:spLocks noGrp="1"/>
+          </p:cNvSpPr>
+          <p:nvPr>
+            <p:ph type="title"/>
+          </p:nvPr>
+        </p:nvSpPr>
+        <p:spPr/>
+        <p:txBody>
+          <a:bodyPr/>
+          <a:lstStyle/>
+          <a:p>
+            <a:r>
+              <a:rPr lang="en-US" dirty="0"/>
+              <a:t>@</a:t>
+            </a:r>
+            <a:r>
+              <a:rPr lang="en-US" dirty="0" err="1"/>
+              <a:t>RestControllerAdvice</a:t>
+            </a:r>
+            <a:r>
+              <a:rPr lang="en-US" dirty="0"/>
+              <a:t> </a:t>
+            </a:r>
+            <a:endParaRPr lang="en-IL" dirty="0"/>
+          </a:p>
+        </p:txBody>
+      </p:sp>
+      <p:sp>
+        <p:nvSpPr>
+          <p:cNvPr id="3" name="Content Placeholder 2">
+            <a:extLst>
+              <a:ext uri="{FF2B5EF4-FFF2-40B4-BE49-F238E27FC236}">
+                <a16:creationId xmlns:a16="http://schemas.microsoft.com/office/drawing/2014/main" id="{4B4FDE07-0CC7-7A2A-D275-086560F956D2}"/>
+              </a:ext>
+            </a:extLst>
+          </p:cNvPr>
+          <p:cNvSpPr>
+            <a:spLocks noGrp="1"/>
+          </p:cNvSpPr>
+          <p:nvPr>
+            <p:ph idx="1"/>
+          </p:nvPr>
+        </p:nvSpPr>
+        <p:spPr>
+          <a:xfrm>
+            <a:off x="677334" y="1930401"/>
+            <a:ext cx="8705205" cy="4110962"/>
+          </a:xfrm>
+        </p:spPr>
+        <p:txBody>
+          <a:bodyPr>
+            <a:normAutofit/>
+          </a:bodyPr>
+          <a:lstStyle/>
+          <a:p>
+            <a:r>
+              <a:rPr lang="en-US" sz="2000" dirty="0"/>
+              <a:t>Altogether, the most common approach is to use </a:t>
+            </a:r>
+            <a:r>
+              <a:rPr lang="en-US" sz="2000" dirty="0">
+                <a:solidFill>
+                  <a:srgbClr val="92D050"/>
+                </a:solidFill>
+              </a:rPr>
+              <a:t>@</a:t>
+            </a:r>
+            <a:r>
+              <a:rPr lang="en-US" sz="2000" dirty="0" err="1">
+                <a:solidFill>
+                  <a:srgbClr val="92D050"/>
+                </a:solidFill>
+              </a:rPr>
+              <a:t>ExceptionHandler</a:t>
+            </a:r>
+            <a:r>
+              <a:rPr lang="en-US" sz="2000" dirty="0">
+                <a:solidFill>
+                  <a:srgbClr val="92D050"/>
+                </a:solidFill>
+              </a:rPr>
+              <a:t> </a:t>
+            </a:r>
+            <a:r>
+              <a:rPr lang="en-US" sz="2000" dirty="0"/>
+              <a:t>on methods of </a:t>
+            </a:r>
+            <a:r>
+              <a:rPr lang="en-US" sz="2000" dirty="0">
+                <a:solidFill>
+                  <a:srgbClr val="92D050"/>
+                </a:solidFill>
+              </a:rPr>
+              <a:t>@</a:t>
+            </a:r>
+            <a:r>
+              <a:rPr lang="en-US" sz="2000" dirty="0" err="1">
+                <a:solidFill>
+                  <a:srgbClr val="92D050"/>
+                </a:solidFill>
+              </a:rPr>
+              <a:t>RestControllerAdvice</a:t>
+            </a:r>
+            <a:r>
+              <a:rPr lang="en-US" sz="2000" dirty="0">
+                <a:solidFill>
+                  <a:srgbClr val="92D050"/>
+                </a:solidFill>
+              </a:rPr>
+              <a:t> </a:t>
+            </a:r>
+            <a:r>
+              <a:rPr lang="en-US" sz="2000" dirty="0"/>
+              <a:t>classes so that the Spring Boot exception handling will be applied globally for all application controllers (or to a subset of controllers, if specified).</a:t>
+            </a:r>
+          </a:p>
+          <a:p>
+            <a:r>
+              <a:rPr lang="en-US" sz="2000" dirty="0">
+                <a:solidFill>
+                  <a:srgbClr val="92D050"/>
+                </a:solidFill>
+              </a:rPr>
+              <a:t>@</a:t>
+            </a:r>
+            <a:r>
+              <a:rPr lang="en-US" sz="2000" dirty="0" err="1">
+                <a:solidFill>
+                  <a:srgbClr val="92D050"/>
+                </a:solidFill>
+              </a:rPr>
+              <a:t>RestControllerAdvice</a:t>
+            </a:r>
+            <a:r>
+              <a:rPr lang="en-US" sz="2000" dirty="0"/>
+              <a:t> is an annotation in Spring and, as the name suggests, is “advice” for multiple controllers. It enables the application of a single </a:t>
+            </a:r>
+            <a:r>
+              <a:rPr lang="en-US" sz="2000" dirty="0">
+                <a:solidFill>
+                  <a:srgbClr val="92D050"/>
+                </a:solidFill>
+              </a:rPr>
+              <a:t>@</a:t>
+            </a:r>
+            <a:r>
+              <a:rPr lang="en-US" sz="2000" dirty="0" err="1">
+                <a:solidFill>
+                  <a:srgbClr val="92D050"/>
+                </a:solidFill>
+              </a:rPr>
+              <a:t>ExceptionHandler</a:t>
+            </a:r>
+            <a:r>
+              <a:rPr lang="en-US" sz="2000" dirty="0"/>
+              <a:t> to multiple controllers. With this annotation, we can define how to treat such an exception in a single place, and the system will call this handler for thrown exceptions on classes covered by this </a:t>
+            </a:r>
+            <a:r>
+              <a:rPr lang="en-US" sz="2000" dirty="0">
+                <a:solidFill>
+                  <a:srgbClr val="92D050"/>
+                </a:solidFill>
+              </a:rPr>
+              <a:t>@</a:t>
+            </a:r>
+            <a:r>
+              <a:rPr lang="en-US" sz="2000" dirty="0" err="1">
+                <a:solidFill>
+                  <a:srgbClr val="92D050"/>
+                </a:solidFill>
+              </a:rPr>
+              <a:t>RestControllerAdvice</a:t>
+            </a:r>
+            <a:r>
+              <a:rPr lang="en-US" sz="2000" dirty="0"/>
+              <a:t>.</a:t>
+            </a:r>
+            <a:endParaRPr lang="en-IL" sz="2000" dirty="0"/>
+          </a:p>
+        </p:txBody>
+      </p:sp>
+    </p:spTree>
+    <p:extLst>
+      <p:ext uri="{BB962C8B-B14F-4D97-AF65-F5344CB8AC3E}">
+        <p14:creationId xmlns:p14="http://schemas.microsoft.com/office/powerpoint/2010/main" val="484608028"/>
+      </p:ext>
+    </p:extLst>
+  </p:cSld>
+  <p:clrMapOvr>
+    <a:masterClrMapping/>
+  </p:clrMapOvr>
+</p:sld>
+</file>
+
+<file path=ppt/slides/slide23.xml><?xml version="1.0" encoding="utf-8"?>
+<p:sld xmlns:a="http://schemas.openxmlformats.org/drawingml/2006/main" xmlns:r="http://schemas.openxmlformats.org/officeDocument/2006/relationships" xmlns:p="http://schemas.openxmlformats.org/presentationml/2006/main">
+  <p:cSld>
+    <p:spTree>
+      <p:nvGrpSpPr>
+        <p:cNvPr id="1" name=""/>
+        <p:cNvGrpSpPr/>
+        <p:nvPr/>
+      </p:nvGrpSpPr>
+      <p:grpSpPr>
+        <a:xfrm>
+          <a:off x="0" y="0"/>
+          <a:ext cx="0" cy="0"/>
+          <a:chOff x="0" y="0"/>
+          <a:chExt cx="0" cy="0"/>
+        </a:xfrm>
+      </p:grpSpPr>
+      <p:sp>
+        <p:nvSpPr>
+          <p:cNvPr id="2" name="Title 1">
+            <a:extLst>
+              <a:ext uri="{FF2B5EF4-FFF2-40B4-BE49-F238E27FC236}">
                 <a16:creationId xmlns:a16="http://schemas.microsoft.com/office/drawing/2014/main" id="{F8CE11DD-E732-E75C-9006-02A075B8015E}"/>
               </a:ext>
             </a:extLst>
@@ -11197,7 +13014,7 @@
 </p:sld>
 </file>
 
-<file path=ppt/slides/slide21.xml><?xml version="1.0" encoding="utf-8"?>
+<file path=ppt/slides/slide24.xml><?xml version="1.0" encoding="utf-8"?>
 <p:sld xmlns:a="http://schemas.openxmlformats.org/drawingml/2006/main" xmlns:r="http://schemas.openxmlformats.org/officeDocument/2006/relationships" xmlns:p="http://schemas.openxmlformats.org/presentationml/2006/main">
   <p:cSld>
     <p:spTree>
@@ -12117,7 +13934,7 @@
 </p:sld>
 </file>
 
-<file path=ppt/slides/slide22.xml><?xml version="1.0" encoding="utf-8"?>
+<file path=ppt/slides/slide25.xml><?xml version="1.0" encoding="utf-8"?>
 <p:sld xmlns:a="http://schemas.openxmlformats.org/drawingml/2006/main" xmlns:r="http://schemas.openxmlformats.org/officeDocument/2006/relationships" xmlns:p="http://schemas.openxmlformats.org/presentationml/2006/main">
   <p:cSld>
     <p:spTree>
@@ -12240,7 +14057,7 @@
 </p:sld>
 </file>
 
-<file path=ppt/slides/slide23.xml><?xml version="1.0" encoding="utf-8"?>
+<file path=ppt/slides/slide26.xml><?xml version="1.0" encoding="utf-8"?>
 <p:sld xmlns:a="http://schemas.openxmlformats.org/drawingml/2006/main" xmlns:r="http://schemas.openxmlformats.org/officeDocument/2006/relationships" xmlns:p="http://schemas.openxmlformats.org/presentationml/2006/main">
   <p:cSld>
     <p:spTree>
@@ -12393,7 +14210,7 @@
 </p:sld>
 </file>
 
-<file path=ppt/slides/slide24.xml><?xml version="1.0" encoding="utf-8"?>
+<file path=ppt/slides/slide27.xml><?xml version="1.0" encoding="utf-8"?>
 <p:sld xmlns:a="http://schemas.openxmlformats.org/drawingml/2006/main" xmlns:r="http://schemas.openxmlformats.org/officeDocument/2006/relationships" xmlns:p="http://schemas.openxmlformats.org/presentationml/2006/main">
   <p:cSld>
     <p:spTree>
@@ -12618,7 +14435,7 @@
 </p:sld>
 </file>
 
-<file path=ppt/slides/slide25.xml><?xml version="1.0" encoding="utf-8"?>
+<file path=ppt/slides/slide28.xml><?xml version="1.0" encoding="utf-8"?>
 <p:sld xmlns:a="http://schemas.openxmlformats.org/drawingml/2006/main" xmlns:r="http://schemas.openxmlformats.org/officeDocument/2006/relationships" xmlns:p="http://schemas.openxmlformats.org/presentationml/2006/main">
   <p:cSld>
     <p:spTree>
@@ -12782,7 +14599,7 @@
 </p:sld>
 </file>
 
-<file path=ppt/slides/slide26.xml><?xml version="1.0" encoding="utf-8"?>
+<file path=ppt/slides/slide29.xml><?xml version="1.0" encoding="utf-8"?>
 <p:sld xmlns:a="http://schemas.openxmlformats.org/drawingml/2006/main" xmlns:r="http://schemas.openxmlformats.org/officeDocument/2006/relationships" xmlns:p="http://schemas.openxmlformats.org/presentationml/2006/main">
   <p:cSld>
     <p:spTree>
@@ -13599,2115 +15416,6 @@
 </p:sld>
 </file>
 
-<file path=ppt/slides/slide27.xml><?xml version="1.0" encoding="utf-8"?>
-<p:sld xmlns:a="http://schemas.openxmlformats.org/drawingml/2006/main" xmlns:r="http://schemas.openxmlformats.org/officeDocument/2006/relationships" xmlns:p="http://schemas.openxmlformats.org/presentationml/2006/main">
-  <p:cSld>
-    <p:spTree>
-      <p:nvGrpSpPr>
-        <p:cNvPr id="1" name=""/>
-        <p:cNvGrpSpPr/>
-        <p:nvPr/>
-      </p:nvGrpSpPr>
-      <p:grpSpPr>
-        <a:xfrm>
-          <a:off x="0" y="0"/>
-          <a:ext cx="0" cy="0"/>
-          <a:chOff x="0" y="0"/>
-          <a:chExt cx="0" cy="0"/>
-        </a:xfrm>
-      </p:grpSpPr>
-      <p:sp>
-        <p:nvSpPr>
-          <p:cNvPr id="2" name="Title 1">
-            <a:extLst>
-              <a:ext uri="{FF2B5EF4-FFF2-40B4-BE49-F238E27FC236}">
-                <a16:creationId xmlns:a16="http://schemas.microsoft.com/office/drawing/2014/main" id="{05CC5BE0-0023-19B1-C157-CCB698FCC209}"/>
-              </a:ext>
-            </a:extLst>
-          </p:cNvPr>
-          <p:cNvSpPr>
-            <a:spLocks noGrp="1"/>
-          </p:cNvSpPr>
-          <p:nvPr>
-            <p:ph type="title"/>
-          </p:nvPr>
-        </p:nvSpPr>
-        <p:spPr/>
-        <p:txBody>
-          <a:bodyPr/>
-          <a:lstStyle/>
-          <a:p>
-            <a:r>
-              <a:rPr lang="en-IL" dirty="0"/>
-              <a:t>Load configuration values in the code: @ConfigurationProperties</a:t>
-            </a:r>
-          </a:p>
-        </p:txBody>
-      </p:sp>
-      <p:sp>
-        <p:nvSpPr>
-          <p:cNvPr id="3" name="Text Placeholder 2">
-            <a:extLst>
-              <a:ext uri="{FF2B5EF4-FFF2-40B4-BE49-F238E27FC236}">
-                <a16:creationId xmlns:a16="http://schemas.microsoft.com/office/drawing/2014/main" id="{38505742-509F-381A-E922-B38A59261DF7}"/>
-              </a:ext>
-            </a:extLst>
-          </p:cNvPr>
-          <p:cNvSpPr>
-            <a:spLocks noGrp="1"/>
-          </p:cNvSpPr>
-          <p:nvPr>
-            <p:ph type="body" idx="1"/>
-          </p:nvPr>
-        </p:nvSpPr>
-        <p:spPr>
-          <a:xfrm>
-            <a:off x="675745" y="1930400"/>
-            <a:ext cx="4185623" cy="576262"/>
-          </a:xfrm>
-        </p:spPr>
-        <p:txBody>
-          <a:bodyPr/>
-          <a:lstStyle/>
-          <a:p>
-            <a:r>
-              <a:rPr lang="en-IL" dirty="0"/>
-              <a:t>Configuration file:</a:t>
-            </a:r>
-          </a:p>
-        </p:txBody>
-      </p:sp>
-      <p:sp>
-        <p:nvSpPr>
-          <p:cNvPr id="4" name="Content Placeholder 3">
-            <a:extLst>
-              <a:ext uri="{FF2B5EF4-FFF2-40B4-BE49-F238E27FC236}">
-                <a16:creationId xmlns:a16="http://schemas.microsoft.com/office/drawing/2014/main" id="{40F13A66-DCB4-7280-9F03-4B4EC86AF7AD}"/>
-              </a:ext>
-            </a:extLst>
-          </p:cNvPr>
-          <p:cNvSpPr>
-            <a:spLocks noGrp="1"/>
-          </p:cNvSpPr>
-          <p:nvPr>
-            <p:ph sz="half" idx="2"/>
-          </p:nvPr>
-        </p:nvSpPr>
-        <p:spPr>
-          <a:xfrm>
-            <a:off x="675746" y="2506663"/>
-            <a:ext cx="3034106" cy="3741736"/>
-          </a:xfrm>
-          <a:solidFill>
-            <a:schemeClr val="accent1">
-              <a:lumMod val="20000"/>
-              <a:lumOff val="80000"/>
-            </a:schemeClr>
-          </a:solidFill>
-          <a:ln>
-            <a:solidFill>
-              <a:schemeClr val="accent2">
-                <a:lumMod val="50000"/>
-              </a:schemeClr>
-            </a:solidFill>
-          </a:ln>
-        </p:spPr>
-        <p:txBody>
-          <a:bodyPr>
-            <a:normAutofit/>
-          </a:bodyPr>
-          <a:lstStyle/>
-          <a:p>
-            <a:pPr marL="0" indent="0">
-              <a:buNone/>
-            </a:pPr>
-            <a:r>
-              <a:rPr lang="en-US" dirty="0"/>
-              <a:t>s</a:t>
-            </a:r>
-            <a:r>
-              <a:rPr lang="en-IL" dirty="0"/>
-              <a:t>erver.address = 127.0.0.1</a:t>
-            </a:r>
-          </a:p>
-          <a:p>
-            <a:pPr marL="0" indent="0">
-              <a:buNone/>
-            </a:pPr>
-            <a:r>
-              <a:rPr lang="en-US" dirty="0"/>
-              <a:t>s</a:t>
-            </a:r>
-            <a:r>
-              <a:rPr lang="en-IL" dirty="0"/>
-              <a:t>erver.port = 8080</a:t>
-            </a:r>
-          </a:p>
-          <a:p>
-            <a:pPr marL="0" indent="0">
-              <a:buNone/>
-            </a:pPr>
-            <a:r>
-              <a:rPr lang="en-US" dirty="0"/>
-              <a:t>s</a:t>
-            </a:r>
-            <a:r>
-              <a:rPr lang="en-IL" dirty="0"/>
-              <a:t>erver.enabled = false</a:t>
-            </a:r>
-          </a:p>
-          <a:p>
-            <a:pPr marL="0" indent="0">
-              <a:buNone/>
-            </a:pPr>
-            <a:r>
-              <a:rPr lang="en-US" dirty="0"/>
-              <a:t>s</a:t>
-            </a:r>
-            <a:r>
-              <a:rPr lang="en-IL" dirty="0"/>
-              <a:t>erver.security.username = user</a:t>
-            </a:r>
-          </a:p>
-          <a:p>
-            <a:pPr marL="0" indent="0">
-              <a:buNone/>
-            </a:pPr>
-            <a:r>
-              <a:rPr lang="en-US" dirty="0"/>
-              <a:t>s</a:t>
-            </a:r>
-            <a:r>
-              <a:rPr lang="en-IL" dirty="0"/>
-              <a:t>erver.security.password = ”password”</a:t>
-            </a:r>
-          </a:p>
-          <a:p>
-            <a:pPr marL="0" indent="0">
-              <a:buNone/>
-            </a:pPr>
-            <a:r>
-              <a:rPr lang="en-IL" dirty="0"/>
-              <a:t>sever.security.roles = user, admin</a:t>
-            </a:r>
-          </a:p>
-        </p:txBody>
-      </p:sp>
-      <p:sp>
-        <p:nvSpPr>
-          <p:cNvPr id="5" name="Text Placeholder 4">
-            <a:extLst>
-              <a:ext uri="{FF2B5EF4-FFF2-40B4-BE49-F238E27FC236}">
-                <a16:creationId xmlns:a16="http://schemas.microsoft.com/office/drawing/2014/main" id="{37DF7256-0FD3-D66D-3001-E02FC798084C}"/>
-              </a:ext>
-            </a:extLst>
-          </p:cNvPr>
-          <p:cNvSpPr>
-            <a:spLocks noGrp="1"/>
-          </p:cNvSpPr>
-          <p:nvPr>
-            <p:ph type="body" sz="quarter" idx="3"/>
-          </p:nvPr>
-        </p:nvSpPr>
-        <p:spPr>
-          <a:xfrm>
-            <a:off x="3944983" y="1930400"/>
-            <a:ext cx="5329018" cy="576262"/>
-          </a:xfrm>
-        </p:spPr>
-        <p:txBody>
-          <a:bodyPr/>
-          <a:lstStyle/>
-          <a:p>
-            <a:r>
-              <a:rPr lang="en-IL" dirty="0"/>
-              <a:t>Code:</a:t>
-            </a:r>
-          </a:p>
-        </p:txBody>
-      </p:sp>
-      <p:sp>
-        <p:nvSpPr>
-          <p:cNvPr id="6" name="Content Placeholder 5">
-            <a:extLst>
-              <a:ext uri="{FF2B5EF4-FFF2-40B4-BE49-F238E27FC236}">
-                <a16:creationId xmlns:a16="http://schemas.microsoft.com/office/drawing/2014/main" id="{09F75FFB-F5CB-D6EF-7A3D-EA3766B5CDE1}"/>
-              </a:ext>
-            </a:extLst>
-          </p:cNvPr>
-          <p:cNvSpPr>
-            <a:spLocks noGrp="1"/>
-          </p:cNvSpPr>
-          <p:nvPr>
-            <p:ph sz="quarter" idx="4"/>
-          </p:nvPr>
-        </p:nvSpPr>
-        <p:spPr>
-          <a:xfrm>
-            <a:off x="3944983" y="2506662"/>
-            <a:ext cx="6043747" cy="3741737"/>
-          </a:xfrm>
-          <a:solidFill>
-            <a:schemeClr val="tx2">
-              <a:lumMod val="20000"/>
-              <a:lumOff val="80000"/>
-            </a:schemeClr>
-          </a:solidFill>
-          <a:ln>
-            <a:solidFill>
-              <a:schemeClr val="tx2">
-                <a:lumMod val="50000"/>
-              </a:schemeClr>
-            </a:solidFill>
-          </a:ln>
-        </p:spPr>
-        <p:txBody>
-          <a:bodyPr>
-            <a:noAutofit/>
-          </a:bodyPr>
-          <a:lstStyle/>
-          <a:p>
-            <a:pPr marL="0" indent="0">
-              <a:buNone/>
-            </a:pPr>
-            <a:r>
-              <a:rPr lang="en-US" sz="1200" b="1" dirty="0">
-                <a:solidFill>
-                  <a:srgbClr val="0070C0"/>
-                </a:solidFill>
-              </a:rPr>
-              <a:t>@</a:t>
-            </a:r>
-            <a:r>
-              <a:rPr lang="en-US" sz="1200" b="1" dirty="0" err="1">
-                <a:solidFill>
-                  <a:srgbClr val="0070C0"/>
-                </a:solidFill>
-              </a:rPr>
-              <a:t>ConfigurationProperties</a:t>
-            </a:r>
-            <a:r>
-              <a:rPr lang="en-US" sz="1200" b="1" dirty="0">
-                <a:solidFill>
-                  <a:srgbClr val="0070C0"/>
-                </a:solidFill>
-              </a:rPr>
-              <a:t>(“server”)</a:t>
-            </a:r>
-          </a:p>
-          <a:p>
-            <a:pPr marL="0" indent="0">
-              <a:buNone/>
-            </a:pPr>
-            <a:r>
-              <a:rPr lang="en-US" sz="1200" dirty="0">
-                <a:solidFill>
-                  <a:schemeClr val="accent5">
-                    <a:lumMod val="75000"/>
-                  </a:schemeClr>
-                </a:solidFill>
-              </a:rPr>
-              <a:t>p</a:t>
-            </a:r>
-            <a:r>
-              <a:rPr lang="en-IL" sz="1200" dirty="0">
-                <a:solidFill>
-                  <a:schemeClr val="accent5">
-                    <a:lumMod val="75000"/>
-                  </a:schemeClr>
-                </a:solidFill>
-              </a:rPr>
-              <a:t>ublic class</a:t>
-            </a:r>
-            <a:r>
-              <a:rPr lang="en-IL" sz="1200" dirty="0"/>
-              <a:t> ServerConfiguration {</a:t>
-            </a:r>
-          </a:p>
-          <a:p>
-            <a:pPr marL="0" indent="0">
-              <a:buNone/>
-            </a:pPr>
-            <a:r>
-              <a:rPr lang="en-IL" sz="1200" dirty="0"/>
-              <a:t>    </a:t>
-            </a:r>
-            <a:r>
-              <a:rPr lang="en-IL" sz="1200" dirty="0">
-                <a:solidFill>
-                  <a:schemeClr val="accent5">
-                    <a:lumMod val="75000"/>
-                  </a:schemeClr>
-                </a:solidFill>
-              </a:rPr>
-              <a:t>private</a:t>
-            </a:r>
-            <a:r>
-              <a:rPr lang="en-IL" sz="1200" dirty="0"/>
-              <a:t> </a:t>
-            </a:r>
-            <a:r>
-              <a:rPr lang="en-US" sz="1200" dirty="0" err="1"/>
-              <a:t>InetAddress</a:t>
-            </a:r>
-            <a:r>
-              <a:rPr lang="en-IL" sz="1200" dirty="0"/>
-              <a:t> address;</a:t>
-            </a:r>
-          </a:p>
-          <a:p>
-            <a:pPr marL="0" indent="0">
-              <a:buNone/>
-            </a:pPr>
-            <a:r>
-              <a:rPr lang="en-IL" sz="1200" dirty="0"/>
-              <a:t>    </a:t>
-            </a:r>
-            <a:r>
-              <a:rPr lang="en-IL" sz="1200" dirty="0">
-                <a:solidFill>
-                  <a:schemeClr val="accent5">
-                    <a:lumMod val="75000"/>
-                  </a:schemeClr>
-                </a:solidFill>
-              </a:rPr>
-              <a:t>private int</a:t>
-            </a:r>
-            <a:r>
-              <a:rPr lang="en-IL" sz="1200" dirty="0"/>
-              <a:t> port;</a:t>
-            </a:r>
-          </a:p>
-          <a:p>
-            <a:pPr marL="0" indent="0">
-              <a:buNone/>
-            </a:pPr>
-            <a:r>
-              <a:rPr lang="en-IL" sz="1200" dirty="0"/>
-              <a:t>    </a:t>
-            </a:r>
-            <a:r>
-              <a:rPr lang="en-IL" sz="1200" dirty="0">
-                <a:solidFill>
-                  <a:schemeClr val="accent5">
-                    <a:lumMod val="75000"/>
-                  </a:schemeClr>
-                </a:solidFill>
-              </a:rPr>
-              <a:t>private boolean</a:t>
-            </a:r>
-            <a:r>
-              <a:rPr lang="en-IL" sz="1200" dirty="0"/>
-              <a:t> enabled;</a:t>
-            </a:r>
-          </a:p>
-          <a:p>
-            <a:pPr marL="0" indent="0">
-              <a:buNone/>
-            </a:pPr>
-            <a:r>
-              <a:rPr lang="en-IL" sz="1200" dirty="0"/>
-              <a:t>    </a:t>
-            </a:r>
-            <a:r>
-              <a:rPr lang="en-IL" sz="1200" dirty="0">
-                <a:solidFill>
-                  <a:schemeClr val="accent5">
-                    <a:lumMod val="75000"/>
-                  </a:schemeClr>
-                </a:solidFill>
-              </a:rPr>
-              <a:t>private</a:t>
-            </a:r>
-            <a:r>
-              <a:rPr lang="en-IL" sz="1200" dirty="0"/>
-              <a:t> </a:t>
-            </a:r>
-            <a:r>
-              <a:rPr lang="en-IL" sz="1200" dirty="0">
-                <a:solidFill>
-                  <a:schemeClr val="accent5">
-                    <a:lumMod val="75000"/>
-                  </a:schemeClr>
-                </a:solidFill>
-              </a:rPr>
-              <a:t>final</a:t>
-            </a:r>
-            <a:r>
-              <a:rPr lang="en-IL" sz="1200" dirty="0"/>
-              <a:t> Security security = </a:t>
-            </a:r>
-            <a:r>
-              <a:rPr lang="en-IL" sz="1200" dirty="0">
-                <a:solidFill>
-                  <a:schemeClr val="accent5">
-                    <a:lumMod val="75000"/>
-                  </a:schemeClr>
-                </a:solidFill>
-              </a:rPr>
-              <a:t>new</a:t>
-            </a:r>
-            <a:r>
-              <a:rPr lang="en-IL" sz="1200" dirty="0"/>
-              <a:t> Security();</a:t>
-            </a:r>
-          </a:p>
-          <a:p>
-            <a:pPr marL="0" indent="0">
-              <a:buNone/>
-            </a:pPr>
-            <a:r>
-              <a:rPr lang="en-IL" sz="1200" dirty="0"/>
-              <a:t>    </a:t>
-            </a:r>
-            <a:r>
-              <a:rPr lang="en-IL" sz="1200" dirty="0">
-                <a:solidFill>
-                  <a:schemeClr val="accent5">
-                    <a:lumMod val="75000"/>
-                  </a:schemeClr>
-                </a:solidFill>
-              </a:rPr>
-              <a:t>public static class </a:t>
-            </a:r>
-            <a:r>
-              <a:rPr lang="en-IL" sz="1200" dirty="0"/>
-              <a:t>Security {</a:t>
-            </a:r>
-          </a:p>
-          <a:p>
-            <a:pPr marL="0" indent="0">
-              <a:buNone/>
-            </a:pPr>
-            <a:r>
-              <a:rPr lang="en-IL" sz="1200" dirty="0"/>
-              <a:t>        </a:t>
-            </a:r>
-            <a:r>
-              <a:rPr lang="en-IL" sz="1200" dirty="0">
-                <a:solidFill>
-                  <a:schemeClr val="accent5">
-                    <a:lumMod val="75000"/>
-                  </a:schemeClr>
-                </a:solidFill>
-              </a:rPr>
-              <a:t>private </a:t>
-            </a:r>
-            <a:r>
-              <a:rPr lang="en-IL" sz="1200" dirty="0"/>
-              <a:t>String username;</a:t>
-            </a:r>
-          </a:p>
-          <a:p>
-            <a:pPr marL="0" indent="0">
-              <a:buNone/>
-            </a:pPr>
-            <a:r>
-              <a:rPr lang="en-IL" sz="1200" dirty="0"/>
-              <a:t>        </a:t>
-            </a:r>
-            <a:r>
-              <a:rPr lang="en-IL" sz="1200" dirty="0">
-                <a:solidFill>
-                  <a:schemeClr val="accent5">
-                    <a:lumMod val="75000"/>
-                  </a:schemeClr>
-                </a:solidFill>
-              </a:rPr>
-              <a:t>private </a:t>
-            </a:r>
-            <a:r>
-              <a:rPr lang="en-IL" sz="1200" dirty="0"/>
-              <a:t>String password;</a:t>
-            </a:r>
-          </a:p>
-          <a:p>
-            <a:pPr marL="0" indent="0">
-              <a:buNone/>
-            </a:pPr>
-            <a:r>
-              <a:rPr lang="en-US" sz="1200" b="1" dirty="0">
-                <a:solidFill>
-                  <a:srgbClr val="7F0055"/>
-                </a:solidFill>
-              </a:rPr>
-              <a:t>        </a:t>
-            </a:r>
-            <a:r>
-              <a:rPr lang="en-US" sz="1200" dirty="0">
-                <a:solidFill>
-                  <a:schemeClr val="accent5">
-                    <a:lumMod val="75000"/>
-                  </a:schemeClr>
-                </a:solidFill>
-              </a:rPr>
-              <a:t>private</a:t>
-            </a:r>
-            <a:r>
-              <a:rPr lang="en-US" sz="1200" dirty="0"/>
-              <a:t> List&lt;String&gt; roles = </a:t>
-            </a:r>
-            <a:r>
-              <a:rPr lang="en-US" sz="1200" b="1" dirty="0">
-                <a:solidFill>
-                  <a:srgbClr val="7F0055"/>
-                </a:solidFill>
-                <a:effectLst/>
-              </a:rPr>
-              <a:t>new</a:t>
-            </a:r>
-            <a:r>
-              <a:rPr lang="en-US" sz="1200" dirty="0"/>
-              <a:t> </a:t>
-            </a:r>
-            <a:r>
-              <a:rPr lang="en-US" sz="1200" dirty="0" err="1"/>
-              <a:t>ArrayList</a:t>
-            </a:r>
-            <a:r>
-              <a:rPr lang="en-US" sz="1200" dirty="0"/>
-              <a:t>&lt;&gt;(</a:t>
-            </a:r>
-            <a:r>
-              <a:rPr lang="en-US" sz="1200" dirty="0" err="1"/>
-              <a:t>Collections.singleton</a:t>
-            </a:r>
-            <a:r>
-              <a:rPr lang="en-US" sz="1200" dirty="0"/>
-              <a:t>(</a:t>
-            </a:r>
-            <a:r>
-              <a:rPr lang="en-US" sz="1200" dirty="0">
-                <a:solidFill>
-                  <a:srgbClr val="2A00FF"/>
-                </a:solidFill>
-                <a:effectLst/>
-              </a:rPr>
-              <a:t>"USER"</a:t>
-            </a:r>
-            <a:r>
-              <a:rPr lang="en-US" sz="1200" dirty="0"/>
-              <a:t>));</a:t>
-            </a:r>
-            <a:endParaRPr lang="en-IL" sz="1200" dirty="0"/>
-          </a:p>
-          <a:p>
-            <a:pPr marL="0" indent="0">
-              <a:buNone/>
-            </a:pPr>
-            <a:r>
-              <a:rPr lang="en-IL" sz="1200" dirty="0"/>
-              <a:t>    }</a:t>
-            </a:r>
-          </a:p>
-          <a:p>
-            <a:pPr marL="0" indent="0">
-              <a:buNone/>
-            </a:pPr>
-            <a:r>
-              <a:rPr lang="en-IL" sz="1200" dirty="0"/>
-              <a:t>    </a:t>
-            </a:r>
-            <a:r>
-              <a:rPr lang="en-IL" sz="1200" dirty="0">
-                <a:solidFill>
-                  <a:schemeClr val="accent1"/>
-                </a:solidFill>
-              </a:rPr>
-              <a:t>// Note: getters and setters are mandatory!</a:t>
-            </a:r>
-          </a:p>
-          <a:p>
-            <a:pPr marL="0" indent="0">
-              <a:buNone/>
-            </a:pPr>
-            <a:r>
-              <a:rPr lang="en-IL" sz="1200" dirty="0"/>
-              <a:t>}</a:t>
-            </a:r>
-          </a:p>
-        </p:txBody>
-      </p:sp>
-    </p:spTree>
-    <p:extLst>
-      <p:ext uri="{BB962C8B-B14F-4D97-AF65-F5344CB8AC3E}">
-        <p14:creationId xmlns:p14="http://schemas.microsoft.com/office/powerpoint/2010/main" val="442822381"/>
-      </p:ext>
-    </p:extLst>
-  </p:cSld>
-  <p:clrMapOvr>
-    <a:masterClrMapping/>
-  </p:clrMapOvr>
-</p:sld>
-</file>
-
-<file path=ppt/slides/slide28.xml><?xml version="1.0" encoding="utf-8"?>
-<p:sld xmlns:a="http://schemas.openxmlformats.org/drawingml/2006/main" xmlns:r="http://schemas.openxmlformats.org/officeDocument/2006/relationships" xmlns:p="http://schemas.openxmlformats.org/presentationml/2006/main">
-  <p:cSld>
-    <p:spTree>
-      <p:nvGrpSpPr>
-        <p:cNvPr id="1" name=""/>
-        <p:cNvGrpSpPr/>
-        <p:nvPr/>
-      </p:nvGrpSpPr>
-      <p:grpSpPr>
-        <a:xfrm>
-          <a:off x="0" y="0"/>
-          <a:ext cx="0" cy="0"/>
-          <a:chOff x="0" y="0"/>
-          <a:chExt cx="0" cy="0"/>
-        </a:xfrm>
-      </p:grpSpPr>
-      <p:sp>
-        <p:nvSpPr>
-          <p:cNvPr id="2" name="Title 1">
-            <a:extLst>
-              <a:ext uri="{FF2B5EF4-FFF2-40B4-BE49-F238E27FC236}">
-                <a16:creationId xmlns:a16="http://schemas.microsoft.com/office/drawing/2014/main" id="{C95E0C33-58C1-1A76-B448-E45C45845773}"/>
-              </a:ext>
-            </a:extLst>
-          </p:cNvPr>
-          <p:cNvSpPr>
-            <a:spLocks noGrp="1"/>
-          </p:cNvSpPr>
-          <p:nvPr>
-            <p:ph type="title"/>
-          </p:nvPr>
-        </p:nvSpPr>
-        <p:spPr>
-          <a:xfrm>
-            <a:off x="677334" y="609600"/>
-            <a:ext cx="8596668" cy="980661"/>
-          </a:xfrm>
-        </p:spPr>
-        <p:txBody>
-          <a:bodyPr/>
-          <a:lstStyle/>
-          <a:p>
-            <a:r>
-              <a:rPr lang="en-IL" dirty="0"/>
-              <a:t>@ConfigurationProperties</a:t>
-            </a:r>
-            <a:r>
-              <a:rPr lang="en-IL" dirty="0">
-                <a:sym typeface="Wingdings" pitchFamily="2" charset="2"/>
-              </a:rPr>
-              <a:t> (cont.)</a:t>
-            </a:r>
-            <a:endParaRPr lang="en-IL" dirty="0"/>
-          </a:p>
-        </p:txBody>
-      </p:sp>
-      <p:sp>
-        <p:nvSpPr>
-          <p:cNvPr id="3" name="Content Placeholder 2">
-            <a:extLst>
-              <a:ext uri="{FF2B5EF4-FFF2-40B4-BE49-F238E27FC236}">
-                <a16:creationId xmlns:a16="http://schemas.microsoft.com/office/drawing/2014/main" id="{B8FB431D-4F92-C886-2FA9-561C48BEAD75}"/>
-              </a:ext>
-            </a:extLst>
-          </p:cNvPr>
-          <p:cNvSpPr>
-            <a:spLocks noGrp="1"/>
-          </p:cNvSpPr>
-          <p:nvPr>
-            <p:ph idx="1"/>
-          </p:nvPr>
-        </p:nvSpPr>
-        <p:spPr>
-          <a:xfrm>
-            <a:off x="677334" y="1679713"/>
-            <a:ext cx="8596668" cy="4361649"/>
-          </a:xfrm>
-        </p:spPr>
-        <p:txBody>
-          <a:bodyPr>
-            <a:normAutofit/>
-          </a:bodyPr>
-          <a:lstStyle/>
-          <a:p>
-            <a:r>
-              <a:rPr lang="en-IL" sz="2000" dirty="0">
-                <a:solidFill>
-                  <a:schemeClr val="accent1"/>
-                </a:solidFill>
-              </a:rPr>
-              <a:t>@ConfigurationProperties </a:t>
-            </a:r>
-            <a:r>
-              <a:rPr lang="en-IL" sz="2000" dirty="0"/>
-              <a:t>annotation allows isolating a section of properties (with the same prefix) into separate POJO. </a:t>
-            </a:r>
-          </a:p>
-          <a:p>
-            <a:r>
-              <a:rPr lang="en-IL" sz="2000" dirty="0"/>
-              <a:t>The class annotated with </a:t>
-            </a:r>
-            <a:r>
-              <a:rPr lang="en-IL" sz="2000" dirty="0">
-                <a:solidFill>
-                  <a:schemeClr val="accent1"/>
-                </a:solidFill>
-              </a:rPr>
-              <a:t>@ConfigurationProperties </a:t>
-            </a:r>
-            <a:r>
-              <a:rPr lang="en-IL" sz="2000" dirty="0"/>
-              <a:t>can be injected as any regular Spring bean. For this, use annotation </a:t>
-            </a:r>
-            <a:r>
-              <a:rPr lang="en-IL" sz="2000" b="1" dirty="0">
-                <a:solidFill>
-                  <a:schemeClr val="accent1"/>
-                </a:solidFill>
-              </a:rPr>
-              <a:t>@ConfigurationPropertiesScan</a:t>
-            </a:r>
-            <a:r>
-              <a:rPr lang="en-IL" sz="2000" dirty="0"/>
-              <a:t>:</a:t>
-            </a:r>
-          </a:p>
-          <a:p>
-            <a:pPr lvl="1"/>
-            <a:r>
-              <a:rPr lang="en-IL" sz="1800" dirty="0"/>
-              <a:t>When some class is annotated with </a:t>
-            </a:r>
-            <a:r>
-              <a:rPr lang="en-IL" sz="1800" dirty="0">
-                <a:solidFill>
-                  <a:schemeClr val="accent1"/>
-                </a:solidFill>
-              </a:rPr>
-              <a:t>@ConfigurationPropertiesScan</a:t>
-            </a:r>
-            <a:r>
-              <a:rPr lang="en-IL" sz="1800" dirty="0"/>
-              <a:t>, Spring will scan all </a:t>
-            </a:r>
-            <a:r>
-              <a:rPr lang="en-IL" sz="1800" dirty="0">
-                <a:solidFill>
-                  <a:schemeClr val="accent1"/>
-                </a:solidFill>
-              </a:rPr>
-              <a:t>@ConfigurationProperties </a:t>
-            </a:r>
-            <a:r>
-              <a:rPr lang="en-IL" sz="1800" dirty="0"/>
-              <a:t>classes from the current package and its children and register them as Beans. </a:t>
-            </a:r>
-            <a:r>
-              <a:rPr lang="ru-RU" sz="1800" dirty="0"/>
-              <a:t>(</a:t>
-            </a:r>
-            <a:r>
-              <a:rPr lang="en-IL" sz="1800" dirty="0">
-                <a:solidFill>
-                  <a:schemeClr val="accent1"/>
-                </a:solidFill>
-              </a:rPr>
-              <a:t>@ConfigurationPropertiesScan </a:t>
-            </a:r>
-            <a:r>
-              <a:rPr lang="en-US" sz="1800" dirty="0"/>
-              <a:t>is often used together with </a:t>
-            </a:r>
-            <a:r>
-              <a:rPr lang="en-US" sz="1800" dirty="0">
-                <a:solidFill>
-                  <a:schemeClr val="accent1"/>
-                </a:solidFill>
-              </a:rPr>
-              <a:t>@</a:t>
-            </a:r>
-            <a:r>
-              <a:rPr lang="en-US" sz="1800" dirty="0" err="1">
-                <a:solidFill>
-                  <a:schemeClr val="accent1"/>
-                </a:solidFill>
-              </a:rPr>
-              <a:t>SpringBootApplication</a:t>
-            </a:r>
-            <a:r>
-              <a:rPr lang="en-US" sz="1800" dirty="0"/>
-              <a:t>, to activate it for all application classes).</a:t>
-            </a:r>
-          </a:p>
-          <a:p>
-            <a:pPr lvl="1"/>
-            <a:r>
-              <a:rPr lang="en-IL" sz="1800" dirty="0">
-                <a:solidFill>
-                  <a:schemeClr val="accent1"/>
-                </a:solidFill>
-              </a:rPr>
-              <a:t>@ConfigurationPropertiesScan </a:t>
-            </a:r>
-            <a:r>
-              <a:rPr lang="en-US" sz="1800" dirty="0"/>
-              <a:t>c</a:t>
-            </a:r>
-            <a:r>
-              <a:rPr lang="en-IL" sz="1800" dirty="0"/>
-              <a:t>an be used to scan custom locations for configuration properties classes, for example, </a:t>
-            </a:r>
-            <a:r>
-              <a:rPr lang="en-IL" sz="1800" dirty="0">
-                <a:solidFill>
-                  <a:schemeClr val="accent1"/>
-                </a:solidFill>
-              </a:rPr>
-              <a:t>@ConfigurationPropertiesScan(“server.security”)</a:t>
-            </a:r>
-            <a:endParaRPr lang="en-IL" sz="1800" dirty="0"/>
-          </a:p>
-          <a:p>
-            <a:endParaRPr lang="en-IL" dirty="0"/>
-          </a:p>
-        </p:txBody>
-      </p:sp>
-    </p:spTree>
-    <p:extLst>
-      <p:ext uri="{BB962C8B-B14F-4D97-AF65-F5344CB8AC3E}">
-        <p14:creationId xmlns:p14="http://schemas.microsoft.com/office/powerpoint/2010/main" val="3297565153"/>
-      </p:ext>
-    </p:extLst>
-  </p:cSld>
-  <p:clrMapOvr>
-    <a:masterClrMapping/>
-  </p:clrMapOvr>
-</p:sld>
-</file>
-
-<file path=ppt/slides/slide29.xml><?xml version="1.0" encoding="utf-8"?>
-<p:sld xmlns:a="http://schemas.openxmlformats.org/drawingml/2006/main" xmlns:r="http://schemas.openxmlformats.org/officeDocument/2006/relationships" xmlns:p="http://schemas.openxmlformats.org/presentationml/2006/main">
-  <p:cSld>
-    <p:spTree>
-      <p:nvGrpSpPr>
-        <p:cNvPr id="1" name=""/>
-        <p:cNvGrpSpPr/>
-        <p:nvPr/>
-      </p:nvGrpSpPr>
-      <p:grpSpPr>
-        <a:xfrm>
-          <a:off x="0" y="0"/>
-          <a:ext cx="0" cy="0"/>
-          <a:chOff x="0" y="0"/>
-          <a:chExt cx="0" cy="0"/>
-        </a:xfrm>
-      </p:grpSpPr>
-      <p:sp>
-        <p:nvSpPr>
-          <p:cNvPr id="2" name="Title 1">
-            <a:extLst>
-              <a:ext uri="{FF2B5EF4-FFF2-40B4-BE49-F238E27FC236}">
-                <a16:creationId xmlns:a16="http://schemas.microsoft.com/office/drawing/2014/main" id="{0CE5B2DE-F32F-1207-4DC8-CA16CA28E5E2}"/>
-              </a:ext>
-            </a:extLst>
-          </p:cNvPr>
-          <p:cNvSpPr>
-            <a:spLocks noGrp="1"/>
-          </p:cNvSpPr>
-          <p:nvPr>
-            <p:ph type="title"/>
-          </p:nvPr>
-        </p:nvSpPr>
-        <p:spPr>
-          <a:xfrm>
-            <a:off x="677334" y="609600"/>
-            <a:ext cx="8596668" cy="496389"/>
-          </a:xfrm>
-        </p:spPr>
-        <p:txBody>
-          <a:bodyPr>
-            <a:normAutofit fontScale="90000"/>
-          </a:bodyPr>
-          <a:lstStyle/>
-          <a:p>
-            <a:r>
-              <a:rPr lang="en-IL" dirty="0"/>
-              <a:t>@ConfigurationProperties:</a:t>
-            </a:r>
-            <a:r>
-              <a:rPr lang="en-IL" dirty="0">
-                <a:sym typeface="Wingdings" pitchFamily="2" charset="2"/>
-              </a:rPr>
-              <a:t> </a:t>
-            </a:r>
-            <a:r>
-              <a:rPr lang="en-IL" dirty="0"/>
-              <a:t>code sample</a:t>
-            </a:r>
-          </a:p>
-        </p:txBody>
-      </p:sp>
-      <p:sp>
-        <p:nvSpPr>
-          <p:cNvPr id="3" name="Content Placeholder 2">
-            <a:extLst>
-              <a:ext uri="{FF2B5EF4-FFF2-40B4-BE49-F238E27FC236}">
-                <a16:creationId xmlns:a16="http://schemas.microsoft.com/office/drawing/2014/main" id="{7103F691-75D3-6317-8CA9-AE0CB61687F8}"/>
-              </a:ext>
-            </a:extLst>
-          </p:cNvPr>
-          <p:cNvSpPr>
-            <a:spLocks noGrp="1"/>
-          </p:cNvSpPr>
-          <p:nvPr>
-            <p:ph idx="1"/>
-          </p:nvPr>
-        </p:nvSpPr>
-        <p:spPr>
-          <a:xfrm>
-            <a:off x="677334" y="1332411"/>
-            <a:ext cx="5209660" cy="4708951"/>
-          </a:xfrm>
-          <a:solidFill>
-            <a:schemeClr val="tx2">
-              <a:lumMod val="20000"/>
-              <a:lumOff val="80000"/>
-            </a:schemeClr>
-          </a:solidFill>
-          <a:ln>
-            <a:solidFill>
-              <a:schemeClr val="tx2">
-                <a:lumMod val="50000"/>
-              </a:schemeClr>
-            </a:solidFill>
-          </a:ln>
-        </p:spPr>
-        <p:txBody>
-          <a:bodyPr>
-            <a:normAutofit fontScale="85000" lnSpcReduction="10000"/>
-          </a:bodyPr>
-          <a:lstStyle/>
-          <a:p>
-            <a:pPr marL="0" indent="0">
-              <a:buNone/>
-            </a:pPr>
-            <a:r>
-              <a:rPr lang="en-US" i="1" dirty="0">
-                <a:solidFill>
-                  <a:srgbClr val="808080"/>
-                </a:solidFill>
-                <a:effectLst/>
-              </a:rPr>
-              <a:t>@Service</a:t>
-            </a:r>
-            <a:r>
-              <a:rPr lang="en-US" dirty="0"/>
-              <a:t> </a:t>
-            </a:r>
-          </a:p>
-          <a:p>
-            <a:pPr marL="0" indent="0">
-              <a:buNone/>
-            </a:pPr>
-            <a:r>
-              <a:rPr lang="en-US" b="1" dirty="0">
-                <a:solidFill>
-                  <a:srgbClr val="7F0055"/>
-                </a:solidFill>
-                <a:effectLst/>
-              </a:rPr>
-              <a:t>public</a:t>
-            </a:r>
-            <a:r>
-              <a:rPr lang="en-US" dirty="0"/>
-              <a:t> </a:t>
-            </a:r>
-            <a:r>
-              <a:rPr lang="en-US" b="1" dirty="0">
-                <a:solidFill>
-                  <a:srgbClr val="7F0055"/>
-                </a:solidFill>
-                <a:effectLst/>
-              </a:rPr>
-              <a:t>class</a:t>
-            </a:r>
-            <a:r>
-              <a:rPr lang="en-US" dirty="0"/>
-              <a:t> </a:t>
-            </a:r>
-            <a:r>
-              <a:rPr lang="en-US" dirty="0" err="1"/>
-              <a:t>MyService</a:t>
-            </a:r>
-            <a:r>
-              <a:rPr lang="en-US" dirty="0"/>
-              <a:t> { </a:t>
-            </a:r>
-          </a:p>
-          <a:p>
-            <a:pPr marL="0" indent="0">
-              <a:buNone/>
-            </a:pPr>
-            <a:r>
-              <a:rPr lang="en-US" b="1" dirty="0">
-                <a:solidFill>
-                  <a:srgbClr val="7F0055"/>
-                </a:solidFill>
-                <a:effectLst/>
-              </a:rPr>
-              <a:t>private</a:t>
-            </a:r>
-            <a:r>
-              <a:rPr lang="en-US" dirty="0"/>
-              <a:t> </a:t>
-            </a:r>
-            <a:r>
-              <a:rPr lang="en-US" b="1" dirty="0">
-                <a:solidFill>
-                  <a:srgbClr val="7F0055"/>
-                </a:solidFill>
-                <a:effectLst/>
-              </a:rPr>
-              <a:t>final</a:t>
-            </a:r>
-            <a:r>
-              <a:rPr lang="en-US" dirty="0"/>
-              <a:t> </a:t>
-            </a:r>
-            <a:r>
-              <a:rPr lang="en-US" dirty="0" err="1"/>
-              <a:t>ServerConfiguration</a:t>
-            </a:r>
-            <a:r>
-              <a:rPr lang="en-US" dirty="0"/>
-              <a:t> </a:t>
-            </a:r>
-            <a:r>
-              <a:rPr lang="en-US" dirty="0" err="1"/>
-              <a:t>serverConfig</a:t>
-            </a:r>
-            <a:r>
-              <a:rPr lang="en-US" dirty="0"/>
-              <a:t>; </a:t>
-            </a:r>
-          </a:p>
-          <a:p>
-            <a:pPr marL="0" indent="0">
-              <a:buNone/>
-            </a:pPr>
-            <a:endParaRPr lang="en-US" dirty="0"/>
-          </a:p>
-          <a:p>
-            <a:pPr marL="0" indent="0">
-              <a:buNone/>
-            </a:pPr>
-            <a:r>
-              <a:rPr lang="en-US" b="1" dirty="0">
-                <a:solidFill>
-                  <a:srgbClr val="7F0055"/>
-                </a:solidFill>
-                <a:effectLst/>
-              </a:rPr>
-              <a:t>public</a:t>
-            </a:r>
-            <a:r>
-              <a:rPr lang="en-US" dirty="0"/>
-              <a:t> </a:t>
-            </a:r>
-            <a:r>
-              <a:rPr lang="en-US" dirty="0" err="1"/>
-              <a:t>MyService</a:t>
-            </a:r>
-            <a:r>
-              <a:rPr lang="en-US" dirty="0"/>
-              <a:t>(</a:t>
-            </a:r>
-            <a:r>
-              <a:rPr lang="en-US" dirty="0" err="1"/>
-              <a:t>ServerConfiguration</a:t>
-            </a:r>
-            <a:r>
-              <a:rPr lang="en-US" dirty="0"/>
-              <a:t> </a:t>
-            </a:r>
-            <a:r>
-              <a:rPr lang="en-US" dirty="0" err="1"/>
-              <a:t>serverConfig</a:t>
-            </a:r>
-            <a:r>
-              <a:rPr lang="en-US" dirty="0"/>
-              <a:t>) { </a:t>
-            </a:r>
-          </a:p>
-          <a:p>
-            <a:pPr marL="0" indent="0">
-              <a:buNone/>
-            </a:pPr>
-            <a:r>
-              <a:rPr lang="en-US" b="1" dirty="0">
-                <a:solidFill>
-                  <a:srgbClr val="7F0055"/>
-                </a:solidFill>
-              </a:rPr>
-              <a:t>    </a:t>
-            </a:r>
-            <a:r>
-              <a:rPr lang="en-US" b="1" dirty="0">
-                <a:solidFill>
-                  <a:srgbClr val="7F0055"/>
-                </a:solidFill>
-                <a:effectLst/>
-              </a:rPr>
-              <a:t>this</a:t>
-            </a:r>
-            <a:r>
-              <a:rPr lang="en-US" dirty="0"/>
-              <a:t>. </a:t>
-            </a:r>
-            <a:r>
-              <a:rPr lang="en-US" dirty="0" err="1"/>
-              <a:t>serverConfig</a:t>
-            </a:r>
-            <a:r>
-              <a:rPr lang="en-US" dirty="0"/>
-              <a:t> = </a:t>
-            </a:r>
-            <a:r>
-              <a:rPr lang="en-US" dirty="0" err="1"/>
-              <a:t>serverConfig</a:t>
-            </a:r>
-            <a:r>
-              <a:rPr lang="en-US" dirty="0"/>
-              <a:t>; </a:t>
-            </a:r>
-          </a:p>
-          <a:p>
-            <a:pPr marL="0" indent="0">
-              <a:buNone/>
-            </a:pPr>
-            <a:r>
-              <a:rPr lang="en-US" dirty="0"/>
-              <a:t>} </a:t>
-            </a:r>
-          </a:p>
-          <a:p>
-            <a:pPr marL="0" indent="0">
-              <a:buNone/>
-            </a:pPr>
-            <a:r>
-              <a:rPr lang="en-US" i="1" dirty="0">
-                <a:solidFill>
-                  <a:srgbClr val="3F5F5F"/>
-                </a:solidFill>
-                <a:effectLst/>
-              </a:rPr>
-              <a:t>//...</a:t>
-            </a:r>
-            <a:r>
-              <a:rPr lang="en-US" dirty="0"/>
-              <a:t> </a:t>
-            </a:r>
-          </a:p>
-          <a:p>
-            <a:pPr marL="0" indent="0">
-              <a:buNone/>
-            </a:pPr>
-            <a:r>
-              <a:rPr lang="en-US" i="1" dirty="0">
-                <a:solidFill>
-                  <a:srgbClr val="808080"/>
-                </a:solidFill>
-                <a:effectLst/>
-              </a:rPr>
-              <a:t>@</a:t>
-            </a:r>
-            <a:r>
-              <a:rPr lang="en-US" i="1" dirty="0" err="1">
-                <a:solidFill>
-                  <a:srgbClr val="808080"/>
-                </a:solidFill>
-                <a:effectLst/>
-              </a:rPr>
-              <a:t>PostConstruct</a:t>
-            </a:r>
-            <a:r>
-              <a:rPr lang="en-US" dirty="0"/>
-              <a:t> </a:t>
-            </a:r>
-          </a:p>
-          <a:p>
-            <a:pPr marL="0" indent="0">
-              <a:buNone/>
-            </a:pPr>
-            <a:r>
-              <a:rPr lang="en-US" b="1" dirty="0">
-                <a:solidFill>
-                  <a:srgbClr val="7F0055"/>
-                </a:solidFill>
-                <a:effectLst/>
-              </a:rPr>
-              <a:t>public</a:t>
-            </a:r>
-            <a:r>
-              <a:rPr lang="en-US" dirty="0"/>
-              <a:t> </a:t>
-            </a:r>
-            <a:r>
-              <a:rPr lang="en-US" b="1" dirty="0">
-                <a:solidFill>
-                  <a:srgbClr val="7F0055"/>
-                </a:solidFill>
-                <a:effectLst/>
-              </a:rPr>
-              <a:t>void</a:t>
-            </a:r>
-            <a:r>
-              <a:rPr lang="en-US" dirty="0"/>
-              <a:t> </a:t>
-            </a:r>
-            <a:r>
-              <a:rPr lang="en-US" dirty="0" err="1"/>
-              <a:t>openConnection</a:t>
-            </a:r>
-            <a:r>
-              <a:rPr lang="en-US" dirty="0"/>
-              <a:t>() { </a:t>
-            </a:r>
-          </a:p>
-          <a:p>
-            <a:pPr marL="0" indent="0">
-              <a:buNone/>
-            </a:pPr>
-            <a:r>
-              <a:rPr lang="en-US" dirty="0"/>
-              <a:t>    Server server = </a:t>
-            </a:r>
-            <a:r>
-              <a:rPr lang="en-US" b="1" dirty="0">
-                <a:solidFill>
-                  <a:srgbClr val="7F0055"/>
-                </a:solidFill>
-                <a:effectLst/>
-              </a:rPr>
-              <a:t>new</a:t>
-            </a:r>
-            <a:r>
-              <a:rPr lang="en-US" dirty="0"/>
-              <a:t> Server(</a:t>
-            </a:r>
-            <a:r>
-              <a:rPr lang="en-US" dirty="0" err="1"/>
-              <a:t>serverConfig.getAddress</a:t>
-            </a:r>
-            <a:r>
-              <a:rPr lang="en-US" dirty="0"/>
-              <a:t>()); </a:t>
-            </a:r>
-          </a:p>
-          <a:p>
-            <a:pPr marL="0" indent="0">
-              <a:buNone/>
-            </a:pPr>
-            <a:r>
-              <a:rPr lang="en-US" i="1" dirty="0">
-                <a:solidFill>
-                  <a:srgbClr val="3F5F5F"/>
-                </a:solidFill>
-                <a:effectLst/>
-              </a:rPr>
-              <a:t>    // ...</a:t>
-            </a:r>
-            <a:r>
-              <a:rPr lang="en-US" dirty="0"/>
-              <a:t> </a:t>
-            </a:r>
-          </a:p>
-          <a:p>
-            <a:pPr marL="0" indent="0">
-              <a:buNone/>
-            </a:pPr>
-            <a:r>
-              <a:rPr lang="en-US" dirty="0"/>
-              <a:t>} </a:t>
-            </a:r>
-          </a:p>
-          <a:p>
-            <a:pPr marL="0" indent="0">
-              <a:buNone/>
-            </a:pPr>
-            <a:r>
-              <a:rPr lang="en-US" dirty="0"/>
-              <a:t>} </a:t>
-            </a:r>
-          </a:p>
-          <a:p>
-            <a:pPr marL="0" indent="0">
-              <a:buNone/>
-            </a:pPr>
-            <a:endParaRPr lang="en-US" dirty="0"/>
-          </a:p>
-          <a:p>
-            <a:pPr marL="0" indent="0">
-              <a:buNone/>
-            </a:pPr>
-            <a:endParaRPr lang="en-US" dirty="0"/>
-          </a:p>
-          <a:p>
-            <a:pPr marL="0" indent="0">
-              <a:buNone/>
-            </a:pPr>
-            <a:endParaRPr lang="en-IL" dirty="0"/>
-          </a:p>
-        </p:txBody>
-      </p:sp>
-      <p:sp>
-        <p:nvSpPr>
-          <p:cNvPr id="4" name="Content Placeholder 2">
-            <a:extLst>
-              <a:ext uri="{FF2B5EF4-FFF2-40B4-BE49-F238E27FC236}">
-                <a16:creationId xmlns:a16="http://schemas.microsoft.com/office/drawing/2014/main" id="{3255F3AA-6BBE-813C-A1F5-0A5B8BB137BA}"/>
-              </a:ext>
-            </a:extLst>
-          </p:cNvPr>
-          <p:cNvSpPr txBox="1">
-            <a:spLocks/>
-          </p:cNvSpPr>
-          <p:nvPr/>
-        </p:nvSpPr>
-        <p:spPr>
-          <a:xfrm>
-            <a:off x="4844386" y="1249680"/>
-            <a:ext cx="5418666" cy="4708951"/>
-          </a:xfrm>
-          <a:prstGeom prst="rect">
-            <a:avLst/>
-          </a:prstGeom>
-        </p:spPr>
-        <p:txBody>
-          <a:bodyPr vert="horz" lIns="91440" tIns="45720" rIns="91440" bIns="45720" rtlCol="0">
-            <a:normAutofit/>
-          </a:bodyPr>
-          <a:lstStyle>
-            <a:lvl1pPr marL="342900" indent="-342900" algn="l" defTabSz="457200" rtl="0" eaLnBrk="1" latinLnBrk="0" hangingPunct="1">
-              <a:spcBef>
-                <a:spcPts val="1000"/>
-              </a:spcBef>
-              <a:spcAft>
-                <a:spcPts val="0"/>
-              </a:spcAft>
-              <a:buClr>
-                <a:schemeClr val="accent1"/>
-              </a:buClr>
-              <a:buSzPct val="80000"/>
-              <a:buFont typeface="Wingdings 3" charset="2"/>
-              <a:buChar char=""/>
-              <a:defRPr sz="1800" kern="1200">
-                <a:solidFill>
-                  <a:schemeClr val="tx1">
-                    <a:lumMod val="75000"/>
-                    <a:lumOff val="25000"/>
-                  </a:schemeClr>
-                </a:solidFill>
-                <a:latin typeface="+mn-lt"/>
-                <a:ea typeface="+mn-ea"/>
-                <a:cs typeface="+mn-cs"/>
-              </a:defRPr>
-            </a:lvl1pPr>
-            <a:lvl2pPr marL="742950" indent="-285750" algn="l" defTabSz="457200" rtl="0" eaLnBrk="1" latinLnBrk="0" hangingPunct="1">
-              <a:spcBef>
-                <a:spcPts val="1000"/>
-              </a:spcBef>
-              <a:spcAft>
-                <a:spcPts val="0"/>
-              </a:spcAft>
-              <a:buClr>
-                <a:schemeClr val="accent1"/>
-              </a:buClr>
-              <a:buSzPct val="80000"/>
-              <a:buFont typeface="Wingdings 3" charset="2"/>
-              <a:buChar char=""/>
-              <a:defRPr sz="1600" kern="1200">
-                <a:solidFill>
-                  <a:schemeClr val="tx1">
-                    <a:lumMod val="75000"/>
-                    <a:lumOff val="25000"/>
-                  </a:schemeClr>
-                </a:solidFill>
-                <a:latin typeface="+mn-lt"/>
-                <a:ea typeface="+mn-ea"/>
-                <a:cs typeface="+mn-cs"/>
-              </a:defRPr>
-            </a:lvl2pPr>
-            <a:lvl3pPr marL="1143000" indent="-228600" algn="l" defTabSz="457200" rtl="0" eaLnBrk="1" latinLnBrk="0" hangingPunct="1">
-              <a:spcBef>
-                <a:spcPts val="1000"/>
-              </a:spcBef>
-              <a:spcAft>
-                <a:spcPts val="0"/>
-              </a:spcAft>
-              <a:buClr>
-                <a:schemeClr val="accent1"/>
-              </a:buClr>
-              <a:buSzPct val="80000"/>
-              <a:buFont typeface="Wingdings 3" charset="2"/>
-              <a:buChar char=""/>
-              <a:defRPr sz="1400" kern="1200">
-                <a:solidFill>
-                  <a:schemeClr val="tx1">
-                    <a:lumMod val="75000"/>
-                    <a:lumOff val="25000"/>
-                  </a:schemeClr>
-                </a:solidFill>
-                <a:latin typeface="+mn-lt"/>
-                <a:ea typeface="+mn-ea"/>
-                <a:cs typeface="+mn-cs"/>
-              </a:defRPr>
-            </a:lvl3pPr>
-            <a:lvl4pPr marL="1600200" indent="-228600" algn="l" defTabSz="457200" rtl="0" eaLnBrk="1" latinLnBrk="0" hangingPunct="1">
-              <a:spcBef>
-                <a:spcPts val="1000"/>
-              </a:spcBef>
-              <a:spcAft>
-                <a:spcPts val="0"/>
-              </a:spcAft>
-              <a:buClr>
-                <a:schemeClr val="accent1"/>
-              </a:buClr>
-              <a:buSzPct val="80000"/>
-              <a:buFont typeface="Wingdings 3" charset="2"/>
-              <a:buChar char=""/>
-              <a:defRPr sz="1200" kern="1200">
-                <a:solidFill>
-                  <a:schemeClr val="tx1">
-                    <a:lumMod val="75000"/>
-                    <a:lumOff val="25000"/>
-                  </a:schemeClr>
-                </a:solidFill>
-                <a:latin typeface="+mn-lt"/>
-                <a:ea typeface="+mn-ea"/>
-                <a:cs typeface="+mn-cs"/>
-              </a:defRPr>
-            </a:lvl4pPr>
-            <a:lvl5pPr marL="2057400" indent="-228600" algn="l" defTabSz="457200" rtl="0" eaLnBrk="1" latinLnBrk="0" hangingPunct="1">
-              <a:spcBef>
-                <a:spcPts val="1000"/>
-              </a:spcBef>
-              <a:spcAft>
-                <a:spcPts val="0"/>
-              </a:spcAft>
-              <a:buClr>
-                <a:schemeClr val="accent1"/>
-              </a:buClr>
-              <a:buSzPct val="80000"/>
-              <a:buFont typeface="Wingdings 3" charset="2"/>
-              <a:buChar char=""/>
-              <a:defRPr sz="1200" kern="1200">
-                <a:solidFill>
-                  <a:schemeClr val="tx1">
-                    <a:lumMod val="75000"/>
-                    <a:lumOff val="25000"/>
-                  </a:schemeClr>
-                </a:solidFill>
-                <a:latin typeface="+mn-lt"/>
-                <a:ea typeface="+mn-ea"/>
-                <a:cs typeface="+mn-cs"/>
-              </a:defRPr>
-            </a:lvl5pPr>
-            <a:lvl6pPr marL="2514600" indent="-228600" algn="l" defTabSz="457200" rtl="0" eaLnBrk="1" latinLnBrk="0" hangingPunct="1">
-              <a:spcBef>
-                <a:spcPts val="1000"/>
-              </a:spcBef>
-              <a:spcAft>
-                <a:spcPts val="0"/>
-              </a:spcAft>
-              <a:buClr>
-                <a:schemeClr val="accent1"/>
-              </a:buClr>
-              <a:buSzPct val="80000"/>
-              <a:buFont typeface="Wingdings 3" charset="2"/>
-              <a:buChar char=""/>
-              <a:defRPr sz="1200" kern="1200">
-                <a:solidFill>
-                  <a:schemeClr val="tx1">
-                    <a:lumMod val="75000"/>
-                    <a:lumOff val="25000"/>
-                  </a:schemeClr>
-                </a:solidFill>
-                <a:latin typeface="+mn-lt"/>
-                <a:ea typeface="+mn-ea"/>
-                <a:cs typeface="+mn-cs"/>
-              </a:defRPr>
-            </a:lvl6pPr>
-            <a:lvl7pPr marL="2971800" indent="-228600" algn="l" defTabSz="457200" rtl="0" eaLnBrk="1" latinLnBrk="0" hangingPunct="1">
-              <a:spcBef>
-                <a:spcPts val="1000"/>
-              </a:spcBef>
-              <a:spcAft>
-                <a:spcPts val="0"/>
-              </a:spcAft>
-              <a:buClr>
-                <a:schemeClr val="accent1"/>
-              </a:buClr>
-              <a:buSzPct val="80000"/>
-              <a:buFont typeface="Wingdings 3" charset="2"/>
-              <a:buChar char=""/>
-              <a:defRPr sz="1200" kern="1200">
-                <a:solidFill>
-                  <a:schemeClr val="tx1">
-                    <a:lumMod val="75000"/>
-                    <a:lumOff val="25000"/>
-                  </a:schemeClr>
-                </a:solidFill>
-                <a:latin typeface="+mn-lt"/>
-                <a:ea typeface="+mn-ea"/>
-                <a:cs typeface="+mn-cs"/>
-              </a:defRPr>
-            </a:lvl7pPr>
-            <a:lvl8pPr marL="3429000" indent="-228600" algn="l" defTabSz="457200" rtl="0" eaLnBrk="1" latinLnBrk="0" hangingPunct="1">
-              <a:spcBef>
-                <a:spcPts val="1000"/>
-              </a:spcBef>
-              <a:spcAft>
-                <a:spcPts val="0"/>
-              </a:spcAft>
-              <a:buClr>
-                <a:schemeClr val="accent1"/>
-              </a:buClr>
-              <a:buSzPct val="80000"/>
-              <a:buFont typeface="Wingdings 3" charset="2"/>
-              <a:buChar char=""/>
-              <a:defRPr sz="1200" kern="1200">
-                <a:solidFill>
-                  <a:schemeClr val="tx1">
-                    <a:lumMod val="75000"/>
-                    <a:lumOff val="25000"/>
-                  </a:schemeClr>
-                </a:solidFill>
-                <a:latin typeface="+mn-lt"/>
-                <a:ea typeface="+mn-ea"/>
-                <a:cs typeface="+mn-cs"/>
-              </a:defRPr>
-            </a:lvl8pPr>
-            <a:lvl9pPr marL="3886200" indent="-228600" algn="l" defTabSz="457200" rtl="0" eaLnBrk="1" latinLnBrk="0" hangingPunct="1">
-              <a:spcBef>
-                <a:spcPts val="1000"/>
-              </a:spcBef>
-              <a:spcAft>
-                <a:spcPts val="0"/>
-              </a:spcAft>
-              <a:buClr>
-                <a:schemeClr val="accent1"/>
-              </a:buClr>
-              <a:buSzPct val="80000"/>
-              <a:buFont typeface="Wingdings 3" charset="2"/>
-              <a:buChar char=""/>
-              <a:defRPr sz="1200" kern="1200">
-                <a:solidFill>
-                  <a:schemeClr val="tx1">
-                    <a:lumMod val="75000"/>
-                    <a:lumOff val="25000"/>
-                  </a:schemeClr>
-                </a:solidFill>
-                <a:latin typeface="+mn-lt"/>
-                <a:ea typeface="+mn-ea"/>
-                <a:cs typeface="+mn-cs"/>
-              </a:defRPr>
-            </a:lvl9pPr>
-          </a:lstStyle>
-          <a:p>
-            <a:pPr marL="0" indent="0">
-              <a:buFont typeface="Wingdings 3" charset="2"/>
-              <a:buNone/>
-            </a:pPr>
-            <a:endParaRPr lang="en-US" dirty="0"/>
-          </a:p>
-          <a:p>
-            <a:pPr marL="0" indent="0">
-              <a:buFont typeface="Wingdings 3" charset="2"/>
-              <a:buNone/>
-            </a:pPr>
-            <a:endParaRPr lang="en-US" dirty="0"/>
-          </a:p>
-          <a:p>
-            <a:pPr marL="0" indent="0">
-              <a:buFont typeface="Wingdings 3" charset="2"/>
-              <a:buNone/>
-            </a:pPr>
-            <a:endParaRPr lang="en-IL" dirty="0"/>
-          </a:p>
-        </p:txBody>
-      </p:sp>
-      <p:sp>
-        <p:nvSpPr>
-          <p:cNvPr id="6" name="Content Placeholder 2">
-            <a:extLst>
-              <a:ext uri="{FF2B5EF4-FFF2-40B4-BE49-F238E27FC236}">
-                <a16:creationId xmlns:a16="http://schemas.microsoft.com/office/drawing/2014/main" id="{C0BE22FB-CBA9-B6EB-30DF-01E2E5AE50B4}"/>
-              </a:ext>
-            </a:extLst>
-          </p:cNvPr>
-          <p:cNvSpPr txBox="1">
-            <a:spLocks/>
-          </p:cNvSpPr>
-          <p:nvPr/>
-        </p:nvSpPr>
-        <p:spPr>
-          <a:xfrm>
-            <a:off x="5460275" y="1689463"/>
-            <a:ext cx="4911634" cy="2396825"/>
-          </a:xfrm>
-          <a:prstGeom prst="rect">
-            <a:avLst/>
-          </a:prstGeom>
-          <a:solidFill>
-            <a:schemeClr val="accent2">
-              <a:lumMod val="20000"/>
-              <a:lumOff val="80000"/>
-            </a:schemeClr>
-          </a:solidFill>
-          <a:ln>
-            <a:solidFill>
-              <a:schemeClr val="accent1">
-                <a:lumMod val="50000"/>
-              </a:schemeClr>
-            </a:solidFill>
-          </a:ln>
-        </p:spPr>
-        <p:txBody>
-          <a:bodyPr vert="horz" lIns="91440" tIns="45720" rIns="91440" bIns="45720" rtlCol="0">
-            <a:normAutofit fontScale="92500"/>
-          </a:bodyPr>
-          <a:lstStyle>
-            <a:lvl1pPr marL="342900" indent="-342900" algn="l" defTabSz="457200" rtl="0" eaLnBrk="1" latinLnBrk="0" hangingPunct="1">
-              <a:spcBef>
-                <a:spcPts val="1000"/>
-              </a:spcBef>
-              <a:spcAft>
-                <a:spcPts val="0"/>
-              </a:spcAft>
-              <a:buClr>
-                <a:schemeClr val="accent1"/>
-              </a:buClr>
-              <a:buSzPct val="80000"/>
-              <a:buFont typeface="Wingdings 3" charset="2"/>
-              <a:buChar char=""/>
-              <a:defRPr sz="1800" kern="1200">
-                <a:solidFill>
-                  <a:schemeClr val="tx1">
-                    <a:lumMod val="75000"/>
-                    <a:lumOff val="25000"/>
-                  </a:schemeClr>
-                </a:solidFill>
-                <a:latin typeface="+mn-lt"/>
-                <a:ea typeface="+mn-ea"/>
-                <a:cs typeface="+mn-cs"/>
-              </a:defRPr>
-            </a:lvl1pPr>
-            <a:lvl2pPr marL="742950" indent="-285750" algn="l" defTabSz="457200" rtl="0" eaLnBrk="1" latinLnBrk="0" hangingPunct="1">
-              <a:spcBef>
-                <a:spcPts val="1000"/>
-              </a:spcBef>
-              <a:spcAft>
-                <a:spcPts val="0"/>
-              </a:spcAft>
-              <a:buClr>
-                <a:schemeClr val="accent1"/>
-              </a:buClr>
-              <a:buSzPct val="80000"/>
-              <a:buFont typeface="Wingdings 3" charset="2"/>
-              <a:buChar char=""/>
-              <a:defRPr sz="1600" kern="1200">
-                <a:solidFill>
-                  <a:schemeClr val="tx1">
-                    <a:lumMod val="75000"/>
-                    <a:lumOff val="25000"/>
-                  </a:schemeClr>
-                </a:solidFill>
-                <a:latin typeface="+mn-lt"/>
-                <a:ea typeface="+mn-ea"/>
-                <a:cs typeface="+mn-cs"/>
-              </a:defRPr>
-            </a:lvl2pPr>
-            <a:lvl3pPr marL="1143000" indent="-228600" algn="l" defTabSz="457200" rtl="0" eaLnBrk="1" latinLnBrk="0" hangingPunct="1">
-              <a:spcBef>
-                <a:spcPts val="1000"/>
-              </a:spcBef>
-              <a:spcAft>
-                <a:spcPts val="0"/>
-              </a:spcAft>
-              <a:buClr>
-                <a:schemeClr val="accent1"/>
-              </a:buClr>
-              <a:buSzPct val="80000"/>
-              <a:buFont typeface="Wingdings 3" charset="2"/>
-              <a:buChar char=""/>
-              <a:defRPr sz="1400" kern="1200">
-                <a:solidFill>
-                  <a:schemeClr val="tx1">
-                    <a:lumMod val="75000"/>
-                    <a:lumOff val="25000"/>
-                  </a:schemeClr>
-                </a:solidFill>
-                <a:latin typeface="+mn-lt"/>
-                <a:ea typeface="+mn-ea"/>
-                <a:cs typeface="+mn-cs"/>
-              </a:defRPr>
-            </a:lvl3pPr>
-            <a:lvl4pPr marL="1600200" indent="-228600" algn="l" defTabSz="457200" rtl="0" eaLnBrk="1" latinLnBrk="0" hangingPunct="1">
-              <a:spcBef>
-                <a:spcPts val="1000"/>
-              </a:spcBef>
-              <a:spcAft>
-                <a:spcPts val="0"/>
-              </a:spcAft>
-              <a:buClr>
-                <a:schemeClr val="accent1"/>
-              </a:buClr>
-              <a:buSzPct val="80000"/>
-              <a:buFont typeface="Wingdings 3" charset="2"/>
-              <a:buChar char=""/>
-              <a:defRPr sz="1200" kern="1200">
-                <a:solidFill>
-                  <a:schemeClr val="tx1">
-                    <a:lumMod val="75000"/>
-                    <a:lumOff val="25000"/>
-                  </a:schemeClr>
-                </a:solidFill>
-                <a:latin typeface="+mn-lt"/>
-                <a:ea typeface="+mn-ea"/>
-                <a:cs typeface="+mn-cs"/>
-              </a:defRPr>
-            </a:lvl4pPr>
-            <a:lvl5pPr marL="2057400" indent="-228600" algn="l" defTabSz="457200" rtl="0" eaLnBrk="1" latinLnBrk="0" hangingPunct="1">
-              <a:spcBef>
-                <a:spcPts val="1000"/>
-              </a:spcBef>
-              <a:spcAft>
-                <a:spcPts val="0"/>
-              </a:spcAft>
-              <a:buClr>
-                <a:schemeClr val="accent1"/>
-              </a:buClr>
-              <a:buSzPct val="80000"/>
-              <a:buFont typeface="Wingdings 3" charset="2"/>
-              <a:buChar char=""/>
-              <a:defRPr sz="1200" kern="1200">
-                <a:solidFill>
-                  <a:schemeClr val="tx1">
-                    <a:lumMod val="75000"/>
-                    <a:lumOff val="25000"/>
-                  </a:schemeClr>
-                </a:solidFill>
-                <a:latin typeface="+mn-lt"/>
-                <a:ea typeface="+mn-ea"/>
-                <a:cs typeface="+mn-cs"/>
-              </a:defRPr>
-            </a:lvl5pPr>
-            <a:lvl6pPr marL="2514600" indent="-228600" algn="l" defTabSz="457200" rtl="0" eaLnBrk="1" latinLnBrk="0" hangingPunct="1">
-              <a:spcBef>
-                <a:spcPts val="1000"/>
-              </a:spcBef>
-              <a:spcAft>
-                <a:spcPts val="0"/>
-              </a:spcAft>
-              <a:buClr>
-                <a:schemeClr val="accent1"/>
-              </a:buClr>
-              <a:buSzPct val="80000"/>
-              <a:buFont typeface="Wingdings 3" charset="2"/>
-              <a:buChar char=""/>
-              <a:defRPr sz="1200" kern="1200">
-                <a:solidFill>
-                  <a:schemeClr val="tx1">
-                    <a:lumMod val="75000"/>
-                    <a:lumOff val="25000"/>
-                  </a:schemeClr>
-                </a:solidFill>
-                <a:latin typeface="+mn-lt"/>
-                <a:ea typeface="+mn-ea"/>
-                <a:cs typeface="+mn-cs"/>
-              </a:defRPr>
-            </a:lvl6pPr>
-            <a:lvl7pPr marL="2971800" indent="-228600" algn="l" defTabSz="457200" rtl="0" eaLnBrk="1" latinLnBrk="0" hangingPunct="1">
-              <a:spcBef>
-                <a:spcPts val="1000"/>
-              </a:spcBef>
-              <a:spcAft>
-                <a:spcPts val="0"/>
-              </a:spcAft>
-              <a:buClr>
-                <a:schemeClr val="accent1"/>
-              </a:buClr>
-              <a:buSzPct val="80000"/>
-              <a:buFont typeface="Wingdings 3" charset="2"/>
-              <a:buChar char=""/>
-              <a:defRPr sz="1200" kern="1200">
-                <a:solidFill>
-                  <a:schemeClr val="tx1">
-                    <a:lumMod val="75000"/>
-                    <a:lumOff val="25000"/>
-                  </a:schemeClr>
-                </a:solidFill>
-                <a:latin typeface="+mn-lt"/>
-                <a:ea typeface="+mn-ea"/>
-                <a:cs typeface="+mn-cs"/>
-              </a:defRPr>
-            </a:lvl7pPr>
-            <a:lvl8pPr marL="3429000" indent="-228600" algn="l" defTabSz="457200" rtl="0" eaLnBrk="1" latinLnBrk="0" hangingPunct="1">
-              <a:spcBef>
-                <a:spcPts val="1000"/>
-              </a:spcBef>
-              <a:spcAft>
-                <a:spcPts val="0"/>
-              </a:spcAft>
-              <a:buClr>
-                <a:schemeClr val="accent1"/>
-              </a:buClr>
-              <a:buSzPct val="80000"/>
-              <a:buFont typeface="Wingdings 3" charset="2"/>
-              <a:buChar char=""/>
-              <a:defRPr sz="1200" kern="1200">
-                <a:solidFill>
-                  <a:schemeClr val="tx1">
-                    <a:lumMod val="75000"/>
-                    <a:lumOff val="25000"/>
-                  </a:schemeClr>
-                </a:solidFill>
-                <a:latin typeface="+mn-lt"/>
-                <a:ea typeface="+mn-ea"/>
-                <a:cs typeface="+mn-cs"/>
-              </a:defRPr>
-            </a:lvl8pPr>
-            <a:lvl9pPr marL="3886200" indent="-228600" algn="l" defTabSz="457200" rtl="0" eaLnBrk="1" latinLnBrk="0" hangingPunct="1">
-              <a:spcBef>
-                <a:spcPts val="1000"/>
-              </a:spcBef>
-              <a:spcAft>
-                <a:spcPts val="0"/>
-              </a:spcAft>
-              <a:buClr>
-                <a:schemeClr val="accent1"/>
-              </a:buClr>
-              <a:buSzPct val="80000"/>
-              <a:buFont typeface="Wingdings 3" charset="2"/>
-              <a:buChar char=""/>
-              <a:defRPr sz="1200" kern="1200">
-                <a:solidFill>
-                  <a:schemeClr val="tx1">
-                    <a:lumMod val="75000"/>
-                    <a:lumOff val="25000"/>
-                  </a:schemeClr>
-                </a:solidFill>
-                <a:latin typeface="+mn-lt"/>
-                <a:ea typeface="+mn-ea"/>
-                <a:cs typeface="+mn-cs"/>
-              </a:defRPr>
-            </a:lvl9pPr>
-          </a:lstStyle>
-          <a:p>
-            <a:pPr marL="0" indent="0">
-              <a:buNone/>
-            </a:pPr>
-            <a:r>
-              <a:rPr lang="en-US" sz="1600" i="1" dirty="0">
-                <a:solidFill>
-                  <a:srgbClr val="808080"/>
-                </a:solidFill>
-              </a:rPr>
-              <a:t>@</a:t>
-            </a:r>
-            <a:r>
-              <a:rPr lang="en-US" sz="1600" i="1" dirty="0" err="1">
-                <a:solidFill>
-                  <a:srgbClr val="808080"/>
-                </a:solidFill>
-              </a:rPr>
-              <a:t>ConfigurationPropertiesScan</a:t>
-            </a:r>
-            <a:br>
-              <a:rPr lang="en-US" dirty="0"/>
-            </a:br>
-            <a:r>
-              <a:rPr lang="en-US" sz="1600" i="1" dirty="0">
-                <a:solidFill>
-                  <a:srgbClr val="808080"/>
-                </a:solidFill>
-              </a:rPr>
-              <a:t>@</a:t>
-            </a:r>
-            <a:r>
-              <a:rPr lang="en-US" sz="1600" i="1" dirty="0" err="1">
-                <a:solidFill>
-                  <a:srgbClr val="808080"/>
-                </a:solidFill>
-              </a:rPr>
-              <a:t>SpringBootApplication</a:t>
-            </a:r>
-            <a:br>
-              <a:rPr lang="en-US" dirty="0"/>
-            </a:br>
-            <a:r>
-              <a:rPr lang="en-US" sz="1600" b="1" dirty="0">
-                <a:solidFill>
-                  <a:srgbClr val="7F0055"/>
-                </a:solidFill>
-              </a:rPr>
-              <a:t>public</a:t>
-            </a:r>
-            <a:r>
-              <a:rPr lang="en-US" dirty="0"/>
-              <a:t> </a:t>
-            </a:r>
-            <a:r>
-              <a:rPr lang="en-US" sz="1600" b="1" dirty="0">
-                <a:solidFill>
-                  <a:srgbClr val="7F0055"/>
-                </a:solidFill>
-              </a:rPr>
-              <a:t>class</a:t>
-            </a:r>
-            <a:r>
-              <a:rPr lang="en-US" dirty="0"/>
-              <a:t> </a:t>
-            </a:r>
-            <a:r>
-              <a:rPr lang="en-US" dirty="0" err="1"/>
-              <a:t>MyApp</a:t>
-            </a:r>
-            <a:r>
-              <a:rPr lang="en-US" dirty="0"/>
-              <a:t> {</a:t>
-            </a:r>
-            <a:br>
-              <a:rPr lang="en-US" dirty="0"/>
-            </a:br>
-            <a:br>
-              <a:rPr lang="en-US" dirty="0"/>
-            </a:br>
-            <a:r>
-              <a:rPr lang="en-US" dirty="0"/>
-              <a:t>    </a:t>
-            </a:r>
-            <a:r>
-              <a:rPr lang="en-US" sz="1600" b="1" dirty="0">
-                <a:solidFill>
-                  <a:srgbClr val="7F0055"/>
-                </a:solidFill>
-              </a:rPr>
-              <a:t>public</a:t>
-            </a:r>
-            <a:r>
-              <a:rPr lang="en-US" dirty="0"/>
-              <a:t> </a:t>
-            </a:r>
-            <a:r>
-              <a:rPr lang="en-US" sz="1600" b="1" dirty="0">
-                <a:solidFill>
-                  <a:srgbClr val="7F0055"/>
-                </a:solidFill>
-              </a:rPr>
-              <a:t>static</a:t>
-            </a:r>
-            <a:r>
-              <a:rPr lang="en-US" dirty="0"/>
-              <a:t> </a:t>
-            </a:r>
-            <a:r>
-              <a:rPr lang="en-US" sz="1600" b="1" dirty="0">
-                <a:solidFill>
-                  <a:srgbClr val="7F0055"/>
-                </a:solidFill>
-              </a:rPr>
-              <a:t>void</a:t>
-            </a:r>
-            <a:r>
-              <a:rPr lang="en-US" dirty="0"/>
-              <a:t> main(String[] </a:t>
-            </a:r>
-            <a:r>
-              <a:rPr lang="en-US" dirty="0" err="1"/>
-              <a:t>args</a:t>
-            </a:r>
-            <a:r>
-              <a:rPr lang="en-US" dirty="0"/>
-              <a:t>) {</a:t>
-            </a:r>
-            <a:br>
-              <a:rPr lang="en-US" dirty="0"/>
-            </a:br>
-            <a:r>
-              <a:rPr lang="en-US" dirty="0"/>
-              <a:t>        </a:t>
-            </a:r>
-            <a:r>
-              <a:rPr lang="en-US" dirty="0" err="1"/>
-              <a:t>SpringApplication.run</a:t>
-            </a:r>
-            <a:r>
-              <a:rPr lang="en-US" dirty="0"/>
-              <a:t>(</a:t>
-            </a:r>
-            <a:r>
-              <a:rPr lang="en-US" dirty="0" err="1"/>
-              <a:t>MyApp.class</a:t>
-            </a:r>
-            <a:r>
-              <a:rPr lang="en-US" dirty="0"/>
-              <a:t>, </a:t>
-            </a:r>
-            <a:r>
-              <a:rPr lang="en-US" dirty="0" err="1"/>
-              <a:t>args</a:t>
-            </a:r>
-            <a:r>
-              <a:rPr lang="en-US" dirty="0"/>
-              <a:t>);</a:t>
-            </a:r>
-            <a:br>
-              <a:rPr lang="en-US" dirty="0"/>
-            </a:br>
-            <a:r>
-              <a:rPr lang="en-US" dirty="0"/>
-              <a:t>    }</a:t>
-            </a:r>
-            <a:br>
-              <a:rPr lang="en-US" dirty="0"/>
-            </a:br>
-            <a:r>
-              <a:rPr lang="en-US" dirty="0"/>
-              <a:t>}</a:t>
-            </a:r>
-            <a:br>
-              <a:rPr lang="en-US" dirty="0"/>
-            </a:br>
-            <a:endParaRPr lang="en-US" dirty="0"/>
-          </a:p>
-          <a:p>
-            <a:pPr marL="0" indent="0">
-              <a:buFont typeface="Wingdings 3" charset="2"/>
-              <a:buNone/>
-            </a:pPr>
-            <a:endParaRPr lang="en-US" dirty="0"/>
-          </a:p>
-          <a:p>
-            <a:pPr marL="0" indent="0">
-              <a:buFont typeface="Wingdings 3" charset="2"/>
-              <a:buNone/>
-            </a:pPr>
-            <a:endParaRPr lang="en-IL" dirty="0"/>
-          </a:p>
-        </p:txBody>
-      </p:sp>
-    </p:spTree>
-    <p:extLst>
-      <p:ext uri="{BB962C8B-B14F-4D97-AF65-F5344CB8AC3E}">
-        <p14:creationId xmlns:p14="http://schemas.microsoft.com/office/powerpoint/2010/main" val="570293665"/>
-      </p:ext>
-    </p:extLst>
-  </p:cSld>
-  <p:clrMapOvr>
-    <a:masterClrMapping/>
-  </p:clrMapOvr>
-</p:sld>
-</file>
-
 <file path=ppt/slides/slide3.xml><?xml version="1.0" encoding="utf-8"?>
 <p:sld xmlns:a="http://schemas.openxmlformats.org/drawingml/2006/main" xmlns:r="http://schemas.openxmlformats.org/officeDocument/2006/relationships" xmlns:p="http://schemas.openxmlformats.org/presentationml/2006/main">
   <p:cSld>
@@ -15883,6 +15591,2115 @@
           <p:cNvPr id="2" name="Title 1">
             <a:extLst>
               <a:ext uri="{FF2B5EF4-FFF2-40B4-BE49-F238E27FC236}">
+                <a16:creationId xmlns:a16="http://schemas.microsoft.com/office/drawing/2014/main" id="{05CC5BE0-0023-19B1-C157-CCB698FCC209}"/>
+              </a:ext>
+            </a:extLst>
+          </p:cNvPr>
+          <p:cNvSpPr>
+            <a:spLocks noGrp="1"/>
+          </p:cNvSpPr>
+          <p:nvPr>
+            <p:ph type="title"/>
+          </p:nvPr>
+        </p:nvSpPr>
+        <p:spPr/>
+        <p:txBody>
+          <a:bodyPr/>
+          <a:lstStyle/>
+          <a:p>
+            <a:r>
+              <a:rPr lang="en-IL" dirty="0"/>
+              <a:t>Load configuration values in the code: @ConfigurationProperties</a:t>
+            </a:r>
+          </a:p>
+        </p:txBody>
+      </p:sp>
+      <p:sp>
+        <p:nvSpPr>
+          <p:cNvPr id="3" name="Text Placeholder 2">
+            <a:extLst>
+              <a:ext uri="{FF2B5EF4-FFF2-40B4-BE49-F238E27FC236}">
+                <a16:creationId xmlns:a16="http://schemas.microsoft.com/office/drawing/2014/main" id="{38505742-509F-381A-E922-B38A59261DF7}"/>
+              </a:ext>
+            </a:extLst>
+          </p:cNvPr>
+          <p:cNvSpPr>
+            <a:spLocks noGrp="1"/>
+          </p:cNvSpPr>
+          <p:nvPr>
+            <p:ph type="body" idx="1"/>
+          </p:nvPr>
+        </p:nvSpPr>
+        <p:spPr>
+          <a:xfrm>
+            <a:off x="675745" y="1930400"/>
+            <a:ext cx="4185623" cy="576262"/>
+          </a:xfrm>
+        </p:spPr>
+        <p:txBody>
+          <a:bodyPr/>
+          <a:lstStyle/>
+          <a:p>
+            <a:r>
+              <a:rPr lang="en-IL" dirty="0"/>
+              <a:t>Configuration file:</a:t>
+            </a:r>
+          </a:p>
+        </p:txBody>
+      </p:sp>
+      <p:sp>
+        <p:nvSpPr>
+          <p:cNvPr id="4" name="Content Placeholder 3">
+            <a:extLst>
+              <a:ext uri="{FF2B5EF4-FFF2-40B4-BE49-F238E27FC236}">
+                <a16:creationId xmlns:a16="http://schemas.microsoft.com/office/drawing/2014/main" id="{40F13A66-DCB4-7280-9F03-4B4EC86AF7AD}"/>
+              </a:ext>
+            </a:extLst>
+          </p:cNvPr>
+          <p:cNvSpPr>
+            <a:spLocks noGrp="1"/>
+          </p:cNvSpPr>
+          <p:nvPr>
+            <p:ph sz="half" idx="2"/>
+          </p:nvPr>
+        </p:nvSpPr>
+        <p:spPr>
+          <a:xfrm>
+            <a:off x="675746" y="2506663"/>
+            <a:ext cx="3034106" cy="3741736"/>
+          </a:xfrm>
+          <a:solidFill>
+            <a:schemeClr val="accent1">
+              <a:lumMod val="20000"/>
+              <a:lumOff val="80000"/>
+            </a:schemeClr>
+          </a:solidFill>
+          <a:ln>
+            <a:solidFill>
+              <a:schemeClr val="accent2">
+                <a:lumMod val="50000"/>
+              </a:schemeClr>
+            </a:solidFill>
+          </a:ln>
+        </p:spPr>
+        <p:txBody>
+          <a:bodyPr>
+            <a:normAutofit/>
+          </a:bodyPr>
+          <a:lstStyle/>
+          <a:p>
+            <a:pPr marL="0" indent="0">
+              <a:buNone/>
+            </a:pPr>
+            <a:r>
+              <a:rPr lang="en-US" dirty="0"/>
+              <a:t>s</a:t>
+            </a:r>
+            <a:r>
+              <a:rPr lang="en-IL" dirty="0"/>
+              <a:t>erver.address = 127.0.0.1</a:t>
+            </a:r>
+          </a:p>
+          <a:p>
+            <a:pPr marL="0" indent="0">
+              <a:buNone/>
+            </a:pPr>
+            <a:r>
+              <a:rPr lang="en-US" dirty="0"/>
+              <a:t>s</a:t>
+            </a:r>
+            <a:r>
+              <a:rPr lang="en-IL" dirty="0"/>
+              <a:t>erver.port = 8080</a:t>
+            </a:r>
+          </a:p>
+          <a:p>
+            <a:pPr marL="0" indent="0">
+              <a:buNone/>
+            </a:pPr>
+            <a:r>
+              <a:rPr lang="en-US" dirty="0"/>
+              <a:t>s</a:t>
+            </a:r>
+            <a:r>
+              <a:rPr lang="en-IL" dirty="0"/>
+              <a:t>erver.enabled = false</a:t>
+            </a:r>
+          </a:p>
+          <a:p>
+            <a:pPr marL="0" indent="0">
+              <a:buNone/>
+            </a:pPr>
+            <a:r>
+              <a:rPr lang="en-US" dirty="0"/>
+              <a:t>s</a:t>
+            </a:r>
+            <a:r>
+              <a:rPr lang="en-IL" dirty="0"/>
+              <a:t>erver.security.username = user</a:t>
+            </a:r>
+          </a:p>
+          <a:p>
+            <a:pPr marL="0" indent="0">
+              <a:buNone/>
+            </a:pPr>
+            <a:r>
+              <a:rPr lang="en-US" dirty="0"/>
+              <a:t>s</a:t>
+            </a:r>
+            <a:r>
+              <a:rPr lang="en-IL" dirty="0"/>
+              <a:t>erver.security.password = ”password”</a:t>
+            </a:r>
+          </a:p>
+          <a:p>
+            <a:pPr marL="0" indent="0">
+              <a:buNone/>
+            </a:pPr>
+            <a:r>
+              <a:rPr lang="en-IL" dirty="0"/>
+              <a:t>sever.security.roles = user, admin</a:t>
+            </a:r>
+          </a:p>
+        </p:txBody>
+      </p:sp>
+      <p:sp>
+        <p:nvSpPr>
+          <p:cNvPr id="5" name="Text Placeholder 4">
+            <a:extLst>
+              <a:ext uri="{FF2B5EF4-FFF2-40B4-BE49-F238E27FC236}">
+                <a16:creationId xmlns:a16="http://schemas.microsoft.com/office/drawing/2014/main" id="{37DF7256-0FD3-D66D-3001-E02FC798084C}"/>
+              </a:ext>
+            </a:extLst>
+          </p:cNvPr>
+          <p:cNvSpPr>
+            <a:spLocks noGrp="1"/>
+          </p:cNvSpPr>
+          <p:nvPr>
+            <p:ph type="body" sz="quarter" idx="3"/>
+          </p:nvPr>
+        </p:nvSpPr>
+        <p:spPr>
+          <a:xfrm>
+            <a:off x="3944983" y="1930400"/>
+            <a:ext cx="5329018" cy="576262"/>
+          </a:xfrm>
+        </p:spPr>
+        <p:txBody>
+          <a:bodyPr/>
+          <a:lstStyle/>
+          <a:p>
+            <a:r>
+              <a:rPr lang="en-IL" dirty="0"/>
+              <a:t>Code:</a:t>
+            </a:r>
+          </a:p>
+        </p:txBody>
+      </p:sp>
+      <p:sp>
+        <p:nvSpPr>
+          <p:cNvPr id="6" name="Content Placeholder 5">
+            <a:extLst>
+              <a:ext uri="{FF2B5EF4-FFF2-40B4-BE49-F238E27FC236}">
+                <a16:creationId xmlns:a16="http://schemas.microsoft.com/office/drawing/2014/main" id="{09F75FFB-F5CB-D6EF-7A3D-EA3766B5CDE1}"/>
+              </a:ext>
+            </a:extLst>
+          </p:cNvPr>
+          <p:cNvSpPr>
+            <a:spLocks noGrp="1"/>
+          </p:cNvSpPr>
+          <p:nvPr>
+            <p:ph sz="quarter" idx="4"/>
+          </p:nvPr>
+        </p:nvSpPr>
+        <p:spPr>
+          <a:xfrm>
+            <a:off x="3944983" y="2506662"/>
+            <a:ext cx="6043747" cy="3741737"/>
+          </a:xfrm>
+          <a:solidFill>
+            <a:schemeClr val="tx2">
+              <a:lumMod val="20000"/>
+              <a:lumOff val="80000"/>
+            </a:schemeClr>
+          </a:solidFill>
+          <a:ln>
+            <a:solidFill>
+              <a:schemeClr val="tx2">
+                <a:lumMod val="50000"/>
+              </a:schemeClr>
+            </a:solidFill>
+          </a:ln>
+        </p:spPr>
+        <p:txBody>
+          <a:bodyPr>
+            <a:noAutofit/>
+          </a:bodyPr>
+          <a:lstStyle/>
+          <a:p>
+            <a:pPr marL="0" indent="0">
+              <a:buNone/>
+            </a:pPr>
+            <a:r>
+              <a:rPr lang="en-US" sz="1200" b="1" dirty="0">
+                <a:solidFill>
+                  <a:srgbClr val="0070C0"/>
+                </a:solidFill>
+              </a:rPr>
+              <a:t>@</a:t>
+            </a:r>
+            <a:r>
+              <a:rPr lang="en-US" sz="1200" b="1" dirty="0" err="1">
+                <a:solidFill>
+                  <a:srgbClr val="0070C0"/>
+                </a:solidFill>
+              </a:rPr>
+              <a:t>ConfigurationProperties</a:t>
+            </a:r>
+            <a:r>
+              <a:rPr lang="en-US" sz="1200" b="1" dirty="0">
+                <a:solidFill>
+                  <a:srgbClr val="0070C0"/>
+                </a:solidFill>
+              </a:rPr>
+              <a:t>(“server”)</a:t>
+            </a:r>
+          </a:p>
+          <a:p>
+            <a:pPr marL="0" indent="0">
+              <a:buNone/>
+            </a:pPr>
+            <a:r>
+              <a:rPr lang="en-US" sz="1200" dirty="0">
+                <a:solidFill>
+                  <a:schemeClr val="accent5">
+                    <a:lumMod val="75000"/>
+                  </a:schemeClr>
+                </a:solidFill>
+              </a:rPr>
+              <a:t>p</a:t>
+            </a:r>
+            <a:r>
+              <a:rPr lang="en-IL" sz="1200" dirty="0">
+                <a:solidFill>
+                  <a:schemeClr val="accent5">
+                    <a:lumMod val="75000"/>
+                  </a:schemeClr>
+                </a:solidFill>
+              </a:rPr>
+              <a:t>ublic class</a:t>
+            </a:r>
+            <a:r>
+              <a:rPr lang="en-IL" sz="1200" dirty="0"/>
+              <a:t> ServerConfiguration {</a:t>
+            </a:r>
+          </a:p>
+          <a:p>
+            <a:pPr marL="0" indent="0">
+              <a:buNone/>
+            </a:pPr>
+            <a:r>
+              <a:rPr lang="en-IL" sz="1200" dirty="0"/>
+              <a:t>    </a:t>
+            </a:r>
+            <a:r>
+              <a:rPr lang="en-IL" sz="1200" dirty="0">
+                <a:solidFill>
+                  <a:schemeClr val="accent5">
+                    <a:lumMod val="75000"/>
+                  </a:schemeClr>
+                </a:solidFill>
+              </a:rPr>
+              <a:t>private</a:t>
+            </a:r>
+            <a:r>
+              <a:rPr lang="en-IL" sz="1200" dirty="0"/>
+              <a:t> </a:t>
+            </a:r>
+            <a:r>
+              <a:rPr lang="en-US" sz="1200" dirty="0" err="1"/>
+              <a:t>InetAddress</a:t>
+            </a:r>
+            <a:r>
+              <a:rPr lang="en-IL" sz="1200" dirty="0"/>
+              <a:t> address;</a:t>
+            </a:r>
+          </a:p>
+          <a:p>
+            <a:pPr marL="0" indent="0">
+              <a:buNone/>
+            </a:pPr>
+            <a:r>
+              <a:rPr lang="en-IL" sz="1200" dirty="0"/>
+              <a:t>    </a:t>
+            </a:r>
+            <a:r>
+              <a:rPr lang="en-IL" sz="1200" dirty="0">
+                <a:solidFill>
+                  <a:schemeClr val="accent5">
+                    <a:lumMod val="75000"/>
+                  </a:schemeClr>
+                </a:solidFill>
+              </a:rPr>
+              <a:t>private int</a:t>
+            </a:r>
+            <a:r>
+              <a:rPr lang="en-IL" sz="1200" dirty="0"/>
+              <a:t> port;</a:t>
+            </a:r>
+          </a:p>
+          <a:p>
+            <a:pPr marL="0" indent="0">
+              <a:buNone/>
+            </a:pPr>
+            <a:r>
+              <a:rPr lang="en-IL" sz="1200" dirty="0"/>
+              <a:t>    </a:t>
+            </a:r>
+            <a:r>
+              <a:rPr lang="en-IL" sz="1200" dirty="0">
+                <a:solidFill>
+                  <a:schemeClr val="accent5">
+                    <a:lumMod val="75000"/>
+                  </a:schemeClr>
+                </a:solidFill>
+              </a:rPr>
+              <a:t>private boolean</a:t>
+            </a:r>
+            <a:r>
+              <a:rPr lang="en-IL" sz="1200" dirty="0"/>
+              <a:t> enabled;</a:t>
+            </a:r>
+          </a:p>
+          <a:p>
+            <a:pPr marL="0" indent="0">
+              <a:buNone/>
+            </a:pPr>
+            <a:r>
+              <a:rPr lang="en-IL" sz="1200" dirty="0"/>
+              <a:t>    </a:t>
+            </a:r>
+            <a:r>
+              <a:rPr lang="en-IL" sz="1200" dirty="0">
+                <a:solidFill>
+                  <a:schemeClr val="accent5">
+                    <a:lumMod val="75000"/>
+                  </a:schemeClr>
+                </a:solidFill>
+              </a:rPr>
+              <a:t>private</a:t>
+            </a:r>
+            <a:r>
+              <a:rPr lang="en-IL" sz="1200" dirty="0"/>
+              <a:t> </a:t>
+            </a:r>
+            <a:r>
+              <a:rPr lang="en-IL" sz="1200" dirty="0">
+                <a:solidFill>
+                  <a:schemeClr val="accent5">
+                    <a:lumMod val="75000"/>
+                  </a:schemeClr>
+                </a:solidFill>
+              </a:rPr>
+              <a:t>final</a:t>
+            </a:r>
+            <a:r>
+              <a:rPr lang="en-IL" sz="1200" dirty="0"/>
+              <a:t> Security security = </a:t>
+            </a:r>
+            <a:r>
+              <a:rPr lang="en-IL" sz="1200" dirty="0">
+                <a:solidFill>
+                  <a:schemeClr val="accent5">
+                    <a:lumMod val="75000"/>
+                  </a:schemeClr>
+                </a:solidFill>
+              </a:rPr>
+              <a:t>new</a:t>
+            </a:r>
+            <a:r>
+              <a:rPr lang="en-IL" sz="1200" dirty="0"/>
+              <a:t> Security();</a:t>
+            </a:r>
+          </a:p>
+          <a:p>
+            <a:pPr marL="0" indent="0">
+              <a:buNone/>
+            </a:pPr>
+            <a:r>
+              <a:rPr lang="en-IL" sz="1200" dirty="0"/>
+              <a:t>    </a:t>
+            </a:r>
+            <a:r>
+              <a:rPr lang="en-IL" sz="1200" dirty="0">
+                <a:solidFill>
+                  <a:schemeClr val="accent5">
+                    <a:lumMod val="75000"/>
+                  </a:schemeClr>
+                </a:solidFill>
+              </a:rPr>
+              <a:t>public static class </a:t>
+            </a:r>
+            <a:r>
+              <a:rPr lang="en-IL" sz="1200" dirty="0"/>
+              <a:t>Security {</a:t>
+            </a:r>
+          </a:p>
+          <a:p>
+            <a:pPr marL="0" indent="0">
+              <a:buNone/>
+            </a:pPr>
+            <a:r>
+              <a:rPr lang="en-IL" sz="1200" dirty="0"/>
+              <a:t>        </a:t>
+            </a:r>
+            <a:r>
+              <a:rPr lang="en-IL" sz="1200" dirty="0">
+                <a:solidFill>
+                  <a:schemeClr val="accent5">
+                    <a:lumMod val="75000"/>
+                  </a:schemeClr>
+                </a:solidFill>
+              </a:rPr>
+              <a:t>private </a:t>
+            </a:r>
+            <a:r>
+              <a:rPr lang="en-IL" sz="1200" dirty="0"/>
+              <a:t>String username;</a:t>
+            </a:r>
+          </a:p>
+          <a:p>
+            <a:pPr marL="0" indent="0">
+              <a:buNone/>
+            </a:pPr>
+            <a:r>
+              <a:rPr lang="en-IL" sz="1200" dirty="0"/>
+              <a:t>        </a:t>
+            </a:r>
+            <a:r>
+              <a:rPr lang="en-IL" sz="1200" dirty="0">
+                <a:solidFill>
+                  <a:schemeClr val="accent5">
+                    <a:lumMod val="75000"/>
+                  </a:schemeClr>
+                </a:solidFill>
+              </a:rPr>
+              <a:t>private </a:t>
+            </a:r>
+            <a:r>
+              <a:rPr lang="en-IL" sz="1200" dirty="0"/>
+              <a:t>String password;</a:t>
+            </a:r>
+          </a:p>
+          <a:p>
+            <a:pPr marL="0" indent="0">
+              <a:buNone/>
+            </a:pPr>
+            <a:r>
+              <a:rPr lang="en-US" sz="1200" b="1" dirty="0">
+                <a:solidFill>
+                  <a:srgbClr val="7F0055"/>
+                </a:solidFill>
+              </a:rPr>
+              <a:t>        </a:t>
+            </a:r>
+            <a:r>
+              <a:rPr lang="en-US" sz="1200" dirty="0">
+                <a:solidFill>
+                  <a:schemeClr val="accent5">
+                    <a:lumMod val="75000"/>
+                  </a:schemeClr>
+                </a:solidFill>
+              </a:rPr>
+              <a:t>private</a:t>
+            </a:r>
+            <a:r>
+              <a:rPr lang="en-US" sz="1200" dirty="0"/>
+              <a:t> List&lt;String&gt; roles = </a:t>
+            </a:r>
+            <a:r>
+              <a:rPr lang="en-US" sz="1200" b="1" dirty="0">
+                <a:solidFill>
+                  <a:srgbClr val="7F0055"/>
+                </a:solidFill>
+                <a:effectLst/>
+              </a:rPr>
+              <a:t>new</a:t>
+            </a:r>
+            <a:r>
+              <a:rPr lang="en-US" sz="1200" dirty="0"/>
+              <a:t> </a:t>
+            </a:r>
+            <a:r>
+              <a:rPr lang="en-US" sz="1200" dirty="0" err="1"/>
+              <a:t>ArrayList</a:t>
+            </a:r>
+            <a:r>
+              <a:rPr lang="en-US" sz="1200" dirty="0"/>
+              <a:t>&lt;&gt;(</a:t>
+            </a:r>
+            <a:r>
+              <a:rPr lang="en-US" sz="1200" dirty="0" err="1"/>
+              <a:t>Collections.singleton</a:t>
+            </a:r>
+            <a:r>
+              <a:rPr lang="en-US" sz="1200" dirty="0"/>
+              <a:t>(</a:t>
+            </a:r>
+            <a:r>
+              <a:rPr lang="en-US" sz="1200" dirty="0">
+                <a:solidFill>
+                  <a:srgbClr val="2A00FF"/>
+                </a:solidFill>
+                <a:effectLst/>
+              </a:rPr>
+              <a:t>"USER"</a:t>
+            </a:r>
+            <a:r>
+              <a:rPr lang="en-US" sz="1200" dirty="0"/>
+              <a:t>));</a:t>
+            </a:r>
+            <a:endParaRPr lang="en-IL" sz="1200" dirty="0"/>
+          </a:p>
+          <a:p>
+            <a:pPr marL="0" indent="0">
+              <a:buNone/>
+            </a:pPr>
+            <a:r>
+              <a:rPr lang="en-IL" sz="1200" dirty="0"/>
+              <a:t>    }</a:t>
+            </a:r>
+          </a:p>
+          <a:p>
+            <a:pPr marL="0" indent="0">
+              <a:buNone/>
+            </a:pPr>
+            <a:r>
+              <a:rPr lang="en-IL" sz="1200" dirty="0"/>
+              <a:t>    </a:t>
+            </a:r>
+            <a:r>
+              <a:rPr lang="en-IL" sz="1200" dirty="0">
+                <a:solidFill>
+                  <a:schemeClr val="accent1"/>
+                </a:solidFill>
+              </a:rPr>
+              <a:t>// Note: getters and setters are mandatory!</a:t>
+            </a:r>
+          </a:p>
+          <a:p>
+            <a:pPr marL="0" indent="0">
+              <a:buNone/>
+            </a:pPr>
+            <a:r>
+              <a:rPr lang="en-IL" sz="1200" dirty="0"/>
+              <a:t>}</a:t>
+            </a:r>
+          </a:p>
+        </p:txBody>
+      </p:sp>
+    </p:spTree>
+    <p:extLst>
+      <p:ext uri="{BB962C8B-B14F-4D97-AF65-F5344CB8AC3E}">
+        <p14:creationId xmlns:p14="http://schemas.microsoft.com/office/powerpoint/2010/main" val="442822381"/>
+      </p:ext>
+    </p:extLst>
+  </p:cSld>
+  <p:clrMapOvr>
+    <a:masterClrMapping/>
+  </p:clrMapOvr>
+</p:sld>
+</file>
+
+<file path=ppt/slides/slide31.xml><?xml version="1.0" encoding="utf-8"?>
+<p:sld xmlns:a="http://schemas.openxmlformats.org/drawingml/2006/main" xmlns:r="http://schemas.openxmlformats.org/officeDocument/2006/relationships" xmlns:p="http://schemas.openxmlformats.org/presentationml/2006/main">
+  <p:cSld>
+    <p:spTree>
+      <p:nvGrpSpPr>
+        <p:cNvPr id="1" name=""/>
+        <p:cNvGrpSpPr/>
+        <p:nvPr/>
+      </p:nvGrpSpPr>
+      <p:grpSpPr>
+        <a:xfrm>
+          <a:off x="0" y="0"/>
+          <a:ext cx="0" cy="0"/>
+          <a:chOff x="0" y="0"/>
+          <a:chExt cx="0" cy="0"/>
+        </a:xfrm>
+      </p:grpSpPr>
+      <p:sp>
+        <p:nvSpPr>
+          <p:cNvPr id="2" name="Title 1">
+            <a:extLst>
+              <a:ext uri="{FF2B5EF4-FFF2-40B4-BE49-F238E27FC236}">
+                <a16:creationId xmlns:a16="http://schemas.microsoft.com/office/drawing/2014/main" id="{C95E0C33-58C1-1A76-B448-E45C45845773}"/>
+              </a:ext>
+            </a:extLst>
+          </p:cNvPr>
+          <p:cNvSpPr>
+            <a:spLocks noGrp="1"/>
+          </p:cNvSpPr>
+          <p:nvPr>
+            <p:ph type="title"/>
+          </p:nvPr>
+        </p:nvSpPr>
+        <p:spPr>
+          <a:xfrm>
+            <a:off x="677334" y="609600"/>
+            <a:ext cx="8596668" cy="980661"/>
+          </a:xfrm>
+        </p:spPr>
+        <p:txBody>
+          <a:bodyPr/>
+          <a:lstStyle/>
+          <a:p>
+            <a:r>
+              <a:rPr lang="en-IL" dirty="0"/>
+              <a:t>@ConfigurationProperties</a:t>
+            </a:r>
+            <a:r>
+              <a:rPr lang="en-IL" dirty="0">
+                <a:sym typeface="Wingdings" pitchFamily="2" charset="2"/>
+              </a:rPr>
+              <a:t> (cont.)</a:t>
+            </a:r>
+            <a:endParaRPr lang="en-IL" dirty="0"/>
+          </a:p>
+        </p:txBody>
+      </p:sp>
+      <p:sp>
+        <p:nvSpPr>
+          <p:cNvPr id="3" name="Content Placeholder 2">
+            <a:extLst>
+              <a:ext uri="{FF2B5EF4-FFF2-40B4-BE49-F238E27FC236}">
+                <a16:creationId xmlns:a16="http://schemas.microsoft.com/office/drawing/2014/main" id="{B8FB431D-4F92-C886-2FA9-561C48BEAD75}"/>
+              </a:ext>
+            </a:extLst>
+          </p:cNvPr>
+          <p:cNvSpPr>
+            <a:spLocks noGrp="1"/>
+          </p:cNvSpPr>
+          <p:nvPr>
+            <p:ph idx="1"/>
+          </p:nvPr>
+        </p:nvSpPr>
+        <p:spPr>
+          <a:xfrm>
+            <a:off x="677334" y="1679713"/>
+            <a:ext cx="8596668" cy="4361649"/>
+          </a:xfrm>
+        </p:spPr>
+        <p:txBody>
+          <a:bodyPr>
+            <a:normAutofit/>
+          </a:bodyPr>
+          <a:lstStyle/>
+          <a:p>
+            <a:r>
+              <a:rPr lang="en-IL" sz="2000" dirty="0">
+                <a:solidFill>
+                  <a:schemeClr val="accent1"/>
+                </a:solidFill>
+              </a:rPr>
+              <a:t>@ConfigurationProperties </a:t>
+            </a:r>
+            <a:r>
+              <a:rPr lang="en-IL" sz="2000" dirty="0"/>
+              <a:t>annotation allows isolating a section of properties (with the same prefix) into separate POJO. </a:t>
+            </a:r>
+          </a:p>
+          <a:p>
+            <a:r>
+              <a:rPr lang="en-IL" sz="2000" dirty="0"/>
+              <a:t>The class annotated with </a:t>
+            </a:r>
+            <a:r>
+              <a:rPr lang="en-IL" sz="2000" dirty="0">
+                <a:solidFill>
+                  <a:schemeClr val="accent1"/>
+                </a:solidFill>
+              </a:rPr>
+              <a:t>@ConfigurationProperties </a:t>
+            </a:r>
+            <a:r>
+              <a:rPr lang="en-IL" sz="2000" dirty="0"/>
+              <a:t>can be injected as any regular Spring bean. For this, use annotation </a:t>
+            </a:r>
+            <a:r>
+              <a:rPr lang="en-IL" sz="2000" b="1" dirty="0">
+                <a:solidFill>
+                  <a:schemeClr val="accent1"/>
+                </a:solidFill>
+              </a:rPr>
+              <a:t>@ConfigurationPropertiesScan</a:t>
+            </a:r>
+            <a:r>
+              <a:rPr lang="en-IL" sz="2000" dirty="0"/>
+              <a:t>:</a:t>
+            </a:r>
+          </a:p>
+          <a:p>
+            <a:pPr lvl="1"/>
+            <a:r>
+              <a:rPr lang="en-IL" sz="1800" dirty="0"/>
+              <a:t>When some class is annotated with </a:t>
+            </a:r>
+            <a:r>
+              <a:rPr lang="en-IL" sz="1800" dirty="0">
+                <a:solidFill>
+                  <a:schemeClr val="accent1"/>
+                </a:solidFill>
+              </a:rPr>
+              <a:t>@ConfigurationPropertiesScan</a:t>
+            </a:r>
+            <a:r>
+              <a:rPr lang="en-IL" sz="1800" dirty="0"/>
+              <a:t>, Spring will scan all </a:t>
+            </a:r>
+            <a:r>
+              <a:rPr lang="en-IL" sz="1800" dirty="0">
+                <a:solidFill>
+                  <a:schemeClr val="accent1"/>
+                </a:solidFill>
+              </a:rPr>
+              <a:t>@ConfigurationProperties </a:t>
+            </a:r>
+            <a:r>
+              <a:rPr lang="en-IL" sz="1800" dirty="0"/>
+              <a:t>classes from the current package and its children and register them as Beans. </a:t>
+            </a:r>
+            <a:r>
+              <a:rPr lang="ru-RU" sz="1800" dirty="0"/>
+              <a:t>(</a:t>
+            </a:r>
+            <a:r>
+              <a:rPr lang="en-IL" sz="1800" dirty="0">
+                <a:solidFill>
+                  <a:schemeClr val="accent1"/>
+                </a:solidFill>
+              </a:rPr>
+              <a:t>@ConfigurationPropertiesScan </a:t>
+            </a:r>
+            <a:r>
+              <a:rPr lang="en-US" sz="1800" dirty="0"/>
+              <a:t>is often used together with </a:t>
+            </a:r>
+            <a:r>
+              <a:rPr lang="en-US" sz="1800" dirty="0">
+                <a:solidFill>
+                  <a:schemeClr val="accent1"/>
+                </a:solidFill>
+              </a:rPr>
+              <a:t>@</a:t>
+            </a:r>
+            <a:r>
+              <a:rPr lang="en-US" sz="1800" dirty="0" err="1">
+                <a:solidFill>
+                  <a:schemeClr val="accent1"/>
+                </a:solidFill>
+              </a:rPr>
+              <a:t>SpringBootApplication</a:t>
+            </a:r>
+            <a:r>
+              <a:rPr lang="en-US" sz="1800" dirty="0"/>
+              <a:t>, to activate it for all application classes).</a:t>
+            </a:r>
+          </a:p>
+          <a:p>
+            <a:pPr lvl="1"/>
+            <a:r>
+              <a:rPr lang="en-IL" sz="1800" dirty="0">
+                <a:solidFill>
+                  <a:schemeClr val="accent1"/>
+                </a:solidFill>
+              </a:rPr>
+              <a:t>@ConfigurationPropertiesScan </a:t>
+            </a:r>
+            <a:r>
+              <a:rPr lang="en-US" sz="1800" dirty="0"/>
+              <a:t>c</a:t>
+            </a:r>
+            <a:r>
+              <a:rPr lang="en-IL" sz="1800" dirty="0"/>
+              <a:t>an be used to scan custom locations for configuration properties classes, for example, </a:t>
+            </a:r>
+            <a:r>
+              <a:rPr lang="en-IL" sz="1800" dirty="0">
+                <a:solidFill>
+                  <a:schemeClr val="accent1"/>
+                </a:solidFill>
+              </a:rPr>
+              <a:t>@ConfigurationPropertiesScan(“server.security”)</a:t>
+            </a:r>
+            <a:endParaRPr lang="en-IL" sz="1800" dirty="0"/>
+          </a:p>
+          <a:p>
+            <a:endParaRPr lang="en-IL" dirty="0"/>
+          </a:p>
+        </p:txBody>
+      </p:sp>
+    </p:spTree>
+    <p:extLst>
+      <p:ext uri="{BB962C8B-B14F-4D97-AF65-F5344CB8AC3E}">
+        <p14:creationId xmlns:p14="http://schemas.microsoft.com/office/powerpoint/2010/main" val="3297565153"/>
+      </p:ext>
+    </p:extLst>
+  </p:cSld>
+  <p:clrMapOvr>
+    <a:masterClrMapping/>
+  </p:clrMapOvr>
+</p:sld>
+</file>
+
+<file path=ppt/slides/slide32.xml><?xml version="1.0" encoding="utf-8"?>
+<p:sld xmlns:a="http://schemas.openxmlformats.org/drawingml/2006/main" xmlns:r="http://schemas.openxmlformats.org/officeDocument/2006/relationships" xmlns:p="http://schemas.openxmlformats.org/presentationml/2006/main">
+  <p:cSld>
+    <p:spTree>
+      <p:nvGrpSpPr>
+        <p:cNvPr id="1" name=""/>
+        <p:cNvGrpSpPr/>
+        <p:nvPr/>
+      </p:nvGrpSpPr>
+      <p:grpSpPr>
+        <a:xfrm>
+          <a:off x="0" y="0"/>
+          <a:ext cx="0" cy="0"/>
+          <a:chOff x="0" y="0"/>
+          <a:chExt cx="0" cy="0"/>
+        </a:xfrm>
+      </p:grpSpPr>
+      <p:sp>
+        <p:nvSpPr>
+          <p:cNvPr id="2" name="Title 1">
+            <a:extLst>
+              <a:ext uri="{FF2B5EF4-FFF2-40B4-BE49-F238E27FC236}">
+                <a16:creationId xmlns:a16="http://schemas.microsoft.com/office/drawing/2014/main" id="{0CE5B2DE-F32F-1207-4DC8-CA16CA28E5E2}"/>
+              </a:ext>
+            </a:extLst>
+          </p:cNvPr>
+          <p:cNvSpPr>
+            <a:spLocks noGrp="1"/>
+          </p:cNvSpPr>
+          <p:nvPr>
+            <p:ph type="title"/>
+          </p:nvPr>
+        </p:nvSpPr>
+        <p:spPr>
+          <a:xfrm>
+            <a:off x="677334" y="609600"/>
+            <a:ext cx="8596668" cy="496389"/>
+          </a:xfrm>
+        </p:spPr>
+        <p:txBody>
+          <a:bodyPr>
+            <a:normAutofit fontScale="90000"/>
+          </a:bodyPr>
+          <a:lstStyle/>
+          <a:p>
+            <a:r>
+              <a:rPr lang="en-IL" dirty="0"/>
+              <a:t>@ConfigurationProperties:</a:t>
+            </a:r>
+            <a:r>
+              <a:rPr lang="en-IL" dirty="0">
+                <a:sym typeface="Wingdings" pitchFamily="2" charset="2"/>
+              </a:rPr>
+              <a:t> </a:t>
+            </a:r>
+            <a:r>
+              <a:rPr lang="en-IL" dirty="0"/>
+              <a:t>code sample</a:t>
+            </a:r>
+          </a:p>
+        </p:txBody>
+      </p:sp>
+      <p:sp>
+        <p:nvSpPr>
+          <p:cNvPr id="3" name="Content Placeholder 2">
+            <a:extLst>
+              <a:ext uri="{FF2B5EF4-FFF2-40B4-BE49-F238E27FC236}">
+                <a16:creationId xmlns:a16="http://schemas.microsoft.com/office/drawing/2014/main" id="{7103F691-75D3-6317-8CA9-AE0CB61687F8}"/>
+              </a:ext>
+            </a:extLst>
+          </p:cNvPr>
+          <p:cNvSpPr>
+            <a:spLocks noGrp="1"/>
+          </p:cNvSpPr>
+          <p:nvPr>
+            <p:ph idx="1"/>
+          </p:nvPr>
+        </p:nvSpPr>
+        <p:spPr>
+          <a:xfrm>
+            <a:off x="677334" y="1332411"/>
+            <a:ext cx="5209660" cy="4708951"/>
+          </a:xfrm>
+          <a:solidFill>
+            <a:schemeClr val="tx2">
+              <a:lumMod val="20000"/>
+              <a:lumOff val="80000"/>
+            </a:schemeClr>
+          </a:solidFill>
+          <a:ln>
+            <a:solidFill>
+              <a:schemeClr val="tx2">
+                <a:lumMod val="50000"/>
+              </a:schemeClr>
+            </a:solidFill>
+          </a:ln>
+        </p:spPr>
+        <p:txBody>
+          <a:bodyPr>
+            <a:normAutofit fontScale="85000" lnSpcReduction="10000"/>
+          </a:bodyPr>
+          <a:lstStyle/>
+          <a:p>
+            <a:pPr marL="0" indent="0">
+              <a:buNone/>
+            </a:pPr>
+            <a:r>
+              <a:rPr lang="en-US" i="1" dirty="0">
+                <a:solidFill>
+                  <a:srgbClr val="808080"/>
+                </a:solidFill>
+                <a:effectLst/>
+              </a:rPr>
+              <a:t>@Service</a:t>
+            </a:r>
+            <a:r>
+              <a:rPr lang="en-US" dirty="0"/>
+              <a:t> </a:t>
+            </a:r>
+          </a:p>
+          <a:p>
+            <a:pPr marL="0" indent="0">
+              <a:buNone/>
+            </a:pPr>
+            <a:r>
+              <a:rPr lang="en-US" b="1" dirty="0">
+                <a:solidFill>
+                  <a:srgbClr val="7F0055"/>
+                </a:solidFill>
+                <a:effectLst/>
+              </a:rPr>
+              <a:t>public</a:t>
+            </a:r>
+            <a:r>
+              <a:rPr lang="en-US" dirty="0"/>
+              <a:t> </a:t>
+            </a:r>
+            <a:r>
+              <a:rPr lang="en-US" b="1" dirty="0">
+                <a:solidFill>
+                  <a:srgbClr val="7F0055"/>
+                </a:solidFill>
+                <a:effectLst/>
+              </a:rPr>
+              <a:t>class</a:t>
+            </a:r>
+            <a:r>
+              <a:rPr lang="en-US" dirty="0"/>
+              <a:t> </a:t>
+            </a:r>
+            <a:r>
+              <a:rPr lang="en-US" dirty="0" err="1"/>
+              <a:t>MyService</a:t>
+            </a:r>
+            <a:r>
+              <a:rPr lang="en-US" dirty="0"/>
+              <a:t> { </a:t>
+            </a:r>
+          </a:p>
+          <a:p>
+            <a:pPr marL="0" indent="0">
+              <a:buNone/>
+            </a:pPr>
+            <a:r>
+              <a:rPr lang="en-US" b="1" dirty="0">
+                <a:solidFill>
+                  <a:srgbClr val="7F0055"/>
+                </a:solidFill>
+                <a:effectLst/>
+              </a:rPr>
+              <a:t>private</a:t>
+            </a:r>
+            <a:r>
+              <a:rPr lang="en-US" dirty="0"/>
+              <a:t> </a:t>
+            </a:r>
+            <a:r>
+              <a:rPr lang="en-US" b="1" dirty="0">
+                <a:solidFill>
+                  <a:srgbClr val="7F0055"/>
+                </a:solidFill>
+                <a:effectLst/>
+              </a:rPr>
+              <a:t>final</a:t>
+            </a:r>
+            <a:r>
+              <a:rPr lang="en-US" dirty="0"/>
+              <a:t> </a:t>
+            </a:r>
+            <a:r>
+              <a:rPr lang="en-US" dirty="0" err="1"/>
+              <a:t>ServerConfiguration</a:t>
+            </a:r>
+            <a:r>
+              <a:rPr lang="en-US" dirty="0"/>
+              <a:t> </a:t>
+            </a:r>
+            <a:r>
+              <a:rPr lang="en-US" dirty="0" err="1"/>
+              <a:t>serverConfig</a:t>
+            </a:r>
+            <a:r>
+              <a:rPr lang="en-US" dirty="0"/>
+              <a:t>; </a:t>
+            </a:r>
+          </a:p>
+          <a:p>
+            <a:pPr marL="0" indent="0">
+              <a:buNone/>
+            </a:pPr>
+            <a:endParaRPr lang="en-US" dirty="0"/>
+          </a:p>
+          <a:p>
+            <a:pPr marL="0" indent="0">
+              <a:buNone/>
+            </a:pPr>
+            <a:r>
+              <a:rPr lang="en-US" b="1" dirty="0">
+                <a:solidFill>
+                  <a:srgbClr val="7F0055"/>
+                </a:solidFill>
+                <a:effectLst/>
+              </a:rPr>
+              <a:t>public</a:t>
+            </a:r>
+            <a:r>
+              <a:rPr lang="en-US" dirty="0"/>
+              <a:t> </a:t>
+            </a:r>
+            <a:r>
+              <a:rPr lang="en-US" dirty="0" err="1"/>
+              <a:t>MyService</a:t>
+            </a:r>
+            <a:r>
+              <a:rPr lang="en-US" dirty="0"/>
+              <a:t>(</a:t>
+            </a:r>
+            <a:r>
+              <a:rPr lang="en-US" dirty="0" err="1"/>
+              <a:t>ServerConfiguration</a:t>
+            </a:r>
+            <a:r>
+              <a:rPr lang="en-US" dirty="0"/>
+              <a:t> </a:t>
+            </a:r>
+            <a:r>
+              <a:rPr lang="en-US" dirty="0" err="1"/>
+              <a:t>serverConfig</a:t>
+            </a:r>
+            <a:r>
+              <a:rPr lang="en-US" dirty="0"/>
+              <a:t>) { </a:t>
+            </a:r>
+          </a:p>
+          <a:p>
+            <a:pPr marL="0" indent="0">
+              <a:buNone/>
+            </a:pPr>
+            <a:r>
+              <a:rPr lang="en-US" b="1" dirty="0">
+                <a:solidFill>
+                  <a:srgbClr val="7F0055"/>
+                </a:solidFill>
+              </a:rPr>
+              <a:t>    </a:t>
+            </a:r>
+            <a:r>
+              <a:rPr lang="en-US" b="1" dirty="0">
+                <a:solidFill>
+                  <a:srgbClr val="7F0055"/>
+                </a:solidFill>
+                <a:effectLst/>
+              </a:rPr>
+              <a:t>this</a:t>
+            </a:r>
+            <a:r>
+              <a:rPr lang="en-US" dirty="0"/>
+              <a:t>. </a:t>
+            </a:r>
+            <a:r>
+              <a:rPr lang="en-US" dirty="0" err="1"/>
+              <a:t>serverConfig</a:t>
+            </a:r>
+            <a:r>
+              <a:rPr lang="en-US" dirty="0"/>
+              <a:t> = </a:t>
+            </a:r>
+            <a:r>
+              <a:rPr lang="en-US" dirty="0" err="1"/>
+              <a:t>serverConfig</a:t>
+            </a:r>
+            <a:r>
+              <a:rPr lang="en-US" dirty="0"/>
+              <a:t>; </a:t>
+            </a:r>
+          </a:p>
+          <a:p>
+            <a:pPr marL="0" indent="0">
+              <a:buNone/>
+            </a:pPr>
+            <a:r>
+              <a:rPr lang="en-US" dirty="0"/>
+              <a:t>} </a:t>
+            </a:r>
+          </a:p>
+          <a:p>
+            <a:pPr marL="0" indent="0">
+              <a:buNone/>
+            </a:pPr>
+            <a:r>
+              <a:rPr lang="en-US" i="1" dirty="0">
+                <a:solidFill>
+                  <a:srgbClr val="3F5F5F"/>
+                </a:solidFill>
+                <a:effectLst/>
+              </a:rPr>
+              <a:t>//...</a:t>
+            </a:r>
+            <a:r>
+              <a:rPr lang="en-US" dirty="0"/>
+              <a:t> </a:t>
+            </a:r>
+          </a:p>
+          <a:p>
+            <a:pPr marL="0" indent="0">
+              <a:buNone/>
+            </a:pPr>
+            <a:r>
+              <a:rPr lang="en-US" i="1" dirty="0">
+                <a:solidFill>
+                  <a:srgbClr val="808080"/>
+                </a:solidFill>
+                <a:effectLst/>
+              </a:rPr>
+              <a:t>@</a:t>
+            </a:r>
+            <a:r>
+              <a:rPr lang="en-US" i="1" dirty="0" err="1">
+                <a:solidFill>
+                  <a:srgbClr val="808080"/>
+                </a:solidFill>
+                <a:effectLst/>
+              </a:rPr>
+              <a:t>PostConstruct</a:t>
+            </a:r>
+            <a:r>
+              <a:rPr lang="en-US" dirty="0"/>
+              <a:t> </a:t>
+            </a:r>
+          </a:p>
+          <a:p>
+            <a:pPr marL="0" indent="0">
+              <a:buNone/>
+            </a:pPr>
+            <a:r>
+              <a:rPr lang="en-US" b="1" dirty="0">
+                <a:solidFill>
+                  <a:srgbClr val="7F0055"/>
+                </a:solidFill>
+                <a:effectLst/>
+              </a:rPr>
+              <a:t>public</a:t>
+            </a:r>
+            <a:r>
+              <a:rPr lang="en-US" dirty="0"/>
+              <a:t> </a:t>
+            </a:r>
+            <a:r>
+              <a:rPr lang="en-US" b="1" dirty="0">
+                <a:solidFill>
+                  <a:srgbClr val="7F0055"/>
+                </a:solidFill>
+                <a:effectLst/>
+              </a:rPr>
+              <a:t>void</a:t>
+            </a:r>
+            <a:r>
+              <a:rPr lang="en-US" dirty="0"/>
+              <a:t> </a:t>
+            </a:r>
+            <a:r>
+              <a:rPr lang="en-US" dirty="0" err="1"/>
+              <a:t>openConnection</a:t>
+            </a:r>
+            <a:r>
+              <a:rPr lang="en-US" dirty="0"/>
+              <a:t>() { </a:t>
+            </a:r>
+          </a:p>
+          <a:p>
+            <a:pPr marL="0" indent="0">
+              <a:buNone/>
+            </a:pPr>
+            <a:r>
+              <a:rPr lang="en-US" dirty="0"/>
+              <a:t>    Server server = </a:t>
+            </a:r>
+            <a:r>
+              <a:rPr lang="en-US" b="1" dirty="0">
+                <a:solidFill>
+                  <a:srgbClr val="7F0055"/>
+                </a:solidFill>
+                <a:effectLst/>
+              </a:rPr>
+              <a:t>new</a:t>
+            </a:r>
+            <a:r>
+              <a:rPr lang="en-US" dirty="0"/>
+              <a:t> Server(</a:t>
+            </a:r>
+            <a:r>
+              <a:rPr lang="en-US" dirty="0" err="1"/>
+              <a:t>serverConfig.getAddress</a:t>
+            </a:r>
+            <a:r>
+              <a:rPr lang="en-US" dirty="0"/>
+              <a:t>()); </a:t>
+            </a:r>
+          </a:p>
+          <a:p>
+            <a:pPr marL="0" indent="0">
+              <a:buNone/>
+            </a:pPr>
+            <a:r>
+              <a:rPr lang="en-US" i="1" dirty="0">
+                <a:solidFill>
+                  <a:srgbClr val="3F5F5F"/>
+                </a:solidFill>
+                <a:effectLst/>
+              </a:rPr>
+              <a:t>    // ...</a:t>
+            </a:r>
+            <a:r>
+              <a:rPr lang="en-US" dirty="0"/>
+              <a:t> </a:t>
+            </a:r>
+          </a:p>
+          <a:p>
+            <a:pPr marL="0" indent="0">
+              <a:buNone/>
+            </a:pPr>
+            <a:r>
+              <a:rPr lang="en-US" dirty="0"/>
+              <a:t>} </a:t>
+            </a:r>
+          </a:p>
+          <a:p>
+            <a:pPr marL="0" indent="0">
+              <a:buNone/>
+            </a:pPr>
+            <a:r>
+              <a:rPr lang="en-US" dirty="0"/>
+              <a:t>} </a:t>
+            </a:r>
+          </a:p>
+          <a:p>
+            <a:pPr marL="0" indent="0">
+              <a:buNone/>
+            </a:pPr>
+            <a:endParaRPr lang="en-US" dirty="0"/>
+          </a:p>
+          <a:p>
+            <a:pPr marL="0" indent="0">
+              <a:buNone/>
+            </a:pPr>
+            <a:endParaRPr lang="en-US" dirty="0"/>
+          </a:p>
+          <a:p>
+            <a:pPr marL="0" indent="0">
+              <a:buNone/>
+            </a:pPr>
+            <a:endParaRPr lang="en-IL" dirty="0"/>
+          </a:p>
+        </p:txBody>
+      </p:sp>
+      <p:sp>
+        <p:nvSpPr>
+          <p:cNvPr id="4" name="Content Placeholder 2">
+            <a:extLst>
+              <a:ext uri="{FF2B5EF4-FFF2-40B4-BE49-F238E27FC236}">
+                <a16:creationId xmlns:a16="http://schemas.microsoft.com/office/drawing/2014/main" id="{3255F3AA-6BBE-813C-A1F5-0A5B8BB137BA}"/>
+              </a:ext>
+            </a:extLst>
+          </p:cNvPr>
+          <p:cNvSpPr txBox="1">
+            <a:spLocks/>
+          </p:cNvSpPr>
+          <p:nvPr/>
+        </p:nvSpPr>
+        <p:spPr>
+          <a:xfrm>
+            <a:off x="4844386" y="1249680"/>
+            <a:ext cx="5418666" cy="4708951"/>
+          </a:xfrm>
+          <a:prstGeom prst="rect">
+            <a:avLst/>
+          </a:prstGeom>
+        </p:spPr>
+        <p:txBody>
+          <a:bodyPr vert="horz" lIns="91440" tIns="45720" rIns="91440" bIns="45720" rtlCol="0">
+            <a:normAutofit/>
+          </a:bodyPr>
+          <a:lstStyle>
+            <a:lvl1pPr marL="342900" indent="-342900" algn="l" defTabSz="457200" rtl="0" eaLnBrk="1" latinLnBrk="0" hangingPunct="1">
+              <a:spcBef>
+                <a:spcPts val="1000"/>
+              </a:spcBef>
+              <a:spcAft>
+                <a:spcPts val="0"/>
+              </a:spcAft>
+              <a:buClr>
+                <a:schemeClr val="accent1"/>
+              </a:buClr>
+              <a:buSzPct val="80000"/>
+              <a:buFont typeface="Wingdings 3" charset="2"/>
+              <a:buChar char=""/>
+              <a:defRPr sz="1800" kern="1200">
+                <a:solidFill>
+                  <a:schemeClr val="tx1">
+                    <a:lumMod val="75000"/>
+                    <a:lumOff val="25000"/>
+                  </a:schemeClr>
+                </a:solidFill>
+                <a:latin typeface="+mn-lt"/>
+                <a:ea typeface="+mn-ea"/>
+                <a:cs typeface="+mn-cs"/>
+              </a:defRPr>
+            </a:lvl1pPr>
+            <a:lvl2pPr marL="742950" indent="-285750" algn="l" defTabSz="457200" rtl="0" eaLnBrk="1" latinLnBrk="0" hangingPunct="1">
+              <a:spcBef>
+                <a:spcPts val="1000"/>
+              </a:spcBef>
+              <a:spcAft>
+                <a:spcPts val="0"/>
+              </a:spcAft>
+              <a:buClr>
+                <a:schemeClr val="accent1"/>
+              </a:buClr>
+              <a:buSzPct val="80000"/>
+              <a:buFont typeface="Wingdings 3" charset="2"/>
+              <a:buChar char=""/>
+              <a:defRPr sz="1600" kern="1200">
+                <a:solidFill>
+                  <a:schemeClr val="tx1">
+                    <a:lumMod val="75000"/>
+                    <a:lumOff val="25000"/>
+                  </a:schemeClr>
+                </a:solidFill>
+                <a:latin typeface="+mn-lt"/>
+                <a:ea typeface="+mn-ea"/>
+                <a:cs typeface="+mn-cs"/>
+              </a:defRPr>
+            </a:lvl2pPr>
+            <a:lvl3pPr marL="1143000" indent="-228600" algn="l" defTabSz="457200" rtl="0" eaLnBrk="1" latinLnBrk="0" hangingPunct="1">
+              <a:spcBef>
+                <a:spcPts val="1000"/>
+              </a:spcBef>
+              <a:spcAft>
+                <a:spcPts val="0"/>
+              </a:spcAft>
+              <a:buClr>
+                <a:schemeClr val="accent1"/>
+              </a:buClr>
+              <a:buSzPct val="80000"/>
+              <a:buFont typeface="Wingdings 3" charset="2"/>
+              <a:buChar char=""/>
+              <a:defRPr sz="1400" kern="1200">
+                <a:solidFill>
+                  <a:schemeClr val="tx1">
+                    <a:lumMod val="75000"/>
+                    <a:lumOff val="25000"/>
+                  </a:schemeClr>
+                </a:solidFill>
+                <a:latin typeface="+mn-lt"/>
+                <a:ea typeface="+mn-ea"/>
+                <a:cs typeface="+mn-cs"/>
+              </a:defRPr>
+            </a:lvl3pPr>
+            <a:lvl4pPr marL="1600200" indent="-228600" algn="l" defTabSz="457200" rtl="0" eaLnBrk="1" latinLnBrk="0" hangingPunct="1">
+              <a:spcBef>
+                <a:spcPts val="1000"/>
+              </a:spcBef>
+              <a:spcAft>
+                <a:spcPts val="0"/>
+              </a:spcAft>
+              <a:buClr>
+                <a:schemeClr val="accent1"/>
+              </a:buClr>
+              <a:buSzPct val="80000"/>
+              <a:buFont typeface="Wingdings 3" charset="2"/>
+              <a:buChar char=""/>
+              <a:defRPr sz="1200" kern="1200">
+                <a:solidFill>
+                  <a:schemeClr val="tx1">
+                    <a:lumMod val="75000"/>
+                    <a:lumOff val="25000"/>
+                  </a:schemeClr>
+                </a:solidFill>
+                <a:latin typeface="+mn-lt"/>
+                <a:ea typeface="+mn-ea"/>
+                <a:cs typeface="+mn-cs"/>
+              </a:defRPr>
+            </a:lvl4pPr>
+            <a:lvl5pPr marL="2057400" indent="-228600" algn="l" defTabSz="457200" rtl="0" eaLnBrk="1" latinLnBrk="0" hangingPunct="1">
+              <a:spcBef>
+                <a:spcPts val="1000"/>
+              </a:spcBef>
+              <a:spcAft>
+                <a:spcPts val="0"/>
+              </a:spcAft>
+              <a:buClr>
+                <a:schemeClr val="accent1"/>
+              </a:buClr>
+              <a:buSzPct val="80000"/>
+              <a:buFont typeface="Wingdings 3" charset="2"/>
+              <a:buChar char=""/>
+              <a:defRPr sz="1200" kern="1200">
+                <a:solidFill>
+                  <a:schemeClr val="tx1">
+                    <a:lumMod val="75000"/>
+                    <a:lumOff val="25000"/>
+                  </a:schemeClr>
+                </a:solidFill>
+                <a:latin typeface="+mn-lt"/>
+                <a:ea typeface="+mn-ea"/>
+                <a:cs typeface="+mn-cs"/>
+              </a:defRPr>
+            </a:lvl5pPr>
+            <a:lvl6pPr marL="2514600" indent="-228600" algn="l" defTabSz="457200" rtl="0" eaLnBrk="1" latinLnBrk="0" hangingPunct="1">
+              <a:spcBef>
+                <a:spcPts val="1000"/>
+              </a:spcBef>
+              <a:spcAft>
+                <a:spcPts val="0"/>
+              </a:spcAft>
+              <a:buClr>
+                <a:schemeClr val="accent1"/>
+              </a:buClr>
+              <a:buSzPct val="80000"/>
+              <a:buFont typeface="Wingdings 3" charset="2"/>
+              <a:buChar char=""/>
+              <a:defRPr sz="1200" kern="1200">
+                <a:solidFill>
+                  <a:schemeClr val="tx1">
+                    <a:lumMod val="75000"/>
+                    <a:lumOff val="25000"/>
+                  </a:schemeClr>
+                </a:solidFill>
+                <a:latin typeface="+mn-lt"/>
+                <a:ea typeface="+mn-ea"/>
+                <a:cs typeface="+mn-cs"/>
+              </a:defRPr>
+            </a:lvl6pPr>
+            <a:lvl7pPr marL="2971800" indent="-228600" algn="l" defTabSz="457200" rtl="0" eaLnBrk="1" latinLnBrk="0" hangingPunct="1">
+              <a:spcBef>
+                <a:spcPts val="1000"/>
+              </a:spcBef>
+              <a:spcAft>
+                <a:spcPts val="0"/>
+              </a:spcAft>
+              <a:buClr>
+                <a:schemeClr val="accent1"/>
+              </a:buClr>
+              <a:buSzPct val="80000"/>
+              <a:buFont typeface="Wingdings 3" charset="2"/>
+              <a:buChar char=""/>
+              <a:defRPr sz="1200" kern="1200">
+                <a:solidFill>
+                  <a:schemeClr val="tx1">
+                    <a:lumMod val="75000"/>
+                    <a:lumOff val="25000"/>
+                  </a:schemeClr>
+                </a:solidFill>
+                <a:latin typeface="+mn-lt"/>
+                <a:ea typeface="+mn-ea"/>
+                <a:cs typeface="+mn-cs"/>
+              </a:defRPr>
+            </a:lvl7pPr>
+            <a:lvl8pPr marL="3429000" indent="-228600" algn="l" defTabSz="457200" rtl="0" eaLnBrk="1" latinLnBrk="0" hangingPunct="1">
+              <a:spcBef>
+                <a:spcPts val="1000"/>
+              </a:spcBef>
+              <a:spcAft>
+                <a:spcPts val="0"/>
+              </a:spcAft>
+              <a:buClr>
+                <a:schemeClr val="accent1"/>
+              </a:buClr>
+              <a:buSzPct val="80000"/>
+              <a:buFont typeface="Wingdings 3" charset="2"/>
+              <a:buChar char=""/>
+              <a:defRPr sz="1200" kern="1200">
+                <a:solidFill>
+                  <a:schemeClr val="tx1">
+                    <a:lumMod val="75000"/>
+                    <a:lumOff val="25000"/>
+                  </a:schemeClr>
+                </a:solidFill>
+                <a:latin typeface="+mn-lt"/>
+                <a:ea typeface="+mn-ea"/>
+                <a:cs typeface="+mn-cs"/>
+              </a:defRPr>
+            </a:lvl8pPr>
+            <a:lvl9pPr marL="3886200" indent="-228600" algn="l" defTabSz="457200" rtl="0" eaLnBrk="1" latinLnBrk="0" hangingPunct="1">
+              <a:spcBef>
+                <a:spcPts val="1000"/>
+              </a:spcBef>
+              <a:spcAft>
+                <a:spcPts val="0"/>
+              </a:spcAft>
+              <a:buClr>
+                <a:schemeClr val="accent1"/>
+              </a:buClr>
+              <a:buSzPct val="80000"/>
+              <a:buFont typeface="Wingdings 3" charset="2"/>
+              <a:buChar char=""/>
+              <a:defRPr sz="1200" kern="1200">
+                <a:solidFill>
+                  <a:schemeClr val="tx1">
+                    <a:lumMod val="75000"/>
+                    <a:lumOff val="25000"/>
+                  </a:schemeClr>
+                </a:solidFill>
+                <a:latin typeface="+mn-lt"/>
+                <a:ea typeface="+mn-ea"/>
+                <a:cs typeface="+mn-cs"/>
+              </a:defRPr>
+            </a:lvl9pPr>
+          </a:lstStyle>
+          <a:p>
+            <a:pPr marL="0" indent="0">
+              <a:buFont typeface="Wingdings 3" charset="2"/>
+              <a:buNone/>
+            </a:pPr>
+            <a:endParaRPr lang="en-US" dirty="0"/>
+          </a:p>
+          <a:p>
+            <a:pPr marL="0" indent="0">
+              <a:buFont typeface="Wingdings 3" charset="2"/>
+              <a:buNone/>
+            </a:pPr>
+            <a:endParaRPr lang="en-US" dirty="0"/>
+          </a:p>
+          <a:p>
+            <a:pPr marL="0" indent="0">
+              <a:buFont typeface="Wingdings 3" charset="2"/>
+              <a:buNone/>
+            </a:pPr>
+            <a:endParaRPr lang="en-IL" dirty="0"/>
+          </a:p>
+        </p:txBody>
+      </p:sp>
+      <p:sp>
+        <p:nvSpPr>
+          <p:cNvPr id="6" name="Content Placeholder 2">
+            <a:extLst>
+              <a:ext uri="{FF2B5EF4-FFF2-40B4-BE49-F238E27FC236}">
+                <a16:creationId xmlns:a16="http://schemas.microsoft.com/office/drawing/2014/main" id="{C0BE22FB-CBA9-B6EB-30DF-01E2E5AE50B4}"/>
+              </a:ext>
+            </a:extLst>
+          </p:cNvPr>
+          <p:cNvSpPr txBox="1">
+            <a:spLocks/>
+          </p:cNvSpPr>
+          <p:nvPr/>
+        </p:nvSpPr>
+        <p:spPr>
+          <a:xfrm>
+            <a:off x="5460275" y="1689463"/>
+            <a:ext cx="4911634" cy="2396825"/>
+          </a:xfrm>
+          <a:prstGeom prst="rect">
+            <a:avLst/>
+          </a:prstGeom>
+          <a:solidFill>
+            <a:schemeClr val="accent2">
+              <a:lumMod val="20000"/>
+              <a:lumOff val="80000"/>
+            </a:schemeClr>
+          </a:solidFill>
+          <a:ln>
+            <a:solidFill>
+              <a:schemeClr val="accent1">
+                <a:lumMod val="50000"/>
+              </a:schemeClr>
+            </a:solidFill>
+          </a:ln>
+        </p:spPr>
+        <p:txBody>
+          <a:bodyPr vert="horz" lIns="91440" tIns="45720" rIns="91440" bIns="45720" rtlCol="0">
+            <a:normAutofit fontScale="92500"/>
+          </a:bodyPr>
+          <a:lstStyle>
+            <a:lvl1pPr marL="342900" indent="-342900" algn="l" defTabSz="457200" rtl="0" eaLnBrk="1" latinLnBrk="0" hangingPunct="1">
+              <a:spcBef>
+                <a:spcPts val="1000"/>
+              </a:spcBef>
+              <a:spcAft>
+                <a:spcPts val="0"/>
+              </a:spcAft>
+              <a:buClr>
+                <a:schemeClr val="accent1"/>
+              </a:buClr>
+              <a:buSzPct val="80000"/>
+              <a:buFont typeface="Wingdings 3" charset="2"/>
+              <a:buChar char=""/>
+              <a:defRPr sz="1800" kern="1200">
+                <a:solidFill>
+                  <a:schemeClr val="tx1">
+                    <a:lumMod val="75000"/>
+                    <a:lumOff val="25000"/>
+                  </a:schemeClr>
+                </a:solidFill>
+                <a:latin typeface="+mn-lt"/>
+                <a:ea typeface="+mn-ea"/>
+                <a:cs typeface="+mn-cs"/>
+              </a:defRPr>
+            </a:lvl1pPr>
+            <a:lvl2pPr marL="742950" indent="-285750" algn="l" defTabSz="457200" rtl="0" eaLnBrk="1" latinLnBrk="0" hangingPunct="1">
+              <a:spcBef>
+                <a:spcPts val="1000"/>
+              </a:spcBef>
+              <a:spcAft>
+                <a:spcPts val="0"/>
+              </a:spcAft>
+              <a:buClr>
+                <a:schemeClr val="accent1"/>
+              </a:buClr>
+              <a:buSzPct val="80000"/>
+              <a:buFont typeface="Wingdings 3" charset="2"/>
+              <a:buChar char=""/>
+              <a:defRPr sz="1600" kern="1200">
+                <a:solidFill>
+                  <a:schemeClr val="tx1">
+                    <a:lumMod val="75000"/>
+                    <a:lumOff val="25000"/>
+                  </a:schemeClr>
+                </a:solidFill>
+                <a:latin typeface="+mn-lt"/>
+                <a:ea typeface="+mn-ea"/>
+                <a:cs typeface="+mn-cs"/>
+              </a:defRPr>
+            </a:lvl2pPr>
+            <a:lvl3pPr marL="1143000" indent="-228600" algn="l" defTabSz="457200" rtl="0" eaLnBrk="1" latinLnBrk="0" hangingPunct="1">
+              <a:spcBef>
+                <a:spcPts val="1000"/>
+              </a:spcBef>
+              <a:spcAft>
+                <a:spcPts val="0"/>
+              </a:spcAft>
+              <a:buClr>
+                <a:schemeClr val="accent1"/>
+              </a:buClr>
+              <a:buSzPct val="80000"/>
+              <a:buFont typeface="Wingdings 3" charset="2"/>
+              <a:buChar char=""/>
+              <a:defRPr sz="1400" kern="1200">
+                <a:solidFill>
+                  <a:schemeClr val="tx1">
+                    <a:lumMod val="75000"/>
+                    <a:lumOff val="25000"/>
+                  </a:schemeClr>
+                </a:solidFill>
+                <a:latin typeface="+mn-lt"/>
+                <a:ea typeface="+mn-ea"/>
+                <a:cs typeface="+mn-cs"/>
+              </a:defRPr>
+            </a:lvl3pPr>
+            <a:lvl4pPr marL="1600200" indent="-228600" algn="l" defTabSz="457200" rtl="0" eaLnBrk="1" latinLnBrk="0" hangingPunct="1">
+              <a:spcBef>
+                <a:spcPts val="1000"/>
+              </a:spcBef>
+              <a:spcAft>
+                <a:spcPts val="0"/>
+              </a:spcAft>
+              <a:buClr>
+                <a:schemeClr val="accent1"/>
+              </a:buClr>
+              <a:buSzPct val="80000"/>
+              <a:buFont typeface="Wingdings 3" charset="2"/>
+              <a:buChar char=""/>
+              <a:defRPr sz="1200" kern="1200">
+                <a:solidFill>
+                  <a:schemeClr val="tx1">
+                    <a:lumMod val="75000"/>
+                    <a:lumOff val="25000"/>
+                  </a:schemeClr>
+                </a:solidFill>
+                <a:latin typeface="+mn-lt"/>
+                <a:ea typeface="+mn-ea"/>
+                <a:cs typeface="+mn-cs"/>
+              </a:defRPr>
+            </a:lvl4pPr>
+            <a:lvl5pPr marL="2057400" indent="-228600" algn="l" defTabSz="457200" rtl="0" eaLnBrk="1" latinLnBrk="0" hangingPunct="1">
+              <a:spcBef>
+                <a:spcPts val="1000"/>
+              </a:spcBef>
+              <a:spcAft>
+                <a:spcPts val="0"/>
+              </a:spcAft>
+              <a:buClr>
+                <a:schemeClr val="accent1"/>
+              </a:buClr>
+              <a:buSzPct val="80000"/>
+              <a:buFont typeface="Wingdings 3" charset="2"/>
+              <a:buChar char=""/>
+              <a:defRPr sz="1200" kern="1200">
+                <a:solidFill>
+                  <a:schemeClr val="tx1">
+                    <a:lumMod val="75000"/>
+                    <a:lumOff val="25000"/>
+                  </a:schemeClr>
+                </a:solidFill>
+                <a:latin typeface="+mn-lt"/>
+                <a:ea typeface="+mn-ea"/>
+                <a:cs typeface="+mn-cs"/>
+              </a:defRPr>
+            </a:lvl5pPr>
+            <a:lvl6pPr marL="2514600" indent="-228600" algn="l" defTabSz="457200" rtl="0" eaLnBrk="1" latinLnBrk="0" hangingPunct="1">
+              <a:spcBef>
+                <a:spcPts val="1000"/>
+              </a:spcBef>
+              <a:spcAft>
+                <a:spcPts val="0"/>
+              </a:spcAft>
+              <a:buClr>
+                <a:schemeClr val="accent1"/>
+              </a:buClr>
+              <a:buSzPct val="80000"/>
+              <a:buFont typeface="Wingdings 3" charset="2"/>
+              <a:buChar char=""/>
+              <a:defRPr sz="1200" kern="1200">
+                <a:solidFill>
+                  <a:schemeClr val="tx1">
+                    <a:lumMod val="75000"/>
+                    <a:lumOff val="25000"/>
+                  </a:schemeClr>
+                </a:solidFill>
+                <a:latin typeface="+mn-lt"/>
+                <a:ea typeface="+mn-ea"/>
+                <a:cs typeface="+mn-cs"/>
+              </a:defRPr>
+            </a:lvl6pPr>
+            <a:lvl7pPr marL="2971800" indent="-228600" algn="l" defTabSz="457200" rtl="0" eaLnBrk="1" latinLnBrk="0" hangingPunct="1">
+              <a:spcBef>
+                <a:spcPts val="1000"/>
+              </a:spcBef>
+              <a:spcAft>
+                <a:spcPts val="0"/>
+              </a:spcAft>
+              <a:buClr>
+                <a:schemeClr val="accent1"/>
+              </a:buClr>
+              <a:buSzPct val="80000"/>
+              <a:buFont typeface="Wingdings 3" charset="2"/>
+              <a:buChar char=""/>
+              <a:defRPr sz="1200" kern="1200">
+                <a:solidFill>
+                  <a:schemeClr val="tx1">
+                    <a:lumMod val="75000"/>
+                    <a:lumOff val="25000"/>
+                  </a:schemeClr>
+                </a:solidFill>
+                <a:latin typeface="+mn-lt"/>
+                <a:ea typeface="+mn-ea"/>
+                <a:cs typeface="+mn-cs"/>
+              </a:defRPr>
+            </a:lvl7pPr>
+            <a:lvl8pPr marL="3429000" indent="-228600" algn="l" defTabSz="457200" rtl="0" eaLnBrk="1" latinLnBrk="0" hangingPunct="1">
+              <a:spcBef>
+                <a:spcPts val="1000"/>
+              </a:spcBef>
+              <a:spcAft>
+                <a:spcPts val="0"/>
+              </a:spcAft>
+              <a:buClr>
+                <a:schemeClr val="accent1"/>
+              </a:buClr>
+              <a:buSzPct val="80000"/>
+              <a:buFont typeface="Wingdings 3" charset="2"/>
+              <a:buChar char=""/>
+              <a:defRPr sz="1200" kern="1200">
+                <a:solidFill>
+                  <a:schemeClr val="tx1">
+                    <a:lumMod val="75000"/>
+                    <a:lumOff val="25000"/>
+                  </a:schemeClr>
+                </a:solidFill>
+                <a:latin typeface="+mn-lt"/>
+                <a:ea typeface="+mn-ea"/>
+                <a:cs typeface="+mn-cs"/>
+              </a:defRPr>
+            </a:lvl8pPr>
+            <a:lvl9pPr marL="3886200" indent="-228600" algn="l" defTabSz="457200" rtl="0" eaLnBrk="1" latinLnBrk="0" hangingPunct="1">
+              <a:spcBef>
+                <a:spcPts val="1000"/>
+              </a:spcBef>
+              <a:spcAft>
+                <a:spcPts val="0"/>
+              </a:spcAft>
+              <a:buClr>
+                <a:schemeClr val="accent1"/>
+              </a:buClr>
+              <a:buSzPct val="80000"/>
+              <a:buFont typeface="Wingdings 3" charset="2"/>
+              <a:buChar char=""/>
+              <a:defRPr sz="1200" kern="1200">
+                <a:solidFill>
+                  <a:schemeClr val="tx1">
+                    <a:lumMod val="75000"/>
+                    <a:lumOff val="25000"/>
+                  </a:schemeClr>
+                </a:solidFill>
+                <a:latin typeface="+mn-lt"/>
+                <a:ea typeface="+mn-ea"/>
+                <a:cs typeface="+mn-cs"/>
+              </a:defRPr>
+            </a:lvl9pPr>
+          </a:lstStyle>
+          <a:p>
+            <a:pPr marL="0" indent="0">
+              <a:buNone/>
+            </a:pPr>
+            <a:r>
+              <a:rPr lang="en-US" sz="1600" i="1" dirty="0">
+                <a:solidFill>
+                  <a:srgbClr val="808080"/>
+                </a:solidFill>
+              </a:rPr>
+              <a:t>@</a:t>
+            </a:r>
+            <a:r>
+              <a:rPr lang="en-US" sz="1600" i="1" dirty="0" err="1">
+                <a:solidFill>
+                  <a:srgbClr val="808080"/>
+                </a:solidFill>
+              </a:rPr>
+              <a:t>ConfigurationPropertiesScan</a:t>
+            </a:r>
+            <a:br>
+              <a:rPr lang="en-US" dirty="0"/>
+            </a:br>
+            <a:r>
+              <a:rPr lang="en-US" sz="1600" i="1" dirty="0">
+                <a:solidFill>
+                  <a:srgbClr val="808080"/>
+                </a:solidFill>
+              </a:rPr>
+              <a:t>@</a:t>
+            </a:r>
+            <a:r>
+              <a:rPr lang="en-US" sz="1600" i="1" dirty="0" err="1">
+                <a:solidFill>
+                  <a:srgbClr val="808080"/>
+                </a:solidFill>
+              </a:rPr>
+              <a:t>SpringBootApplication</a:t>
+            </a:r>
+            <a:br>
+              <a:rPr lang="en-US" dirty="0"/>
+            </a:br>
+            <a:r>
+              <a:rPr lang="en-US" sz="1600" b="1" dirty="0">
+                <a:solidFill>
+                  <a:srgbClr val="7F0055"/>
+                </a:solidFill>
+              </a:rPr>
+              <a:t>public</a:t>
+            </a:r>
+            <a:r>
+              <a:rPr lang="en-US" dirty="0"/>
+              <a:t> </a:t>
+            </a:r>
+            <a:r>
+              <a:rPr lang="en-US" sz="1600" b="1" dirty="0">
+                <a:solidFill>
+                  <a:srgbClr val="7F0055"/>
+                </a:solidFill>
+              </a:rPr>
+              <a:t>class</a:t>
+            </a:r>
+            <a:r>
+              <a:rPr lang="en-US" dirty="0"/>
+              <a:t> </a:t>
+            </a:r>
+            <a:r>
+              <a:rPr lang="en-US" dirty="0" err="1"/>
+              <a:t>MyApp</a:t>
+            </a:r>
+            <a:r>
+              <a:rPr lang="en-US" dirty="0"/>
+              <a:t> {</a:t>
+            </a:r>
+            <a:br>
+              <a:rPr lang="en-US" dirty="0"/>
+            </a:br>
+            <a:br>
+              <a:rPr lang="en-US" dirty="0"/>
+            </a:br>
+            <a:r>
+              <a:rPr lang="en-US" dirty="0"/>
+              <a:t>    </a:t>
+            </a:r>
+            <a:r>
+              <a:rPr lang="en-US" sz="1600" b="1" dirty="0">
+                <a:solidFill>
+                  <a:srgbClr val="7F0055"/>
+                </a:solidFill>
+              </a:rPr>
+              <a:t>public</a:t>
+            </a:r>
+            <a:r>
+              <a:rPr lang="en-US" dirty="0"/>
+              <a:t> </a:t>
+            </a:r>
+            <a:r>
+              <a:rPr lang="en-US" sz="1600" b="1" dirty="0">
+                <a:solidFill>
+                  <a:srgbClr val="7F0055"/>
+                </a:solidFill>
+              </a:rPr>
+              <a:t>static</a:t>
+            </a:r>
+            <a:r>
+              <a:rPr lang="en-US" dirty="0"/>
+              <a:t> </a:t>
+            </a:r>
+            <a:r>
+              <a:rPr lang="en-US" sz="1600" b="1" dirty="0">
+                <a:solidFill>
+                  <a:srgbClr val="7F0055"/>
+                </a:solidFill>
+              </a:rPr>
+              <a:t>void</a:t>
+            </a:r>
+            <a:r>
+              <a:rPr lang="en-US" dirty="0"/>
+              <a:t> main(String[] </a:t>
+            </a:r>
+            <a:r>
+              <a:rPr lang="en-US" dirty="0" err="1"/>
+              <a:t>args</a:t>
+            </a:r>
+            <a:r>
+              <a:rPr lang="en-US" dirty="0"/>
+              <a:t>) {</a:t>
+            </a:r>
+            <a:br>
+              <a:rPr lang="en-US" dirty="0"/>
+            </a:br>
+            <a:r>
+              <a:rPr lang="en-US" dirty="0"/>
+              <a:t>        </a:t>
+            </a:r>
+            <a:r>
+              <a:rPr lang="en-US" dirty="0" err="1"/>
+              <a:t>SpringApplication.run</a:t>
+            </a:r>
+            <a:r>
+              <a:rPr lang="en-US" dirty="0"/>
+              <a:t>(</a:t>
+            </a:r>
+            <a:r>
+              <a:rPr lang="en-US" dirty="0" err="1"/>
+              <a:t>MyApp.class</a:t>
+            </a:r>
+            <a:r>
+              <a:rPr lang="en-US" dirty="0"/>
+              <a:t>, </a:t>
+            </a:r>
+            <a:r>
+              <a:rPr lang="en-US" dirty="0" err="1"/>
+              <a:t>args</a:t>
+            </a:r>
+            <a:r>
+              <a:rPr lang="en-US" dirty="0"/>
+              <a:t>);</a:t>
+            </a:r>
+            <a:br>
+              <a:rPr lang="en-US" dirty="0"/>
+            </a:br>
+            <a:r>
+              <a:rPr lang="en-US" dirty="0"/>
+              <a:t>    }</a:t>
+            </a:r>
+            <a:br>
+              <a:rPr lang="en-US" dirty="0"/>
+            </a:br>
+            <a:r>
+              <a:rPr lang="en-US" dirty="0"/>
+              <a:t>}</a:t>
+            </a:r>
+            <a:br>
+              <a:rPr lang="en-US" dirty="0"/>
+            </a:br>
+            <a:endParaRPr lang="en-US" dirty="0"/>
+          </a:p>
+          <a:p>
+            <a:pPr marL="0" indent="0">
+              <a:buFont typeface="Wingdings 3" charset="2"/>
+              <a:buNone/>
+            </a:pPr>
+            <a:endParaRPr lang="en-US" dirty="0"/>
+          </a:p>
+          <a:p>
+            <a:pPr marL="0" indent="0">
+              <a:buFont typeface="Wingdings 3" charset="2"/>
+              <a:buNone/>
+            </a:pPr>
+            <a:endParaRPr lang="en-IL" dirty="0"/>
+          </a:p>
+        </p:txBody>
+      </p:sp>
+    </p:spTree>
+    <p:extLst>
+      <p:ext uri="{BB962C8B-B14F-4D97-AF65-F5344CB8AC3E}">
+        <p14:creationId xmlns:p14="http://schemas.microsoft.com/office/powerpoint/2010/main" val="570293665"/>
+      </p:ext>
+    </p:extLst>
+  </p:cSld>
+  <p:clrMapOvr>
+    <a:masterClrMapping/>
+  </p:clrMapOvr>
+</p:sld>
+</file>
+
+<file path=ppt/slides/slide33.xml><?xml version="1.0" encoding="utf-8"?>
+<p:sld xmlns:a="http://schemas.openxmlformats.org/drawingml/2006/main" xmlns:r="http://schemas.openxmlformats.org/officeDocument/2006/relationships" xmlns:p="http://schemas.openxmlformats.org/presentationml/2006/main">
+  <p:cSld>
+    <p:spTree>
+      <p:nvGrpSpPr>
+        <p:cNvPr id="1" name=""/>
+        <p:cNvGrpSpPr/>
+        <p:nvPr/>
+      </p:nvGrpSpPr>
+      <p:grpSpPr>
+        <a:xfrm>
+          <a:off x="0" y="0"/>
+          <a:ext cx="0" cy="0"/>
+          <a:chOff x="0" y="0"/>
+          <a:chExt cx="0" cy="0"/>
+        </a:xfrm>
+      </p:grpSpPr>
+      <p:sp>
+        <p:nvSpPr>
+          <p:cNvPr id="2" name="Title 1">
+            <a:extLst>
+              <a:ext uri="{FF2B5EF4-FFF2-40B4-BE49-F238E27FC236}">
                 <a16:creationId xmlns:a16="http://schemas.microsoft.com/office/drawing/2014/main" id="{0F7762D5-A1C9-B199-B3EA-00FBD242C80E}"/>
               </a:ext>
             </a:extLst>
@@ -16169,7 +17986,7 @@
 </p:sld>
 </file>
 
-<file path=ppt/slides/slide31.xml><?xml version="1.0" encoding="utf-8"?>
+<file path=ppt/slides/slide34.xml><?xml version="1.0" encoding="utf-8"?>
 <p:sld xmlns:a="http://schemas.openxmlformats.org/drawingml/2006/main" xmlns:r="http://schemas.openxmlformats.org/officeDocument/2006/relationships" xmlns:p="http://schemas.openxmlformats.org/presentationml/2006/main">
   <p:cSld>
     <p:spTree>
@@ -17036,7 +18853,7 @@
 </p:sld>
 </file>
 
-<file path=ppt/slides/slide32.xml><?xml version="1.0" encoding="utf-8"?>
+<file path=ppt/slides/slide35.xml><?xml version="1.0" encoding="utf-8"?>
 <p:sld xmlns:a="http://schemas.openxmlformats.org/drawingml/2006/main" xmlns:r="http://schemas.openxmlformats.org/officeDocument/2006/relationships" xmlns:p="http://schemas.openxmlformats.org/presentationml/2006/main">
   <p:cSld>
     <p:spTree>
@@ -17511,7 +19328,7 @@
 </p:sld>
 </file>
 
-<file path=ppt/slides/slide33.xml><?xml version="1.0" encoding="utf-8"?>
+<file path=ppt/slides/slide36.xml><?xml version="1.0" encoding="utf-8"?>
 <p:sld xmlns:a="http://schemas.openxmlformats.org/drawingml/2006/main" xmlns:r="http://schemas.openxmlformats.org/officeDocument/2006/relationships" xmlns:p="http://schemas.openxmlformats.org/presentationml/2006/main">
   <p:cSld>
     <p:spTree>
@@ -17757,7 +19574,7 @@
 </p:sld>
 </file>
 
-<file path=ppt/slides/slide34.xml><?xml version="1.0" encoding="utf-8"?>
+<file path=ppt/slides/slide37.xml><?xml version="1.0" encoding="utf-8"?>
 <p:sld xmlns:a="http://schemas.openxmlformats.org/drawingml/2006/main" xmlns:r="http://schemas.openxmlformats.org/officeDocument/2006/relationships" xmlns:p="http://schemas.openxmlformats.org/presentationml/2006/main">
   <p:cSld>
     <p:spTree>
@@ -18485,7 +20302,7 @@
 </p:sld>
 </file>
 
-<file path=ppt/slides/slide35.xml><?xml version="1.0" encoding="utf-8"?>
+<file path=ppt/slides/slide38.xml><?xml version="1.0" encoding="utf-8"?>
 <p:sld xmlns:a="http://schemas.openxmlformats.org/drawingml/2006/main" xmlns:r="http://schemas.openxmlformats.org/officeDocument/2006/relationships" xmlns:p="http://schemas.openxmlformats.org/presentationml/2006/main">
   <p:cSld>
     <p:spTree>
@@ -19544,7 +21361,7 @@
 </p:sld>
 </file>
 
-<file path=ppt/slides/slide36.xml><?xml version="1.0" encoding="utf-8"?>
+<file path=ppt/slides/slide39.xml><?xml version="1.0" encoding="utf-8"?>
 <p:sld xmlns:a="http://schemas.openxmlformats.org/drawingml/2006/main" xmlns:r="http://schemas.openxmlformats.org/officeDocument/2006/relationships" xmlns:p="http://schemas.openxmlformats.org/presentationml/2006/main">
   <p:cSld>
     <p:spTree>

--- a/Spring_Beginners_2_SpringBootForMS.pptx
+++ b/Spring_Beginners_2_SpringBootForMS.pptx
@@ -4,6 +4,9 @@
   <p:sldMasterIdLst>
     <p:sldMasterId id="2147483648" r:id="rId1"/>
   </p:sldMasterIdLst>
+  <p:notesMasterIdLst>
+    <p:notesMasterId r:id="rId42"/>
+  </p:notesMasterIdLst>
   <p:sldIdLst>
     <p:sldId id="256" r:id="rId2"/>
     <p:sldId id="263" r:id="rId3"/>
@@ -19,31 +22,32 @@
     <p:sldId id="272" r:id="rId13"/>
     <p:sldId id="275" r:id="rId14"/>
     <p:sldId id="276" r:id="rId15"/>
-    <p:sldId id="279" r:id="rId16"/>
+    <p:sldId id="298" r:id="rId16"/>
     <p:sldId id="295" r:id="rId17"/>
-    <p:sldId id="297" r:id="rId18"/>
+    <p:sldId id="299" r:id="rId18"/>
     <p:sldId id="296" r:id="rId19"/>
-    <p:sldId id="291" r:id="rId20"/>
-    <p:sldId id="273" r:id="rId21"/>
-    <p:sldId id="274" r:id="rId22"/>
-    <p:sldId id="289" r:id="rId23"/>
-    <p:sldId id="294" r:id="rId24"/>
-    <p:sldId id="290" r:id="rId25"/>
-    <p:sldId id="293" r:id="rId26"/>
-    <p:sldId id="262" r:id="rId27"/>
-    <p:sldId id="280" r:id="rId28"/>
-    <p:sldId id="257" r:id="rId29"/>
-    <p:sldId id="259" r:id="rId30"/>
-    <p:sldId id="261" r:id="rId31"/>
-    <p:sldId id="281" r:id="rId32"/>
-    <p:sldId id="282" r:id="rId33"/>
-    <p:sldId id="283" r:id="rId34"/>
-    <p:sldId id="284" r:id="rId35"/>
-    <p:sldId id="285" r:id="rId36"/>
-    <p:sldId id="286" r:id="rId37"/>
-    <p:sldId id="287" r:id="rId38"/>
-    <p:sldId id="288" r:id="rId39"/>
-    <p:sldId id="292" r:id="rId40"/>
+    <p:sldId id="300" r:id="rId20"/>
+    <p:sldId id="291" r:id="rId21"/>
+    <p:sldId id="273" r:id="rId22"/>
+    <p:sldId id="274" r:id="rId23"/>
+    <p:sldId id="289" r:id="rId24"/>
+    <p:sldId id="294" r:id="rId25"/>
+    <p:sldId id="290" r:id="rId26"/>
+    <p:sldId id="293" r:id="rId27"/>
+    <p:sldId id="262" r:id="rId28"/>
+    <p:sldId id="280" r:id="rId29"/>
+    <p:sldId id="257" r:id="rId30"/>
+    <p:sldId id="259" r:id="rId31"/>
+    <p:sldId id="261" r:id="rId32"/>
+    <p:sldId id="281" r:id="rId33"/>
+    <p:sldId id="282" r:id="rId34"/>
+    <p:sldId id="283" r:id="rId35"/>
+    <p:sldId id="284" r:id="rId36"/>
+    <p:sldId id="285" r:id="rId37"/>
+    <p:sldId id="286" r:id="rId38"/>
+    <p:sldId id="287" r:id="rId39"/>
+    <p:sldId id="288" r:id="rId40"/>
+    <p:sldId id="292" r:id="rId41"/>
   </p:sldIdLst>
   <p:sldSz cx="12192000" cy="6858000"/>
   <p:notesSz cx="6858000" cy="9144000"/>
@@ -148,6 +152,859 @@
     </p:ext>
   </p:extLst>
 </p:presentation>
+</file>
+
+<file path=ppt/notesMasters/notesMaster1.xml><?xml version="1.0" encoding="utf-8"?>
+<p:notesMaster xmlns:a="http://schemas.openxmlformats.org/drawingml/2006/main" xmlns:r="http://schemas.openxmlformats.org/officeDocument/2006/relationships" xmlns:p="http://schemas.openxmlformats.org/presentationml/2006/main">
+  <p:cSld>
+    <p:bg>
+      <p:bgRef idx="1001">
+        <a:schemeClr val="bg1"/>
+      </p:bgRef>
+    </p:bg>
+    <p:spTree>
+      <p:nvGrpSpPr>
+        <p:cNvPr id="1" name=""/>
+        <p:cNvGrpSpPr/>
+        <p:nvPr/>
+      </p:nvGrpSpPr>
+      <p:grpSpPr>
+        <a:xfrm>
+          <a:off x="0" y="0"/>
+          <a:ext cx="0" cy="0"/>
+          <a:chOff x="0" y="0"/>
+          <a:chExt cx="0" cy="0"/>
+        </a:xfrm>
+      </p:grpSpPr>
+      <p:sp>
+        <p:nvSpPr>
+          <p:cNvPr id="2" name="Header Placeholder 1"/>
+          <p:cNvSpPr>
+            <a:spLocks noGrp="1"/>
+          </p:cNvSpPr>
+          <p:nvPr>
+            <p:ph type="hdr" sz="quarter"/>
+          </p:nvPr>
+        </p:nvSpPr>
+        <p:spPr>
+          <a:xfrm>
+            <a:off x="0" y="0"/>
+            <a:ext cx="2971800" cy="458788"/>
+          </a:xfrm>
+          <a:prstGeom prst="rect">
+            <a:avLst/>
+          </a:prstGeom>
+        </p:spPr>
+        <p:txBody>
+          <a:bodyPr vert="horz" lIns="91440" tIns="45720" rIns="91440" bIns="45720" rtlCol="0"/>
+          <a:lstStyle>
+            <a:lvl1pPr algn="l">
+              <a:defRPr sz="1200"/>
+            </a:lvl1pPr>
+          </a:lstStyle>
+          <a:p>
+            <a:endParaRPr lang="en-IL"/>
+          </a:p>
+        </p:txBody>
+      </p:sp>
+      <p:sp>
+        <p:nvSpPr>
+          <p:cNvPr id="3" name="Date Placeholder 2"/>
+          <p:cNvSpPr>
+            <a:spLocks noGrp="1"/>
+          </p:cNvSpPr>
+          <p:nvPr>
+            <p:ph type="dt" idx="1"/>
+          </p:nvPr>
+        </p:nvSpPr>
+        <p:spPr>
+          <a:xfrm>
+            <a:off x="3884613" y="0"/>
+            <a:ext cx="2971800" cy="458788"/>
+          </a:xfrm>
+          <a:prstGeom prst="rect">
+            <a:avLst/>
+          </a:prstGeom>
+        </p:spPr>
+        <p:txBody>
+          <a:bodyPr vert="horz" lIns="91440" tIns="45720" rIns="91440" bIns="45720" rtlCol="0"/>
+          <a:lstStyle>
+            <a:lvl1pPr algn="r">
+              <a:defRPr sz="1200"/>
+            </a:lvl1pPr>
+          </a:lstStyle>
+          <a:p>
+            <a:fld id="{D87DD0C7-8A07-F849-88A5-0669AD1415C9}" type="datetimeFigureOut">
+              <a:rPr lang="en-IL" smtClean="0"/>
+              <a:t>27/05/2023</a:t>
+            </a:fld>
+            <a:endParaRPr lang="en-IL"/>
+          </a:p>
+        </p:txBody>
+      </p:sp>
+      <p:sp>
+        <p:nvSpPr>
+          <p:cNvPr id="4" name="Slide Image Placeholder 3"/>
+          <p:cNvSpPr>
+            <a:spLocks noGrp="1" noRot="1" noChangeAspect="1"/>
+          </p:cNvSpPr>
+          <p:nvPr>
+            <p:ph type="sldImg" idx="2"/>
+          </p:nvPr>
+        </p:nvSpPr>
+        <p:spPr>
+          <a:xfrm>
+            <a:off x="685800" y="1143000"/>
+            <a:ext cx="5486400" cy="3086100"/>
+          </a:xfrm>
+          <a:prstGeom prst="rect">
+            <a:avLst/>
+          </a:prstGeom>
+          <a:noFill/>
+          <a:ln w="12700">
+            <a:solidFill>
+              <a:prstClr val="black"/>
+            </a:solidFill>
+          </a:ln>
+        </p:spPr>
+        <p:txBody>
+          <a:bodyPr vert="horz" lIns="91440" tIns="45720" rIns="91440" bIns="45720" rtlCol="0" anchor="ctr"/>
+          <a:lstStyle/>
+          <a:p>
+            <a:endParaRPr lang="en-IL"/>
+          </a:p>
+        </p:txBody>
+      </p:sp>
+      <p:sp>
+        <p:nvSpPr>
+          <p:cNvPr id="5" name="Notes Placeholder 4"/>
+          <p:cNvSpPr>
+            <a:spLocks noGrp="1"/>
+          </p:cNvSpPr>
+          <p:nvPr>
+            <p:ph type="body" sz="quarter" idx="3"/>
+          </p:nvPr>
+        </p:nvSpPr>
+        <p:spPr>
+          <a:xfrm>
+            <a:off x="685800" y="4400550"/>
+            <a:ext cx="5486400" cy="3600450"/>
+          </a:xfrm>
+          <a:prstGeom prst="rect">
+            <a:avLst/>
+          </a:prstGeom>
+        </p:spPr>
+        <p:txBody>
+          <a:bodyPr vert="horz" lIns="91440" tIns="45720" rIns="91440" bIns="45720" rtlCol="0"/>
+          <a:lstStyle/>
+          <a:p>
+            <a:pPr lvl="0"/>
+            <a:r>
+              <a:rPr lang="en-US"/>
+              <a:t>Click to edit Master text styles</a:t>
+            </a:r>
+          </a:p>
+          <a:p>
+            <a:pPr lvl="1"/>
+            <a:r>
+              <a:rPr lang="en-US"/>
+              <a:t>Second level</a:t>
+            </a:r>
+          </a:p>
+          <a:p>
+            <a:pPr lvl="2"/>
+            <a:r>
+              <a:rPr lang="en-US"/>
+              <a:t>Third level</a:t>
+            </a:r>
+          </a:p>
+          <a:p>
+            <a:pPr lvl="3"/>
+            <a:r>
+              <a:rPr lang="en-US"/>
+              <a:t>Fourth level</a:t>
+            </a:r>
+          </a:p>
+          <a:p>
+            <a:pPr lvl="4"/>
+            <a:r>
+              <a:rPr lang="en-US"/>
+              <a:t>Fifth level</a:t>
+            </a:r>
+            <a:endParaRPr lang="en-IL"/>
+          </a:p>
+        </p:txBody>
+      </p:sp>
+      <p:sp>
+        <p:nvSpPr>
+          <p:cNvPr id="6" name="Footer Placeholder 5"/>
+          <p:cNvSpPr>
+            <a:spLocks noGrp="1"/>
+          </p:cNvSpPr>
+          <p:nvPr>
+            <p:ph type="ftr" sz="quarter" idx="4"/>
+          </p:nvPr>
+        </p:nvSpPr>
+        <p:spPr>
+          <a:xfrm>
+            <a:off x="0" y="8685213"/>
+            <a:ext cx="2971800" cy="458787"/>
+          </a:xfrm>
+          <a:prstGeom prst="rect">
+            <a:avLst/>
+          </a:prstGeom>
+        </p:spPr>
+        <p:txBody>
+          <a:bodyPr vert="horz" lIns="91440" tIns="45720" rIns="91440" bIns="45720" rtlCol="0" anchor="b"/>
+          <a:lstStyle>
+            <a:lvl1pPr algn="l">
+              <a:defRPr sz="1200"/>
+            </a:lvl1pPr>
+          </a:lstStyle>
+          <a:p>
+            <a:endParaRPr lang="en-IL"/>
+          </a:p>
+        </p:txBody>
+      </p:sp>
+      <p:sp>
+        <p:nvSpPr>
+          <p:cNvPr id="7" name="Slide Number Placeholder 6"/>
+          <p:cNvSpPr>
+            <a:spLocks noGrp="1"/>
+          </p:cNvSpPr>
+          <p:nvPr>
+            <p:ph type="sldNum" sz="quarter" idx="5"/>
+          </p:nvPr>
+        </p:nvSpPr>
+        <p:spPr>
+          <a:xfrm>
+            <a:off x="3884613" y="8685213"/>
+            <a:ext cx="2971800" cy="458787"/>
+          </a:xfrm>
+          <a:prstGeom prst="rect">
+            <a:avLst/>
+          </a:prstGeom>
+        </p:spPr>
+        <p:txBody>
+          <a:bodyPr vert="horz" lIns="91440" tIns="45720" rIns="91440" bIns="45720" rtlCol="0" anchor="b"/>
+          <a:lstStyle>
+            <a:lvl1pPr algn="r">
+              <a:defRPr sz="1200"/>
+            </a:lvl1pPr>
+          </a:lstStyle>
+          <a:p>
+            <a:fld id="{5A54712D-AA0B-BB4E-9DB3-A62319D253AA}" type="slidenum">
+              <a:rPr lang="en-IL" smtClean="0"/>
+              <a:t>‹#›</a:t>
+            </a:fld>
+            <a:endParaRPr lang="en-IL"/>
+          </a:p>
+        </p:txBody>
+      </p:sp>
+    </p:spTree>
+    <p:extLst>
+      <p:ext uri="{BB962C8B-B14F-4D97-AF65-F5344CB8AC3E}">
+        <p14:creationId xmlns:p14="http://schemas.microsoft.com/office/powerpoint/2010/main" val="1984013738"/>
+      </p:ext>
+    </p:extLst>
+  </p:cSld>
+  <p:clrMap bg1="lt1" tx1="dk1" bg2="lt2" tx2="dk2" accent1="accent1" accent2="accent2" accent3="accent3" accent4="accent4" accent5="accent5" accent6="accent6" hlink="hlink" folHlink="folHlink"/>
+  <p:notesStyle>
+    <a:lvl1pPr marL="0" algn="l" defTabSz="914400" rtl="0" eaLnBrk="1" latinLnBrk="0" hangingPunct="1">
+      <a:defRPr sz="1200" kern="1200">
+        <a:solidFill>
+          <a:schemeClr val="tx1"/>
+        </a:solidFill>
+        <a:latin typeface="+mn-lt"/>
+        <a:ea typeface="+mn-ea"/>
+        <a:cs typeface="+mn-cs"/>
+      </a:defRPr>
+    </a:lvl1pPr>
+    <a:lvl2pPr marL="457200" algn="l" defTabSz="914400" rtl="0" eaLnBrk="1" latinLnBrk="0" hangingPunct="1">
+      <a:defRPr sz="1200" kern="1200">
+        <a:solidFill>
+          <a:schemeClr val="tx1"/>
+        </a:solidFill>
+        <a:latin typeface="+mn-lt"/>
+        <a:ea typeface="+mn-ea"/>
+        <a:cs typeface="+mn-cs"/>
+      </a:defRPr>
+    </a:lvl2pPr>
+    <a:lvl3pPr marL="914400" algn="l" defTabSz="914400" rtl="0" eaLnBrk="1" latinLnBrk="0" hangingPunct="1">
+      <a:defRPr sz="1200" kern="1200">
+        <a:solidFill>
+          <a:schemeClr val="tx1"/>
+        </a:solidFill>
+        <a:latin typeface="+mn-lt"/>
+        <a:ea typeface="+mn-ea"/>
+        <a:cs typeface="+mn-cs"/>
+      </a:defRPr>
+    </a:lvl3pPr>
+    <a:lvl4pPr marL="1371600" algn="l" defTabSz="914400" rtl="0" eaLnBrk="1" latinLnBrk="0" hangingPunct="1">
+      <a:defRPr sz="1200" kern="1200">
+        <a:solidFill>
+          <a:schemeClr val="tx1"/>
+        </a:solidFill>
+        <a:latin typeface="+mn-lt"/>
+        <a:ea typeface="+mn-ea"/>
+        <a:cs typeface="+mn-cs"/>
+      </a:defRPr>
+    </a:lvl4pPr>
+    <a:lvl5pPr marL="1828800" algn="l" defTabSz="914400" rtl="0" eaLnBrk="1" latinLnBrk="0" hangingPunct="1">
+      <a:defRPr sz="1200" kern="1200">
+        <a:solidFill>
+          <a:schemeClr val="tx1"/>
+        </a:solidFill>
+        <a:latin typeface="+mn-lt"/>
+        <a:ea typeface="+mn-ea"/>
+        <a:cs typeface="+mn-cs"/>
+      </a:defRPr>
+    </a:lvl5pPr>
+    <a:lvl6pPr marL="2286000" algn="l" defTabSz="914400" rtl="0" eaLnBrk="1" latinLnBrk="0" hangingPunct="1">
+      <a:defRPr sz="1200" kern="1200">
+        <a:solidFill>
+          <a:schemeClr val="tx1"/>
+        </a:solidFill>
+        <a:latin typeface="+mn-lt"/>
+        <a:ea typeface="+mn-ea"/>
+        <a:cs typeface="+mn-cs"/>
+      </a:defRPr>
+    </a:lvl6pPr>
+    <a:lvl7pPr marL="2743200" algn="l" defTabSz="914400" rtl="0" eaLnBrk="1" latinLnBrk="0" hangingPunct="1">
+      <a:defRPr sz="1200" kern="1200">
+        <a:solidFill>
+          <a:schemeClr val="tx1"/>
+        </a:solidFill>
+        <a:latin typeface="+mn-lt"/>
+        <a:ea typeface="+mn-ea"/>
+        <a:cs typeface="+mn-cs"/>
+      </a:defRPr>
+    </a:lvl7pPr>
+    <a:lvl8pPr marL="3200400" algn="l" defTabSz="914400" rtl="0" eaLnBrk="1" latinLnBrk="0" hangingPunct="1">
+      <a:defRPr sz="1200" kern="1200">
+        <a:solidFill>
+          <a:schemeClr val="tx1"/>
+        </a:solidFill>
+        <a:latin typeface="+mn-lt"/>
+        <a:ea typeface="+mn-ea"/>
+        <a:cs typeface="+mn-cs"/>
+      </a:defRPr>
+    </a:lvl8pPr>
+    <a:lvl9pPr marL="3657600" algn="l" defTabSz="914400" rtl="0" eaLnBrk="1" latinLnBrk="0" hangingPunct="1">
+      <a:defRPr sz="1200" kern="1200">
+        <a:solidFill>
+          <a:schemeClr val="tx1"/>
+        </a:solidFill>
+        <a:latin typeface="+mn-lt"/>
+        <a:ea typeface="+mn-ea"/>
+        <a:cs typeface="+mn-cs"/>
+      </a:defRPr>
+    </a:lvl9pPr>
+  </p:notesStyle>
+</p:notesMaster>
+</file>
+
+<file path=ppt/notesSlides/notesSlide1.xml><?xml version="1.0" encoding="utf-8"?>
+<p:notes xmlns:a="http://schemas.openxmlformats.org/drawingml/2006/main" xmlns:r="http://schemas.openxmlformats.org/officeDocument/2006/relationships" xmlns:p="http://schemas.openxmlformats.org/presentationml/2006/main">
+  <p:cSld>
+    <p:spTree>
+      <p:nvGrpSpPr>
+        <p:cNvPr id="1" name=""/>
+        <p:cNvGrpSpPr/>
+        <p:nvPr/>
+      </p:nvGrpSpPr>
+      <p:grpSpPr>
+        <a:xfrm>
+          <a:off x="0" y="0"/>
+          <a:ext cx="0" cy="0"/>
+          <a:chOff x="0" y="0"/>
+          <a:chExt cx="0" cy="0"/>
+        </a:xfrm>
+      </p:grpSpPr>
+      <p:sp>
+        <p:nvSpPr>
+          <p:cNvPr id="2" name="Slide Image Placeholder 1"/>
+          <p:cNvSpPr>
+            <a:spLocks noGrp="1" noRot="1" noChangeAspect="1"/>
+          </p:cNvSpPr>
+          <p:nvPr>
+            <p:ph type="sldImg"/>
+          </p:nvPr>
+        </p:nvSpPr>
+        <p:spPr/>
+      </p:sp>
+      <p:sp>
+        <p:nvSpPr>
+          <p:cNvPr id="3" name="Notes Placeholder 2"/>
+          <p:cNvSpPr>
+            <a:spLocks noGrp="1"/>
+          </p:cNvSpPr>
+          <p:nvPr>
+            <p:ph type="body" idx="1"/>
+          </p:nvPr>
+        </p:nvSpPr>
+        <p:spPr/>
+        <p:txBody>
+          <a:bodyPr/>
+          <a:lstStyle/>
+          <a:p>
+            <a:endParaRPr lang="en-IL" dirty="0"/>
+          </a:p>
+        </p:txBody>
+      </p:sp>
+      <p:sp>
+        <p:nvSpPr>
+          <p:cNvPr id="4" name="Slide Number Placeholder 3"/>
+          <p:cNvSpPr>
+            <a:spLocks noGrp="1"/>
+          </p:cNvSpPr>
+          <p:nvPr>
+            <p:ph type="sldNum" sz="quarter" idx="5"/>
+          </p:nvPr>
+        </p:nvSpPr>
+        <p:spPr/>
+        <p:txBody>
+          <a:bodyPr/>
+          <a:lstStyle/>
+          <a:p>
+            <a:fld id="{5A54712D-AA0B-BB4E-9DB3-A62319D253AA}" type="slidenum">
+              <a:rPr lang="en-IL" smtClean="0"/>
+              <a:t>16</a:t>
+            </a:fld>
+            <a:endParaRPr lang="en-IL"/>
+          </a:p>
+        </p:txBody>
+      </p:sp>
+    </p:spTree>
+    <p:extLst>
+      <p:ext uri="{BB962C8B-B14F-4D97-AF65-F5344CB8AC3E}">
+        <p14:creationId xmlns:p14="http://schemas.microsoft.com/office/powerpoint/2010/main" val="3039138932"/>
+      </p:ext>
+    </p:extLst>
+  </p:cSld>
+  <p:clrMapOvr>
+    <a:masterClrMapping/>
+  </p:clrMapOvr>
+</p:notes>
+</file>
+
+<file path=ppt/notesSlides/notesSlide2.xml><?xml version="1.0" encoding="utf-8"?>
+<p:notes xmlns:a="http://schemas.openxmlformats.org/drawingml/2006/main" xmlns:r="http://schemas.openxmlformats.org/officeDocument/2006/relationships" xmlns:p="http://schemas.openxmlformats.org/presentationml/2006/main">
+  <p:cSld>
+    <p:spTree>
+      <p:nvGrpSpPr>
+        <p:cNvPr id="1" name=""/>
+        <p:cNvGrpSpPr/>
+        <p:nvPr/>
+      </p:nvGrpSpPr>
+      <p:grpSpPr>
+        <a:xfrm>
+          <a:off x="0" y="0"/>
+          <a:ext cx="0" cy="0"/>
+          <a:chOff x="0" y="0"/>
+          <a:chExt cx="0" cy="0"/>
+        </a:xfrm>
+      </p:grpSpPr>
+      <p:sp>
+        <p:nvSpPr>
+          <p:cNvPr id="2" name="Slide Image Placeholder 1"/>
+          <p:cNvSpPr>
+            <a:spLocks noGrp="1" noRot="1" noChangeAspect="1"/>
+          </p:cNvSpPr>
+          <p:nvPr>
+            <p:ph type="sldImg"/>
+          </p:nvPr>
+        </p:nvSpPr>
+        <p:spPr/>
+      </p:sp>
+      <p:sp>
+        <p:nvSpPr>
+          <p:cNvPr id="3" name="Notes Placeholder 2"/>
+          <p:cNvSpPr>
+            <a:spLocks noGrp="1"/>
+          </p:cNvSpPr>
+          <p:nvPr>
+            <p:ph type="body" idx="1"/>
+          </p:nvPr>
+        </p:nvSpPr>
+        <p:spPr/>
+        <p:txBody>
+          <a:bodyPr/>
+          <a:lstStyle/>
+          <a:p>
+            <a:pPr marL="0" marR="0" lvl="0" indent="0" algn="l" defTabSz="914400" rtl="0" eaLnBrk="1" fontAlgn="auto" latinLnBrk="0" hangingPunct="1">
+              <a:lnSpc>
+                <a:spcPct val="100000"/>
+              </a:lnSpc>
+              <a:spcBef>
+                <a:spcPts val="0"/>
+              </a:spcBef>
+              <a:spcAft>
+                <a:spcPts val="0"/>
+              </a:spcAft>
+              <a:buClrTx/>
+              <a:buSzTx/>
+              <a:buFontTx/>
+              <a:buNone/>
+              <a:tabLst/>
+              <a:defRPr/>
+            </a:pPr>
+            <a:r>
+              <a:rPr lang="en-US" sz="1200" dirty="0"/>
+              <a:t>Note: </a:t>
+            </a:r>
+            <a:r>
+              <a:rPr lang="en-US" sz="1200" dirty="0">
+                <a:solidFill>
+                  <a:schemeClr val="accent1"/>
+                </a:solidFill>
+              </a:rPr>
+              <a:t>@</a:t>
+            </a:r>
+            <a:r>
+              <a:rPr lang="en-US" sz="1200" dirty="0" err="1">
+                <a:solidFill>
+                  <a:schemeClr val="accent1"/>
+                </a:solidFill>
+              </a:rPr>
+              <a:t>WebMvcTest</a:t>
+            </a:r>
+            <a:r>
+              <a:rPr lang="en-US" sz="1200" dirty="0">
+                <a:solidFill>
+                  <a:schemeClr val="accent1"/>
+                </a:solidFill>
+              </a:rPr>
+              <a:t> </a:t>
+            </a:r>
+            <a:r>
+              <a:rPr lang="en-US" sz="1200" dirty="0"/>
+              <a:t>also auto-configures </a:t>
+            </a:r>
+            <a:r>
+              <a:rPr lang="en-US" sz="1200" dirty="0" err="1"/>
+              <a:t>MockMvc</a:t>
+            </a:r>
+            <a:r>
+              <a:rPr lang="en-US" sz="1200" dirty="0"/>
+              <a:t>. </a:t>
+            </a:r>
+          </a:p>
+        </p:txBody>
+      </p:sp>
+      <p:sp>
+        <p:nvSpPr>
+          <p:cNvPr id="4" name="Slide Number Placeholder 3"/>
+          <p:cNvSpPr>
+            <a:spLocks noGrp="1"/>
+          </p:cNvSpPr>
+          <p:nvPr>
+            <p:ph type="sldNum" sz="quarter" idx="5"/>
+          </p:nvPr>
+        </p:nvSpPr>
+        <p:spPr/>
+        <p:txBody>
+          <a:bodyPr/>
+          <a:lstStyle/>
+          <a:p>
+            <a:fld id="{5A54712D-AA0B-BB4E-9DB3-A62319D253AA}" type="slidenum">
+              <a:rPr lang="en-IL" smtClean="0"/>
+              <a:t>18</a:t>
+            </a:fld>
+            <a:endParaRPr lang="en-IL"/>
+          </a:p>
+        </p:txBody>
+      </p:sp>
+    </p:spTree>
+    <p:extLst>
+      <p:ext uri="{BB962C8B-B14F-4D97-AF65-F5344CB8AC3E}">
+        <p14:creationId xmlns:p14="http://schemas.microsoft.com/office/powerpoint/2010/main" val="2743178296"/>
+      </p:ext>
+    </p:extLst>
+  </p:cSld>
+  <p:clrMapOvr>
+    <a:masterClrMapping/>
+  </p:clrMapOvr>
+</p:notes>
+</file>
+
+<file path=ppt/notesSlides/notesSlide3.xml><?xml version="1.0" encoding="utf-8"?>
+<p:notes xmlns:a="http://schemas.openxmlformats.org/drawingml/2006/main" xmlns:r="http://schemas.openxmlformats.org/officeDocument/2006/relationships" xmlns:p="http://schemas.openxmlformats.org/presentationml/2006/main">
+  <p:cSld>
+    <p:spTree>
+      <p:nvGrpSpPr>
+        <p:cNvPr id="1" name=""/>
+        <p:cNvGrpSpPr/>
+        <p:nvPr/>
+      </p:nvGrpSpPr>
+      <p:grpSpPr>
+        <a:xfrm>
+          <a:off x="0" y="0"/>
+          <a:ext cx="0" cy="0"/>
+          <a:chOff x="0" y="0"/>
+          <a:chExt cx="0" cy="0"/>
+        </a:xfrm>
+      </p:grpSpPr>
+      <p:sp>
+        <p:nvSpPr>
+          <p:cNvPr id="2" name="Slide Image Placeholder 1"/>
+          <p:cNvSpPr>
+            <a:spLocks noGrp="1" noRot="1" noChangeAspect="1"/>
+          </p:cNvSpPr>
+          <p:nvPr>
+            <p:ph type="sldImg"/>
+          </p:nvPr>
+        </p:nvSpPr>
+        <p:spPr/>
+      </p:sp>
+      <p:sp>
+        <p:nvSpPr>
+          <p:cNvPr id="3" name="Notes Placeholder 2"/>
+          <p:cNvSpPr>
+            <a:spLocks noGrp="1"/>
+          </p:cNvSpPr>
+          <p:nvPr>
+            <p:ph type="body" idx="1"/>
+          </p:nvPr>
+        </p:nvSpPr>
+        <p:spPr/>
+        <p:txBody>
+          <a:bodyPr/>
+          <a:lstStyle/>
+          <a:p>
+            <a:pPr marL="0" marR="0" lvl="0" indent="0" algn="l" defTabSz="914400" rtl="0" eaLnBrk="1" fontAlgn="auto" latinLnBrk="0" hangingPunct="1">
+              <a:lnSpc>
+                <a:spcPct val="100000"/>
+              </a:lnSpc>
+              <a:spcBef>
+                <a:spcPts val="0"/>
+              </a:spcBef>
+              <a:spcAft>
+                <a:spcPts val="0"/>
+              </a:spcAft>
+              <a:buClrTx/>
+              <a:buSzTx/>
+              <a:buFontTx/>
+              <a:buNone/>
+              <a:tabLst/>
+              <a:defRPr/>
+            </a:pPr>
+            <a:r>
+              <a:rPr lang="en-IL" sz="1200" dirty="0">
+                <a:solidFill>
+                  <a:schemeClr val="accent1"/>
+                </a:solidFill>
+              </a:rPr>
+              <a:t>@ConfigurationPropertiesScan </a:t>
+            </a:r>
+            <a:r>
+              <a:rPr lang="en-US" sz="1200" dirty="0"/>
+              <a:t>c</a:t>
+            </a:r>
+            <a:r>
+              <a:rPr lang="en-IL" sz="1200" dirty="0"/>
+              <a:t>an be used to scan custom locations for configuration properties classes, for example, </a:t>
+            </a:r>
+            <a:r>
+              <a:rPr lang="en-IL" sz="1200" dirty="0">
+                <a:solidFill>
+                  <a:schemeClr val="accent1"/>
+                </a:solidFill>
+              </a:rPr>
+              <a:t>@ConfigurationPropertiesScan(“server.security”)</a:t>
+            </a:r>
+            <a:endParaRPr lang="en-IL" sz="1200" dirty="0"/>
+          </a:p>
+          <a:p>
+            <a:endParaRPr lang="en-IL" dirty="0"/>
+          </a:p>
+        </p:txBody>
+      </p:sp>
+      <p:sp>
+        <p:nvSpPr>
+          <p:cNvPr id="4" name="Slide Number Placeholder 3"/>
+          <p:cNvSpPr>
+            <a:spLocks noGrp="1"/>
+          </p:cNvSpPr>
+          <p:nvPr>
+            <p:ph type="sldNum" sz="quarter" idx="5"/>
+          </p:nvPr>
+        </p:nvSpPr>
+        <p:spPr/>
+        <p:txBody>
+          <a:bodyPr/>
+          <a:lstStyle/>
+          <a:p>
+            <a:fld id="{5A54712D-AA0B-BB4E-9DB3-A62319D253AA}" type="slidenum">
+              <a:rPr lang="en-IL" smtClean="0"/>
+              <a:t>32</a:t>
+            </a:fld>
+            <a:endParaRPr lang="en-IL"/>
+          </a:p>
+        </p:txBody>
+      </p:sp>
+    </p:spTree>
+    <p:extLst>
+      <p:ext uri="{BB962C8B-B14F-4D97-AF65-F5344CB8AC3E}">
+        <p14:creationId xmlns:p14="http://schemas.microsoft.com/office/powerpoint/2010/main" val="2713929153"/>
+      </p:ext>
+    </p:extLst>
+  </p:cSld>
+  <p:clrMapOvr>
+    <a:masterClrMapping/>
+  </p:clrMapOvr>
+</p:notes>
+</file>
+
+<file path=ppt/notesSlides/notesSlide4.xml><?xml version="1.0" encoding="utf-8"?>
+<p:notes xmlns:a="http://schemas.openxmlformats.org/drawingml/2006/main" xmlns:r="http://schemas.openxmlformats.org/officeDocument/2006/relationships" xmlns:p="http://schemas.openxmlformats.org/presentationml/2006/main">
+  <p:cSld>
+    <p:spTree>
+      <p:nvGrpSpPr>
+        <p:cNvPr id="1" name=""/>
+        <p:cNvGrpSpPr/>
+        <p:nvPr/>
+      </p:nvGrpSpPr>
+      <p:grpSpPr>
+        <a:xfrm>
+          <a:off x="0" y="0"/>
+          <a:ext cx="0" cy="0"/>
+          <a:chOff x="0" y="0"/>
+          <a:chExt cx="0" cy="0"/>
+        </a:xfrm>
+      </p:grpSpPr>
+      <p:sp>
+        <p:nvSpPr>
+          <p:cNvPr id="2" name="Slide Image Placeholder 1"/>
+          <p:cNvSpPr>
+            <a:spLocks noGrp="1" noRot="1" noChangeAspect="1"/>
+          </p:cNvSpPr>
+          <p:nvPr>
+            <p:ph type="sldImg"/>
+          </p:nvPr>
+        </p:nvSpPr>
+        <p:spPr/>
+      </p:sp>
+      <p:sp>
+        <p:nvSpPr>
+          <p:cNvPr id="3" name="Notes Placeholder 2"/>
+          <p:cNvSpPr>
+            <a:spLocks noGrp="1"/>
+          </p:cNvSpPr>
+          <p:nvPr>
+            <p:ph type="body" idx="1"/>
+          </p:nvPr>
+        </p:nvSpPr>
+        <p:spPr/>
+        <p:txBody>
+          <a:bodyPr/>
+          <a:lstStyle/>
+          <a:p>
+            <a:r>
+              <a:rPr lang="en-US" dirty="0"/>
+              <a:t>The complete list of annotations: https://</a:t>
+            </a:r>
+            <a:r>
+              <a:rPr lang="en-US" dirty="0" err="1"/>
+              <a:t>javaee.github.io</a:t>
+            </a:r>
+            <a:r>
+              <a:rPr lang="en-US" dirty="0"/>
+              <a:t>/</a:t>
+            </a:r>
+            <a:r>
+              <a:rPr lang="en-US" dirty="0" err="1"/>
+              <a:t>javaee</a:t>
+            </a:r>
+            <a:r>
+              <a:rPr lang="en-US" dirty="0"/>
+              <a:t>-spec/</a:t>
+            </a:r>
+            <a:r>
+              <a:rPr lang="en-US" dirty="0" err="1"/>
+              <a:t>javadocs</a:t>
+            </a:r>
+            <a:r>
+              <a:rPr lang="en-US" dirty="0"/>
+              <a:t>/</a:t>
+            </a:r>
+            <a:r>
+              <a:rPr lang="en-US" dirty="0" err="1"/>
+              <a:t>javax</a:t>
+            </a:r>
+            <a:r>
+              <a:rPr lang="en-US" dirty="0"/>
+              <a:t>/validation/constraints/package-</a:t>
+            </a:r>
+            <a:r>
+              <a:rPr lang="en-US" dirty="0" err="1"/>
+              <a:t>summary.html</a:t>
+            </a:r>
+            <a:endParaRPr lang="en-US" dirty="0"/>
+          </a:p>
+          <a:p>
+            <a:r>
+              <a:rPr lang="en-IL" dirty="0"/>
+              <a:t>More details about the bean validation: </a:t>
+            </a:r>
+            <a:r>
+              <a:rPr lang="en-US" dirty="0"/>
+              <a:t>https://</a:t>
+            </a:r>
+            <a:r>
+              <a:rPr lang="en-US" dirty="0" err="1"/>
+              <a:t>www.baeldung.com</a:t>
+            </a:r>
+            <a:r>
+              <a:rPr lang="en-US" dirty="0"/>
+              <a:t>/</a:t>
+            </a:r>
+            <a:r>
+              <a:rPr lang="en-US" dirty="0" err="1"/>
+              <a:t>javax</a:t>
+            </a:r>
+            <a:r>
+              <a:rPr lang="en-US" dirty="0"/>
+              <a:t>-validation</a:t>
+            </a:r>
+            <a:endParaRPr lang="en-IL" dirty="0"/>
+          </a:p>
+        </p:txBody>
+      </p:sp>
+      <p:sp>
+        <p:nvSpPr>
+          <p:cNvPr id="4" name="Slide Number Placeholder 3"/>
+          <p:cNvSpPr>
+            <a:spLocks noGrp="1"/>
+          </p:cNvSpPr>
+          <p:nvPr>
+            <p:ph type="sldNum" sz="quarter" idx="5"/>
+          </p:nvPr>
+        </p:nvSpPr>
+        <p:spPr/>
+        <p:txBody>
+          <a:bodyPr/>
+          <a:lstStyle/>
+          <a:p>
+            <a:fld id="{5A54712D-AA0B-BB4E-9DB3-A62319D253AA}" type="slidenum">
+              <a:rPr lang="en-IL" smtClean="0"/>
+              <a:t>35</a:t>
+            </a:fld>
+            <a:endParaRPr lang="en-IL"/>
+          </a:p>
+        </p:txBody>
+      </p:sp>
+    </p:spTree>
+    <p:extLst>
+      <p:ext uri="{BB962C8B-B14F-4D97-AF65-F5344CB8AC3E}">
+        <p14:creationId xmlns:p14="http://schemas.microsoft.com/office/powerpoint/2010/main" val="2501730751"/>
+      </p:ext>
+    </p:extLst>
+  </p:cSld>
+  <p:clrMapOvr>
+    <a:masterClrMapping/>
+  </p:clrMapOvr>
+</p:notes>
 </file>
 
 <file path=ppt/slideLayouts/slideLayout1.xml><?xml version="1.0" encoding="utf-8"?>
@@ -873,7 +1730,7 @@
             <a:fld id="{B61BEF0D-F0BB-DE4B-95CE-6DB70DBA9567}" type="datetimeFigureOut">
               <a:rPr lang="en-US" dirty="0"/>
               <a:pPr/>
-              <a:t>5/16/23</a:t>
+              <a:t>5/24/23</a:t>
             </a:fld>
             <a:endParaRPr lang="en-US" dirty="0"/>
           </a:p>
@@ -1121,7 +1978,7 @@
             <a:fld id="{B61BEF0D-F0BB-DE4B-95CE-6DB70DBA9567}" type="datetimeFigureOut">
               <a:rPr lang="en-US" dirty="0"/>
               <a:pPr/>
-              <a:t>5/16/23</a:t>
+              <a:t>5/24/23</a:t>
             </a:fld>
             <a:endParaRPr lang="en-US" dirty="0"/>
           </a:p>
@@ -1432,7 +2289,7 @@
             <a:fld id="{B61BEF0D-F0BB-DE4B-95CE-6DB70DBA9567}" type="datetimeFigureOut">
               <a:rPr lang="en-US" dirty="0"/>
               <a:pPr/>
-              <a:t>5/16/23</a:t>
+              <a:t>5/24/23</a:t>
             </a:fld>
             <a:endParaRPr lang="en-US" dirty="0"/>
           </a:p>
@@ -1770,7 +2627,7 @@
             <a:fld id="{B61BEF0D-F0BB-DE4B-95CE-6DB70DBA9567}" type="datetimeFigureOut">
               <a:rPr lang="en-US" dirty="0"/>
               <a:pPr/>
-              <a:t>5/16/23</a:t>
+              <a:t>5/24/23</a:t>
             </a:fld>
             <a:endParaRPr lang="en-US" dirty="0"/>
           </a:p>
@@ -2081,7 +2938,7 @@
             <a:fld id="{B61BEF0D-F0BB-DE4B-95CE-6DB70DBA9567}" type="datetimeFigureOut">
               <a:rPr lang="en-US" dirty="0"/>
               <a:pPr/>
-              <a:t>5/16/23</a:t>
+              <a:t>5/24/23</a:t>
             </a:fld>
             <a:endParaRPr lang="en-US" dirty="0"/>
           </a:p>
@@ -2471,7 +3328,7 @@
             <a:fld id="{B61BEF0D-F0BB-DE4B-95CE-6DB70DBA9567}" type="datetimeFigureOut">
               <a:rPr lang="en-US" dirty="0"/>
               <a:pPr/>
-              <a:t>5/16/23</a:t>
+              <a:t>5/24/23</a:t>
             </a:fld>
             <a:endParaRPr lang="en-US" dirty="0"/>
           </a:p>
@@ -2637,7 +3494,7 @@
           <a:p>
             <a:fld id="{55C6B4A9-1611-4792-9094-5F34BCA07E0B}" type="datetimeFigureOut">
               <a:rPr lang="en-US" dirty="0"/>
-              <a:t>5/16/23</a:t>
+              <a:t>5/24/23</a:t>
             </a:fld>
             <a:endParaRPr lang="en-US" dirty="0"/>
           </a:p>
@@ -2813,7 +3670,7 @@
             <a:fld id="{B61BEF0D-F0BB-DE4B-95CE-6DB70DBA9567}" type="datetimeFigureOut">
               <a:rPr lang="en-US" dirty="0"/>
               <a:pPr/>
-              <a:t>5/16/23</a:t>
+              <a:t>5/24/23</a:t>
             </a:fld>
             <a:endParaRPr lang="en-US" dirty="0"/>
           </a:p>
@@ -2986,7 +3843,7 @@
             <a:fld id="{B61BEF0D-F0BB-DE4B-95CE-6DB70DBA9567}" type="datetimeFigureOut">
               <a:rPr lang="en-US" dirty="0"/>
               <a:pPr/>
-              <a:t>5/16/23</a:t>
+              <a:t>5/24/23</a:t>
             </a:fld>
             <a:endParaRPr lang="en-US" dirty="0"/>
           </a:p>
@@ -3230,7 +4087,7 @@
             <a:fld id="{B61BEF0D-F0BB-DE4B-95CE-6DB70DBA9567}" type="datetimeFigureOut">
               <a:rPr lang="en-US" dirty="0"/>
               <a:pPr/>
-              <a:t>5/16/23</a:t>
+              <a:t>5/24/23</a:t>
             </a:fld>
             <a:endParaRPr lang="en-US" dirty="0"/>
           </a:p>
@@ -3458,7 +4315,7 @@
           <a:p>
             <a:fld id="{EB712588-04B1-427B-82EE-E8DB90309F08}" type="datetimeFigureOut">
               <a:rPr lang="en-US" dirty="0"/>
-              <a:t>5/16/23</a:t>
+              <a:t>5/24/23</a:t>
             </a:fld>
             <a:endParaRPr lang="en-US" dirty="0"/>
           </a:p>
@@ -3828,7 +4685,7 @@
             <a:fld id="{B61BEF0D-F0BB-DE4B-95CE-6DB70DBA9567}" type="datetimeFigureOut">
               <a:rPr lang="en-US" dirty="0"/>
               <a:pPr/>
-              <a:t>5/16/23</a:t>
+              <a:t>5/24/23</a:t>
             </a:fld>
             <a:endParaRPr lang="en-US" dirty="0"/>
           </a:p>
@@ -3948,7 +4805,7 @@
             <a:fld id="{B61BEF0D-F0BB-DE4B-95CE-6DB70DBA9567}" type="datetimeFigureOut">
               <a:rPr lang="en-US" dirty="0"/>
               <a:pPr/>
-              <a:t>5/16/23</a:t>
+              <a:t>5/24/23</a:t>
             </a:fld>
             <a:endParaRPr lang="en-US" dirty="0"/>
           </a:p>
@@ -4040,7 +4897,7 @@
             <a:fld id="{B61BEF0D-F0BB-DE4B-95CE-6DB70DBA9567}" type="datetimeFigureOut">
               <a:rPr lang="en-US" dirty="0"/>
               <a:pPr/>
-              <a:t>5/16/23</a:t>
+              <a:t>5/24/23</a:t>
             </a:fld>
             <a:endParaRPr lang="en-US" dirty="0"/>
           </a:p>
@@ -4291,7 +5148,7 @@
           <a:p>
             <a:fld id="{42A54C80-263E-416B-A8E0-580EDEADCBDC}" type="datetimeFigureOut">
               <a:rPr lang="en-US" dirty="0"/>
-              <a:t>5/16/23</a:t>
+              <a:t>5/24/23</a:t>
             </a:fld>
             <a:endParaRPr lang="en-US" dirty="0"/>
           </a:p>
@@ -4550,7 +5407,7 @@
             <a:fld id="{B61BEF0D-F0BB-DE4B-95CE-6DB70DBA9567}" type="datetimeFigureOut">
               <a:rPr lang="en-US" dirty="0"/>
               <a:pPr/>
-              <a:t>5/16/23</a:t>
+              <a:t>5/24/23</a:t>
             </a:fld>
             <a:endParaRPr lang="en-US" dirty="0"/>
           </a:p>
@@ -5290,7 +6147,7 @@
             <a:fld id="{B61BEF0D-F0BB-DE4B-95CE-6DB70DBA9567}" type="datetimeFigureOut">
               <a:rPr lang="en-US" dirty="0"/>
               <a:pPr/>
-              <a:t>5/16/23</a:t>
+              <a:t>5/24/23</a:t>
             </a:fld>
             <a:endParaRPr lang="en-US" dirty="0"/>
           </a:p>
@@ -7448,6 +8305,276 @@
   <p:clrMapOvr>
     <a:masterClrMapping/>
   </p:clrMapOvr>
+  <p:timing>
+    <p:tnLst>
+      <p:par>
+        <p:cTn id="1" dur="indefinite" restart="never" nodeType="tmRoot">
+          <p:childTnLst>
+            <p:seq concurrent="1" nextAc="seek">
+              <p:cTn id="2" dur="indefinite" nodeType="mainSeq">
+                <p:childTnLst>
+                  <p:par>
+                    <p:cTn id="3" fill="hold">
+                      <p:stCondLst>
+                        <p:cond delay="indefinite"/>
+                      </p:stCondLst>
+                      <p:childTnLst>
+                        <p:par>
+                          <p:cTn id="4" fill="hold">
+                            <p:stCondLst>
+                              <p:cond delay="0"/>
+                            </p:stCondLst>
+                            <p:childTnLst>
+                              <p:par>
+                                <p:cTn id="5" presetID="1" presetClass="entr" presetSubtype="0" fill="hold" nodeType="clickEffect">
+                                  <p:stCondLst>
+                                    <p:cond delay="0"/>
+                                  </p:stCondLst>
+                                  <p:childTnLst>
+                                    <p:set>
+                                      <p:cBhvr>
+                                        <p:cTn id="6" dur="1" fill="hold">
+                                          <p:stCondLst>
+                                            <p:cond delay="0"/>
+                                          </p:stCondLst>
+                                        </p:cTn>
+                                        <p:tgtEl>
+                                          <p:spTgt spid="3">
+                                            <p:txEl>
+                                              <p:pRg st="0" end="0"/>
+                                            </p:txEl>
+                                          </p:spTgt>
+                                        </p:tgtEl>
+                                        <p:attrNameLst>
+                                          <p:attrName>style.visibility</p:attrName>
+                                        </p:attrNameLst>
+                                      </p:cBhvr>
+                                      <p:to>
+                                        <p:strVal val="visible"/>
+                                      </p:to>
+                                    </p:set>
+                                  </p:childTnLst>
+                                </p:cTn>
+                              </p:par>
+                              <p:par>
+                                <p:cTn id="7" presetID="1" presetClass="entr" presetSubtype="0" fill="hold" nodeType="withEffect">
+                                  <p:stCondLst>
+                                    <p:cond delay="0"/>
+                                  </p:stCondLst>
+                                  <p:childTnLst>
+                                    <p:set>
+                                      <p:cBhvr>
+                                        <p:cTn id="8" dur="1" fill="hold">
+                                          <p:stCondLst>
+                                            <p:cond delay="0"/>
+                                          </p:stCondLst>
+                                        </p:cTn>
+                                        <p:tgtEl>
+                                          <p:spTgt spid="3">
+                                            <p:txEl>
+                                              <p:pRg st="2" end="2"/>
+                                            </p:txEl>
+                                          </p:spTgt>
+                                        </p:tgtEl>
+                                        <p:attrNameLst>
+                                          <p:attrName>style.visibility</p:attrName>
+                                        </p:attrNameLst>
+                                      </p:cBhvr>
+                                      <p:to>
+                                        <p:strVal val="visible"/>
+                                      </p:to>
+                                    </p:set>
+                                  </p:childTnLst>
+                                </p:cTn>
+                              </p:par>
+                            </p:childTnLst>
+                          </p:cTn>
+                        </p:par>
+                      </p:childTnLst>
+                    </p:cTn>
+                  </p:par>
+                  <p:par>
+                    <p:cTn id="9" fill="hold">
+                      <p:stCondLst>
+                        <p:cond delay="indefinite"/>
+                      </p:stCondLst>
+                      <p:childTnLst>
+                        <p:par>
+                          <p:cTn id="10" fill="hold">
+                            <p:stCondLst>
+                              <p:cond delay="0"/>
+                            </p:stCondLst>
+                            <p:childTnLst>
+                              <p:par>
+                                <p:cTn id="11" presetID="1" presetClass="entr" presetSubtype="0" fill="hold" nodeType="clickEffect">
+                                  <p:stCondLst>
+                                    <p:cond delay="0"/>
+                                  </p:stCondLst>
+                                  <p:childTnLst>
+                                    <p:set>
+                                      <p:cBhvr>
+                                        <p:cTn id="12" dur="1" fill="hold">
+                                          <p:stCondLst>
+                                            <p:cond delay="0"/>
+                                          </p:stCondLst>
+                                        </p:cTn>
+                                        <p:tgtEl>
+                                          <p:spTgt spid="3">
+                                            <p:txEl>
+                                              <p:pRg st="4" end="4"/>
+                                            </p:txEl>
+                                          </p:spTgt>
+                                        </p:tgtEl>
+                                        <p:attrNameLst>
+                                          <p:attrName>style.visibility</p:attrName>
+                                        </p:attrNameLst>
+                                      </p:cBhvr>
+                                      <p:to>
+                                        <p:strVal val="visible"/>
+                                      </p:to>
+                                    </p:set>
+                                  </p:childTnLst>
+                                </p:cTn>
+                              </p:par>
+                              <p:par>
+                                <p:cTn id="13" presetID="1" presetClass="entr" presetSubtype="0" fill="hold" nodeType="withEffect">
+                                  <p:stCondLst>
+                                    <p:cond delay="0"/>
+                                  </p:stCondLst>
+                                  <p:childTnLst>
+                                    <p:set>
+                                      <p:cBhvr>
+                                        <p:cTn id="14" dur="1" fill="hold">
+                                          <p:stCondLst>
+                                            <p:cond delay="0"/>
+                                          </p:stCondLst>
+                                        </p:cTn>
+                                        <p:tgtEl>
+                                          <p:spTgt spid="3">
+                                            <p:txEl>
+                                              <p:pRg st="5" end="5"/>
+                                            </p:txEl>
+                                          </p:spTgt>
+                                        </p:tgtEl>
+                                        <p:attrNameLst>
+                                          <p:attrName>style.visibility</p:attrName>
+                                        </p:attrNameLst>
+                                      </p:cBhvr>
+                                      <p:to>
+                                        <p:strVal val="visible"/>
+                                      </p:to>
+                                    </p:set>
+                                  </p:childTnLst>
+                                </p:cTn>
+                              </p:par>
+                            </p:childTnLst>
+                          </p:cTn>
+                        </p:par>
+                      </p:childTnLst>
+                    </p:cTn>
+                  </p:par>
+                  <p:par>
+                    <p:cTn id="15" fill="hold">
+                      <p:stCondLst>
+                        <p:cond delay="indefinite"/>
+                      </p:stCondLst>
+                      <p:childTnLst>
+                        <p:par>
+                          <p:cTn id="16" fill="hold">
+                            <p:stCondLst>
+                              <p:cond delay="0"/>
+                            </p:stCondLst>
+                            <p:childTnLst>
+                              <p:par>
+                                <p:cTn id="17" presetID="1" presetClass="entr" presetSubtype="0" fill="hold" nodeType="clickEffect">
+                                  <p:stCondLst>
+                                    <p:cond delay="0"/>
+                                  </p:stCondLst>
+                                  <p:childTnLst>
+                                    <p:set>
+                                      <p:cBhvr>
+                                        <p:cTn id="18" dur="1" fill="hold">
+                                          <p:stCondLst>
+                                            <p:cond delay="0"/>
+                                          </p:stCondLst>
+                                        </p:cTn>
+                                        <p:tgtEl>
+                                          <p:spTgt spid="3">
+                                            <p:txEl>
+                                              <p:pRg st="6" end="6"/>
+                                            </p:txEl>
+                                          </p:spTgt>
+                                        </p:tgtEl>
+                                        <p:attrNameLst>
+                                          <p:attrName>style.visibility</p:attrName>
+                                        </p:attrNameLst>
+                                      </p:cBhvr>
+                                      <p:to>
+                                        <p:strVal val="visible"/>
+                                      </p:to>
+                                    </p:set>
+                                  </p:childTnLst>
+                                </p:cTn>
+                              </p:par>
+                              <p:par>
+                                <p:cTn id="19" presetID="1" presetClass="entr" presetSubtype="0" fill="hold" nodeType="withEffect">
+                                  <p:stCondLst>
+                                    <p:cond delay="0"/>
+                                  </p:stCondLst>
+                                  <p:childTnLst>
+                                    <p:set>
+                                      <p:cBhvr>
+                                        <p:cTn id="20" dur="1" fill="hold">
+                                          <p:stCondLst>
+                                            <p:cond delay="0"/>
+                                          </p:stCondLst>
+                                        </p:cTn>
+                                        <p:tgtEl>
+                                          <p:spTgt spid="3">
+                                            <p:txEl>
+                                              <p:pRg st="7" end="7"/>
+                                            </p:txEl>
+                                          </p:spTgt>
+                                        </p:tgtEl>
+                                        <p:attrNameLst>
+                                          <p:attrName>style.visibility</p:attrName>
+                                        </p:attrNameLst>
+                                      </p:cBhvr>
+                                      <p:to>
+                                        <p:strVal val="visible"/>
+                                      </p:to>
+                                    </p:set>
+                                  </p:childTnLst>
+                                </p:cTn>
+                              </p:par>
+                            </p:childTnLst>
+                          </p:cTn>
+                        </p:par>
+                      </p:childTnLst>
+                    </p:cTn>
+                  </p:par>
+                </p:childTnLst>
+              </p:cTn>
+              <p:prevCondLst>
+                <p:cond evt="onPrev" delay="0">
+                  <p:tgtEl>
+                    <p:sldTgt/>
+                  </p:tgtEl>
+                </p:cond>
+              </p:prevCondLst>
+              <p:nextCondLst>
+                <p:cond evt="onNext" delay="0">
+                  <p:tgtEl>
+                    <p:sldTgt/>
+                  </p:tgtEl>
+                </p:cond>
+              </p:nextCondLst>
+            </p:seq>
+          </p:childTnLst>
+        </p:cTn>
+      </p:par>
+    </p:tnLst>
+  </p:timing>
 </p:sld>
 </file>
 
@@ -9490,7 +10617,7 @@
           <p:cNvPr id="2" name="Title 1">
             <a:extLst>
               <a:ext uri="{FF2B5EF4-FFF2-40B4-BE49-F238E27FC236}">
-                <a16:creationId xmlns:a16="http://schemas.microsoft.com/office/drawing/2014/main" id="{C2D46BB0-53EA-42DE-8386-863D996202B4}"/>
+                <a16:creationId xmlns:a16="http://schemas.microsoft.com/office/drawing/2014/main" id="{D54ECC4D-9504-FC2B-8D30-2A617BDB6C03}"/>
               </a:ext>
             </a:extLst>
           </p:cNvPr>
@@ -9501,70 +10628,15 @@
             <p:ph type="title"/>
           </p:nvPr>
         </p:nvSpPr>
-        <p:spPr>
-          <a:xfrm>
-            <a:off x="677334" y="609600"/>
-            <a:ext cx="8596668" cy="940904"/>
-          </a:xfrm>
-        </p:spPr>
+        <p:spPr/>
         <p:txBody>
           <a:bodyPr/>
           <a:lstStyle/>
           <a:p>
             <a:r>
               <a:rPr lang="en-IL" dirty="0"/>
-              <a:t>Testing with Spring Boot</a:t>
-            </a:r>
-          </a:p>
-        </p:txBody>
-      </p:sp>
-      <p:sp>
-        <p:nvSpPr>
-          <p:cNvPr id="4" name="Rectangle 3">
-            <a:extLst>
-              <a:ext uri="{FF2B5EF4-FFF2-40B4-BE49-F238E27FC236}">
-                <a16:creationId xmlns:a16="http://schemas.microsoft.com/office/drawing/2014/main" id="{87B8604E-EB22-4D0F-0DDF-EF212098B4DB}"/>
-              </a:ext>
-            </a:extLst>
-          </p:cNvPr>
-          <p:cNvSpPr/>
-          <p:nvPr/>
-        </p:nvSpPr>
-        <p:spPr>
-          <a:xfrm>
-            <a:off x="677334" y="4727448"/>
-            <a:ext cx="4589610" cy="1408176"/>
-          </a:xfrm>
-          <a:prstGeom prst="rect">
-            <a:avLst/>
-          </a:prstGeom>
-          <a:solidFill>
-            <a:schemeClr val="tx2">
-              <a:lumMod val="20000"/>
-              <a:lumOff val="80000"/>
-            </a:schemeClr>
-          </a:solidFill>
-        </p:spPr>
-        <p:style>
-          <a:lnRef idx="2">
-            <a:schemeClr val="accent6"/>
-          </a:lnRef>
-          <a:fillRef idx="1">
-            <a:schemeClr val="lt1"/>
-          </a:fillRef>
-          <a:effectRef idx="0">
-            <a:schemeClr val="accent6"/>
-          </a:effectRef>
-          <a:fontRef idx="minor">
-            <a:schemeClr val="dk1"/>
-          </a:fontRef>
-        </p:style>
-        <p:txBody>
-          <a:bodyPr rtlCol="0" anchor="ctr"/>
-          <a:lstStyle/>
-          <a:p>
-            <a:pPr algn="ctr"/>
-            <a:endParaRPr lang="en-IL"/>
+              <a:t>Part 2: Testing with Spring Boot</a:t>
+            </a:r>
           </a:p>
         </p:txBody>
       </p:sp>
@@ -9573,7 +10645,7 @@
           <p:cNvPr id="3" name="Content Placeholder 2">
             <a:extLst>
               <a:ext uri="{FF2B5EF4-FFF2-40B4-BE49-F238E27FC236}">
-                <a16:creationId xmlns:a16="http://schemas.microsoft.com/office/drawing/2014/main" id="{1B6ECA8E-100F-6666-2AE9-8FFDA221FC85}"/>
+                <a16:creationId xmlns:a16="http://schemas.microsoft.com/office/drawing/2014/main" id="{76484DD0-4B22-392D-D7AF-ABC8A2954BF5}"/>
               </a:ext>
             </a:extLst>
           </p:cNvPr>
@@ -9581,24 +10653,24 @@
             <a:spLocks noGrp="1"/>
           </p:cNvSpPr>
           <p:nvPr>
-            <p:ph idx="1"/>
+            <p:ph sz="half" idx="1"/>
           </p:nvPr>
         </p:nvSpPr>
         <p:spPr>
           <a:xfrm>
-            <a:off x="677334" y="1765872"/>
-            <a:ext cx="8596668" cy="4482528"/>
+            <a:off x="677334" y="2160588"/>
+            <a:ext cx="9755970" cy="3920171"/>
           </a:xfrm>
         </p:spPr>
         <p:txBody>
           <a:bodyPr>
-            <a:normAutofit fontScale="85000" lnSpcReduction="20000"/>
+            <a:normAutofit/>
           </a:bodyPr>
           <a:lstStyle/>
           <a:p>
             <a:r>
               <a:rPr lang="en-US" sz="2100" dirty="0"/>
-              <a:t>Spring Boot provides a number of utilities and annotations to help when testing your application. Most developers use the </a:t>
+              <a:t>Spring Boot provides several utilities and annotations to help when testing your application. Most developers use the </a:t>
             </a:r>
             <a:r>
               <a:rPr lang="en-US" sz="2100" dirty="0">
@@ -9700,14 +10772,54 @@
             </a:r>
           </a:p>
           <a:p>
-            <a:endParaRPr lang="en-US" sz="2000" dirty="0"/>
-          </a:p>
+            <a:endParaRPr lang="en-IL" dirty="0"/>
+          </a:p>
+        </p:txBody>
+      </p:sp>
+      <p:sp>
+        <p:nvSpPr>
+          <p:cNvPr id="4" name="Content Placeholder 3">
+            <a:extLst>
+              <a:ext uri="{FF2B5EF4-FFF2-40B4-BE49-F238E27FC236}">
+                <a16:creationId xmlns:a16="http://schemas.microsoft.com/office/drawing/2014/main" id="{31B1074B-1BC6-4DAF-95D3-B5A8D03DB52E}"/>
+              </a:ext>
+            </a:extLst>
+          </p:cNvPr>
+          <p:cNvSpPr>
+            <a:spLocks noGrp="1"/>
+          </p:cNvSpPr>
+          <p:nvPr>
+            <p:ph sz="half" idx="2"/>
+          </p:nvPr>
+        </p:nvSpPr>
+        <p:spPr>
+          <a:xfrm>
+            <a:off x="6126480" y="4479099"/>
+            <a:ext cx="4306824" cy="1831848"/>
+          </a:xfrm>
+          <a:solidFill>
+            <a:schemeClr val="tx2">
+              <a:lumMod val="20000"/>
+              <a:lumOff val="80000"/>
+            </a:schemeClr>
+          </a:solidFill>
+          <a:ln>
+            <a:solidFill>
+              <a:schemeClr val="accent1"/>
+            </a:solidFill>
+          </a:ln>
+        </p:spPr>
+        <p:txBody>
+          <a:bodyPr>
+            <a:noAutofit/>
+          </a:bodyPr>
+          <a:lstStyle/>
           <a:p>
             <a:pPr marL="0" indent="0">
               <a:buNone/>
             </a:pPr>
             <a:r>
-              <a:rPr lang="en-US" sz="1800" dirty="0">
+              <a:rPr lang="en-US" sz="1600" dirty="0">
                 <a:solidFill>
                   <a:srgbClr val="080808"/>
                 </a:solidFill>
@@ -9717,7 +10829,7 @@
               <a:t>&lt;</a:t>
             </a:r>
             <a:r>
-              <a:rPr lang="en-US" sz="1800" dirty="0">
+              <a:rPr lang="en-US" sz="1600" dirty="0">
                 <a:solidFill>
                   <a:srgbClr val="0033B3"/>
                 </a:solidFill>
@@ -9727,7 +10839,7 @@
               <a:t>dependency</a:t>
             </a:r>
             <a:r>
-              <a:rPr lang="en-US" sz="1800" dirty="0">
+              <a:rPr lang="en-US" sz="1600" dirty="0">
                 <a:solidFill>
                   <a:srgbClr val="080808"/>
                 </a:solidFill>
@@ -9737,7 +10849,7 @@
               <a:t>&gt;</a:t>
             </a:r>
             <a:br>
-              <a:rPr lang="en-US" sz="1800" dirty="0">
+              <a:rPr lang="en-US" sz="1600" dirty="0">
                 <a:solidFill>
                   <a:srgbClr val="080808"/>
                 </a:solidFill>
@@ -9746,67 +10858,224 @@
               </a:rPr>
             </a:br>
             <a:r>
-              <a:rPr lang="en-US" sz="1800" dirty="0">
+              <a:rPr lang="en-US" sz="1600" dirty="0">
                 <a:solidFill>
                   <a:srgbClr val="080808"/>
                 </a:solidFill>
                 <a:effectLst/>
                 <a:latin typeface="JetBrains Mono"/>
               </a:rPr>
+              <a:t> &lt;</a:t>
+            </a:r>
+            <a:r>
+              <a:rPr lang="en-US" sz="1600" dirty="0" err="1">
+                <a:solidFill>
+                  <a:srgbClr val="0033B3"/>
+                </a:solidFill>
+                <a:effectLst/>
+                <a:latin typeface="JetBrains Mono"/>
+              </a:rPr>
+              <a:t>groupId</a:t>
+            </a:r>
+            <a:r>
+              <a:rPr lang="en-US" sz="1600" dirty="0">
+                <a:solidFill>
+                  <a:srgbClr val="080808"/>
+                </a:solidFill>
+                <a:effectLst/>
+                <a:latin typeface="JetBrains Mono"/>
+              </a:rPr>
+              <a:t>&gt;</a:t>
+            </a:r>
+            <a:r>
+              <a:rPr lang="en-US" sz="1600" dirty="0" err="1">
+                <a:solidFill>
+                  <a:srgbClr val="080808"/>
+                </a:solidFill>
+                <a:effectLst/>
+                <a:latin typeface="JetBrains Mono"/>
+              </a:rPr>
+              <a:t>org.springframework.boot</a:t>
+            </a:r>
+            <a:r>
+              <a:rPr lang="en-US" sz="1600" dirty="0">
+                <a:solidFill>
+                  <a:srgbClr val="080808"/>
+                </a:solidFill>
+                <a:effectLst/>
+                <a:latin typeface="JetBrains Mono"/>
+              </a:rPr>
+              <a:t>&lt;/</a:t>
+            </a:r>
+            <a:r>
+              <a:rPr lang="en-US" sz="1600" dirty="0" err="1">
+                <a:solidFill>
+                  <a:srgbClr val="0033B3"/>
+                </a:solidFill>
+                <a:effectLst/>
+                <a:latin typeface="JetBrains Mono"/>
+              </a:rPr>
+              <a:t>groupId</a:t>
+            </a:r>
+            <a:r>
+              <a:rPr lang="en-US" sz="1600" dirty="0">
+                <a:solidFill>
+                  <a:srgbClr val="080808"/>
+                </a:solidFill>
+                <a:effectLst/>
+                <a:latin typeface="JetBrains Mono"/>
+              </a:rPr>
+              <a:t>&gt;</a:t>
+            </a:r>
+            <a:br>
+              <a:rPr lang="en-US" sz="1600" dirty="0">
+                <a:solidFill>
+                  <a:srgbClr val="080808"/>
+                </a:solidFill>
+                <a:effectLst/>
+                <a:latin typeface="JetBrains Mono"/>
+              </a:rPr>
+            </a:br>
+            <a:r>
+              <a:rPr lang="en-US" sz="1600" dirty="0">
+                <a:solidFill>
+                  <a:srgbClr val="080808"/>
+                </a:solidFill>
+                <a:effectLst/>
+                <a:latin typeface="JetBrains Mono"/>
+              </a:rPr>
               <a:t>    &lt;</a:t>
             </a:r>
             <a:r>
-              <a:rPr lang="en-US" sz="1800" dirty="0" err="1">
+              <a:rPr lang="en-US" sz="1600" dirty="0" err="1">
                 <a:solidFill>
                   <a:srgbClr val="0033B3"/>
                 </a:solidFill>
                 <a:effectLst/>
                 <a:latin typeface="JetBrains Mono"/>
               </a:rPr>
-              <a:t>groupId</a:t>
-            </a:r>
-            <a:r>
-              <a:rPr lang="en-US" sz="1800" dirty="0">
+              <a:t>artifactId</a:t>
+            </a:r>
+            <a:r>
+              <a:rPr lang="en-US" sz="1600" dirty="0">
                 <a:solidFill>
                   <a:srgbClr val="080808"/>
                 </a:solidFill>
                 <a:effectLst/>
                 <a:latin typeface="JetBrains Mono"/>
               </a:rPr>
+              <a:t>&gt;spring-boot-starter-test&lt;/</a:t>
+            </a:r>
+            <a:r>
+              <a:rPr lang="en-US" sz="1600" dirty="0" err="1">
+                <a:solidFill>
+                  <a:srgbClr val="0033B3"/>
+                </a:solidFill>
+                <a:effectLst/>
+                <a:latin typeface="JetBrains Mono"/>
+              </a:rPr>
+              <a:t>artifactId</a:t>
+            </a:r>
+            <a:r>
+              <a:rPr lang="en-US" sz="1600" dirty="0">
+                <a:solidFill>
+                  <a:srgbClr val="080808"/>
+                </a:solidFill>
+                <a:effectLst/>
+                <a:latin typeface="JetBrains Mono"/>
+              </a:rPr>
               <a:t>&gt;</a:t>
             </a:r>
-            <a:r>
-              <a:rPr lang="en-US" sz="1800" dirty="0" err="1">
+            <a:br>
+              <a:rPr lang="en-US" sz="1600" dirty="0">
                 <a:solidFill>
                   <a:srgbClr val="080808"/>
                 </a:solidFill>
                 <a:effectLst/>
                 <a:latin typeface="JetBrains Mono"/>
               </a:rPr>
-              <a:t>org.springframework.boot</a:t>
-            </a:r>
-            <a:r>
-              <a:rPr lang="en-US" sz="1800" dirty="0">
+            </a:br>
+            <a:r>
+              <a:rPr lang="en-US" sz="1600" dirty="0">
                 <a:solidFill>
                   <a:srgbClr val="080808"/>
                 </a:solidFill>
                 <a:effectLst/>
                 <a:latin typeface="JetBrains Mono"/>
               </a:rPr>
+              <a:t>    &lt;</a:t>
+            </a:r>
+            <a:r>
+              <a:rPr lang="en-US" sz="1600" dirty="0">
+                <a:solidFill>
+                  <a:srgbClr val="0033B3"/>
+                </a:solidFill>
+                <a:effectLst/>
+                <a:latin typeface="JetBrains Mono"/>
+              </a:rPr>
+              <a:t>scope</a:t>
+            </a:r>
+            <a:r>
+              <a:rPr lang="en-US" sz="1600" dirty="0">
+                <a:solidFill>
+                  <a:srgbClr val="080808"/>
+                </a:solidFill>
+                <a:effectLst/>
+                <a:latin typeface="JetBrains Mono"/>
+              </a:rPr>
+              <a:t>&gt;test&lt;/</a:t>
+            </a:r>
+            <a:r>
+              <a:rPr lang="en-US" sz="1600" dirty="0">
+                <a:solidFill>
+                  <a:srgbClr val="0033B3"/>
+                </a:solidFill>
+                <a:effectLst/>
+                <a:latin typeface="JetBrains Mono"/>
+              </a:rPr>
+              <a:t>scope</a:t>
+            </a:r>
+            <a:r>
+              <a:rPr lang="en-US" sz="1600" dirty="0">
+                <a:solidFill>
+                  <a:srgbClr val="080808"/>
+                </a:solidFill>
+                <a:effectLst/>
+                <a:latin typeface="JetBrains Mono"/>
+              </a:rPr>
+              <a:t>&gt;</a:t>
+            </a:r>
+            <a:br>
+              <a:rPr lang="en-US" sz="1600" dirty="0">
+                <a:solidFill>
+                  <a:srgbClr val="080808"/>
+                </a:solidFill>
+                <a:effectLst/>
+                <a:latin typeface="JetBrains Mono"/>
+              </a:rPr>
+            </a:br>
+            <a:r>
+              <a:rPr lang="en-US" sz="1600" dirty="0">
+                <a:solidFill>
+                  <a:srgbClr val="080808"/>
+                </a:solidFill>
+                <a:effectLst/>
+                <a:latin typeface="JetBrains Mono"/>
+              </a:rPr>
               <a:t>&lt;/</a:t>
             </a:r>
             <a:r>
-              <a:rPr lang="en-US" sz="1800" dirty="0" err="1">
+              <a:rPr lang="en-US" sz="1600" dirty="0">
                 <a:solidFill>
                   <a:srgbClr val="0033B3"/>
                 </a:solidFill>
                 <a:effectLst/>
                 <a:latin typeface="JetBrains Mono"/>
               </a:rPr>
-              <a:t>groupId</a:t>
-            </a:r>
-            <a:r>
-              <a:rPr lang="en-US" sz="1800" dirty="0">
+              <a:t>dependency</a:t>
+            </a:r>
+            <a:r>
+              <a:rPr lang="en-US" sz="1600" dirty="0">
                 <a:solidFill>
                   <a:srgbClr val="080808"/>
                 </a:solidFill>
@@ -9815,173 +11084,13 @@
               </a:rPr>
               <a:t>&gt;</a:t>
             </a:r>
-            <a:br>
-              <a:rPr lang="en-US" sz="1800" dirty="0">
-                <a:solidFill>
-                  <a:srgbClr val="080808"/>
-                </a:solidFill>
-                <a:effectLst/>
-                <a:latin typeface="JetBrains Mono"/>
-              </a:rPr>
-            </a:br>
-            <a:r>
-              <a:rPr lang="en-US" sz="1800" dirty="0">
-                <a:solidFill>
-                  <a:srgbClr val="080808"/>
-                </a:solidFill>
-                <a:effectLst/>
-                <a:latin typeface="JetBrains Mono"/>
-              </a:rPr>
-              <a:t>    &lt;</a:t>
-            </a:r>
-            <a:r>
-              <a:rPr lang="en-US" sz="1800" dirty="0" err="1">
-                <a:solidFill>
-                  <a:srgbClr val="0033B3"/>
-                </a:solidFill>
-                <a:effectLst/>
-                <a:latin typeface="JetBrains Mono"/>
-              </a:rPr>
-              <a:t>artifactId</a:t>
-            </a:r>
-            <a:r>
-              <a:rPr lang="en-US" sz="1800" dirty="0">
-                <a:solidFill>
-                  <a:srgbClr val="080808"/>
-                </a:solidFill>
-                <a:effectLst/>
-                <a:latin typeface="JetBrains Mono"/>
-              </a:rPr>
-              <a:t>&gt;spring-boot-starter-test&lt;/</a:t>
-            </a:r>
-            <a:r>
-              <a:rPr lang="en-US" sz="1800" dirty="0" err="1">
-                <a:solidFill>
-                  <a:srgbClr val="0033B3"/>
-                </a:solidFill>
-                <a:effectLst/>
-                <a:latin typeface="JetBrains Mono"/>
-              </a:rPr>
-              <a:t>artifactId</a:t>
-            </a:r>
-            <a:r>
-              <a:rPr lang="en-US" sz="1800" dirty="0">
-                <a:solidFill>
-                  <a:srgbClr val="080808"/>
-                </a:solidFill>
-                <a:effectLst/>
-                <a:latin typeface="JetBrains Mono"/>
-              </a:rPr>
-              <a:t>&gt;</a:t>
-            </a:r>
-            <a:br>
-              <a:rPr lang="en-US" sz="1800" dirty="0">
-                <a:solidFill>
-                  <a:srgbClr val="080808"/>
-                </a:solidFill>
-                <a:effectLst/>
-                <a:latin typeface="JetBrains Mono"/>
-              </a:rPr>
-            </a:br>
-            <a:r>
-              <a:rPr lang="en-US" sz="1800" dirty="0">
-                <a:solidFill>
-                  <a:srgbClr val="080808"/>
-                </a:solidFill>
-                <a:effectLst/>
-                <a:latin typeface="JetBrains Mono"/>
-              </a:rPr>
-              <a:t>    &lt;</a:t>
-            </a:r>
-            <a:r>
-              <a:rPr lang="en-US" sz="1800" dirty="0">
-                <a:solidFill>
-                  <a:srgbClr val="0033B3"/>
-                </a:solidFill>
-                <a:effectLst/>
-                <a:latin typeface="JetBrains Mono"/>
-              </a:rPr>
-              <a:t>scope</a:t>
-            </a:r>
-            <a:r>
-              <a:rPr lang="en-US" sz="1800" dirty="0">
-                <a:solidFill>
-                  <a:srgbClr val="080808"/>
-                </a:solidFill>
-                <a:effectLst/>
-                <a:latin typeface="JetBrains Mono"/>
-              </a:rPr>
-              <a:t>&gt;test&lt;/</a:t>
-            </a:r>
-            <a:r>
-              <a:rPr lang="en-US" sz="1800" dirty="0">
-                <a:solidFill>
-                  <a:srgbClr val="0033B3"/>
-                </a:solidFill>
-                <a:effectLst/>
-                <a:latin typeface="JetBrains Mono"/>
-              </a:rPr>
-              <a:t>scope</a:t>
-            </a:r>
-            <a:r>
-              <a:rPr lang="en-US" sz="1800" dirty="0">
-                <a:solidFill>
-                  <a:srgbClr val="080808"/>
-                </a:solidFill>
-                <a:effectLst/>
-                <a:latin typeface="JetBrains Mono"/>
-              </a:rPr>
-              <a:t>&gt;</a:t>
-            </a:r>
-            <a:br>
-              <a:rPr lang="en-US" sz="1800" dirty="0">
-                <a:solidFill>
-                  <a:srgbClr val="080808"/>
-                </a:solidFill>
-                <a:effectLst/>
-                <a:latin typeface="JetBrains Mono"/>
-              </a:rPr>
-            </a:br>
-            <a:r>
-              <a:rPr lang="en-US" sz="1800" dirty="0">
-                <a:solidFill>
-                  <a:srgbClr val="080808"/>
-                </a:solidFill>
-                <a:effectLst/>
-                <a:latin typeface="JetBrains Mono"/>
-              </a:rPr>
-              <a:t>&lt;/</a:t>
-            </a:r>
-            <a:r>
-              <a:rPr lang="en-US" sz="1800" dirty="0">
-                <a:solidFill>
-                  <a:srgbClr val="0033B3"/>
-                </a:solidFill>
-                <a:effectLst/>
-                <a:latin typeface="JetBrains Mono"/>
-              </a:rPr>
-              <a:t>dependency</a:t>
-            </a:r>
-            <a:r>
-              <a:rPr lang="en-US" sz="1800" dirty="0">
-                <a:solidFill>
-                  <a:srgbClr val="080808"/>
-                </a:solidFill>
-                <a:effectLst/>
-                <a:latin typeface="JetBrains Mono"/>
-              </a:rPr>
-              <a:t>&gt;</a:t>
-            </a:r>
-          </a:p>
-          <a:p>
-            <a:endParaRPr lang="en-US" sz="2000" dirty="0"/>
           </a:p>
         </p:txBody>
       </p:sp>
     </p:spTree>
     <p:extLst>
       <p:ext uri="{BB962C8B-B14F-4D97-AF65-F5344CB8AC3E}">
-        <p14:creationId xmlns:p14="http://schemas.microsoft.com/office/powerpoint/2010/main" val="3376511705"/>
+        <p14:creationId xmlns:p14="http://schemas.microsoft.com/office/powerpoint/2010/main" val="2143548352"/>
       </p:ext>
     </p:extLst>
   </p:cSld>
@@ -10077,7 +11186,12 @@
             <p:ph idx="1"/>
           </p:nvPr>
         </p:nvSpPr>
-        <p:spPr/>
+        <p:spPr>
+          <a:xfrm>
+            <a:off x="677334" y="1798321"/>
+            <a:ext cx="8596668" cy="4243042"/>
+          </a:xfrm>
+        </p:spPr>
         <p:txBody>
           <a:bodyPr>
             <a:normAutofit/>
@@ -10085,7 +11199,7 @@
           <a:lstStyle/>
           <a:p>
             <a:r>
-              <a:rPr lang="en-US" sz="2400" dirty="0">
+              <a:rPr lang="en-US" sz="2800" dirty="0">
                 <a:solidFill>
                   <a:schemeClr val="tx1"/>
                 </a:solidFill>
@@ -10093,7 +11207,7 @@
               <a:t>The </a:t>
             </a:r>
             <a:r>
-              <a:rPr lang="en-US" sz="2400" dirty="0">
+              <a:rPr lang="en-US" sz="2800" dirty="0">
                 <a:solidFill>
                   <a:srgbClr val="92D050"/>
                 </a:solidFill>
@@ -10101,7 +11215,7 @@
               <a:t>@</a:t>
             </a:r>
             <a:r>
-              <a:rPr lang="en-US" sz="2400" dirty="0" err="1">
+              <a:rPr lang="en-US" sz="2800" dirty="0" err="1">
                 <a:solidFill>
                   <a:srgbClr val="92D050"/>
                 </a:solidFill>
@@ -10109,7 +11223,7 @@
               <a:t>SpringBootTest</a:t>
             </a:r>
             <a:r>
-              <a:rPr lang="en-US" sz="2400" dirty="0">
+              <a:rPr lang="en-US" sz="2800" dirty="0">
                 <a:solidFill>
                   <a:srgbClr val="92D050"/>
                 </a:solidFill>
@@ -10117,7 +11231,7 @@
               <a:t> </a:t>
             </a:r>
             <a:r>
-              <a:rPr lang="en-US" sz="2400" dirty="0">
+              <a:rPr lang="en-US" sz="2800" dirty="0">
                 <a:solidFill>
                   <a:schemeClr val="tx1"/>
                 </a:solidFill>
@@ -10127,11 +11241,11 @@
           </a:p>
           <a:p>
             <a:r>
-              <a:rPr lang="en-US" sz="2400" dirty="0"/>
+              <a:rPr lang="en-US" sz="2800" dirty="0"/>
               <a:t>This annotation creates an application context and loads all beans of the application. It means we can </a:t>
             </a:r>
             <a:r>
-              <a:rPr lang="en-US" sz="2400" dirty="0">
+              <a:rPr lang="en-US" sz="2800" dirty="0">
                 <a:solidFill>
                   <a:srgbClr val="92D050"/>
                 </a:solidFill>
@@ -10139,7 +11253,7 @@
               <a:t>@</a:t>
             </a:r>
             <a:r>
-              <a:rPr lang="en-US" sz="2400" dirty="0" err="1">
+              <a:rPr lang="en-US" sz="2800" dirty="0" err="1">
                 <a:solidFill>
                   <a:srgbClr val="92D050"/>
                 </a:solidFill>
@@ -10147,7 +11261,7 @@
               <a:t>Autowire</a:t>
             </a:r>
             <a:r>
-              <a:rPr lang="en-US" sz="2400" dirty="0">
+              <a:rPr lang="en-US" sz="2800" dirty="0">
                 <a:solidFill>
                   <a:srgbClr val="92D050"/>
                 </a:solidFill>
@@ -10155,11 +11269,13 @@
               <a:t> </a:t>
             </a:r>
             <a:r>
-              <a:rPr lang="en-US" sz="2400" dirty="0"/>
-              <a:t>any bean that's picked up by component scanning into our test. </a:t>
-            </a:r>
-            <a:r>
-              <a:rPr lang="en-US" sz="2400" dirty="0">
+              <a:rPr lang="en-US" sz="2800" dirty="0"/>
+              <a:t>any bean that's picked up by component scanning into our test.</a:t>
+            </a:r>
+          </a:p>
+          <a:p>
+            <a:r>
+              <a:rPr lang="en-US" sz="2800" dirty="0">
                 <a:solidFill>
                   <a:srgbClr val="92D050"/>
                 </a:solidFill>
@@ -10167,7 +11283,7 @@
               <a:t>@</a:t>
             </a:r>
             <a:r>
-              <a:rPr lang="en-US" sz="2400" dirty="0" err="1">
+              <a:rPr lang="en-US" sz="2800" dirty="0" err="1">
                 <a:solidFill>
                   <a:srgbClr val="92D050"/>
                 </a:solidFill>
@@ -10175,7 +11291,7 @@
               <a:t>SpringBootTest</a:t>
             </a:r>
             <a:r>
-              <a:rPr lang="en-US" sz="2400" dirty="0">
+              <a:rPr lang="en-US" sz="2800" dirty="0">
                 <a:solidFill>
                   <a:srgbClr val="92D050"/>
                 </a:solidFill>
@@ -10183,42 +11299,8 @@
               <a:t> </a:t>
             </a:r>
             <a:r>
-              <a:rPr lang="en-US" sz="2400" dirty="0"/>
+              <a:rPr lang="en-US" sz="2800" dirty="0"/>
               <a:t>starts the embedded server and creates a web environment. </a:t>
-            </a:r>
-          </a:p>
-          <a:p>
-            <a:r>
-              <a:rPr lang="en-US" sz="2400" dirty="0"/>
-              <a:t>Use </a:t>
-            </a:r>
-            <a:r>
-              <a:rPr lang="en-US" sz="2400" dirty="0">
-                <a:solidFill>
-                  <a:schemeClr val="accent1"/>
-                </a:solidFill>
-              </a:rPr>
-              <a:t>@</a:t>
-            </a:r>
-            <a:r>
-              <a:rPr lang="en-US" sz="2400" dirty="0" err="1">
-                <a:solidFill>
-                  <a:schemeClr val="accent1"/>
-                </a:solidFill>
-              </a:rPr>
-              <a:t>MockBean</a:t>
-            </a:r>
-            <a:r>
-              <a:rPr lang="en-US" sz="2400" dirty="0">
-                <a:solidFill>
-                  <a:schemeClr val="accent1"/>
-                </a:solidFill>
-              </a:rPr>
-              <a:t> </a:t>
-            </a:r>
-            <a:r>
-              <a:rPr lang="en-US" sz="2400" dirty="0"/>
-              <a:t>annotation to mock a bean object.</a:t>
             </a:r>
           </a:p>
           <a:p>
@@ -10236,6 +11318,165 @@
   <p:clrMapOvr>
     <a:masterClrMapping/>
   </p:clrMapOvr>
+  <p:timing>
+    <p:tnLst>
+      <p:par>
+        <p:cTn id="1" dur="indefinite" restart="never" nodeType="tmRoot">
+          <p:childTnLst>
+            <p:seq concurrent="1" nextAc="seek">
+              <p:cTn id="2" dur="indefinite" nodeType="mainSeq">
+                <p:childTnLst>
+                  <p:par>
+                    <p:cTn id="3" fill="hold">
+                      <p:stCondLst>
+                        <p:cond delay="indefinite"/>
+                      </p:stCondLst>
+                      <p:childTnLst>
+                        <p:par>
+                          <p:cTn id="4" fill="hold">
+                            <p:stCondLst>
+                              <p:cond delay="0"/>
+                            </p:stCondLst>
+                            <p:childTnLst>
+                              <p:par>
+                                <p:cTn id="5" presetID="1" presetClass="entr" presetSubtype="0" fill="hold" nodeType="clickEffect">
+                                  <p:stCondLst>
+                                    <p:cond delay="0"/>
+                                  </p:stCondLst>
+                                  <p:childTnLst>
+                                    <p:set>
+                                      <p:cBhvr>
+                                        <p:cTn id="6" dur="1" fill="hold">
+                                          <p:stCondLst>
+                                            <p:cond delay="0"/>
+                                          </p:stCondLst>
+                                        </p:cTn>
+                                        <p:tgtEl>
+                                          <p:spTgt spid="3">
+                                            <p:txEl>
+                                              <p:pRg st="0" end="0"/>
+                                            </p:txEl>
+                                          </p:spTgt>
+                                        </p:tgtEl>
+                                        <p:attrNameLst>
+                                          <p:attrName>style.visibility</p:attrName>
+                                        </p:attrNameLst>
+                                      </p:cBhvr>
+                                      <p:to>
+                                        <p:strVal val="visible"/>
+                                      </p:to>
+                                    </p:set>
+                                  </p:childTnLst>
+                                </p:cTn>
+                              </p:par>
+                              <p:par>
+                                <p:cTn id="7" presetID="1" presetClass="entr" presetSubtype="0" fill="hold" nodeType="withEffect">
+                                  <p:stCondLst>
+                                    <p:cond delay="0"/>
+                                  </p:stCondLst>
+                                  <p:childTnLst>
+                                    <p:set>
+                                      <p:cBhvr>
+                                        <p:cTn id="8" dur="1" fill="hold">
+                                          <p:stCondLst>
+                                            <p:cond delay="0"/>
+                                          </p:stCondLst>
+                                        </p:cTn>
+                                        <p:tgtEl>
+                                          <p:spTgt spid="3">
+                                            <p:txEl>
+                                              <p:pRg st="1" end="1"/>
+                                            </p:txEl>
+                                          </p:spTgt>
+                                        </p:tgtEl>
+                                        <p:attrNameLst>
+                                          <p:attrName>style.visibility</p:attrName>
+                                        </p:attrNameLst>
+                                      </p:cBhvr>
+                                      <p:to>
+                                        <p:strVal val="visible"/>
+                                      </p:to>
+                                    </p:set>
+                                  </p:childTnLst>
+                                </p:cTn>
+                              </p:par>
+                            </p:childTnLst>
+                          </p:cTn>
+                        </p:par>
+                      </p:childTnLst>
+                    </p:cTn>
+                  </p:par>
+                  <p:par>
+                    <p:cTn id="9" fill="hold">
+                      <p:stCondLst>
+                        <p:cond delay="indefinite"/>
+                      </p:stCondLst>
+                      <p:childTnLst>
+                        <p:par>
+                          <p:cTn id="10" fill="hold">
+                            <p:stCondLst>
+                              <p:cond delay="0"/>
+                            </p:stCondLst>
+                            <p:childTnLst>
+                              <p:par>
+                                <p:cTn id="11" presetID="1" presetClass="entr" presetSubtype="0" fill="hold" nodeType="clickEffect">
+                                  <p:stCondLst>
+                                    <p:cond delay="0"/>
+                                  </p:stCondLst>
+                                  <p:childTnLst>
+                                    <p:set>
+                                      <p:cBhvr>
+                                        <p:cTn id="12" dur="1" fill="hold">
+                                          <p:stCondLst>
+                                            <p:cond delay="0"/>
+                                          </p:stCondLst>
+                                        </p:cTn>
+                                        <p:tgtEl>
+                                          <p:spTgt spid="3">
+                                            <p:txEl>
+                                              <p:pRg st="2" end="2"/>
+                                            </p:txEl>
+                                          </p:spTgt>
+                                        </p:tgtEl>
+                                        <p:attrNameLst>
+                                          <p:attrName>style.visibility</p:attrName>
+                                        </p:attrNameLst>
+                                      </p:cBhvr>
+                                      <p:to>
+                                        <p:strVal val="visible"/>
+                                      </p:to>
+                                    </p:set>
+                                  </p:childTnLst>
+                                </p:cTn>
+                              </p:par>
+                            </p:childTnLst>
+                          </p:cTn>
+                        </p:par>
+                      </p:childTnLst>
+                    </p:cTn>
+                  </p:par>
+                </p:childTnLst>
+              </p:cTn>
+              <p:prevCondLst>
+                <p:cond evt="onPrev" delay="0">
+                  <p:tgtEl>
+                    <p:sldTgt/>
+                  </p:tgtEl>
+                </p:cond>
+              </p:prevCondLst>
+              <p:nextCondLst>
+                <p:cond evt="onNext" delay="0">
+                  <p:tgtEl>
+                    <p:sldTgt/>
+                  </p:tgtEl>
+                </p:cond>
+              </p:nextCondLst>
+            </p:seq>
+          </p:childTnLst>
+        </p:cTn>
+      </p:par>
+    </p:tnLst>
+  </p:timing>
 </p:sld>
 </file>
 
@@ -10261,7 +11502,7 @@
           <p:cNvPr id="2" name="Title 1">
             <a:extLst>
               <a:ext uri="{FF2B5EF4-FFF2-40B4-BE49-F238E27FC236}">
-                <a16:creationId xmlns:a16="http://schemas.microsoft.com/office/drawing/2014/main" id="{0675B8A8-BE1D-3ADD-89FA-D4C9D987C9EF}"/>
+                <a16:creationId xmlns:a16="http://schemas.microsoft.com/office/drawing/2014/main" id="{1A56CFF7-4C9B-CC4B-6518-695E5341FC2E}"/>
               </a:ext>
             </a:extLst>
           </p:cNvPr>
@@ -10281,62 +11522,7 @@
               <a:rPr lang="en-US" dirty="0"/>
               <a:t>Testing With a Mock Environment</a:t>
             </a:r>
-            <a:br>
-              <a:rPr lang="en-US" dirty="0"/>
-            </a:br>
             <a:endParaRPr lang="en-IL" dirty="0"/>
-          </a:p>
-        </p:txBody>
-      </p:sp>
-      <p:sp>
-        <p:nvSpPr>
-          <p:cNvPr id="4" name="Rectangle 3">
-            <a:extLst>
-              <a:ext uri="{FF2B5EF4-FFF2-40B4-BE49-F238E27FC236}">
-                <a16:creationId xmlns:a16="http://schemas.microsoft.com/office/drawing/2014/main" id="{35A2A8D7-D009-33AD-1C74-059C94F48226}"/>
-              </a:ext>
-            </a:extLst>
-          </p:cNvPr>
-          <p:cNvSpPr/>
-          <p:nvPr/>
-        </p:nvSpPr>
-        <p:spPr>
-          <a:xfrm>
-            <a:off x="677334" y="2880360"/>
-            <a:ext cx="5659458" cy="3017520"/>
-          </a:xfrm>
-          <a:prstGeom prst="rect">
-            <a:avLst/>
-          </a:prstGeom>
-          <a:solidFill>
-            <a:schemeClr val="tx2">
-              <a:lumMod val="20000"/>
-              <a:lumOff val="80000"/>
-            </a:schemeClr>
-          </a:solidFill>
-        </p:spPr>
-        <p:style>
-          <a:lnRef idx="2">
-            <a:schemeClr val="accent1">
-              <a:shade val="50000"/>
-            </a:schemeClr>
-          </a:lnRef>
-          <a:fillRef idx="1">
-            <a:schemeClr val="accent1"/>
-          </a:fillRef>
-          <a:effectRef idx="0">
-            <a:schemeClr val="accent1"/>
-          </a:effectRef>
-          <a:fontRef idx="minor">
-            <a:schemeClr val="lt1"/>
-          </a:fontRef>
-        </p:style>
-        <p:txBody>
-          <a:bodyPr rtlCol="0" anchor="ctr"/>
-          <a:lstStyle/>
-          <a:p>
-            <a:pPr algn="ctr"/>
-            <a:endParaRPr lang="en-IL"/>
           </a:p>
         </p:txBody>
       </p:sp>
@@ -10345,7 +11531,7 @@
           <p:cNvPr id="3" name="Content Placeholder 2">
             <a:extLst>
               <a:ext uri="{FF2B5EF4-FFF2-40B4-BE49-F238E27FC236}">
-                <a16:creationId xmlns:a16="http://schemas.microsoft.com/office/drawing/2014/main" id="{9974008F-05B7-F79C-FCF0-C4706C8AFD4E}"/>
+                <a16:creationId xmlns:a16="http://schemas.microsoft.com/office/drawing/2014/main" id="{AFA351A3-0C03-3ECE-D689-6C09ACD1C0CA}"/>
               </a:ext>
             </a:extLst>
           </p:cNvPr>
@@ -10353,27 +11539,27 @@
             <a:spLocks noGrp="1"/>
           </p:cNvSpPr>
           <p:nvPr>
-            <p:ph idx="1"/>
+            <p:ph sz="half" idx="1"/>
           </p:nvPr>
         </p:nvSpPr>
         <p:spPr>
           <a:xfrm>
-            <a:off x="677334" y="1627631"/>
-            <a:ext cx="8596668" cy="4413731"/>
+            <a:off x="677334" y="1488614"/>
+            <a:ext cx="8859858" cy="1199722"/>
           </a:xfrm>
         </p:spPr>
         <p:txBody>
           <a:bodyPr>
-            <a:normAutofit fontScale="47500" lnSpcReduction="20000"/>
+            <a:normAutofit fontScale="85000" lnSpcReduction="20000"/>
           </a:bodyPr>
           <a:lstStyle/>
           <a:p>
             <a:r>
-              <a:rPr lang="en-US" sz="3800" dirty="0"/>
+              <a:rPr lang="en-US" sz="2100" dirty="0"/>
               <a:t>By default, </a:t>
             </a:r>
             <a:r>
-              <a:rPr lang="en-US" sz="3800" dirty="0">
+              <a:rPr lang="en-US" sz="2100" dirty="0">
                 <a:solidFill>
                   <a:srgbClr val="92D050"/>
                 </a:solidFill>
@@ -10381,7 +11567,7 @@
               <a:t>@</a:t>
             </a:r>
             <a:r>
-              <a:rPr lang="en-US" sz="3800" dirty="0" err="1">
+              <a:rPr lang="en-US" sz="2100" dirty="0" err="1">
                 <a:solidFill>
                   <a:srgbClr val="92D050"/>
                 </a:solidFill>
@@ -10389,7 +11575,7 @@
               <a:t>SpringBootTest</a:t>
             </a:r>
             <a:r>
-              <a:rPr lang="en-US" sz="3800" dirty="0">
+              <a:rPr lang="en-US" sz="2100" dirty="0">
                 <a:solidFill>
                   <a:srgbClr val="92D050"/>
                 </a:solidFill>
@@ -10397,17 +11583,17 @@
               <a:t> </a:t>
             </a:r>
             <a:r>
-              <a:rPr lang="en-US" sz="3800" dirty="0"/>
+              <a:rPr lang="en-US" sz="2100" dirty="0"/>
               <a:t>does not start the server but instead sets up a mock environment for testing web endpoints.</a:t>
             </a:r>
           </a:p>
           <a:p>
             <a:r>
-              <a:rPr lang="en-US" sz="3800" dirty="0"/>
-              <a:t>With Spring, we can query our web endpoints using </a:t>
-            </a:r>
-            <a:r>
-              <a:rPr lang="en-US" sz="3800" dirty="0" err="1">
+              <a:rPr lang="en-US" sz="2100" dirty="0"/>
+              <a:t>With Spring, we can query our web endpoints using class </a:t>
+            </a:r>
+            <a:r>
+              <a:rPr lang="en-US" sz="2100" dirty="0" err="1">
                 <a:solidFill>
                   <a:srgbClr val="00B0F0"/>
                 </a:solidFill>
@@ -10415,22 +11601,49 @@
               <a:t>MockMvc</a:t>
             </a:r>
             <a:r>
-              <a:rPr lang="en-US" sz="3800" dirty="0"/>
+              <a:rPr lang="en-US" sz="2100" dirty="0"/>
               <a:t>, as shown in the following example:</a:t>
             </a:r>
           </a:p>
           <a:p>
+            <a:endParaRPr lang="en-IL" dirty="0"/>
+          </a:p>
+        </p:txBody>
+      </p:sp>
+      <p:sp>
+        <p:nvSpPr>
+          <p:cNvPr id="4" name="Content Placeholder 3">
+            <a:extLst>
+              <a:ext uri="{FF2B5EF4-FFF2-40B4-BE49-F238E27FC236}">
+                <a16:creationId xmlns:a16="http://schemas.microsoft.com/office/drawing/2014/main" id="{036C3B75-FE70-9F98-9C36-99C14FEB460D}"/>
+              </a:ext>
+            </a:extLst>
+          </p:cNvPr>
+          <p:cNvSpPr>
+            <a:spLocks noGrp="1"/>
+          </p:cNvSpPr>
+          <p:nvPr>
+            <p:ph sz="half" idx="2"/>
+          </p:nvPr>
+        </p:nvSpPr>
+        <p:spPr>
+          <a:xfrm>
+            <a:off x="919311" y="2895374"/>
+            <a:ext cx="4187952" cy="3353026"/>
+          </a:xfrm>
+          <a:noFill/>
+        </p:spPr>
+        <p:txBody>
+          <a:bodyPr>
+            <a:normAutofit fontScale="85000" lnSpcReduction="20000"/>
+          </a:bodyPr>
+          <a:lstStyle/>
+          <a:p>
             <a:pPr marL="0" indent="0">
               <a:buNone/>
             </a:pPr>
-            <a:endParaRPr lang="en-US" sz="2000" dirty="0"/>
-          </a:p>
-          <a:p>
-            <a:pPr marL="0" indent="0">
-              <a:buNone/>
-            </a:pPr>
-            <a:r>
-              <a:rPr lang="en-US" sz="2500" b="1" dirty="0">
+            <a:r>
+              <a:rPr lang="en-US" sz="1800" b="1" dirty="0">
                 <a:solidFill>
                   <a:srgbClr val="9E880D"/>
                 </a:solidFill>
@@ -10440,7 +11653,7 @@
               <a:t>@</a:t>
             </a:r>
             <a:r>
-              <a:rPr lang="en-US" sz="2500" b="1" dirty="0" err="1">
+              <a:rPr lang="en-US" sz="1800" b="1" dirty="0" err="1">
                 <a:solidFill>
                   <a:srgbClr val="9E880D"/>
                 </a:solidFill>
@@ -10450,7 +11663,7 @@
               <a:t>AutoConfigureMockMvc</a:t>
             </a:r>
             <a:br>
-              <a:rPr lang="en-US" sz="2500" b="1" dirty="0">
+              <a:rPr lang="en-US" sz="1800" b="1" dirty="0">
                 <a:solidFill>
                   <a:srgbClr val="9E880D"/>
                 </a:solidFill>
@@ -10459,7 +11672,7 @@
               </a:rPr>
             </a:br>
             <a:r>
-              <a:rPr lang="en-US" sz="2500" b="1" dirty="0">
+              <a:rPr lang="en-US" sz="1800" b="1" dirty="0">
                 <a:solidFill>
                   <a:srgbClr val="9E880D"/>
                 </a:solidFill>
@@ -10469,7 +11682,7 @@
               <a:t>@</a:t>
             </a:r>
             <a:r>
-              <a:rPr lang="en-US" sz="2500" b="1" dirty="0" err="1">
+              <a:rPr lang="en-US" sz="1800" b="1" dirty="0" err="1">
                 <a:solidFill>
                   <a:srgbClr val="9E880D"/>
                 </a:solidFill>
@@ -10479,7 +11692,7 @@
               <a:t>SpringBootTest</a:t>
             </a:r>
             <a:br>
-              <a:rPr lang="en-US" sz="2500" dirty="0">
+              <a:rPr lang="en-US" sz="1800" dirty="0">
                 <a:solidFill>
                   <a:srgbClr val="9E880D"/>
                 </a:solidFill>
@@ -10488,7 +11701,7 @@
               </a:rPr>
             </a:br>
             <a:r>
-              <a:rPr lang="en-US" sz="2500" dirty="0">
+              <a:rPr lang="en-US" sz="1800" dirty="0">
                 <a:solidFill>
                   <a:srgbClr val="0033B3"/>
                 </a:solidFill>
@@ -10498,7 +11711,7 @@
               <a:t>class </a:t>
             </a:r>
             <a:r>
-              <a:rPr lang="en-US" sz="2500" dirty="0" err="1">
+              <a:rPr lang="en-US" sz="1800" dirty="0" err="1">
                 <a:solidFill>
                   <a:srgbClr val="000000"/>
                 </a:solidFill>
@@ -10508,7 +11721,7 @@
               <a:t>SpringMicroserviceDemoApplicationTests</a:t>
             </a:r>
             <a:r>
-              <a:rPr lang="en-US" sz="2500" dirty="0">
+              <a:rPr lang="en-US" sz="1800" dirty="0">
                 <a:solidFill>
                   <a:srgbClr val="000000"/>
                 </a:solidFill>
@@ -10518,7 +11731,7 @@
               <a:t> </a:t>
             </a:r>
             <a:r>
-              <a:rPr lang="en-US" sz="2500" dirty="0">
+              <a:rPr lang="en-US" sz="1800" dirty="0">
                 <a:solidFill>
                   <a:srgbClr val="080808"/>
                 </a:solidFill>
@@ -10528,7 +11741,7 @@
               <a:t>{</a:t>
             </a:r>
             <a:br>
-              <a:rPr lang="en-US" sz="2500" dirty="0">
+              <a:rPr lang="en-US" sz="1800" dirty="0">
                 <a:solidFill>
                   <a:srgbClr val="080808"/>
                 </a:solidFill>
@@ -10537,7 +11750,7 @@
               </a:rPr>
             </a:br>
             <a:br>
-              <a:rPr lang="en-US" sz="2500" dirty="0">
+              <a:rPr lang="en-US" sz="1800" dirty="0">
                 <a:solidFill>
                   <a:srgbClr val="080808"/>
                 </a:solidFill>
@@ -10546,7 +11759,7 @@
               </a:rPr>
             </a:br>
             <a:r>
-              <a:rPr lang="en-US" sz="2500" dirty="0">
+              <a:rPr lang="en-US" sz="1800" dirty="0">
                 <a:solidFill>
                   <a:srgbClr val="080808"/>
                 </a:solidFill>
@@ -10556,7 +11769,7 @@
               <a:t>    </a:t>
             </a:r>
             <a:r>
-              <a:rPr lang="en-US" sz="2500" dirty="0">
+              <a:rPr lang="en-US" sz="1800" dirty="0">
                 <a:solidFill>
                   <a:srgbClr val="9E880D"/>
                 </a:solidFill>
@@ -10566,7 +11779,7 @@
               <a:t>@</a:t>
             </a:r>
             <a:r>
-              <a:rPr lang="en-US" sz="2500" dirty="0" err="1">
+              <a:rPr lang="en-US" sz="1800" dirty="0" err="1">
                 <a:solidFill>
                   <a:srgbClr val="9E880D"/>
                 </a:solidFill>
@@ -10576,7 +11789,7 @@
               <a:t>Autowired</a:t>
             </a:r>
             <a:br>
-              <a:rPr lang="en-US" sz="2500" dirty="0">
+              <a:rPr lang="en-US" sz="1800" dirty="0">
                 <a:solidFill>
                   <a:srgbClr val="9E880D"/>
                 </a:solidFill>
@@ -10585,7 +11798,7 @@
               </a:rPr>
             </a:br>
             <a:r>
-              <a:rPr lang="en-US" sz="2500" dirty="0">
+              <a:rPr lang="en-US" sz="1800" dirty="0">
                 <a:solidFill>
                   <a:srgbClr val="9E880D"/>
                 </a:solidFill>
@@ -10595,7 +11808,7 @@
               <a:t>    </a:t>
             </a:r>
             <a:r>
-              <a:rPr lang="en-US" sz="2500" b="1" dirty="0" err="1">
+              <a:rPr lang="en-US" sz="1800" b="1" dirty="0" err="1">
                 <a:solidFill>
                   <a:srgbClr val="000000"/>
                 </a:solidFill>
@@ -10605,7 +11818,7 @@
               <a:t>MockMvc</a:t>
             </a:r>
             <a:r>
-              <a:rPr lang="en-US" sz="2500" b="1" dirty="0">
+              <a:rPr lang="en-US" sz="1800" b="1" dirty="0">
                 <a:solidFill>
                   <a:srgbClr val="000000"/>
                 </a:solidFill>
@@ -10615,7 +11828,7 @@
               <a:t> </a:t>
             </a:r>
             <a:r>
-              <a:rPr lang="en-US" sz="2500" b="1" dirty="0" err="1">
+              <a:rPr lang="en-US" sz="1800" b="1" dirty="0" err="1">
                 <a:solidFill>
                   <a:srgbClr val="871094"/>
                 </a:solidFill>
@@ -10625,7 +11838,7 @@
               <a:t>mockMvc</a:t>
             </a:r>
             <a:r>
-              <a:rPr lang="en-US" sz="2500" b="1" dirty="0">
+              <a:rPr lang="en-US" sz="1800" b="1" dirty="0">
                 <a:solidFill>
                   <a:srgbClr val="080808"/>
                 </a:solidFill>
@@ -10635,7 +11848,7 @@
               <a:t>;</a:t>
             </a:r>
             <a:br>
-              <a:rPr lang="en-US" sz="2500" dirty="0">
+              <a:rPr lang="en-US" sz="1800" dirty="0">
                 <a:solidFill>
                   <a:srgbClr val="080808"/>
                 </a:solidFill>
@@ -10644,7 +11857,7 @@
               </a:rPr>
             </a:br>
             <a:br>
-              <a:rPr lang="en-US" sz="2500" dirty="0">
+              <a:rPr lang="en-US" sz="1800" dirty="0">
                 <a:solidFill>
                   <a:srgbClr val="080808"/>
                 </a:solidFill>
@@ -10653,7 +11866,7 @@
               </a:rPr>
             </a:br>
             <a:r>
-              <a:rPr lang="en-US" sz="2500" dirty="0">
+              <a:rPr lang="en-US" sz="1800" dirty="0">
                 <a:solidFill>
                   <a:srgbClr val="080808"/>
                 </a:solidFill>
@@ -10663,7 +11876,7 @@
               <a:t>   </a:t>
             </a:r>
             <a:r>
-              <a:rPr lang="en-US" sz="2500" dirty="0">
+              <a:rPr lang="en-US" sz="1800" dirty="0">
                 <a:solidFill>
                   <a:srgbClr val="9E880D"/>
                 </a:solidFill>
@@ -10673,7 +11886,7 @@
               <a:t>@Test</a:t>
             </a:r>
             <a:br>
-              <a:rPr lang="en-US" sz="2500" dirty="0">
+              <a:rPr lang="en-US" sz="1800" dirty="0">
                 <a:solidFill>
                   <a:srgbClr val="9E880D"/>
                 </a:solidFill>
@@ -10682,7 +11895,7 @@
               </a:rPr>
             </a:br>
             <a:r>
-              <a:rPr lang="en-US" sz="2500" dirty="0">
+              <a:rPr lang="en-US" sz="1800" dirty="0">
                 <a:solidFill>
                   <a:srgbClr val="9E880D"/>
                 </a:solidFill>
@@ -10692,7 +11905,7 @@
               <a:t>    </a:t>
             </a:r>
             <a:r>
-              <a:rPr lang="en-US" sz="2500" dirty="0">
+              <a:rPr lang="en-US" sz="1800" dirty="0">
                 <a:solidFill>
                   <a:srgbClr val="0033B3"/>
                 </a:solidFill>
@@ -10702,7 +11915,7 @@
               <a:t>void </a:t>
             </a:r>
             <a:r>
-              <a:rPr lang="en-US" sz="2500" dirty="0" err="1">
+              <a:rPr lang="en-US" sz="1800" dirty="0" err="1">
                 <a:solidFill>
                   <a:srgbClr val="00627A"/>
                 </a:solidFill>
@@ -10712,7 +11925,7 @@
               <a:t>testWithMockMvc</a:t>
             </a:r>
             <a:r>
-              <a:rPr lang="en-US" sz="2500" dirty="0">
+              <a:rPr lang="en-US" sz="1800" dirty="0">
                 <a:solidFill>
                   <a:srgbClr val="080808"/>
                 </a:solidFill>
@@ -10722,7 +11935,7 @@
               <a:t>() </a:t>
             </a:r>
             <a:r>
-              <a:rPr lang="en-US" sz="2500" dirty="0">
+              <a:rPr lang="en-US" sz="1800" dirty="0">
                 <a:solidFill>
                   <a:srgbClr val="0033B3"/>
                 </a:solidFill>
@@ -10732,7 +11945,7 @@
               <a:t>throws </a:t>
             </a:r>
             <a:r>
-              <a:rPr lang="en-US" sz="2500" dirty="0">
+              <a:rPr lang="en-US" sz="1800" dirty="0">
                 <a:solidFill>
                   <a:srgbClr val="000000"/>
                 </a:solidFill>
@@ -10742,7 +11955,7 @@
               <a:t>Exception </a:t>
             </a:r>
             <a:r>
-              <a:rPr lang="en-US" sz="2500" dirty="0">
+              <a:rPr lang="en-US" sz="1800" dirty="0">
                 <a:solidFill>
                   <a:srgbClr val="080808"/>
                 </a:solidFill>
@@ -10752,7 +11965,7 @@
               <a:t>{</a:t>
             </a:r>
             <a:br>
-              <a:rPr lang="en-US" sz="2500" dirty="0">
+              <a:rPr lang="en-US" sz="1800" dirty="0">
                 <a:solidFill>
                   <a:srgbClr val="080808"/>
                 </a:solidFill>
@@ -10761,7 +11974,7 @@
               </a:rPr>
             </a:br>
             <a:r>
-              <a:rPr lang="en-US" sz="2500" dirty="0">
+              <a:rPr lang="en-US" sz="1800" dirty="0">
                 <a:solidFill>
                   <a:srgbClr val="080808"/>
                 </a:solidFill>
@@ -10771,7 +11984,7 @@
               <a:t>	</a:t>
             </a:r>
             <a:r>
-              <a:rPr lang="en-US" sz="2500" dirty="0">
+              <a:rPr lang="en-US" sz="1800" dirty="0">
                 <a:solidFill>
                   <a:srgbClr val="871094"/>
                 </a:solidFill>
@@ -10781,7 +11994,7 @@
               <a:t> </a:t>
             </a:r>
             <a:r>
-              <a:rPr lang="en-US" sz="2500" b="1" dirty="0" err="1">
+              <a:rPr lang="en-US" sz="1800" b="1" dirty="0" err="1">
                 <a:solidFill>
                   <a:srgbClr val="871094"/>
                 </a:solidFill>
@@ -10791,7 +12004,7 @@
               <a:t>mockMvc</a:t>
             </a:r>
             <a:r>
-              <a:rPr lang="en-US" sz="2500" b="0" i="0" u="none" strike="noStrike" dirty="0">
+              <a:rPr lang="en-US" sz="1800" b="0" i="0" u="none" strike="noStrike" dirty="0">
                 <a:solidFill>
                   <a:srgbClr val="24292E"/>
                 </a:solidFill>
@@ -10801,7 +12014,7 @@
               <a:t> .perform(get().</a:t>
             </a:r>
             <a:r>
-              <a:rPr lang="en-US" sz="2500" b="0" i="0" u="none" strike="noStrike" dirty="0" err="1">
+              <a:rPr lang="en-US" sz="1800" b="0" i="0" u="none" strike="noStrike" dirty="0" err="1">
                 <a:solidFill>
                   <a:srgbClr val="24292E"/>
                 </a:solidFill>
@@ -10811,7 +12024,7 @@
               <a:t>uri</a:t>
             </a:r>
             <a:r>
-              <a:rPr lang="en-US" sz="2500" b="0" i="0" u="none" strike="noStrike" dirty="0">
+              <a:rPr lang="en-US" sz="1800" b="0" i="0" u="none" strike="noStrike" dirty="0">
                 <a:solidFill>
                   <a:srgbClr val="24292E"/>
                 </a:solidFill>
@@ -10821,14 +12034,14 @@
               <a:t>(</a:t>
             </a:r>
             <a:r>
-              <a:rPr lang="en-US" sz="2500" b="0" i="0" u="none" strike="noStrike" dirty="0">
+              <a:rPr lang="en-US" sz="1800" b="0" i="0" u="none" strike="noStrike" dirty="0">
                 <a:effectLst/>
                 <a:latin typeface="SFMono-Regular"/>
               </a:rPr>
               <a:t>"/"</a:t>
             </a:r>
             <a:r>
-              <a:rPr lang="en-US" sz="2500" b="0" i="0" u="none" strike="noStrike" dirty="0">
+              <a:rPr lang="en-US" sz="1800" b="0" i="0" u="none" strike="noStrike" dirty="0">
                 <a:solidFill>
                   <a:srgbClr val="24292E"/>
                 </a:solidFill>
@@ -10846,7 +12059,7 @@
               <a:buNone/>
             </a:pPr>
             <a:r>
-              <a:rPr lang="en-US" sz="2500" dirty="0">
+              <a:rPr lang="en-US" sz="1800" dirty="0">
                 <a:solidFill>
                   <a:srgbClr val="24292E"/>
                 </a:solidFill>
@@ -10855,7 +12068,7 @@
               <a:t>		.</a:t>
             </a:r>
             <a:r>
-              <a:rPr lang="en-US" sz="2500" b="0" i="0" u="none" strike="noStrike" dirty="0">
+              <a:rPr lang="en-US" sz="1800" b="0" i="0" u="none" strike="noStrike" dirty="0">
                 <a:solidFill>
                   <a:srgbClr val="24292E"/>
                 </a:solidFill>
@@ -10873,7 +12086,7 @@
               <a:buNone/>
             </a:pPr>
             <a:r>
-              <a:rPr lang="en-US" sz="2500" b="0" i="0" u="none" strike="noStrike" dirty="0">
+              <a:rPr lang="en-US" sz="1800" b="0" i="0" u="none" strike="noStrike" dirty="0">
                 <a:solidFill>
                   <a:srgbClr val="24292E"/>
                 </a:solidFill>
@@ -10883,7 +12096,7 @@
               <a:t>		.</a:t>
             </a:r>
             <a:r>
-              <a:rPr lang="en-US" sz="2500" b="0" i="0" u="none" strike="noStrike" dirty="0" err="1">
+              <a:rPr lang="en-US" sz="1800" b="0" i="0" u="none" strike="noStrike" dirty="0" err="1">
                 <a:solidFill>
                   <a:srgbClr val="24292E"/>
                 </a:solidFill>
@@ -10893,7 +12106,7 @@
               <a:t>expectStatus</a:t>
             </a:r>
             <a:r>
-              <a:rPr lang="en-US" sz="2500" b="0" i="0" u="none" strike="noStrike" dirty="0">
+              <a:rPr lang="en-US" sz="1800" b="0" i="0" u="none" strike="noStrike" dirty="0">
                 <a:solidFill>
                   <a:srgbClr val="24292E"/>
                 </a:solidFill>
@@ -10911,7 +12124,7 @@
               <a:buNone/>
             </a:pPr>
             <a:r>
-              <a:rPr lang="en-US" sz="2500" b="0" i="0" u="none" strike="noStrike" dirty="0">
+              <a:rPr lang="en-US" sz="1800" b="0" i="0" u="none" strike="noStrike" dirty="0">
                 <a:solidFill>
                   <a:srgbClr val="24292E"/>
                 </a:solidFill>
@@ -10921,7 +12134,7 @@
               <a:t>		.</a:t>
             </a:r>
             <a:r>
-              <a:rPr lang="en-US" sz="2500" b="0" i="0" u="none" strike="noStrike" dirty="0" err="1">
+              <a:rPr lang="en-US" sz="1800" b="0" i="0" u="none" strike="noStrike" dirty="0" err="1">
                 <a:solidFill>
                   <a:srgbClr val="24292E"/>
                 </a:solidFill>
@@ -10931,7 +12144,7 @@
               <a:t>isOk</a:t>
             </a:r>
             <a:r>
-              <a:rPr lang="en-US" sz="2500" b="0" i="0" u="none" strike="noStrike" dirty="0">
+              <a:rPr lang="en-US" sz="1800" b="0" i="0" u="none" strike="noStrike" dirty="0">
                 <a:solidFill>
                   <a:srgbClr val="24292E"/>
                 </a:solidFill>
@@ -10949,7 +12162,7 @@
               <a:buNone/>
             </a:pPr>
             <a:r>
-              <a:rPr lang="en-US" sz="2500" b="0" i="0" u="none" strike="noStrike" dirty="0">
+              <a:rPr lang="en-US" sz="1800" b="0" i="0" u="none" strike="noStrike" dirty="0">
                 <a:solidFill>
                   <a:srgbClr val="24292E"/>
                 </a:solidFill>
@@ -10959,7 +12172,7 @@
               <a:t>		.</a:t>
             </a:r>
             <a:r>
-              <a:rPr lang="en-US" sz="2500" b="0" i="0" u="none" strike="noStrike" dirty="0" err="1">
+              <a:rPr lang="en-US" sz="1800" b="0" i="0" u="none" strike="noStrike" dirty="0" err="1">
                 <a:solidFill>
                   <a:srgbClr val="24292E"/>
                 </a:solidFill>
@@ -10969,7 +12182,7 @@
               <a:t>expectBody</a:t>
             </a:r>
             <a:r>
-              <a:rPr lang="en-US" sz="2500" b="0" i="0" u="none" strike="noStrike" dirty="0">
+              <a:rPr lang="en-US" sz="1800" b="0" i="0" u="none" strike="noStrike" dirty="0">
                 <a:solidFill>
                   <a:srgbClr val="24292E"/>
                 </a:solidFill>
@@ -10979,7 +12192,7 @@
               <a:t>(</a:t>
             </a:r>
             <a:r>
-              <a:rPr lang="en-US" sz="2500" b="0" i="0" u="none" strike="noStrike" dirty="0" err="1">
+              <a:rPr lang="en-US" sz="1800" b="0" i="0" u="none" strike="noStrike" dirty="0" err="1">
                 <a:solidFill>
                   <a:srgbClr val="24292E"/>
                 </a:solidFill>
@@ -10989,7 +12202,7 @@
               <a:t>String.class</a:t>
             </a:r>
             <a:r>
-              <a:rPr lang="en-US" sz="2500" b="0" i="0" u="none" strike="noStrike" dirty="0">
+              <a:rPr lang="en-US" sz="1800" b="0" i="0" u="none" strike="noStrike" dirty="0">
                 <a:solidFill>
                   <a:srgbClr val="24292E"/>
                 </a:solidFill>
@@ -11007,7 +12220,7 @@
               <a:buNone/>
             </a:pPr>
             <a:r>
-              <a:rPr lang="en-US" sz="2500" dirty="0">
+              <a:rPr lang="en-US" sz="1800" dirty="0">
                 <a:solidFill>
                   <a:srgbClr val="24292E"/>
                 </a:solidFill>
@@ -11016,7 +12229,7 @@
               <a:t>		</a:t>
             </a:r>
             <a:r>
-              <a:rPr lang="en-US" sz="2500" b="0" i="0" u="none" strike="noStrike" dirty="0">
+              <a:rPr lang="en-US" sz="1800" b="0" i="0" u="none" strike="noStrike" dirty="0">
                 <a:solidFill>
                   <a:srgbClr val="24292E"/>
                 </a:solidFill>
@@ -11026,7 +12239,7 @@
               <a:t>.</a:t>
             </a:r>
             <a:r>
-              <a:rPr lang="en-US" sz="2500" b="0" i="0" u="none" strike="noStrike" dirty="0" err="1">
+              <a:rPr lang="en-US" sz="1800" b="0" i="0" u="none" strike="noStrike" dirty="0" err="1">
                 <a:solidFill>
                   <a:srgbClr val="24292E"/>
                 </a:solidFill>
@@ -11036,7 +12249,7 @@
               <a:t>isEqualTo</a:t>
             </a:r>
             <a:r>
-              <a:rPr lang="en-US" sz="2500" b="0" i="0" u="none" strike="noStrike" dirty="0">
+              <a:rPr lang="en-US" sz="1800" b="0" i="0" u="none" strike="noStrike" dirty="0">
                 <a:solidFill>
                   <a:srgbClr val="24292E"/>
                 </a:solidFill>
@@ -11046,14 +12259,14 @@
               <a:t>(</a:t>
             </a:r>
             <a:r>
-              <a:rPr lang="en-US" sz="2500" b="0" i="0" u="none" strike="noStrike" dirty="0">
+              <a:rPr lang="en-US" sz="1800" b="0" i="0" u="none" strike="noStrike" dirty="0">
                 <a:effectLst/>
                 <a:latin typeface="SFMono-Regular"/>
               </a:rPr>
               <a:t>"Hello World"</a:t>
             </a:r>
             <a:r>
-              <a:rPr lang="en-US" sz="2500" b="0" i="0" u="none" strike="noStrike" dirty="0">
+              <a:rPr lang="en-US" sz="1800" b="0" i="0" u="none" strike="noStrike" dirty="0">
                 <a:solidFill>
                   <a:srgbClr val="24292E"/>
                 </a:solidFill>
@@ -11063,7 +12276,7 @@
               <a:t>));</a:t>
             </a:r>
             <a:br>
-              <a:rPr lang="en-US" sz="2500" dirty="0">
+              <a:rPr lang="en-US" sz="1800" dirty="0">
                 <a:solidFill>
                   <a:srgbClr val="080808"/>
                 </a:solidFill>
@@ -11072,7 +12285,7 @@
               </a:rPr>
             </a:br>
             <a:r>
-              <a:rPr lang="en-US" sz="2500" dirty="0">
+              <a:rPr lang="en-US" sz="1800" dirty="0">
                 <a:solidFill>
                   <a:srgbClr val="080808"/>
                 </a:solidFill>
@@ -11082,7 +12295,7 @@
               <a:t>    }</a:t>
             </a:r>
             <a:br>
-              <a:rPr lang="en-US" sz="2500" dirty="0">
+              <a:rPr lang="en-US" sz="1800" dirty="0">
                 <a:solidFill>
                   <a:srgbClr val="080808"/>
                 </a:solidFill>
@@ -11090,34 +12303,28 @@
                 <a:latin typeface="JetBrains Mono"/>
               </a:rPr>
             </a:br>
-            <a:br>
-              <a:rPr lang="en-US" sz="2500" dirty="0">
+            <a:r>
+              <a:rPr lang="en-US" sz="1800" dirty="0">
                 <a:solidFill>
                   <a:srgbClr val="080808"/>
                 </a:solidFill>
                 <a:effectLst/>
                 <a:latin typeface="JetBrains Mono"/>
               </a:rPr>
-            </a:br>
-            <a:r>
-              <a:rPr lang="en-US" sz="2500" dirty="0">
-                <a:solidFill>
-                  <a:srgbClr val="080808"/>
-                </a:solidFill>
-                <a:effectLst/>
-                <a:latin typeface="JetBrains Mono"/>
-              </a:rPr>
               <a:t>}</a:t>
             </a:r>
+          </a:p>
+          <a:p>
+            <a:endParaRPr lang="en-IL" dirty="0"/>
           </a:p>
         </p:txBody>
       </p:sp>
       <p:sp>
         <p:nvSpPr>
-          <p:cNvPr id="5" name="TextBox 4">
+          <p:cNvPr id="7" name="TextBox 6">
             <a:extLst>
               <a:ext uri="{FF2B5EF4-FFF2-40B4-BE49-F238E27FC236}">
-                <a16:creationId xmlns:a16="http://schemas.microsoft.com/office/drawing/2014/main" id="{2AE3F2D2-636B-28FA-93C1-C1F6420FA5A6}"/>
+                <a16:creationId xmlns:a16="http://schemas.microsoft.com/office/drawing/2014/main" id="{EB3FAB8B-3153-F694-14D4-C1BE519A29B2}"/>
               </a:ext>
             </a:extLst>
           </p:cNvPr>
@@ -11126,8 +12333,8 @@
         </p:nvSpPr>
         <p:spPr>
           <a:xfrm>
-            <a:off x="6821424" y="4045363"/>
-            <a:ext cx="3081528" cy="1754326"/>
+            <a:off x="5991306" y="4199835"/>
+            <a:ext cx="3081528" cy="1169551"/>
           </a:xfrm>
           <a:prstGeom prst="rect">
             <a:avLst/>
@@ -11151,11 +12358,11 @@
           <a:lstStyle/>
           <a:p>
             <a:r>
-              <a:rPr lang="en-IL" i="1" dirty="0"/>
+              <a:rPr lang="en-IL" sz="1400" i="1" dirty="0"/>
               <a:t>In this test </a:t>
             </a:r>
             <a:r>
-              <a:rPr lang="en-IL" b="1" i="1" dirty="0">
+              <a:rPr lang="en-IL" sz="1400" b="1" i="1" dirty="0">
                 <a:solidFill>
                   <a:srgbClr val="00B0F0"/>
                 </a:solidFill>
@@ -11163,7 +12370,7 @@
               <a:t>mockMvc</a:t>
             </a:r>
             <a:r>
-              <a:rPr lang="en-IL" i="1" dirty="0"/>
+              <a:rPr lang="en-IL" sz="1400" i="1" dirty="0"/>
               <a:t> calls endPoint (“/”), implemented in the tested application, and verifies that it returns HTTP 200 OK and body “Hello World”. </a:t>
             </a:r>
           </a:p>
@@ -11171,10 +12378,10 @@
       </p:sp>
       <p:sp>
         <p:nvSpPr>
-          <p:cNvPr id="6" name="TextBox 5">
+          <p:cNvPr id="8" name="TextBox 7">
             <a:extLst>
               <a:ext uri="{FF2B5EF4-FFF2-40B4-BE49-F238E27FC236}">
-                <a16:creationId xmlns:a16="http://schemas.microsoft.com/office/drawing/2014/main" id="{114C128E-27B4-D7A3-9E6F-AF6ACA49DD1A}"/>
+                <a16:creationId xmlns:a16="http://schemas.microsoft.com/office/drawing/2014/main" id="{760AA868-9532-D9EE-2774-198CFB55336F}"/>
               </a:ext>
             </a:extLst>
           </p:cNvPr>
@@ -11183,8 +12390,8 @@
         </p:nvSpPr>
         <p:spPr>
           <a:xfrm>
-            <a:off x="6931152" y="2880360"/>
-            <a:ext cx="3282696" cy="923330"/>
+            <a:off x="5991306" y="2923251"/>
+            <a:ext cx="3282696" cy="738664"/>
           </a:xfrm>
           <a:prstGeom prst="rect">
             <a:avLst/>
@@ -11208,11 +12415,11 @@
           <a:lstStyle/>
           <a:p>
             <a:r>
-              <a:rPr lang="en-IL" dirty="0"/>
+              <a:rPr lang="en-IL" sz="1400" dirty="0"/>
               <a:t>Use annotation </a:t>
             </a:r>
             <a:r>
-              <a:rPr lang="en-US" sz="1800" b="1" dirty="0">
+              <a:rPr lang="en-US" sz="1400" b="1" dirty="0">
                 <a:solidFill>
                   <a:srgbClr val="9E880D"/>
                 </a:solidFill>
@@ -11222,7 +12429,7 @@
               <a:t>@</a:t>
             </a:r>
             <a:r>
-              <a:rPr lang="en-US" sz="1800" b="1" dirty="0" err="1">
+              <a:rPr lang="en-US" sz="1400" b="1" dirty="0" err="1">
                 <a:solidFill>
                   <a:srgbClr val="9E880D"/>
                 </a:solidFill>
@@ -11232,7 +12439,7 @@
               <a:t>AutoConfigureMockMvc</a:t>
             </a:r>
             <a:r>
-              <a:rPr lang="en-US" sz="1800" b="1" dirty="0">
+              <a:rPr lang="en-US" sz="1400" b="1" dirty="0">
                 <a:solidFill>
                   <a:srgbClr val="9E880D"/>
                 </a:solidFill>
@@ -11242,11 +12449,11 @@
               <a:t> </a:t>
             </a:r>
             <a:r>
-              <a:rPr lang="en-US" dirty="0"/>
+              <a:rPr lang="en-US" sz="1400" dirty="0"/>
               <a:t>for operations with </a:t>
             </a:r>
             <a:r>
-              <a:rPr lang="en-US" b="1" dirty="0" err="1">
+              <a:rPr lang="en-US" sz="1400" b="1" dirty="0" err="1">
                 <a:solidFill>
                   <a:srgbClr val="00B0F0"/>
                 </a:solidFill>
@@ -11254,7 +12461,7 @@
               <a:t>MockMvc</a:t>
             </a:r>
             <a:r>
-              <a:rPr lang="en-IL" dirty="0"/>
+              <a:rPr lang="en-IL" sz="1400" dirty="0"/>
               <a:t> </a:t>
             </a:r>
           </a:p>
@@ -11263,7 +12470,7 @@
     </p:spTree>
     <p:extLst>
       <p:ext uri="{BB962C8B-B14F-4D97-AF65-F5344CB8AC3E}">
-        <p14:creationId xmlns:p14="http://schemas.microsoft.com/office/powerpoint/2010/main" val="1490968188"/>
+        <p14:creationId xmlns:p14="http://schemas.microsoft.com/office/powerpoint/2010/main" val="3183854287"/>
       </p:ext>
     </p:extLst>
   </p:cSld>
@@ -11354,7 +12561,7 @@
         <p:spPr/>
         <p:txBody>
           <a:bodyPr>
-            <a:normAutofit fontScale="92500" lnSpcReduction="20000"/>
+            <a:normAutofit/>
           </a:bodyPr>
           <a:lstStyle/>
           <a:p>
@@ -11446,111 +12653,18 @@
                   <a:schemeClr val="tx1"/>
                 </a:solidFill>
               </a:rPr>
-              <a:t>auto-configures the Spring MVC infrastructure and limits scanned beans to @Controller-related beans. So, if your controller has some dependency to other beans from your service layer, the test won't start until you either load that config yourself or provide a mock for it. </a:t>
-            </a:r>
-          </a:p>
-          <a:p>
-            <a:r>
-              <a:rPr lang="en-US" sz="2400" dirty="0"/>
-              <a:t>Often, </a:t>
-            </a:r>
-            <a:r>
-              <a:rPr lang="en-US" sz="2500" dirty="0">
-                <a:solidFill>
-                  <a:schemeClr val="accent1"/>
-                </a:solidFill>
-              </a:rPr>
-              <a:t>@</a:t>
-            </a:r>
-            <a:r>
-              <a:rPr lang="en-US" sz="2500" dirty="0" err="1">
-                <a:solidFill>
-                  <a:schemeClr val="accent1"/>
-                </a:solidFill>
-              </a:rPr>
-              <a:t>WebMvcTest</a:t>
-            </a:r>
-            <a:r>
-              <a:rPr lang="en-US" sz="2500" dirty="0">
-                <a:solidFill>
-                  <a:schemeClr val="accent1"/>
-                </a:solidFill>
-              </a:rPr>
-              <a:t> </a:t>
-            </a:r>
-            <a:r>
-              <a:rPr lang="en-US" sz="2400" dirty="0"/>
-              <a:t>is limited to a single controller and is used in combination with </a:t>
-            </a:r>
-            <a:r>
-              <a:rPr lang="en-US" sz="2500" dirty="0">
-                <a:solidFill>
-                  <a:schemeClr val="accent1"/>
-                </a:solidFill>
-              </a:rPr>
-              <a:t>@</a:t>
-            </a:r>
-            <a:r>
-              <a:rPr lang="en-US" sz="2500" dirty="0" err="1">
-                <a:solidFill>
-                  <a:schemeClr val="accent1"/>
-                </a:solidFill>
-              </a:rPr>
-              <a:t>MockBean</a:t>
-            </a:r>
-            <a:r>
-              <a:rPr lang="en-US" sz="2500" dirty="0">
-                <a:solidFill>
-                  <a:schemeClr val="accent1"/>
-                </a:solidFill>
-              </a:rPr>
-              <a:t> </a:t>
-            </a:r>
-            <a:r>
-              <a:rPr lang="en-US" sz="2400" dirty="0"/>
-              <a:t>to provide mock implementations for required dependencies.</a:t>
-            </a:r>
-          </a:p>
-          <a:p>
-            <a:r>
-              <a:rPr lang="en-US" sz="2400" dirty="0"/>
-              <a:t>Note: </a:t>
-            </a:r>
-            <a:r>
-              <a:rPr lang="en-US" sz="2400" dirty="0">
-                <a:solidFill>
-                  <a:schemeClr val="accent1"/>
-                </a:solidFill>
-              </a:rPr>
-              <a:t>@</a:t>
-            </a:r>
-            <a:r>
-              <a:rPr lang="en-US" sz="2400" dirty="0" err="1">
-                <a:solidFill>
-                  <a:schemeClr val="accent1"/>
-                </a:solidFill>
-              </a:rPr>
-              <a:t>WebMvcTest</a:t>
-            </a:r>
-            <a:r>
-              <a:rPr lang="en-US" sz="2400" dirty="0">
-                <a:solidFill>
-                  <a:schemeClr val="accent1"/>
-                </a:solidFill>
-              </a:rPr>
-              <a:t> </a:t>
-            </a:r>
-            <a:r>
-              <a:rPr lang="en-US" sz="2400" dirty="0"/>
-              <a:t>also auto-configures </a:t>
-            </a:r>
-            <a:r>
-              <a:rPr lang="en-US" sz="2400" dirty="0" err="1"/>
-              <a:t>MockMvc</a:t>
-            </a:r>
-            <a:r>
-              <a:rPr lang="en-US" sz="2400" dirty="0"/>
-              <a:t>. </a:t>
+              <a:t>auto-configures the Spring MVC infrastructure and limits scanned beans to @Controller-related beans. </a:t>
+            </a:r>
+          </a:p>
+          <a:p>
+            <a:pPr lvl="1"/>
+            <a:r>
+              <a:rPr lang="en-US" sz="2200" dirty="0">
+                <a:solidFill>
+                  <a:schemeClr val="tx1"/>
+                </a:solidFill>
+              </a:rPr>
+              <a:t>So, if your controller has some dependency to other beans from your service layer, the test won't start until you either load that config yourself or provide a mock for it. </a:t>
             </a:r>
           </a:p>
           <a:p>
@@ -11568,6 +12682,168 @@
   <p:clrMapOvr>
     <a:masterClrMapping/>
   </p:clrMapOvr>
+  <p:timing>
+    <p:tnLst>
+      <p:par>
+        <p:cTn id="1" dur="indefinite" restart="never" nodeType="tmRoot">
+          <p:childTnLst>
+            <p:seq concurrent="1" nextAc="seek">
+              <p:cTn id="2" dur="indefinite" nodeType="mainSeq">
+                <p:childTnLst>
+                  <p:par>
+                    <p:cTn id="3" fill="hold">
+                      <p:stCondLst>
+                        <p:cond delay="indefinite"/>
+                      </p:stCondLst>
+                      <p:childTnLst>
+                        <p:par>
+                          <p:cTn id="4" fill="hold">
+                            <p:stCondLst>
+                              <p:cond delay="0"/>
+                            </p:stCondLst>
+                            <p:childTnLst>
+                              <p:par>
+                                <p:cTn id="5" presetID="1" presetClass="entr" presetSubtype="0" fill="hold" grpId="0" nodeType="clickEffect">
+                                  <p:stCondLst>
+                                    <p:cond delay="0"/>
+                                  </p:stCondLst>
+                                  <p:childTnLst>
+                                    <p:set>
+                                      <p:cBhvr>
+                                        <p:cTn id="6" dur="1" fill="hold">
+                                          <p:stCondLst>
+                                            <p:cond delay="0"/>
+                                          </p:stCondLst>
+                                        </p:cTn>
+                                        <p:tgtEl>
+                                          <p:spTgt spid="3">
+                                            <p:txEl>
+                                              <p:pRg st="0" end="0"/>
+                                            </p:txEl>
+                                          </p:spTgt>
+                                        </p:tgtEl>
+                                        <p:attrNameLst>
+                                          <p:attrName>style.visibility</p:attrName>
+                                        </p:attrNameLst>
+                                      </p:cBhvr>
+                                      <p:to>
+                                        <p:strVal val="visible"/>
+                                      </p:to>
+                                    </p:set>
+                                  </p:childTnLst>
+                                </p:cTn>
+                              </p:par>
+                            </p:childTnLst>
+                          </p:cTn>
+                        </p:par>
+                      </p:childTnLst>
+                    </p:cTn>
+                  </p:par>
+                  <p:par>
+                    <p:cTn id="7" fill="hold">
+                      <p:stCondLst>
+                        <p:cond delay="indefinite"/>
+                      </p:stCondLst>
+                      <p:childTnLst>
+                        <p:par>
+                          <p:cTn id="8" fill="hold">
+                            <p:stCondLst>
+                              <p:cond delay="0"/>
+                            </p:stCondLst>
+                            <p:childTnLst>
+                              <p:par>
+                                <p:cTn id="9" presetID="1" presetClass="entr" presetSubtype="0" fill="hold" grpId="0" nodeType="clickEffect">
+                                  <p:stCondLst>
+                                    <p:cond delay="0"/>
+                                  </p:stCondLst>
+                                  <p:childTnLst>
+                                    <p:set>
+                                      <p:cBhvr>
+                                        <p:cTn id="10" dur="1" fill="hold">
+                                          <p:stCondLst>
+                                            <p:cond delay="0"/>
+                                          </p:stCondLst>
+                                        </p:cTn>
+                                        <p:tgtEl>
+                                          <p:spTgt spid="3">
+                                            <p:txEl>
+                                              <p:pRg st="1" end="1"/>
+                                            </p:txEl>
+                                          </p:spTgt>
+                                        </p:tgtEl>
+                                        <p:attrNameLst>
+                                          <p:attrName>style.visibility</p:attrName>
+                                        </p:attrNameLst>
+                                      </p:cBhvr>
+                                      <p:to>
+                                        <p:strVal val="visible"/>
+                                      </p:to>
+                                    </p:set>
+                                  </p:childTnLst>
+                                </p:cTn>
+                              </p:par>
+                              <p:par>
+                                <p:cTn id="11" presetID="1" presetClass="entr" presetSubtype="0" fill="hold" grpId="0" nodeType="withEffect">
+                                  <p:stCondLst>
+                                    <p:cond delay="0"/>
+                                  </p:stCondLst>
+                                  <p:childTnLst>
+                                    <p:set>
+                                      <p:cBhvr>
+                                        <p:cTn id="12" dur="1" fill="hold">
+                                          <p:stCondLst>
+                                            <p:cond delay="0"/>
+                                          </p:stCondLst>
+                                        </p:cTn>
+                                        <p:tgtEl>
+                                          <p:spTgt spid="3">
+                                            <p:txEl>
+                                              <p:pRg st="2" end="2"/>
+                                            </p:txEl>
+                                          </p:spTgt>
+                                        </p:tgtEl>
+                                        <p:attrNameLst>
+                                          <p:attrName>style.visibility</p:attrName>
+                                        </p:attrNameLst>
+                                      </p:cBhvr>
+                                      <p:to>
+                                        <p:strVal val="visible"/>
+                                      </p:to>
+                                    </p:set>
+                                  </p:childTnLst>
+                                </p:cTn>
+                              </p:par>
+                            </p:childTnLst>
+                          </p:cTn>
+                        </p:par>
+                      </p:childTnLst>
+                    </p:cTn>
+                  </p:par>
+                </p:childTnLst>
+              </p:cTn>
+              <p:prevCondLst>
+                <p:cond evt="onPrev" delay="0">
+                  <p:tgtEl>
+                    <p:sldTgt/>
+                  </p:tgtEl>
+                </p:cond>
+              </p:prevCondLst>
+              <p:nextCondLst>
+                <p:cond evt="onNext" delay="0">
+                  <p:tgtEl>
+                    <p:sldTgt/>
+                  </p:tgtEl>
+                </p:cond>
+              </p:nextCondLst>
+            </p:seq>
+          </p:childTnLst>
+        </p:cTn>
+      </p:par>
+    </p:tnLst>
+    <p:bldLst>
+      <p:bldP spid="3" grpId="0" build="p"/>
+    </p:bldLst>
+  </p:timing>
 </p:sld>
 </file>
 
@@ -11593,7 +12869,7 @@
           <p:cNvPr id="2" name="Title 1">
             <a:extLst>
               <a:ext uri="{FF2B5EF4-FFF2-40B4-BE49-F238E27FC236}">
-                <a16:creationId xmlns:a16="http://schemas.microsoft.com/office/drawing/2014/main" id="{06F2650E-704A-05BA-C44D-B60D833AD400}"/>
+                <a16:creationId xmlns:a16="http://schemas.microsoft.com/office/drawing/2014/main" id="{75D46CE2-FD8A-CAE1-49E3-B99CBACAD0D9}"/>
               </a:ext>
             </a:extLst>
           </p:cNvPr>
@@ -11611,7 +12887,7 @@
           <a:p>
             <a:r>
               <a:rPr lang="en-IL" dirty="0"/>
-              <a:t>Hands-on</a:t>
+              <a:t>@MockBean</a:t>
             </a:r>
           </a:p>
         </p:txBody>
@@ -11621,7 +12897,7 @@
           <p:cNvPr id="3" name="Content Placeholder 2">
             <a:extLst>
               <a:ext uri="{FF2B5EF4-FFF2-40B4-BE49-F238E27FC236}">
-                <a16:creationId xmlns:a16="http://schemas.microsoft.com/office/drawing/2014/main" id="{1A7CD13F-FA6F-3E8C-F9AE-F29C9B5DF573}"/>
+                <a16:creationId xmlns:a16="http://schemas.microsoft.com/office/drawing/2014/main" id="{26AE0F62-CD9D-AB2D-0F5F-8A4742160AD2}"/>
               </a:ext>
             </a:extLst>
           </p:cNvPr>
@@ -11634,182 +12910,261 @@
         </p:nvSpPr>
         <p:spPr/>
         <p:txBody>
-          <a:bodyPr>
-            <a:normAutofit fontScale="85000" lnSpcReduction="10000"/>
-          </a:bodyPr>
+          <a:bodyPr/>
           <a:lstStyle/>
           <a:p>
-            <a:pPr marL="342900" indent="-342900" algn="l" defTabSz="457200" rtl="0" eaLnBrk="1" latinLnBrk="0" hangingPunct="1">
-              <a:spcBef>
-                <a:spcPts val="1000"/>
-              </a:spcBef>
-              <a:spcAft>
-                <a:spcPts val="0"/>
-              </a:spcAft>
-              <a:buClr>
-                <a:schemeClr val="accent1"/>
-              </a:buClr>
-              <a:buSzPct val="80000"/>
-              <a:buFont typeface="Wingdings 3" charset="2"/>
-              <a:buChar char=""/>
-            </a:pPr>
-            <a:r>
-              <a:rPr lang="en-IL" dirty="0"/>
-              <a:t>Create a REST microservice that implements ATM (</a:t>
-            </a:r>
-            <a:r>
-              <a:rPr lang="he-IL" dirty="0"/>
-              <a:t>כספומט</a:t>
-            </a:r>
-            <a:r>
-              <a:rPr lang="en-IL" dirty="0"/>
-              <a:t>)</a:t>
-            </a:r>
-          </a:p>
-          <a:p>
-            <a:pPr marL="342900" indent="-342900" algn="l" defTabSz="457200" rtl="0" eaLnBrk="1" latinLnBrk="0" hangingPunct="1">
-              <a:spcBef>
-                <a:spcPts val="1000"/>
-              </a:spcBef>
-              <a:spcAft>
-                <a:spcPts val="0"/>
-              </a:spcAft>
-              <a:buClr>
-                <a:schemeClr val="accent1"/>
-              </a:buClr>
-              <a:buSzPct val="80000"/>
-              <a:buFont typeface="Wingdings 3" charset="2"/>
-              <a:buChar char=""/>
-            </a:pPr>
-            <a:r>
-              <a:rPr lang="en-IL" dirty="0"/>
-              <a:t>Implement a repository class that keeps the amount of money for different accounts.</a:t>
-            </a:r>
-          </a:p>
-          <a:p>
-            <a:pPr marL="342900" indent="-342900" algn="l" defTabSz="457200" rtl="0" eaLnBrk="1" latinLnBrk="0" hangingPunct="1">
-              <a:spcBef>
-                <a:spcPts val="1000"/>
-              </a:spcBef>
-              <a:spcAft>
-                <a:spcPts val="0"/>
-              </a:spcAft>
-              <a:buClr>
-                <a:schemeClr val="accent1"/>
-              </a:buClr>
-              <a:buSzPct val="80000"/>
-              <a:buFont typeface="Wingdings 3" charset="2"/>
-              <a:buChar char=""/>
-            </a:pPr>
-            <a:r>
-              <a:rPr lang="en-IL" dirty="0"/>
-              <a:t>Implement the following APIs:</a:t>
-            </a:r>
-          </a:p>
-          <a:p>
-            <a:pPr lvl="1" indent="-342900"/>
-            <a:r>
-              <a:rPr lang="en-IL" dirty="0"/>
-              <a:t>GET </a:t>
-            </a:r>
-            <a:r>
-              <a:rPr lang="en-US" dirty="0">
-                <a:hlinkClick r:id="rId2"/>
-              </a:rPr>
-              <a:t>http://localhost:8080/ballance/{accountID}/info?currency=NIS</a:t>
-            </a:r>
+            <a:r>
+              <a:rPr lang="en-US" sz="2800" dirty="0"/>
+              <a:t>Use </a:t>
+            </a:r>
+            <a:r>
+              <a:rPr lang="en-US" sz="2800" dirty="0">
+                <a:solidFill>
+                  <a:schemeClr val="accent1"/>
+                </a:solidFill>
+              </a:rPr>
+              <a:t>@</a:t>
+            </a:r>
+            <a:r>
+              <a:rPr lang="en-US" sz="2800" dirty="0" err="1">
+                <a:solidFill>
+                  <a:schemeClr val="accent1"/>
+                </a:solidFill>
+              </a:rPr>
+              <a:t>MockBean</a:t>
+            </a:r>
+            <a:r>
+              <a:rPr lang="en-US" sz="2800" dirty="0">
+                <a:solidFill>
+                  <a:schemeClr val="accent1"/>
+                </a:solidFill>
+              </a:rPr>
+              <a:t> </a:t>
+            </a:r>
+            <a:r>
+              <a:rPr lang="en-US" sz="2800" dirty="0"/>
+              <a:t>annotation to mock a bean object.</a:t>
+            </a:r>
+          </a:p>
+          <a:p>
+            <a:r>
+              <a:rPr lang="en-US" sz="2800" dirty="0"/>
+              <a:t>Often, </a:t>
+            </a:r>
+            <a:r>
+              <a:rPr lang="en-US" sz="3200" dirty="0">
+                <a:solidFill>
+                  <a:schemeClr val="accent1"/>
+                </a:solidFill>
+              </a:rPr>
+              <a:t>@</a:t>
+            </a:r>
+            <a:r>
+              <a:rPr lang="en-US" sz="3200" dirty="0" err="1">
+                <a:solidFill>
+                  <a:schemeClr val="accent1"/>
+                </a:solidFill>
+              </a:rPr>
+              <a:t>WebMvcTest</a:t>
+            </a:r>
+            <a:r>
+              <a:rPr lang="en-US" sz="3200" dirty="0">
+                <a:solidFill>
+                  <a:schemeClr val="accent1"/>
+                </a:solidFill>
+              </a:rPr>
+              <a:t> </a:t>
+            </a:r>
+            <a:r>
+              <a:rPr lang="en-US" sz="2800" dirty="0"/>
+              <a:t>is limited to a </a:t>
+            </a:r>
+            <a:r>
+              <a:rPr lang="en-US" sz="2800" i="1" dirty="0"/>
+              <a:t>single controller </a:t>
+            </a:r>
+            <a:r>
+              <a:rPr lang="en-US" sz="2800" dirty="0"/>
+              <a:t>and is used in combination with </a:t>
+            </a:r>
+            <a:r>
+              <a:rPr lang="en-US" sz="3200" dirty="0">
+                <a:solidFill>
+                  <a:schemeClr val="accent1"/>
+                </a:solidFill>
+              </a:rPr>
+              <a:t>@</a:t>
+            </a:r>
+            <a:r>
+              <a:rPr lang="en-US" sz="3200" dirty="0" err="1">
+                <a:solidFill>
+                  <a:schemeClr val="accent1"/>
+                </a:solidFill>
+              </a:rPr>
+              <a:t>MockBean</a:t>
+            </a:r>
+            <a:r>
+              <a:rPr lang="en-US" sz="3200" dirty="0">
+                <a:solidFill>
+                  <a:schemeClr val="accent1"/>
+                </a:solidFill>
+              </a:rPr>
+              <a:t> </a:t>
+            </a:r>
+            <a:r>
+              <a:rPr lang="en-US" sz="2800" dirty="0"/>
+              <a:t>to provide mock implementations for required dependencies.</a:t>
+            </a:r>
+          </a:p>
+          <a:p>
+            <a:endParaRPr lang="en-US" sz="1800" dirty="0"/>
+          </a:p>
+          <a:p>
             <a:endParaRPr lang="en-IL" dirty="0"/>
-          </a:p>
-          <a:p>
-            <a:pPr lvl="2" indent="-342900"/>
-            <a:r>
-              <a:rPr lang="en-IL" dirty="0"/>
-              <a:t>Returns the amount of money for the specified account. Currency is an optional </a:t>
-            </a:r>
-            <a:r>
-              <a:rPr lang="en-US" dirty="0"/>
-              <a:t>parameter;</a:t>
-            </a:r>
-            <a:r>
-              <a:rPr lang="en-IL" dirty="0"/>
-              <a:t> the default value is NIS.</a:t>
-            </a:r>
-          </a:p>
-          <a:p>
-            <a:pPr lvl="1"/>
-            <a:r>
-              <a:rPr lang="en-IL" dirty="0"/>
-              <a:t>POST </a:t>
-            </a:r>
-            <a:r>
-              <a:rPr lang="en-US" dirty="0">
-                <a:hlinkClick r:id="rId3"/>
-              </a:rPr>
-              <a:t>http://localhost:8080/ballance/{accountID}/transaction/withdraw?amount=100&amp;currency=NIS  </a:t>
-            </a:r>
-            <a:endParaRPr lang="en-US" dirty="0"/>
-          </a:p>
-          <a:p>
-            <a:pPr lvl="2"/>
-            <a:r>
-              <a:rPr lang="en-US" dirty="0"/>
-              <a:t>Sends a request to withdraw money from the account. Returns the balance of the account after the transaction. </a:t>
-            </a:r>
-          </a:p>
-          <a:p>
-            <a:pPr lvl="1"/>
-            <a:r>
-              <a:rPr lang="en-IL" dirty="0"/>
-              <a:t>POST </a:t>
-            </a:r>
-            <a:r>
-              <a:rPr lang="en-US" dirty="0">
-                <a:hlinkClick r:id="rId4"/>
-              </a:rPr>
-              <a:t>http://localhost:8080/ballance/{accountID}/transaction/invest?amount=100&amp;currency=NIS  </a:t>
-            </a:r>
-            <a:endParaRPr lang="en-US" dirty="0"/>
-          </a:p>
-          <a:p>
-            <a:pPr lvl="2"/>
-            <a:r>
-              <a:rPr lang="en-US" dirty="0"/>
-              <a:t>Sends a request to put money into the account. Returns the balance of the account after the transaction. </a:t>
-            </a:r>
-            <a:endParaRPr lang="en-IL" dirty="0"/>
-          </a:p>
-          <a:p>
-            <a:pPr marL="342900" indent="-342900" algn="l" defTabSz="457200" rtl="0" eaLnBrk="1" latinLnBrk="0" hangingPunct="1">
-              <a:spcBef>
-                <a:spcPts val="1000"/>
-              </a:spcBef>
-              <a:spcAft>
-                <a:spcPts val="0"/>
-              </a:spcAft>
-              <a:buClr>
-                <a:schemeClr val="accent1"/>
-              </a:buClr>
-              <a:buSzPct val="80000"/>
-              <a:buFont typeface="Wingdings 3" charset="2"/>
-              <a:buChar char=""/>
-            </a:pPr>
-            <a:r>
-              <a:rPr lang="en-IL" dirty="0"/>
-              <a:t>Write tests</a:t>
-            </a:r>
           </a:p>
         </p:txBody>
       </p:sp>
     </p:spTree>
     <p:extLst>
       <p:ext uri="{BB962C8B-B14F-4D97-AF65-F5344CB8AC3E}">
-        <p14:creationId xmlns:p14="http://schemas.microsoft.com/office/powerpoint/2010/main" val="2238921821"/>
+        <p14:creationId xmlns:p14="http://schemas.microsoft.com/office/powerpoint/2010/main" val="1602403255"/>
       </p:ext>
     </p:extLst>
   </p:cSld>
   <p:clrMapOvr>
     <a:masterClrMapping/>
   </p:clrMapOvr>
+  <p:timing>
+    <p:tnLst>
+      <p:par>
+        <p:cTn id="1" dur="indefinite" restart="never" nodeType="tmRoot">
+          <p:childTnLst>
+            <p:seq concurrent="1" nextAc="seek">
+              <p:cTn id="2" dur="indefinite" nodeType="mainSeq">
+                <p:childTnLst>
+                  <p:par>
+                    <p:cTn id="3" fill="hold">
+                      <p:stCondLst>
+                        <p:cond delay="indefinite"/>
+                      </p:stCondLst>
+                      <p:childTnLst>
+                        <p:par>
+                          <p:cTn id="4" fill="hold">
+                            <p:stCondLst>
+                              <p:cond delay="0"/>
+                            </p:stCondLst>
+                            <p:childTnLst>
+                              <p:par>
+                                <p:cTn id="5" presetID="1" presetClass="entr" presetSubtype="0" fill="hold" grpId="0" nodeType="clickEffect">
+                                  <p:stCondLst>
+                                    <p:cond delay="0"/>
+                                  </p:stCondLst>
+                                  <p:childTnLst>
+                                    <p:set>
+                                      <p:cBhvr>
+                                        <p:cTn id="6" dur="1" fill="hold">
+                                          <p:stCondLst>
+                                            <p:cond delay="0"/>
+                                          </p:stCondLst>
+                                        </p:cTn>
+                                        <p:tgtEl>
+                                          <p:spTgt spid="3">
+                                            <p:txEl>
+                                              <p:pRg st="0" end="0"/>
+                                            </p:txEl>
+                                          </p:spTgt>
+                                        </p:tgtEl>
+                                        <p:attrNameLst>
+                                          <p:attrName>style.visibility</p:attrName>
+                                        </p:attrNameLst>
+                                      </p:cBhvr>
+                                      <p:to>
+                                        <p:strVal val="visible"/>
+                                      </p:to>
+                                    </p:set>
+                                  </p:childTnLst>
+                                </p:cTn>
+                              </p:par>
+                            </p:childTnLst>
+                          </p:cTn>
+                        </p:par>
+                      </p:childTnLst>
+                    </p:cTn>
+                  </p:par>
+                  <p:par>
+                    <p:cTn id="7" fill="hold">
+                      <p:stCondLst>
+                        <p:cond delay="indefinite"/>
+                      </p:stCondLst>
+                      <p:childTnLst>
+                        <p:par>
+                          <p:cTn id="8" fill="hold">
+                            <p:stCondLst>
+                              <p:cond delay="0"/>
+                            </p:stCondLst>
+                            <p:childTnLst>
+                              <p:par>
+                                <p:cTn id="9" presetID="1" presetClass="entr" presetSubtype="0" fill="hold" grpId="0" nodeType="clickEffect">
+                                  <p:stCondLst>
+                                    <p:cond delay="0"/>
+                                  </p:stCondLst>
+                                  <p:childTnLst>
+                                    <p:set>
+                                      <p:cBhvr>
+                                        <p:cTn id="10" dur="1" fill="hold">
+                                          <p:stCondLst>
+                                            <p:cond delay="0"/>
+                                          </p:stCondLst>
+                                        </p:cTn>
+                                        <p:tgtEl>
+                                          <p:spTgt spid="3">
+                                            <p:txEl>
+                                              <p:pRg st="1" end="1"/>
+                                            </p:txEl>
+                                          </p:spTgt>
+                                        </p:tgtEl>
+                                        <p:attrNameLst>
+                                          <p:attrName>style.visibility</p:attrName>
+                                        </p:attrNameLst>
+                                      </p:cBhvr>
+                                      <p:to>
+                                        <p:strVal val="visible"/>
+                                      </p:to>
+                                    </p:set>
+                                  </p:childTnLst>
+                                </p:cTn>
+                              </p:par>
+                            </p:childTnLst>
+                          </p:cTn>
+                        </p:par>
+                      </p:childTnLst>
+                    </p:cTn>
+                  </p:par>
+                </p:childTnLst>
+              </p:cTn>
+              <p:prevCondLst>
+                <p:cond evt="onPrev" delay="0">
+                  <p:tgtEl>
+                    <p:sldTgt/>
+                  </p:tgtEl>
+                </p:cond>
+              </p:prevCondLst>
+              <p:nextCondLst>
+                <p:cond evt="onNext" delay="0">
+                  <p:tgtEl>
+                    <p:sldTgt/>
+                  </p:tgtEl>
+                </p:cond>
+              </p:nextCondLst>
+            </p:seq>
+          </p:childTnLst>
+        </p:cTn>
+      </p:par>
+    </p:tnLst>
+    <p:bldLst>
+      <p:bldP spid="3" grpId="0" build="p"/>
+    </p:bldLst>
+  </p:timing>
 </p:sld>
 </file>
 
@@ -11980,6 +13335,248 @@
           <p:cNvPr id="2" name="Title 1">
             <a:extLst>
               <a:ext uri="{FF2B5EF4-FFF2-40B4-BE49-F238E27FC236}">
+                <a16:creationId xmlns:a16="http://schemas.microsoft.com/office/drawing/2014/main" id="{06F2650E-704A-05BA-C44D-B60D833AD400}"/>
+              </a:ext>
+            </a:extLst>
+          </p:cNvPr>
+          <p:cNvSpPr>
+            <a:spLocks noGrp="1"/>
+          </p:cNvSpPr>
+          <p:nvPr>
+            <p:ph type="title"/>
+          </p:nvPr>
+        </p:nvSpPr>
+        <p:spPr/>
+        <p:txBody>
+          <a:bodyPr/>
+          <a:lstStyle/>
+          <a:p>
+            <a:r>
+              <a:rPr lang="en-IL" dirty="0"/>
+              <a:t>Hands-on</a:t>
+            </a:r>
+          </a:p>
+        </p:txBody>
+      </p:sp>
+      <p:sp>
+        <p:nvSpPr>
+          <p:cNvPr id="3" name="Content Placeholder 2">
+            <a:extLst>
+              <a:ext uri="{FF2B5EF4-FFF2-40B4-BE49-F238E27FC236}">
+                <a16:creationId xmlns:a16="http://schemas.microsoft.com/office/drawing/2014/main" id="{1A7CD13F-FA6F-3E8C-F9AE-F29C9B5DF573}"/>
+              </a:ext>
+            </a:extLst>
+          </p:cNvPr>
+          <p:cNvSpPr>
+            <a:spLocks noGrp="1"/>
+          </p:cNvSpPr>
+          <p:nvPr>
+            <p:ph idx="1"/>
+          </p:nvPr>
+        </p:nvSpPr>
+        <p:spPr/>
+        <p:txBody>
+          <a:bodyPr>
+            <a:normAutofit fontScale="85000" lnSpcReduction="10000"/>
+          </a:bodyPr>
+          <a:lstStyle/>
+          <a:p>
+            <a:pPr marL="342900" indent="-342900" algn="l" defTabSz="457200" rtl="0" eaLnBrk="1" latinLnBrk="0" hangingPunct="1">
+              <a:spcBef>
+                <a:spcPts val="1000"/>
+              </a:spcBef>
+              <a:spcAft>
+                <a:spcPts val="0"/>
+              </a:spcAft>
+              <a:buClr>
+                <a:schemeClr val="accent1"/>
+              </a:buClr>
+              <a:buSzPct val="80000"/>
+              <a:buFont typeface="Wingdings 3" charset="2"/>
+              <a:buChar char=""/>
+            </a:pPr>
+            <a:r>
+              <a:rPr lang="en-IL" dirty="0"/>
+              <a:t>Create a REST microservice that implements ATM (</a:t>
+            </a:r>
+            <a:r>
+              <a:rPr lang="he-IL" dirty="0"/>
+              <a:t>כספומט</a:t>
+            </a:r>
+            <a:r>
+              <a:rPr lang="en-IL" dirty="0"/>
+              <a:t>)</a:t>
+            </a:r>
+          </a:p>
+          <a:p>
+            <a:pPr marL="342900" indent="-342900" algn="l" defTabSz="457200" rtl="0" eaLnBrk="1" latinLnBrk="0" hangingPunct="1">
+              <a:spcBef>
+                <a:spcPts val="1000"/>
+              </a:spcBef>
+              <a:spcAft>
+                <a:spcPts val="0"/>
+              </a:spcAft>
+              <a:buClr>
+                <a:schemeClr val="accent1"/>
+              </a:buClr>
+              <a:buSzPct val="80000"/>
+              <a:buFont typeface="Wingdings 3" charset="2"/>
+              <a:buChar char=""/>
+            </a:pPr>
+            <a:r>
+              <a:rPr lang="en-IL" dirty="0"/>
+              <a:t>Implement a repository class that keeps the amount of money for different accounts.</a:t>
+            </a:r>
+          </a:p>
+          <a:p>
+            <a:pPr marL="342900" indent="-342900" algn="l" defTabSz="457200" rtl="0" eaLnBrk="1" latinLnBrk="0" hangingPunct="1">
+              <a:spcBef>
+                <a:spcPts val="1000"/>
+              </a:spcBef>
+              <a:spcAft>
+                <a:spcPts val="0"/>
+              </a:spcAft>
+              <a:buClr>
+                <a:schemeClr val="accent1"/>
+              </a:buClr>
+              <a:buSzPct val="80000"/>
+              <a:buFont typeface="Wingdings 3" charset="2"/>
+              <a:buChar char=""/>
+            </a:pPr>
+            <a:r>
+              <a:rPr lang="en-IL" dirty="0"/>
+              <a:t>Implement the following APIs:</a:t>
+            </a:r>
+          </a:p>
+          <a:p>
+            <a:pPr lvl="1" indent="-342900"/>
+            <a:r>
+              <a:rPr lang="en-IL" dirty="0"/>
+              <a:t>GET </a:t>
+            </a:r>
+            <a:r>
+              <a:rPr lang="en-US" dirty="0">
+                <a:hlinkClick r:id="rId2"/>
+              </a:rPr>
+              <a:t>http://localhost:8080/ballance/{accountID}/info?currency=NIS</a:t>
+            </a:r>
+            <a:endParaRPr lang="en-IL" dirty="0"/>
+          </a:p>
+          <a:p>
+            <a:pPr lvl="2" indent="-342900"/>
+            <a:r>
+              <a:rPr lang="en-IL" dirty="0"/>
+              <a:t>Returns the amount of money for the specified account. Currency is an optional </a:t>
+            </a:r>
+            <a:r>
+              <a:rPr lang="en-US" dirty="0"/>
+              <a:t>parameter;</a:t>
+            </a:r>
+            <a:r>
+              <a:rPr lang="en-IL" dirty="0"/>
+              <a:t> the default value is NIS.</a:t>
+            </a:r>
+          </a:p>
+          <a:p>
+            <a:pPr lvl="1"/>
+            <a:r>
+              <a:rPr lang="en-IL" dirty="0"/>
+              <a:t>POST </a:t>
+            </a:r>
+            <a:r>
+              <a:rPr lang="en-US" dirty="0">
+                <a:hlinkClick r:id="rId3"/>
+              </a:rPr>
+              <a:t>http://localhost:8080/ballance/{accountID}/transaction/withdraw?amount=100&amp;currency=NIS  </a:t>
+            </a:r>
+            <a:endParaRPr lang="en-US" dirty="0"/>
+          </a:p>
+          <a:p>
+            <a:pPr lvl="2"/>
+            <a:r>
+              <a:rPr lang="en-US" dirty="0"/>
+              <a:t>Sends a request to withdraw money from the account. Returns the balance of the account after the transaction. </a:t>
+            </a:r>
+          </a:p>
+          <a:p>
+            <a:pPr lvl="1"/>
+            <a:r>
+              <a:rPr lang="en-IL" dirty="0"/>
+              <a:t>POST </a:t>
+            </a:r>
+            <a:r>
+              <a:rPr lang="en-US" dirty="0">
+                <a:hlinkClick r:id="rId4"/>
+              </a:rPr>
+              <a:t>http://localhost:8080/ballance/{accountID}/transaction/invest?amount=100&amp;currency=NIS  </a:t>
+            </a:r>
+            <a:endParaRPr lang="en-US" dirty="0"/>
+          </a:p>
+          <a:p>
+            <a:pPr lvl="2"/>
+            <a:r>
+              <a:rPr lang="en-US" dirty="0"/>
+              <a:t>Sends a request to put money into the account. Returns the balance of the account after the transaction. </a:t>
+            </a:r>
+            <a:endParaRPr lang="en-IL" dirty="0"/>
+          </a:p>
+          <a:p>
+            <a:pPr marL="342900" indent="-342900" algn="l" defTabSz="457200" rtl="0" eaLnBrk="1" latinLnBrk="0" hangingPunct="1">
+              <a:spcBef>
+                <a:spcPts val="1000"/>
+              </a:spcBef>
+              <a:spcAft>
+                <a:spcPts val="0"/>
+              </a:spcAft>
+              <a:buClr>
+                <a:schemeClr val="accent1"/>
+              </a:buClr>
+              <a:buSzPct val="80000"/>
+              <a:buFont typeface="Wingdings 3" charset="2"/>
+              <a:buChar char=""/>
+            </a:pPr>
+            <a:r>
+              <a:rPr lang="en-IL" dirty="0"/>
+              <a:t>Write tests</a:t>
+            </a:r>
+          </a:p>
+        </p:txBody>
+      </p:sp>
+    </p:spTree>
+    <p:extLst>
+      <p:ext uri="{BB962C8B-B14F-4D97-AF65-F5344CB8AC3E}">
+        <p14:creationId xmlns:p14="http://schemas.microsoft.com/office/powerpoint/2010/main" val="2238921821"/>
+      </p:ext>
+    </p:extLst>
+  </p:cSld>
+  <p:clrMapOvr>
+    <a:masterClrMapping/>
+  </p:clrMapOvr>
+</p:sld>
+</file>
+
+<file path=ppt/slides/slide21.xml><?xml version="1.0" encoding="utf-8"?>
+<p:sld xmlns:a="http://schemas.openxmlformats.org/drawingml/2006/main" xmlns:r="http://schemas.openxmlformats.org/officeDocument/2006/relationships" xmlns:p="http://schemas.openxmlformats.org/presentationml/2006/main">
+  <p:cSld>
+    <p:spTree>
+      <p:nvGrpSpPr>
+        <p:cNvPr id="1" name=""/>
+        <p:cNvGrpSpPr/>
+        <p:nvPr/>
+      </p:nvGrpSpPr>
+      <p:grpSpPr>
+        <a:xfrm>
+          <a:off x="0" y="0"/>
+          <a:ext cx="0" cy="0"/>
+          <a:chOff x="0" y="0"/>
+          <a:chExt cx="0" cy="0"/>
+        </a:xfrm>
+      </p:grpSpPr>
+      <p:sp>
+        <p:nvSpPr>
+          <p:cNvPr id="2" name="Title 1">
+            <a:extLst>
+              <a:ext uri="{FF2B5EF4-FFF2-40B4-BE49-F238E27FC236}">
                 <a16:creationId xmlns:a16="http://schemas.microsoft.com/office/drawing/2014/main" id="{2FA11E1D-F7CD-9C2E-E611-F939102AC085}"/>
               </a:ext>
             </a:extLst>
@@ -11998,7 +13595,7 @@
           <a:p>
             <a:r>
               <a:rPr lang="en-IL" dirty="0"/>
-              <a:t>Part 2: Error handling in REST with Spring</a:t>
+              <a:t>Part 3: Error handling in REST with Spring</a:t>
             </a:r>
           </a:p>
         </p:txBody>
@@ -12132,10 +13729,200 @@
   <p:clrMapOvr>
     <a:masterClrMapping/>
   </p:clrMapOvr>
+  <p:timing>
+    <p:tnLst>
+      <p:par>
+        <p:cTn id="1" dur="indefinite" restart="never" nodeType="tmRoot">
+          <p:childTnLst>
+            <p:seq concurrent="1" nextAc="seek">
+              <p:cTn id="2" dur="indefinite" nodeType="mainSeq">
+                <p:childTnLst>
+                  <p:par>
+                    <p:cTn id="3" fill="hold">
+                      <p:stCondLst>
+                        <p:cond delay="indefinite"/>
+                      </p:stCondLst>
+                      <p:childTnLst>
+                        <p:par>
+                          <p:cTn id="4" fill="hold">
+                            <p:stCondLst>
+                              <p:cond delay="0"/>
+                            </p:stCondLst>
+                            <p:childTnLst>
+                              <p:par>
+                                <p:cTn id="5" presetID="1" presetClass="entr" presetSubtype="0" fill="hold" nodeType="clickEffect">
+                                  <p:stCondLst>
+                                    <p:cond delay="0"/>
+                                  </p:stCondLst>
+                                  <p:childTnLst>
+                                    <p:set>
+                                      <p:cBhvr>
+                                        <p:cTn id="6" dur="1" fill="hold">
+                                          <p:stCondLst>
+                                            <p:cond delay="0"/>
+                                          </p:stCondLst>
+                                        </p:cTn>
+                                        <p:tgtEl>
+                                          <p:spTgt spid="3">
+                                            <p:txEl>
+                                              <p:pRg st="0" end="0"/>
+                                            </p:txEl>
+                                          </p:spTgt>
+                                        </p:tgtEl>
+                                        <p:attrNameLst>
+                                          <p:attrName>style.visibility</p:attrName>
+                                        </p:attrNameLst>
+                                      </p:cBhvr>
+                                      <p:to>
+                                        <p:strVal val="visible"/>
+                                      </p:to>
+                                    </p:set>
+                                  </p:childTnLst>
+                                </p:cTn>
+                              </p:par>
+                              <p:par>
+                                <p:cTn id="7" presetID="1" presetClass="entr" presetSubtype="0" fill="hold" nodeType="withEffect">
+                                  <p:stCondLst>
+                                    <p:cond delay="0"/>
+                                  </p:stCondLst>
+                                  <p:childTnLst>
+                                    <p:set>
+                                      <p:cBhvr>
+                                        <p:cTn id="8" dur="1" fill="hold">
+                                          <p:stCondLst>
+                                            <p:cond delay="0"/>
+                                          </p:stCondLst>
+                                        </p:cTn>
+                                        <p:tgtEl>
+                                          <p:spTgt spid="3">
+                                            <p:txEl>
+                                              <p:pRg st="1" end="1"/>
+                                            </p:txEl>
+                                          </p:spTgt>
+                                        </p:tgtEl>
+                                        <p:attrNameLst>
+                                          <p:attrName>style.visibility</p:attrName>
+                                        </p:attrNameLst>
+                                      </p:cBhvr>
+                                      <p:to>
+                                        <p:strVal val="visible"/>
+                                      </p:to>
+                                    </p:set>
+                                  </p:childTnLst>
+                                </p:cTn>
+                              </p:par>
+                              <p:par>
+                                <p:cTn id="9" presetID="1" presetClass="entr" presetSubtype="0" fill="hold" nodeType="withEffect">
+                                  <p:stCondLst>
+                                    <p:cond delay="0"/>
+                                  </p:stCondLst>
+                                  <p:childTnLst>
+                                    <p:set>
+                                      <p:cBhvr>
+                                        <p:cTn id="10" dur="1" fill="hold">
+                                          <p:stCondLst>
+                                            <p:cond delay="0"/>
+                                          </p:stCondLst>
+                                        </p:cTn>
+                                        <p:tgtEl>
+                                          <p:spTgt spid="3">
+                                            <p:txEl>
+                                              <p:pRg st="2" end="2"/>
+                                            </p:txEl>
+                                          </p:spTgt>
+                                        </p:tgtEl>
+                                        <p:attrNameLst>
+                                          <p:attrName>style.visibility</p:attrName>
+                                        </p:attrNameLst>
+                                      </p:cBhvr>
+                                      <p:to>
+                                        <p:strVal val="visible"/>
+                                      </p:to>
+                                    </p:set>
+                                  </p:childTnLst>
+                                </p:cTn>
+                              </p:par>
+                            </p:childTnLst>
+                          </p:cTn>
+                        </p:par>
+                      </p:childTnLst>
+                    </p:cTn>
+                  </p:par>
+                  <p:par>
+                    <p:cTn id="11" fill="hold">
+                      <p:stCondLst>
+                        <p:cond delay="indefinite"/>
+                      </p:stCondLst>
+                      <p:childTnLst>
+                        <p:par>
+                          <p:cTn id="12" fill="hold">
+                            <p:stCondLst>
+                              <p:cond delay="0"/>
+                            </p:stCondLst>
+                            <p:childTnLst>
+                              <p:par>
+                                <p:cTn id="13" presetID="1" presetClass="entr" presetSubtype="0" fill="hold" nodeType="clickEffect">
+                                  <p:stCondLst>
+                                    <p:cond delay="0"/>
+                                  </p:stCondLst>
+                                  <p:childTnLst>
+                                    <p:set>
+                                      <p:cBhvr>
+                                        <p:cTn id="14" dur="1" fill="hold">
+                                          <p:stCondLst>
+                                            <p:cond delay="0"/>
+                                          </p:stCondLst>
+                                        </p:cTn>
+                                        <p:tgtEl>
+                                          <p:spTgt spid="3">
+                                            <p:txEl>
+                                              <p:pRg st="3" end="3"/>
+                                            </p:txEl>
+                                          </p:spTgt>
+                                        </p:tgtEl>
+                                        <p:attrNameLst>
+                                          <p:attrName>style.visibility</p:attrName>
+                                        </p:attrNameLst>
+                                      </p:cBhvr>
+                                      <p:to>
+                                        <p:strVal val="visible"/>
+                                      </p:to>
+                                    </p:set>
+                                  </p:childTnLst>
+                                </p:cTn>
+                              </p:par>
+                            </p:childTnLst>
+                          </p:cTn>
+                        </p:par>
+                      </p:childTnLst>
+                    </p:cTn>
+                  </p:par>
+                </p:childTnLst>
+              </p:cTn>
+              <p:prevCondLst>
+                <p:cond evt="onPrev" delay="0">
+                  <p:tgtEl>
+                    <p:sldTgt/>
+                  </p:tgtEl>
+                </p:cond>
+              </p:prevCondLst>
+              <p:nextCondLst>
+                <p:cond evt="onNext" delay="0">
+                  <p:tgtEl>
+                    <p:sldTgt/>
+                  </p:tgtEl>
+                </p:cond>
+              </p:nextCondLst>
+            </p:seq>
+          </p:childTnLst>
+        </p:cTn>
+      </p:par>
+    </p:tnLst>
+  </p:timing>
 </p:sld>
 </file>
 
-<file path=ppt/slides/slide21.xml><?xml version="1.0" encoding="utf-8"?>
+<file path=ppt/slides/slide22.xml><?xml version="1.0" encoding="utf-8"?>
 <p:sld xmlns:a="http://schemas.openxmlformats.org/drawingml/2006/main" xmlns:r="http://schemas.openxmlformats.org/officeDocument/2006/relationships" xmlns:p="http://schemas.openxmlformats.org/presentationml/2006/main">
   <p:cSld>
     <p:spTree>
@@ -12569,7 +14356,7 @@
 </p:sld>
 </file>
 
-<file path=ppt/slides/slide22.xml><?xml version="1.0" encoding="utf-8"?>
+<file path=ppt/slides/slide23.xml><?xml version="1.0" encoding="utf-8"?>
 <p:sld xmlns:a="http://schemas.openxmlformats.org/drawingml/2006/main" xmlns:r="http://schemas.openxmlformats.org/officeDocument/2006/relationships" xmlns:p="http://schemas.openxmlformats.org/presentationml/2006/main">
   <p:cSld>
     <p:spTree>
@@ -12787,10 +14574,141 @@
   <p:clrMapOvr>
     <a:masterClrMapping/>
   </p:clrMapOvr>
+  <p:timing>
+    <p:tnLst>
+      <p:par>
+        <p:cTn id="1" dur="indefinite" restart="never" nodeType="tmRoot">
+          <p:childTnLst>
+            <p:seq concurrent="1" nextAc="seek">
+              <p:cTn id="2" dur="indefinite" nodeType="mainSeq">
+                <p:childTnLst>
+                  <p:par>
+                    <p:cTn id="3" fill="hold">
+                      <p:stCondLst>
+                        <p:cond delay="indefinite"/>
+                      </p:stCondLst>
+                      <p:childTnLst>
+                        <p:par>
+                          <p:cTn id="4" fill="hold">
+                            <p:stCondLst>
+                              <p:cond delay="0"/>
+                            </p:stCondLst>
+                            <p:childTnLst>
+                              <p:par>
+                                <p:cTn id="5" presetID="1" presetClass="entr" presetSubtype="0" fill="hold" grpId="0" nodeType="clickEffect">
+                                  <p:stCondLst>
+                                    <p:cond delay="0"/>
+                                  </p:stCondLst>
+                                  <p:childTnLst>
+                                    <p:set>
+                                      <p:cBhvr>
+                                        <p:cTn id="6" dur="1" fill="hold">
+                                          <p:stCondLst>
+                                            <p:cond delay="0"/>
+                                          </p:stCondLst>
+                                        </p:cTn>
+                                        <p:tgtEl>
+                                          <p:spTgt spid="3">
+                                            <p:txEl>
+                                              <p:pRg st="0" end="0"/>
+                                            </p:txEl>
+                                          </p:spTgt>
+                                        </p:tgtEl>
+                                        <p:attrNameLst>
+                                          <p:attrName>style.visibility</p:attrName>
+                                        </p:attrNameLst>
+                                      </p:cBhvr>
+                                      <p:to>
+                                        <p:strVal val="visible"/>
+                                      </p:to>
+                                    </p:set>
+                                  </p:childTnLst>
+                                </p:cTn>
+                              </p:par>
+                            </p:childTnLst>
+                          </p:cTn>
+                        </p:par>
+                      </p:childTnLst>
+                    </p:cTn>
+                  </p:par>
+                  <p:par>
+                    <p:cTn id="7" fill="hold">
+                      <p:stCondLst>
+                        <p:cond delay="indefinite"/>
+                      </p:stCondLst>
+                      <p:childTnLst>
+                        <p:par>
+                          <p:cTn id="8" fill="hold">
+                            <p:stCondLst>
+                              <p:cond delay="0"/>
+                            </p:stCondLst>
+                            <p:childTnLst>
+                              <p:par>
+                                <p:cTn id="9" presetID="1" presetClass="entr" presetSubtype="0" fill="hold" grpId="0" nodeType="clickEffect">
+                                  <p:stCondLst>
+                                    <p:cond delay="0"/>
+                                  </p:stCondLst>
+                                  <p:childTnLst>
+                                    <p:set>
+                                      <p:cBhvr>
+                                        <p:cTn id="10" dur="1" fill="hold">
+                                          <p:stCondLst>
+                                            <p:cond delay="0"/>
+                                          </p:stCondLst>
+                                        </p:cTn>
+                                        <p:tgtEl>
+                                          <p:spTgt spid="3">
+                                            <p:txEl>
+                                              <p:pRg st="1" end="1"/>
+                                            </p:txEl>
+                                          </p:spTgt>
+                                        </p:tgtEl>
+                                        <p:attrNameLst>
+                                          <p:attrName>style.visibility</p:attrName>
+                                        </p:attrNameLst>
+                                      </p:cBhvr>
+                                      <p:to>
+                                        <p:strVal val="visible"/>
+                                      </p:to>
+                                    </p:set>
+                                  </p:childTnLst>
+                                </p:cTn>
+                              </p:par>
+                            </p:childTnLst>
+                          </p:cTn>
+                        </p:par>
+                      </p:childTnLst>
+                    </p:cTn>
+                  </p:par>
+                </p:childTnLst>
+              </p:cTn>
+              <p:prevCondLst>
+                <p:cond evt="onPrev" delay="0">
+                  <p:tgtEl>
+                    <p:sldTgt/>
+                  </p:tgtEl>
+                </p:cond>
+              </p:prevCondLst>
+              <p:nextCondLst>
+                <p:cond evt="onNext" delay="0">
+                  <p:tgtEl>
+                    <p:sldTgt/>
+                  </p:tgtEl>
+                </p:cond>
+              </p:nextCondLst>
+            </p:seq>
+          </p:childTnLst>
+        </p:cTn>
+      </p:par>
+    </p:tnLst>
+    <p:bldLst>
+      <p:bldP spid="3" grpId="0" build="p"/>
+    </p:bldLst>
+  </p:timing>
 </p:sld>
 </file>
 
-<file path=ppt/slides/slide23.xml><?xml version="1.0" encoding="utf-8"?>
+<file path=ppt/slides/slide24.xml><?xml version="1.0" encoding="utf-8"?>
 <p:sld xmlns:a="http://schemas.openxmlformats.org/drawingml/2006/main" xmlns:r="http://schemas.openxmlformats.org/officeDocument/2006/relationships" xmlns:p="http://schemas.openxmlformats.org/presentationml/2006/main">
   <p:cSld>
     <p:spTree>
@@ -12857,11 +14775,11 @@
           <a:lstStyle/>
           <a:p>
             <a:r>
-              <a:rPr lang="en-US" sz="2000" dirty="0"/>
+              <a:rPr lang="en-US" sz="2800" dirty="0"/>
               <a:t>As the name suggests, </a:t>
             </a:r>
             <a:r>
-              <a:rPr lang="en-US" sz="2000" dirty="0">
+              <a:rPr lang="en-US" sz="2800" dirty="0">
                 <a:solidFill>
                   <a:schemeClr val="accent2"/>
                 </a:solidFill>
@@ -12869,7 +14787,7 @@
               <a:t>@</a:t>
             </a:r>
             <a:r>
-              <a:rPr lang="en-US" sz="2000" dirty="0" err="1">
+              <a:rPr lang="en-US" sz="2800" dirty="0" err="1">
                 <a:solidFill>
                   <a:schemeClr val="accent2"/>
                 </a:solidFill>
@@ -12877,7 +14795,7 @@
               <a:t>ResponseStatus</a:t>
             </a:r>
             <a:r>
-              <a:rPr lang="en-US" sz="2000" dirty="0">
+              <a:rPr lang="en-US" sz="2800" dirty="0">
                 <a:solidFill>
                   <a:schemeClr val="accent2"/>
                 </a:solidFill>
@@ -12885,25 +14803,25 @@
               <a:t> </a:t>
             </a:r>
             <a:r>
-              <a:rPr lang="en-US" sz="2000" dirty="0"/>
+              <a:rPr lang="en-US" sz="2800" dirty="0"/>
               <a:t>allows us to modify the HTTP status of our response. It can be applied in the following places:</a:t>
             </a:r>
           </a:p>
           <a:p>
             <a:pPr lvl="1"/>
             <a:r>
-              <a:rPr lang="en-US" sz="1800" dirty="0"/>
+              <a:rPr lang="en-US" sz="2400" dirty="0"/>
               <a:t>On the exception class itself</a:t>
             </a:r>
           </a:p>
           <a:p>
             <a:pPr lvl="1"/>
             <a:r>
-              <a:rPr lang="en-US" sz="1800" dirty="0"/>
+              <a:rPr lang="en-US" sz="2400" dirty="0"/>
               <a:t>Along with the </a:t>
             </a:r>
             <a:r>
-              <a:rPr lang="en-US" sz="1800" dirty="0">
+              <a:rPr lang="en-US" sz="2400" dirty="0">
                 <a:solidFill>
                   <a:schemeClr val="accent2"/>
                 </a:solidFill>
@@ -12911,7 +14829,7 @@
               <a:t>@</a:t>
             </a:r>
             <a:r>
-              <a:rPr lang="en-US" sz="1800" dirty="0" err="1">
+              <a:rPr lang="en-US" sz="2400" dirty="0" err="1">
                 <a:solidFill>
                   <a:schemeClr val="accent2"/>
                 </a:solidFill>
@@ -12919,7 +14837,7 @@
               <a:t>ExceptionHandler</a:t>
             </a:r>
             <a:r>
-              <a:rPr lang="en-US" sz="1800" dirty="0">
+              <a:rPr lang="en-US" sz="2400" dirty="0">
                 <a:solidFill>
                   <a:schemeClr val="accent2"/>
                 </a:solidFill>
@@ -12927,18 +14845,18 @@
               <a:t> </a:t>
             </a:r>
             <a:r>
-              <a:rPr lang="en-US" sz="1800" dirty="0"/>
+              <a:rPr lang="en-US" sz="2400" dirty="0"/>
               <a:t>annotation on methods</a:t>
             </a:r>
           </a:p>
           <a:p>
             <a:pPr lvl="1"/>
             <a:r>
-              <a:rPr lang="en-US" sz="1800" dirty="0"/>
+              <a:rPr lang="en-US" sz="2400" dirty="0"/>
               <a:t>Along with the </a:t>
             </a:r>
             <a:r>
-              <a:rPr lang="en-US" sz="1800" dirty="0">
+              <a:rPr lang="en-US" sz="2400" dirty="0">
                 <a:solidFill>
                   <a:schemeClr val="accent2"/>
                 </a:solidFill>
@@ -12946,7 +14864,7 @@
               <a:t>@</a:t>
             </a:r>
             <a:r>
-              <a:rPr lang="en-US" sz="1800" dirty="0" err="1">
+              <a:rPr lang="en-US" sz="2400" dirty="0" err="1">
                 <a:solidFill>
                   <a:schemeClr val="accent2"/>
                 </a:solidFill>
@@ -12954,7 +14872,7 @@
               <a:t>ControllerAdvice</a:t>
             </a:r>
             <a:r>
-              <a:rPr lang="en-US" sz="1800" dirty="0">
+              <a:rPr lang="en-US" sz="2400" dirty="0">
                 <a:solidFill>
                   <a:schemeClr val="accent2"/>
                 </a:solidFill>
@@ -12962,38 +14880,8 @@
               <a:t> </a:t>
             </a:r>
             <a:r>
-              <a:rPr lang="en-US" sz="1800" dirty="0"/>
+              <a:rPr lang="en-US" sz="2400" dirty="0"/>
               <a:t>annotation on classes</a:t>
-            </a:r>
-          </a:p>
-          <a:p>
-            <a:r>
-              <a:rPr lang="en-US" sz="2000" dirty="0">
-                <a:solidFill>
-                  <a:schemeClr val="accent2"/>
-                </a:solidFill>
-              </a:rPr>
-              <a:t>@</a:t>
-            </a:r>
-            <a:r>
-              <a:rPr lang="en-US" sz="2000" dirty="0" err="1">
-                <a:solidFill>
-                  <a:schemeClr val="accent2"/>
-                </a:solidFill>
-              </a:rPr>
-              <a:t>ResponseStatus</a:t>
-            </a:r>
-            <a:r>
-              <a:rPr lang="en-US" sz="2000" dirty="0">
-                <a:solidFill>
-                  <a:schemeClr val="accent2"/>
-                </a:solidFill>
-              </a:rPr>
-              <a:t> </a:t>
-            </a:r>
-            <a:r>
-              <a:rPr lang="en-US" sz="2000" dirty="0"/>
-              <a:t>allows to define a status code that we want to return.</a:t>
             </a:r>
           </a:p>
           <a:p>
@@ -13014,7 +14902,7 @@
 </p:sld>
 </file>
 
-<file path=ppt/slides/slide24.xml><?xml version="1.0" encoding="utf-8"?>
+<file path=ppt/slides/slide25.xml><?xml version="1.0" encoding="utf-8"?>
 <p:sld xmlns:a="http://schemas.openxmlformats.org/drawingml/2006/main" xmlns:r="http://schemas.openxmlformats.org/officeDocument/2006/relationships" xmlns:p="http://schemas.openxmlformats.org/presentationml/2006/main">
   <p:cSld>
     <p:spTree>
@@ -13934,7 +15822,7 @@
 </p:sld>
 </file>
 
-<file path=ppt/slides/slide25.xml><?xml version="1.0" encoding="utf-8"?>
+<file path=ppt/slides/slide26.xml><?xml version="1.0" encoding="utf-8"?>
 <p:sld xmlns:a="http://schemas.openxmlformats.org/drawingml/2006/main" xmlns:r="http://schemas.openxmlformats.org/officeDocument/2006/relationships" xmlns:p="http://schemas.openxmlformats.org/presentationml/2006/main">
   <p:cSld>
     <p:spTree>
@@ -14057,7 +15945,7 @@
 </p:sld>
 </file>
 
-<file path=ppt/slides/slide26.xml><?xml version="1.0" encoding="utf-8"?>
+<file path=ppt/slides/slide27.xml><?xml version="1.0" encoding="utf-8"?>
 <p:sld xmlns:a="http://schemas.openxmlformats.org/drawingml/2006/main" xmlns:r="http://schemas.openxmlformats.org/officeDocument/2006/relationships" xmlns:p="http://schemas.openxmlformats.org/presentationml/2006/main">
   <p:cSld>
     <p:spTree>
@@ -14097,7 +15985,7 @@
           <a:p>
             <a:r>
               <a:rPr lang="en-IL" dirty="0"/>
-              <a:t>Part 3: Configuration in Spring Boot applications</a:t>
+              <a:t>Part 4: Configuration in Spring Boot applications</a:t>
             </a:r>
           </a:p>
         </p:txBody>
@@ -14210,7 +16098,7 @@
 </p:sld>
 </file>
 
-<file path=ppt/slides/slide27.xml><?xml version="1.0" encoding="utf-8"?>
+<file path=ppt/slides/slide28.xml><?xml version="1.0" encoding="utf-8"?>
 <p:sld xmlns:a="http://schemas.openxmlformats.org/drawingml/2006/main" xmlns:r="http://schemas.openxmlformats.org/officeDocument/2006/relationships" xmlns:p="http://schemas.openxmlformats.org/presentationml/2006/main">
   <p:cSld>
     <p:spTree>
@@ -14432,10 +16320,378 @@
   <p:clrMapOvr>
     <a:masterClrMapping/>
   </p:clrMapOvr>
+  <p:timing>
+    <p:tnLst>
+      <p:par>
+        <p:cTn id="1" dur="indefinite" restart="never" nodeType="tmRoot">
+          <p:childTnLst>
+            <p:seq concurrent="1" nextAc="seek">
+              <p:cTn id="2" dur="indefinite" nodeType="mainSeq">
+                <p:childTnLst>
+                  <p:par>
+                    <p:cTn id="3" fill="hold">
+                      <p:stCondLst>
+                        <p:cond delay="indefinite"/>
+                      </p:stCondLst>
+                      <p:childTnLst>
+                        <p:par>
+                          <p:cTn id="4" fill="hold">
+                            <p:stCondLst>
+                              <p:cond delay="0"/>
+                            </p:stCondLst>
+                            <p:childTnLst>
+                              <p:par>
+                                <p:cTn id="5" presetID="1" presetClass="entr" presetSubtype="0" fill="hold" nodeType="clickEffect">
+                                  <p:stCondLst>
+                                    <p:cond delay="0"/>
+                                  </p:stCondLst>
+                                  <p:childTnLst>
+                                    <p:set>
+                                      <p:cBhvr>
+                                        <p:cTn id="6" dur="1" fill="hold">
+                                          <p:stCondLst>
+                                            <p:cond delay="0"/>
+                                          </p:stCondLst>
+                                        </p:cTn>
+                                        <p:tgtEl>
+                                          <p:spTgt spid="3">
+                                            <p:txEl>
+                                              <p:pRg st="0" end="0"/>
+                                            </p:txEl>
+                                          </p:spTgt>
+                                        </p:tgtEl>
+                                        <p:attrNameLst>
+                                          <p:attrName>style.visibility</p:attrName>
+                                        </p:attrNameLst>
+                                      </p:cBhvr>
+                                      <p:to>
+                                        <p:strVal val="visible"/>
+                                      </p:to>
+                                    </p:set>
+                                  </p:childTnLst>
+                                </p:cTn>
+                              </p:par>
+                            </p:childTnLst>
+                          </p:cTn>
+                        </p:par>
+                      </p:childTnLst>
+                    </p:cTn>
+                  </p:par>
+                  <p:par>
+                    <p:cTn id="7" fill="hold">
+                      <p:stCondLst>
+                        <p:cond delay="indefinite"/>
+                      </p:stCondLst>
+                      <p:childTnLst>
+                        <p:par>
+                          <p:cTn id="8" fill="hold">
+                            <p:stCondLst>
+                              <p:cond delay="0"/>
+                            </p:stCondLst>
+                            <p:childTnLst>
+                              <p:par>
+                                <p:cTn id="9" presetID="1" presetClass="entr" presetSubtype="0" fill="hold" nodeType="clickEffect">
+                                  <p:stCondLst>
+                                    <p:cond delay="0"/>
+                                  </p:stCondLst>
+                                  <p:childTnLst>
+                                    <p:set>
+                                      <p:cBhvr>
+                                        <p:cTn id="10" dur="1" fill="hold">
+                                          <p:stCondLst>
+                                            <p:cond delay="0"/>
+                                          </p:stCondLst>
+                                        </p:cTn>
+                                        <p:tgtEl>
+                                          <p:spTgt spid="3">
+                                            <p:txEl>
+                                              <p:pRg st="1" end="1"/>
+                                            </p:txEl>
+                                          </p:spTgt>
+                                        </p:tgtEl>
+                                        <p:attrNameLst>
+                                          <p:attrName>style.visibility</p:attrName>
+                                        </p:attrNameLst>
+                                      </p:cBhvr>
+                                      <p:to>
+                                        <p:strVal val="visible"/>
+                                      </p:to>
+                                    </p:set>
+                                  </p:childTnLst>
+                                </p:cTn>
+                              </p:par>
+                            </p:childTnLst>
+                          </p:cTn>
+                        </p:par>
+                      </p:childTnLst>
+                    </p:cTn>
+                  </p:par>
+                  <p:par>
+                    <p:cTn id="11" fill="hold">
+                      <p:stCondLst>
+                        <p:cond delay="indefinite"/>
+                      </p:stCondLst>
+                      <p:childTnLst>
+                        <p:par>
+                          <p:cTn id="12" fill="hold">
+                            <p:stCondLst>
+                              <p:cond delay="0"/>
+                            </p:stCondLst>
+                            <p:childTnLst>
+                              <p:par>
+                                <p:cTn id="13" presetID="1" presetClass="entr" presetSubtype="0" fill="hold" nodeType="clickEffect">
+                                  <p:stCondLst>
+                                    <p:cond delay="0"/>
+                                  </p:stCondLst>
+                                  <p:childTnLst>
+                                    <p:set>
+                                      <p:cBhvr>
+                                        <p:cTn id="14" dur="1" fill="hold">
+                                          <p:stCondLst>
+                                            <p:cond delay="0"/>
+                                          </p:stCondLst>
+                                        </p:cTn>
+                                        <p:tgtEl>
+                                          <p:spTgt spid="3">
+                                            <p:txEl>
+                                              <p:pRg st="2" end="2"/>
+                                            </p:txEl>
+                                          </p:spTgt>
+                                        </p:tgtEl>
+                                        <p:attrNameLst>
+                                          <p:attrName>style.visibility</p:attrName>
+                                        </p:attrNameLst>
+                                      </p:cBhvr>
+                                      <p:to>
+                                        <p:strVal val="visible"/>
+                                      </p:to>
+                                    </p:set>
+                                  </p:childTnLst>
+                                </p:cTn>
+                              </p:par>
+                              <p:par>
+                                <p:cTn id="15" presetID="1" presetClass="entr" presetSubtype="0" fill="hold" nodeType="withEffect">
+                                  <p:stCondLst>
+                                    <p:cond delay="0"/>
+                                  </p:stCondLst>
+                                  <p:childTnLst>
+                                    <p:set>
+                                      <p:cBhvr>
+                                        <p:cTn id="16" dur="1" fill="hold">
+                                          <p:stCondLst>
+                                            <p:cond delay="0"/>
+                                          </p:stCondLst>
+                                        </p:cTn>
+                                        <p:tgtEl>
+                                          <p:spTgt spid="3">
+                                            <p:txEl>
+                                              <p:pRg st="3" end="3"/>
+                                            </p:txEl>
+                                          </p:spTgt>
+                                        </p:tgtEl>
+                                        <p:attrNameLst>
+                                          <p:attrName>style.visibility</p:attrName>
+                                        </p:attrNameLst>
+                                      </p:cBhvr>
+                                      <p:to>
+                                        <p:strVal val="visible"/>
+                                      </p:to>
+                                    </p:set>
+                                  </p:childTnLst>
+                                </p:cTn>
+                              </p:par>
+                            </p:childTnLst>
+                          </p:cTn>
+                        </p:par>
+                      </p:childTnLst>
+                    </p:cTn>
+                  </p:par>
+                  <p:par>
+                    <p:cTn id="17" fill="hold">
+                      <p:stCondLst>
+                        <p:cond delay="indefinite"/>
+                      </p:stCondLst>
+                      <p:childTnLst>
+                        <p:par>
+                          <p:cTn id="18" fill="hold">
+                            <p:stCondLst>
+                              <p:cond delay="0"/>
+                            </p:stCondLst>
+                            <p:childTnLst>
+                              <p:par>
+                                <p:cTn id="19" presetID="1" presetClass="entr" presetSubtype="0" fill="hold" nodeType="clickEffect">
+                                  <p:stCondLst>
+                                    <p:cond delay="0"/>
+                                  </p:stCondLst>
+                                  <p:childTnLst>
+                                    <p:set>
+                                      <p:cBhvr>
+                                        <p:cTn id="20" dur="1" fill="hold">
+                                          <p:stCondLst>
+                                            <p:cond delay="0"/>
+                                          </p:stCondLst>
+                                        </p:cTn>
+                                        <p:tgtEl>
+                                          <p:spTgt spid="3">
+                                            <p:txEl>
+                                              <p:pRg st="4" end="4"/>
+                                            </p:txEl>
+                                          </p:spTgt>
+                                        </p:tgtEl>
+                                        <p:attrNameLst>
+                                          <p:attrName>style.visibility</p:attrName>
+                                        </p:attrNameLst>
+                                      </p:cBhvr>
+                                      <p:to>
+                                        <p:strVal val="visible"/>
+                                      </p:to>
+                                    </p:set>
+                                  </p:childTnLst>
+                                </p:cTn>
+                              </p:par>
+                              <p:par>
+                                <p:cTn id="21" presetID="1" presetClass="entr" presetSubtype="0" fill="hold" nodeType="withEffect">
+                                  <p:stCondLst>
+                                    <p:cond delay="0"/>
+                                  </p:stCondLst>
+                                  <p:childTnLst>
+                                    <p:set>
+                                      <p:cBhvr>
+                                        <p:cTn id="22" dur="1" fill="hold">
+                                          <p:stCondLst>
+                                            <p:cond delay="0"/>
+                                          </p:stCondLst>
+                                        </p:cTn>
+                                        <p:tgtEl>
+                                          <p:spTgt spid="3">
+                                            <p:txEl>
+                                              <p:pRg st="5" end="5"/>
+                                            </p:txEl>
+                                          </p:spTgt>
+                                        </p:tgtEl>
+                                        <p:attrNameLst>
+                                          <p:attrName>style.visibility</p:attrName>
+                                        </p:attrNameLst>
+                                      </p:cBhvr>
+                                      <p:to>
+                                        <p:strVal val="visible"/>
+                                      </p:to>
+                                    </p:set>
+                                  </p:childTnLst>
+                                </p:cTn>
+                              </p:par>
+                              <p:par>
+                                <p:cTn id="23" presetID="1" presetClass="entr" presetSubtype="0" fill="hold" nodeType="withEffect">
+                                  <p:stCondLst>
+                                    <p:cond delay="0"/>
+                                  </p:stCondLst>
+                                  <p:childTnLst>
+                                    <p:set>
+                                      <p:cBhvr>
+                                        <p:cTn id="24" dur="1" fill="hold">
+                                          <p:stCondLst>
+                                            <p:cond delay="0"/>
+                                          </p:stCondLst>
+                                        </p:cTn>
+                                        <p:tgtEl>
+                                          <p:spTgt spid="3">
+                                            <p:txEl>
+                                              <p:pRg st="6" end="6"/>
+                                            </p:txEl>
+                                          </p:spTgt>
+                                        </p:tgtEl>
+                                        <p:attrNameLst>
+                                          <p:attrName>style.visibility</p:attrName>
+                                        </p:attrNameLst>
+                                      </p:cBhvr>
+                                      <p:to>
+                                        <p:strVal val="visible"/>
+                                      </p:to>
+                                    </p:set>
+                                  </p:childTnLst>
+                                </p:cTn>
+                              </p:par>
+                            </p:childTnLst>
+                          </p:cTn>
+                        </p:par>
+                      </p:childTnLst>
+                    </p:cTn>
+                  </p:par>
+                  <p:par>
+                    <p:cTn id="25" fill="hold">
+                      <p:stCondLst>
+                        <p:cond delay="indefinite"/>
+                      </p:stCondLst>
+                      <p:childTnLst>
+                        <p:par>
+                          <p:cTn id="26" fill="hold">
+                            <p:stCondLst>
+                              <p:cond delay="0"/>
+                            </p:stCondLst>
+                            <p:childTnLst>
+                              <p:par>
+                                <p:cTn id="27" presetID="1" presetClass="entr" presetSubtype="0" fill="hold" nodeType="clickEffect">
+                                  <p:stCondLst>
+                                    <p:cond delay="0"/>
+                                  </p:stCondLst>
+                                  <p:childTnLst>
+                                    <p:set>
+                                      <p:cBhvr>
+                                        <p:cTn id="28" dur="1" fill="hold">
+                                          <p:stCondLst>
+                                            <p:cond delay="0"/>
+                                          </p:stCondLst>
+                                        </p:cTn>
+                                        <p:tgtEl>
+                                          <p:spTgt spid="3">
+                                            <p:txEl>
+                                              <p:pRg st="7" end="7"/>
+                                            </p:txEl>
+                                          </p:spTgt>
+                                        </p:tgtEl>
+                                        <p:attrNameLst>
+                                          <p:attrName>style.visibility</p:attrName>
+                                        </p:attrNameLst>
+                                      </p:cBhvr>
+                                      <p:to>
+                                        <p:strVal val="visible"/>
+                                      </p:to>
+                                    </p:set>
+                                  </p:childTnLst>
+                                </p:cTn>
+                              </p:par>
+                            </p:childTnLst>
+                          </p:cTn>
+                        </p:par>
+                      </p:childTnLst>
+                    </p:cTn>
+                  </p:par>
+                </p:childTnLst>
+              </p:cTn>
+              <p:prevCondLst>
+                <p:cond evt="onPrev" delay="0">
+                  <p:tgtEl>
+                    <p:sldTgt/>
+                  </p:tgtEl>
+                </p:cond>
+              </p:prevCondLst>
+              <p:nextCondLst>
+                <p:cond evt="onNext" delay="0">
+                  <p:tgtEl>
+                    <p:sldTgt/>
+                  </p:tgtEl>
+                </p:cond>
+              </p:nextCondLst>
+            </p:seq>
+          </p:childTnLst>
+        </p:cTn>
+      </p:par>
+    </p:tnLst>
+  </p:timing>
 </p:sld>
 </file>
 
-<file path=ppt/slides/slide28.xml><?xml version="1.0" encoding="utf-8"?>
+<file path=ppt/slides/slide29.xml><?xml version="1.0" encoding="utf-8"?>
 <p:sld xmlns:a="http://schemas.openxmlformats.org/drawingml/2006/main" xmlns:r="http://schemas.openxmlformats.org/officeDocument/2006/relationships" xmlns:p="http://schemas.openxmlformats.org/presentationml/2006/main">
   <p:cSld>
     <p:spTree>
@@ -14599,7 +16855,160 @@
 </p:sld>
 </file>
 
-<file path=ppt/slides/slide29.xml><?xml version="1.0" encoding="utf-8"?>
+<file path=ppt/slides/slide3.xml><?xml version="1.0" encoding="utf-8"?>
+<p:sld xmlns:a="http://schemas.openxmlformats.org/drawingml/2006/main" xmlns:r="http://schemas.openxmlformats.org/officeDocument/2006/relationships" xmlns:p="http://schemas.openxmlformats.org/presentationml/2006/main">
+  <p:cSld>
+    <p:bg>
+      <p:bgPr>
+        <a:solidFill>
+          <a:schemeClr val="bg1"/>
+        </a:solidFill>
+        <a:effectLst/>
+      </p:bgPr>
+    </p:bg>
+    <p:spTree>
+      <p:nvGrpSpPr>
+        <p:cNvPr id="1" name=""/>
+        <p:cNvGrpSpPr/>
+        <p:nvPr/>
+      </p:nvGrpSpPr>
+      <p:grpSpPr>
+        <a:xfrm>
+          <a:off x="0" y="0"/>
+          <a:ext cx="0" cy="0"/>
+          <a:chOff x="0" y="0"/>
+          <a:chExt cx="0" cy="0"/>
+        </a:xfrm>
+      </p:grpSpPr>
+      <p:sp>
+        <p:nvSpPr>
+          <p:cNvPr id="2" name="Title 1">
+            <a:extLst>
+              <a:ext uri="{FF2B5EF4-FFF2-40B4-BE49-F238E27FC236}">
+                <a16:creationId xmlns:a16="http://schemas.microsoft.com/office/drawing/2014/main" id="{9999F1AF-F9B3-6391-6BF6-6E94EC361F74}"/>
+              </a:ext>
+            </a:extLst>
+          </p:cNvPr>
+          <p:cNvSpPr>
+            <a:spLocks noGrp="1"/>
+          </p:cNvSpPr>
+          <p:nvPr>
+            <p:ph type="title"/>
+          </p:nvPr>
+        </p:nvSpPr>
+        <p:spPr>
+          <a:xfrm>
+            <a:off x="676746" y="541176"/>
+            <a:ext cx="7109434" cy="931181"/>
+          </a:xfrm>
+        </p:spPr>
+        <p:txBody>
+          <a:bodyPr anchor="ctr">
+            <a:normAutofit/>
+          </a:bodyPr>
+          <a:lstStyle/>
+          <a:p>
+            <a:pPr>
+              <a:lnSpc>
+                <a:spcPct val="90000"/>
+              </a:lnSpc>
+            </a:pPr>
+            <a:r>
+              <a:rPr lang="en" sz="3100" dirty="0"/>
+              <a:t>Initializing a Spring Boot application</a:t>
+            </a:r>
+            <a:endParaRPr lang="en-IL" sz="3100" dirty="0"/>
+          </a:p>
+        </p:txBody>
+      </p:sp>
+      <p:sp>
+        <p:nvSpPr>
+          <p:cNvPr id="3" name="Content Placeholder 2">
+            <a:extLst>
+              <a:ext uri="{FF2B5EF4-FFF2-40B4-BE49-F238E27FC236}">
+                <a16:creationId xmlns:a16="http://schemas.microsoft.com/office/drawing/2014/main" id="{9AA943C3-6023-BF85-F58A-036C64B4654D}"/>
+              </a:ext>
+            </a:extLst>
+          </p:cNvPr>
+          <p:cNvSpPr>
+            <a:spLocks noGrp="1"/>
+          </p:cNvSpPr>
+          <p:nvPr>
+            <p:ph idx="1"/>
+          </p:nvPr>
+        </p:nvSpPr>
+        <p:spPr>
+          <a:xfrm>
+            <a:off x="676746" y="1472357"/>
+            <a:ext cx="3720916" cy="613611"/>
+          </a:xfrm>
+        </p:spPr>
+        <p:txBody>
+          <a:bodyPr>
+            <a:normAutofit/>
+          </a:bodyPr>
+          <a:lstStyle/>
+          <a:p>
+            <a:pPr marL="0" indent="0">
+              <a:buNone/>
+            </a:pPr>
+            <a:r>
+              <a:rPr lang="en-US" dirty="0">
+                <a:hlinkClick r:id="rId2"/>
+              </a:rPr>
+              <a:t>https://start.spring.io</a:t>
+            </a:r>
+            <a:endParaRPr lang="ru-RU" dirty="0"/>
+          </a:p>
+          <a:p>
+            <a:endParaRPr lang="en-IL" dirty="0"/>
+          </a:p>
+        </p:txBody>
+      </p:sp>
+      <p:pic>
+        <p:nvPicPr>
+          <p:cNvPr id="12" name="Picture 11">
+            <a:extLst>
+              <a:ext uri="{FF2B5EF4-FFF2-40B4-BE49-F238E27FC236}">
+                <a16:creationId xmlns:a16="http://schemas.microsoft.com/office/drawing/2014/main" id="{6C8D03F0-7548-D680-E8F4-2517B2EE8451}"/>
+              </a:ext>
+            </a:extLst>
+          </p:cNvPr>
+          <p:cNvPicPr>
+            <a:picLocks noChangeAspect="1"/>
+          </p:cNvPicPr>
+          <p:nvPr/>
+        </p:nvPicPr>
+        <p:blipFill>
+          <a:blip r:embed="rId3"/>
+          <a:stretch>
+            <a:fillRect/>
+          </a:stretch>
+        </p:blipFill>
+        <p:spPr>
+          <a:xfrm>
+            <a:off x="1435359" y="1859943"/>
+            <a:ext cx="7772400" cy="4631012"/>
+          </a:xfrm>
+          <a:prstGeom prst="rect">
+            <a:avLst/>
+          </a:prstGeom>
+        </p:spPr>
+      </p:pic>
+    </p:spTree>
+    <p:extLst>
+      <p:ext uri="{BB962C8B-B14F-4D97-AF65-F5344CB8AC3E}">
+        <p14:creationId xmlns:p14="http://schemas.microsoft.com/office/powerpoint/2010/main" val="3562978820"/>
+      </p:ext>
+    </p:extLst>
+  </p:cSld>
+  <p:clrMapOvr>
+    <a:masterClrMapping/>
+  </p:clrMapOvr>
+</p:sld>
+</file>
+
+<file path=ppt/slides/slide30.xml><?xml version="1.0" encoding="utf-8"?>
 <p:sld xmlns:a="http://schemas.openxmlformats.org/drawingml/2006/main" xmlns:r="http://schemas.openxmlformats.org/officeDocument/2006/relationships" xmlns:p="http://schemas.openxmlformats.org/presentationml/2006/main">
   <p:cSld>
     <p:spTree>
@@ -15416,160 +17825,7 @@
 </p:sld>
 </file>
 
-<file path=ppt/slides/slide3.xml><?xml version="1.0" encoding="utf-8"?>
-<p:sld xmlns:a="http://schemas.openxmlformats.org/drawingml/2006/main" xmlns:r="http://schemas.openxmlformats.org/officeDocument/2006/relationships" xmlns:p="http://schemas.openxmlformats.org/presentationml/2006/main">
-  <p:cSld>
-    <p:bg>
-      <p:bgPr>
-        <a:solidFill>
-          <a:schemeClr val="bg1"/>
-        </a:solidFill>
-        <a:effectLst/>
-      </p:bgPr>
-    </p:bg>
-    <p:spTree>
-      <p:nvGrpSpPr>
-        <p:cNvPr id="1" name=""/>
-        <p:cNvGrpSpPr/>
-        <p:nvPr/>
-      </p:nvGrpSpPr>
-      <p:grpSpPr>
-        <a:xfrm>
-          <a:off x="0" y="0"/>
-          <a:ext cx="0" cy="0"/>
-          <a:chOff x="0" y="0"/>
-          <a:chExt cx="0" cy="0"/>
-        </a:xfrm>
-      </p:grpSpPr>
-      <p:sp>
-        <p:nvSpPr>
-          <p:cNvPr id="2" name="Title 1">
-            <a:extLst>
-              <a:ext uri="{FF2B5EF4-FFF2-40B4-BE49-F238E27FC236}">
-                <a16:creationId xmlns:a16="http://schemas.microsoft.com/office/drawing/2014/main" id="{9999F1AF-F9B3-6391-6BF6-6E94EC361F74}"/>
-              </a:ext>
-            </a:extLst>
-          </p:cNvPr>
-          <p:cNvSpPr>
-            <a:spLocks noGrp="1"/>
-          </p:cNvSpPr>
-          <p:nvPr>
-            <p:ph type="title"/>
-          </p:nvPr>
-        </p:nvSpPr>
-        <p:spPr>
-          <a:xfrm>
-            <a:off x="676746" y="541176"/>
-            <a:ext cx="7109434" cy="931181"/>
-          </a:xfrm>
-        </p:spPr>
-        <p:txBody>
-          <a:bodyPr anchor="ctr">
-            <a:normAutofit/>
-          </a:bodyPr>
-          <a:lstStyle/>
-          <a:p>
-            <a:pPr>
-              <a:lnSpc>
-                <a:spcPct val="90000"/>
-              </a:lnSpc>
-            </a:pPr>
-            <a:r>
-              <a:rPr lang="en" sz="3100" dirty="0"/>
-              <a:t>Initializing a Spring Boot application</a:t>
-            </a:r>
-            <a:endParaRPr lang="en-IL" sz="3100" dirty="0"/>
-          </a:p>
-        </p:txBody>
-      </p:sp>
-      <p:sp>
-        <p:nvSpPr>
-          <p:cNvPr id="3" name="Content Placeholder 2">
-            <a:extLst>
-              <a:ext uri="{FF2B5EF4-FFF2-40B4-BE49-F238E27FC236}">
-                <a16:creationId xmlns:a16="http://schemas.microsoft.com/office/drawing/2014/main" id="{9AA943C3-6023-BF85-F58A-036C64B4654D}"/>
-              </a:ext>
-            </a:extLst>
-          </p:cNvPr>
-          <p:cNvSpPr>
-            <a:spLocks noGrp="1"/>
-          </p:cNvSpPr>
-          <p:nvPr>
-            <p:ph idx="1"/>
-          </p:nvPr>
-        </p:nvSpPr>
-        <p:spPr>
-          <a:xfrm>
-            <a:off x="676746" y="1472357"/>
-            <a:ext cx="3720916" cy="613611"/>
-          </a:xfrm>
-        </p:spPr>
-        <p:txBody>
-          <a:bodyPr>
-            <a:normAutofit/>
-          </a:bodyPr>
-          <a:lstStyle/>
-          <a:p>
-            <a:pPr marL="0" indent="0">
-              <a:buNone/>
-            </a:pPr>
-            <a:r>
-              <a:rPr lang="en-US" dirty="0">
-                <a:hlinkClick r:id="rId2"/>
-              </a:rPr>
-              <a:t>https://start.spring.io</a:t>
-            </a:r>
-            <a:endParaRPr lang="ru-RU" dirty="0"/>
-          </a:p>
-          <a:p>
-            <a:endParaRPr lang="en-IL" dirty="0"/>
-          </a:p>
-        </p:txBody>
-      </p:sp>
-      <p:pic>
-        <p:nvPicPr>
-          <p:cNvPr id="12" name="Picture 11">
-            <a:extLst>
-              <a:ext uri="{FF2B5EF4-FFF2-40B4-BE49-F238E27FC236}">
-                <a16:creationId xmlns:a16="http://schemas.microsoft.com/office/drawing/2014/main" id="{6C8D03F0-7548-D680-E8F4-2517B2EE8451}"/>
-              </a:ext>
-            </a:extLst>
-          </p:cNvPr>
-          <p:cNvPicPr>
-            <a:picLocks noChangeAspect="1"/>
-          </p:cNvPicPr>
-          <p:nvPr/>
-        </p:nvPicPr>
-        <p:blipFill>
-          <a:blip r:embed="rId3"/>
-          <a:stretch>
-            <a:fillRect/>
-          </a:stretch>
-        </p:blipFill>
-        <p:spPr>
-          <a:xfrm>
-            <a:off x="1435359" y="1859943"/>
-            <a:ext cx="7772400" cy="4631012"/>
-          </a:xfrm>
-          <a:prstGeom prst="rect">
-            <a:avLst/>
-          </a:prstGeom>
-        </p:spPr>
-      </p:pic>
-    </p:spTree>
-    <p:extLst>
-      <p:ext uri="{BB962C8B-B14F-4D97-AF65-F5344CB8AC3E}">
-        <p14:creationId xmlns:p14="http://schemas.microsoft.com/office/powerpoint/2010/main" val="3562978820"/>
-      </p:ext>
-    </p:extLst>
-  </p:cSld>
-  <p:clrMapOvr>
-    <a:masterClrMapping/>
-  </p:clrMapOvr>
-</p:sld>
-</file>
-
-<file path=ppt/slides/slide30.xml><?xml version="1.0" encoding="utf-8"?>
+<file path=ppt/slides/slide31.xml><?xml version="1.0" encoding="utf-8"?>
 <p:sld xmlns:a="http://schemas.openxmlformats.org/drawingml/2006/main" xmlns:r="http://schemas.openxmlformats.org/officeDocument/2006/relationships" xmlns:p="http://schemas.openxmlformats.org/presentationml/2006/main">
   <p:cSld>
     <p:spTree>
@@ -16198,6 +18454,67 @@
           </a:p>
         </p:txBody>
       </p:sp>
+      <p:sp>
+        <p:nvSpPr>
+          <p:cNvPr id="7" name="TextBox 6">
+            <a:extLst>
+              <a:ext uri="{FF2B5EF4-FFF2-40B4-BE49-F238E27FC236}">
+                <a16:creationId xmlns:a16="http://schemas.microsoft.com/office/drawing/2014/main" id="{9E9A15BB-49F0-A0F4-7EE0-4AA5029BF462}"/>
+              </a:ext>
+            </a:extLst>
+          </p:cNvPr>
+          <p:cNvSpPr txBox="1"/>
+          <p:nvPr/>
+        </p:nvSpPr>
+        <p:spPr>
+          <a:xfrm>
+            <a:off x="6966856" y="1391791"/>
+            <a:ext cx="3695385" cy="1077218"/>
+          </a:xfrm>
+          <a:prstGeom prst="rect">
+            <a:avLst/>
+          </a:prstGeom>
+          <a:solidFill>
+            <a:schemeClr val="accent3">
+              <a:lumMod val="20000"/>
+              <a:lumOff val="80000"/>
+            </a:schemeClr>
+          </a:solidFill>
+          <a:ln w="12700">
+            <a:solidFill>
+              <a:schemeClr val="accent1"/>
+            </a:solidFill>
+          </a:ln>
+        </p:spPr>
+        <p:txBody>
+          <a:bodyPr wrap="square" rtlCol="0">
+            <a:spAutoFit/>
+          </a:bodyPr>
+          <a:lstStyle/>
+          <a:p>
+            <a:r>
+              <a:rPr lang="en-IL" sz="1600" dirty="0">
+                <a:solidFill>
+                  <a:schemeClr val="accent1"/>
+                </a:solidFill>
+              </a:rPr>
+              <a:t>@ConfigurationProperties </a:t>
+            </a:r>
+            <a:r>
+              <a:rPr lang="en-IL" sz="1600" dirty="0"/>
+              <a:t>annotation allows isolating a </a:t>
+            </a:r>
+            <a:r>
+              <a:rPr lang="en-IL" sz="1600" b="1" dirty="0"/>
+              <a:t>section of properties </a:t>
+            </a:r>
+            <a:r>
+              <a:rPr lang="en-IL" sz="1600" dirty="0"/>
+              <a:t>(with the same prefix) into separate POJO. </a:t>
+            </a:r>
+          </a:p>
+        </p:txBody>
+      </p:sp>
     </p:spTree>
     <p:extLst>
       <p:ext uri="{BB962C8B-B14F-4D97-AF65-F5344CB8AC3E}">
@@ -16211,7 +18528,7 @@
 </p:sld>
 </file>
 
-<file path=ppt/slides/slide31.xml><?xml version="1.0" encoding="utf-8"?>
+<file path=ppt/slides/slide32.xml><?xml version="1.0" encoding="utf-8"?>
 <p:sld xmlns:a="http://schemas.openxmlformats.org/drawingml/2006/main" xmlns:r="http://schemas.openxmlformats.org/officeDocument/2006/relationships" xmlns:p="http://schemas.openxmlformats.org/presentationml/2006/main">
   <p:cSld>
     <p:spTree>
@@ -16256,15 +18573,8 @@
           <a:p>
             <a:r>
               <a:rPr lang="en-IL" dirty="0"/>
-              <a:t>@ConfigurationProperties</a:t>
-            </a:r>
-            <a:r>
-              <a:rPr lang="en-IL" dirty="0">
-                <a:sym typeface="Wingdings" pitchFamily="2" charset="2"/>
-              </a:rPr>
-              <a:t> (cont.)</a:t>
-            </a:r>
-            <a:endParaRPr lang="en-IL" dirty="0"/>
+              <a:t>@ConfigurationPropertiesScan</a:t>
+            </a:r>
           </a:p>
         </p:txBody>
       </p:sp>
@@ -16297,6 +18607,64 @@
           <a:lstStyle/>
           <a:p>
             <a:r>
+              <a:rPr lang="en-IL" sz="2200" dirty="0"/>
+              <a:t>The class annotated with </a:t>
+            </a:r>
+            <a:r>
+              <a:rPr lang="en-IL" sz="2200" dirty="0">
+                <a:solidFill>
+                  <a:schemeClr val="accent1"/>
+                </a:solidFill>
+              </a:rPr>
+              <a:t>@ConfigurationProperties </a:t>
+            </a:r>
+            <a:r>
+              <a:rPr lang="en-IL" sz="2200" dirty="0"/>
+              <a:t>can be injected as </a:t>
+            </a:r>
+            <a:r>
+              <a:rPr lang="en-IL" sz="2200" b="1" dirty="0"/>
+              <a:t>any regular Spring bean</a:t>
+            </a:r>
+            <a:r>
+              <a:rPr lang="en-IL" sz="2200" dirty="0"/>
+              <a:t>. For this, use annotation </a:t>
+            </a:r>
+            <a:r>
+              <a:rPr lang="en-IL" sz="2200" b="1" dirty="0">
+                <a:solidFill>
+                  <a:schemeClr val="accent1"/>
+                </a:solidFill>
+              </a:rPr>
+              <a:t>@ConfigurationPropertiesScan</a:t>
+            </a:r>
+            <a:endParaRPr lang="en-IL" sz="2200" dirty="0"/>
+          </a:p>
+          <a:p>
+            <a:r>
+              <a:rPr lang="en-IL" sz="2200" dirty="0"/>
+              <a:t>When some class is annotated with </a:t>
+            </a:r>
+            <a:r>
+              <a:rPr lang="en-IL" sz="2200" dirty="0">
+                <a:solidFill>
+                  <a:schemeClr val="accent1"/>
+                </a:solidFill>
+              </a:rPr>
+              <a:t>@ConfigurationPropertiesScan</a:t>
+            </a:r>
+            <a:r>
+              <a:rPr lang="en-IL" sz="2200" dirty="0"/>
+              <a:t>, Spring will:</a:t>
+            </a:r>
+          </a:p>
+          <a:p>
+            <a:pPr lvl="1"/>
+            <a:r>
+              <a:rPr lang="en-IL" sz="2000" dirty="0"/>
+              <a:t>Scan all </a:t>
+            </a:r>
+            <a:r>
               <a:rPr lang="en-IL" sz="2000" dirty="0">
                 <a:solidFill>
                   <a:schemeClr val="accent1"/>
@@ -16306,13 +18674,21 @@
             </a:r>
             <a:r>
               <a:rPr lang="en-IL" sz="2000" dirty="0"/>
-              <a:t>annotation allows isolating a section of properties (with the same prefix) into separate POJO. </a:t>
-            </a:r>
-          </a:p>
-          <a:p>
+              <a:t>classes from the current package and its subpackages, and -</a:t>
+            </a:r>
+          </a:p>
+          <a:p>
+            <a:pPr lvl="1"/>
             <a:r>
               <a:rPr lang="en-IL" sz="2000" dirty="0"/>
-              <a:t>The class annotated with </a:t>
+              <a:t>Register them as Beans. </a:t>
+            </a:r>
+          </a:p>
+          <a:p>
+            <a:pPr lvl="1"/>
+            <a:r>
+              <a:rPr lang="en-IL" sz="2000" dirty="0"/>
+              <a:t>Note: </a:t>
             </a:r>
             <a:r>
               <a:rPr lang="en-IL" sz="2000" dirty="0">
@@ -16320,119 +18696,40 @@
                   <a:schemeClr val="accent1"/>
                 </a:solidFill>
               </a:rPr>
-              <a:t>@ConfigurationProperties </a:t>
-            </a:r>
-            <a:r>
-              <a:rPr lang="en-IL" sz="2000" dirty="0"/>
-              <a:t>can be injected as any regular Spring bean. For this, use annotation </a:t>
-            </a:r>
-            <a:r>
-              <a:rPr lang="en-IL" sz="2000" b="1" dirty="0">
+              <a:t>@ConfigurationPropertiesScan </a:t>
+            </a:r>
+            <a:r>
+              <a:rPr lang="en-US" sz="2000" dirty="0"/>
+              <a:t>is often used </a:t>
+            </a:r>
+            <a:r>
+              <a:rPr lang="en-US" sz="2000" b="1" dirty="0"/>
+              <a:t>together</a:t>
+            </a:r>
+            <a:r>
+              <a:rPr lang="en-US" sz="2000" dirty="0"/>
+              <a:t> with </a:t>
+            </a:r>
+            <a:r>
+              <a:rPr lang="en-US" sz="2000" dirty="0">
                 <a:solidFill>
                   <a:schemeClr val="accent1"/>
                 </a:solidFill>
               </a:rPr>
-              <a:t>@ConfigurationPropertiesScan</a:t>
-            </a:r>
-            <a:r>
-              <a:rPr lang="en-IL" sz="2000" dirty="0"/>
-              <a:t>:</a:t>
-            </a:r>
-          </a:p>
-          <a:p>
-            <a:pPr lvl="1"/>
-            <a:r>
-              <a:rPr lang="en-IL" sz="1800" dirty="0"/>
-              <a:t>When some class is annotated with </a:t>
-            </a:r>
-            <a:r>
-              <a:rPr lang="en-IL" sz="1800" dirty="0">
+              <a:t>@</a:t>
+            </a:r>
+            <a:r>
+              <a:rPr lang="en-US" sz="2000" dirty="0" err="1">
                 <a:solidFill>
                   <a:schemeClr val="accent1"/>
                 </a:solidFill>
               </a:rPr>
-              <a:t>@ConfigurationPropertiesScan</a:t>
-            </a:r>
-            <a:r>
-              <a:rPr lang="en-IL" sz="1800" dirty="0"/>
-              <a:t>, Spring will scan all </a:t>
-            </a:r>
-            <a:r>
-              <a:rPr lang="en-IL" sz="1800" dirty="0">
-                <a:solidFill>
-                  <a:schemeClr val="accent1"/>
-                </a:solidFill>
-              </a:rPr>
-              <a:t>@ConfigurationProperties </a:t>
-            </a:r>
-            <a:r>
-              <a:rPr lang="en-IL" sz="1800" dirty="0"/>
-              <a:t>classes from the current package and its children and register them as Beans. </a:t>
-            </a:r>
-            <a:r>
-              <a:rPr lang="ru-RU" sz="1800" dirty="0"/>
-              <a:t>(</a:t>
-            </a:r>
-            <a:r>
-              <a:rPr lang="en-IL" sz="1800" dirty="0">
-                <a:solidFill>
-                  <a:schemeClr val="accent1"/>
-                </a:solidFill>
-              </a:rPr>
-              <a:t>@ConfigurationPropertiesScan </a:t>
-            </a:r>
-            <a:r>
-              <a:rPr lang="en-US" sz="1800" dirty="0"/>
-              <a:t>is often used together with </a:t>
-            </a:r>
-            <a:r>
-              <a:rPr lang="en-US" sz="1800" dirty="0">
-                <a:solidFill>
-                  <a:schemeClr val="accent1"/>
-                </a:solidFill>
-              </a:rPr>
-              <a:t>@</a:t>
-            </a:r>
-            <a:r>
-              <a:rPr lang="en-US" sz="1800" dirty="0" err="1">
-                <a:solidFill>
-                  <a:schemeClr val="accent1"/>
-                </a:solidFill>
-              </a:rPr>
               <a:t>SpringBootApplication</a:t>
             </a:r>
             <a:r>
-              <a:rPr lang="en-US" sz="1800" dirty="0"/>
-              <a:t>, to activate it for all application classes).</a:t>
-            </a:r>
-          </a:p>
-          <a:p>
-            <a:pPr lvl="1"/>
-            <a:r>
-              <a:rPr lang="en-IL" sz="1800" dirty="0">
-                <a:solidFill>
-                  <a:schemeClr val="accent1"/>
-                </a:solidFill>
-              </a:rPr>
-              <a:t>@ConfigurationPropertiesScan </a:t>
-            </a:r>
-            <a:r>
-              <a:rPr lang="en-US" sz="1800" dirty="0"/>
-              <a:t>c</a:t>
-            </a:r>
-            <a:r>
-              <a:rPr lang="en-IL" sz="1800" dirty="0"/>
-              <a:t>an be used to scan custom locations for configuration properties classes, for example, </a:t>
-            </a:r>
-            <a:r>
-              <a:rPr lang="en-IL" sz="1800" dirty="0">
-                <a:solidFill>
-                  <a:schemeClr val="accent1"/>
-                </a:solidFill>
-              </a:rPr>
-              <a:t>@ConfigurationPropertiesScan(“server.security”)</a:t>
-            </a:r>
-            <a:endParaRPr lang="en-IL" sz="1800" dirty="0"/>
+              <a:rPr lang="en-US" sz="2000" dirty="0"/>
+              <a:t>, to activate it for all application classes.</a:t>
+            </a:r>
           </a:p>
           <a:p>
             <a:endParaRPr lang="en-IL" dirty="0"/>
@@ -16449,10 +18746,249 @@
   <p:clrMapOvr>
     <a:masterClrMapping/>
   </p:clrMapOvr>
+  <p:timing>
+    <p:tnLst>
+      <p:par>
+        <p:cTn id="1" dur="indefinite" restart="never" nodeType="tmRoot">
+          <p:childTnLst>
+            <p:seq concurrent="1" nextAc="seek">
+              <p:cTn id="2" dur="indefinite" nodeType="mainSeq">
+                <p:childTnLst>
+                  <p:par>
+                    <p:cTn id="3" fill="hold">
+                      <p:stCondLst>
+                        <p:cond delay="indefinite"/>
+                      </p:stCondLst>
+                      <p:childTnLst>
+                        <p:par>
+                          <p:cTn id="4" fill="hold">
+                            <p:stCondLst>
+                              <p:cond delay="0"/>
+                            </p:stCondLst>
+                            <p:childTnLst>
+                              <p:par>
+                                <p:cTn id="5" presetID="1" presetClass="entr" presetSubtype="0" fill="hold" nodeType="clickEffect">
+                                  <p:stCondLst>
+                                    <p:cond delay="0"/>
+                                  </p:stCondLst>
+                                  <p:childTnLst>
+                                    <p:set>
+                                      <p:cBhvr>
+                                        <p:cTn id="6" dur="1" fill="hold">
+                                          <p:stCondLst>
+                                            <p:cond delay="0"/>
+                                          </p:stCondLst>
+                                        </p:cTn>
+                                        <p:tgtEl>
+                                          <p:spTgt spid="3">
+                                            <p:txEl>
+                                              <p:pRg st="0" end="0"/>
+                                            </p:txEl>
+                                          </p:spTgt>
+                                        </p:tgtEl>
+                                        <p:attrNameLst>
+                                          <p:attrName>style.visibility</p:attrName>
+                                        </p:attrNameLst>
+                                      </p:cBhvr>
+                                      <p:to>
+                                        <p:strVal val="visible"/>
+                                      </p:to>
+                                    </p:set>
+                                  </p:childTnLst>
+                                </p:cTn>
+                              </p:par>
+                            </p:childTnLst>
+                          </p:cTn>
+                        </p:par>
+                      </p:childTnLst>
+                    </p:cTn>
+                  </p:par>
+                  <p:par>
+                    <p:cTn id="7" fill="hold">
+                      <p:stCondLst>
+                        <p:cond delay="indefinite"/>
+                      </p:stCondLst>
+                      <p:childTnLst>
+                        <p:par>
+                          <p:cTn id="8" fill="hold">
+                            <p:stCondLst>
+                              <p:cond delay="0"/>
+                            </p:stCondLst>
+                            <p:childTnLst>
+                              <p:par>
+                                <p:cTn id="9" presetID="1" presetClass="entr" presetSubtype="0" fill="hold" nodeType="clickEffect">
+                                  <p:stCondLst>
+                                    <p:cond delay="0"/>
+                                  </p:stCondLst>
+                                  <p:childTnLst>
+                                    <p:set>
+                                      <p:cBhvr>
+                                        <p:cTn id="10" dur="1" fill="hold">
+                                          <p:stCondLst>
+                                            <p:cond delay="0"/>
+                                          </p:stCondLst>
+                                        </p:cTn>
+                                        <p:tgtEl>
+                                          <p:spTgt spid="3">
+                                            <p:txEl>
+                                              <p:pRg st="1" end="1"/>
+                                            </p:txEl>
+                                          </p:spTgt>
+                                        </p:tgtEl>
+                                        <p:attrNameLst>
+                                          <p:attrName>style.visibility</p:attrName>
+                                        </p:attrNameLst>
+                                      </p:cBhvr>
+                                      <p:to>
+                                        <p:strVal val="visible"/>
+                                      </p:to>
+                                    </p:set>
+                                  </p:childTnLst>
+                                </p:cTn>
+                              </p:par>
+                              <p:par>
+                                <p:cTn id="11" presetID="1" presetClass="entr" presetSubtype="0" fill="hold" nodeType="withEffect">
+                                  <p:stCondLst>
+                                    <p:cond delay="0"/>
+                                  </p:stCondLst>
+                                  <p:childTnLst>
+                                    <p:set>
+                                      <p:cBhvr>
+                                        <p:cTn id="12" dur="1" fill="hold">
+                                          <p:stCondLst>
+                                            <p:cond delay="0"/>
+                                          </p:stCondLst>
+                                        </p:cTn>
+                                        <p:tgtEl>
+                                          <p:spTgt spid="3">
+                                            <p:txEl>
+                                              <p:pRg st="2" end="2"/>
+                                            </p:txEl>
+                                          </p:spTgt>
+                                        </p:tgtEl>
+                                        <p:attrNameLst>
+                                          <p:attrName>style.visibility</p:attrName>
+                                        </p:attrNameLst>
+                                      </p:cBhvr>
+                                      <p:to>
+                                        <p:strVal val="visible"/>
+                                      </p:to>
+                                    </p:set>
+                                  </p:childTnLst>
+                                </p:cTn>
+                              </p:par>
+                              <p:par>
+                                <p:cTn id="13" presetID="1" presetClass="entr" presetSubtype="0" fill="hold" nodeType="withEffect">
+                                  <p:stCondLst>
+                                    <p:cond delay="0"/>
+                                  </p:stCondLst>
+                                  <p:childTnLst>
+                                    <p:set>
+                                      <p:cBhvr>
+                                        <p:cTn id="14" dur="1" fill="hold">
+                                          <p:stCondLst>
+                                            <p:cond delay="0"/>
+                                          </p:stCondLst>
+                                        </p:cTn>
+                                        <p:tgtEl>
+                                          <p:spTgt spid="3">
+                                            <p:txEl>
+                                              <p:pRg st="3" end="3"/>
+                                            </p:txEl>
+                                          </p:spTgt>
+                                        </p:tgtEl>
+                                        <p:attrNameLst>
+                                          <p:attrName>style.visibility</p:attrName>
+                                        </p:attrNameLst>
+                                      </p:cBhvr>
+                                      <p:to>
+                                        <p:strVal val="visible"/>
+                                      </p:to>
+                                    </p:set>
+                                  </p:childTnLst>
+                                </p:cTn>
+                              </p:par>
+                            </p:childTnLst>
+                          </p:cTn>
+                        </p:par>
+                      </p:childTnLst>
+                    </p:cTn>
+                  </p:par>
+                  <p:par>
+                    <p:cTn id="15" fill="hold">
+                      <p:stCondLst>
+                        <p:cond delay="indefinite"/>
+                      </p:stCondLst>
+                      <p:childTnLst>
+                        <p:par>
+                          <p:cTn id="16" fill="hold">
+                            <p:stCondLst>
+                              <p:cond delay="0"/>
+                            </p:stCondLst>
+                            <p:childTnLst>
+                              <p:par>
+                                <p:cTn id="17" presetID="1" presetClass="entr" presetSubtype="0" fill="hold" nodeType="clickEffect">
+                                  <p:stCondLst>
+                                    <p:cond delay="0"/>
+                                  </p:stCondLst>
+                                  <p:childTnLst>
+                                    <p:set>
+                                      <p:cBhvr>
+                                        <p:cTn id="18" dur="1" fill="hold">
+                                          <p:stCondLst>
+                                            <p:cond delay="0"/>
+                                          </p:stCondLst>
+                                        </p:cTn>
+                                        <p:tgtEl>
+                                          <p:spTgt spid="3">
+                                            <p:txEl>
+                                              <p:pRg st="4" end="4"/>
+                                            </p:txEl>
+                                          </p:spTgt>
+                                        </p:tgtEl>
+                                        <p:attrNameLst>
+                                          <p:attrName>style.visibility</p:attrName>
+                                        </p:attrNameLst>
+                                      </p:cBhvr>
+                                      <p:to>
+                                        <p:strVal val="visible"/>
+                                      </p:to>
+                                    </p:set>
+                                  </p:childTnLst>
+                                </p:cTn>
+                              </p:par>
+                            </p:childTnLst>
+                          </p:cTn>
+                        </p:par>
+                      </p:childTnLst>
+                    </p:cTn>
+                  </p:par>
+                </p:childTnLst>
+              </p:cTn>
+              <p:prevCondLst>
+                <p:cond evt="onPrev" delay="0">
+                  <p:tgtEl>
+                    <p:sldTgt/>
+                  </p:tgtEl>
+                </p:cond>
+              </p:prevCondLst>
+              <p:nextCondLst>
+                <p:cond evt="onNext" delay="0">
+                  <p:tgtEl>
+                    <p:sldTgt/>
+                  </p:tgtEl>
+                </p:cond>
+              </p:nextCondLst>
+            </p:seq>
+          </p:childTnLst>
+        </p:cTn>
+      </p:par>
+    </p:tnLst>
+  </p:timing>
 </p:sld>
 </file>
 
-<file path=ppt/slides/slide32.xml><?xml version="1.0" encoding="utf-8"?>
+<file path=ppt/slides/slide33.xml><?xml version="1.0" encoding="utf-8"?>
 <p:sld xmlns:a="http://schemas.openxmlformats.org/drawingml/2006/main" xmlns:r="http://schemas.openxmlformats.org/officeDocument/2006/relationships" xmlns:p="http://schemas.openxmlformats.org/presentationml/2006/main">
   <p:cSld>
     <p:spTree>
@@ -17678,7 +20214,7 @@
 </p:sld>
 </file>
 
-<file path=ppt/slides/slide33.xml><?xml version="1.0" encoding="utf-8"?>
+<file path=ppt/slides/slide34.xml><?xml version="1.0" encoding="utf-8"?>
 <p:sld xmlns:a="http://schemas.openxmlformats.org/drawingml/2006/main" xmlns:r="http://schemas.openxmlformats.org/officeDocument/2006/relationships" xmlns:p="http://schemas.openxmlformats.org/presentationml/2006/main">
   <p:cSld>
     <p:spTree>
@@ -17743,11 +20279,21 @@
         </p:nvSpPr>
         <p:spPr/>
         <p:txBody>
-          <a:bodyPr/>
+          <a:bodyPr>
+            <a:normAutofit lnSpcReduction="10000"/>
+          </a:bodyPr>
           <a:lstStyle/>
           <a:p>
-            <a:r>
-              <a:rPr lang="en-US" dirty="0">
+            <a:pPr>
+              <a:lnSpc>
+                <a:spcPct val="150000"/>
+              </a:lnSpc>
+              <a:spcAft>
+                <a:spcPts val="1200"/>
+              </a:spcAft>
+            </a:pPr>
+            <a:r>
+              <a:rPr lang="en-US" sz="2000" dirty="0">
                 <a:solidFill>
                   <a:srgbClr val="92D050"/>
                 </a:solidFill>
@@ -17755,19 +20301,19 @@
               <a:t>Spring Boot </a:t>
             </a:r>
             <a:r>
-              <a:rPr lang="en-US" dirty="0"/>
+              <a:rPr lang="en-US" sz="2000" dirty="0"/>
               <a:t>supports </a:t>
             </a:r>
             <a:r>
-              <a:rPr lang="en-US" i="1" dirty="0"/>
+              <a:rPr lang="en-US" sz="2000" i="1" dirty="0"/>
               <a:t>relaxed binding </a:t>
             </a:r>
             <a:r>
-              <a:rPr lang="en-US" dirty="0"/>
+              <a:rPr lang="en-US" sz="2000" dirty="0"/>
               <a:t>while mapping properties using </a:t>
             </a:r>
             <a:r>
-              <a:rPr lang="en-US" dirty="0">
+              <a:rPr lang="en-US" sz="2000" dirty="0">
                 <a:solidFill>
                   <a:srgbClr val="92D050"/>
                 </a:solidFill>
@@ -17775,7 +20321,7 @@
               <a:t>@</a:t>
             </a:r>
             <a:r>
-              <a:rPr lang="en-US" dirty="0" err="1">
+              <a:rPr lang="en-US" sz="2000" dirty="0" err="1">
                 <a:solidFill>
                   <a:srgbClr val="92D050"/>
                 </a:solidFill>
@@ -17783,7 +20329,7 @@
               <a:t>ConfigurationProperties</a:t>
             </a:r>
             <a:r>
-              <a:rPr lang="en-US" dirty="0">
+              <a:rPr lang="en-US" sz="2000" dirty="0">
                 <a:solidFill>
                   <a:srgbClr val="92D050"/>
                 </a:solidFill>
@@ -17791,23 +20337,79 @@
               <a:t> </a:t>
             </a:r>
             <a:r>
-              <a:rPr lang="en-US" dirty="0"/>
+              <a:rPr lang="en-US" sz="2000" dirty="0"/>
               <a:t>beans, so there is no need to be an exact match between property names and bean properties.</a:t>
             </a:r>
           </a:p>
           <a:p>
             <a:pPr algn="l"/>
             <a:r>
+              <a:rPr lang="en-US" dirty="0"/>
+              <a:t>For example, </a:t>
+            </a:r>
+          </a:p>
+          <a:p>
+            <a:pPr lvl="1"/>
+            <a:r>
               <a:rPr lang="en-US" sz="1800" b="0" i="0" u="none" strike="noStrike" dirty="0">
                 <a:solidFill>
                   <a:srgbClr val="222222"/>
                 </a:solidFill>
                 <a:effectLst/>
-                <a:latin typeface="verdana" panose="020B0604030504040204" pitchFamily="34" charset="0"/>
-              </a:rPr>
-              <a:t>For example, </a:t>
-            </a:r>
-            <a:endParaRPr lang="en-US" b="0" i="0" u="none" strike="noStrike" dirty="0">
+              </a:rPr>
+              <a:t>Kebab case variables can be mapped to the camel case.</a:t>
+            </a:r>
+          </a:p>
+          <a:p>
+            <a:pPr marL="457200" lvl="1" indent="0">
+              <a:buNone/>
+            </a:pPr>
+            <a:r>
+              <a:rPr lang="ru-RU" sz="1800" b="0" i="0" u="none" strike="noStrike" dirty="0">
+                <a:solidFill>
+                  <a:srgbClr val="222222"/>
+                </a:solidFill>
+                <a:effectLst/>
+              </a:rPr>
+              <a:t>    </a:t>
+            </a:r>
+            <a:r>
+              <a:rPr lang="en-US" sz="1800" b="0" i="1" u="none" strike="noStrike" dirty="0">
+                <a:solidFill>
+                  <a:srgbClr val="222222"/>
+                </a:solidFill>
+                <a:effectLst/>
+              </a:rPr>
+              <a:t>app-name</a:t>
+            </a:r>
+            <a:r>
+              <a:rPr lang="en-US" sz="1800" b="0" i="0" u="none" strike="noStrike" dirty="0">
+                <a:solidFill>
+                  <a:srgbClr val="222222"/>
+                </a:solidFill>
+                <a:effectLst/>
+              </a:rPr>
+              <a:t> can be mapped to </a:t>
+            </a:r>
+            <a:r>
+              <a:rPr lang="en-US" sz="1800" b="0" i="1" u="none" strike="noStrike" dirty="0" err="1">
+                <a:solidFill>
+                  <a:srgbClr val="222222"/>
+                </a:solidFill>
+                <a:effectLst/>
+              </a:rPr>
+              <a:t>appName</a:t>
+            </a:r>
+            <a:br>
+              <a:rPr lang="en-US" sz="1800" b="0" i="0" u="none" strike="noStrike" dirty="0">
+                <a:solidFill>
+                  <a:srgbClr val="222222"/>
+                </a:solidFill>
+                <a:effectLst/>
+                <a:latin typeface="arial" panose="020B0604020202020204" pitchFamily="34" charset="0"/>
+              </a:rPr>
+            </a:br>
+            <a:endParaRPr lang="en-US" sz="1800" b="0" i="0" u="none" strike="noStrike" dirty="0">
               <a:solidFill>
                 <a:srgbClr val="222222"/>
               </a:solidFill>
@@ -17818,155 +20420,55 @@
           <a:p>
             <a:pPr lvl="1"/>
             <a:r>
-              <a:rPr lang="en-US" b="0" i="0" u="none" strike="noStrike" dirty="0">
+              <a:rPr lang="en-US" sz="1800" b="0" i="0" u="none" strike="noStrike" dirty="0">
                 <a:solidFill>
                   <a:srgbClr val="222222"/>
                 </a:solidFill>
                 <a:effectLst/>
-                <a:latin typeface="verdana" panose="020B0604030504040204" pitchFamily="34" charset="0"/>
-              </a:rPr>
-              <a:t>Kebab case variables can be mapped to the camel case.</a:t>
-            </a:r>
-            <a:endParaRPr lang="en-US" b="0" i="0" u="none" strike="noStrike" dirty="0">
-              <a:solidFill>
-                <a:srgbClr val="222222"/>
-              </a:solidFill>
-              <a:effectLst/>
-              <a:latin typeface="arial" panose="020B0604020202020204" pitchFamily="34" charset="0"/>
-            </a:endParaRPr>
+              </a:rPr>
+              <a:t>Case insensitive mapping</a:t>
+            </a:r>
           </a:p>
           <a:p>
             <a:pPr marL="457200" lvl="1" indent="0">
               <a:buNone/>
             </a:pPr>
             <a:r>
-              <a:rPr lang="ru-RU" b="0" i="0" u="none" strike="noStrike" dirty="0">
+              <a:rPr lang="ru-RU" sz="1800" b="0" i="0" u="none" strike="noStrike" dirty="0">
                 <a:solidFill>
                   <a:srgbClr val="222222"/>
                 </a:solidFill>
                 <a:effectLst/>
-                <a:latin typeface="verdana" panose="020B0604030504040204" pitchFamily="34" charset="0"/>
               </a:rPr>
               <a:t>    </a:t>
             </a:r>
             <a:r>
-              <a:rPr lang="en-US" b="0" i="1" u="none" strike="noStrike" dirty="0">
+              <a:rPr lang="en-US" sz="1800" b="0" i="1" u="none" strike="noStrike" dirty="0">
                 <a:solidFill>
                   <a:srgbClr val="222222"/>
                 </a:solidFill>
                 <a:effectLst/>
-                <a:latin typeface="verdana" panose="020B0604030504040204" pitchFamily="34" charset="0"/>
-              </a:rPr>
-              <a:t>app-name</a:t>
-            </a:r>
-            <a:r>
-              <a:rPr lang="en-US" b="0" i="0" u="none" strike="noStrike" dirty="0">
+              </a:rPr>
+              <a:t>PORT</a:t>
+            </a:r>
+            <a:r>
+              <a:rPr lang="en-US" sz="1800" b="0" i="0" u="none" strike="noStrike" dirty="0">
                 <a:solidFill>
                   <a:srgbClr val="222222"/>
                 </a:solidFill>
                 <a:effectLst/>
-                <a:latin typeface="verdana" panose="020B0604030504040204" pitchFamily="34" charset="0"/>
               </a:rPr>
               <a:t> can be mapped to </a:t>
             </a:r>
             <a:r>
-              <a:rPr lang="en-US" b="0" i="1" u="none" strike="noStrike" dirty="0" err="1">
+              <a:rPr lang="en-US" sz="1800" b="0" i="1" u="none" strike="noStrike" dirty="0">
                 <a:solidFill>
                   <a:srgbClr val="222222"/>
                 </a:solidFill>
                 <a:effectLst/>
-                <a:latin typeface="verdana" panose="020B0604030504040204" pitchFamily="34" charset="0"/>
-              </a:rPr>
-              <a:t>appName</a:t>
-            </a:r>
-            <a:br>
-              <a:rPr lang="en-US" b="0" i="0" u="none" strike="noStrike" dirty="0">
-                <a:solidFill>
-                  <a:srgbClr val="222222"/>
-                </a:solidFill>
-                <a:effectLst/>
-                <a:latin typeface="arial" panose="020B0604020202020204" pitchFamily="34" charset="0"/>
-              </a:rPr>
-            </a:br>
-            <a:endParaRPr lang="en-US" b="0" i="0" u="none" strike="noStrike" dirty="0">
-              <a:solidFill>
-                <a:srgbClr val="222222"/>
-              </a:solidFill>
-              <a:effectLst/>
-              <a:latin typeface="arial" panose="020B0604020202020204" pitchFamily="34" charset="0"/>
-            </a:endParaRPr>
-          </a:p>
-          <a:p>
-            <a:pPr lvl="1"/>
-            <a:r>
-              <a:rPr lang="en-US" b="0" i="0" u="none" strike="noStrike" dirty="0">
-                <a:solidFill>
-                  <a:srgbClr val="222222"/>
-                </a:solidFill>
-                <a:effectLst/>
-                <a:latin typeface="verdana" panose="020B0604030504040204" pitchFamily="34" charset="0"/>
-              </a:rPr>
-              <a:t>Case insensitive mapping</a:t>
-            </a:r>
-            <a:endParaRPr lang="en-US" b="0" i="0" u="none" strike="noStrike" dirty="0">
-              <a:solidFill>
-                <a:srgbClr val="222222"/>
-              </a:solidFill>
-              <a:effectLst/>
-              <a:latin typeface="arial" panose="020B0604020202020204" pitchFamily="34" charset="0"/>
-            </a:endParaRPr>
-          </a:p>
-          <a:p>
-            <a:pPr marL="457200" lvl="1" indent="0">
-              <a:buNone/>
-            </a:pPr>
-            <a:r>
-              <a:rPr lang="ru-RU" b="0" i="0" u="none" strike="noStrike" dirty="0">
-                <a:solidFill>
-                  <a:srgbClr val="222222"/>
-                </a:solidFill>
-                <a:effectLst/>
-                <a:latin typeface="verdana" panose="020B0604030504040204" pitchFamily="34" charset="0"/>
-              </a:rPr>
-              <a:t>    </a:t>
-            </a:r>
-            <a:r>
-              <a:rPr lang="en-US" b="0" i="1" u="none" strike="noStrike" dirty="0">
-                <a:solidFill>
-                  <a:srgbClr val="222222"/>
-                </a:solidFill>
-                <a:effectLst/>
-                <a:latin typeface="verdana" panose="020B0604030504040204" pitchFamily="34" charset="0"/>
-              </a:rPr>
-              <a:t>PORT</a:t>
-            </a:r>
-            <a:r>
-              <a:rPr lang="en-US" b="0" i="0" u="none" strike="noStrike" dirty="0">
-                <a:solidFill>
-                  <a:srgbClr val="222222"/>
-                </a:solidFill>
-                <a:effectLst/>
-                <a:latin typeface="verdana" panose="020B0604030504040204" pitchFamily="34" charset="0"/>
-              </a:rPr>
-              <a:t> can be mapped to </a:t>
-            </a:r>
-            <a:r>
-              <a:rPr lang="en-US" b="0" i="1" u="none" strike="noStrike" dirty="0">
-                <a:solidFill>
-                  <a:srgbClr val="222222"/>
-                </a:solidFill>
-                <a:effectLst/>
-                <a:latin typeface="verdana" panose="020B0604030504040204" pitchFamily="34" charset="0"/>
               </a:rPr>
               <a:t>port</a:t>
             </a:r>
-            <a:endParaRPr lang="en-US" b="0" i="1" u="none" strike="noStrike" dirty="0">
-              <a:solidFill>
-                <a:srgbClr val="222222"/>
-              </a:solidFill>
-              <a:effectLst/>
-              <a:latin typeface="arial" panose="020B0604020202020204" pitchFamily="34" charset="0"/>
-            </a:endParaRPr>
           </a:p>
           <a:p>
             <a:endParaRPr lang="en-IL" dirty="0"/>
@@ -17983,10 +20485,280 @@
   <p:clrMapOvr>
     <a:masterClrMapping/>
   </p:clrMapOvr>
+  <p:timing>
+    <p:tnLst>
+      <p:par>
+        <p:cTn id="1" dur="indefinite" restart="never" nodeType="tmRoot">
+          <p:childTnLst>
+            <p:seq concurrent="1" nextAc="seek">
+              <p:cTn id="2" dur="indefinite" nodeType="mainSeq">
+                <p:childTnLst>
+                  <p:par>
+                    <p:cTn id="3" fill="hold">
+                      <p:stCondLst>
+                        <p:cond delay="indefinite"/>
+                      </p:stCondLst>
+                      <p:childTnLst>
+                        <p:par>
+                          <p:cTn id="4" fill="hold">
+                            <p:stCondLst>
+                              <p:cond delay="0"/>
+                            </p:stCondLst>
+                            <p:childTnLst>
+                              <p:par>
+                                <p:cTn id="5" presetID="1" presetClass="entr" presetSubtype="0" fill="hold" nodeType="clickEffect">
+                                  <p:stCondLst>
+                                    <p:cond delay="0"/>
+                                  </p:stCondLst>
+                                  <p:childTnLst>
+                                    <p:set>
+                                      <p:cBhvr>
+                                        <p:cTn id="6" dur="1" fill="hold">
+                                          <p:stCondLst>
+                                            <p:cond delay="0"/>
+                                          </p:stCondLst>
+                                        </p:cTn>
+                                        <p:tgtEl>
+                                          <p:spTgt spid="3">
+                                            <p:txEl>
+                                              <p:pRg st="0" end="0"/>
+                                            </p:txEl>
+                                          </p:spTgt>
+                                        </p:tgtEl>
+                                        <p:attrNameLst>
+                                          <p:attrName>style.visibility</p:attrName>
+                                        </p:attrNameLst>
+                                      </p:cBhvr>
+                                      <p:to>
+                                        <p:strVal val="visible"/>
+                                      </p:to>
+                                    </p:set>
+                                  </p:childTnLst>
+                                </p:cTn>
+                              </p:par>
+                            </p:childTnLst>
+                          </p:cTn>
+                        </p:par>
+                      </p:childTnLst>
+                    </p:cTn>
+                  </p:par>
+                  <p:par>
+                    <p:cTn id="7" fill="hold">
+                      <p:stCondLst>
+                        <p:cond delay="indefinite"/>
+                      </p:stCondLst>
+                      <p:childTnLst>
+                        <p:par>
+                          <p:cTn id="8" fill="hold">
+                            <p:stCondLst>
+                              <p:cond delay="0"/>
+                            </p:stCondLst>
+                            <p:childTnLst>
+                              <p:par>
+                                <p:cTn id="9" presetID="1" presetClass="entr" presetSubtype="0" fill="hold" nodeType="clickEffect">
+                                  <p:stCondLst>
+                                    <p:cond delay="0"/>
+                                  </p:stCondLst>
+                                  <p:childTnLst>
+                                    <p:set>
+                                      <p:cBhvr>
+                                        <p:cTn id="10" dur="1" fill="hold">
+                                          <p:stCondLst>
+                                            <p:cond delay="0"/>
+                                          </p:stCondLst>
+                                        </p:cTn>
+                                        <p:tgtEl>
+                                          <p:spTgt spid="3">
+                                            <p:txEl>
+                                              <p:pRg st="1" end="1"/>
+                                            </p:txEl>
+                                          </p:spTgt>
+                                        </p:tgtEl>
+                                        <p:attrNameLst>
+                                          <p:attrName>style.visibility</p:attrName>
+                                        </p:attrNameLst>
+                                      </p:cBhvr>
+                                      <p:to>
+                                        <p:strVal val="visible"/>
+                                      </p:to>
+                                    </p:set>
+                                  </p:childTnLst>
+                                </p:cTn>
+                              </p:par>
+                              <p:par>
+                                <p:cTn id="11" presetID="1" presetClass="entr" presetSubtype="0" fill="hold" nodeType="withEffect">
+                                  <p:stCondLst>
+                                    <p:cond delay="0"/>
+                                  </p:stCondLst>
+                                  <p:childTnLst>
+                                    <p:set>
+                                      <p:cBhvr>
+                                        <p:cTn id="12" dur="1" fill="hold">
+                                          <p:stCondLst>
+                                            <p:cond delay="0"/>
+                                          </p:stCondLst>
+                                        </p:cTn>
+                                        <p:tgtEl>
+                                          <p:spTgt spid="3">
+                                            <p:txEl>
+                                              <p:pRg st="2" end="2"/>
+                                            </p:txEl>
+                                          </p:spTgt>
+                                        </p:tgtEl>
+                                        <p:attrNameLst>
+                                          <p:attrName>style.visibility</p:attrName>
+                                        </p:attrNameLst>
+                                      </p:cBhvr>
+                                      <p:to>
+                                        <p:strVal val="visible"/>
+                                      </p:to>
+                                    </p:set>
+                                  </p:childTnLst>
+                                </p:cTn>
+                              </p:par>
+                              <p:par>
+                                <p:cTn id="13" presetID="1" presetClass="entr" presetSubtype="0" fill="hold" nodeType="withEffect">
+                                  <p:stCondLst>
+                                    <p:cond delay="0"/>
+                                  </p:stCondLst>
+                                  <p:childTnLst>
+                                    <p:set>
+                                      <p:cBhvr>
+                                        <p:cTn id="14" dur="1" fill="hold">
+                                          <p:stCondLst>
+                                            <p:cond delay="0"/>
+                                          </p:stCondLst>
+                                        </p:cTn>
+                                        <p:tgtEl>
+                                          <p:spTgt spid="3">
+                                            <p:txEl>
+                                              <p:pRg st="3" end="3"/>
+                                            </p:txEl>
+                                          </p:spTgt>
+                                        </p:tgtEl>
+                                        <p:attrNameLst>
+                                          <p:attrName>style.visibility</p:attrName>
+                                        </p:attrNameLst>
+                                      </p:cBhvr>
+                                      <p:to>
+                                        <p:strVal val="visible"/>
+                                      </p:to>
+                                    </p:set>
+                                  </p:childTnLst>
+                                </p:cTn>
+                              </p:par>
+                            </p:childTnLst>
+                          </p:cTn>
+                        </p:par>
+                      </p:childTnLst>
+                    </p:cTn>
+                  </p:par>
+                  <p:par>
+                    <p:cTn id="15" fill="hold">
+                      <p:stCondLst>
+                        <p:cond delay="indefinite"/>
+                      </p:stCondLst>
+                      <p:childTnLst>
+                        <p:par>
+                          <p:cTn id="16" fill="hold">
+                            <p:stCondLst>
+                              <p:cond delay="0"/>
+                            </p:stCondLst>
+                            <p:childTnLst>
+                              <p:par>
+                                <p:cTn id="17" presetID="1" presetClass="entr" presetSubtype="0" fill="hold" nodeType="clickEffect">
+                                  <p:stCondLst>
+                                    <p:cond delay="0"/>
+                                  </p:stCondLst>
+                                  <p:childTnLst>
+                                    <p:set>
+                                      <p:cBhvr>
+                                        <p:cTn id="18" dur="1" fill="hold">
+                                          <p:stCondLst>
+                                            <p:cond delay="0"/>
+                                          </p:stCondLst>
+                                        </p:cTn>
+                                        <p:tgtEl>
+                                          <p:spTgt spid="3">
+                                            <p:txEl>
+                                              <p:pRg st="4" end="4"/>
+                                            </p:txEl>
+                                          </p:spTgt>
+                                        </p:tgtEl>
+                                        <p:attrNameLst>
+                                          <p:attrName>style.visibility</p:attrName>
+                                        </p:attrNameLst>
+                                      </p:cBhvr>
+                                      <p:to>
+                                        <p:strVal val="visible"/>
+                                      </p:to>
+                                    </p:set>
+                                  </p:childTnLst>
+                                </p:cTn>
+                              </p:par>
+                              <p:par>
+                                <p:cTn id="19" presetID="1" presetClass="entr" presetSubtype="0" fill="hold" nodeType="withEffect">
+                                  <p:stCondLst>
+                                    <p:cond delay="0"/>
+                                  </p:stCondLst>
+                                  <p:childTnLst>
+                                    <p:set>
+                                      <p:cBhvr>
+                                        <p:cTn id="20" dur="1" fill="hold">
+                                          <p:stCondLst>
+                                            <p:cond delay="0"/>
+                                          </p:stCondLst>
+                                        </p:cTn>
+                                        <p:tgtEl>
+                                          <p:spTgt spid="3">
+                                            <p:txEl>
+                                              <p:pRg st="5" end="5"/>
+                                            </p:txEl>
+                                          </p:spTgt>
+                                        </p:tgtEl>
+                                        <p:attrNameLst>
+                                          <p:attrName>style.visibility</p:attrName>
+                                        </p:attrNameLst>
+                                      </p:cBhvr>
+                                      <p:to>
+                                        <p:strVal val="visible"/>
+                                      </p:to>
+                                    </p:set>
+                                  </p:childTnLst>
+                                </p:cTn>
+                              </p:par>
+                            </p:childTnLst>
+                          </p:cTn>
+                        </p:par>
+                      </p:childTnLst>
+                    </p:cTn>
+                  </p:par>
+                </p:childTnLst>
+              </p:cTn>
+              <p:prevCondLst>
+                <p:cond evt="onPrev" delay="0">
+                  <p:tgtEl>
+                    <p:sldTgt/>
+                  </p:tgtEl>
+                </p:cond>
+              </p:prevCondLst>
+              <p:nextCondLst>
+                <p:cond evt="onNext" delay="0">
+                  <p:tgtEl>
+                    <p:sldTgt/>
+                  </p:tgtEl>
+                </p:cond>
+              </p:nextCondLst>
+            </p:seq>
+          </p:childTnLst>
+        </p:cTn>
+      </p:par>
+    </p:tnLst>
+  </p:timing>
 </p:sld>
 </file>
 
-<file path=ppt/slides/slide34.xml><?xml version="1.0" encoding="utf-8"?>
+<file path=ppt/slides/slide35.xml><?xml version="1.0" encoding="utf-8"?>
 <p:sld xmlns:a="http://schemas.openxmlformats.org/drawingml/2006/main" xmlns:r="http://schemas.openxmlformats.org/officeDocument/2006/relationships" xmlns:p="http://schemas.openxmlformats.org/presentationml/2006/main">
   <p:cSld>
     <p:spTree>
@@ -18061,11 +20833,13 @@
           </a:xfrm>
         </p:spPr>
         <p:txBody>
-          <a:bodyPr/>
+          <a:bodyPr>
+            <a:normAutofit/>
+          </a:bodyPr>
           <a:lstStyle/>
           <a:p>
             <a:r>
-              <a:rPr lang="en-US" dirty="0">
+              <a:rPr lang="en-US" sz="2000" dirty="0">
                 <a:solidFill>
                   <a:schemeClr val="accent1"/>
                 </a:solidFill>
@@ -18073,7 +20847,7 @@
               <a:t>@</a:t>
             </a:r>
             <a:r>
-              <a:rPr lang="en-US" dirty="0" err="1">
+              <a:rPr lang="en-US" sz="2000" dirty="0" err="1">
                 <a:solidFill>
                   <a:schemeClr val="accent1"/>
                 </a:solidFill>
@@ -18081,7 +20855,7 @@
               <a:t>ConfigurationProperties</a:t>
             </a:r>
             <a:r>
-              <a:rPr lang="en-US" dirty="0">
+              <a:rPr lang="en-US" sz="2000" dirty="0">
                 <a:solidFill>
                   <a:schemeClr val="accent1"/>
                 </a:solidFill>
@@ -18089,11 +20863,11 @@
               <a:t> </a:t>
             </a:r>
             <a:r>
-              <a:rPr lang="en-US" dirty="0"/>
+              <a:rPr lang="en-US" sz="2000" dirty="0"/>
               <a:t>provides validation of properties whenever they are annotated with Spring’s </a:t>
             </a:r>
             <a:r>
-              <a:rPr lang="en-US" b="1" dirty="0">
+              <a:rPr lang="en-US" sz="2000" b="1" dirty="0">
                 <a:solidFill>
                   <a:schemeClr val="accent1"/>
                 </a:solidFill>
@@ -18101,17 +20875,17 @@
               <a:t>@Validated </a:t>
             </a:r>
             <a:r>
-              <a:rPr lang="en-US" dirty="0"/>
+              <a:rPr lang="en-US" sz="2000" dirty="0"/>
               <a:t>annotation.</a:t>
             </a:r>
           </a:p>
           <a:p>
             <a:r>
-              <a:rPr lang="en-US" dirty="0"/>
+              <a:rPr lang="en-US" sz="2000" dirty="0"/>
               <a:t>Use </a:t>
             </a:r>
             <a:r>
-              <a:rPr lang="en-US" dirty="0">
+              <a:rPr lang="en-US" sz="2000" dirty="0">
                 <a:solidFill>
                   <a:srgbClr val="0070C0"/>
                 </a:solidFill>
@@ -18119,30 +20893,10 @@
               <a:t>Bean Validation </a:t>
             </a:r>
             <a:r>
-              <a:rPr lang="en-US" dirty="0"/>
-              <a:t>annotations directly on your configuration class (</a:t>
-            </a:r>
-            <a:r>
-              <a:rPr lang="en-US" dirty="0">
-                <a:hlinkClick r:id="rId2"/>
-              </a:rPr>
-              <a:t>here </a:t>
-            </a:r>
-            <a:r>
-              <a:rPr lang="en-US" dirty="0"/>
-              <a:t>is the list of annotations, and </a:t>
-            </a:r>
-            <a:r>
-              <a:rPr lang="en-US" dirty="0">
-                <a:hlinkClick r:id="rId3"/>
-              </a:rPr>
-              <a:t>here</a:t>
-            </a:r>
-            <a:r>
-              <a:rPr lang="en-US" dirty="0"/>
-              <a:t> – more details about the beans validation)</a:t>
-            </a:r>
-            <a:endParaRPr lang="en-IL" dirty="0"/>
+              <a:rPr lang="en-US" sz="2000" dirty="0"/>
+              <a:t>annotations directly on your configuration class:</a:t>
+            </a:r>
+            <a:endParaRPr lang="en-IL" sz="2000" dirty="0"/>
           </a:p>
         </p:txBody>
       </p:sp>
@@ -18853,7 +21607,7 @@
 </p:sld>
 </file>
 
-<file path=ppt/slides/slide35.xml><?xml version="1.0" encoding="utf-8"?>
+<file path=ppt/slides/slide36.xml><?xml version="1.0" encoding="utf-8"?>
 <p:sld xmlns:a="http://schemas.openxmlformats.org/drawingml/2006/main" xmlns:r="http://schemas.openxmlformats.org/officeDocument/2006/relationships" xmlns:p="http://schemas.openxmlformats.org/presentationml/2006/main">
   <p:cSld>
     <p:spTree>
@@ -19328,7 +22082,7 @@
 </p:sld>
 </file>
 
-<file path=ppt/slides/slide36.xml><?xml version="1.0" encoding="utf-8"?>
+<file path=ppt/slides/slide37.xml><?xml version="1.0" encoding="utf-8"?>
 <p:sld xmlns:a="http://schemas.openxmlformats.org/drawingml/2006/main" xmlns:r="http://schemas.openxmlformats.org/officeDocument/2006/relationships" xmlns:p="http://schemas.openxmlformats.org/presentationml/2006/main">
   <p:cSld>
     <p:spTree>
@@ -19368,7 +22122,7 @@
           <a:p>
             <a:r>
               <a:rPr lang="en-IL" dirty="0"/>
-              <a:t>Part 4: @RestController validation</a:t>
+              <a:t>Part 5: @RestController validation</a:t>
             </a:r>
           </a:p>
         </p:txBody>
@@ -19574,7 +22328,7 @@
 </p:sld>
 </file>
 
-<file path=ppt/slides/slide37.xml><?xml version="1.0" encoding="utf-8"?>
+<file path=ppt/slides/slide38.xml><?xml version="1.0" encoding="utf-8"?>
 <p:sld xmlns:a="http://schemas.openxmlformats.org/drawingml/2006/main" xmlns:r="http://schemas.openxmlformats.org/officeDocument/2006/relationships" xmlns:p="http://schemas.openxmlformats.org/presentationml/2006/main">
   <p:cSld>
     <p:spTree>
@@ -20302,7 +23056,7 @@
 </p:sld>
 </file>
 
-<file path=ppt/slides/slide38.xml><?xml version="1.0" encoding="utf-8"?>
+<file path=ppt/slides/slide39.xml><?xml version="1.0" encoding="utf-8"?>
 <p:sld xmlns:a="http://schemas.openxmlformats.org/drawingml/2006/main" xmlns:r="http://schemas.openxmlformats.org/officeDocument/2006/relationships" xmlns:p="http://schemas.openxmlformats.org/presentationml/2006/main">
   <p:cSld>
     <p:spTree>
@@ -21352,152 +24106,6 @@
     <p:extLst>
       <p:ext uri="{BB962C8B-B14F-4D97-AF65-F5344CB8AC3E}">
         <p14:creationId xmlns:p14="http://schemas.microsoft.com/office/powerpoint/2010/main" val="1428792716"/>
-      </p:ext>
-    </p:extLst>
-  </p:cSld>
-  <p:clrMapOvr>
-    <a:masterClrMapping/>
-  </p:clrMapOvr>
-</p:sld>
-</file>
-
-<file path=ppt/slides/slide39.xml><?xml version="1.0" encoding="utf-8"?>
-<p:sld xmlns:a="http://schemas.openxmlformats.org/drawingml/2006/main" xmlns:r="http://schemas.openxmlformats.org/officeDocument/2006/relationships" xmlns:p="http://schemas.openxmlformats.org/presentationml/2006/main">
-  <p:cSld>
-    <p:spTree>
-      <p:nvGrpSpPr>
-        <p:cNvPr id="1" name=""/>
-        <p:cNvGrpSpPr/>
-        <p:nvPr/>
-      </p:nvGrpSpPr>
-      <p:grpSpPr>
-        <a:xfrm>
-          <a:off x="0" y="0"/>
-          <a:ext cx="0" cy="0"/>
-          <a:chOff x="0" y="0"/>
-          <a:chExt cx="0" cy="0"/>
-        </a:xfrm>
-      </p:grpSpPr>
-      <p:sp>
-        <p:nvSpPr>
-          <p:cNvPr id="2" name="Title 1">
-            <a:extLst>
-              <a:ext uri="{FF2B5EF4-FFF2-40B4-BE49-F238E27FC236}">
-                <a16:creationId xmlns:a16="http://schemas.microsoft.com/office/drawing/2014/main" id="{99FE140D-1041-8E11-E85B-85B2E87F0EAB}"/>
-              </a:ext>
-            </a:extLst>
-          </p:cNvPr>
-          <p:cNvSpPr>
-            <a:spLocks noGrp="1"/>
-          </p:cNvSpPr>
-          <p:nvPr>
-            <p:ph type="title"/>
-          </p:nvPr>
-        </p:nvSpPr>
-        <p:spPr/>
-        <p:txBody>
-          <a:bodyPr/>
-          <a:lstStyle/>
-          <a:p>
-            <a:r>
-              <a:rPr lang="en-IL" dirty="0"/>
-              <a:t>Hands-on</a:t>
-            </a:r>
-          </a:p>
-        </p:txBody>
-      </p:sp>
-      <p:sp>
-        <p:nvSpPr>
-          <p:cNvPr id="3" name="Content Placeholder 2">
-            <a:extLst>
-              <a:ext uri="{FF2B5EF4-FFF2-40B4-BE49-F238E27FC236}">
-                <a16:creationId xmlns:a16="http://schemas.microsoft.com/office/drawing/2014/main" id="{02B2E2B9-3305-1CAF-1A88-B769AFA7E4A5}"/>
-              </a:ext>
-            </a:extLst>
-          </p:cNvPr>
-          <p:cNvSpPr>
-            <a:spLocks noGrp="1"/>
-          </p:cNvSpPr>
-          <p:nvPr>
-            <p:ph idx="1"/>
-          </p:nvPr>
-        </p:nvSpPr>
-        <p:spPr/>
-        <p:txBody>
-          <a:bodyPr/>
-          <a:lstStyle/>
-          <a:p>
-            <a:pPr marL="0" indent="0">
-              <a:buNone/>
-            </a:pPr>
-            <a:r>
-              <a:rPr lang="en-IL" dirty="0"/>
-              <a:t>Implement the following improvements to the ATM service:</a:t>
-            </a:r>
-          </a:p>
-          <a:p>
-            <a:r>
-              <a:rPr lang="en-IL" dirty="0"/>
-              <a:t>Add configuration: define the initial balance on every account. </a:t>
-            </a:r>
-          </a:p>
-          <a:p>
-            <a:r>
-              <a:rPr lang="en-IL" dirty="0"/>
-              <a:t>Add validation to the input parameters:</a:t>
-            </a:r>
-          </a:p>
-          <a:p>
-            <a:pPr lvl="1"/>
-            <a:r>
-              <a:rPr lang="en-IL" dirty="0"/>
-              <a:t>Validate that an input sum is a positive number.</a:t>
-            </a:r>
-          </a:p>
-          <a:p>
-            <a:pPr lvl="1"/>
-            <a:r>
-              <a:rPr lang="en-IL" dirty="0"/>
-              <a:t>In the case of ‘insert’, validate that the inserted sum is between 1 and 1000.</a:t>
-            </a:r>
-          </a:p>
-          <a:p>
-            <a:r>
-              <a:rPr lang="en-IL" dirty="0"/>
-              <a:t>Add error handling to the ATC service:</a:t>
-            </a:r>
-          </a:p>
-          <a:p>
-            <a:pPr lvl="1"/>
-            <a:r>
-              <a:rPr lang="en-US" dirty="0"/>
-              <a:t>In all requests, if the specified account is not </a:t>
-            </a:r>
-            <a:r>
-              <a:rPr lang="en-US"/>
-              <a:t>found – return 404.</a:t>
-            </a:r>
-            <a:endParaRPr lang="ru-RU" dirty="0"/>
-          </a:p>
-          <a:p>
-            <a:pPr lvl="1"/>
-            <a:r>
-              <a:rPr lang="en-IL" dirty="0"/>
-              <a:t>In the ‘withdraw’ request, if the requested sum is more than the balance on the account, return the error 500 and error message.</a:t>
-            </a:r>
-          </a:p>
-          <a:p>
-            <a:endParaRPr lang="en-IL" dirty="0"/>
-          </a:p>
-          <a:p>
-            <a:endParaRPr lang="en-IL" dirty="0"/>
-          </a:p>
-        </p:txBody>
-      </p:sp>
-    </p:spTree>
-    <p:extLst>
-      <p:ext uri="{BB962C8B-B14F-4D97-AF65-F5344CB8AC3E}">
-        <p14:creationId xmlns:p14="http://schemas.microsoft.com/office/powerpoint/2010/main" val="1006632789"/>
       </p:ext>
     </p:extLst>
   </p:cSld>
@@ -21751,6 +24359,152 @@
 </p:sld>
 </file>
 
+<file path=ppt/slides/slide40.xml><?xml version="1.0" encoding="utf-8"?>
+<p:sld xmlns:a="http://schemas.openxmlformats.org/drawingml/2006/main" xmlns:r="http://schemas.openxmlformats.org/officeDocument/2006/relationships" xmlns:p="http://schemas.openxmlformats.org/presentationml/2006/main">
+  <p:cSld>
+    <p:spTree>
+      <p:nvGrpSpPr>
+        <p:cNvPr id="1" name=""/>
+        <p:cNvGrpSpPr/>
+        <p:nvPr/>
+      </p:nvGrpSpPr>
+      <p:grpSpPr>
+        <a:xfrm>
+          <a:off x="0" y="0"/>
+          <a:ext cx="0" cy="0"/>
+          <a:chOff x="0" y="0"/>
+          <a:chExt cx="0" cy="0"/>
+        </a:xfrm>
+      </p:grpSpPr>
+      <p:sp>
+        <p:nvSpPr>
+          <p:cNvPr id="2" name="Title 1">
+            <a:extLst>
+              <a:ext uri="{FF2B5EF4-FFF2-40B4-BE49-F238E27FC236}">
+                <a16:creationId xmlns:a16="http://schemas.microsoft.com/office/drawing/2014/main" id="{99FE140D-1041-8E11-E85B-85B2E87F0EAB}"/>
+              </a:ext>
+            </a:extLst>
+          </p:cNvPr>
+          <p:cNvSpPr>
+            <a:spLocks noGrp="1"/>
+          </p:cNvSpPr>
+          <p:nvPr>
+            <p:ph type="title"/>
+          </p:nvPr>
+        </p:nvSpPr>
+        <p:spPr/>
+        <p:txBody>
+          <a:bodyPr/>
+          <a:lstStyle/>
+          <a:p>
+            <a:r>
+              <a:rPr lang="en-IL" dirty="0"/>
+              <a:t>Hands-on</a:t>
+            </a:r>
+          </a:p>
+        </p:txBody>
+      </p:sp>
+      <p:sp>
+        <p:nvSpPr>
+          <p:cNvPr id="3" name="Content Placeholder 2">
+            <a:extLst>
+              <a:ext uri="{FF2B5EF4-FFF2-40B4-BE49-F238E27FC236}">
+                <a16:creationId xmlns:a16="http://schemas.microsoft.com/office/drawing/2014/main" id="{02B2E2B9-3305-1CAF-1A88-B769AFA7E4A5}"/>
+              </a:ext>
+            </a:extLst>
+          </p:cNvPr>
+          <p:cNvSpPr>
+            <a:spLocks noGrp="1"/>
+          </p:cNvSpPr>
+          <p:nvPr>
+            <p:ph idx="1"/>
+          </p:nvPr>
+        </p:nvSpPr>
+        <p:spPr/>
+        <p:txBody>
+          <a:bodyPr/>
+          <a:lstStyle/>
+          <a:p>
+            <a:pPr marL="0" indent="0">
+              <a:buNone/>
+            </a:pPr>
+            <a:r>
+              <a:rPr lang="en-IL" dirty="0"/>
+              <a:t>Implement the following improvements to the ATM service:</a:t>
+            </a:r>
+          </a:p>
+          <a:p>
+            <a:r>
+              <a:rPr lang="en-IL" dirty="0"/>
+              <a:t>Add configuration: define the initial balance on every account. </a:t>
+            </a:r>
+          </a:p>
+          <a:p>
+            <a:r>
+              <a:rPr lang="en-IL" dirty="0"/>
+              <a:t>Add validation to the input parameters:</a:t>
+            </a:r>
+          </a:p>
+          <a:p>
+            <a:pPr lvl="1"/>
+            <a:r>
+              <a:rPr lang="en-IL" dirty="0"/>
+              <a:t>Validate that an input sum is a positive number.</a:t>
+            </a:r>
+          </a:p>
+          <a:p>
+            <a:pPr lvl="1"/>
+            <a:r>
+              <a:rPr lang="en-IL" dirty="0"/>
+              <a:t>In the case of ‘insert’, validate that the inserted sum is between 1 and 1000.</a:t>
+            </a:r>
+          </a:p>
+          <a:p>
+            <a:r>
+              <a:rPr lang="en-IL" dirty="0"/>
+              <a:t>Add error handling to the ATC service:</a:t>
+            </a:r>
+          </a:p>
+          <a:p>
+            <a:pPr lvl="1"/>
+            <a:r>
+              <a:rPr lang="en-US" dirty="0"/>
+              <a:t>In all requests, if the specified account is not </a:t>
+            </a:r>
+            <a:r>
+              <a:rPr lang="en-US"/>
+              <a:t>found – return 404.</a:t>
+            </a:r>
+            <a:endParaRPr lang="ru-RU" dirty="0"/>
+          </a:p>
+          <a:p>
+            <a:pPr lvl="1"/>
+            <a:r>
+              <a:rPr lang="en-IL" dirty="0"/>
+              <a:t>In the ‘withdraw’ request, if the requested sum is more than the balance on the account, return the error 500 and error message.</a:t>
+            </a:r>
+          </a:p>
+          <a:p>
+            <a:endParaRPr lang="en-IL" dirty="0"/>
+          </a:p>
+          <a:p>
+            <a:endParaRPr lang="en-IL" dirty="0"/>
+          </a:p>
+        </p:txBody>
+      </p:sp>
+    </p:spTree>
+    <p:extLst>
+      <p:ext uri="{BB962C8B-B14F-4D97-AF65-F5344CB8AC3E}">
+        <p14:creationId xmlns:p14="http://schemas.microsoft.com/office/powerpoint/2010/main" val="1006632789"/>
+      </p:ext>
+    </p:extLst>
+  </p:cSld>
+  <p:clrMapOvr>
+    <a:masterClrMapping/>
+  </p:clrMapOvr>
+</p:sld>
+</file>
+
 <file path=ppt/slides/slide5.xml><?xml version="1.0" encoding="utf-8"?>
 <p:sld xmlns:a="http://schemas.openxmlformats.org/drawingml/2006/main" xmlns:r="http://schemas.openxmlformats.org/officeDocument/2006/relationships" xmlns:p="http://schemas.openxmlformats.org/presentationml/2006/main">
   <p:cSld>
@@ -23407,6 +26161,137 @@
   <p:clrMapOvr>
     <a:masterClrMapping/>
   </p:clrMapOvr>
+  <p:timing>
+    <p:tnLst>
+      <p:par>
+        <p:cTn id="1" dur="indefinite" restart="never" nodeType="tmRoot">
+          <p:childTnLst>
+            <p:seq concurrent="1" nextAc="seek">
+              <p:cTn id="2" dur="indefinite" nodeType="mainSeq">
+                <p:childTnLst>
+                  <p:par>
+                    <p:cTn id="3" fill="hold">
+                      <p:stCondLst>
+                        <p:cond delay="indefinite"/>
+                      </p:stCondLst>
+                      <p:childTnLst>
+                        <p:par>
+                          <p:cTn id="4" fill="hold">
+                            <p:stCondLst>
+                              <p:cond delay="0"/>
+                            </p:stCondLst>
+                            <p:childTnLst>
+                              <p:par>
+                                <p:cTn id="5" presetID="1" presetClass="entr" presetSubtype="0" fill="hold" grpId="0" nodeType="clickEffect">
+                                  <p:stCondLst>
+                                    <p:cond delay="0"/>
+                                  </p:stCondLst>
+                                  <p:childTnLst>
+                                    <p:set>
+                                      <p:cBhvr>
+                                        <p:cTn id="6" dur="1" fill="hold">
+                                          <p:stCondLst>
+                                            <p:cond delay="0"/>
+                                          </p:stCondLst>
+                                        </p:cTn>
+                                        <p:tgtEl>
+                                          <p:spTgt spid="3">
+                                            <p:txEl>
+                                              <p:pRg st="0" end="0"/>
+                                            </p:txEl>
+                                          </p:spTgt>
+                                        </p:tgtEl>
+                                        <p:attrNameLst>
+                                          <p:attrName>style.visibility</p:attrName>
+                                        </p:attrNameLst>
+                                      </p:cBhvr>
+                                      <p:to>
+                                        <p:strVal val="visible"/>
+                                      </p:to>
+                                    </p:set>
+                                  </p:childTnLst>
+                                </p:cTn>
+                              </p:par>
+                            </p:childTnLst>
+                          </p:cTn>
+                        </p:par>
+                      </p:childTnLst>
+                    </p:cTn>
+                  </p:par>
+                  <p:par>
+                    <p:cTn id="7" fill="hold">
+                      <p:stCondLst>
+                        <p:cond delay="indefinite"/>
+                      </p:stCondLst>
+                      <p:childTnLst>
+                        <p:par>
+                          <p:cTn id="8" fill="hold">
+                            <p:stCondLst>
+                              <p:cond delay="0"/>
+                            </p:stCondLst>
+                            <p:childTnLst>
+                              <p:par>
+                                <p:cTn id="9" presetID="1" presetClass="entr" presetSubtype="0" fill="hold" grpId="0" nodeType="clickEffect">
+                                  <p:stCondLst>
+                                    <p:cond delay="0"/>
+                                  </p:stCondLst>
+                                  <p:childTnLst>
+                                    <p:set>
+                                      <p:cBhvr>
+                                        <p:cTn id="10" dur="1" fill="hold">
+                                          <p:stCondLst>
+                                            <p:cond delay="0"/>
+                                          </p:stCondLst>
+                                        </p:cTn>
+                                        <p:tgtEl>
+                                          <p:spTgt spid="3">
+                                            <p:txEl>
+                                              <p:pRg st="1" end="1"/>
+                                            </p:txEl>
+                                          </p:spTgt>
+                                        </p:tgtEl>
+                                        <p:attrNameLst>
+                                          <p:attrName>style.visibility</p:attrName>
+                                        </p:attrNameLst>
+                                      </p:cBhvr>
+                                      <p:to>
+                                        <p:strVal val="visible"/>
+                                      </p:to>
+                                    </p:set>
+                                  </p:childTnLst>
+                                </p:cTn>
+                              </p:par>
+                            </p:childTnLst>
+                          </p:cTn>
+                        </p:par>
+                      </p:childTnLst>
+                    </p:cTn>
+                  </p:par>
+                </p:childTnLst>
+              </p:cTn>
+              <p:prevCondLst>
+                <p:cond evt="onPrev" delay="0">
+                  <p:tgtEl>
+                    <p:sldTgt/>
+                  </p:tgtEl>
+                </p:cond>
+              </p:prevCondLst>
+              <p:nextCondLst>
+                <p:cond evt="onNext" delay="0">
+                  <p:tgtEl>
+                    <p:sldTgt/>
+                  </p:tgtEl>
+                </p:cond>
+              </p:nextCondLst>
+            </p:seq>
+          </p:childTnLst>
+        </p:cTn>
+      </p:par>
+    </p:tnLst>
+    <p:bldLst>
+      <p:bldP spid="3" grpId="0" build="p"/>
+    </p:bldLst>
+  </p:timing>
 </p:sld>
 </file>
 
@@ -23665,4 +26550,299 @@
     </a:ext>
   </a:extLst>
 </a:theme>
+</file>
+
+<file path=ppt/theme/theme2.xml><?xml version="1.0" encoding="utf-8"?>
+<a:theme xmlns:a="http://schemas.openxmlformats.org/drawingml/2006/main" name="Office Theme">
+  <a:themeElements>
+    <a:clrScheme name="Office">
+      <a:dk1>
+        <a:sysClr val="windowText" lastClr="000000"/>
+      </a:dk1>
+      <a:lt1>
+        <a:sysClr val="window" lastClr="FFFFFF"/>
+      </a:lt1>
+      <a:dk2>
+        <a:srgbClr val="44546A"/>
+      </a:dk2>
+      <a:lt2>
+        <a:srgbClr val="E7E6E6"/>
+      </a:lt2>
+      <a:accent1>
+        <a:srgbClr val="4472C4"/>
+      </a:accent1>
+      <a:accent2>
+        <a:srgbClr val="ED7D31"/>
+      </a:accent2>
+      <a:accent3>
+        <a:srgbClr val="A5A5A5"/>
+      </a:accent3>
+      <a:accent4>
+        <a:srgbClr val="FFC000"/>
+      </a:accent4>
+      <a:accent5>
+        <a:srgbClr val="5B9BD5"/>
+      </a:accent5>
+      <a:accent6>
+        <a:srgbClr val="70AD47"/>
+      </a:accent6>
+      <a:hlink>
+        <a:srgbClr val="0563C1"/>
+      </a:hlink>
+      <a:folHlink>
+        <a:srgbClr val="954F72"/>
+      </a:folHlink>
+    </a:clrScheme>
+    <a:fontScheme name="Office">
+      <a:majorFont>
+        <a:latin typeface="Calibri Light" panose="020F0302020204030204"/>
+        <a:ea typeface=""/>
+        <a:cs typeface=""/>
+        <a:font script="Jpan" typeface="游ゴシック Light"/>
+        <a:font script="Hang" typeface="맑은 고딕"/>
+        <a:font script="Hans" typeface="等线 Light"/>
+        <a:font script="Hant" typeface="新細明體"/>
+        <a:font script="Arab" typeface="Times New Roman"/>
+        <a:font script="Hebr" typeface="Times New Roman"/>
+        <a:font script="Thai" typeface="Angsana New"/>
+        <a:font script="Ethi" typeface="Nyala"/>
+        <a:font script="Beng" typeface="Vrinda"/>
+        <a:font script="Gujr" typeface="Shruti"/>
+        <a:font script="Khmr" typeface="MoolBoran"/>
+        <a:font script="Knda" typeface="Tunga"/>
+        <a:font script="Guru" typeface="Raavi"/>
+        <a:font script="Cans" typeface="Euphemia"/>
+        <a:font script="Cher" typeface="Plantagenet Cherokee"/>
+        <a:font script="Yiii" typeface="Microsoft Yi Baiti"/>
+        <a:font script="Tibt" typeface="Microsoft Himalaya"/>
+        <a:font script="Thaa" typeface="MV Boli"/>
+        <a:font script="Deva" typeface="Mangal"/>
+        <a:font script="Telu" typeface="Gautami"/>
+        <a:font script="Taml" typeface="Latha"/>
+        <a:font script="Syrc" typeface="Estrangelo Edessa"/>
+        <a:font script="Orya" typeface="Kalinga"/>
+        <a:font script="Mlym" typeface="Kartika"/>
+        <a:font script="Laoo" typeface="DokChampa"/>
+        <a:font script="Sinh" typeface="Iskoola Pota"/>
+        <a:font script="Mong" typeface="Mongolian Baiti"/>
+        <a:font script="Viet" typeface="Times New Roman"/>
+        <a:font script="Uigh" typeface="Microsoft Uighur"/>
+        <a:font script="Geor" typeface="Sylfaen"/>
+        <a:font script="Armn" typeface="Arial"/>
+        <a:font script="Bugi" typeface="Leelawadee UI"/>
+        <a:font script="Bopo" typeface="Microsoft JhengHei"/>
+        <a:font script="Java" typeface="Javanese Text"/>
+        <a:font script="Lisu" typeface="Segoe UI"/>
+        <a:font script="Mymr" typeface="Myanmar Text"/>
+        <a:font script="Nkoo" typeface="Ebrima"/>
+        <a:font script="Olck" typeface="Nirmala UI"/>
+        <a:font script="Osma" typeface="Ebrima"/>
+        <a:font script="Phag" typeface="Phagspa"/>
+        <a:font script="Syrn" typeface="Estrangelo Edessa"/>
+        <a:font script="Syrj" typeface="Estrangelo Edessa"/>
+        <a:font script="Syre" typeface="Estrangelo Edessa"/>
+        <a:font script="Sora" typeface="Nirmala UI"/>
+        <a:font script="Tale" typeface="Microsoft Tai Le"/>
+        <a:font script="Talu" typeface="Microsoft New Tai Lue"/>
+        <a:font script="Tfng" typeface="Ebrima"/>
+      </a:majorFont>
+      <a:minorFont>
+        <a:latin typeface="Calibri" panose="020F0502020204030204"/>
+        <a:ea typeface=""/>
+        <a:cs typeface=""/>
+        <a:font script="Jpan" typeface="游ゴシック"/>
+        <a:font script="Hang" typeface="맑은 고딕"/>
+        <a:font script="Hans" typeface="等线"/>
+        <a:font script="Hant" typeface="新細明體"/>
+        <a:font script="Arab" typeface="Arial"/>
+        <a:font script="Hebr" typeface="Arial"/>
+        <a:font script="Thai" typeface="Cordia New"/>
+        <a:font script="Ethi" typeface="Nyala"/>
+        <a:font script="Beng" typeface="Vrinda"/>
+        <a:font script="Gujr" typeface="Shruti"/>
+        <a:font script="Khmr" typeface="DaunPenh"/>
+        <a:font script="Knda" typeface="Tunga"/>
+        <a:font script="Guru" typeface="Raavi"/>
+        <a:font script="Cans" typeface="Euphemia"/>
+        <a:font script="Cher" typeface="Plantagenet Cherokee"/>
+        <a:font script="Yiii" typeface="Microsoft Yi Baiti"/>
+        <a:font script="Tibt" typeface="Microsoft Himalaya"/>
+        <a:font script="Thaa" typeface="MV Boli"/>
+        <a:font script="Deva" typeface="Mangal"/>
+        <a:font script="Telu" typeface="Gautami"/>
+        <a:font script="Taml" typeface="Latha"/>
+        <a:font script="Syrc" typeface="Estrangelo Edessa"/>
+        <a:font script="Orya" typeface="Kalinga"/>
+        <a:font script="Mlym" typeface="Kartika"/>
+        <a:font script="Laoo" typeface="DokChampa"/>
+        <a:font script="Sinh" typeface="Iskoola Pota"/>
+        <a:font script="Mong" typeface="Mongolian Baiti"/>
+        <a:font script="Viet" typeface="Arial"/>
+        <a:font script="Uigh" typeface="Microsoft Uighur"/>
+        <a:font script="Geor" typeface="Sylfaen"/>
+        <a:font script="Armn" typeface="Arial"/>
+        <a:font script="Bugi" typeface="Leelawadee UI"/>
+        <a:font script="Bopo" typeface="Microsoft JhengHei"/>
+        <a:font script="Java" typeface="Javanese Text"/>
+        <a:font script="Lisu" typeface="Segoe UI"/>
+        <a:font script="Mymr" typeface="Myanmar Text"/>
+        <a:font script="Nkoo" typeface="Ebrima"/>
+        <a:font script="Olck" typeface="Nirmala UI"/>
+        <a:font script="Osma" typeface="Ebrima"/>
+        <a:font script="Phag" typeface="Phagspa"/>
+        <a:font script="Syrn" typeface="Estrangelo Edessa"/>
+        <a:font script="Syrj" typeface="Estrangelo Edessa"/>
+        <a:font script="Syre" typeface="Estrangelo Edessa"/>
+        <a:font script="Sora" typeface="Nirmala UI"/>
+        <a:font script="Tale" typeface="Microsoft Tai Le"/>
+        <a:font script="Talu" typeface="Microsoft New Tai Lue"/>
+        <a:font script="Tfng" typeface="Ebrima"/>
+      </a:minorFont>
+    </a:fontScheme>
+    <a:fmtScheme name="Office">
+      <a:fillStyleLst>
+        <a:solidFill>
+          <a:schemeClr val="phClr"/>
+        </a:solidFill>
+        <a:gradFill rotWithShape="1">
+          <a:gsLst>
+            <a:gs pos="0">
+              <a:schemeClr val="phClr">
+                <a:lumMod val="110000"/>
+                <a:satMod val="105000"/>
+                <a:tint val="67000"/>
+              </a:schemeClr>
+            </a:gs>
+            <a:gs pos="50000">
+              <a:schemeClr val="phClr">
+                <a:lumMod val="105000"/>
+                <a:satMod val="103000"/>
+                <a:tint val="73000"/>
+              </a:schemeClr>
+            </a:gs>
+            <a:gs pos="100000">
+              <a:schemeClr val="phClr">
+                <a:lumMod val="105000"/>
+                <a:satMod val="109000"/>
+                <a:tint val="81000"/>
+              </a:schemeClr>
+            </a:gs>
+          </a:gsLst>
+          <a:lin ang="5400000" scaled="0"/>
+        </a:gradFill>
+        <a:gradFill rotWithShape="1">
+          <a:gsLst>
+            <a:gs pos="0">
+              <a:schemeClr val="phClr">
+                <a:satMod val="103000"/>
+                <a:lumMod val="102000"/>
+                <a:tint val="94000"/>
+              </a:schemeClr>
+            </a:gs>
+            <a:gs pos="50000">
+              <a:schemeClr val="phClr">
+                <a:satMod val="110000"/>
+                <a:lumMod val="100000"/>
+                <a:shade val="100000"/>
+              </a:schemeClr>
+            </a:gs>
+            <a:gs pos="100000">
+              <a:schemeClr val="phClr">
+                <a:lumMod val="99000"/>
+                <a:satMod val="120000"/>
+                <a:shade val="78000"/>
+              </a:schemeClr>
+            </a:gs>
+          </a:gsLst>
+          <a:lin ang="5400000" scaled="0"/>
+        </a:gradFill>
+      </a:fillStyleLst>
+      <a:lnStyleLst>
+        <a:ln w="6350" cap="flat" cmpd="sng" algn="ctr">
+          <a:solidFill>
+            <a:schemeClr val="phClr"/>
+          </a:solidFill>
+          <a:prstDash val="solid"/>
+          <a:miter lim="800000"/>
+        </a:ln>
+        <a:ln w="12700" cap="flat" cmpd="sng" algn="ctr">
+          <a:solidFill>
+            <a:schemeClr val="phClr"/>
+          </a:solidFill>
+          <a:prstDash val="solid"/>
+          <a:miter lim="800000"/>
+        </a:ln>
+        <a:ln w="19050" cap="flat" cmpd="sng" algn="ctr">
+          <a:solidFill>
+            <a:schemeClr val="phClr"/>
+          </a:solidFill>
+          <a:prstDash val="solid"/>
+          <a:miter lim="800000"/>
+        </a:ln>
+      </a:lnStyleLst>
+      <a:effectStyleLst>
+        <a:effectStyle>
+          <a:effectLst/>
+        </a:effectStyle>
+        <a:effectStyle>
+          <a:effectLst/>
+        </a:effectStyle>
+        <a:effectStyle>
+          <a:effectLst>
+            <a:outerShdw blurRad="57150" dist="19050" dir="5400000" algn="ctr" rotWithShape="0">
+              <a:srgbClr val="000000">
+                <a:alpha val="63000"/>
+              </a:srgbClr>
+            </a:outerShdw>
+          </a:effectLst>
+        </a:effectStyle>
+      </a:effectStyleLst>
+      <a:bgFillStyleLst>
+        <a:solidFill>
+          <a:schemeClr val="phClr"/>
+        </a:solidFill>
+        <a:solidFill>
+          <a:schemeClr val="phClr">
+            <a:tint val="95000"/>
+            <a:satMod val="170000"/>
+          </a:schemeClr>
+        </a:solidFill>
+        <a:gradFill rotWithShape="1">
+          <a:gsLst>
+            <a:gs pos="0">
+              <a:schemeClr val="phClr">
+                <a:tint val="93000"/>
+                <a:satMod val="150000"/>
+                <a:shade val="98000"/>
+                <a:lumMod val="102000"/>
+              </a:schemeClr>
+            </a:gs>
+            <a:gs pos="50000">
+              <a:schemeClr val="phClr">
+                <a:tint val="98000"/>
+                <a:satMod val="130000"/>
+                <a:shade val="90000"/>
+                <a:lumMod val="103000"/>
+              </a:schemeClr>
+            </a:gs>
+            <a:gs pos="100000">
+              <a:schemeClr val="phClr">
+                <a:shade val="63000"/>
+                <a:satMod val="120000"/>
+              </a:schemeClr>
+            </a:gs>
+          </a:gsLst>
+          <a:lin ang="5400000" scaled="0"/>
+        </a:gradFill>
+      </a:bgFillStyleLst>
+    </a:fmtScheme>
+  </a:themeElements>
+  <a:objectDefaults/>
+  <a:extraClrSchemeLst/>
+  <a:extLst>
+    <a:ext uri="{05A4C25C-085E-4340-85A3-A5531E510DB2}">
+      <thm15:themeFamily xmlns:thm15="http://schemas.microsoft.com/office/thememl/2012/main" name="Office Theme" id="{62F939B6-93AF-4DB8-9C6B-D6C7DFDC589F}" vid="{4A3C46E8-61CC-4603-A589-7422A47A8E4A}"/>
+    </a:ext>
+  </a:extLst>
+</a:theme>
 </file>
--- a/Spring_Beginners_2_SpringBootForMS.pptx
+++ b/Spring_Beginners_2_SpringBootForMS.pptx
@@ -5,7 +5,7 @@
     <p:sldMasterId id="2147483648" r:id="rId1"/>
   </p:sldMasterIdLst>
   <p:notesMasterIdLst>
-    <p:notesMasterId r:id="rId42"/>
+    <p:notesMasterId r:id="rId44"/>
   </p:notesMasterIdLst>
   <p:sldIdLst>
     <p:sldId id="256" r:id="rId2"/>
@@ -34,20 +34,22 @@
     <p:sldId id="294" r:id="rId25"/>
     <p:sldId id="290" r:id="rId26"/>
     <p:sldId id="293" r:id="rId27"/>
-    <p:sldId id="262" r:id="rId28"/>
-    <p:sldId id="280" r:id="rId29"/>
-    <p:sldId id="257" r:id="rId30"/>
-    <p:sldId id="259" r:id="rId31"/>
-    <p:sldId id="261" r:id="rId32"/>
-    <p:sldId id="281" r:id="rId33"/>
-    <p:sldId id="282" r:id="rId34"/>
-    <p:sldId id="283" r:id="rId35"/>
-    <p:sldId id="284" r:id="rId36"/>
-    <p:sldId id="285" r:id="rId37"/>
-    <p:sldId id="286" r:id="rId38"/>
-    <p:sldId id="287" r:id="rId39"/>
-    <p:sldId id="288" r:id="rId40"/>
-    <p:sldId id="292" r:id="rId41"/>
+    <p:sldId id="303" r:id="rId28"/>
+    <p:sldId id="262" r:id="rId29"/>
+    <p:sldId id="280" r:id="rId30"/>
+    <p:sldId id="257" r:id="rId31"/>
+    <p:sldId id="259" r:id="rId32"/>
+    <p:sldId id="261" r:id="rId33"/>
+    <p:sldId id="281" r:id="rId34"/>
+    <p:sldId id="282" r:id="rId35"/>
+    <p:sldId id="283" r:id="rId36"/>
+    <p:sldId id="284" r:id="rId37"/>
+    <p:sldId id="285" r:id="rId38"/>
+    <p:sldId id="286" r:id="rId39"/>
+    <p:sldId id="287" r:id="rId40"/>
+    <p:sldId id="288" r:id="rId41"/>
+    <p:sldId id="304" r:id="rId42"/>
+    <p:sldId id="305" r:id="rId43"/>
   </p:sldIdLst>
   <p:sldSz cx="12192000" cy="6858000"/>
   <p:notesSz cx="6858000" cy="9144000"/>
@@ -236,7 +238,7 @@
           <a:p>
             <a:fld id="{D87DD0C7-8A07-F849-88A5-0669AD1415C9}" type="datetimeFigureOut">
               <a:rPr lang="en-IL" smtClean="0"/>
-              <a:t>27/05/2023</a:t>
+              <a:t>01/06/2023</a:t>
             </a:fld>
             <a:endParaRPr lang="en-IL"/>
           </a:p>
@@ -569,7 +571,7 @@
           <a:p>
             <a:fld id="{5A54712D-AA0B-BB4E-9DB3-A62319D253AA}" type="slidenum">
               <a:rPr lang="en-IL" smtClean="0"/>
-              <a:t>16</a:t>
+              <a:t>10</a:t>
             </a:fld>
             <a:endParaRPr lang="en-IL"/>
           </a:p>
@@ -578,7 +580,7 @@
     </p:spTree>
     <p:extLst>
       <p:ext uri="{BB962C8B-B14F-4D97-AF65-F5344CB8AC3E}">
-        <p14:creationId xmlns:p14="http://schemas.microsoft.com/office/powerpoint/2010/main" val="3039138932"/>
+        <p14:creationId xmlns:p14="http://schemas.microsoft.com/office/powerpoint/2010/main" val="1320338468"/>
       </p:ext>
     </p:extLst>
   </p:cSld>
@@ -632,63 +634,7 @@
           <a:bodyPr/>
           <a:lstStyle/>
           <a:p>
-            <a:pPr marL="0" marR="0" lvl="0" indent="0" algn="l" defTabSz="914400" rtl="0" eaLnBrk="1" fontAlgn="auto" latinLnBrk="0" hangingPunct="1">
-              <a:lnSpc>
-                <a:spcPct val="100000"/>
-              </a:lnSpc>
-              <a:spcBef>
-                <a:spcPts val="0"/>
-              </a:spcBef>
-              <a:spcAft>
-                <a:spcPts val="0"/>
-              </a:spcAft>
-              <a:buClrTx/>
-              <a:buSzTx/>
-              <a:buFontTx/>
-              <a:buNone/>
-              <a:tabLst/>
-              <a:defRPr/>
-            </a:pPr>
-            <a:r>
-              <a:rPr lang="en-US" sz="1200" dirty="0"/>
-              <a:t>Note: </a:t>
-            </a:r>
-            <a:r>
-              <a:rPr lang="en-US" sz="1200" dirty="0">
-                <a:solidFill>
-                  <a:schemeClr val="accent1"/>
-                </a:solidFill>
-              </a:rPr>
-              <a:t>@</a:t>
-            </a:r>
-            <a:r>
-              <a:rPr lang="en-US" sz="1200" dirty="0" err="1">
-                <a:solidFill>
-                  <a:schemeClr val="accent1"/>
-                </a:solidFill>
-              </a:rPr>
-              <a:t>WebMvcTest</a:t>
-            </a:r>
-            <a:r>
-              <a:rPr lang="en-US" sz="1200" dirty="0">
-                <a:solidFill>
-                  <a:schemeClr val="accent1"/>
-                </a:solidFill>
-              </a:rPr>
-              <a:t> </a:t>
-            </a:r>
-            <a:r>
-              <a:rPr lang="en-US" sz="1200" dirty="0"/>
-              <a:t>also auto-configures </a:t>
-            </a:r>
-            <a:r>
-              <a:rPr lang="en-US" sz="1200" dirty="0" err="1"/>
-              <a:t>MockMvc</a:t>
-            </a:r>
-            <a:r>
-              <a:rPr lang="en-US" sz="1200" dirty="0"/>
-              <a:t>. </a:t>
-            </a:r>
+            <a:endParaRPr lang="en-IL" dirty="0"/>
           </a:p>
         </p:txBody>
       </p:sp>
@@ -709,7 +655,7 @@
           <a:p>
             <a:fld id="{5A54712D-AA0B-BB4E-9DB3-A62319D253AA}" type="slidenum">
               <a:rPr lang="en-IL" smtClean="0"/>
-              <a:t>18</a:t>
+              <a:t>15</a:t>
             </a:fld>
             <a:endParaRPr lang="en-IL"/>
           </a:p>
@@ -718,7 +664,7 @@
     </p:spTree>
     <p:extLst>
       <p:ext uri="{BB962C8B-B14F-4D97-AF65-F5344CB8AC3E}">
-        <p14:creationId xmlns:p14="http://schemas.microsoft.com/office/powerpoint/2010/main" val="2743178296"/>
+        <p14:creationId xmlns:p14="http://schemas.microsoft.com/office/powerpoint/2010/main" val="1403806659"/>
       </p:ext>
     </p:extLst>
   </p:cSld>
@@ -772,50 +718,6 @@
           <a:bodyPr/>
           <a:lstStyle/>
           <a:p>
-            <a:pPr marL="0" marR="0" lvl="0" indent="0" algn="l" defTabSz="914400" rtl="0" eaLnBrk="1" fontAlgn="auto" latinLnBrk="0" hangingPunct="1">
-              <a:lnSpc>
-                <a:spcPct val="100000"/>
-              </a:lnSpc>
-              <a:spcBef>
-                <a:spcPts val="0"/>
-              </a:spcBef>
-              <a:spcAft>
-                <a:spcPts val="0"/>
-              </a:spcAft>
-              <a:buClrTx/>
-              <a:buSzTx/>
-              <a:buFontTx/>
-              <a:buNone/>
-              <a:tabLst/>
-              <a:defRPr/>
-            </a:pPr>
-            <a:r>
-              <a:rPr lang="en-IL" sz="1200" dirty="0">
-                <a:solidFill>
-                  <a:schemeClr val="accent1"/>
-                </a:solidFill>
-              </a:rPr>
-              <a:t>@ConfigurationPropertiesScan </a:t>
-            </a:r>
-            <a:r>
-              <a:rPr lang="en-US" sz="1200" dirty="0"/>
-              <a:t>c</a:t>
-            </a:r>
-            <a:r>
-              <a:rPr lang="en-IL" sz="1200" dirty="0"/>
-              <a:t>an be used to scan custom locations for configuration properties classes, for example, </a:t>
-            </a:r>
-            <a:r>
-              <a:rPr lang="en-IL" sz="1200" dirty="0">
-                <a:solidFill>
-                  <a:schemeClr val="accent1"/>
-                </a:solidFill>
-              </a:rPr>
-              <a:t>@ConfigurationPropertiesScan(“server.security”)</a:t>
-            </a:r>
-            <a:endParaRPr lang="en-IL" sz="1200" dirty="0"/>
-          </a:p>
-          <a:p>
             <a:endParaRPr lang="en-IL" dirty="0"/>
           </a:p>
         </p:txBody>
@@ -837,7 +739,7 @@
           <a:p>
             <a:fld id="{5A54712D-AA0B-BB4E-9DB3-A62319D253AA}" type="slidenum">
               <a:rPr lang="en-IL" smtClean="0"/>
-              <a:t>32</a:t>
+              <a:t>16</a:t>
             </a:fld>
             <a:endParaRPr lang="en-IL"/>
           </a:p>
@@ -846,7 +748,7 @@
     </p:spTree>
     <p:extLst>
       <p:ext uri="{BB962C8B-B14F-4D97-AF65-F5344CB8AC3E}">
-        <p14:creationId xmlns:p14="http://schemas.microsoft.com/office/powerpoint/2010/main" val="2713929153"/>
+        <p14:creationId xmlns:p14="http://schemas.microsoft.com/office/powerpoint/2010/main" val="3039138932"/>
       </p:ext>
     </p:extLst>
   </p:cSld>
@@ -900,74 +802,63 @@
           <a:bodyPr/>
           <a:lstStyle/>
           <a:p>
-            <a:r>
-              <a:rPr lang="en-US" dirty="0"/>
-              <a:t>The complete list of annotations: https://</a:t>
-            </a:r>
-            <a:r>
-              <a:rPr lang="en-US" dirty="0" err="1"/>
-              <a:t>javaee.github.io</a:t>
-            </a:r>
-            <a:r>
-              <a:rPr lang="en-US" dirty="0"/>
-              <a:t>/</a:t>
-            </a:r>
-            <a:r>
-              <a:rPr lang="en-US" dirty="0" err="1"/>
-              <a:t>javaee</a:t>
-            </a:r>
-            <a:r>
-              <a:rPr lang="en-US" dirty="0"/>
-              <a:t>-spec/</a:t>
-            </a:r>
-            <a:r>
-              <a:rPr lang="en-US" dirty="0" err="1"/>
-              <a:t>javadocs</a:t>
-            </a:r>
-            <a:r>
-              <a:rPr lang="en-US" dirty="0"/>
-              <a:t>/</a:t>
-            </a:r>
-            <a:r>
-              <a:rPr lang="en-US" dirty="0" err="1"/>
-              <a:t>javax</a:t>
-            </a:r>
-            <a:r>
-              <a:rPr lang="en-US" dirty="0"/>
-              <a:t>/validation/constraints/package-</a:t>
-            </a:r>
-            <a:r>
-              <a:rPr lang="en-US" dirty="0" err="1"/>
-              <a:t>summary.html</a:t>
-            </a:r>
-            <a:endParaRPr lang="en-US" dirty="0"/>
-          </a:p>
-          <a:p>
-            <a:r>
-              <a:rPr lang="en-IL" dirty="0"/>
-              <a:t>More details about the bean validation: </a:t>
-            </a:r>
-            <a:r>
-              <a:rPr lang="en-US" dirty="0"/>
-              <a:t>https://</a:t>
-            </a:r>
-            <a:r>
-              <a:rPr lang="en-US" dirty="0" err="1"/>
-              <a:t>www.baeldung.com</a:t>
-            </a:r>
-            <a:r>
-              <a:rPr lang="en-US" dirty="0"/>
-              <a:t>/</a:t>
-            </a:r>
-            <a:r>
-              <a:rPr lang="en-US" dirty="0" err="1"/>
-              <a:t>javax</a:t>
-            </a:r>
-            <a:r>
-              <a:rPr lang="en-US" dirty="0"/>
-              <a:t>-validation</a:t>
-            </a:r>
-            <a:endParaRPr lang="en-IL" dirty="0"/>
+            <a:pPr marL="0" marR="0" lvl="0" indent="0" algn="l" defTabSz="914400" rtl="0" eaLnBrk="1" fontAlgn="auto" latinLnBrk="0" hangingPunct="1">
+              <a:lnSpc>
+                <a:spcPct val="100000"/>
+              </a:lnSpc>
+              <a:spcBef>
+                <a:spcPts val="0"/>
+              </a:spcBef>
+              <a:spcAft>
+                <a:spcPts val="0"/>
+              </a:spcAft>
+              <a:buClrTx/>
+              <a:buSzTx/>
+              <a:buFontTx/>
+              <a:buNone/>
+              <a:tabLst/>
+              <a:defRPr/>
+            </a:pPr>
+            <a:r>
+              <a:rPr lang="en-US" sz="1200" dirty="0"/>
+              <a:t>Note: </a:t>
+            </a:r>
+            <a:r>
+              <a:rPr lang="en-US" sz="1200" dirty="0">
+                <a:solidFill>
+                  <a:schemeClr val="accent1"/>
+                </a:solidFill>
+              </a:rPr>
+              <a:t>@</a:t>
+            </a:r>
+            <a:r>
+              <a:rPr lang="en-US" sz="1200" dirty="0" err="1">
+                <a:solidFill>
+                  <a:schemeClr val="accent1"/>
+                </a:solidFill>
+              </a:rPr>
+              <a:t>WebMvcTest</a:t>
+            </a:r>
+            <a:r>
+              <a:rPr lang="en-US" sz="1200" dirty="0">
+                <a:solidFill>
+                  <a:schemeClr val="accent1"/>
+                </a:solidFill>
+              </a:rPr>
+              <a:t> </a:t>
+            </a:r>
+            <a:r>
+              <a:rPr lang="en-US" sz="1200" dirty="0"/>
+              <a:t>also auto-configures </a:t>
+            </a:r>
+            <a:r>
+              <a:rPr lang="en-US" sz="1200" dirty="0" err="1"/>
+              <a:t>MockMvc</a:t>
+            </a:r>
+            <a:r>
+              <a:rPr lang="en-US" sz="1200" dirty="0"/>
+              <a:t>. </a:t>
+            </a:r>
           </a:p>
         </p:txBody>
       </p:sp>
@@ -988,7 +879,286 @@
           <a:p>
             <a:fld id="{5A54712D-AA0B-BB4E-9DB3-A62319D253AA}" type="slidenum">
               <a:rPr lang="en-IL" smtClean="0"/>
-              <a:t>35</a:t>
+              <a:t>18</a:t>
+            </a:fld>
+            <a:endParaRPr lang="en-IL"/>
+          </a:p>
+        </p:txBody>
+      </p:sp>
+    </p:spTree>
+    <p:extLst>
+      <p:ext uri="{BB962C8B-B14F-4D97-AF65-F5344CB8AC3E}">
+        <p14:creationId xmlns:p14="http://schemas.microsoft.com/office/powerpoint/2010/main" val="2743178296"/>
+      </p:ext>
+    </p:extLst>
+  </p:cSld>
+  <p:clrMapOvr>
+    <a:masterClrMapping/>
+  </p:clrMapOvr>
+</p:notes>
+</file>
+
+<file path=ppt/notesSlides/notesSlide5.xml><?xml version="1.0" encoding="utf-8"?>
+<p:notes xmlns:a="http://schemas.openxmlformats.org/drawingml/2006/main" xmlns:r="http://schemas.openxmlformats.org/officeDocument/2006/relationships" xmlns:p="http://schemas.openxmlformats.org/presentationml/2006/main">
+  <p:cSld>
+    <p:spTree>
+      <p:nvGrpSpPr>
+        <p:cNvPr id="1" name=""/>
+        <p:cNvGrpSpPr/>
+        <p:nvPr/>
+      </p:nvGrpSpPr>
+      <p:grpSpPr>
+        <a:xfrm>
+          <a:off x="0" y="0"/>
+          <a:ext cx="0" cy="0"/>
+          <a:chOff x="0" y="0"/>
+          <a:chExt cx="0" cy="0"/>
+        </a:xfrm>
+      </p:grpSpPr>
+      <p:sp>
+        <p:nvSpPr>
+          <p:cNvPr id="2" name="Slide Image Placeholder 1"/>
+          <p:cNvSpPr>
+            <a:spLocks noGrp="1" noRot="1" noChangeAspect="1"/>
+          </p:cNvSpPr>
+          <p:nvPr>
+            <p:ph type="sldImg"/>
+          </p:nvPr>
+        </p:nvSpPr>
+        <p:spPr/>
+      </p:sp>
+      <p:sp>
+        <p:nvSpPr>
+          <p:cNvPr id="3" name="Notes Placeholder 2"/>
+          <p:cNvSpPr>
+            <a:spLocks noGrp="1"/>
+          </p:cNvSpPr>
+          <p:nvPr>
+            <p:ph type="body" idx="1"/>
+          </p:nvPr>
+        </p:nvSpPr>
+        <p:spPr/>
+        <p:txBody>
+          <a:bodyPr/>
+          <a:lstStyle/>
+          <a:p>
+            <a:pPr marL="0" marR="0" lvl="0" indent="0" algn="l" defTabSz="914400" rtl="0" eaLnBrk="1" fontAlgn="auto" latinLnBrk="0" hangingPunct="1">
+              <a:lnSpc>
+                <a:spcPct val="100000"/>
+              </a:lnSpc>
+              <a:spcBef>
+                <a:spcPts val="0"/>
+              </a:spcBef>
+              <a:spcAft>
+                <a:spcPts val="0"/>
+              </a:spcAft>
+              <a:buClrTx/>
+              <a:buSzTx/>
+              <a:buFontTx/>
+              <a:buNone/>
+              <a:tabLst/>
+              <a:defRPr/>
+            </a:pPr>
+            <a:r>
+              <a:rPr lang="en-IL" sz="1200" dirty="0">
+                <a:solidFill>
+                  <a:schemeClr val="accent1"/>
+                </a:solidFill>
+              </a:rPr>
+              <a:t>@ConfigurationPropertiesScan </a:t>
+            </a:r>
+            <a:r>
+              <a:rPr lang="en-US" sz="1200" dirty="0"/>
+              <a:t>c</a:t>
+            </a:r>
+            <a:r>
+              <a:rPr lang="en-IL" sz="1200" dirty="0"/>
+              <a:t>an be used to scan custom locations for configuration properties classes, for example, </a:t>
+            </a:r>
+            <a:r>
+              <a:rPr lang="en-IL" sz="1200" dirty="0">
+                <a:solidFill>
+                  <a:schemeClr val="accent1"/>
+                </a:solidFill>
+              </a:rPr>
+              <a:t>@ConfigurationPropertiesScan(“server.security”)</a:t>
+            </a:r>
+            <a:endParaRPr lang="en-IL" sz="1200" dirty="0"/>
+          </a:p>
+          <a:p>
+            <a:endParaRPr lang="en-IL" dirty="0"/>
+          </a:p>
+        </p:txBody>
+      </p:sp>
+      <p:sp>
+        <p:nvSpPr>
+          <p:cNvPr id="4" name="Slide Number Placeholder 3"/>
+          <p:cNvSpPr>
+            <a:spLocks noGrp="1"/>
+          </p:cNvSpPr>
+          <p:nvPr>
+            <p:ph type="sldNum" sz="quarter" idx="5"/>
+          </p:nvPr>
+        </p:nvSpPr>
+        <p:spPr/>
+        <p:txBody>
+          <a:bodyPr/>
+          <a:lstStyle/>
+          <a:p>
+            <a:fld id="{5A54712D-AA0B-BB4E-9DB3-A62319D253AA}" type="slidenum">
+              <a:rPr lang="en-IL" smtClean="0"/>
+              <a:t>33</a:t>
+            </a:fld>
+            <a:endParaRPr lang="en-IL"/>
+          </a:p>
+        </p:txBody>
+      </p:sp>
+    </p:spTree>
+    <p:extLst>
+      <p:ext uri="{BB962C8B-B14F-4D97-AF65-F5344CB8AC3E}">
+        <p14:creationId xmlns:p14="http://schemas.microsoft.com/office/powerpoint/2010/main" val="2713929153"/>
+      </p:ext>
+    </p:extLst>
+  </p:cSld>
+  <p:clrMapOvr>
+    <a:masterClrMapping/>
+  </p:clrMapOvr>
+</p:notes>
+</file>
+
+<file path=ppt/notesSlides/notesSlide6.xml><?xml version="1.0" encoding="utf-8"?>
+<p:notes xmlns:a="http://schemas.openxmlformats.org/drawingml/2006/main" xmlns:r="http://schemas.openxmlformats.org/officeDocument/2006/relationships" xmlns:p="http://schemas.openxmlformats.org/presentationml/2006/main">
+  <p:cSld>
+    <p:spTree>
+      <p:nvGrpSpPr>
+        <p:cNvPr id="1" name=""/>
+        <p:cNvGrpSpPr/>
+        <p:nvPr/>
+      </p:nvGrpSpPr>
+      <p:grpSpPr>
+        <a:xfrm>
+          <a:off x="0" y="0"/>
+          <a:ext cx="0" cy="0"/>
+          <a:chOff x="0" y="0"/>
+          <a:chExt cx="0" cy="0"/>
+        </a:xfrm>
+      </p:grpSpPr>
+      <p:sp>
+        <p:nvSpPr>
+          <p:cNvPr id="2" name="Slide Image Placeholder 1"/>
+          <p:cNvSpPr>
+            <a:spLocks noGrp="1" noRot="1" noChangeAspect="1"/>
+          </p:cNvSpPr>
+          <p:nvPr>
+            <p:ph type="sldImg"/>
+          </p:nvPr>
+        </p:nvSpPr>
+        <p:spPr/>
+      </p:sp>
+      <p:sp>
+        <p:nvSpPr>
+          <p:cNvPr id="3" name="Notes Placeholder 2"/>
+          <p:cNvSpPr>
+            <a:spLocks noGrp="1"/>
+          </p:cNvSpPr>
+          <p:nvPr>
+            <p:ph type="body" idx="1"/>
+          </p:nvPr>
+        </p:nvSpPr>
+        <p:spPr/>
+        <p:txBody>
+          <a:bodyPr/>
+          <a:lstStyle/>
+          <a:p>
+            <a:r>
+              <a:rPr lang="en-US" dirty="0"/>
+              <a:t>The complete list of annotations: https://</a:t>
+            </a:r>
+            <a:r>
+              <a:rPr lang="en-US" dirty="0" err="1"/>
+              <a:t>javaee.github.io</a:t>
+            </a:r>
+            <a:r>
+              <a:rPr lang="en-US" dirty="0"/>
+              <a:t>/</a:t>
+            </a:r>
+            <a:r>
+              <a:rPr lang="en-US" dirty="0" err="1"/>
+              <a:t>javaee</a:t>
+            </a:r>
+            <a:r>
+              <a:rPr lang="en-US" dirty="0"/>
+              <a:t>-spec/</a:t>
+            </a:r>
+            <a:r>
+              <a:rPr lang="en-US" dirty="0" err="1"/>
+              <a:t>javadocs</a:t>
+            </a:r>
+            <a:r>
+              <a:rPr lang="en-US" dirty="0"/>
+              <a:t>/</a:t>
+            </a:r>
+            <a:r>
+              <a:rPr lang="en-US" dirty="0" err="1"/>
+              <a:t>javax</a:t>
+            </a:r>
+            <a:r>
+              <a:rPr lang="en-US" dirty="0"/>
+              <a:t>/validation/constraints/package-</a:t>
+            </a:r>
+            <a:r>
+              <a:rPr lang="en-US" dirty="0" err="1"/>
+              <a:t>summary.html</a:t>
+            </a:r>
+            <a:endParaRPr lang="en-US" dirty="0"/>
+          </a:p>
+          <a:p>
+            <a:r>
+              <a:rPr lang="en-IL" dirty="0"/>
+              <a:t>More details about the bean validation: </a:t>
+            </a:r>
+            <a:r>
+              <a:rPr lang="en-US" dirty="0"/>
+              <a:t>https://</a:t>
+            </a:r>
+            <a:r>
+              <a:rPr lang="en-US" dirty="0" err="1"/>
+              <a:t>www.baeldung.com</a:t>
+            </a:r>
+            <a:r>
+              <a:rPr lang="en-US" dirty="0"/>
+              <a:t>/</a:t>
+            </a:r>
+            <a:r>
+              <a:rPr lang="en-US" dirty="0" err="1"/>
+              <a:t>javax</a:t>
+            </a:r>
+            <a:r>
+              <a:rPr lang="en-US" dirty="0"/>
+              <a:t>-validation</a:t>
+            </a:r>
+            <a:endParaRPr lang="en-IL" dirty="0"/>
+          </a:p>
+        </p:txBody>
+      </p:sp>
+      <p:sp>
+        <p:nvSpPr>
+          <p:cNvPr id="4" name="Slide Number Placeholder 3"/>
+          <p:cNvSpPr>
+            <a:spLocks noGrp="1"/>
+          </p:cNvSpPr>
+          <p:nvPr>
+            <p:ph type="sldNum" sz="quarter" idx="5"/>
+          </p:nvPr>
+        </p:nvSpPr>
+        <p:spPr/>
+        <p:txBody>
+          <a:bodyPr/>
+          <a:lstStyle/>
+          <a:p>
+            <a:fld id="{5A54712D-AA0B-BB4E-9DB3-A62319D253AA}" type="slidenum">
+              <a:rPr lang="en-IL" smtClean="0"/>
+              <a:t>36</a:t>
             </a:fld>
             <a:endParaRPr lang="en-IL"/>
           </a:p>
@@ -998,6 +1168,90 @@
     <p:extLst>
       <p:ext uri="{BB962C8B-B14F-4D97-AF65-F5344CB8AC3E}">
         <p14:creationId xmlns:p14="http://schemas.microsoft.com/office/powerpoint/2010/main" val="2501730751"/>
+      </p:ext>
+    </p:extLst>
+  </p:cSld>
+  <p:clrMapOvr>
+    <a:masterClrMapping/>
+  </p:clrMapOvr>
+</p:notes>
+</file>
+
+<file path=ppt/notesSlides/notesSlide7.xml><?xml version="1.0" encoding="utf-8"?>
+<p:notes xmlns:a="http://schemas.openxmlformats.org/drawingml/2006/main" xmlns:r="http://schemas.openxmlformats.org/officeDocument/2006/relationships" xmlns:p="http://schemas.openxmlformats.org/presentationml/2006/main">
+  <p:cSld>
+    <p:spTree>
+      <p:nvGrpSpPr>
+        <p:cNvPr id="1" name=""/>
+        <p:cNvGrpSpPr/>
+        <p:nvPr/>
+      </p:nvGrpSpPr>
+      <p:grpSpPr>
+        <a:xfrm>
+          <a:off x="0" y="0"/>
+          <a:ext cx="0" cy="0"/>
+          <a:chOff x="0" y="0"/>
+          <a:chExt cx="0" cy="0"/>
+        </a:xfrm>
+      </p:grpSpPr>
+      <p:sp>
+        <p:nvSpPr>
+          <p:cNvPr id="2" name="Slide Image Placeholder 1"/>
+          <p:cNvSpPr>
+            <a:spLocks noGrp="1" noRot="1" noChangeAspect="1"/>
+          </p:cNvSpPr>
+          <p:nvPr>
+            <p:ph type="sldImg"/>
+          </p:nvPr>
+        </p:nvSpPr>
+        <p:spPr/>
+      </p:sp>
+      <p:sp>
+        <p:nvSpPr>
+          <p:cNvPr id="3" name="Notes Placeholder 2"/>
+          <p:cNvSpPr>
+            <a:spLocks noGrp="1"/>
+          </p:cNvSpPr>
+          <p:nvPr>
+            <p:ph type="body" idx="1"/>
+          </p:nvPr>
+        </p:nvSpPr>
+        <p:spPr/>
+        <p:txBody>
+          <a:bodyPr/>
+          <a:lstStyle/>
+          <a:p>
+            <a:endParaRPr lang="en-IL" dirty="0"/>
+          </a:p>
+        </p:txBody>
+      </p:sp>
+      <p:sp>
+        <p:nvSpPr>
+          <p:cNvPr id="4" name="Slide Number Placeholder 3"/>
+          <p:cNvSpPr>
+            <a:spLocks noGrp="1"/>
+          </p:cNvSpPr>
+          <p:nvPr>
+            <p:ph type="sldNum" sz="quarter" idx="5"/>
+          </p:nvPr>
+        </p:nvSpPr>
+        <p:spPr/>
+        <p:txBody>
+          <a:bodyPr/>
+          <a:lstStyle/>
+          <a:p>
+            <a:fld id="{5A54712D-AA0B-BB4E-9DB3-A62319D253AA}" type="slidenum">
+              <a:rPr lang="en-IL" smtClean="0"/>
+              <a:t>41</a:t>
+            </a:fld>
+            <a:endParaRPr lang="en-IL"/>
+          </a:p>
+        </p:txBody>
+      </p:sp>
+    </p:spTree>
+    <p:extLst>
+      <p:ext uri="{BB962C8B-B14F-4D97-AF65-F5344CB8AC3E}">
+        <p14:creationId xmlns:p14="http://schemas.microsoft.com/office/powerpoint/2010/main" val="752732864"/>
       </p:ext>
     </p:extLst>
   </p:cSld>
@@ -1730,7 +1984,7 @@
             <a:fld id="{B61BEF0D-F0BB-DE4B-95CE-6DB70DBA9567}" type="datetimeFigureOut">
               <a:rPr lang="en-US" dirty="0"/>
               <a:pPr/>
-              <a:t>5/24/23</a:t>
+              <a:t>6/1/23</a:t>
             </a:fld>
             <a:endParaRPr lang="en-US" dirty="0"/>
           </a:p>
@@ -1978,7 +2232,7 @@
             <a:fld id="{B61BEF0D-F0BB-DE4B-95CE-6DB70DBA9567}" type="datetimeFigureOut">
               <a:rPr lang="en-US" dirty="0"/>
               <a:pPr/>
-              <a:t>5/24/23</a:t>
+              <a:t>6/1/23</a:t>
             </a:fld>
             <a:endParaRPr lang="en-US" dirty="0"/>
           </a:p>
@@ -2289,7 +2543,7 @@
             <a:fld id="{B61BEF0D-F0BB-DE4B-95CE-6DB70DBA9567}" type="datetimeFigureOut">
               <a:rPr lang="en-US" dirty="0"/>
               <a:pPr/>
-              <a:t>5/24/23</a:t>
+              <a:t>6/1/23</a:t>
             </a:fld>
             <a:endParaRPr lang="en-US" dirty="0"/>
           </a:p>
@@ -2627,7 +2881,7 @@
             <a:fld id="{B61BEF0D-F0BB-DE4B-95CE-6DB70DBA9567}" type="datetimeFigureOut">
               <a:rPr lang="en-US" dirty="0"/>
               <a:pPr/>
-              <a:t>5/24/23</a:t>
+              <a:t>6/1/23</a:t>
             </a:fld>
             <a:endParaRPr lang="en-US" dirty="0"/>
           </a:p>
@@ -2938,7 +3192,7 @@
             <a:fld id="{B61BEF0D-F0BB-DE4B-95CE-6DB70DBA9567}" type="datetimeFigureOut">
               <a:rPr lang="en-US" dirty="0"/>
               <a:pPr/>
-              <a:t>5/24/23</a:t>
+              <a:t>6/1/23</a:t>
             </a:fld>
             <a:endParaRPr lang="en-US" dirty="0"/>
           </a:p>
@@ -3328,7 +3582,7 @@
             <a:fld id="{B61BEF0D-F0BB-DE4B-95CE-6DB70DBA9567}" type="datetimeFigureOut">
               <a:rPr lang="en-US" dirty="0"/>
               <a:pPr/>
-              <a:t>5/24/23</a:t>
+              <a:t>6/1/23</a:t>
             </a:fld>
             <a:endParaRPr lang="en-US" dirty="0"/>
           </a:p>
@@ -3494,7 +3748,7 @@
           <a:p>
             <a:fld id="{55C6B4A9-1611-4792-9094-5F34BCA07E0B}" type="datetimeFigureOut">
               <a:rPr lang="en-US" dirty="0"/>
-              <a:t>5/24/23</a:t>
+              <a:t>6/1/23</a:t>
             </a:fld>
             <a:endParaRPr lang="en-US" dirty="0"/>
           </a:p>
@@ -3670,7 +3924,7 @@
             <a:fld id="{B61BEF0D-F0BB-DE4B-95CE-6DB70DBA9567}" type="datetimeFigureOut">
               <a:rPr lang="en-US" dirty="0"/>
               <a:pPr/>
-              <a:t>5/24/23</a:t>
+              <a:t>6/1/23</a:t>
             </a:fld>
             <a:endParaRPr lang="en-US" dirty="0"/>
           </a:p>
@@ -3843,7 +4097,7 @@
             <a:fld id="{B61BEF0D-F0BB-DE4B-95CE-6DB70DBA9567}" type="datetimeFigureOut">
               <a:rPr lang="en-US" dirty="0"/>
               <a:pPr/>
-              <a:t>5/24/23</a:t>
+              <a:t>6/1/23</a:t>
             </a:fld>
             <a:endParaRPr lang="en-US" dirty="0"/>
           </a:p>
@@ -4087,7 +4341,7 @@
             <a:fld id="{B61BEF0D-F0BB-DE4B-95CE-6DB70DBA9567}" type="datetimeFigureOut">
               <a:rPr lang="en-US" dirty="0"/>
               <a:pPr/>
-              <a:t>5/24/23</a:t>
+              <a:t>6/1/23</a:t>
             </a:fld>
             <a:endParaRPr lang="en-US" dirty="0"/>
           </a:p>
@@ -4315,7 +4569,7 @@
           <a:p>
             <a:fld id="{EB712588-04B1-427B-82EE-E8DB90309F08}" type="datetimeFigureOut">
               <a:rPr lang="en-US" dirty="0"/>
-              <a:t>5/24/23</a:t>
+              <a:t>6/1/23</a:t>
             </a:fld>
             <a:endParaRPr lang="en-US" dirty="0"/>
           </a:p>
@@ -4685,7 +4939,7 @@
             <a:fld id="{B61BEF0D-F0BB-DE4B-95CE-6DB70DBA9567}" type="datetimeFigureOut">
               <a:rPr lang="en-US" dirty="0"/>
               <a:pPr/>
-              <a:t>5/24/23</a:t>
+              <a:t>6/1/23</a:t>
             </a:fld>
             <a:endParaRPr lang="en-US" dirty="0"/>
           </a:p>
@@ -4805,7 +5059,7 @@
             <a:fld id="{B61BEF0D-F0BB-DE4B-95CE-6DB70DBA9567}" type="datetimeFigureOut">
               <a:rPr lang="en-US" dirty="0"/>
               <a:pPr/>
-              <a:t>5/24/23</a:t>
+              <a:t>6/1/23</a:t>
             </a:fld>
             <a:endParaRPr lang="en-US" dirty="0"/>
           </a:p>
@@ -4897,7 +5151,7 @@
             <a:fld id="{B61BEF0D-F0BB-DE4B-95CE-6DB70DBA9567}" type="datetimeFigureOut">
               <a:rPr lang="en-US" dirty="0"/>
               <a:pPr/>
-              <a:t>5/24/23</a:t>
+              <a:t>6/1/23</a:t>
             </a:fld>
             <a:endParaRPr lang="en-US" dirty="0"/>
           </a:p>
@@ -5148,7 +5402,7 @@
           <a:p>
             <a:fld id="{42A54C80-263E-416B-A8E0-580EDEADCBDC}" type="datetimeFigureOut">
               <a:rPr lang="en-US" dirty="0"/>
-              <a:t>5/24/23</a:t>
+              <a:t>6/1/23</a:t>
             </a:fld>
             <a:endParaRPr lang="en-US" dirty="0"/>
           </a:p>
@@ -5407,7 +5661,7 @@
             <a:fld id="{B61BEF0D-F0BB-DE4B-95CE-6DB70DBA9567}" type="datetimeFigureOut">
               <a:rPr lang="en-US" dirty="0"/>
               <a:pPr/>
-              <a:t>5/24/23</a:t>
+              <a:t>6/1/23</a:t>
             </a:fld>
             <a:endParaRPr lang="en-US" dirty="0"/>
           </a:p>
@@ -6147,7 +6401,7 @@
             <a:fld id="{B61BEF0D-F0BB-DE4B-95CE-6DB70DBA9567}" type="datetimeFigureOut">
               <a:rPr lang="en-US" dirty="0"/>
               <a:pPr/>
-              <a:t>5/24/23</a:t>
+              <a:t>6/1/23</a:t>
             </a:fld>
             <a:endParaRPr lang="en-US" dirty="0"/>
           </a:p>
@@ -6705,9 +6959,10 @@
           <a:p>
             <a:pPr algn="l"/>
             <a:r>
-              <a:rPr lang="en-IL" dirty="0"/>
-              <a:t>Creating Microservices with Spring Boot</a:t>
-            </a:r>
+              <a:rPr lang="en-US" dirty="0"/>
+              <a:t>Spring Boot for REST Microservices</a:t>
+            </a:r>
+            <a:endParaRPr lang="en-IL" dirty="0"/>
           </a:p>
         </p:txBody>
       </p:sp>
@@ -6914,7 +7169,7 @@
         </p:nvSpPr>
         <p:spPr>
           <a:xfrm>
-            <a:off x="677334" y="2151017"/>
+            <a:off x="677334" y="2086321"/>
             <a:ext cx="6881706" cy="2438400"/>
           </a:xfrm>
           <a:prstGeom prst="rect">
@@ -6968,7 +7223,12 @@
             <p:ph idx="1"/>
           </p:nvPr>
         </p:nvSpPr>
-        <p:spPr/>
+        <p:spPr>
+          <a:xfrm>
+            <a:off x="677334" y="2086321"/>
+            <a:ext cx="8596668" cy="4414839"/>
+          </a:xfrm>
+        </p:spPr>
         <p:txBody>
           <a:bodyPr/>
           <a:lstStyle/>
@@ -7112,12 +7372,23 @@
                 <a:solidFill>
                   <a:srgbClr val="9E880D"/>
                 </a:solidFill>
-                <a:effectLst/>
                 <a:highlight>
                   <a:srgbClr val="FFFF00"/>
                 </a:highlight>
               </a:rPr>
-              <a:t>RequestMapping</a:t>
+              <a:t>Get</a:t>
+            </a:r>
+            <a:r>
+              <a:rPr lang="en-US" dirty="0" err="1">
+                <a:solidFill>
+                  <a:srgbClr val="9E880D"/>
+                </a:solidFill>
+                <a:effectLst/>
+                <a:highlight>
+                  <a:srgbClr val="FFFF00"/>
+                </a:highlight>
+              </a:rPr>
+              <a:t>Mapping</a:t>
             </a:r>
             <a:r>
               <a:rPr lang="en-US" dirty="0">
@@ -7330,9 +7601,9 @@
                 </a:solidFill>
                 <a:effectLst/>
                 <a:latin typeface="Inter"/>
-                <a:hlinkClick r:id="rId2"/>
-              </a:rPr>
-              <a:t>http://localhost:8080/calculate/add1/5/7/</a:t>
+                <a:hlinkClick r:id="rId3"/>
+              </a:rPr>
+              <a:t>http://localhost:8080/calculate/add/5/7/</a:t>
             </a:r>
             <a:r>
               <a:rPr lang="en-US" b="0" i="0" dirty="0">
@@ -7344,97 +7615,11 @@
               </a:rPr>
               <a:t> -&gt; returns 12</a:t>
             </a:r>
-            <a:endParaRPr lang="en-IL" dirty="0"/>
-          </a:p>
-        </p:txBody>
-      </p:sp>
-      <p:cxnSp>
-        <p:nvCxnSpPr>
-          <p:cNvPr id="7" name="Straight Arrow Connector 6">
-            <a:extLst>
-              <a:ext uri="{FF2B5EF4-FFF2-40B4-BE49-F238E27FC236}">
-                <a16:creationId xmlns:a16="http://schemas.microsoft.com/office/drawing/2014/main" id="{E9FFD8E7-641F-459A-35A2-F76BCA4B1E0A}"/>
-              </a:ext>
-            </a:extLst>
-          </p:cNvPr>
-          <p:cNvCxnSpPr>
-            <a:cxnSpLocks/>
-          </p:cNvCxnSpPr>
-          <p:nvPr/>
-        </p:nvCxnSpPr>
-        <p:spPr>
-          <a:xfrm flipH="1">
-            <a:off x="3936274" y="2621280"/>
-            <a:ext cx="3709851" cy="0"/>
-          </a:xfrm>
-          <a:prstGeom prst="straightConnector1">
-            <a:avLst/>
-          </a:prstGeom>
-          <a:ln>
-            <a:tailEnd type="triangle"/>
-          </a:ln>
-        </p:spPr>
-        <p:style>
-          <a:lnRef idx="3">
-            <a:schemeClr val="accent6"/>
-          </a:lnRef>
-          <a:fillRef idx="0">
-            <a:schemeClr val="accent6"/>
-          </a:fillRef>
-          <a:effectRef idx="2">
-            <a:schemeClr val="accent6"/>
-          </a:effectRef>
-          <a:fontRef idx="minor">
-            <a:schemeClr val="tx1"/>
-          </a:fontRef>
-        </p:style>
-      </p:cxnSp>
-      <p:sp>
-        <p:nvSpPr>
-          <p:cNvPr id="9" name="TextBox 8">
-            <a:extLst>
-              <a:ext uri="{FF2B5EF4-FFF2-40B4-BE49-F238E27FC236}">
-                <a16:creationId xmlns:a16="http://schemas.microsoft.com/office/drawing/2014/main" id="{9C29AEAD-3C30-C2B6-E95F-D745927824FA}"/>
-              </a:ext>
-            </a:extLst>
-          </p:cNvPr>
-          <p:cNvSpPr txBox="1"/>
-          <p:nvPr/>
-        </p:nvSpPr>
-        <p:spPr>
-          <a:xfrm>
-            <a:off x="7646125" y="1932127"/>
-            <a:ext cx="2107474" cy="1754326"/>
-          </a:xfrm>
-          <a:prstGeom prst="rect">
-            <a:avLst/>
-          </a:prstGeom>
-          <a:solidFill>
-            <a:schemeClr val="accent3">
-              <a:lumMod val="20000"/>
-              <a:lumOff val="80000"/>
-            </a:schemeClr>
-          </a:solidFill>
-          <a:ln>
-            <a:solidFill>
-              <a:schemeClr val="tx1"/>
-            </a:solidFill>
-          </a:ln>
-        </p:spPr>
-        <p:txBody>
-          <a:bodyPr wrap="square" rtlCol="0">
-            <a:spAutoFit/>
-          </a:bodyPr>
-          <a:lstStyle/>
-          <a:p>
-            <a:r>
-              <a:rPr lang="en-IL" dirty="0"/>
-              <a:t>@RequestMapping maps web requests </a:t>
-            </a:r>
-            <a:r>
-              <a:rPr lang="en-US" dirty="0"/>
-              <a:t>onto methods in request-handling classes</a:t>
-            </a:r>
+          </a:p>
+          <a:p>
+            <a:pPr marL="0" indent="0">
+              <a:buNone/>
+            </a:pPr>
             <a:endParaRPr lang="en-IL" dirty="0"/>
           </a:p>
         </p:txBody>
@@ -7609,7 +7794,7 @@
                   <a:srgbClr val="FFFF00"/>
                 </a:highlight>
               </a:rPr>
-              <a:t>RequestMapping</a:t>
+              <a:t>GetMapping</a:t>
             </a:r>
             <a:r>
               <a:rPr lang="en-US" dirty="0">
@@ -11097,6 +11282,379 @@
   <p:clrMapOvr>
     <a:masterClrMapping/>
   </p:clrMapOvr>
+  <p:timing>
+    <p:tnLst>
+      <p:par>
+        <p:cTn id="1" dur="indefinite" restart="never" nodeType="tmRoot">
+          <p:childTnLst>
+            <p:seq concurrent="1" nextAc="seek">
+              <p:cTn id="2" dur="indefinite" nodeType="mainSeq">
+                <p:childTnLst>
+                  <p:par>
+                    <p:cTn id="3" fill="hold">
+                      <p:stCondLst>
+                        <p:cond delay="indefinite"/>
+                      </p:stCondLst>
+                      <p:childTnLst>
+                        <p:par>
+                          <p:cTn id="4" fill="hold">
+                            <p:stCondLst>
+                              <p:cond delay="0"/>
+                            </p:stCondLst>
+                            <p:childTnLst>
+                              <p:par>
+                                <p:cTn id="5" presetID="1" presetClass="entr" presetSubtype="0" fill="hold" nodeType="clickEffect">
+                                  <p:stCondLst>
+                                    <p:cond delay="0"/>
+                                  </p:stCondLst>
+                                  <p:childTnLst>
+                                    <p:set>
+                                      <p:cBhvr>
+                                        <p:cTn id="6" dur="1" fill="hold">
+                                          <p:stCondLst>
+                                            <p:cond delay="0"/>
+                                          </p:stCondLst>
+                                        </p:cTn>
+                                        <p:tgtEl>
+                                          <p:spTgt spid="3">
+                                            <p:txEl>
+                                              <p:pRg st="0" end="0"/>
+                                            </p:txEl>
+                                          </p:spTgt>
+                                        </p:tgtEl>
+                                        <p:attrNameLst>
+                                          <p:attrName>style.visibility</p:attrName>
+                                        </p:attrNameLst>
+                                      </p:cBhvr>
+                                      <p:to>
+                                        <p:strVal val="visible"/>
+                                      </p:to>
+                                    </p:set>
+                                  </p:childTnLst>
+                                </p:cTn>
+                              </p:par>
+                            </p:childTnLst>
+                          </p:cTn>
+                        </p:par>
+                      </p:childTnLst>
+                    </p:cTn>
+                  </p:par>
+                  <p:par>
+                    <p:cTn id="7" fill="hold">
+                      <p:stCondLst>
+                        <p:cond delay="indefinite"/>
+                      </p:stCondLst>
+                      <p:childTnLst>
+                        <p:par>
+                          <p:cTn id="8" fill="hold">
+                            <p:stCondLst>
+                              <p:cond delay="0"/>
+                            </p:stCondLst>
+                            <p:childTnLst>
+                              <p:par>
+                                <p:cTn id="9" presetID="1" presetClass="entr" presetSubtype="0" fill="hold" nodeType="clickEffect">
+                                  <p:stCondLst>
+                                    <p:cond delay="0"/>
+                                  </p:stCondLst>
+                                  <p:childTnLst>
+                                    <p:set>
+                                      <p:cBhvr>
+                                        <p:cTn id="10" dur="1" fill="hold">
+                                          <p:stCondLst>
+                                            <p:cond delay="0"/>
+                                          </p:stCondLst>
+                                        </p:cTn>
+                                        <p:tgtEl>
+                                          <p:spTgt spid="3">
+                                            <p:txEl>
+                                              <p:pRg st="1" end="1"/>
+                                            </p:txEl>
+                                          </p:spTgt>
+                                        </p:tgtEl>
+                                        <p:attrNameLst>
+                                          <p:attrName>style.visibility</p:attrName>
+                                        </p:attrNameLst>
+                                      </p:cBhvr>
+                                      <p:to>
+                                        <p:strVal val="visible"/>
+                                      </p:to>
+                                    </p:set>
+                                  </p:childTnLst>
+                                </p:cTn>
+                              </p:par>
+                            </p:childTnLst>
+                          </p:cTn>
+                        </p:par>
+                      </p:childTnLst>
+                    </p:cTn>
+                  </p:par>
+                  <p:par>
+                    <p:cTn id="11" fill="hold">
+                      <p:stCondLst>
+                        <p:cond delay="indefinite"/>
+                      </p:stCondLst>
+                      <p:childTnLst>
+                        <p:par>
+                          <p:cTn id="12" fill="hold">
+                            <p:stCondLst>
+                              <p:cond delay="0"/>
+                            </p:stCondLst>
+                            <p:childTnLst>
+                              <p:par>
+                                <p:cTn id="13" presetID="1" presetClass="entr" presetSubtype="0" fill="hold" nodeType="clickEffect">
+                                  <p:stCondLst>
+                                    <p:cond delay="0"/>
+                                  </p:stCondLst>
+                                  <p:childTnLst>
+                                    <p:set>
+                                      <p:cBhvr>
+                                        <p:cTn id="14" dur="1" fill="hold">
+                                          <p:stCondLst>
+                                            <p:cond delay="0"/>
+                                          </p:stCondLst>
+                                        </p:cTn>
+                                        <p:tgtEl>
+                                          <p:spTgt spid="3">
+                                            <p:txEl>
+                                              <p:pRg st="2" end="2"/>
+                                            </p:txEl>
+                                          </p:spTgt>
+                                        </p:tgtEl>
+                                        <p:attrNameLst>
+                                          <p:attrName>style.visibility</p:attrName>
+                                        </p:attrNameLst>
+                                      </p:cBhvr>
+                                      <p:to>
+                                        <p:strVal val="visible"/>
+                                      </p:to>
+                                    </p:set>
+                                  </p:childTnLst>
+                                </p:cTn>
+                              </p:par>
+                            </p:childTnLst>
+                          </p:cTn>
+                        </p:par>
+                      </p:childTnLst>
+                    </p:cTn>
+                  </p:par>
+                  <p:par>
+                    <p:cTn id="15" fill="hold">
+                      <p:stCondLst>
+                        <p:cond delay="indefinite"/>
+                      </p:stCondLst>
+                      <p:childTnLst>
+                        <p:par>
+                          <p:cTn id="16" fill="hold">
+                            <p:stCondLst>
+                              <p:cond delay="0"/>
+                            </p:stCondLst>
+                            <p:childTnLst>
+                              <p:par>
+                                <p:cTn id="17" presetID="1" presetClass="entr" presetSubtype="0" fill="hold" nodeType="clickEffect">
+                                  <p:stCondLst>
+                                    <p:cond delay="0"/>
+                                  </p:stCondLst>
+                                  <p:childTnLst>
+                                    <p:set>
+                                      <p:cBhvr>
+                                        <p:cTn id="18" dur="1" fill="hold">
+                                          <p:stCondLst>
+                                            <p:cond delay="0"/>
+                                          </p:stCondLst>
+                                        </p:cTn>
+                                        <p:tgtEl>
+                                          <p:spTgt spid="3">
+                                            <p:txEl>
+                                              <p:pRg st="3" end="3"/>
+                                            </p:txEl>
+                                          </p:spTgt>
+                                        </p:tgtEl>
+                                        <p:attrNameLst>
+                                          <p:attrName>style.visibility</p:attrName>
+                                        </p:attrNameLst>
+                                      </p:cBhvr>
+                                      <p:to>
+                                        <p:strVal val="visible"/>
+                                      </p:to>
+                                    </p:set>
+                                  </p:childTnLst>
+                                </p:cTn>
+                              </p:par>
+                            </p:childTnLst>
+                          </p:cTn>
+                        </p:par>
+                      </p:childTnLst>
+                    </p:cTn>
+                  </p:par>
+                  <p:par>
+                    <p:cTn id="19" fill="hold">
+                      <p:stCondLst>
+                        <p:cond delay="indefinite"/>
+                      </p:stCondLst>
+                      <p:childTnLst>
+                        <p:par>
+                          <p:cTn id="20" fill="hold">
+                            <p:stCondLst>
+                              <p:cond delay="0"/>
+                            </p:stCondLst>
+                            <p:childTnLst>
+                              <p:par>
+                                <p:cTn id="21" presetID="1" presetClass="entr" presetSubtype="0" fill="hold" nodeType="clickEffect">
+                                  <p:stCondLst>
+                                    <p:cond delay="0"/>
+                                  </p:stCondLst>
+                                  <p:childTnLst>
+                                    <p:set>
+                                      <p:cBhvr>
+                                        <p:cTn id="22" dur="1" fill="hold">
+                                          <p:stCondLst>
+                                            <p:cond delay="0"/>
+                                          </p:stCondLst>
+                                        </p:cTn>
+                                        <p:tgtEl>
+                                          <p:spTgt spid="3">
+                                            <p:txEl>
+                                              <p:pRg st="4" end="4"/>
+                                            </p:txEl>
+                                          </p:spTgt>
+                                        </p:tgtEl>
+                                        <p:attrNameLst>
+                                          <p:attrName>style.visibility</p:attrName>
+                                        </p:attrNameLst>
+                                      </p:cBhvr>
+                                      <p:to>
+                                        <p:strVal val="visible"/>
+                                      </p:to>
+                                    </p:set>
+                                  </p:childTnLst>
+                                </p:cTn>
+                              </p:par>
+                            </p:childTnLst>
+                          </p:cTn>
+                        </p:par>
+                      </p:childTnLst>
+                    </p:cTn>
+                  </p:par>
+                  <p:par>
+                    <p:cTn id="23" fill="hold">
+                      <p:stCondLst>
+                        <p:cond delay="indefinite"/>
+                      </p:stCondLst>
+                      <p:childTnLst>
+                        <p:par>
+                          <p:cTn id="24" fill="hold">
+                            <p:stCondLst>
+                              <p:cond delay="0"/>
+                            </p:stCondLst>
+                            <p:childTnLst>
+                              <p:par>
+                                <p:cTn id="25" presetID="1" presetClass="entr" presetSubtype="0" fill="hold" nodeType="clickEffect">
+                                  <p:stCondLst>
+                                    <p:cond delay="0"/>
+                                  </p:stCondLst>
+                                  <p:childTnLst>
+                                    <p:set>
+                                      <p:cBhvr>
+                                        <p:cTn id="26" dur="1" fill="hold">
+                                          <p:stCondLst>
+                                            <p:cond delay="0"/>
+                                          </p:stCondLst>
+                                        </p:cTn>
+                                        <p:tgtEl>
+                                          <p:spTgt spid="3">
+                                            <p:txEl>
+                                              <p:pRg st="5" end="5"/>
+                                            </p:txEl>
+                                          </p:spTgt>
+                                        </p:tgtEl>
+                                        <p:attrNameLst>
+                                          <p:attrName>style.visibility</p:attrName>
+                                        </p:attrNameLst>
+                                      </p:cBhvr>
+                                      <p:to>
+                                        <p:strVal val="visible"/>
+                                      </p:to>
+                                    </p:set>
+                                  </p:childTnLst>
+                                </p:cTn>
+                              </p:par>
+                            </p:childTnLst>
+                          </p:cTn>
+                        </p:par>
+                      </p:childTnLst>
+                    </p:cTn>
+                  </p:par>
+                  <p:par>
+                    <p:cTn id="27" fill="hold">
+                      <p:stCondLst>
+                        <p:cond delay="indefinite"/>
+                      </p:stCondLst>
+                      <p:childTnLst>
+                        <p:par>
+                          <p:cTn id="28" fill="hold">
+                            <p:stCondLst>
+                              <p:cond delay="0"/>
+                            </p:stCondLst>
+                            <p:childTnLst>
+                              <p:par>
+                                <p:cTn id="29" presetID="1" presetClass="entr" presetSubtype="0" fill="hold" nodeType="clickEffect">
+                                  <p:stCondLst>
+                                    <p:cond delay="0"/>
+                                  </p:stCondLst>
+                                  <p:childTnLst>
+                                    <p:set>
+                                      <p:cBhvr>
+                                        <p:cTn id="30" dur="1" fill="hold">
+                                          <p:stCondLst>
+                                            <p:cond delay="0"/>
+                                          </p:stCondLst>
+                                        </p:cTn>
+                                        <p:tgtEl>
+                                          <p:spTgt spid="3">
+                                            <p:txEl>
+                                              <p:pRg st="6" end="6"/>
+                                            </p:txEl>
+                                          </p:spTgt>
+                                        </p:tgtEl>
+                                        <p:attrNameLst>
+                                          <p:attrName>style.visibility</p:attrName>
+                                        </p:attrNameLst>
+                                      </p:cBhvr>
+                                      <p:to>
+                                        <p:strVal val="visible"/>
+                                      </p:to>
+                                    </p:set>
+                                  </p:childTnLst>
+                                </p:cTn>
+                              </p:par>
+                            </p:childTnLst>
+                          </p:cTn>
+                        </p:par>
+                      </p:childTnLst>
+                    </p:cTn>
+                  </p:par>
+                </p:childTnLst>
+              </p:cTn>
+              <p:prevCondLst>
+                <p:cond evt="onPrev" delay="0">
+                  <p:tgtEl>
+                    <p:sldTgt/>
+                  </p:tgtEl>
+                </p:cond>
+              </p:prevCondLst>
+              <p:nextCondLst>
+                <p:cond evt="onNext" delay="0">
+                  <p:tgtEl>
+                    <p:sldTgt/>
+                  </p:tgtEl>
+                </p:cond>
+              </p:nextCondLst>
+            </p:seq>
+          </p:childTnLst>
+        </p:cTn>
+      </p:par>
+    </p:tnLst>
+  </p:timing>
 </p:sld>
 </file>
 
@@ -11550,7 +12108,7 @@
         </p:spPr>
         <p:txBody>
           <a:bodyPr>
-            <a:normAutofit fontScale="85000" lnSpcReduction="20000"/>
+            <a:normAutofit fontScale="77500" lnSpcReduction="20000"/>
           </a:bodyPr>
           <a:lstStyle/>
           <a:p>
@@ -11628,14 +12186,14 @@
         </p:nvSpPr>
         <p:spPr>
           <a:xfrm>
-            <a:off x="919311" y="2895374"/>
-            <a:ext cx="4187952" cy="3353026"/>
+            <a:off x="884583" y="2688336"/>
+            <a:ext cx="4222680" cy="3560064"/>
           </a:xfrm>
           <a:noFill/>
         </p:spPr>
         <p:txBody>
           <a:bodyPr>
-            <a:normAutofit fontScale="85000" lnSpcReduction="20000"/>
+            <a:normAutofit fontScale="77500" lnSpcReduction="20000"/>
           </a:bodyPr>
           <a:lstStyle/>
           <a:p>
@@ -11643,7 +12201,7 @@
               <a:buNone/>
             </a:pPr>
             <a:r>
-              <a:rPr lang="en-US" sz="1800" b="1" dirty="0">
+              <a:rPr lang="en-US" b="1" dirty="0">
                 <a:solidFill>
                   <a:srgbClr val="9E880D"/>
                 </a:solidFill>
@@ -11653,7 +12211,7 @@
               <a:t>@</a:t>
             </a:r>
             <a:r>
-              <a:rPr lang="en-US" sz="1800" b="1" dirty="0" err="1">
+              <a:rPr lang="en-US" b="1" dirty="0" err="1">
                 <a:solidFill>
                   <a:srgbClr val="9E880D"/>
                 </a:solidFill>
@@ -11663,7 +12221,7 @@
               <a:t>AutoConfigureMockMvc</a:t>
             </a:r>
             <a:br>
-              <a:rPr lang="en-US" sz="1800" b="1" dirty="0">
+              <a:rPr lang="en-US" b="1" dirty="0">
                 <a:solidFill>
                   <a:srgbClr val="9E880D"/>
                 </a:solidFill>
@@ -11672,7 +12230,7 @@
               </a:rPr>
             </a:br>
             <a:r>
-              <a:rPr lang="en-US" sz="1800" b="1" dirty="0">
+              <a:rPr lang="en-US" b="1" dirty="0">
                 <a:solidFill>
                   <a:srgbClr val="9E880D"/>
                 </a:solidFill>
@@ -11682,7 +12240,7 @@
               <a:t>@</a:t>
             </a:r>
             <a:r>
-              <a:rPr lang="en-US" sz="1800" b="1" dirty="0" err="1">
+              <a:rPr lang="en-US" b="1" dirty="0" err="1">
                 <a:solidFill>
                   <a:srgbClr val="9E880D"/>
                 </a:solidFill>
@@ -11692,7 +12250,7 @@
               <a:t>SpringBootTest</a:t>
             </a:r>
             <a:br>
-              <a:rPr lang="en-US" sz="1800" dirty="0">
+              <a:rPr lang="en-US" dirty="0">
                 <a:solidFill>
                   <a:srgbClr val="9E880D"/>
                 </a:solidFill>
@@ -11701,7 +12259,7 @@
               </a:rPr>
             </a:br>
             <a:r>
-              <a:rPr lang="en-US" sz="1800" dirty="0">
+              <a:rPr lang="en-US" dirty="0">
                 <a:solidFill>
                   <a:srgbClr val="0033B3"/>
                 </a:solidFill>
@@ -11711,7 +12269,7 @@
               <a:t>class </a:t>
             </a:r>
             <a:r>
-              <a:rPr lang="en-US" sz="1800" dirty="0" err="1">
+              <a:rPr lang="en-US" dirty="0" err="1">
                 <a:solidFill>
                   <a:srgbClr val="000000"/>
                 </a:solidFill>
@@ -11721,7 +12279,7 @@
               <a:t>SpringMicroserviceDemoApplicationTests</a:t>
             </a:r>
             <a:r>
-              <a:rPr lang="en-US" sz="1800" dirty="0">
+              <a:rPr lang="en-US" dirty="0">
                 <a:solidFill>
                   <a:srgbClr val="000000"/>
                 </a:solidFill>
@@ -11731,7 +12289,7 @@
               <a:t> </a:t>
             </a:r>
             <a:r>
-              <a:rPr lang="en-US" sz="1800" dirty="0">
+              <a:rPr lang="en-US" dirty="0">
                 <a:solidFill>
                   <a:srgbClr val="080808"/>
                 </a:solidFill>
@@ -11741,7 +12299,7 @@
               <a:t>{</a:t>
             </a:r>
             <a:br>
-              <a:rPr lang="en-US" sz="1800" dirty="0">
+              <a:rPr lang="en-US" dirty="0">
                 <a:solidFill>
                   <a:srgbClr val="080808"/>
                 </a:solidFill>
@@ -11750,7 +12308,7 @@
               </a:rPr>
             </a:br>
             <a:br>
-              <a:rPr lang="en-US" sz="1800" dirty="0">
+              <a:rPr lang="en-US" dirty="0">
                 <a:solidFill>
                   <a:srgbClr val="080808"/>
                 </a:solidFill>
@@ -11759,7 +12317,7 @@
               </a:rPr>
             </a:br>
             <a:r>
-              <a:rPr lang="en-US" sz="1800" dirty="0">
+              <a:rPr lang="en-US" dirty="0">
                 <a:solidFill>
                   <a:srgbClr val="080808"/>
                 </a:solidFill>
@@ -11769,7 +12327,7 @@
               <a:t>    </a:t>
             </a:r>
             <a:r>
-              <a:rPr lang="en-US" sz="1800" dirty="0">
+              <a:rPr lang="en-US" dirty="0">
                 <a:solidFill>
                   <a:srgbClr val="9E880D"/>
                 </a:solidFill>
@@ -11779,7 +12337,7 @@
               <a:t>@</a:t>
             </a:r>
             <a:r>
-              <a:rPr lang="en-US" sz="1800" dirty="0" err="1">
+              <a:rPr lang="en-US" dirty="0" err="1">
                 <a:solidFill>
                   <a:srgbClr val="9E880D"/>
                 </a:solidFill>
@@ -11789,7 +12347,7 @@
               <a:t>Autowired</a:t>
             </a:r>
             <a:br>
-              <a:rPr lang="en-US" sz="1800" dirty="0">
+              <a:rPr lang="en-US" dirty="0">
                 <a:solidFill>
                   <a:srgbClr val="9E880D"/>
                 </a:solidFill>
@@ -11798,7 +12356,7 @@
               </a:rPr>
             </a:br>
             <a:r>
-              <a:rPr lang="en-US" sz="1800" dirty="0">
+              <a:rPr lang="en-US" dirty="0">
                 <a:solidFill>
                   <a:srgbClr val="9E880D"/>
                 </a:solidFill>
@@ -11808,7 +12366,7 @@
               <a:t>    </a:t>
             </a:r>
             <a:r>
-              <a:rPr lang="en-US" sz="1800" b="1" dirty="0" err="1">
+              <a:rPr lang="en-US" b="1" dirty="0" err="1">
                 <a:solidFill>
                   <a:srgbClr val="000000"/>
                 </a:solidFill>
@@ -11818,7 +12376,7 @@
               <a:t>MockMvc</a:t>
             </a:r>
             <a:r>
-              <a:rPr lang="en-US" sz="1800" b="1" dirty="0">
+              <a:rPr lang="en-US" b="1" dirty="0">
                 <a:solidFill>
                   <a:srgbClr val="000000"/>
                 </a:solidFill>
@@ -11828,7 +12386,7 @@
               <a:t> </a:t>
             </a:r>
             <a:r>
-              <a:rPr lang="en-US" sz="1800" b="1" dirty="0" err="1">
+              <a:rPr lang="en-US" b="1" dirty="0" err="1">
                 <a:solidFill>
                   <a:srgbClr val="871094"/>
                 </a:solidFill>
@@ -11838,7 +12396,7 @@
               <a:t>mockMvc</a:t>
             </a:r>
             <a:r>
-              <a:rPr lang="en-US" sz="1800" b="1" dirty="0">
+              <a:rPr lang="en-US" b="1" dirty="0">
                 <a:solidFill>
                   <a:srgbClr val="080808"/>
                 </a:solidFill>
@@ -11848,7 +12406,7 @@
               <a:t>;</a:t>
             </a:r>
             <a:br>
-              <a:rPr lang="en-US" sz="1800" dirty="0">
+              <a:rPr lang="en-US" dirty="0">
                 <a:solidFill>
                   <a:srgbClr val="080808"/>
                 </a:solidFill>
@@ -11857,7 +12415,7 @@
               </a:rPr>
             </a:br>
             <a:br>
-              <a:rPr lang="en-US" sz="1800" dirty="0">
+              <a:rPr lang="en-US" dirty="0">
                 <a:solidFill>
                   <a:srgbClr val="080808"/>
                 </a:solidFill>
@@ -11866,7 +12424,7 @@
               </a:rPr>
             </a:br>
             <a:r>
-              <a:rPr lang="en-US" sz="1800" dirty="0">
+              <a:rPr lang="en-US" dirty="0">
                 <a:solidFill>
                   <a:srgbClr val="080808"/>
                 </a:solidFill>
@@ -11876,7 +12434,7 @@
               <a:t>   </a:t>
             </a:r>
             <a:r>
-              <a:rPr lang="en-US" sz="1800" dirty="0">
+              <a:rPr lang="en-US" dirty="0">
                 <a:solidFill>
                   <a:srgbClr val="9E880D"/>
                 </a:solidFill>
@@ -11886,7 +12444,7 @@
               <a:t>@Test</a:t>
             </a:r>
             <a:br>
-              <a:rPr lang="en-US" sz="1800" dirty="0">
+              <a:rPr lang="en-US" dirty="0">
                 <a:solidFill>
                   <a:srgbClr val="9E880D"/>
                 </a:solidFill>
@@ -11895,7 +12453,7 @@
               </a:rPr>
             </a:br>
             <a:r>
-              <a:rPr lang="en-US" sz="1800" dirty="0">
+              <a:rPr lang="en-US" dirty="0">
                 <a:solidFill>
                   <a:srgbClr val="9E880D"/>
                 </a:solidFill>
@@ -11905,7 +12463,7 @@
               <a:t>    </a:t>
             </a:r>
             <a:r>
-              <a:rPr lang="en-US" sz="1800" dirty="0">
+              <a:rPr lang="en-US" dirty="0">
                 <a:solidFill>
                   <a:srgbClr val="0033B3"/>
                 </a:solidFill>
@@ -11915,7 +12473,7 @@
               <a:t>void </a:t>
             </a:r>
             <a:r>
-              <a:rPr lang="en-US" sz="1800" dirty="0" err="1">
+              <a:rPr lang="en-US" dirty="0" err="1">
                 <a:solidFill>
                   <a:srgbClr val="00627A"/>
                 </a:solidFill>
@@ -11925,7 +12483,7 @@
               <a:t>testWithMockMvc</a:t>
             </a:r>
             <a:r>
-              <a:rPr lang="en-US" sz="1800" dirty="0">
+              <a:rPr lang="en-US" dirty="0">
                 <a:solidFill>
                   <a:srgbClr val="080808"/>
                 </a:solidFill>
@@ -11935,7 +12493,7 @@
               <a:t>() </a:t>
             </a:r>
             <a:r>
-              <a:rPr lang="en-US" sz="1800" dirty="0">
+              <a:rPr lang="en-US" dirty="0">
                 <a:solidFill>
                   <a:srgbClr val="0033B3"/>
                 </a:solidFill>
@@ -11945,7 +12503,7 @@
               <a:t>throws </a:t>
             </a:r>
             <a:r>
-              <a:rPr lang="en-US" sz="1800" dirty="0">
+              <a:rPr lang="en-US" dirty="0">
                 <a:solidFill>
                   <a:srgbClr val="000000"/>
                 </a:solidFill>
@@ -11955,7 +12513,7 @@
               <a:t>Exception </a:t>
             </a:r>
             <a:r>
-              <a:rPr lang="en-US" sz="1800" dirty="0">
+              <a:rPr lang="en-US" dirty="0">
                 <a:solidFill>
                   <a:srgbClr val="080808"/>
                 </a:solidFill>
@@ -11965,7 +12523,7 @@
               <a:t>{</a:t>
             </a:r>
             <a:br>
-              <a:rPr lang="en-US" sz="1800" dirty="0">
+              <a:rPr lang="en-US" dirty="0">
                 <a:solidFill>
                   <a:srgbClr val="080808"/>
                 </a:solidFill>
@@ -11974,81 +12532,438 @@
               </a:rPr>
             </a:br>
             <a:r>
-              <a:rPr lang="en-US" sz="1800" dirty="0">
+              <a:rPr lang="en-US" dirty="0">
                 <a:solidFill>
                   <a:srgbClr val="080808"/>
                 </a:solidFill>
                 <a:effectLst/>
                 <a:latin typeface="JetBrains Mono"/>
               </a:rPr>
-              <a:t>	</a:t>
-            </a:r>
-            <a:r>
-              <a:rPr lang="en-US" sz="1800" dirty="0">
+              <a:t>      </a:t>
+            </a:r>
+            <a:r>
+              <a:rPr lang="en-US" dirty="0">
+                <a:solidFill>
+                  <a:srgbClr val="0033B3"/>
+                </a:solidFill>
+                <a:effectLst/>
+                <a:latin typeface="JetBrains Mono"/>
+              </a:rPr>
+              <a:t>var </a:t>
+            </a:r>
+            <a:r>
+              <a:rPr lang="en-US" dirty="0">
+                <a:solidFill>
+                  <a:srgbClr val="000000"/>
+                </a:solidFill>
+                <a:effectLst/>
+                <a:latin typeface="JetBrains Mono"/>
+              </a:rPr>
+              <a:t>result </a:t>
+            </a:r>
+            <a:r>
+              <a:rPr lang="en-US" dirty="0">
+                <a:solidFill>
+                  <a:srgbClr val="080808"/>
+                </a:solidFill>
+                <a:effectLst/>
+                <a:latin typeface="JetBrains Mono"/>
+              </a:rPr>
+              <a:t>= </a:t>
+            </a:r>
+            <a:r>
+              <a:rPr lang="en-US" dirty="0" err="1">
                 <a:solidFill>
                   <a:srgbClr val="871094"/>
                 </a:solidFill>
                 <a:effectLst/>
                 <a:latin typeface="JetBrains Mono"/>
               </a:rPr>
-              <a:t> </a:t>
-            </a:r>
-            <a:r>
-              <a:rPr lang="en-US" sz="1800" b="1" dirty="0" err="1">
-                <a:solidFill>
-                  <a:srgbClr val="871094"/>
+              <a:t>mockMvc</a:t>
+            </a:r>
+            <a:r>
+              <a:rPr lang="en-US" dirty="0" err="1">
+                <a:solidFill>
+                  <a:srgbClr val="080808"/>
                 </a:solidFill>
                 <a:effectLst/>
                 <a:latin typeface="JetBrains Mono"/>
               </a:rPr>
-              <a:t>mockMvc</a:t>
-            </a:r>
-            <a:r>
-              <a:rPr lang="en-US" sz="1800" b="0" i="0" u="none" strike="noStrike" dirty="0">
-                <a:solidFill>
-                  <a:srgbClr val="24292E"/>
-                </a:solidFill>
-                <a:effectLst/>
-                <a:latin typeface="SFMono-Regular"/>
-              </a:rPr>
-              <a:t> .perform(get().</a:t>
-            </a:r>
-            <a:r>
-              <a:rPr lang="en-US" sz="1800" b="0" i="0" u="none" strike="noStrike" dirty="0" err="1">
-                <a:solidFill>
-                  <a:srgbClr val="24292E"/>
-                </a:solidFill>
-                <a:effectLst/>
-                <a:latin typeface="SFMono-Regular"/>
-              </a:rPr>
-              <a:t>uri</a:t>
-            </a:r>
-            <a:r>
-              <a:rPr lang="en-US" sz="1800" b="0" i="0" u="none" strike="noStrike" dirty="0">
-                <a:solidFill>
-                  <a:srgbClr val="24292E"/>
-                </a:solidFill>
-                <a:effectLst/>
-                <a:latin typeface="SFMono-Regular"/>
+              <a:t>.perform</a:t>
+            </a:r>
+            <a:r>
+              <a:rPr lang="en-US" dirty="0">
+                <a:solidFill>
+                  <a:srgbClr val="080808"/>
+                </a:solidFill>
+                <a:effectLst/>
+                <a:latin typeface="JetBrains Mono"/>
               </a:rPr>
               <a:t>(</a:t>
             </a:r>
             <a:r>
-              <a:rPr lang="en-US" sz="1800" b="0" i="0" u="none" strike="noStrike" dirty="0">
-                <a:effectLst/>
-                <a:latin typeface="SFMono-Regular"/>
-              </a:rPr>
-              <a:t>"/"</a:t>
-            </a:r>
-            <a:r>
-              <a:rPr lang="en-US" sz="1800" b="0" i="0" u="none" strike="noStrike" dirty="0">
-                <a:solidFill>
-                  <a:srgbClr val="24292E"/>
-                </a:solidFill>
-                <a:effectLst/>
-                <a:latin typeface="SFMono-Regular"/>
-              </a:rPr>
-              <a:t>)</a:t>
+              <a:rPr lang="en-US" i="1" dirty="0">
+                <a:solidFill>
+                  <a:srgbClr val="080808"/>
+                </a:solidFill>
+                <a:effectLst/>
+                <a:latin typeface="JetBrains Mono"/>
+              </a:rPr>
+              <a:t>get</a:t>
+            </a:r>
+            <a:r>
+              <a:rPr lang="en-US" dirty="0">
+                <a:solidFill>
+                  <a:srgbClr val="080808"/>
+                </a:solidFill>
+                <a:effectLst/>
+                <a:latin typeface="JetBrains Mono"/>
+              </a:rPr>
+              <a:t>(</a:t>
+            </a:r>
+            <a:r>
+              <a:rPr lang="en-US" dirty="0">
+                <a:solidFill>
+                  <a:srgbClr val="067D17"/>
+                </a:solidFill>
+                <a:effectLst/>
+                <a:latin typeface="JetBrains Mono"/>
+              </a:rPr>
+              <a:t>"/hello/index"</a:t>
+            </a:r>
+            <a:r>
+              <a:rPr lang="en-US" dirty="0">
+                <a:solidFill>
+                  <a:srgbClr val="080808"/>
+                </a:solidFill>
+                <a:effectLst/>
+                <a:latin typeface="JetBrains Mono"/>
+              </a:rPr>
+              <a:t>))</a:t>
+            </a:r>
+            <a:br>
+              <a:rPr lang="en-US" dirty="0">
+                <a:solidFill>
+                  <a:srgbClr val="080808"/>
+                </a:solidFill>
+                <a:effectLst/>
+                <a:latin typeface="JetBrains Mono"/>
+              </a:rPr>
+            </a:br>
+            <a:r>
+              <a:rPr lang="en-US" dirty="0">
+                <a:solidFill>
+                  <a:srgbClr val="080808"/>
+                </a:solidFill>
+                <a:effectLst/>
+                <a:latin typeface="JetBrains Mono"/>
+              </a:rPr>
+              <a:t>        .</a:t>
+            </a:r>
+            <a:r>
+              <a:rPr lang="en-US" dirty="0" err="1">
+                <a:solidFill>
+                  <a:srgbClr val="080808"/>
+                </a:solidFill>
+                <a:effectLst/>
+                <a:latin typeface="JetBrains Mono"/>
+              </a:rPr>
+              <a:t>andExpect</a:t>
+            </a:r>
+            <a:r>
+              <a:rPr lang="en-US" dirty="0">
+                <a:solidFill>
+                  <a:srgbClr val="080808"/>
+                </a:solidFill>
+                <a:effectLst/>
+                <a:latin typeface="JetBrains Mono"/>
+              </a:rPr>
+              <a:t>(</a:t>
+            </a:r>
+            <a:r>
+              <a:rPr lang="en-US" i="1" dirty="0">
+                <a:solidFill>
+                  <a:srgbClr val="080808"/>
+                </a:solidFill>
+                <a:effectLst/>
+                <a:latin typeface="JetBrains Mono"/>
+              </a:rPr>
+              <a:t>status</a:t>
+            </a:r>
+            <a:r>
+              <a:rPr lang="en-US" dirty="0">
+                <a:solidFill>
+                  <a:srgbClr val="080808"/>
+                </a:solidFill>
+                <a:effectLst/>
+                <a:latin typeface="JetBrains Mono"/>
+              </a:rPr>
+              <a:t>().</a:t>
+            </a:r>
+            <a:r>
+              <a:rPr lang="en-US" dirty="0" err="1">
+                <a:solidFill>
+                  <a:srgbClr val="080808"/>
+                </a:solidFill>
+                <a:effectLst/>
+                <a:latin typeface="JetBrains Mono"/>
+              </a:rPr>
+              <a:t>isOk</a:t>
+            </a:r>
+            <a:r>
+              <a:rPr lang="en-US" dirty="0">
+                <a:solidFill>
+                  <a:srgbClr val="080808"/>
+                </a:solidFill>
+                <a:effectLst/>
+                <a:latin typeface="JetBrains Mono"/>
+              </a:rPr>
+              <a:t>())</a:t>
+            </a:r>
+            <a:br>
+              <a:rPr lang="en-US" dirty="0">
+                <a:solidFill>
+                  <a:srgbClr val="080808"/>
+                </a:solidFill>
+                <a:effectLst/>
+                <a:latin typeface="JetBrains Mono"/>
+              </a:rPr>
+            </a:br>
+            <a:r>
+              <a:rPr lang="en-US" dirty="0">
+                <a:solidFill>
+                  <a:srgbClr val="080808"/>
+                </a:solidFill>
+                <a:effectLst/>
+                <a:latin typeface="JetBrains Mono"/>
+              </a:rPr>
+              <a:t>        .</a:t>
+            </a:r>
+            <a:r>
+              <a:rPr lang="en-US" dirty="0" err="1">
+                <a:solidFill>
+                  <a:srgbClr val="080808"/>
+                </a:solidFill>
+                <a:effectLst/>
+                <a:latin typeface="JetBrains Mono"/>
+              </a:rPr>
+              <a:t>andReturn</a:t>
+            </a:r>
+            <a:r>
+              <a:rPr lang="en-US" dirty="0">
+                <a:solidFill>
+                  <a:srgbClr val="080808"/>
+                </a:solidFill>
+                <a:effectLst/>
+                <a:latin typeface="JetBrains Mono"/>
+              </a:rPr>
+              <a:t>()</a:t>
+            </a:r>
+            <a:br>
+              <a:rPr lang="en-US" dirty="0">
+                <a:solidFill>
+                  <a:srgbClr val="080808"/>
+                </a:solidFill>
+                <a:effectLst/>
+                <a:latin typeface="JetBrains Mono"/>
+              </a:rPr>
+            </a:br>
+            <a:r>
+              <a:rPr lang="en-US" dirty="0">
+                <a:solidFill>
+                  <a:srgbClr val="080808"/>
+                </a:solidFill>
+                <a:effectLst/>
+                <a:latin typeface="JetBrains Mono"/>
+              </a:rPr>
+              <a:t>        .</a:t>
+            </a:r>
+            <a:r>
+              <a:rPr lang="en-US" dirty="0" err="1">
+                <a:solidFill>
+                  <a:srgbClr val="080808"/>
+                </a:solidFill>
+                <a:effectLst/>
+                <a:latin typeface="JetBrains Mono"/>
+              </a:rPr>
+              <a:t>getResponse</a:t>
+            </a:r>
+            <a:r>
+              <a:rPr lang="en-US" dirty="0">
+                <a:solidFill>
+                  <a:srgbClr val="080808"/>
+                </a:solidFill>
+                <a:effectLst/>
+                <a:latin typeface="JetBrains Mono"/>
+              </a:rPr>
+              <a:t>()</a:t>
+            </a:r>
+            <a:br>
+              <a:rPr lang="en-US" dirty="0">
+                <a:solidFill>
+                  <a:srgbClr val="080808"/>
+                </a:solidFill>
+                <a:effectLst/>
+                <a:latin typeface="JetBrains Mono"/>
+              </a:rPr>
+            </a:br>
+            <a:r>
+              <a:rPr lang="en-US" dirty="0">
+                <a:solidFill>
+                  <a:srgbClr val="080808"/>
+                </a:solidFill>
+                <a:effectLst/>
+                <a:latin typeface="JetBrains Mono"/>
+              </a:rPr>
+              <a:t>        .</a:t>
+            </a:r>
+            <a:r>
+              <a:rPr lang="en-US" dirty="0" err="1">
+                <a:solidFill>
+                  <a:srgbClr val="080808"/>
+                </a:solidFill>
+                <a:effectLst/>
+                <a:latin typeface="JetBrains Mono"/>
+              </a:rPr>
+              <a:t>getContentAsString</a:t>
+            </a:r>
+            <a:r>
+              <a:rPr lang="en-US" dirty="0">
+                <a:solidFill>
+                  <a:srgbClr val="080808"/>
+                </a:solidFill>
+                <a:effectLst/>
+                <a:latin typeface="JetBrains Mono"/>
+              </a:rPr>
+              <a:t>();</a:t>
+            </a:r>
+            <a:br>
+              <a:rPr lang="en-US" dirty="0">
+                <a:solidFill>
+                  <a:srgbClr val="080808"/>
+                </a:solidFill>
+                <a:effectLst/>
+                <a:latin typeface="JetBrains Mono"/>
+              </a:rPr>
+            </a:br>
+            <a:br>
+              <a:rPr lang="en-US" dirty="0">
+                <a:solidFill>
+                  <a:srgbClr val="080808"/>
+                </a:solidFill>
+                <a:effectLst/>
+                <a:latin typeface="JetBrains Mono"/>
+              </a:rPr>
+            </a:br>
+            <a:r>
+              <a:rPr lang="en-US" dirty="0">
+                <a:solidFill>
+                  <a:srgbClr val="080808"/>
+                </a:solidFill>
+                <a:effectLst/>
+                <a:latin typeface="JetBrains Mono"/>
+              </a:rPr>
+              <a:t>     </a:t>
+            </a:r>
+            <a:r>
+              <a:rPr lang="en-US" i="1" dirty="0" err="1">
+                <a:solidFill>
+                  <a:srgbClr val="080808"/>
+                </a:solidFill>
+                <a:effectLst/>
+                <a:latin typeface="JetBrains Mono"/>
+              </a:rPr>
+              <a:t>assertThat</a:t>
+            </a:r>
+            <a:r>
+              <a:rPr lang="en-US" dirty="0">
+                <a:solidFill>
+                  <a:srgbClr val="080808"/>
+                </a:solidFill>
+                <a:effectLst/>
+                <a:latin typeface="JetBrains Mono"/>
+              </a:rPr>
+              <a:t>(</a:t>
+            </a:r>
+            <a:r>
+              <a:rPr lang="en-US" dirty="0">
+                <a:solidFill>
+                  <a:srgbClr val="000000"/>
+                </a:solidFill>
+                <a:effectLst/>
+                <a:latin typeface="JetBrains Mono"/>
+              </a:rPr>
+              <a:t>result</a:t>
+            </a:r>
+            <a:r>
+              <a:rPr lang="en-US" dirty="0">
+                <a:solidFill>
+                  <a:srgbClr val="080808"/>
+                </a:solidFill>
+                <a:effectLst/>
+                <a:latin typeface="JetBrains Mono"/>
+              </a:rPr>
+              <a:t>, </a:t>
+            </a:r>
+            <a:r>
+              <a:rPr lang="en-US" i="1" dirty="0">
+                <a:solidFill>
+                  <a:srgbClr val="080808"/>
+                </a:solidFill>
+                <a:effectLst/>
+                <a:latin typeface="JetBrains Mono"/>
+              </a:rPr>
+              <a:t>is</a:t>
+            </a:r>
+            <a:r>
+              <a:rPr lang="en-US" dirty="0">
+                <a:solidFill>
+                  <a:srgbClr val="080808"/>
+                </a:solidFill>
+                <a:effectLst/>
+                <a:latin typeface="JetBrains Mono"/>
+              </a:rPr>
+              <a:t>(</a:t>
+            </a:r>
+            <a:r>
+              <a:rPr lang="en-US" i="1" dirty="0" err="1">
+                <a:solidFill>
+                  <a:srgbClr val="080808"/>
+                </a:solidFill>
+                <a:effectLst/>
+                <a:latin typeface="JetBrains Mono"/>
+              </a:rPr>
+              <a:t>equalTo</a:t>
+            </a:r>
+            <a:r>
+              <a:rPr lang="en-US" dirty="0">
+                <a:solidFill>
+                  <a:srgbClr val="080808"/>
+                </a:solidFill>
+                <a:effectLst/>
+                <a:latin typeface="JetBrains Mono"/>
+              </a:rPr>
+              <a:t>(</a:t>
+            </a:r>
+            <a:r>
+              <a:rPr lang="en-US" dirty="0">
+                <a:solidFill>
+                  <a:srgbClr val="067D17"/>
+                </a:solidFill>
+                <a:effectLst/>
+                <a:latin typeface="JetBrains Mono"/>
+              </a:rPr>
+              <a:t>"Hello, world"</a:t>
+            </a:r>
+            <a:r>
+              <a:rPr lang="en-US" dirty="0">
+                <a:solidFill>
+                  <a:srgbClr val="080808"/>
+                </a:solidFill>
+                <a:effectLst/>
+                <a:latin typeface="JetBrains Mono"/>
+              </a:rPr>
+              <a:t>)));</a:t>
             </a:r>
           </a:p>
           <a:p>
@@ -12058,225 +12973,8 @@
               </a:spcBef>
               <a:buNone/>
             </a:pPr>
-            <a:r>
-              <a:rPr lang="en-US" sz="1800" dirty="0">
-                <a:solidFill>
-                  <a:srgbClr val="24292E"/>
-                </a:solidFill>
-                <a:latin typeface="SFMono-Regular"/>
-              </a:rPr>
-              <a:t>		.</a:t>
-            </a:r>
-            <a:r>
-              <a:rPr lang="en-US" sz="1800" b="0" i="0" u="none" strike="noStrike" dirty="0">
-                <a:solidFill>
-                  <a:srgbClr val="24292E"/>
-                </a:solidFill>
-                <a:effectLst/>
-                <a:latin typeface="SFMono-Regular"/>
-              </a:rPr>
-              <a:t>exchange()</a:t>
-            </a:r>
-          </a:p>
-          <a:p>
-            <a:pPr marL="0" indent="0">
-              <a:spcBef>
-                <a:spcPts val="0"/>
-              </a:spcBef>
-              <a:buNone/>
-            </a:pPr>
-            <a:r>
-              <a:rPr lang="en-US" sz="1800" b="0" i="0" u="none" strike="noStrike" dirty="0">
-                <a:solidFill>
-                  <a:srgbClr val="24292E"/>
-                </a:solidFill>
-                <a:effectLst/>
-                <a:latin typeface="SFMono-Regular"/>
-              </a:rPr>
-              <a:t>		.</a:t>
-            </a:r>
-            <a:r>
-              <a:rPr lang="en-US" sz="1800" b="0" i="0" u="none" strike="noStrike" dirty="0" err="1">
-                <a:solidFill>
-                  <a:srgbClr val="24292E"/>
-                </a:solidFill>
-                <a:effectLst/>
-                <a:latin typeface="SFMono-Regular"/>
-              </a:rPr>
-              <a:t>expectStatus</a:t>
-            </a:r>
-            <a:r>
-              <a:rPr lang="en-US" sz="1800" b="0" i="0" u="none" strike="noStrike" dirty="0">
-                <a:solidFill>
-                  <a:srgbClr val="24292E"/>
-                </a:solidFill>
-                <a:effectLst/>
-                <a:latin typeface="SFMono-Regular"/>
-              </a:rPr>
-              <a:t>()</a:t>
-            </a:r>
-          </a:p>
-          <a:p>
-            <a:pPr marL="0" indent="0">
-              <a:spcBef>
-                <a:spcPts val="0"/>
-              </a:spcBef>
-              <a:buNone/>
-            </a:pPr>
-            <a:r>
-              <a:rPr lang="en-US" sz="1800" b="0" i="0" u="none" strike="noStrike" dirty="0">
-                <a:solidFill>
-                  <a:srgbClr val="24292E"/>
-                </a:solidFill>
-                <a:effectLst/>
-                <a:latin typeface="SFMono-Regular"/>
-              </a:rPr>
-              <a:t>		.</a:t>
-            </a:r>
-            <a:r>
-              <a:rPr lang="en-US" sz="1800" b="0" i="0" u="none" strike="noStrike" dirty="0" err="1">
-                <a:solidFill>
-                  <a:srgbClr val="24292E"/>
-                </a:solidFill>
-                <a:effectLst/>
-                <a:latin typeface="SFMono-Regular"/>
-              </a:rPr>
-              <a:t>isOk</a:t>
-            </a:r>
-            <a:r>
-              <a:rPr lang="en-US" sz="1800" b="0" i="0" u="none" strike="noStrike" dirty="0">
-                <a:solidFill>
-                  <a:srgbClr val="24292E"/>
-                </a:solidFill>
-                <a:effectLst/>
-                <a:latin typeface="SFMono-Regular"/>
-              </a:rPr>
-              <a:t>()</a:t>
-            </a:r>
-          </a:p>
-          <a:p>
-            <a:pPr marL="0" indent="0">
-              <a:spcBef>
-                <a:spcPts val="0"/>
-              </a:spcBef>
-              <a:buNone/>
-            </a:pPr>
-            <a:r>
-              <a:rPr lang="en-US" sz="1800" b="0" i="0" u="none" strike="noStrike" dirty="0">
-                <a:solidFill>
-                  <a:srgbClr val="24292E"/>
-                </a:solidFill>
-                <a:effectLst/>
-                <a:latin typeface="SFMono-Regular"/>
-              </a:rPr>
-              <a:t>		.</a:t>
-            </a:r>
-            <a:r>
-              <a:rPr lang="en-US" sz="1800" b="0" i="0" u="none" strike="noStrike" dirty="0" err="1">
-                <a:solidFill>
-                  <a:srgbClr val="24292E"/>
-                </a:solidFill>
-                <a:effectLst/>
-                <a:latin typeface="SFMono-Regular"/>
-              </a:rPr>
-              <a:t>expectBody</a:t>
-            </a:r>
-            <a:r>
-              <a:rPr lang="en-US" sz="1800" b="0" i="0" u="none" strike="noStrike" dirty="0">
-                <a:solidFill>
-                  <a:srgbClr val="24292E"/>
-                </a:solidFill>
-                <a:effectLst/>
-                <a:latin typeface="SFMono-Regular"/>
-              </a:rPr>
-              <a:t>(</a:t>
-            </a:r>
-            <a:r>
-              <a:rPr lang="en-US" sz="1800" b="0" i="0" u="none" strike="noStrike" dirty="0" err="1">
-                <a:solidFill>
-                  <a:srgbClr val="24292E"/>
-                </a:solidFill>
-                <a:effectLst/>
-                <a:latin typeface="SFMono-Regular"/>
-              </a:rPr>
-              <a:t>String.class</a:t>
-            </a:r>
-            <a:r>
-              <a:rPr lang="en-US" sz="1800" b="0" i="0" u="none" strike="noStrike" dirty="0">
-                <a:solidFill>
-                  <a:srgbClr val="24292E"/>
-                </a:solidFill>
-                <a:effectLst/>
-                <a:latin typeface="SFMono-Regular"/>
-              </a:rPr>
-              <a:t>)</a:t>
-            </a:r>
-          </a:p>
-          <a:p>
-            <a:pPr marL="0" indent="0">
-              <a:spcBef>
-                <a:spcPts val="0"/>
-              </a:spcBef>
-              <a:buNone/>
-            </a:pPr>
-            <a:r>
-              <a:rPr lang="en-US" sz="1800" dirty="0">
-                <a:solidFill>
-                  <a:srgbClr val="24292E"/>
-                </a:solidFill>
-                <a:latin typeface="SFMono-Regular"/>
-              </a:rPr>
-              <a:t>		</a:t>
-            </a:r>
-            <a:r>
-              <a:rPr lang="en-US" sz="1800" b="0" i="0" u="none" strike="noStrike" dirty="0">
-                <a:solidFill>
-                  <a:srgbClr val="24292E"/>
-                </a:solidFill>
-                <a:effectLst/>
-                <a:latin typeface="SFMono-Regular"/>
-              </a:rPr>
-              <a:t>.</a:t>
-            </a:r>
-            <a:r>
-              <a:rPr lang="en-US" sz="1800" b="0" i="0" u="none" strike="noStrike" dirty="0" err="1">
-                <a:solidFill>
-                  <a:srgbClr val="24292E"/>
-                </a:solidFill>
-                <a:effectLst/>
-                <a:latin typeface="SFMono-Regular"/>
-              </a:rPr>
-              <a:t>isEqualTo</a:t>
-            </a:r>
-            <a:r>
-              <a:rPr lang="en-US" sz="1800" b="0" i="0" u="none" strike="noStrike" dirty="0">
-                <a:solidFill>
-                  <a:srgbClr val="24292E"/>
-                </a:solidFill>
-                <a:effectLst/>
-                <a:latin typeface="SFMono-Regular"/>
-              </a:rPr>
-              <a:t>(</a:t>
-            </a:r>
-            <a:r>
-              <a:rPr lang="en-US" sz="1800" b="0" i="0" u="none" strike="noStrike" dirty="0">
-                <a:effectLst/>
-                <a:latin typeface="SFMono-Regular"/>
-              </a:rPr>
-              <a:t>"Hello World"</a:t>
-            </a:r>
-            <a:r>
-              <a:rPr lang="en-US" sz="1800" b="0" i="0" u="none" strike="noStrike" dirty="0">
-                <a:solidFill>
-                  <a:srgbClr val="24292E"/>
-                </a:solidFill>
-                <a:effectLst/>
-                <a:latin typeface="SFMono-Regular"/>
-              </a:rPr>
-              <a:t>));</a:t>
-            </a:r>
             <a:br>
-              <a:rPr lang="en-US" sz="1800" dirty="0">
+              <a:rPr lang="en-US" dirty="0">
                 <a:solidFill>
                   <a:srgbClr val="080808"/>
                 </a:solidFill>
@@ -12285,7 +12983,7 @@
               </a:rPr>
             </a:br>
             <a:r>
-              <a:rPr lang="en-US" sz="1800" dirty="0">
+              <a:rPr lang="en-US" dirty="0">
                 <a:solidFill>
                   <a:srgbClr val="080808"/>
                 </a:solidFill>
@@ -12295,7 +12993,7 @@
               <a:t>    }</a:t>
             </a:r>
             <a:br>
-              <a:rPr lang="en-US" sz="1800" dirty="0">
+              <a:rPr lang="en-US" dirty="0">
                 <a:solidFill>
                   <a:srgbClr val="080808"/>
                 </a:solidFill>
@@ -12304,7 +13002,7 @@
               </a:rPr>
             </a:br>
             <a:r>
-              <a:rPr lang="en-US" sz="1800" dirty="0">
+              <a:rPr lang="en-US" dirty="0">
                 <a:solidFill>
                   <a:srgbClr val="080808"/>
                 </a:solidFill>
@@ -12313,9 +13011,6 @@
               </a:rPr>
               <a:t>}</a:t>
             </a:r>
-          </a:p>
-          <a:p>
-            <a:endParaRPr lang="en-IL" dirty="0"/>
           </a:p>
         </p:txBody>
       </p:sp>
@@ -12371,7 +13066,7 @@
             </a:r>
             <a:r>
               <a:rPr lang="en-IL" sz="1400" i="1" dirty="0"/>
-              <a:t> calls endPoint (“/”), implemented in the tested application, and verifies that it returns HTTP 200 OK and body “Hello World”. </a:t>
+              <a:t> calls endPoint (“/hello/index”), implemented in the tested application, and verifies that it returns HTTP 200 OK and body “Hello World”. </a:t>
             </a:r>
           </a:p>
         </p:txBody>
@@ -13353,7 +14048,7 @@
           <a:p>
             <a:r>
               <a:rPr lang="en-IL" dirty="0"/>
-              <a:t>Hands-on</a:t>
+              <a:t>Hands-on - Calculator</a:t>
             </a:r>
           </a:p>
         </p:txBody>
@@ -13374,12 +14069,311 @@
             <p:ph idx="1"/>
           </p:nvPr>
         </p:nvSpPr>
-        <p:spPr/>
+        <p:spPr>
+          <a:xfrm>
+            <a:off x="677334" y="1480931"/>
+            <a:ext cx="8596668" cy="4560432"/>
+          </a:xfrm>
+        </p:spPr>
         <p:txBody>
           <a:bodyPr>
-            <a:normAutofit fontScale="85000" lnSpcReduction="10000"/>
+            <a:normAutofit lnSpcReduction="10000"/>
           </a:bodyPr>
           <a:lstStyle/>
+          <a:p>
+            <a:pPr marL="0" indent="0" algn="l" defTabSz="457200" rtl="0" eaLnBrk="1" latinLnBrk="0" hangingPunct="1">
+              <a:spcBef>
+                <a:spcPts val="1000"/>
+              </a:spcBef>
+              <a:spcAft>
+                <a:spcPts val="0"/>
+              </a:spcAft>
+              <a:buClr>
+                <a:schemeClr val="accent1"/>
+              </a:buClr>
+              <a:buSzPct val="80000"/>
+              <a:buNone/>
+            </a:pPr>
+            <a:r>
+              <a:rPr lang="en-IL" dirty="0"/>
+              <a:t>Implement the following APIs:</a:t>
+            </a:r>
+          </a:p>
+          <a:p>
+            <a:r>
+              <a:rPr lang="en-IL" dirty="0"/>
+              <a:t>GET </a:t>
+            </a:r>
+            <a:r>
+              <a:rPr lang="en-US" u="sng" dirty="0">
+                <a:solidFill>
+                  <a:srgbClr val="99CA3C"/>
+                </a:solidFill>
+                <a:hlinkClick r:id="rId2"/>
+              </a:rPr>
+              <a:t>http://localhost</a:t>
+            </a:r>
+            <a:r>
+              <a:rPr lang="en-US" u="sng" dirty="0">
+                <a:solidFill>
+                  <a:srgbClr val="92D050"/>
+                </a:solidFill>
+                <a:hlinkClick r:id="rId2"/>
+              </a:rPr>
+              <a:t>:8080/add/{num1}/{num2}</a:t>
+            </a:r>
+            <a:endParaRPr lang="en-US" u="sng" dirty="0">
+              <a:solidFill>
+                <a:srgbClr val="92D050"/>
+              </a:solidFill>
+            </a:endParaRPr>
+          </a:p>
+          <a:p>
+            <a:r>
+              <a:rPr lang="en-IL" dirty="0"/>
+              <a:t>GET</a:t>
+            </a:r>
+            <a:r>
+              <a:rPr lang="en-IL" u="sng" dirty="0">
+                <a:solidFill>
+                  <a:srgbClr val="92D050"/>
+                </a:solidFill>
+              </a:rPr>
+              <a:t> </a:t>
+            </a:r>
+            <a:r>
+              <a:rPr lang="en-US" u="sng" dirty="0">
+                <a:solidFill>
+                  <a:srgbClr val="99CA3C"/>
+                </a:solidFill>
+                <a:hlinkClick r:id="rId3"/>
+              </a:rPr>
+              <a:t>http://localhost</a:t>
+            </a:r>
+            <a:r>
+              <a:rPr lang="en-US" u="sng" dirty="0">
+                <a:solidFill>
+                  <a:srgbClr val="92D050"/>
+                </a:solidFill>
+                <a:hlinkClick r:id="rId3"/>
+              </a:rPr>
+              <a:t>:8080/add/?num1={value}&amp;num2={value}</a:t>
+            </a:r>
+            <a:r>
+              <a:rPr lang="en-US" u="sng" dirty="0">
+                <a:solidFill>
+                  <a:srgbClr val="92D050"/>
+                </a:solidFill>
+              </a:rPr>
+              <a:t>, </a:t>
+            </a:r>
+            <a:r>
+              <a:rPr lang="en-US" dirty="0">
+                <a:solidFill>
+                  <a:schemeClr val="tx1"/>
+                </a:solidFill>
+              </a:rPr>
+              <a:t>where num2 is optional</a:t>
+            </a:r>
+            <a:endParaRPr lang="en-IL" u="sng" dirty="0">
+              <a:solidFill>
+                <a:srgbClr val="92D050"/>
+              </a:solidFill>
+            </a:endParaRPr>
+          </a:p>
+          <a:p>
+            <a:r>
+              <a:rPr lang="en-IL" dirty="0"/>
+              <a:t>POST </a:t>
+            </a:r>
+            <a:r>
+              <a:rPr lang="en-US" dirty="0">
+                <a:hlinkClick r:id="rId4"/>
+              </a:rPr>
+              <a:t>http://localhost:8080/universalAdd?</a:t>
+            </a:r>
+            <a:r>
+              <a:rPr lang="en-US" dirty="0">
+                <a:solidFill>
+                  <a:srgbClr val="080808"/>
+                </a:solidFill>
+                <a:hlinkClick r:id="rId4"/>
+              </a:rPr>
+              <a:t>numeralSystem={DEC_or_HEX}</a:t>
+            </a:r>
+            <a:r>
+              <a:rPr lang="en-US" dirty="0">
+                <a:solidFill>
+                  <a:srgbClr val="080808"/>
+                </a:solidFill>
+              </a:rPr>
+              <a:t>, default value is DEC</a:t>
+            </a:r>
+          </a:p>
+          <a:p>
+            <a:pPr lvl="1"/>
+            <a:r>
+              <a:rPr lang="en-US" dirty="0">
+                <a:solidFill>
+                  <a:srgbClr val="080808"/>
+                </a:solidFill>
+              </a:rPr>
+              <a:t>The endpoint receives a JSON structure with two fields: num1 and num2 (of type String).</a:t>
+            </a:r>
+          </a:p>
+          <a:p>
+            <a:pPr lvl="1"/>
+            <a:r>
+              <a:rPr lang="en-US" dirty="0">
+                <a:solidFill>
+                  <a:srgbClr val="080808"/>
+                </a:solidFill>
+              </a:rPr>
+              <a:t>Converts them to integer, summarize and returns another structure – JSON with one field: result.</a:t>
+            </a:r>
+          </a:p>
+          <a:p>
+            <a:pPr lvl="1"/>
+            <a:r>
+              <a:rPr lang="en-US" dirty="0">
+                <a:solidFill>
+                  <a:srgbClr val="080808"/>
+                </a:solidFill>
+              </a:rPr>
+              <a:t>Recommendations: create a class </a:t>
+            </a:r>
+            <a:r>
+              <a:rPr lang="en-US" i="1" dirty="0" err="1">
+                <a:solidFill>
+                  <a:srgbClr val="00B0F0"/>
+                </a:solidFill>
+              </a:rPr>
+              <a:t>CalculationService</a:t>
+            </a:r>
+            <a:r>
+              <a:rPr lang="en-US" dirty="0">
+                <a:solidFill>
+                  <a:srgbClr val="080808"/>
+                </a:solidFill>
+              </a:rPr>
+              <a:t> that has a field radix. Use the functions </a:t>
+            </a:r>
+            <a:r>
+              <a:rPr lang="en-US" sz="1800" dirty="0" err="1">
+                <a:solidFill>
+                  <a:srgbClr val="000000"/>
+                </a:solidFill>
+                <a:effectLst/>
+                <a:latin typeface="JetBrains Mono"/>
+              </a:rPr>
+              <a:t>Integer</a:t>
+            </a:r>
+            <a:r>
+              <a:rPr lang="en-US" sz="1800" dirty="0" err="1">
+                <a:solidFill>
+                  <a:srgbClr val="080808"/>
+                </a:solidFill>
+                <a:effectLst/>
+                <a:latin typeface="JetBrains Mono"/>
+              </a:rPr>
+              <a:t>.</a:t>
+            </a:r>
+            <a:r>
+              <a:rPr lang="en-US" sz="1800" i="1" dirty="0" err="1">
+                <a:solidFill>
+                  <a:srgbClr val="080808"/>
+                </a:solidFill>
+                <a:effectLst/>
+                <a:latin typeface="JetBrains Mono"/>
+              </a:rPr>
+              <a:t>parseInt</a:t>
+            </a:r>
+            <a:r>
+              <a:rPr lang="en-US" sz="1800" i="1" dirty="0">
+                <a:solidFill>
+                  <a:srgbClr val="080808"/>
+                </a:solidFill>
+                <a:latin typeface="JetBrains Mono"/>
+              </a:rPr>
+              <a:t> </a:t>
+            </a:r>
+            <a:r>
+              <a:rPr lang="en-US" dirty="0">
+                <a:solidFill>
+                  <a:srgbClr val="080808"/>
+                </a:solidFill>
+              </a:rPr>
+              <a:t>and</a:t>
+            </a:r>
+            <a:r>
+              <a:rPr lang="en-US" sz="1800" i="1" dirty="0">
+                <a:solidFill>
+                  <a:srgbClr val="080808"/>
+                </a:solidFill>
+                <a:latin typeface="JetBrains Mono"/>
+              </a:rPr>
+              <a:t> </a:t>
+            </a:r>
+            <a:r>
+              <a:rPr lang="en-US" sz="1800" dirty="0" err="1">
+                <a:solidFill>
+                  <a:srgbClr val="000000"/>
+                </a:solidFill>
+                <a:effectLst/>
+                <a:latin typeface="JetBrains Mono"/>
+              </a:rPr>
+              <a:t>Integer</a:t>
+            </a:r>
+            <a:r>
+              <a:rPr lang="en-US" sz="1800" dirty="0" err="1">
+                <a:solidFill>
+                  <a:srgbClr val="080808"/>
+                </a:solidFill>
+                <a:effectLst/>
+                <a:latin typeface="JetBrains Mono"/>
+              </a:rPr>
+              <a:t>.</a:t>
+            </a:r>
+            <a:r>
+              <a:rPr lang="en-US" sz="1800" i="1" dirty="0" err="1">
+                <a:solidFill>
+                  <a:srgbClr val="080808"/>
+                </a:solidFill>
+                <a:effectLst/>
+                <a:latin typeface="JetBrains Mono"/>
+              </a:rPr>
+              <a:t>toString</a:t>
+            </a:r>
+            <a:r>
+              <a:rPr lang="en-US" sz="1800" i="1" dirty="0">
+                <a:solidFill>
+                  <a:srgbClr val="080808"/>
+                </a:solidFill>
+                <a:latin typeface="JetBrains Mono"/>
+              </a:rPr>
+              <a:t> </a:t>
+            </a:r>
+            <a:r>
+              <a:rPr lang="en-US" sz="1800" dirty="0">
+                <a:solidFill>
+                  <a:srgbClr val="080808"/>
+                </a:solidFill>
+                <a:latin typeface="JetBrains Mono"/>
+              </a:rPr>
+              <a:t>to calculate result according to the radix.</a:t>
+            </a:r>
+            <a:endParaRPr lang="en-US" dirty="0">
+              <a:solidFill>
+                <a:srgbClr val="080808"/>
+              </a:solidFill>
+            </a:endParaRPr>
+          </a:p>
+          <a:p>
+            <a:r>
+              <a:rPr lang="en-US" dirty="0"/>
+              <a:t>Write tests.</a:t>
+            </a:r>
+          </a:p>
           <a:p>
             <a:pPr marL="342900" indent="-342900" algn="l" defTabSz="457200" rtl="0" eaLnBrk="1" latinLnBrk="0" hangingPunct="1">
               <a:spcBef>
@@ -13395,150 +14389,7 @@
               <a:buFont typeface="Wingdings 3" charset="2"/>
               <a:buChar char=""/>
             </a:pPr>
-            <a:r>
-              <a:rPr lang="en-IL" dirty="0"/>
-              <a:t>Create a REST microservice that implements ATM (</a:t>
-            </a:r>
-            <a:r>
-              <a:rPr lang="he-IL" dirty="0"/>
-              <a:t>כספומט</a:t>
-            </a:r>
-            <a:r>
-              <a:rPr lang="en-IL" dirty="0"/>
-              <a:t>)</a:t>
-            </a:r>
-          </a:p>
-          <a:p>
-            <a:pPr marL="342900" indent="-342900" algn="l" defTabSz="457200" rtl="0" eaLnBrk="1" latinLnBrk="0" hangingPunct="1">
-              <a:spcBef>
-                <a:spcPts val="1000"/>
-              </a:spcBef>
-              <a:spcAft>
-                <a:spcPts val="0"/>
-              </a:spcAft>
-              <a:buClr>
-                <a:schemeClr val="accent1"/>
-              </a:buClr>
-              <a:buSzPct val="80000"/>
-              <a:buFont typeface="Wingdings 3" charset="2"/>
-              <a:buChar char=""/>
-            </a:pPr>
-            <a:r>
-              <a:rPr lang="en-IL" dirty="0"/>
-              <a:t>Implement a repository class that keeps the amount of money for different accounts.</a:t>
-            </a:r>
-          </a:p>
-          <a:p>
-            <a:pPr marL="342900" indent="-342900" algn="l" defTabSz="457200" rtl="0" eaLnBrk="1" latinLnBrk="0" hangingPunct="1">
-              <a:spcBef>
-                <a:spcPts val="1000"/>
-              </a:spcBef>
-              <a:spcAft>
-                <a:spcPts val="0"/>
-              </a:spcAft>
-              <a:buClr>
-                <a:schemeClr val="accent1"/>
-              </a:buClr>
-              <a:buSzPct val="80000"/>
-              <a:buFont typeface="Wingdings 3" charset="2"/>
-              <a:buChar char=""/>
-            </a:pPr>
-            <a:r>
-              <a:rPr lang="en-IL" dirty="0"/>
-              <a:t>Implement the following APIs:</a:t>
-            </a:r>
-          </a:p>
-          <a:p>
-            <a:pPr lvl="1" indent="-342900"/>
-            <a:r>
-              <a:rPr lang="en-IL" dirty="0"/>
-              <a:t>GET </a:t>
-            </a:r>
-            <a:r>
-              <a:rPr lang="en-US" dirty="0">
-                <a:hlinkClick r:id="rId2"/>
-              </a:rPr>
-              <a:t>http://localhost:8080/ballance/{accountID}/info?currency=NIS</a:t>
-            </a:r>
             <a:endParaRPr lang="en-IL" dirty="0"/>
-          </a:p>
-          <a:p>
-            <a:pPr lvl="2" indent="-342900"/>
-            <a:r>
-              <a:rPr lang="en-IL" dirty="0"/>
-              <a:t>Returns the amount of money for the specified account. Currency is an optional </a:t>
-            </a:r>
-            <a:r>
-              <a:rPr lang="en-US" dirty="0"/>
-              <a:t>parameter;</a:t>
-            </a:r>
-            <a:r>
-              <a:rPr lang="en-IL" dirty="0"/>
-              <a:t> the default value is NIS.</a:t>
-            </a:r>
-          </a:p>
-          <a:p>
-            <a:pPr lvl="1"/>
-            <a:r>
-              <a:rPr lang="en-IL" dirty="0"/>
-              <a:t>POST </a:t>
-            </a:r>
-            <a:r>
-              <a:rPr lang="en-US" dirty="0">
-                <a:hlinkClick r:id="rId3"/>
-              </a:rPr>
-              <a:t>http://localhost:8080/ballance/{accountID}/transaction/withdraw?amount=100&amp;currency=NIS  </a:t>
-            </a:r>
-            <a:endParaRPr lang="en-US" dirty="0"/>
-          </a:p>
-          <a:p>
-            <a:pPr lvl="2"/>
-            <a:r>
-              <a:rPr lang="en-US" dirty="0"/>
-              <a:t>Sends a request to withdraw money from the account. Returns the balance of the account after the transaction. </a:t>
-            </a:r>
-          </a:p>
-          <a:p>
-            <a:pPr lvl="1"/>
-            <a:r>
-              <a:rPr lang="en-IL" dirty="0"/>
-              <a:t>POST </a:t>
-            </a:r>
-            <a:r>
-              <a:rPr lang="en-US" dirty="0">
-                <a:hlinkClick r:id="rId4"/>
-              </a:rPr>
-              <a:t>http://localhost:8080/ballance/{accountID}/transaction/invest?amount=100&amp;currency=NIS  </a:t>
-            </a:r>
-            <a:endParaRPr lang="en-US" dirty="0"/>
-          </a:p>
-          <a:p>
-            <a:pPr lvl="2"/>
-            <a:r>
-              <a:rPr lang="en-US" dirty="0"/>
-              <a:t>Sends a request to put money into the account. Returns the balance of the account after the transaction. </a:t>
-            </a:r>
-            <a:endParaRPr lang="en-IL" dirty="0"/>
-          </a:p>
-          <a:p>
-            <a:pPr marL="342900" indent="-342900" algn="l" defTabSz="457200" rtl="0" eaLnBrk="1" latinLnBrk="0" hangingPunct="1">
-              <a:spcBef>
-                <a:spcPts val="1000"/>
-              </a:spcBef>
-              <a:spcAft>
-                <a:spcPts val="0"/>
-              </a:spcAft>
-              <a:buClr>
-                <a:schemeClr val="accent1"/>
-              </a:buClr>
-              <a:buSzPct val="80000"/>
-              <a:buFont typeface="Wingdings 3" charset="2"/>
-              <a:buChar char=""/>
-            </a:pPr>
-            <a:r>
-              <a:rPr lang="en-IL" dirty="0"/>
-              <a:t>Write tests</a:t>
-            </a:r>
           </a:p>
         </p:txBody>
       </p:sp>
@@ -14428,22 +15279,22 @@
         </p:nvSpPr>
         <p:spPr>
           <a:xfrm>
-            <a:off x="677334" y="1930401"/>
-            <a:ext cx="8705205" cy="4110962"/>
+            <a:off x="677334" y="1930400"/>
+            <a:ext cx="8705205" cy="4317999"/>
           </a:xfrm>
         </p:spPr>
         <p:txBody>
           <a:bodyPr>
-            <a:normAutofit/>
+            <a:noAutofit/>
           </a:bodyPr>
           <a:lstStyle/>
           <a:p>
             <a:r>
-              <a:rPr lang="en-US" sz="2000" dirty="0"/>
+              <a:rPr lang="en-US" sz="2200" dirty="0"/>
               <a:t>Altogether, the most common approach is to use </a:t>
             </a:r>
             <a:r>
-              <a:rPr lang="en-US" sz="2000" dirty="0">
+              <a:rPr lang="en-US" sz="2200" dirty="0">
                 <a:solidFill>
                   <a:srgbClr val="92D050"/>
                 </a:solidFill>
@@ -14451,7 +15302,7 @@
               <a:t>@</a:t>
             </a:r>
             <a:r>
-              <a:rPr lang="en-US" sz="2000" dirty="0" err="1">
+              <a:rPr lang="en-US" sz="2200" dirty="0" err="1">
                 <a:solidFill>
                   <a:srgbClr val="92D050"/>
                 </a:solidFill>
@@ -14459,7 +15310,7 @@
               <a:t>ExceptionHandler</a:t>
             </a:r>
             <a:r>
-              <a:rPr lang="en-US" sz="2000" dirty="0">
+              <a:rPr lang="en-US" sz="2200" dirty="0">
                 <a:solidFill>
                   <a:srgbClr val="92D050"/>
                 </a:solidFill>
@@ -14467,11 +15318,11 @@
               <a:t> </a:t>
             </a:r>
             <a:r>
-              <a:rPr lang="en-US" sz="2000" dirty="0"/>
+              <a:rPr lang="en-US" sz="2200" dirty="0"/>
               <a:t>on methods of </a:t>
             </a:r>
             <a:r>
-              <a:rPr lang="en-US" sz="2000" dirty="0">
+              <a:rPr lang="en-US" sz="2200" dirty="0">
                 <a:solidFill>
                   <a:srgbClr val="92D050"/>
                 </a:solidFill>
@@ -14479,7 +15330,7 @@
               <a:t>@</a:t>
             </a:r>
             <a:r>
-              <a:rPr lang="en-US" sz="2000" dirty="0" err="1">
+              <a:rPr lang="en-US" sz="2200" dirty="0" err="1">
                 <a:solidFill>
                   <a:srgbClr val="92D050"/>
                 </a:solidFill>
@@ -14487,7 +15338,7 @@
               <a:t>RestControllerAdvice</a:t>
             </a:r>
             <a:r>
-              <a:rPr lang="en-US" sz="2000" dirty="0">
+              <a:rPr lang="en-US" sz="2200" dirty="0">
                 <a:solidFill>
                   <a:srgbClr val="92D050"/>
                 </a:solidFill>
@@ -14495,13 +15346,13 @@
               <a:t> </a:t>
             </a:r>
             <a:r>
-              <a:rPr lang="en-US" sz="2000" dirty="0"/>
+              <a:rPr lang="en-US" sz="2200" dirty="0"/>
               <a:t>classes so that the Spring Boot exception handling will be applied globally for all application controllers (or to a subset of controllers, if specified).</a:t>
             </a:r>
           </a:p>
           <a:p>
             <a:r>
-              <a:rPr lang="en-US" sz="2000" dirty="0">
+              <a:rPr lang="en-US" sz="2200" dirty="0">
                 <a:solidFill>
                   <a:srgbClr val="92D050"/>
                 </a:solidFill>
@@ -14509,7 +15360,7 @@
               <a:t>@</a:t>
             </a:r>
             <a:r>
-              <a:rPr lang="en-US" sz="2000" dirty="0" err="1">
+              <a:rPr lang="en-US" sz="2200" dirty="0" err="1">
                 <a:solidFill>
                   <a:srgbClr val="92D050"/>
                 </a:solidFill>
@@ -14517,11 +15368,11 @@
               <a:t>RestControllerAdvice</a:t>
             </a:r>
             <a:r>
-              <a:rPr lang="en-US" sz="2000" dirty="0"/>
+              <a:rPr lang="en-US" sz="2200" dirty="0"/>
               <a:t> is an annotation in Spring and, as the name suggests, is “advice” for multiple controllers. It enables the application of a single </a:t>
             </a:r>
             <a:r>
-              <a:rPr lang="en-US" sz="2000" dirty="0">
+              <a:rPr lang="en-US" sz="2200" dirty="0">
                 <a:solidFill>
                   <a:srgbClr val="92D050"/>
                 </a:solidFill>
@@ -14529,7 +15380,7 @@
               <a:t>@</a:t>
             </a:r>
             <a:r>
-              <a:rPr lang="en-US" sz="2000" dirty="0" err="1">
+              <a:rPr lang="en-US" sz="2200" dirty="0" err="1">
                 <a:solidFill>
                   <a:srgbClr val="92D050"/>
                 </a:solidFill>
@@ -14537,11 +15388,11 @@
               <a:t>ExceptionHandler</a:t>
             </a:r>
             <a:r>
-              <a:rPr lang="en-US" sz="2000" dirty="0"/>
+              <a:rPr lang="en-US" sz="2200" dirty="0"/>
               <a:t> to multiple controllers. With this annotation, we can define how to treat such an exception in a single place, and the system will call this handler for thrown exceptions on classes covered by this </a:t>
             </a:r>
             <a:r>
-              <a:rPr lang="en-US" sz="2000" dirty="0">
+              <a:rPr lang="en-US" sz="2200" dirty="0">
                 <a:solidFill>
                   <a:srgbClr val="92D050"/>
                 </a:solidFill>
@@ -14549,7 +15400,7 @@
               <a:t>@</a:t>
             </a:r>
             <a:r>
-              <a:rPr lang="en-US" sz="2000" dirty="0" err="1">
+              <a:rPr lang="en-US" sz="2200" dirty="0" err="1">
                 <a:solidFill>
                   <a:srgbClr val="92D050"/>
                 </a:solidFill>
@@ -14557,10 +15408,10 @@
               <a:t>RestControllerAdvice</a:t>
             </a:r>
             <a:r>
-              <a:rPr lang="en-US" sz="2000" dirty="0"/>
+              <a:rPr lang="en-US" sz="2200" dirty="0"/>
               <a:t>.</a:t>
             </a:r>
-            <a:endParaRPr lang="en-IL" sz="2000" dirty="0"/>
+            <a:endParaRPr lang="en-IL" sz="2200" dirty="0"/>
           </a:p>
         </p:txBody>
       </p:sp>
@@ -14978,48 +15829,6 @@
             <a:pPr marL="0" indent="0">
               <a:buNone/>
             </a:pPr>
-            <a:r>
-              <a:rPr lang="en-US" sz="1400" dirty="0">
-                <a:solidFill>
-                  <a:srgbClr val="0033B3"/>
-                </a:solidFill>
-                <a:effectLst/>
-              </a:rPr>
-              <a:t>public record </a:t>
-            </a:r>
-            <a:r>
-              <a:rPr lang="en-US" sz="1400" dirty="0" err="1">
-                <a:solidFill>
-                  <a:srgbClr val="000000"/>
-                </a:solidFill>
-                <a:effectLst/>
-              </a:rPr>
-              <a:t>ErrorResponse</a:t>
-            </a:r>
-            <a:r>
-              <a:rPr lang="en-US" sz="1400" dirty="0"/>
-              <a:t>(</a:t>
-            </a:r>
-            <a:r>
-              <a:rPr lang="en-US" sz="1400" dirty="0">
-                <a:solidFill>
-                  <a:srgbClr val="000000"/>
-                </a:solidFill>
-                <a:effectLst/>
-              </a:rPr>
-              <a:t>String </a:t>
-            </a:r>
-            <a:r>
-              <a:rPr lang="en-US" sz="1400" dirty="0"/>
-              <a:t>message) {</a:t>
-            </a:r>
-            <a:br>
-              <a:rPr lang="en-US" sz="1400" dirty="0"/>
-            </a:br>
-            <a:r>
-              <a:rPr lang="en-US" sz="1400" dirty="0"/>
-              <a:t>}</a:t>
-            </a:r>
             <a:endParaRPr lang="en-US" sz="1400" dirty="0">
               <a:solidFill>
                 <a:srgbClr val="9E880D"/>
@@ -15030,7 +15839,23 @@
             <a:pPr marL="0" indent="0">
               <a:buNone/>
             </a:pPr>
-            <a:endParaRPr lang="en-US" sz="1400" dirty="0">
+            <a:r>
+              <a:rPr lang="en-US" sz="1600" dirty="0">
+                <a:solidFill>
+                  <a:srgbClr val="9E880D"/>
+                </a:solidFill>
+              </a:rPr>
+              <a:t>@</a:t>
+            </a:r>
+            <a:r>
+              <a:rPr lang="en-US" sz="1600" dirty="0" err="1">
+                <a:solidFill>
+                  <a:srgbClr val="9E880D"/>
+                </a:solidFill>
+              </a:rPr>
+              <a:t>RestControllerAdvice</a:t>
+            </a:r>
+            <a:endParaRPr lang="en-US" sz="1600" dirty="0">
               <a:solidFill>
                 <a:srgbClr val="9E880D"/>
               </a:solidFill>
@@ -15041,7 +15866,57 @@
               <a:buNone/>
             </a:pPr>
             <a:r>
-              <a:rPr lang="en-US" sz="1400" dirty="0">
+              <a:rPr lang="en-US" sz="1600" dirty="0">
+                <a:solidFill>
+                  <a:srgbClr val="0033B3"/>
+                </a:solidFill>
+              </a:rPr>
+              <a:t>public class </a:t>
+            </a:r>
+            <a:r>
+              <a:rPr lang="en-US" sz="1600" dirty="0" err="1"/>
+              <a:t>AppControllerAdvice</a:t>
+            </a:r>
+            <a:r>
+              <a:rPr lang="en-US" sz="1600" dirty="0"/>
+              <a:t> </a:t>
+            </a:r>
+            <a:r>
+              <a:rPr lang="en-US" sz="1600" dirty="0">
+                <a:solidFill>
+                  <a:srgbClr val="0033B3"/>
+                </a:solidFill>
+              </a:rPr>
+              <a:t>extends</a:t>
+            </a:r>
+            <a:r>
+              <a:rPr lang="en-US" sz="1600" dirty="0"/>
+              <a:t> </a:t>
+            </a:r>
+            <a:r>
+              <a:rPr lang="en-US" sz="1600" dirty="0" err="1"/>
+              <a:t>ResponseEntityExceptionHandler</a:t>
+            </a:r>
+            <a:r>
+              <a:rPr lang="en-US" sz="1600" dirty="0"/>
+              <a:t> </a:t>
+            </a:r>
+          </a:p>
+          <a:p>
+            <a:pPr marL="0" indent="0">
+              <a:buNone/>
+            </a:pPr>
+            <a:r>
+              <a:rPr lang="en-US" sz="1600" dirty="0"/>
+              <a:t>{ </a:t>
+            </a:r>
+          </a:p>
+          <a:p>
+            <a:pPr marL="0" indent="0">
+              <a:buNone/>
+            </a:pPr>
+            <a:r>
+              <a:rPr lang="en-US" sz="1600" dirty="0">
                 <a:solidFill>
                   <a:srgbClr val="9E880D"/>
                 </a:solidFill>
@@ -15049,58 +15924,123 @@
               <a:t>@</a:t>
             </a:r>
             <a:r>
-              <a:rPr lang="en-US" sz="1400" dirty="0" err="1">
+              <a:rPr lang="en-US" sz="1600" dirty="0" err="1">
                 <a:solidFill>
                   <a:srgbClr val="9E880D"/>
                 </a:solidFill>
               </a:rPr>
-              <a:t>RestControllerAdvice</a:t>
-            </a:r>
-            <a:endParaRPr lang="en-US" sz="1400" dirty="0">
-              <a:solidFill>
-                <a:srgbClr val="9E880D"/>
-              </a:solidFill>
-            </a:endParaRPr>
+              <a:t>ExceptionHandler</a:t>
+            </a:r>
+            <a:r>
+              <a:rPr lang="en-US" sz="1600" dirty="0"/>
+              <a:t>({</a:t>
+            </a:r>
+            <a:r>
+              <a:rPr lang="en-US" sz="1600" dirty="0" err="1"/>
+              <a:t>AccessDeniedException.class</a:t>
+            </a:r>
+            <a:r>
+              <a:rPr lang="en-US" sz="1600" dirty="0"/>
+              <a:t>})</a:t>
+            </a:r>
           </a:p>
           <a:p>
             <a:pPr marL="0" indent="0">
               <a:buNone/>
             </a:pPr>
             <a:r>
-              <a:rPr lang="en-US" sz="1400" dirty="0">
+              <a:rPr lang="en-US" sz="1600" dirty="0"/>
+              <a:t> </a:t>
+            </a:r>
+            <a:r>
+              <a:rPr lang="en-US" sz="1600" dirty="0">
+                <a:solidFill>
+                  <a:srgbClr val="9E880D"/>
+                </a:solidFill>
+                <a:effectLst/>
+              </a:rPr>
+              <a:t>@</a:t>
+            </a:r>
+            <a:r>
+              <a:rPr lang="en-US" sz="1600" dirty="0" err="1">
+                <a:solidFill>
+                  <a:srgbClr val="9E880D"/>
+                </a:solidFill>
+                <a:effectLst/>
+              </a:rPr>
+              <a:t>ResponseStatus</a:t>
+            </a:r>
+            <a:r>
+              <a:rPr lang="en-US" sz="1600" dirty="0"/>
+              <a:t>(</a:t>
+            </a:r>
+            <a:r>
+              <a:rPr lang="en-US" sz="1600" b="0" i="0" u="none" strike="noStrike" dirty="0">
+                <a:solidFill>
+                  <a:srgbClr val="000000"/>
+                </a:solidFill>
+                <a:effectLst/>
+                <a:latin typeface="Source Code Pro" panose="020B0509030403020204" pitchFamily="49" charset="0"/>
+              </a:rPr>
+              <a:t>FORBIDDEN</a:t>
+            </a:r>
+            <a:r>
+              <a:rPr lang="en-US" sz="1600" dirty="0"/>
+              <a:t>)   </a:t>
+            </a:r>
+          </a:p>
+          <a:p>
+            <a:pPr marL="0" indent="0">
+              <a:buNone/>
+            </a:pPr>
+            <a:r>
+              <a:rPr lang="en-US" sz="1600" dirty="0">
                 <a:solidFill>
                   <a:srgbClr val="0033B3"/>
                 </a:solidFill>
               </a:rPr>
-              <a:t>public class </a:t>
-            </a:r>
-            <a:r>
-              <a:rPr lang="en-US" sz="1400" dirty="0" err="1"/>
-              <a:t>AppControllerAdvice</a:t>
-            </a:r>
-            <a:r>
-              <a:rPr lang="en-US" sz="1400" dirty="0"/>
-              <a:t>	</a:t>
-            </a:r>
-            <a:r>
-              <a:rPr lang="en-US" sz="1400" dirty="0">
+              <a:t>  protected</a:t>
+            </a:r>
+            <a:r>
+              <a:rPr lang="en-US" sz="1600" dirty="0"/>
+              <a:t> String </a:t>
+            </a:r>
+            <a:r>
+              <a:rPr lang="en-US" sz="1600" dirty="0" err="1"/>
+              <a:t>handleAccessDeniedException</a:t>
+            </a:r>
+            <a:r>
+              <a:rPr lang="en-US" sz="1600" dirty="0"/>
+              <a:t>(</a:t>
+            </a:r>
+            <a:r>
+              <a:rPr lang="en-US" sz="1600" dirty="0" err="1"/>
+              <a:t>AccessDeniedException</a:t>
+            </a:r>
+            <a:r>
+              <a:rPr lang="en-US" sz="1600" dirty="0"/>
+              <a:t> ex) {</a:t>
+            </a:r>
+          </a:p>
+          <a:p>
+            <a:pPr marL="0" indent="0">
+              <a:buNone/>
+            </a:pPr>
+            <a:r>
+              <a:rPr lang="en-US" sz="1600" dirty="0"/>
+              <a:t>       </a:t>
+            </a:r>
+            <a:r>
+              <a:rPr lang="en-US" sz="1600" dirty="0">
                 <a:solidFill>
                   <a:srgbClr val="0033B3"/>
                 </a:solidFill>
               </a:rPr>
-              <a:t>extends</a:t>
-            </a:r>
-            <a:r>
-              <a:rPr lang="en-US" sz="1400" dirty="0"/>
-              <a:t> </a:t>
-            </a:r>
-            <a:r>
-              <a:rPr lang="en-US" sz="1400" dirty="0" err="1"/>
-              <a:t>ResponseEntityExceptionHandler</a:t>
-            </a:r>
-            <a:r>
-              <a:rPr lang="en-US" sz="1400" dirty="0"/>
-              <a:t> </a:t>
+              <a:t>return</a:t>
+            </a:r>
+            <a:r>
+              <a:rPr lang="en-US" sz="1600" dirty="0"/>
+              <a:t> “Access denied!”;</a:t>
             </a:r>
           </a:p>
           <a:p>
@@ -15108,8 +16048,8 @@
               <a:buNone/>
             </a:pPr>
             <a:r>
-              <a:rPr lang="en-US" sz="1400" dirty="0"/>
-              <a:t>{ </a:t>
+              <a:rPr lang="en-US" sz="1600" dirty="0"/>
+              <a:t>    }</a:t>
             </a:r>
           </a:p>
           <a:p>
@@ -15117,201 +16057,10 @@
               <a:buNone/>
             </a:pPr>
             <a:r>
-              <a:rPr lang="en-US" sz="1400" dirty="0">
-                <a:solidFill>
-                  <a:srgbClr val="9E880D"/>
-                </a:solidFill>
-              </a:rPr>
-              <a:t>@</a:t>
-            </a:r>
-            <a:r>
-              <a:rPr lang="en-US" sz="1400" dirty="0" err="1">
-                <a:solidFill>
-                  <a:srgbClr val="9E880D"/>
-                </a:solidFill>
-              </a:rPr>
-              <a:t>ExceptionHandler</a:t>
-            </a:r>
-            <a:r>
-              <a:rPr lang="en-US" sz="1400" dirty="0"/>
-              <a:t>({</a:t>
-            </a:r>
-            <a:r>
-              <a:rPr lang="en-US" sz="1400" dirty="0" err="1"/>
-              <a:t>AccessDeniedException.class</a:t>
-            </a:r>
-            <a:r>
-              <a:rPr lang="en-US" sz="1400" dirty="0"/>
-              <a:t>})</a:t>
-            </a:r>
-          </a:p>
-          <a:p>
-            <a:pPr marL="0" indent="0">
-              <a:buNone/>
-            </a:pPr>
-            <a:r>
-              <a:rPr lang="en-US" sz="1400" dirty="0"/>
-              <a:t> </a:t>
-            </a:r>
-            <a:r>
-              <a:rPr lang="en-US" sz="1400" dirty="0">
-                <a:solidFill>
-                  <a:srgbClr val="9E880D"/>
-                </a:solidFill>
-                <a:effectLst/>
-              </a:rPr>
-              <a:t>@</a:t>
-            </a:r>
-            <a:r>
-              <a:rPr lang="en-US" sz="1400" dirty="0" err="1">
-                <a:solidFill>
-                  <a:srgbClr val="9E880D"/>
-                </a:solidFill>
-                <a:effectLst/>
-              </a:rPr>
-              <a:t>ResponseStatus</a:t>
-            </a:r>
-            <a:r>
-              <a:rPr lang="en-US" sz="1400" dirty="0"/>
-              <a:t>(</a:t>
-            </a:r>
-            <a:r>
-              <a:rPr lang="en-US" sz="1400" b="0" i="0" u="none" strike="noStrike" dirty="0">
-                <a:solidFill>
-                  <a:srgbClr val="000000"/>
-                </a:solidFill>
-                <a:effectLst/>
-                <a:latin typeface="Source Code Pro" panose="020B0509030403020204" pitchFamily="49" charset="0"/>
-              </a:rPr>
-              <a:t>FORBIDDEN</a:t>
-            </a:r>
-            <a:r>
-              <a:rPr lang="en-US" sz="1400" dirty="0"/>
-              <a:t>)   </a:t>
-            </a:r>
-          </a:p>
-          <a:p>
-            <a:pPr marL="0" indent="0">
-              <a:buNone/>
-            </a:pPr>
-            <a:r>
-              <a:rPr lang="en-US" sz="1400" dirty="0">
-                <a:solidFill>
-                  <a:srgbClr val="0033B3"/>
-                </a:solidFill>
-              </a:rPr>
-              <a:t>  protected</a:t>
-            </a:r>
-            <a:r>
-              <a:rPr lang="en-US" sz="1400" dirty="0"/>
-              <a:t> </a:t>
-            </a:r>
-            <a:r>
-              <a:rPr lang="en-US" sz="1400" dirty="0" err="1"/>
-              <a:t>ResponseEntity</a:t>
-            </a:r>
-            <a:r>
-              <a:rPr lang="en-US" sz="1400" dirty="0"/>
-              <a:t>&lt;Object&gt; </a:t>
-            </a:r>
-            <a:r>
-              <a:rPr lang="en-US" sz="1400" dirty="0" err="1"/>
-              <a:t>handleAccessDeniedException</a:t>
-            </a:r>
-            <a:r>
-              <a:rPr lang="en-US" sz="1400" dirty="0"/>
-              <a:t>(</a:t>
-            </a:r>
-            <a:r>
-              <a:rPr lang="en-US" sz="1400" dirty="0" err="1"/>
-              <a:t>AccessDeniedException</a:t>
-            </a:r>
-            <a:r>
-              <a:rPr lang="en-US" sz="1400" dirty="0"/>
-              <a:t> ex, </a:t>
-            </a:r>
-            <a:r>
-              <a:rPr lang="en-US" sz="1400" dirty="0" err="1"/>
-              <a:t>WebRequest</a:t>
-            </a:r>
-            <a:r>
-              <a:rPr lang="en-US" sz="1400" dirty="0"/>
-              <a:t> request) {</a:t>
-            </a:r>
-          </a:p>
-          <a:p>
-            <a:pPr marL="0" indent="0">
-              <a:buNone/>
-            </a:pPr>
-            <a:r>
-              <a:rPr lang="en-US" sz="1400" dirty="0"/>
-              <a:t>       </a:t>
-            </a:r>
-            <a:r>
-              <a:rPr lang="en-US" sz="1400" dirty="0">
-                <a:solidFill>
-                  <a:srgbClr val="0033B3"/>
-                </a:solidFill>
-              </a:rPr>
-              <a:t>return</a:t>
-            </a:r>
-            <a:r>
-              <a:rPr lang="en-US" sz="1400" dirty="0"/>
-              <a:t> </a:t>
-            </a:r>
-            <a:r>
-              <a:rPr lang="en-US" sz="1400" dirty="0">
-                <a:solidFill>
-                  <a:srgbClr val="0033B3"/>
-                </a:solidFill>
-              </a:rPr>
-              <a:t>new</a:t>
-            </a:r>
-            <a:r>
-              <a:rPr lang="en-US" sz="1400" dirty="0"/>
-              <a:t> </a:t>
-            </a:r>
-            <a:r>
-              <a:rPr lang="en-US" sz="1400" dirty="0" err="1">
-                <a:solidFill>
-                  <a:srgbClr val="000000"/>
-                </a:solidFill>
-                <a:effectLst/>
-              </a:rPr>
-              <a:t>ErrorResponse</a:t>
-            </a:r>
-            <a:r>
-              <a:rPr lang="en-US" sz="1400" dirty="0">
-                <a:solidFill>
-                  <a:srgbClr val="000000"/>
-                </a:solidFill>
-                <a:effectLst/>
-              </a:rPr>
-              <a:t> </a:t>
-            </a:r>
-            <a:r>
-              <a:rPr lang="en-US" sz="1400" dirty="0"/>
-              <a:t>("Access denied message here”);</a:t>
-            </a:r>
-          </a:p>
-          <a:p>
-            <a:pPr marL="0" indent="0">
-              <a:buNone/>
-            </a:pPr>
-            <a:r>
-              <a:rPr lang="en-US" sz="1400" dirty="0"/>
-              <a:t>    }</a:t>
-            </a:r>
-          </a:p>
-          <a:p>
-            <a:pPr marL="0" indent="0">
-              <a:buNone/>
-            </a:pPr>
-            <a:r>
-              <a:rPr lang="en-US" sz="1400" dirty="0"/>
+              <a:rPr lang="en-US" sz="1600" dirty="0"/>
               <a:t>}</a:t>
             </a:r>
-            <a:endParaRPr lang="en-IL" sz="1400" dirty="0"/>
+            <a:endParaRPr lang="en-IL" sz="1600" dirty="0"/>
           </a:p>
         </p:txBody>
       </p:sp>
@@ -15329,7 +16078,7 @@
         </p:nvSpPr>
         <p:spPr>
           <a:xfrm rot="10800000" flipV="1">
-            <a:off x="6142390" y="2296851"/>
+            <a:off x="6555547" y="1721096"/>
             <a:ext cx="4303059" cy="1107996"/>
           </a:xfrm>
           <a:prstGeom prst="rect">
@@ -15421,7 +16170,7 @@
         </p:nvSpPr>
         <p:spPr>
           <a:xfrm>
-            <a:off x="5143606" y="3082172"/>
+            <a:off x="5556763" y="2506417"/>
             <a:ext cx="968189" cy="45719"/>
           </a:xfrm>
           <a:prstGeom prst="leftArrow">
@@ -15467,8 +16216,8 @@
         </p:nvSpPr>
         <p:spPr>
           <a:xfrm>
-            <a:off x="7257919" y="4300677"/>
-            <a:ext cx="412376" cy="45719"/>
+            <a:off x="5683623" y="3764840"/>
+            <a:ext cx="2174923" cy="45719"/>
           </a:xfrm>
           <a:prstGeom prst="leftArrow">
             <a:avLst/>
@@ -15513,7 +16262,7 @@
         </p:nvSpPr>
         <p:spPr>
           <a:xfrm rot="10800000" flipV="1">
-            <a:off x="3731664" y="4446436"/>
+            <a:off x="5014785" y="4103395"/>
             <a:ext cx="2823883" cy="261610"/>
           </a:xfrm>
           <a:prstGeom prst="rect">
@@ -15565,7 +16314,7 @@
         </p:nvSpPr>
         <p:spPr>
           <a:xfrm flipV="1">
-            <a:off x="3345060" y="4527545"/>
+            <a:off x="4589065" y="4184504"/>
             <a:ext cx="386603" cy="99392"/>
           </a:xfrm>
           <a:prstGeom prst="leftArrow">
@@ -15599,144 +16348,6 @@
       </p:sp>
       <p:sp>
         <p:nvSpPr>
-          <p:cNvPr id="5" name="TextBox 4">
-            <a:extLst>
-              <a:ext uri="{FF2B5EF4-FFF2-40B4-BE49-F238E27FC236}">
-                <a16:creationId xmlns:a16="http://schemas.microsoft.com/office/drawing/2014/main" id="{297B5E7B-2AC1-87CD-B9A4-D620DB61EA0F}"/>
-              </a:ext>
-            </a:extLst>
-          </p:cNvPr>
-          <p:cNvSpPr txBox="1"/>
-          <p:nvPr/>
-        </p:nvSpPr>
-        <p:spPr>
-          <a:xfrm rot="10800000" flipV="1">
-            <a:off x="7257919" y="5225553"/>
-            <a:ext cx="3231777" cy="430887"/>
-          </a:xfrm>
-          <a:prstGeom prst="rect">
-            <a:avLst/>
-          </a:prstGeom>
-          <a:solidFill>
-            <a:schemeClr val="accent3">
-              <a:lumMod val="20000"/>
-              <a:lumOff val="80000"/>
-            </a:schemeClr>
-          </a:solidFill>
-          <a:ln>
-            <a:solidFill>
-              <a:schemeClr val="accent1"/>
-            </a:solidFill>
-          </a:ln>
-        </p:spPr>
-        <p:txBody>
-          <a:bodyPr wrap="square" rtlCol="0">
-            <a:spAutoFit/>
-          </a:bodyPr>
-          <a:lstStyle/>
-          <a:p>
-            <a:r>
-              <a:rPr lang="en-US" sz="1100" b="0" i="1" u="none" strike="noStrike" dirty="0">
-                <a:solidFill>
-                  <a:srgbClr val="212529"/>
-                </a:solidFill>
-                <a:effectLst/>
-                <a:latin typeface="system-ui"/>
-              </a:rPr>
-              <a:t>The </a:t>
-            </a:r>
-            <a:r>
-              <a:rPr lang="en-US" sz="1100" b="0" i="1" u="none" strike="noStrike" dirty="0" err="1">
-                <a:solidFill>
-                  <a:srgbClr val="212529"/>
-                </a:solidFill>
-                <a:effectLst/>
-                <a:latin typeface="system-ui"/>
-              </a:rPr>
-              <a:t>ErrorResponse</a:t>
-            </a:r>
-            <a:r>
-              <a:rPr lang="en-US" sz="1100" b="0" i="1" u="none" strike="noStrike" dirty="0">
-                <a:solidFill>
-                  <a:srgbClr val="212529"/>
-                </a:solidFill>
-                <a:effectLst/>
-                <a:latin typeface="system-ui"/>
-              </a:rPr>
-              <a:t> object will be serialized to JSON and passed back into the </a:t>
-            </a:r>
-            <a:r>
-              <a:rPr lang="en-US" sz="1100" b="0" i="1" u="none" strike="noStrike" dirty="0" err="1">
-                <a:solidFill>
-                  <a:srgbClr val="212529"/>
-                </a:solidFill>
-                <a:effectLst/>
-                <a:latin typeface="system-ui"/>
-              </a:rPr>
-              <a:t>HttpResponse</a:t>
-            </a:r>
-            <a:r>
-              <a:rPr lang="en-US" sz="1100" b="0" i="1" u="none" strike="noStrike" dirty="0">
-                <a:solidFill>
-                  <a:srgbClr val="212529"/>
-                </a:solidFill>
-                <a:effectLst/>
-                <a:latin typeface="system-ui"/>
-              </a:rPr>
-              <a:t> object</a:t>
-            </a:r>
-            <a:endParaRPr lang="en-IL" sz="1100" i="1" dirty="0"/>
-          </a:p>
-        </p:txBody>
-      </p:sp>
-      <p:sp>
-        <p:nvSpPr>
-          <p:cNvPr id="11" name="Left Arrow 10">
-            <a:extLst>
-              <a:ext uri="{FF2B5EF4-FFF2-40B4-BE49-F238E27FC236}">
-                <a16:creationId xmlns:a16="http://schemas.microsoft.com/office/drawing/2014/main" id="{187B35E2-5B77-5F98-E177-84EEC4BA6AB9}"/>
-              </a:ext>
-            </a:extLst>
-          </p:cNvPr>
-          <p:cNvSpPr/>
-          <p:nvPr/>
-        </p:nvSpPr>
-        <p:spPr>
-          <a:xfrm flipV="1">
-            <a:off x="6845543" y="5395278"/>
-            <a:ext cx="412376" cy="45719"/>
-          </a:xfrm>
-          <a:prstGeom prst="leftArrow">
-            <a:avLst/>
-          </a:prstGeom>
-        </p:spPr>
-        <p:style>
-          <a:lnRef idx="2">
-            <a:schemeClr val="accent1">
-              <a:shade val="50000"/>
-            </a:schemeClr>
-          </a:lnRef>
-          <a:fillRef idx="1">
-            <a:schemeClr val="accent1"/>
-          </a:fillRef>
-          <a:effectRef idx="0">
-            <a:schemeClr val="accent1"/>
-          </a:effectRef>
-          <a:fontRef idx="minor">
-            <a:schemeClr val="lt1"/>
-          </a:fontRef>
-        </p:style>
-        <p:txBody>
-          <a:bodyPr rtlCol="0" anchor="ctr"/>
-          <a:lstStyle/>
-          <a:p>
-            <a:pPr algn="ctr"/>
-            <a:endParaRPr lang="en-IL"/>
-          </a:p>
-        </p:txBody>
-      </p:sp>
-      <p:sp>
-        <p:nvSpPr>
           <p:cNvPr id="7" name="TextBox 6">
             <a:extLst>
               <a:ext uri="{FF2B5EF4-FFF2-40B4-BE49-F238E27FC236}">
@@ -15749,7 +16360,7 @@
         </p:nvSpPr>
         <p:spPr>
           <a:xfrm rot="10800000" flipV="1">
-            <a:off x="7649825" y="4043707"/>
+            <a:off x="7858547" y="3512021"/>
             <a:ext cx="3397623" cy="600164"/>
           </a:xfrm>
           <a:prstGeom prst="rect">
@@ -15967,6 +16578,153 @@
           <p:cNvPr id="2" name="Title 1">
             <a:extLst>
               <a:ext uri="{FF2B5EF4-FFF2-40B4-BE49-F238E27FC236}">
+                <a16:creationId xmlns:a16="http://schemas.microsoft.com/office/drawing/2014/main" id="{93FA93EC-5291-75D1-4BDB-C87F54FC1F33}"/>
+              </a:ext>
+            </a:extLst>
+          </p:cNvPr>
+          <p:cNvSpPr>
+            <a:spLocks noGrp="1"/>
+          </p:cNvSpPr>
+          <p:nvPr>
+            <p:ph type="title"/>
+          </p:nvPr>
+        </p:nvSpPr>
+        <p:spPr/>
+        <p:txBody>
+          <a:bodyPr/>
+          <a:lstStyle/>
+          <a:p>
+            <a:r>
+              <a:rPr lang="en-US" dirty="0"/>
+              <a:t>Hands On – Calculator – error handling</a:t>
+            </a:r>
+            <a:endParaRPr lang="en-IL" dirty="0"/>
+          </a:p>
+        </p:txBody>
+      </p:sp>
+      <p:sp>
+        <p:nvSpPr>
+          <p:cNvPr id="3" name="Content Placeholder 2">
+            <a:extLst>
+              <a:ext uri="{FF2B5EF4-FFF2-40B4-BE49-F238E27FC236}">
+                <a16:creationId xmlns:a16="http://schemas.microsoft.com/office/drawing/2014/main" id="{42ED6C63-DB01-31C6-0934-10DE49AA6BFB}"/>
+              </a:ext>
+            </a:extLst>
+          </p:cNvPr>
+          <p:cNvSpPr>
+            <a:spLocks noGrp="1"/>
+          </p:cNvSpPr>
+          <p:nvPr>
+            <p:ph idx="1"/>
+          </p:nvPr>
+        </p:nvSpPr>
+        <p:spPr/>
+        <p:txBody>
+          <a:bodyPr/>
+          <a:lstStyle/>
+          <a:p>
+            <a:pPr marL="0" indent="0">
+              <a:buNone/>
+            </a:pPr>
+            <a:r>
+              <a:rPr lang="en-IL" sz="2800" dirty="0"/>
+              <a:t>Add error handling to the</a:t>
+            </a:r>
+            <a:r>
+              <a:rPr lang="en-US" sz="2800" dirty="0"/>
+              <a:t> Calculator service:</a:t>
+            </a:r>
+          </a:p>
+          <a:p>
+            <a:r>
+              <a:rPr lang="en-US" sz="2800" dirty="0"/>
+              <a:t>Return the message “</a:t>
+            </a:r>
+            <a:r>
+              <a:rPr lang="en-US" sz="1800" dirty="0">
+                <a:solidFill>
+                  <a:srgbClr val="067D17"/>
+                </a:solidFill>
+                <a:effectLst/>
+                <a:latin typeface="JetBrains Mono"/>
+              </a:rPr>
+              <a:t>"Illegal number format exception”</a:t>
+            </a:r>
+            <a:r>
+              <a:rPr lang="en-US" dirty="0">
+                <a:solidFill>
+                  <a:srgbClr val="080808"/>
+                </a:solidFill>
+                <a:latin typeface="JetBrains Mono"/>
+              </a:rPr>
+              <a:t> </a:t>
+            </a:r>
+            <a:r>
+              <a:rPr lang="en-US" sz="2800" dirty="0"/>
+              <a:t>in the case invalid numeric value has been sent.</a:t>
+            </a:r>
+          </a:p>
+          <a:p>
+            <a:r>
+              <a:rPr lang="en-US" sz="2800" dirty="0"/>
+              <a:t>Return the message </a:t>
+            </a:r>
+            <a:r>
+              <a:rPr lang="en-US" sz="1800" dirty="0">
+                <a:solidFill>
+                  <a:srgbClr val="067D17"/>
+                </a:solidFill>
+                <a:effectLst/>
+                <a:latin typeface="JetBrains Mono"/>
+              </a:rPr>
+              <a:t>"Illegal Access!"</a:t>
+            </a:r>
+            <a:r>
+              <a:rPr lang="en-US" sz="2800" dirty="0"/>
+              <a:t> in the case not supported numeral system has been sent.</a:t>
+            </a:r>
+            <a:endParaRPr lang="en-IL" sz="2400" dirty="0"/>
+          </a:p>
+          <a:p>
+            <a:endParaRPr lang="en-IL" dirty="0"/>
+          </a:p>
+        </p:txBody>
+      </p:sp>
+    </p:spTree>
+    <p:extLst>
+      <p:ext uri="{BB962C8B-B14F-4D97-AF65-F5344CB8AC3E}">
+        <p14:creationId xmlns:p14="http://schemas.microsoft.com/office/powerpoint/2010/main" val="4142345119"/>
+      </p:ext>
+    </p:extLst>
+  </p:cSld>
+  <p:clrMapOvr>
+    <a:masterClrMapping/>
+  </p:clrMapOvr>
+</p:sld>
+</file>
+
+<file path=ppt/slides/slide28.xml><?xml version="1.0" encoding="utf-8"?>
+<p:sld xmlns:a="http://schemas.openxmlformats.org/drawingml/2006/main" xmlns:r="http://schemas.openxmlformats.org/officeDocument/2006/relationships" xmlns:p="http://schemas.openxmlformats.org/presentationml/2006/main">
+  <p:cSld>
+    <p:spTree>
+      <p:nvGrpSpPr>
+        <p:cNvPr id="1" name=""/>
+        <p:cNvGrpSpPr/>
+        <p:nvPr/>
+      </p:nvGrpSpPr>
+      <p:grpSpPr>
+        <a:xfrm>
+          <a:off x="0" y="0"/>
+          <a:ext cx="0" cy="0"/>
+          <a:chOff x="0" y="0"/>
+          <a:chExt cx="0" cy="0"/>
+        </a:xfrm>
+      </p:grpSpPr>
+      <p:sp>
+        <p:nvSpPr>
+          <p:cNvPr id="2" name="Title 1">
+            <a:extLst>
+              <a:ext uri="{FF2B5EF4-FFF2-40B4-BE49-F238E27FC236}">
                 <a16:creationId xmlns:a16="http://schemas.microsoft.com/office/drawing/2014/main" id="{5B584C35-055C-A152-4C19-AF6EC23814D9}"/>
               </a:ext>
             </a:extLst>
@@ -16098,7 +16856,7 @@
 </p:sld>
 </file>
 
-<file path=ppt/slides/slide28.xml><?xml version="1.0" encoding="utf-8"?>
+<file path=ppt/slides/slide29.xml><?xml version="1.0" encoding="utf-8"?>
 <p:sld xmlns:a="http://schemas.openxmlformats.org/drawingml/2006/main" xmlns:r="http://schemas.openxmlformats.org/officeDocument/2006/relationships" xmlns:p="http://schemas.openxmlformats.org/presentationml/2006/main">
   <p:cSld>
     <p:spTree>
@@ -16691,170 +17449,6 @@
 </p:sld>
 </file>
 
-<file path=ppt/slides/slide29.xml><?xml version="1.0" encoding="utf-8"?>
-<p:sld xmlns:a="http://schemas.openxmlformats.org/drawingml/2006/main" xmlns:r="http://schemas.openxmlformats.org/officeDocument/2006/relationships" xmlns:p="http://schemas.openxmlformats.org/presentationml/2006/main">
-  <p:cSld>
-    <p:spTree>
-      <p:nvGrpSpPr>
-        <p:cNvPr id="1" name=""/>
-        <p:cNvGrpSpPr/>
-        <p:nvPr/>
-      </p:nvGrpSpPr>
-      <p:grpSpPr>
-        <a:xfrm>
-          <a:off x="0" y="0"/>
-          <a:ext cx="0" cy="0"/>
-          <a:chOff x="0" y="0"/>
-          <a:chExt cx="0" cy="0"/>
-        </a:xfrm>
-      </p:grpSpPr>
-      <p:sp>
-        <p:nvSpPr>
-          <p:cNvPr id="2" name="Title 1">
-            <a:extLst>
-              <a:ext uri="{FF2B5EF4-FFF2-40B4-BE49-F238E27FC236}">
-                <a16:creationId xmlns:a16="http://schemas.microsoft.com/office/drawing/2014/main" id="{1087CE08-EA66-DD65-35D7-4AF271B1B669}"/>
-              </a:ext>
-            </a:extLst>
-          </p:cNvPr>
-          <p:cNvSpPr>
-            <a:spLocks noGrp="1"/>
-          </p:cNvSpPr>
-          <p:nvPr>
-            <p:ph type="title"/>
-          </p:nvPr>
-        </p:nvSpPr>
-        <p:spPr/>
-        <p:txBody>
-          <a:bodyPr/>
-          <a:lstStyle/>
-          <a:p>
-            <a:r>
-              <a:rPr lang="en-IL" dirty="0"/>
-              <a:t>Configuration in Spring Boot applications</a:t>
-            </a:r>
-          </a:p>
-        </p:txBody>
-      </p:sp>
-      <p:sp>
-        <p:nvSpPr>
-          <p:cNvPr id="3" name="Content Placeholder 2">
-            <a:extLst>
-              <a:ext uri="{FF2B5EF4-FFF2-40B4-BE49-F238E27FC236}">
-                <a16:creationId xmlns:a16="http://schemas.microsoft.com/office/drawing/2014/main" id="{A5250B5C-215A-A41D-87D4-DB0279D55A96}"/>
-              </a:ext>
-            </a:extLst>
-          </p:cNvPr>
-          <p:cNvSpPr>
-            <a:spLocks noGrp="1"/>
-          </p:cNvSpPr>
-          <p:nvPr>
-            <p:ph idx="1"/>
-          </p:nvPr>
-        </p:nvSpPr>
-        <p:spPr/>
-        <p:txBody>
-          <a:bodyPr>
-            <a:normAutofit/>
-          </a:bodyPr>
-          <a:lstStyle/>
-          <a:p>
-            <a:r>
-              <a:rPr lang="en-IL" sz="2400" dirty="0"/>
-              <a:t>Spring Boot loads the properties in a very particular order: </a:t>
-            </a:r>
-            <a:r>
-              <a:rPr lang="en-US" sz="2400" dirty="0"/>
-              <a:t>see </a:t>
-            </a:r>
-            <a:r>
-              <a:rPr lang="en-US" sz="2400" dirty="0">
-                <a:hlinkClick r:id="rId2"/>
-              </a:rPr>
-              <a:t>https://docs.spring.io/spring-boot/docs/2.1.13.RELEASE/reference/html/boot-features-external-config.html</a:t>
-            </a:r>
-            <a:endParaRPr lang="en-IL" sz="2400" dirty="0"/>
-          </a:p>
-          <a:p>
-            <a:pPr marL="342900" indent="-342900" algn="l" defTabSz="457200" rtl="0" eaLnBrk="1" latinLnBrk="0" hangingPunct="1">
-              <a:spcBef>
-                <a:spcPts val="1000"/>
-              </a:spcBef>
-              <a:spcAft>
-                <a:spcPts val="0"/>
-              </a:spcAft>
-              <a:buClr>
-                <a:schemeClr val="accent1"/>
-              </a:buClr>
-              <a:buSzPct val="80000"/>
-              <a:buFont typeface="Wingdings 3" charset="2"/>
-              <a:buChar char=""/>
-            </a:pPr>
-            <a:r>
-              <a:rPr lang="en-US" sz="2400" dirty="0"/>
-              <a:t>Property values can be injected directly into the application’s beans using the </a:t>
-            </a:r>
-            <a:r>
-              <a:rPr lang="en-US" sz="2400" dirty="0">
-                <a:solidFill>
-                  <a:srgbClr val="0070C0"/>
-                </a:solidFill>
-              </a:rPr>
-              <a:t>@Value </a:t>
-            </a:r>
-            <a:r>
-              <a:rPr lang="en-US" sz="2400" dirty="0"/>
-              <a:t>annotation, accessed through Spring’s </a:t>
-            </a:r>
-            <a:r>
-              <a:rPr lang="en-US" sz="2400" dirty="0">
-                <a:solidFill>
-                  <a:srgbClr val="0070C0"/>
-                </a:solidFill>
-              </a:rPr>
-              <a:t>Environment</a:t>
-            </a:r>
-            <a:r>
-              <a:rPr lang="en-US" sz="2400" dirty="0"/>
-              <a:t> abstraction, or bound to structured objects through </a:t>
-            </a:r>
-            <a:r>
-              <a:rPr lang="en-US" sz="2400" dirty="0">
-                <a:solidFill>
-                  <a:srgbClr val="0070C0"/>
-                </a:solidFill>
-              </a:rPr>
-              <a:t>@</a:t>
-            </a:r>
-            <a:r>
-              <a:rPr lang="en-US" sz="2400" dirty="0" err="1">
-                <a:solidFill>
-                  <a:srgbClr val="0070C0"/>
-                </a:solidFill>
-              </a:rPr>
-              <a:t>ConfigurationProperties</a:t>
-            </a:r>
-            <a:r>
-              <a:rPr lang="en-US" sz="2400" dirty="0"/>
-              <a:t>.</a:t>
-            </a:r>
-            <a:endParaRPr lang="en-IL" sz="2400" dirty="0"/>
-          </a:p>
-        </p:txBody>
-      </p:sp>
-    </p:spTree>
-    <p:extLst>
-      <p:ext uri="{BB962C8B-B14F-4D97-AF65-F5344CB8AC3E}">
-        <p14:creationId xmlns:p14="http://schemas.microsoft.com/office/powerpoint/2010/main" val="2446164885"/>
-      </p:ext>
-    </p:extLst>
-  </p:cSld>
-  <p:clrMapOvr>
-    <a:masterClrMapping/>
-  </p:clrMapOvr>
-</p:sld>
-</file>
-
 <file path=ppt/slides/slide3.xml><?xml version="1.0" encoding="utf-8"?>
 <p:sld xmlns:a="http://schemas.openxmlformats.org/drawingml/2006/main" xmlns:r="http://schemas.openxmlformats.org/officeDocument/2006/relationships" xmlns:p="http://schemas.openxmlformats.org/presentationml/2006/main">
   <p:cSld>
@@ -17009,6 +17603,170 @@
 </file>
 
 <file path=ppt/slides/slide30.xml><?xml version="1.0" encoding="utf-8"?>
+<p:sld xmlns:a="http://schemas.openxmlformats.org/drawingml/2006/main" xmlns:r="http://schemas.openxmlformats.org/officeDocument/2006/relationships" xmlns:p="http://schemas.openxmlformats.org/presentationml/2006/main">
+  <p:cSld>
+    <p:spTree>
+      <p:nvGrpSpPr>
+        <p:cNvPr id="1" name=""/>
+        <p:cNvGrpSpPr/>
+        <p:nvPr/>
+      </p:nvGrpSpPr>
+      <p:grpSpPr>
+        <a:xfrm>
+          <a:off x="0" y="0"/>
+          <a:ext cx="0" cy="0"/>
+          <a:chOff x="0" y="0"/>
+          <a:chExt cx="0" cy="0"/>
+        </a:xfrm>
+      </p:grpSpPr>
+      <p:sp>
+        <p:nvSpPr>
+          <p:cNvPr id="2" name="Title 1">
+            <a:extLst>
+              <a:ext uri="{FF2B5EF4-FFF2-40B4-BE49-F238E27FC236}">
+                <a16:creationId xmlns:a16="http://schemas.microsoft.com/office/drawing/2014/main" id="{1087CE08-EA66-DD65-35D7-4AF271B1B669}"/>
+              </a:ext>
+            </a:extLst>
+          </p:cNvPr>
+          <p:cNvSpPr>
+            <a:spLocks noGrp="1"/>
+          </p:cNvSpPr>
+          <p:nvPr>
+            <p:ph type="title"/>
+          </p:nvPr>
+        </p:nvSpPr>
+        <p:spPr/>
+        <p:txBody>
+          <a:bodyPr/>
+          <a:lstStyle/>
+          <a:p>
+            <a:r>
+              <a:rPr lang="en-IL" dirty="0"/>
+              <a:t>Configuration in Spring Boot applications</a:t>
+            </a:r>
+          </a:p>
+        </p:txBody>
+      </p:sp>
+      <p:sp>
+        <p:nvSpPr>
+          <p:cNvPr id="3" name="Content Placeholder 2">
+            <a:extLst>
+              <a:ext uri="{FF2B5EF4-FFF2-40B4-BE49-F238E27FC236}">
+                <a16:creationId xmlns:a16="http://schemas.microsoft.com/office/drawing/2014/main" id="{A5250B5C-215A-A41D-87D4-DB0279D55A96}"/>
+              </a:ext>
+            </a:extLst>
+          </p:cNvPr>
+          <p:cNvSpPr>
+            <a:spLocks noGrp="1"/>
+          </p:cNvSpPr>
+          <p:nvPr>
+            <p:ph idx="1"/>
+          </p:nvPr>
+        </p:nvSpPr>
+        <p:spPr/>
+        <p:txBody>
+          <a:bodyPr>
+            <a:normAutofit/>
+          </a:bodyPr>
+          <a:lstStyle/>
+          <a:p>
+            <a:r>
+              <a:rPr lang="en-IL" sz="2400" dirty="0"/>
+              <a:t>Spring Boot loads the properties in a very particular order: </a:t>
+            </a:r>
+            <a:r>
+              <a:rPr lang="en-US" sz="2400" dirty="0"/>
+              <a:t>see </a:t>
+            </a:r>
+            <a:r>
+              <a:rPr lang="en-US" sz="2400" dirty="0">
+                <a:hlinkClick r:id="rId2"/>
+              </a:rPr>
+              <a:t>https://docs.spring.io/spring-boot/docs/2.1.13.RELEASE/reference/html/boot-features-external-config.html</a:t>
+            </a:r>
+            <a:endParaRPr lang="en-IL" sz="2400" dirty="0"/>
+          </a:p>
+          <a:p>
+            <a:pPr marL="342900" indent="-342900" algn="l" defTabSz="457200" rtl="0" eaLnBrk="1" latinLnBrk="0" hangingPunct="1">
+              <a:spcBef>
+                <a:spcPts val="1000"/>
+              </a:spcBef>
+              <a:spcAft>
+                <a:spcPts val="0"/>
+              </a:spcAft>
+              <a:buClr>
+                <a:schemeClr val="accent1"/>
+              </a:buClr>
+              <a:buSzPct val="80000"/>
+              <a:buFont typeface="Wingdings 3" charset="2"/>
+              <a:buChar char=""/>
+            </a:pPr>
+            <a:r>
+              <a:rPr lang="en-US" sz="2400" dirty="0"/>
+              <a:t>Property values can be injected directly into the application’s beans using the </a:t>
+            </a:r>
+            <a:r>
+              <a:rPr lang="en-US" sz="2400" dirty="0">
+                <a:solidFill>
+                  <a:srgbClr val="0070C0"/>
+                </a:solidFill>
+              </a:rPr>
+              <a:t>@Value </a:t>
+            </a:r>
+            <a:r>
+              <a:rPr lang="en-US" sz="2400" dirty="0"/>
+              <a:t>annotation, accessed through Spring’s </a:t>
+            </a:r>
+            <a:r>
+              <a:rPr lang="en-US" sz="2400" dirty="0">
+                <a:solidFill>
+                  <a:srgbClr val="0070C0"/>
+                </a:solidFill>
+              </a:rPr>
+              <a:t>Environment</a:t>
+            </a:r>
+            <a:r>
+              <a:rPr lang="en-US" sz="2400" dirty="0"/>
+              <a:t> abstraction, or bound to structured objects through </a:t>
+            </a:r>
+            <a:r>
+              <a:rPr lang="en-US" sz="2400" dirty="0">
+                <a:solidFill>
+                  <a:srgbClr val="0070C0"/>
+                </a:solidFill>
+              </a:rPr>
+              <a:t>@</a:t>
+            </a:r>
+            <a:r>
+              <a:rPr lang="en-US" sz="2400" dirty="0" err="1">
+                <a:solidFill>
+                  <a:srgbClr val="0070C0"/>
+                </a:solidFill>
+              </a:rPr>
+              <a:t>ConfigurationProperties</a:t>
+            </a:r>
+            <a:r>
+              <a:rPr lang="en-US" sz="2400" dirty="0"/>
+              <a:t>.</a:t>
+            </a:r>
+            <a:endParaRPr lang="en-IL" sz="2400" dirty="0"/>
+          </a:p>
+        </p:txBody>
+      </p:sp>
+    </p:spTree>
+    <p:extLst>
+      <p:ext uri="{BB962C8B-B14F-4D97-AF65-F5344CB8AC3E}">
+        <p14:creationId xmlns:p14="http://schemas.microsoft.com/office/powerpoint/2010/main" val="2446164885"/>
+      </p:ext>
+    </p:extLst>
+  </p:cSld>
+  <p:clrMapOvr>
+    <a:masterClrMapping/>
+  </p:clrMapOvr>
+</p:sld>
+</file>
+
+<file path=ppt/slides/slide31.xml><?xml version="1.0" encoding="utf-8"?>
 <p:sld xmlns:a="http://schemas.openxmlformats.org/drawingml/2006/main" xmlns:r="http://schemas.openxmlformats.org/officeDocument/2006/relationships" xmlns:p="http://schemas.openxmlformats.org/presentationml/2006/main">
   <p:cSld>
     <p:spTree>
@@ -17825,7 +18583,7 @@
 </p:sld>
 </file>
 
-<file path=ppt/slides/slide31.xml><?xml version="1.0" encoding="utf-8"?>
+<file path=ppt/slides/slide32.xml><?xml version="1.0" encoding="utf-8"?>
 <p:sld xmlns:a="http://schemas.openxmlformats.org/drawingml/2006/main" xmlns:r="http://schemas.openxmlformats.org/officeDocument/2006/relationships" xmlns:p="http://schemas.openxmlformats.org/presentationml/2006/main">
   <p:cSld>
     <p:spTree>
@@ -18528,7 +19286,7 @@
 </p:sld>
 </file>
 
-<file path=ppt/slides/slide32.xml><?xml version="1.0" encoding="utf-8"?>
+<file path=ppt/slides/slide33.xml><?xml version="1.0" encoding="utf-8"?>
 <p:sld xmlns:a="http://schemas.openxmlformats.org/drawingml/2006/main" xmlns:r="http://schemas.openxmlformats.org/officeDocument/2006/relationships" xmlns:p="http://schemas.openxmlformats.org/presentationml/2006/main">
   <p:cSld>
     <p:spTree>
@@ -18988,7 +19746,7 @@
 </p:sld>
 </file>
 
-<file path=ppt/slides/slide33.xml><?xml version="1.0" encoding="utf-8"?>
+<file path=ppt/slides/slide34.xml><?xml version="1.0" encoding="utf-8"?>
 <p:sld xmlns:a="http://schemas.openxmlformats.org/drawingml/2006/main" xmlns:r="http://schemas.openxmlformats.org/officeDocument/2006/relationships" xmlns:p="http://schemas.openxmlformats.org/presentationml/2006/main">
   <p:cSld>
     <p:spTree>
@@ -20214,7 +20972,7 @@
 </p:sld>
 </file>
 
-<file path=ppt/slides/slide34.xml><?xml version="1.0" encoding="utf-8"?>
+<file path=ppt/slides/slide35.xml><?xml version="1.0" encoding="utf-8"?>
 <p:sld xmlns:a="http://schemas.openxmlformats.org/drawingml/2006/main" xmlns:r="http://schemas.openxmlformats.org/officeDocument/2006/relationships" xmlns:p="http://schemas.openxmlformats.org/presentationml/2006/main">
   <p:cSld>
     <p:spTree>
@@ -20758,7 +21516,7 @@
 </p:sld>
 </file>
 
-<file path=ppt/slides/slide35.xml><?xml version="1.0" encoding="utf-8"?>
+<file path=ppt/slides/slide36.xml><?xml version="1.0" encoding="utf-8"?>
 <p:sld xmlns:a="http://schemas.openxmlformats.org/drawingml/2006/main" xmlns:r="http://schemas.openxmlformats.org/officeDocument/2006/relationships" xmlns:p="http://schemas.openxmlformats.org/presentationml/2006/main">
   <p:cSld>
     <p:spTree>
@@ -21607,7 +22365,7 @@
 </p:sld>
 </file>
 
-<file path=ppt/slides/slide36.xml><?xml version="1.0" encoding="utf-8"?>
+<file path=ppt/slides/slide37.xml><?xml version="1.0" encoding="utf-8"?>
 <p:sld xmlns:a="http://schemas.openxmlformats.org/drawingml/2006/main" xmlns:r="http://schemas.openxmlformats.org/officeDocument/2006/relationships" xmlns:p="http://schemas.openxmlformats.org/presentationml/2006/main">
   <p:cSld>
     <p:spTree>
@@ -22082,7 +22840,7 @@
 </p:sld>
 </file>
 
-<file path=ppt/slides/slide37.xml><?xml version="1.0" encoding="utf-8"?>
+<file path=ppt/slides/slide38.xml><?xml version="1.0" encoding="utf-8"?>
 <p:sld xmlns:a="http://schemas.openxmlformats.org/drawingml/2006/main" xmlns:r="http://schemas.openxmlformats.org/officeDocument/2006/relationships" xmlns:p="http://schemas.openxmlformats.org/presentationml/2006/main">
   <p:cSld>
     <p:spTree>
@@ -22328,7 +23086,7 @@
 </p:sld>
 </file>
 
-<file path=ppt/slides/slide38.xml><?xml version="1.0" encoding="utf-8"?>
+<file path=ppt/slides/slide39.xml><?xml version="1.0" encoding="utf-8"?>
 <p:sld xmlns:a="http://schemas.openxmlformats.org/drawingml/2006/main" xmlns:r="http://schemas.openxmlformats.org/officeDocument/2006/relationships" xmlns:p="http://schemas.openxmlformats.org/presentationml/2006/main">
   <p:cSld>
     <p:spTree>
@@ -23047,1065 +23805,6 @@
     <p:extLst>
       <p:ext uri="{BB962C8B-B14F-4D97-AF65-F5344CB8AC3E}">
         <p14:creationId xmlns:p14="http://schemas.microsoft.com/office/powerpoint/2010/main" val="2591518627"/>
-      </p:ext>
-    </p:extLst>
-  </p:cSld>
-  <p:clrMapOvr>
-    <a:masterClrMapping/>
-  </p:clrMapOvr>
-</p:sld>
-</file>
-
-<file path=ppt/slides/slide39.xml><?xml version="1.0" encoding="utf-8"?>
-<p:sld xmlns:a="http://schemas.openxmlformats.org/drawingml/2006/main" xmlns:r="http://schemas.openxmlformats.org/officeDocument/2006/relationships" xmlns:p="http://schemas.openxmlformats.org/presentationml/2006/main">
-  <p:cSld>
-    <p:spTree>
-      <p:nvGrpSpPr>
-        <p:cNvPr id="1" name=""/>
-        <p:cNvGrpSpPr/>
-        <p:nvPr/>
-      </p:nvGrpSpPr>
-      <p:grpSpPr>
-        <a:xfrm>
-          <a:off x="0" y="0"/>
-          <a:ext cx="0" cy="0"/>
-          <a:chOff x="0" y="0"/>
-          <a:chExt cx="0" cy="0"/>
-        </a:xfrm>
-      </p:grpSpPr>
-      <p:sp>
-        <p:nvSpPr>
-          <p:cNvPr id="2" name="Title 1">
-            <a:extLst>
-              <a:ext uri="{FF2B5EF4-FFF2-40B4-BE49-F238E27FC236}">
-                <a16:creationId xmlns:a16="http://schemas.microsoft.com/office/drawing/2014/main" id="{F659D089-CCC2-DFF3-B375-5A1C3BFA6E42}"/>
-              </a:ext>
-            </a:extLst>
-          </p:cNvPr>
-          <p:cNvSpPr>
-            <a:spLocks noGrp="1"/>
-          </p:cNvSpPr>
-          <p:nvPr>
-            <p:ph type="title"/>
-          </p:nvPr>
-        </p:nvSpPr>
-        <p:spPr/>
-        <p:txBody>
-          <a:bodyPr/>
-          <a:lstStyle/>
-          <a:p>
-            <a:r>
-              <a:rPr lang="en-IL" dirty="0"/>
-              <a:t>@RestController validation: validate request body</a:t>
-            </a:r>
-          </a:p>
-        </p:txBody>
-      </p:sp>
-      <p:sp>
-        <p:nvSpPr>
-          <p:cNvPr id="3" name="Content Placeholder 2">
-            <a:extLst>
-              <a:ext uri="{FF2B5EF4-FFF2-40B4-BE49-F238E27FC236}">
-                <a16:creationId xmlns:a16="http://schemas.microsoft.com/office/drawing/2014/main" id="{D343A721-3159-BCFC-A8CD-F99B5077804F}"/>
-              </a:ext>
-            </a:extLst>
-          </p:cNvPr>
-          <p:cNvSpPr>
-            <a:spLocks noGrp="1"/>
-          </p:cNvSpPr>
-          <p:nvPr>
-            <p:ph sz="half" idx="1"/>
-          </p:nvPr>
-        </p:nvSpPr>
-        <p:spPr>
-          <a:xfrm>
-            <a:off x="677334" y="2160589"/>
-            <a:ext cx="3607795" cy="2767012"/>
-          </a:xfrm>
-          <a:solidFill>
-            <a:schemeClr val="tx2">
-              <a:lumMod val="20000"/>
-              <a:lumOff val="80000"/>
-            </a:schemeClr>
-          </a:solidFill>
-          <a:ln>
-            <a:solidFill>
-              <a:schemeClr val="accent1">
-                <a:lumMod val="50000"/>
-              </a:schemeClr>
-            </a:solidFill>
-          </a:ln>
-        </p:spPr>
-        <p:txBody>
-          <a:bodyPr>
-            <a:normAutofit fontScale="85000" lnSpcReduction="20000"/>
-          </a:bodyPr>
-          <a:lstStyle/>
-          <a:p>
-            <a:pPr marL="0" indent="0">
-              <a:buNone/>
-            </a:pPr>
-            <a:r>
-              <a:rPr lang="en-US" dirty="0">
-                <a:solidFill>
-                  <a:srgbClr val="0033B3"/>
-                </a:solidFill>
-                <a:effectLst/>
-              </a:rPr>
-              <a:t>import </a:t>
-            </a:r>
-            <a:r>
-              <a:rPr lang="en-US" b="1" dirty="0" err="1">
-                <a:solidFill>
-                  <a:srgbClr val="000000"/>
-                </a:solidFill>
-                <a:effectLst/>
-              </a:rPr>
-              <a:t>javax.validation.constraints</a:t>
-            </a:r>
-            <a:r>
-              <a:rPr lang="en-US" dirty="0" err="1">
-                <a:solidFill>
-                  <a:srgbClr val="000000"/>
-                </a:solidFill>
-                <a:effectLst/>
-              </a:rPr>
-              <a:t>.</a:t>
-            </a:r>
-            <a:r>
-              <a:rPr lang="en-US" dirty="0" err="1">
-                <a:solidFill>
-                  <a:srgbClr val="9E880D"/>
-                </a:solidFill>
-                <a:effectLst/>
-              </a:rPr>
-              <a:t>Max</a:t>
-            </a:r>
-            <a:r>
-              <a:rPr lang="en-US" dirty="0"/>
-              <a:t>;</a:t>
-            </a:r>
-            <a:br>
-              <a:rPr lang="en-US" dirty="0"/>
-            </a:br>
-            <a:r>
-              <a:rPr lang="en-US" dirty="0">
-                <a:solidFill>
-                  <a:srgbClr val="0033B3"/>
-                </a:solidFill>
-                <a:effectLst/>
-              </a:rPr>
-              <a:t>import </a:t>
-            </a:r>
-            <a:r>
-              <a:rPr lang="en-US" b="1" dirty="0" err="1">
-                <a:solidFill>
-                  <a:srgbClr val="000000"/>
-                </a:solidFill>
-                <a:effectLst/>
-              </a:rPr>
-              <a:t>javax.validation.constraints</a:t>
-            </a:r>
-            <a:r>
-              <a:rPr lang="en-US" dirty="0" err="1">
-                <a:solidFill>
-                  <a:srgbClr val="000000"/>
-                </a:solidFill>
-                <a:effectLst/>
-              </a:rPr>
-              <a:t>.</a:t>
-            </a:r>
-            <a:r>
-              <a:rPr lang="en-US" dirty="0" err="1">
-                <a:solidFill>
-                  <a:srgbClr val="9E880D"/>
-                </a:solidFill>
-                <a:effectLst/>
-              </a:rPr>
-              <a:t>Positive</a:t>
-            </a:r>
-            <a:r>
-              <a:rPr lang="en-US" dirty="0"/>
-              <a:t>;</a:t>
-            </a:r>
-            <a:br>
-              <a:rPr lang="en-US" dirty="0"/>
-            </a:br>
-            <a:endParaRPr lang="en-US" dirty="0">
-              <a:solidFill>
-                <a:srgbClr val="0033B3"/>
-              </a:solidFill>
-              <a:effectLst/>
-            </a:endParaRPr>
-          </a:p>
-          <a:p>
-            <a:pPr marL="0" indent="0">
-              <a:buNone/>
-            </a:pPr>
-            <a:r>
-              <a:rPr lang="en-US" dirty="0">
-                <a:solidFill>
-                  <a:srgbClr val="0033B3"/>
-                </a:solidFill>
-                <a:effectLst/>
-              </a:rPr>
-              <a:t>public class </a:t>
-            </a:r>
-            <a:r>
-              <a:rPr lang="en-US" dirty="0" err="1">
-                <a:solidFill>
-                  <a:srgbClr val="000000"/>
-                </a:solidFill>
-                <a:effectLst/>
-              </a:rPr>
-              <a:t>CalculateRequest</a:t>
-            </a:r>
-            <a:r>
-              <a:rPr lang="en-US" dirty="0">
-                <a:solidFill>
-                  <a:srgbClr val="000000"/>
-                </a:solidFill>
-                <a:effectLst/>
-              </a:rPr>
-              <a:t> </a:t>
-            </a:r>
-            <a:r>
-              <a:rPr lang="en-US" dirty="0"/>
-              <a:t>{</a:t>
-            </a:r>
-            <a:br>
-              <a:rPr lang="en-US" dirty="0"/>
-            </a:br>
-            <a:r>
-              <a:rPr lang="en-US" dirty="0"/>
-              <a:t>    </a:t>
-            </a:r>
-            <a:r>
-              <a:rPr lang="en-US" b="1" dirty="0">
-                <a:solidFill>
-                  <a:srgbClr val="9E880D"/>
-                </a:solidFill>
-                <a:effectLst/>
-              </a:rPr>
-              <a:t>@Positive</a:t>
-            </a:r>
-            <a:br>
-              <a:rPr lang="en-US" dirty="0">
-                <a:solidFill>
-                  <a:srgbClr val="9E880D"/>
-                </a:solidFill>
-                <a:effectLst/>
-              </a:rPr>
-            </a:br>
-            <a:r>
-              <a:rPr lang="en-US" dirty="0">
-                <a:solidFill>
-                  <a:srgbClr val="9E880D"/>
-                </a:solidFill>
-                <a:effectLst/>
-              </a:rPr>
-              <a:t>    </a:t>
-            </a:r>
-            <a:r>
-              <a:rPr lang="en-US" b="1" dirty="0">
-                <a:solidFill>
-                  <a:srgbClr val="9E880D"/>
-                </a:solidFill>
-                <a:effectLst/>
-              </a:rPr>
-              <a:t>@Max</a:t>
-            </a:r>
-            <a:r>
-              <a:rPr lang="en-US" dirty="0"/>
-              <a:t>(</a:t>
-            </a:r>
-            <a:r>
-              <a:rPr lang="en-US" dirty="0">
-                <a:solidFill>
-                  <a:srgbClr val="1750EB"/>
-                </a:solidFill>
-                <a:effectLst/>
-              </a:rPr>
-              <a:t>100</a:t>
-            </a:r>
-            <a:r>
-              <a:rPr lang="en-US" dirty="0"/>
-              <a:t>)</a:t>
-            </a:r>
-            <a:br>
-              <a:rPr lang="en-US" dirty="0"/>
-            </a:br>
-            <a:r>
-              <a:rPr lang="en-US" dirty="0"/>
-              <a:t>    </a:t>
-            </a:r>
-            <a:r>
-              <a:rPr lang="en-US" dirty="0">
-                <a:solidFill>
-                  <a:srgbClr val="0033B3"/>
-                </a:solidFill>
-                <a:effectLst/>
-              </a:rPr>
-              <a:t>public int </a:t>
-            </a:r>
-            <a:r>
-              <a:rPr lang="en-US" dirty="0">
-                <a:solidFill>
-                  <a:srgbClr val="871094"/>
-                </a:solidFill>
-                <a:effectLst/>
-              </a:rPr>
-              <a:t>num1</a:t>
-            </a:r>
-            <a:r>
-              <a:rPr lang="en-US" dirty="0"/>
-              <a:t>;</a:t>
-            </a:r>
-            <a:br>
-              <a:rPr lang="en-US" dirty="0"/>
-            </a:br>
-            <a:r>
-              <a:rPr lang="en-US" dirty="0"/>
-              <a:t>    </a:t>
-            </a:r>
-            <a:r>
-              <a:rPr lang="en-US" b="1" dirty="0">
-                <a:solidFill>
-                  <a:srgbClr val="9E880D"/>
-                </a:solidFill>
-                <a:effectLst/>
-              </a:rPr>
-              <a:t>@Positive</a:t>
-            </a:r>
-            <a:br>
-              <a:rPr lang="en-US" dirty="0">
-                <a:solidFill>
-                  <a:srgbClr val="9E880D"/>
-                </a:solidFill>
-                <a:effectLst/>
-              </a:rPr>
-            </a:br>
-            <a:r>
-              <a:rPr lang="en-US" dirty="0">
-                <a:solidFill>
-                  <a:srgbClr val="9E880D"/>
-                </a:solidFill>
-                <a:effectLst/>
-              </a:rPr>
-              <a:t>    </a:t>
-            </a:r>
-            <a:r>
-              <a:rPr lang="en-US" b="1" dirty="0">
-                <a:solidFill>
-                  <a:srgbClr val="9E880D"/>
-                </a:solidFill>
-                <a:effectLst/>
-              </a:rPr>
-              <a:t>@Max</a:t>
-            </a:r>
-            <a:r>
-              <a:rPr lang="en-US" dirty="0"/>
-              <a:t>(</a:t>
-            </a:r>
-            <a:r>
-              <a:rPr lang="en-US" dirty="0">
-                <a:solidFill>
-                  <a:srgbClr val="1750EB"/>
-                </a:solidFill>
-                <a:effectLst/>
-              </a:rPr>
-              <a:t>100</a:t>
-            </a:r>
-            <a:r>
-              <a:rPr lang="en-US" dirty="0"/>
-              <a:t>)</a:t>
-            </a:r>
-            <a:br>
-              <a:rPr lang="en-US" dirty="0"/>
-            </a:br>
-            <a:r>
-              <a:rPr lang="en-US" dirty="0"/>
-              <a:t>    </a:t>
-            </a:r>
-            <a:r>
-              <a:rPr lang="en-US" dirty="0">
-                <a:solidFill>
-                  <a:srgbClr val="0033B3"/>
-                </a:solidFill>
-                <a:effectLst/>
-              </a:rPr>
-              <a:t>public int </a:t>
-            </a:r>
-            <a:r>
-              <a:rPr lang="en-US" dirty="0">
-                <a:solidFill>
-                  <a:srgbClr val="871094"/>
-                </a:solidFill>
-                <a:effectLst/>
-              </a:rPr>
-              <a:t>num2</a:t>
-            </a:r>
-            <a:r>
-              <a:rPr lang="en-US" dirty="0"/>
-              <a:t>;</a:t>
-            </a:r>
-            <a:br>
-              <a:rPr lang="en-US" dirty="0"/>
-            </a:br>
-            <a:r>
-              <a:rPr lang="en-US" dirty="0"/>
-              <a:t>}</a:t>
-            </a:r>
-            <a:endParaRPr lang="en-IL" dirty="0"/>
-          </a:p>
-        </p:txBody>
-      </p:sp>
-      <p:sp>
-        <p:nvSpPr>
-          <p:cNvPr id="4" name="Content Placeholder 3">
-            <a:extLst>
-              <a:ext uri="{FF2B5EF4-FFF2-40B4-BE49-F238E27FC236}">
-                <a16:creationId xmlns:a16="http://schemas.microsoft.com/office/drawing/2014/main" id="{FBE96A6A-823A-5D5D-7325-8ACE6BE44F24}"/>
-              </a:ext>
-            </a:extLst>
-          </p:cNvPr>
-          <p:cNvSpPr>
-            <a:spLocks noGrp="1"/>
-          </p:cNvSpPr>
-          <p:nvPr>
-            <p:ph sz="half" idx="2"/>
-          </p:nvPr>
-        </p:nvSpPr>
-        <p:spPr>
-          <a:xfrm>
-            <a:off x="3362098" y="3544094"/>
-            <a:ext cx="7592773" cy="2390541"/>
-          </a:xfrm>
-          <a:solidFill>
-            <a:schemeClr val="accent1">
-              <a:lumMod val="20000"/>
-              <a:lumOff val="80000"/>
-            </a:schemeClr>
-          </a:solidFill>
-          <a:ln>
-            <a:solidFill>
-              <a:schemeClr val="accent1">
-                <a:lumMod val="50000"/>
-              </a:schemeClr>
-            </a:solidFill>
-          </a:ln>
-        </p:spPr>
-        <p:txBody>
-          <a:bodyPr>
-            <a:noAutofit/>
-          </a:bodyPr>
-          <a:lstStyle/>
-          <a:p>
-            <a:pPr marL="0" indent="0">
-              <a:buNone/>
-            </a:pPr>
-            <a:r>
-              <a:rPr lang="en-US" sz="1600" dirty="0">
-                <a:solidFill>
-                  <a:srgbClr val="0033B3"/>
-                </a:solidFill>
-                <a:effectLst/>
-              </a:rPr>
-              <a:t>import </a:t>
-            </a:r>
-            <a:r>
-              <a:rPr lang="en-US" sz="1600" b="1" dirty="0" err="1">
-                <a:solidFill>
-                  <a:srgbClr val="000000"/>
-                </a:solidFill>
-                <a:effectLst/>
-              </a:rPr>
-              <a:t>javax.validation</a:t>
-            </a:r>
-            <a:r>
-              <a:rPr lang="en-US" sz="1600" dirty="0" err="1">
-                <a:solidFill>
-                  <a:srgbClr val="000000"/>
-                </a:solidFill>
-                <a:effectLst/>
-              </a:rPr>
-              <a:t>.</a:t>
-            </a:r>
-            <a:r>
-              <a:rPr lang="en-US" sz="1600" dirty="0" err="1">
-                <a:solidFill>
-                  <a:srgbClr val="9E880D"/>
-                </a:solidFill>
-                <a:effectLst/>
-              </a:rPr>
-              <a:t>Valid</a:t>
-            </a:r>
-            <a:r>
-              <a:rPr lang="en-US" sz="1600" dirty="0"/>
-              <a:t>;</a:t>
-            </a:r>
-            <a:endParaRPr lang="en-US" sz="1600" dirty="0">
-              <a:solidFill>
-                <a:srgbClr val="9E880D"/>
-              </a:solidFill>
-              <a:effectLst/>
-            </a:endParaRPr>
-          </a:p>
-          <a:p>
-            <a:pPr marL="0" indent="0">
-              <a:buNone/>
-            </a:pPr>
-            <a:r>
-              <a:rPr lang="en-US" sz="1600" dirty="0">
-                <a:solidFill>
-                  <a:srgbClr val="9E880D"/>
-                </a:solidFill>
-                <a:effectLst/>
-              </a:rPr>
-              <a:t>@</a:t>
-            </a:r>
-            <a:r>
-              <a:rPr lang="en-US" sz="1600" dirty="0" err="1">
-                <a:solidFill>
-                  <a:srgbClr val="9E880D"/>
-                </a:solidFill>
-                <a:effectLst/>
-              </a:rPr>
-              <a:t>RestController</a:t>
-            </a:r>
-            <a:br>
-              <a:rPr lang="en-US" sz="1600" dirty="0">
-                <a:solidFill>
-                  <a:srgbClr val="9E880D"/>
-                </a:solidFill>
-                <a:effectLst/>
-              </a:rPr>
-            </a:br>
-            <a:r>
-              <a:rPr lang="en-US" sz="1600" dirty="0">
-                <a:solidFill>
-                  <a:srgbClr val="9E880D"/>
-                </a:solidFill>
-                <a:effectLst/>
-              </a:rPr>
-              <a:t>@</a:t>
-            </a:r>
-            <a:r>
-              <a:rPr lang="en-US" sz="1600" dirty="0" err="1">
-                <a:solidFill>
-                  <a:srgbClr val="9E880D"/>
-                </a:solidFill>
-                <a:effectLst/>
-              </a:rPr>
-              <a:t>RequestMapping</a:t>
-            </a:r>
-            <a:r>
-              <a:rPr lang="en-US" sz="1600" dirty="0"/>
-              <a:t>(</a:t>
-            </a:r>
-            <a:r>
-              <a:rPr lang="en-US" sz="1600" dirty="0">
-                <a:solidFill>
-                  <a:srgbClr val="067D17"/>
-                </a:solidFill>
-                <a:effectLst/>
-              </a:rPr>
-              <a:t>"calculate"</a:t>
-            </a:r>
-            <a:r>
-              <a:rPr lang="en-US" sz="1600" dirty="0"/>
-              <a:t>)</a:t>
-            </a:r>
-            <a:br>
-              <a:rPr lang="en-US" sz="1600" dirty="0">
-                <a:solidFill>
-                  <a:srgbClr val="9E880D"/>
-                </a:solidFill>
-                <a:effectLst/>
-              </a:rPr>
-            </a:br>
-            <a:r>
-              <a:rPr lang="en-US" sz="1600" dirty="0">
-                <a:solidFill>
-                  <a:srgbClr val="0033B3"/>
-                </a:solidFill>
-                <a:effectLst/>
-              </a:rPr>
-              <a:t>public class </a:t>
-            </a:r>
-            <a:r>
-              <a:rPr lang="en-US" sz="1600" dirty="0" err="1">
-                <a:solidFill>
-                  <a:srgbClr val="000000"/>
-                </a:solidFill>
-                <a:effectLst/>
-              </a:rPr>
-              <a:t>CalculateController</a:t>
-            </a:r>
-            <a:r>
-              <a:rPr lang="en-US" sz="1600" dirty="0">
-                <a:solidFill>
-                  <a:srgbClr val="000000"/>
-                </a:solidFill>
-                <a:effectLst/>
-              </a:rPr>
-              <a:t> </a:t>
-            </a:r>
-            <a:r>
-              <a:rPr lang="en-US" sz="1600" dirty="0"/>
-              <a:t>{</a:t>
-            </a:r>
-          </a:p>
-          <a:p>
-            <a:pPr marL="0" indent="0">
-              <a:buNone/>
-            </a:pPr>
-            <a:r>
-              <a:rPr lang="en-US" sz="1600" dirty="0">
-                <a:solidFill>
-                  <a:srgbClr val="9E880D"/>
-                </a:solidFill>
-                <a:effectLst/>
-              </a:rPr>
-              <a:t>  @</a:t>
-            </a:r>
-            <a:r>
-              <a:rPr lang="en-US" sz="1600" dirty="0" err="1">
-                <a:solidFill>
-                  <a:srgbClr val="9E880D"/>
-                </a:solidFill>
-                <a:effectLst/>
-              </a:rPr>
-              <a:t>PostMapping</a:t>
-            </a:r>
-            <a:r>
-              <a:rPr lang="en-US" sz="1600" dirty="0"/>
-              <a:t>(</a:t>
-            </a:r>
-            <a:r>
-              <a:rPr lang="en-US" sz="1600" dirty="0">
-                <a:solidFill>
-                  <a:srgbClr val="067D17"/>
-                </a:solidFill>
-                <a:effectLst/>
-              </a:rPr>
-              <a:t>"/add"</a:t>
-            </a:r>
-            <a:r>
-              <a:rPr lang="en-US" sz="1600" dirty="0"/>
-              <a:t>)</a:t>
-            </a:r>
-            <a:br>
-              <a:rPr lang="en-US" sz="1600" dirty="0"/>
-            </a:br>
-            <a:r>
-              <a:rPr lang="en-US" sz="1600" dirty="0"/>
-              <a:t>  </a:t>
-            </a:r>
-            <a:r>
-              <a:rPr lang="en-US" sz="1600" dirty="0">
-                <a:solidFill>
-                  <a:srgbClr val="0033B3"/>
-                </a:solidFill>
-                <a:effectLst/>
-              </a:rPr>
-              <a:t>public </a:t>
-            </a:r>
-            <a:r>
-              <a:rPr lang="en-US" sz="1600" dirty="0" err="1">
-                <a:solidFill>
-                  <a:srgbClr val="000000"/>
-                </a:solidFill>
-                <a:effectLst/>
-              </a:rPr>
-              <a:t>CalculateResponse</a:t>
-            </a:r>
-            <a:r>
-              <a:rPr lang="en-US" sz="1600" dirty="0">
-                <a:solidFill>
-                  <a:srgbClr val="000000"/>
-                </a:solidFill>
-              </a:rPr>
-              <a:t> </a:t>
-            </a:r>
-            <a:r>
-              <a:rPr lang="en-US" sz="1600" dirty="0">
-                <a:solidFill>
-                  <a:srgbClr val="00627A"/>
-                </a:solidFill>
-                <a:effectLst/>
-              </a:rPr>
-              <a:t>create</a:t>
-            </a:r>
-            <a:r>
-              <a:rPr lang="en-US" sz="1600" dirty="0"/>
-              <a:t>(</a:t>
-            </a:r>
-            <a:r>
-              <a:rPr lang="en-US" sz="1600" b="1" dirty="0">
-                <a:solidFill>
-                  <a:srgbClr val="9E880D"/>
-                </a:solidFill>
-                <a:effectLst/>
-              </a:rPr>
-              <a:t>@Valid </a:t>
-            </a:r>
-            <a:r>
-              <a:rPr lang="en-US" sz="1600" dirty="0">
-                <a:solidFill>
-                  <a:srgbClr val="9E880D"/>
-                </a:solidFill>
-                <a:effectLst/>
-              </a:rPr>
-              <a:t>@</a:t>
-            </a:r>
-            <a:r>
-              <a:rPr lang="en-US" sz="1600" dirty="0" err="1">
-                <a:solidFill>
-                  <a:srgbClr val="9E880D"/>
-                </a:solidFill>
-                <a:effectLst/>
-              </a:rPr>
-              <a:t>RequestBody</a:t>
-            </a:r>
-            <a:r>
-              <a:rPr lang="en-US" sz="1600" dirty="0">
-                <a:solidFill>
-                  <a:srgbClr val="9E880D"/>
-                </a:solidFill>
-                <a:effectLst/>
-              </a:rPr>
-              <a:t> </a:t>
-            </a:r>
-            <a:r>
-              <a:rPr lang="en-US" sz="1600" dirty="0" err="1">
-                <a:solidFill>
-                  <a:srgbClr val="000000"/>
-                </a:solidFill>
-                <a:effectLst/>
-              </a:rPr>
-              <a:t>CalculateRequest</a:t>
-            </a:r>
-            <a:r>
-              <a:rPr lang="en-US" sz="1600" dirty="0">
-                <a:solidFill>
-                  <a:srgbClr val="000000"/>
-                </a:solidFill>
-                <a:effectLst/>
-              </a:rPr>
-              <a:t> </a:t>
-            </a:r>
-            <a:r>
-              <a:rPr lang="en-US" sz="1600" dirty="0"/>
-              <a:t>req) {</a:t>
-            </a:r>
-            <a:br>
-              <a:rPr lang="en-US" sz="1600" dirty="0"/>
-            </a:br>
-            <a:r>
-              <a:rPr lang="en-US" sz="1600" dirty="0"/>
-              <a:t>    </a:t>
-            </a:r>
-            <a:r>
-              <a:rPr lang="en-US" sz="1600" dirty="0">
-                <a:solidFill>
-                  <a:srgbClr val="0033B3"/>
-                </a:solidFill>
-                <a:effectLst/>
-              </a:rPr>
-              <a:t>return new </a:t>
-            </a:r>
-            <a:r>
-              <a:rPr lang="en-US" sz="1600" dirty="0" err="1"/>
-              <a:t>CalculateResponse</a:t>
-            </a:r>
-            <a:r>
-              <a:rPr lang="en-US" sz="1600" dirty="0"/>
-              <a:t>(req.</a:t>
-            </a:r>
-            <a:r>
-              <a:rPr lang="en-US" sz="1600" dirty="0">
-                <a:solidFill>
-                  <a:srgbClr val="871094"/>
-                </a:solidFill>
-                <a:effectLst/>
-              </a:rPr>
-              <a:t>num1 </a:t>
-            </a:r>
-            <a:r>
-              <a:rPr lang="en-US" sz="1600" dirty="0"/>
-              <a:t>+ req.</a:t>
-            </a:r>
-            <a:r>
-              <a:rPr lang="en-US" sz="1600" dirty="0">
-                <a:solidFill>
-                  <a:srgbClr val="871094"/>
-                </a:solidFill>
-                <a:effectLst/>
-              </a:rPr>
-              <a:t>num2</a:t>
-            </a:r>
-            <a:r>
-              <a:rPr lang="en-US" sz="1600" dirty="0"/>
-              <a:t>);</a:t>
-            </a:r>
-            <a:br>
-              <a:rPr lang="en-US" sz="1600" dirty="0"/>
-            </a:br>
-            <a:r>
-              <a:rPr lang="en-US" sz="1600" dirty="0"/>
-              <a:t>}</a:t>
-            </a:r>
-            <a:endParaRPr lang="en-IL" sz="1600" dirty="0"/>
-          </a:p>
-        </p:txBody>
-      </p:sp>
-      <p:sp>
-        <p:nvSpPr>
-          <p:cNvPr id="5" name="TextBox 4">
-            <a:extLst>
-              <a:ext uri="{FF2B5EF4-FFF2-40B4-BE49-F238E27FC236}">
-                <a16:creationId xmlns:a16="http://schemas.microsoft.com/office/drawing/2014/main" id="{98B2FA35-6BE3-B509-B68A-B367045E25B5}"/>
-              </a:ext>
-            </a:extLst>
-          </p:cNvPr>
-          <p:cNvSpPr txBox="1"/>
-          <p:nvPr/>
-        </p:nvSpPr>
-        <p:spPr>
-          <a:xfrm rot="10800000" flipV="1">
-            <a:off x="4817569" y="2255804"/>
-            <a:ext cx="5419358" cy="307777"/>
-          </a:xfrm>
-          <a:prstGeom prst="rect">
-            <a:avLst/>
-          </a:prstGeom>
-          <a:solidFill>
-            <a:schemeClr val="accent3">
-              <a:lumMod val="20000"/>
-              <a:lumOff val="80000"/>
-            </a:schemeClr>
-          </a:solidFill>
-          <a:ln>
-            <a:solidFill>
-              <a:schemeClr val="accent1"/>
-            </a:solidFill>
-          </a:ln>
-        </p:spPr>
-        <p:txBody>
-          <a:bodyPr wrap="square" rtlCol="0">
-            <a:spAutoFit/>
-          </a:bodyPr>
-          <a:lstStyle/>
-          <a:p>
-            <a:r>
-              <a:rPr lang="en-US" sz="1400" b="0" i="1" u="none" strike="noStrike" dirty="0">
-                <a:solidFill>
-                  <a:srgbClr val="212529"/>
-                </a:solidFill>
-                <a:effectLst/>
-                <a:latin typeface="system-ui"/>
-              </a:rPr>
-              <a:t>add the </a:t>
-            </a:r>
-            <a:r>
-              <a:rPr lang="en-US" sz="1400" i="1" dirty="0"/>
-              <a:t>Beans Validation</a:t>
-            </a:r>
-            <a:r>
-              <a:rPr lang="en-US" sz="1400" b="0" i="1" u="none" strike="noStrike" dirty="0">
-                <a:solidFill>
-                  <a:srgbClr val="212529"/>
-                </a:solidFill>
-                <a:effectLst/>
-                <a:latin typeface="system-ui"/>
-              </a:rPr>
-              <a:t> annotations before the verified fields</a:t>
-            </a:r>
-            <a:endParaRPr lang="en-IL" sz="1400" i="1" dirty="0"/>
-          </a:p>
-        </p:txBody>
-      </p:sp>
-      <p:sp>
-        <p:nvSpPr>
-          <p:cNvPr id="6" name="Down Arrow 5">
-            <a:extLst>
-              <a:ext uri="{FF2B5EF4-FFF2-40B4-BE49-F238E27FC236}">
-                <a16:creationId xmlns:a16="http://schemas.microsoft.com/office/drawing/2014/main" id="{156062CB-9EC4-1088-018F-A426AE8290D2}"/>
-              </a:ext>
-            </a:extLst>
-          </p:cNvPr>
-          <p:cNvSpPr/>
-          <p:nvPr/>
-        </p:nvSpPr>
-        <p:spPr>
-          <a:xfrm>
-            <a:off x="6858000" y="3083867"/>
-            <a:ext cx="187837" cy="1936368"/>
-          </a:xfrm>
-          <a:prstGeom prst="downArrow">
-            <a:avLst/>
-          </a:prstGeom>
-        </p:spPr>
-        <p:style>
-          <a:lnRef idx="2">
-            <a:schemeClr val="accent1">
-              <a:shade val="50000"/>
-            </a:schemeClr>
-          </a:lnRef>
-          <a:fillRef idx="1">
-            <a:schemeClr val="accent1"/>
-          </a:fillRef>
-          <a:effectRef idx="0">
-            <a:schemeClr val="accent1"/>
-          </a:effectRef>
-          <a:fontRef idx="minor">
-            <a:schemeClr val="lt1"/>
-          </a:fontRef>
-        </p:style>
-        <p:txBody>
-          <a:bodyPr rtlCol="0" anchor="ctr"/>
-          <a:lstStyle/>
-          <a:p>
-            <a:pPr algn="ctr"/>
-            <a:endParaRPr lang="en-IL"/>
-          </a:p>
-        </p:txBody>
-      </p:sp>
-      <p:sp>
-        <p:nvSpPr>
-          <p:cNvPr id="7" name="Left Arrow 6">
-            <a:extLst>
-              <a:ext uri="{FF2B5EF4-FFF2-40B4-BE49-F238E27FC236}">
-                <a16:creationId xmlns:a16="http://schemas.microsoft.com/office/drawing/2014/main" id="{F97B257A-6844-CA89-E9D3-9C3B248D64CB}"/>
-              </a:ext>
-            </a:extLst>
-          </p:cNvPr>
-          <p:cNvSpPr/>
-          <p:nvPr/>
-        </p:nvSpPr>
-        <p:spPr>
-          <a:xfrm>
-            <a:off x="4285129" y="2353364"/>
-            <a:ext cx="532440" cy="147056"/>
-          </a:xfrm>
-          <a:prstGeom prst="leftArrow">
-            <a:avLst/>
-          </a:prstGeom>
-        </p:spPr>
-        <p:style>
-          <a:lnRef idx="2">
-            <a:schemeClr val="accent1">
-              <a:shade val="50000"/>
-            </a:schemeClr>
-          </a:lnRef>
-          <a:fillRef idx="1">
-            <a:schemeClr val="accent1"/>
-          </a:fillRef>
-          <a:effectRef idx="0">
-            <a:schemeClr val="accent1"/>
-          </a:effectRef>
-          <a:fontRef idx="minor">
-            <a:schemeClr val="lt1"/>
-          </a:fontRef>
-        </p:style>
-        <p:txBody>
-          <a:bodyPr rtlCol="0" anchor="ctr"/>
-          <a:lstStyle/>
-          <a:p>
-            <a:pPr algn="ctr"/>
-            <a:endParaRPr lang="en-IL"/>
-          </a:p>
-        </p:txBody>
-      </p:sp>
-      <p:sp>
-        <p:nvSpPr>
-          <p:cNvPr id="8" name="TextBox 7">
-            <a:extLst>
-              <a:ext uri="{FF2B5EF4-FFF2-40B4-BE49-F238E27FC236}">
-                <a16:creationId xmlns:a16="http://schemas.microsoft.com/office/drawing/2014/main" id="{6D81408E-10C4-E2B3-C18D-F829C8ED4111}"/>
-              </a:ext>
-            </a:extLst>
-          </p:cNvPr>
-          <p:cNvSpPr txBox="1"/>
-          <p:nvPr/>
-        </p:nvSpPr>
-        <p:spPr>
-          <a:xfrm rot="10800000" flipV="1">
-            <a:off x="5791906" y="2776090"/>
-            <a:ext cx="4229934" cy="307777"/>
-          </a:xfrm>
-          <a:prstGeom prst="rect">
-            <a:avLst/>
-          </a:prstGeom>
-          <a:solidFill>
-            <a:schemeClr val="accent3">
-              <a:lumMod val="20000"/>
-              <a:lumOff val="80000"/>
-            </a:schemeClr>
-          </a:solidFill>
-          <a:ln>
-            <a:solidFill>
-              <a:schemeClr val="accent1"/>
-            </a:solidFill>
-          </a:ln>
-        </p:spPr>
-        <p:txBody>
-          <a:bodyPr wrap="square" rtlCol="0">
-            <a:spAutoFit/>
-          </a:bodyPr>
-          <a:lstStyle/>
-          <a:p>
-            <a:r>
-              <a:rPr lang="en-US" sz="1400" b="0" i="1" u="none" strike="noStrike" dirty="0">
-                <a:solidFill>
-                  <a:srgbClr val="212529"/>
-                </a:solidFill>
-                <a:effectLst/>
-                <a:latin typeface="system-ui"/>
-              </a:rPr>
-              <a:t>Add </a:t>
-            </a:r>
-            <a:r>
-              <a:rPr lang="en-US" sz="1400" b="1" i="1" dirty="0"/>
-              <a:t>@Valid</a:t>
-            </a:r>
-            <a:r>
-              <a:rPr lang="en-US" sz="1400" b="1" i="1" u="none" strike="noStrike" dirty="0">
-                <a:solidFill>
-                  <a:srgbClr val="212529"/>
-                </a:solidFill>
-                <a:effectLst/>
-                <a:latin typeface="system-ui"/>
-              </a:rPr>
-              <a:t> </a:t>
-            </a:r>
-            <a:r>
-              <a:rPr lang="en-US" sz="1400" b="0" i="1" u="none" strike="noStrike" dirty="0">
-                <a:solidFill>
-                  <a:srgbClr val="212529"/>
-                </a:solidFill>
-                <a:effectLst/>
-                <a:latin typeface="system-ui"/>
-              </a:rPr>
-              <a:t>to </a:t>
-            </a:r>
-            <a:r>
-              <a:rPr lang="en-US" sz="1400" i="1" dirty="0"/>
-              <a:t>@</a:t>
-            </a:r>
-            <a:r>
-              <a:rPr lang="en-US" sz="1400" i="1" dirty="0" err="1"/>
-              <a:t>RequestBody</a:t>
-            </a:r>
-            <a:endParaRPr lang="en-IL" sz="1400" i="1" dirty="0"/>
-          </a:p>
-        </p:txBody>
-      </p:sp>
-    </p:spTree>
-    <p:extLst>
-      <p:ext uri="{BB962C8B-B14F-4D97-AF65-F5344CB8AC3E}">
-        <p14:creationId xmlns:p14="http://schemas.microsoft.com/office/powerpoint/2010/main" val="1428792716"/>
       </p:ext>
     </p:extLst>
   </p:cSld>
@@ -24381,6 +24080,1065 @@
           <p:cNvPr id="2" name="Title 1">
             <a:extLst>
               <a:ext uri="{FF2B5EF4-FFF2-40B4-BE49-F238E27FC236}">
+                <a16:creationId xmlns:a16="http://schemas.microsoft.com/office/drawing/2014/main" id="{F659D089-CCC2-DFF3-B375-5A1C3BFA6E42}"/>
+              </a:ext>
+            </a:extLst>
+          </p:cNvPr>
+          <p:cNvSpPr>
+            <a:spLocks noGrp="1"/>
+          </p:cNvSpPr>
+          <p:nvPr>
+            <p:ph type="title"/>
+          </p:nvPr>
+        </p:nvSpPr>
+        <p:spPr/>
+        <p:txBody>
+          <a:bodyPr/>
+          <a:lstStyle/>
+          <a:p>
+            <a:r>
+              <a:rPr lang="en-IL" dirty="0"/>
+              <a:t>@RestController validation: validate request body</a:t>
+            </a:r>
+          </a:p>
+        </p:txBody>
+      </p:sp>
+      <p:sp>
+        <p:nvSpPr>
+          <p:cNvPr id="3" name="Content Placeholder 2">
+            <a:extLst>
+              <a:ext uri="{FF2B5EF4-FFF2-40B4-BE49-F238E27FC236}">
+                <a16:creationId xmlns:a16="http://schemas.microsoft.com/office/drawing/2014/main" id="{D343A721-3159-BCFC-A8CD-F99B5077804F}"/>
+              </a:ext>
+            </a:extLst>
+          </p:cNvPr>
+          <p:cNvSpPr>
+            <a:spLocks noGrp="1"/>
+          </p:cNvSpPr>
+          <p:nvPr>
+            <p:ph sz="half" idx="1"/>
+          </p:nvPr>
+        </p:nvSpPr>
+        <p:spPr>
+          <a:xfrm>
+            <a:off x="677334" y="2160589"/>
+            <a:ext cx="3607795" cy="2767012"/>
+          </a:xfrm>
+          <a:solidFill>
+            <a:schemeClr val="tx2">
+              <a:lumMod val="20000"/>
+              <a:lumOff val="80000"/>
+            </a:schemeClr>
+          </a:solidFill>
+          <a:ln>
+            <a:solidFill>
+              <a:schemeClr val="accent1">
+                <a:lumMod val="50000"/>
+              </a:schemeClr>
+            </a:solidFill>
+          </a:ln>
+        </p:spPr>
+        <p:txBody>
+          <a:bodyPr>
+            <a:normAutofit fontScale="85000" lnSpcReduction="20000"/>
+          </a:bodyPr>
+          <a:lstStyle/>
+          <a:p>
+            <a:pPr marL="0" indent="0">
+              <a:buNone/>
+            </a:pPr>
+            <a:r>
+              <a:rPr lang="en-US" dirty="0">
+                <a:solidFill>
+                  <a:srgbClr val="0033B3"/>
+                </a:solidFill>
+                <a:effectLst/>
+              </a:rPr>
+              <a:t>import </a:t>
+            </a:r>
+            <a:r>
+              <a:rPr lang="en-US" b="1" dirty="0" err="1">
+                <a:solidFill>
+                  <a:srgbClr val="000000"/>
+                </a:solidFill>
+                <a:effectLst/>
+              </a:rPr>
+              <a:t>javax.validation.constraints</a:t>
+            </a:r>
+            <a:r>
+              <a:rPr lang="en-US" dirty="0" err="1">
+                <a:solidFill>
+                  <a:srgbClr val="000000"/>
+                </a:solidFill>
+                <a:effectLst/>
+              </a:rPr>
+              <a:t>.</a:t>
+            </a:r>
+            <a:r>
+              <a:rPr lang="en-US" dirty="0" err="1">
+                <a:solidFill>
+                  <a:srgbClr val="9E880D"/>
+                </a:solidFill>
+                <a:effectLst/>
+              </a:rPr>
+              <a:t>Max</a:t>
+            </a:r>
+            <a:r>
+              <a:rPr lang="en-US" dirty="0"/>
+              <a:t>;</a:t>
+            </a:r>
+            <a:br>
+              <a:rPr lang="en-US" dirty="0"/>
+            </a:br>
+            <a:r>
+              <a:rPr lang="en-US" dirty="0">
+                <a:solidFill>
+                  <a:srgbClr val="0033B3"/>
+                </a:solidFill>
+                <a:effectLst/>
+              </a:rPr>
+              <a:t>import </a:t>
+            </a:r>
+            <a:r>
+              <a:rPr lang="en-US" b="1" dirty="0" err="1">
+                <a:solidFill>
+                  <a:srgbClr val="000000"/>
+                </a:solidFill>
+                <a:effectLst/>
+              </a:rPr>
+              <a:t>javax.validation.constraints</a:t>
+            </a:r>
+            <a:r>
+              <a:rPr lang="en-US" dirty="0" err="1">
+                <a:solidFill>
+                  <a:srgbClr val="000000"/>
+                </a:solidFill>
+                <a:effectLst/>
+              </a:rPr>
+              <a:t>.</a:t>
+            </a:r>
+            <a:r>
+              <a:rPr lang="en-US" dirty="0" err="1">
+                <a:solidFill>
+                  <a:srgbClr val="9E880D"/>
+                </a:solidFill>
+                <a:effectLst/>
+              </a:rPr>
+              <a:t>Positive</a:t>
+            </a:r>
+            <a:r>
+              <a:rPr lang="en-US" dirty="0"/>
+              <a:t>;</a:t>
+            </a:r>
+            <a:br>
+              <a:rPr lang="en-US" dirty="0"/>
+            </a:br>
+            <a:endParaRPr lang="en-US" dirty="0">
+              <a:solidFill>
+                <a:srgbClr val="0033B3"/>
+              </a:solidFill>
+              <a:effectLst/>
+            </a:endParaRPr>
+          </a:p>
+          <a:p>
+            <a:pPr marL="0" indent="0">
+              <a:buNone/>
+            </a:pPr>
+            <a:r>
+              <a:rPr lang="en-US" dirty="0">
+                <a:solidFill>
+                  <a:srgbClr val="0033B3"/>
+                </a:solidFill>
+                <a:effectLst/>
+              </a:rPr>
+              <a:t>public class </a:t>
+            </a:r>
+            <a:r>
+              <a:rPr lang="en-US" dirty="0" err="1">
+                <a:solidFill>
+                  <a:srgbClr val="000000"/>
+                </a:solidFill>
+                <a:effectLst/>
+              </a:rPr>
+              <a:t>CalculateRequest</a:t>
+            </a:r>
+            <a:r>
+              <a:rPr lang="en-US" dirty="0">
+                <a:solidFill>
+                  <a:srgbClr val="000000"/>
+                </a:solidFill>
+                <a:effectLst/>
+              </a:rPr>
+              <a:t> </a:t>
+            </a:r>
+            <a:r>
+              <a:rPr lang="en-US" dirty="0"/>
+              <a:t>{</a:t>
+            </a:r>
+            <a:br>
+              <a:rPr lang="en-US" dirty="0"/>
+            </a:br>
+            <a:r>
+              <a:rPr lang="en-US" dirty="0"/>
+              <a:t>    </a:t>
+            </a:r>
+            <a:r>
+              <a:rPr lang="en-US" b="1" dirty="0">
+                <a:solidFill>
+                  <a:srgbClr val="9E880D"/>
+                </a:solidFill>
+                <a:effectLst/>
+              </a:rPr>
+              <a:t>@Positive</a:t>
+            </a:r>
+            <a:br>
+              <a:rPr lang="en-US" dirty="0">
+                <a:solidFill>
+                  <a:srgbClr val="9E880D"/>
+                </a:solidFill>
+                <a:effectLst/>
+              </a:rPr>
+            </a:br>
+            <a:r>
+              <a:rPr lang="en-US" dirty="0">
+                <a:solidFill>
+                  <a:srgbClr val="9E880D"/>
+                </a:solidFill>
+                <a:effectLst/>
+              </a:rPr>
+              <a:t>    </a:t>
+            </a:r>
+            <a:r>
+              <a:rPr lang="en-US" b="1" dirty="0">
+                <a:solidFill>
+                  <a:srgbClr val="9E880D"/>
+                </a:solidFill>
+                <a:effectLst/>
+              </a:rPr>
+              <a:t>@Max</a:t>
+            </a:r>
+            <a:r>
+              <a:rPr lang="en-US" dirty="0"/>
+              <a:t>(</a:t>
+            </a:r>
+            <a:r>
+              <a:rPr lang="en-US" dirty="0">
+                <a:solidFill>
+                  <a:srgbClr val="1750EB"/>
+                </a:solidFill>
+                <a:effectLst/>
+              </a:rPr>
+              <a:t>100</a:t>
+            </a:r>
+            <a:r>
+              <a:rPr lang="en-US" dirty="0"/>
+              <a:t>)</a:t>
+            </a:r>
+            <a:br>
+              <a:rPr lang="en-US" dirty="0"/>
+            </a:br>
+            <a:r>
+              <a:rPr lang="en-US" dirty="0"/>
+              <a:t>    </a:t>
+            </a:r>
+            <a:r>
+              <a:rPr lang="en-US" dirty="0">
+                <a:solidFill>
+                  <a:srgbClr val="0033B3"/>
+                </a:solidFill>
+                <a:effectLst/>
+              </a:rPr>
+              <a:t>public int </a:t>
+            </a:r>
+            <a:r>
+              <a:rPr lang="en-US" dirty="0">
+                <a:solidFill>
+                  <a:srgbClr val="871094"/>
+                </a:solidFill>
+                <a:effectLst/>
+              </a:rPr>
+              <a:t>num1</a:t>
+            </a:r>
+            <a:r>
+              <a:rPr lang="en-US" dirty="0"/>
+              <a:t>;</a:t>
+            </a:r>
+            <a:br>
+              <a:rPr lang="en-US" dirty="0"/>
+            </a:br>
+            <a:r>
+              <a:rPr lang="en-US" dirty="0"/>
+              <a:t>    </a:t>
+            </a:r>
+            <a:r>
+              <a:rPr lang="en-US" b="1" dirty="0">
+                <a:solidFill>
+                  <a:srgbClr val="9E880D"/>
+                </a:solidFill>
+                <a:effectLst/>
+              </a:rPr>
+              <a:t>@Positive</a:t>
+            </a:r>
+            <a:br>
+              <a:rPr lang="en-US" dirty="0">
+                <a:solidFill>
+                  <a:srgbClr val="9E880D"/>
+                </a:solidFill>
+                <a:effectLst/>
+              </a:rPr>
+            </a:br>
+            <a:r>
+              <a:rPr lang="en-US" dirty="0">
+                <a:solidFill>
+                  <a:srgbClr val="9E880D"/>
+                </a:solidFill>
+                <a:effectLst/>
+              </a:rPr>
+              <a:t>    </a:t>
+            </a:r>
+            <a:r>
+              <a:rPr lang="en-US" b="1" dirty="0">
+                <a:solidFill>
+                  <a:srgbClr val="9E880D"/>
+                </a:solidFill>
+                <a:effectLst/>
+              </a:rPr>
+              <a:t>@Max</a:t>
+            </a:r>
+            <a:r>
+              <a:rPr lang="en-US" dirty="0"/>
+              <a:t>(</a:t>
+            </a:r>
+            <a:r>
+              <a:rPr lang="en-US" dirty="0">
+                <a:solidFill>
+                  <a:srgbClr val="1750EB"/>
+                </a:solidFill>
+                <a:effectLst/>
+              </a:rPr>
+              <a:t>100</a:t>
+            </a:r>
+            <a:r>
+              <a:rPr lang="en-US" dirty="0"/>
+              <a:t>)</a:t>
+            </a:r>
+            <a:br>
+              <a:rPr lang="en-US" dirty="0"/>
+            </a:br>
+            <a:r>
+              <a:rPr lang="en-US" dirty="0"/>
+              <a:t>    </a:t>
+            </a:r>
+            <a:r>
+              <a:rPr lang="en-US" dirty="0">
+                <a:solidFill>
+                  <a:srgbClr val="0033B3"/>
+                </a:solidFill>
+                <a:effectLst/>
+              </a:rPr>
+              <a:t>public int </a:t>
+            </a:r>
+            <a:r>
+              <a:rPr lang="en-US" dirty="0">
+                <a:solidFill>
+                  <a:srgbClr val="871094"/>
+                </a:solidFill>
+                <a:effectLst/>
+              </a:rPr>
+              <a:t>num2</a:t>
+            </a:r>
+            <a:r>
+              <a:rPr lang="en-US" dirty="0"/>
+              <a:t>;</a:t>
+            </a:r>
+            <a:br>
+              <a:rPr lang="en-US" dirty="0"/>
+            </a:br>
+            <a:r>
+              <a:rPr lang="en-US" dirty="0"/>
+              <a:t>}</a:t>
+            </a:r>
+            <a:endParaRPr lang="en-IL" dirty="0"/>
+          </a:p>
+        </p:txBody>
+      </p:sp>
+      <p:sp>
+        <p:nvSpPr>
+          <p:cNvPr id="4" name="Content Placeholder 3">
+            <a:extLst>
+              <a:ext uri="{FF2B5EF4-FFF2-40B4-BE49-F238E27FC236}">
+                <a16:creationId xmlns:a16="http://schemas.microsoft.com/office/drawing/2014/main" id="{FBE96A6A-823A-5D5D-7325-8ACE6BE44F24}"/>
+              </a:ext>
+            </a:extLst>
+          </p:cNvPr>
+          <p:cNvSpPr>
+            <a:spLocks noGrp="1"/>
+          </p:cNvSpPr>
+          <p:nvPr>
+            <p:ph sz="half" idx="2"/>
+          </p:nvPr>
+        </p:nvSpPr>
+        <p:spPr>
+          <a:xfrm>
+            <a:off x="3362098" y="3544094"/>
+            <a:ext cx="7592773" cy="2390541"/>
+          </a:xfrm>
+          <a:solidFill>
+            <a:schemeClr val="accent1">
+              <a:lumMod val="20000"/>
+              <a:lumOff val="80000"/>
+            </a:schemeClr>
+          </a:solidFill>
+          <a:ln>
+            <a:solidFill>
+              <a:schemeClr val="accent1">
+                <a:lumMod val="50000"/>
+              </a:schemeClr>
+            </a:solidFill>
+          </a:ln>
+        </p:spPr>
+        <p:txBody>
+          <a:bodyPr>
+            <a:noAutofit/>
+          </a:bodyPr>
+          <a:lstStyle/>
+          <a:p>
+            <a:pPr marL="0" indent="0">
+              <a:buNone/>
+            </a:pPr>
+            <a:r>
+              <a:rPr lang="en-US" sz="1600" dirty="0">
+                <a:solidFill>
+                  <a:srgbClr val="0033B3"/>
+                </a:solidFill>
+                <a:effectLst/>
+              </a:rPr>
+              <a:t>import </a:t>
+            </a:r>
+            <a:r>
+              <a:rPr lang="en-US" sz="1600" b="1" dirty="0" err="1">
+                <a:solidFill>
+                  <a:srgbClr val="000000"/>
+                </a:solidFill>
+                <a:effectLst/>
+              </a:rPr>
+              <a:t>javax.validation</a:t>
+            </a:r>
+            <a:r>
+              <a:rPr lang="en-US" sz="1600" dirty="0" err="1">
+                <a:solidFill>
+                  <a:srgbClr val="000000"/>
+                </a:solidFill>
+                <a:effectLst/>
+              </a:rPr>
+              <a:t>.</a:t>
+            </a:r>
+            <a:r>
+              <a:rPr lang="en-US" sz="1600" dirty="0" err="1">
+                <a:solidFill>
+                  <a:srgbClr val="9E880D"/>
+                </a:solidFill>
+                <a:effectLst/>
+              </a:rPr>
+              <a:t>Valid</a:t>
+            </a:r>
+            <a:r>
+              <a:rPr lang="en-US" sz="1600" dirty="0"/>
+              <a:t>;</a:t>
+            </a:r>
+            <a:endParaRPr lang="en-US" sz="1600" dirty="0">
+              <a:solidFill>
+                <a:srgbClr val="9E880D"/>
+              </a:solidFill>
+              <a:effectLst/>
+            </a:endParaRPr>
+          </a:p>
+          <a:p>
+            <a:pPr marL="0" indent="0">
+              <a:buNone/>
+            </a:pPr>
+            <a:r>
+              <a:rPr lang="en-US" sz="1600" dirty="0">
+                <a:solidFill>
+                  <a:srgbClr val="9E880D"/>
+                </a:solidFill>
+                <a:effectLst/>
+              </a:rPr>
+              <a:t>@</a:t>
+            </a:r>
+            <a:r>
+              <a:rPr lang="en-US" sz="1600" dirty="0" err="1">
+                <a:solidFill>
+                  <a:srgbClr val="9E880D"/>
+                </a:solidFill>
+                <a:effectLst/>
+              </a:rPr>
+              <a:t>RestController</a:t>
+            </a:r>
+            <a:br>
+              <a:rPr lang="en-US" sz="1600" dirty="0">
+                <a:solidFill>
+                  <a:srgbClr val="9E880D"/>
+                </a:solidFill>
+                <a:effectLst/>
+              </a:rPr>
+            </a:br>
+            <a:r>
+              <a:rPr lang="en-US" sz="1600" dirty="0">
+                <a:solidFill>
+                  <a:srgbClr val="9E880D"/>
+                </a:solidFill>
+                <a:effectLst/>
+              </a:rPr>
+              <a:t>@</a:t>
+            </a:r>
+            <a:r>
+              <a:rPr lang="en-US" sz="1600" dirty="0" err="1">
+                <a:solidFill>
+                  <a:srgbClr val="9E880D"/>
+                </a:solidFill>
+                <a:effectLst/>
+              </a:rPr>
+              <a:t>RequestMapping</a:t>
+            </a:r>
+            <a:r>
+              <a:rPr lang="en-US" sz="1600" dirty="0"/>
+              <a:t>(</a:t>
+            </a:r>
+            <a:r>
+              <a:rPr lang="en-US" sz="1600" dirty="0">
+                <a:solidFill>
+                  <a:srgbClr val="067D17"/>
+                </a:solidFill>
+                <a:effectLst/>
+              </a:rPr>
+              <a:t>"calculate"</a:t>
+            </a:r>
+            <a:r>
+              <a:rPr lang="en-US" sz="1600" dirty="0"/>
+              <a:t>)</a:t>
+            </a:r>
+            <a:br>
+              <a:rPr lang="en-US" sz="1600" dirty="0">
+                <a:solidFill>
+                  <a:srgbClr val="9E880D"/>
+                </a:solidFill>
+                <a:effectLst/>
+              </a:rPr>
+            </a:br>
+            <a:r>
+              <a:rPr lang="en-US" sz="1600" dirty="0">
+                <a:solidFill>
+                  <a:srgbClr val="0033B3"/>
+                </a:solidFill>
+                <a:effectLst/>
+              </a:rPr>
+              <a:t>public class </a:t>
+            </a:r>
+            <a:r>
+              <a:rPr lang="en-US" sz="1600" dirty="0" err="1">
+                <a:solidFill>
+                  <a:srgbClr val="000000"/>
+                </a:solidFill>
+                <a:effectLst/>
+              </a:rPr>
+              <a:t>CalculateController</a:t>
+            </a:r>
+            <a:r>
+              <a:rPr lang="en-US" sz="1600" dirty="0">
+                <a:solidFill>
+                  <a:srgbClr val="000000"/>
+                </a:solidFill>
+                <a:effectLst/>
+              </a:rPr>
+              <a:t> </a:t>
+            </a:r>
+            <a:r>
+              <a:rPr lang="en-US" sz="1600" dirty="0"/>
+              <a:t>{</a:t>
+            </a:r>
+          </a:p>
+          <a:p>
+            <a:pPr marL="0" indent="0">
+              <a:buNone/>
+            </a:pPr>
+            <a:r>
+              <a:rPr lang="en-US" sz="1600" dirty="0">
+                <a:solidFill>
+                  <a:srgbClr val="9E880D"/>
+                </a:solidFill>
+                <a:effectLst/>
+              </a:rPr>
+              <a:t>  @</a:t>
+            </a:r>
+            <a:r>
+              <a:rPr lang="en-US" sz="1600" dirty="0" err="1">
+                <a:solidFill>
+                  <a:srgbClr val="9E880D"/>
+                </a:solidFill>
+                <a:effectLst/>
+              </a:rPr>
+              <a:t>PostMapping</a:t>
+            </a:r>
+            <a:r>
+              <a:rPr lang="en-US" sz="1600" dirty="0"/>
+              <a:t>(</a:t>
+            </a:r>
+            <a:r>
+              <a:rPr lang="en-US" sz="1600" dirty="0">
+                <a:solidFill>
+                  <a:srgbClr val="067D17"/>
+                </a:solidFill>
+                <a:effectLst/>
+              </a:rPr>
+              <a:t>"/add"</a:t>
+            </a:r>
+            <a:r>
+              <a:rPr lang="en-US" sz="1600" dirty="0"/>
+              <a:t>)</a:t>
+            </a:r>
+            <a:br>
+              <a:rPr lang="en-US" sz="1600" dirty="0"/>
+            </a:br>
+            <a:r>
+              <a:rPr lang="en-US" sz="1600" dirty="0"/>
+              <a:t>  </a:t>
+            </a:r>
+            <a:r>
+              <a:rPr lang="en-US" sz="1600" dirty="0">
+                <a:solidFill>
+                  <a:srgbClr val="0033B3"/>
+                </a:solidFill>
+                <a:effectLst/>
+              </a:rPr>
+              <a:t>public </a:t>
+            </a:r>
+            <a:r>
+              <a:rPr lang="en-US" sz="1600" dirty="0" err="1">
+                <a:solidFill>
+                  <a:srgbClr val="000000"/>
+                </a:solidFill>
+                <a:effectLst/>
+              </a:rPr>
+              <a:t>CalculateResponse</a:t>
+            </a:r>
+            <a:r>
+              <a:rPr lang="en-US" sz="1600" dirty="0">
+                <a:solidFill>
+                  <a:srgbClr val="000000"/>
+                </a:solidFill>
+              </a:rPr>
+              <a:t> </a:t>
+            </a:r>
+            <a:r>
+              <a:rPr lang="en-US" sz="1600" dirty="0">
+                <a:solidFill>
+                  <a:srgbClr val="00627A"/>
+                </a:solidFill>
+                <a:effectLst/>
+              </a:rPr>
+              <a:t>create</a:t>
+            </a:r>
+            <a:r>
+              <a:rPr lang="en-US" sz="1600" dirty="0"/>
+              <a:t>(</a:t>
+            </a:r>
+            <a:r>
+              <a:rPr lang="en-US" sz="1600" b="1" dirty="0">
+                <a:solidFill>
+                  <a:srgbClr val="9E880D"/>
+                </a:solidFill>
+                <a:effectLst/>
+              </a:rPr>
+              <a:t>@Valid </a:t>
+            </a:r>
+            <a:r>
+              <a:rPr lang="en-US" sz="1600" dirty="0">
+                <a:solidFill>
+                  <a:srgbClr val="9E880D"/>
+                </a:solidFill>
+                <a:effectLst/>
+              </a:rPr>
+              <a:t>@</a:t>
+            </a:r>
+            <a:r>
+              <a:rPr lang="en-US" sz="1600" dirty="0" err="1">
+                <a:solidFill>
+                  <a:srgbClr val="9E880D"/>
+                </a:solidFill>
+                <a:effectLst/>
+              </a:rPr>
+              <a:t>RequestBody</a:t>
+            </a:r>
+            <a:r>
+              <a:rPr lang="en-US" sz="1600" dirty="0">
+                <a:solidFill>
+                  <a:srgbClr val="9E880D"/>
+                </a:solidFill>
+                <a:effectLst/>
+              </a:rPr>
+              <a:t> </a:t>
+            </a:r>
+            <a:r>
+              <a:rPr lang="en-US" sz="1600" dirty="0" err="1">
+                <a:solidFill>
+                  <a:srgbClr val="000000"/>
+                </a:solidFill>
+                <a:effectLst/>
+              </a:rPr>
+              <a:t>CalculateRequest</a:t>
+            </a:r>
+            <a:r>
+              <a:rPr lang="en-US" sz="1600" dirty="0">
+                <a:solidFill>
+                  <a:srgbClr val="000000"/>
+                </a:solidFill>
+                <a:effectLst/>
+              </a:rPr>
+              <a:t> </a:t>
+            </a:r>
+            <a:r>
+              <a:rPr lang="en-US" sz="1600" dirty="0"/>
+              <a:t>req) {</a:t>
+            </a:r>
+            <a:br>
+              <a:rPr lang="en-US" sz="1600" dirty="0"/>
+            </a:br>
+            <a:r>
+              <a:rPr lang="en-US" sz="1600" dirty="0"/>
+              <a:t>    </a:t>
+            </a:r>
+            <a:r>
+              <a:rPr lang="en-US" sz="1600" dirty="0">
+                <a:solidFill>
+                  <a:srgbClr val="0033B3"/>
+                </a:solidFill>
+                <a:effectLst/>
+              </a:rPr>
+              <a:t>return new </a:t>
+            </a:r>
+            <a:r>
+              <a:rPr lang="en-US" sz="1600" dirty="0" err="1"/>
+              <a:t>CalculateResponse</a:t>
+            </a:r>
+            <a:r>
+              <a:rPr lang="en-US" sz="1600" dirty="0"/>
+              <a:t>(req.</a:t>
+            </a:r>
+            <a:r>
+              <a:rPr lang="en-US" sz="1600" dirty="0">
+                <a:solidFill>
+                  <a:srgbClr val="871094"/>
+                </a:solidFill>
+                <a:effectLst/>
+              </a:rPr>
+              <a:t>num1 </a:t>
+            </a:r>
+            <a:r>
+              <a:rPr lang="en-US" sz="1600" dirty="0"/>
+              <a:t>+ req.</a:t>
+            </a:r>
+            <a:r>
+              <a:rPr lang="en-US" sz="1600" dirty="0">
+                <a:solidFill>
+                  <a:srgbClr val="871094"/>
+                </a:solidFill>
+                <a:effectLst/>
+              </a:rPr>
+              <a:t>num2</a:t>
+            </a:r>
+            <a:r>
+              <a:rPr lang="en-US" sz="1600" dirty="0"/>
+              <a:t>);</a:t>
+            </a:r>
+            <a:br>
+              <a:rPr lang="en-US" sz="1600" dirty="0"/>
+            </a:br>
+            <a:r>
+              <a:rPr lang="en-US" sz="1600" dirty="0"/>
+              <a:t>}</a:t>
+            </a:r>
+            <a:endParaRPr lang="en-IL" sz="1600" dirty="0"/>
+          </a:p>
+        </p:txBody>
+      </p:sp>
+      <p:sp>
+        <p:nvSpPr>
+          <p:cNvPr id="5" name="TextBox 4">
+            <a:extLst>
+              <a:ext uri="{FF2B5EF4-FFF2-40B4-BE49-F238E27FC236}">
+                <a16:creationId xmlns:a16="http://schemas.microsoft.com/office/drawing/2014/main" id="{98B2FA35-6BE3-B509-B68A-B367045E25B5}"/>
+              </a:ext>
+            </a:extLst>
+          </p:cNvPr>
+          <p:cNvSpPr txBox="1"/>
+          <p:nvPr/>
+        </p:nvSpPr>
+        <p:spPr>
+          <a:xfrm rot="10800000" flipV="1">
+            <a:off x="4817569" y="2255804"/>
+            <a:ext cx="5419358" cy="307777"/>
+          </a:xfrm>
+          <a:prstGeom prst="rect">
+            <a:avLst/>
+          </a:prstGeom>
+          <a:solidFill>
+            <a:schemeClr val="accent3">
+              <a:lumMod val="20000"/>
+              <a:lumOff val="80000"/>
+            </a:schemeClr>
+          </a:solidFill>
+          <a:ln>
+            <a:solidFill>
+              <a:schemeClr val="accent1"/>
+            </a:solidFill>
+          </a:ln>
+        </p:spPr>
+        <p:txBody>
+          <a:bodyPr wrap="square" rtlCol="0">
+            <a:spAutoFit/>
+          </a:bodyPr>
+          <a:lstStyle/>
+          <a:p>
+            <a:r>
+              <a:rPr lang="en-US" sz="1400" b="0" i="1" u="none" strike="noStrike" dirty="0">
+                <a:solidFill>
+                  <a:srgbClr val="212529"/>
+                </a:solidFill>
+                <a:effectLst/>
+                <a:latin typeface="system-ui"/>
+              </a:rPr>
+              <a:t>add the </a:t>
+            </a:r>
+            <a:r>
+              <a:rPr lang="en-US" sz="1400" i="1" dirty="0"/>
+              <a:t>Beans Validation</a:t>
+            </a:r>
+            <a:r>
+              <a:rPr lang="en-US" sz="1400" b="0" i="1" u="none" strike="noStrike" dirty="0">
+                <a:solidFill>
+                  <a:srgbClr val="212529"/>
+                </a:solidFill>
+                <a:effectLst/>
+                <a:latin typeface="system-ui"/>
+              </a:rPr>
+              <a:t> annotations before the verified fields</a:t>
+            </a:r>
+            <a:endParaRPr lang="en-IL" sz="1400" i="1" dirty="0"/>
+          </a:p>
+        </p:txBody>
+      </p:sp>
+      <p:sp>
+        <p:nvSpPr>
+          <p:cNvPr id="6" name="Down Arrow 5">
+            <a:extLst>
+              <a:ext uri="{FF2B5EF4-FFF2-40B4-BE49-F238E27FC236}">
+                <a16:creationId xmlns:a16="http://schemas.microsoft.com/office/drawing/2014/main" id="{156062CB-9EC4-1088-018F-A426AE8290D2}"/>
+              </a:ext>
+            </a:extLst>
+          </p:cNvPr>
+          <p:cNvSpPr/>
+          <p:nvPr/>
+        </p:nvSpPr>
+        <p:spPr>
+          <a:xfrm>
+            <a:off x="6858000" y="3083867"/>
+            <a:ext cx="187837" cy="1936368"/>
+          </a:xfrm>
+          <a:prstGeom prst="downArrow">
+            <a:avLst/>
+          </a:prstGeom>
+        </p:spPr>
+        <p:style>
+          <a:lnRef idx="2">
+            <a:schemeClr val="accent1">
+              <a:shade val="50000"/>
+            </a:schemeClr>
+          </a:lnRef>
+          <a:fillRef idx="1">
+            <a:schemeClr val="accent1"/>
+          </a:fillRef>
+          <a:effectRef idx="0">
+            <a:schemeClr val="accent1"/>
+          </a:effectRef>
+          <a:fontRef idx="minor">
+            <a:schemeClr val="lt1"/>
+          </a:fontRef>
+        </p:style>
+        <p:txBody>
+          <a:bodyPr rtlCol="0" anchor="ctr"/>
+          <a:lstStyle/>
+          <a:p>
+            <a:pPr algn="ctr"/>
+            <a:endParaRPr lang="en-IL"/>
+          </a:p>
+        </p:txBody>
+      </p:sp>
+      <p:sp>
+        <p:nvSpPr>
+          <p:cNvPr id="7" name="Left Arrow 6">
+            <a:extLst>
+              <a:ext uri="{FF2B5EF4-FFF2-40B4-BE49-F238E27FC236}">
+                <a16:creationId xmlns:a16="http://schemas.microsoft.com/office/drawing/2014/main" id="{F97B257A-6844-CA89-E9D3-9C3B248D64CB}"/>
+              </a:ext>
+            </a:extLst>
+          </p:cNvPr>
+          <p:cNvSpPr/>
+          <p:nvPr/>
+        </p:nvSpPr>
+        <p:spPr>
+          <a:xfrm>
+            <a:off x="4285129" y="2353364"/>
+            <a:ext cx="532440" cy="147056"/>
+          </a:xfrm>
+          <a:prstGeom prst="leftArrow">
+            <a:avLst/>
+          </a:prstGeom>
+        </p:spPr>
+        <p:style>
+          <a:lnRef idx="2">
+            <a:schemeClr val="accent1">
+              <a:shade val="50000"/>
+            </a:schemeClr>
+          </a:lnRef>
+          <a:fillRef idx="1">
+            <a:schemeClr val="accent1"/>
+          </a:fillRef>
+          <a:effectRef idx="0">
+            <a:schemeClr val="accent1"/>
+          </a:effectRef>
+          <a:fontRef idx="minor">
+            <a:schemeClr val="lt1"/>
+          </a:fontRef>
+        </p:style>
+        <p:txBody>
+          <a:bodyPr rtlCol="0" anchor="ctr"/>
+          <a:lstStyle/>
+          <a:p>
+            <a:pPr algn="ctr"/>
+            <a:endParaRPr lang="en-IL"/>
+          </a:p>
+        </p:txBody>
+      </p:sp>
+      <p:sp>
+        <p:nvSpPr>
+          <p:cNvPr id="8" name="TextBox 7">
+            <a:extLst>
+              <a:ext uri="{FF2B5EF4-FFF2-40B4-BE49-F238E27FC236}">
+                <a16:creationId xmlns:a16="http://schemas.microsoft.com/office/drawing/2014/main" id="{6D81408E-10C4-E2B3-C18D-F829C8ED4111}"/>
+              </a:ext>
+            </a:extLst>
+          </p:cNvPr>
+          <p:cNvSpPr txBox="1"/>
+          <p:nvPr/>
+        </p:nvSpPr>
+        <p:spPr>
+          <a:xfrm rot="10800000" flipV="1">
+            <a:off x="5791906" y="2776090"/>
+            <a:ext cx="4229934" cy="307777"/>
+          </a:xfrm>
+          <a:prstGeom prst="rect">
+            <a:avLst/>
+          </a:prstGeom>
+          <a:solidFill>
+            <a:schemeClr val="accent3">
+              <a:lumMod val="20000"/>
+              <a:lumOff val="80000"/>
+            </a:schemeClr>
+          </a:solidFill>
+          <a:ln>
+            <a:solidFill>
+              <a:schemeClr val="accent1"/>
+            </a:solidFill>
+          </a:ln>
+        </p:spPr>
+        <p:txBody>
+          <a:bodyPr wrap="square" rtlCol="0">
+            <a:spAutoFit/>
+          </a:bodyPr>
+          <a:lstStyle/>
+          <a:p>
+            <a:r>
+              <a:rPr lang="en-US" sz="1400" b="0" i="1" u="none" strike="noStrike" dirty="0">
+                <a:solidFill>
+                  <a:srgbClr val="212529"/>
+                </a:solidFill>
+                <a:effectLst/>
+                <a:latin typeface="system-ui"/>
+              </a:rPr>
+              <a:t>Add </a:t>
+            </a:r>
+            <a:r>
+              <a:rPr lang="en-US" sz="1400" b="1" i="1" dirty="0"/>
+              <a:t>@Valid</a:t>
+            </a:r>
+            <a:r>
+              <a:rPr lang="en-US" sz="1400" b="1" i="1" u="none" strike="noStrike" dirty="0">
+                <a:solidFill>
+                  <a:srgbClr val="212529"/>
+                </a:solidFill>
+                <a:effectLst/>
+                <a:latin typeface="system-ui"/>
+              </a:rPr>
+              <a:t> </a:t>
+            </a:r>
+            <a:r>
+              <a:rPr lang="en-US" sz="1400" b="0" i="1" u="none" strike="noStrike" dirty="0">
+                <a:solidFill>
+                  <a:srgbClr val="212529"/>
+                </a:solidFill>
+                <a:effectLst/>
+                <a:latin typeface="system-ui"/>
+              </a:rPr>
+              <a:t>to </a:t>
+            </a:r>
+            <a:r>
+              <a:rPr lang="en-US" sz="1400" i="1" dirty="0"/>
+              <a:t>@</a:t>
+            </a:r>
+            <a:r>
+              <a:rPr lang="en-US" sz="1400" i="1" dirty="0" err="1"/>
+              <a:t>RequestBody</a:t>
+            </a:r>
+            <a:endParaRPr lang="en-IL" sz="1400" i="1" dirty="0"/>
+          </a:p>
+        </p:txBody>
+      </p:sp>
+    </p:spTree>
+    <p:extLst>
+      <p:ext uri="{BB962C8B-B14F-4D97-AF65-F5344CB8AC3E}">
+        <p14:creationId xmlns:p14="http://schemas.microsoft.com/office/powerpoint/2010/main" val="1428792716"/>
+      </p:ext>
+    </p:extLst>
+  </p:cSld>
+  <p:clrMapOvr>
+    <a:masterClrMapping/>
+  </p:clrMapOvr>
+</p:sld>
+</file>
+
+<file path=ppt/slides/slide41.xml><?xml version="1.0" encoding="utf-8"?>
+<p:sld xmlns:a="http://schemas.openxmlformats.org/drawingml/2006/main" xmlns:r="http://schemas.openxmlformats.org/officeDocument/2006/relationships" xmlns:p="http://schemas.openxmlformats.org/presentationml/2006/main">
+  <p:cSld>
+    <p:spTree>
+      <p:nvGrpSpPr>
+        <p:cNvPr id="1" name=""/>
+        <p:cNvGrpSpPr/>
+        <p:nvPr/>
+      </p:nvGrpSpPr>
+      <p:grpSpPr>
+        <a:xfrm>
+          <a:off x="0" y="0"/>
+          <a:ext cx="0" cy="0"/>
+          <a:chOff x="0" y="0"/>
+          <a:chExt cx="0" cy="0"/>
+        </a:xfrm>
+      </p:grpSpPr>
+      <p:sp>
+        <p:nvSpPr>
+          <p:cNvPr id="2" name="Title 1">
+            <a:extLst>
+              <a:ext uri="{FF2B5EF4-FFF2-40B4-BE49-F238E27FC236}">
                 <a16:creationId xmlns:a16="http://schemas.microsoft.com/office/drawing/2014/main" id="{99FE140D-1041-8E11-E85B-85B2E87F0EAB}"/>
               </a:ext>
             </a:extLst>
@@ -24399,7 +25157,7 @@
           <a:p>
             <a:r>
               <a:rPr lang="en-IL" dirty="0"/>
-              <a:t>Hands-on</a:t>
+              <a:t>Hands-on – Calculator – configuration and validation</a:t>
             </a:r>
           </a:p>
         </p:txBody>
@@ -24422,80 +25180,223 @@
         </p:nvSpPr>
         <p:spPr/>
         <p:txBody>
-          <a:bodyPr/>
+          <a:bodyPr>
+            <a:normAutofit/>
+          </a:bodyPr>
           <a:lstStyle/>
           <a:p>
-            <a:pPr marL="0" indent="0">
+            <a:r>
+              <a:rPr lang="en-US" dirty="0"/>
+              <a:t>We plan to enter a new functionality to our Calculator: support various operations with time. Meanwhile we will only return the current time.</a:t>
+            </a:r>
+          </a:p>
+          <a:p>
+            <a:r>
+              <a:rPr lang="en-US" dirty="0"/>
+              <a:t>Enter to your Calculator service a new endpoint (create a new controller):</a:t>
+            </a:r>
+          </a:p>
+          <a:p>
+            <a:pPr lvl="1"/>
+            <a:r>
+              <a:rPr lang="en-IL" dirty="0"/>
+              <a:t>GET </a:t>
+            </a:r>
+            <a:r>
+              <a:rPr lang="en-IL" dirty="0">
+                <a:hlinkClick r:id="rId3"/>
+              </a:rPr>
+              <a:t>http://localhost:8080/time/now</a:t>
+            </a:r>
+            <a:endParaRPr lang="en-IL" dirty="0"/>
+          </a:p>
+          <a:p>
+            <a:pPr lvl="1"/>
+            <a:r>
+              <a:rPr lang="en-IL" dirty="0"/>
+              <a:t>It receives a JSON body in the format:</a:t>
+            </a:r>
+          </a:p>
+          <a:p>
+            <a:pPr marL="457200" lvl="1" indent="0">
               <a:buNone/>
             </a:pPr>
             <a:r>
               <a:rPr lang="en-IL" dirty="0"/>
-              <a:t>Implement the following improvements to the ATM service:</a:t>
-            </a:r>
-          </a:p>
-          <a:p>
+              <a:t>{</a:t>
+            </a:r>
+          </a:p>
+          <a:p>
+            <a:pPr marL="457200" lvl="1" indent="0">
+              <a:buNone/>
+            </a:pPr>
             <a:r>
               <a:rPr lang="en-IL" dirty="0"/>
-              <a:t>Add configuration: define the initial balance on every account. </a:t>
-            </a:r>
-          </a:p>
-          <a:p>
+              <a:t>	”timeZone”: “</a:t>
+            </a:r>
+            <a:r>
+              <a:rPr lang="en-US" dirty="0"/>
+              <a:t>Asia/Jerusalem"</a:t>
+            </a:r>
+            <a:endParaRPr lang="en-IL" dirty="0"/>
+          </a:p>
+          <a:p>
+            <a:pPr marL="457200" lvl="1" indent="0">
+              <a:buNone/>
+            </a:pPr>
             <a:r>
               <a:rPr lang="en-IL" dirty="0"/>
-              <a:t>Add validation to the input parameters:</a:t>
-            </a:r>
-          </a:p>
-          <a:p>
-            <a:pPr lvl="1"/>
+              <a:t>}</a:t>
+            </a:r>
+          </a:p>
+          <a:p>
+            <a:pPr marL="457200" lvl="1" indent="0">
+              <a:buNone/>
+            </a:pPr>
             <a:r>
               <a:rPr lang="en-IL" dirty="0"/>
-              <a:t>Validate that an input sum is a positive number.</a:t>
-            </a:r>
-          </a:p>
-          <a:p>
-            <a:pPr lvl="1"/>
+              <a:t>The endpoint returns a String with the time</a:t>
+            </a:r>
+            <a:r>
+              <a:rPr lang="ru-RU" dirty="0"/>
+              <a:t> </a:t>
+            </a:r>
             <a:r>
               <a:rPr lang="en-IL" dirty="0"/>
-              <a:t>In the case of ‘insert’, validate that the inserted sum is between 1 and 1000.</a:t>
-            </a:r>
-          </a:p>
-          <a:p>
+              <a:t>formatted</a:t>
+            </a:r>
+            <a:r>
+              <a:rPr lang="ru-RU" dirty="0"/>
+              <a:t> </a:t>
+            </a:r>
+            <a:r>
+              <a:rPr lang="en-US" dirty="0"/>
+              <a:t>to</a:t>
+            </a:r>
             <a:r>
               <a:rPr lang="en-IL" dirty="0"/>
-              <a:t>Add error handling to the ATC service:</a:t>
-            </a:r>
-          </a:p>
-          <a:p>
-            <a:pPr lvl="1"/>
-            <a:r>
-              <a:rPr lang="en-US" dirty="0"/>
-              <a:t>In all requests, if the specified account is not </a:t>
-            </a:r>
-            <a:r>
-              <a:rPr lang="en-US"/>
-              <a:t>found – return 404.</a:t>
-            </a:r>
-            <a:endParaRPr lang="ru-RU" dirty="0"/>
-          </a:p>
-          <a:p>
-            <a:pPr lvl="1"/>
-            <a:r>
-              <a:rPr lang="en-IL" dirty="0"/>
-              <a:t>In the ‘withdraw’ request, if the requested sum is more than the balance on the account, return the error 500 and error message.</a:t>
-            </a:r>
-          </a:p>
-          <a:p>
-            <a:endParaRPr lang="en-IL" dirty="0"/>
-          </a:p>
-          <a:p>
-            <a:endParaRPr lang="en-IL" dirty="0"/>
+              <a:t> the “timeZone” timezone</a:t>
+            </a:r>
+            <a:endParaRPr lang="en-US" dirty="0"/>
           </a:p>
         </p:txBody>
       </p:sp>
     </p:spTree>
     <p:extLst>
       <p:ext uri="{BB962C8B-B14F-4D97-AF65-F5344CB8AC3E}">
-        <p14:creationId xmlns:p14="http://schemas.microsoft.com/office/powerpoint/2010/main" val="1006632789"/>
+        <p14:creationId xmlns:p14="http://schemas.microsoft.com/office/powerpoint/2010/main" val="4246814737"/>
+      </p:ext>
+    </p:extLst>
+  </p:cSld>
+  <p:clrMapOvr>
+    <a:masterClrMapping/>
+  </p:clrMapOvr>
+</p:sld>
+</file>
+
+<file path=ppt/slides/slide42.xml><?xml version="1.0" encoding="utf-8"?>
+<p:sld xmlns:a="http://schemas.openxmlformats.org/drawingml/2006/main" xmlns:r="http://schemas.openxmlformats.org/officeDocument/2006/relationships" xmlns:p="http://schemas.openxmlformats.org/presentationml/2006/main">
+  <p:cSld>
+    <p:spTree>
+      <p:nvGrpSpPr>
+        <p:cNvPr id="1" name=""/>
+        <p:cNvGrpSpPr/>
+        <p:nvPr/>
+      </p:nvGrpSpPr>
+      <p:grpSpPr>
+        <a:xfrm>
+          <a:off x="0" y="0"/>
+          <a:ext cx="0" cy="0"/>
+          <a:chOff x="0" y="0"/>
+          <a:chExt cx="0" cy="0"/>
+        </a:xfrm>
+      </p:grpSpPr>
+      <p:sp>
+        <p:nvSpPr>
+          <p:cNvPr id="2" name="Title 1">
+            <a:extLst>
+              <a:ext uri="{FF2B5EF4-FFF2-40B4-BE49-F238E27FC236}">
+                <a16:creationId xmlns:a16="http://schemas.microsoft.com/office/drawing/2014/main" id="{A4363777-0D61-28EC-819C-6220262A7EDF}"/>
+              </a:ext>
+            </a:extLst>
+          </p:cNvPr>
+          <p:cNvSpPr>
+            <a:spLocks noGrp="1"/>
+          </p:cNvSpPr>
+          <p:nvPr>
+            <p:ph type="title"/>
+          </p:nvPr>
+        </p:nvSpPr>
+        <p:spPr/>
+        <p:txBody>
+          <a:bodyPr/>
+          <a:lstStyle/>
+          <a:p>
+            <a:r>
+              <a:rPr lang="en-IL" dirty="0"/>
+              <a:t>Hands-on – Calculator – configuration and validation</a:t>
+            </a:r>
+          </a:p>
+        </p:txBody>
+      </p:sp>
+      <p:sp>
+        <p:nvSpPr>
+          <p:cNvPr id="3" name="Content Placeholder 2">
+            <a:extLst>
+              <a:ext uri="{FF2B5EF4-FFF2-40B4-BE49-F238E27FC236}">
+                <a16:creationId xmlns:a16="http://schemas.microsoft.com/office/drawing/2014/main" id="{3C2EA508-AA31-1CA6-0C6F-E324B4544AD6}"/>
+              </a:ext>
+            </a:extLst>
+          </p:cNvPr>
+          <p:cNvSpPr>
+            <a:spLocks noGrp="1"/>
+          </p:cNvSpPr>
+          <p:nvPr>
+            <p:ph idx="1"/>
+          </p:nvPr>
+        </p:nvSpPr>
+        <p:spPr/>
+        <p:txBody>
+          <a:bodyPr/>
+          <a:lstStyle/>
+          <a:p>
+            <a:r>
+              <a:rPr lang="en-IL" sz="2800" dirty="0"/>
+              <a:t>Enter configuration that specifies if the feature is allowed. If the feature is not allowed and the endpoint is being called, return error 400 and a message “The feature is not available”.</a:t>
+            </a:r>
+          </a:p>
+          <a:p>
+            <a:r>
+              <a:rPr lang="en-IL" sz="2800" dirty="0"/>
+              <a:t>V</a:t>
+            </a:r>
+            <a:r>
+              <a:rPr lang="en-US" sz="2800" dirty="0"/>
+              <a:t>a</a:t>
+            </a:r>
+            <a:r>
+              <a:rPr lang="en-IL" sz="2800" dirty="0"/>
+              <a:t>lidate that the input </a:t>
+            </a:r>
+            <a:r>
+              <a:rPr lang="en-US" sz="2800" dirty="0"/>
+              <a:t>p</a:t>
+            </a:r>
+            <a:r>
+              <a:rPr lang="en-IL" sz="2800" dirty="0"/>
+              <a:t>arameters are not null and not blank</a:t>
+            </a:r>
+          </a:p>
+          <a:p>
+            <a:pPr lvl="1"/>
+            <a:endParaRPr lang="en-IL" dirty="0"/>
+          </a:p>
+        </p:txBody>
+      </p:sp>
+    </p:spTree>
+    <p:extLst>
+      <p:ext uri="{BB962C8B-B14F-4D97-AF65-F5344CB8AC3E}">
+        <p14:creationId xmlns:p14="http://schemas.microsoft.com/office/powerpoint/2010/main" val="1154023635"/>
       </p:ext>
     </p:extLst>
   </p:cSld>
@@ -25623,7 +26524,9 @@
           </a:solidFill>
         </p:spPr>
         <p:txBody>
-          <a:bodyPr/>
+          <a:bodyPr>
+            <a:normAutofit lnSpcReduction="10000"/>
+          </a:bodyPr>
           <a:lstStyle/>
           <a:p>
             <a:pPr marL="0" indent="0">
@@ -25765,52 +26668,20 @@
               </a:rPr>
               <a:t>RestController</a:t>
             </a:r>
-            <a:br>
-              <a:rPr lang="en-US" dirty="0">
-                <a:solidFill>
-                  <a:srgbClr val="9E880D"/>
-                </a:solidFill>
-                <a:effectLst/>
-              </a:rPr>
-            </a:br>
-            <a:r>
-              <a:rPr lang="en-US" dirty="0">
-                <a:solidFill>
-                  <a:srgbClr val="0033B3"/>
-                </a:solidFill>
-                <a:effectLst/>
-              </a:rPr>
-              <a:t>public class </a:t>
-            </a:r>
-            <a:r>
-              <a:rPr lang="en-US" dirty="0" err="1">
-                <a:solidFill>
-                  <a:srgbClr val="000000"/>
-                </a:solidFill>
-                <a:effectLst/>
-              </a:rPr>
-              <a:t>HelloController</a:t>
-            </a:r>
-            <a:r>
-              <a:rPr lang="en-US" dirty="0">
-                <a:solidFill>
-                  <a:srgbClr val="000000"/>
-                </a:solidFill>
-                <a:effectLst/>
-              </a:rPr>
-              <a:t> </a:t>
-            </a:r>
-            <a:r>
-              <a:rPr lang="en-US" dirty="0"/>
-              <a:t>{</a:t>
-            </a:r>
-            <a:br>
-              <a:rPr lang="en-US" dirty="0"/>
-            </a:br>
-            <a:r>
-              <a:rPr lang="en-US" dirty="0"/>
-              <a:t>    </a:t>
-            </a:r>
+            <a:endParaRPr lang="en-US" dirty="0">
+              <a:solidFill>
+                <a:srgbClr val="9E880D"/>
+              </a:solidFill>
+              <a:effectLst/>
+              <a:highlight>
+                <a:srgbClr val="FFFF00"/>
+              </a:highlight>
+            </a:endParaRPr>
+          </a:p>
+          <a:p>
+            <a:pPr marL="0" indent="0">
+              <a:buNone/>
+            </a:pPr>
             <a:r>
               <a:rPr lang="en-US" dirty="0">
                 <a:solidFill>
@@ -25828,12 +26699,23 @@
                 <a:solidFill>
                   <a:srgbClr val="9E880D"/>
                 </a:solidFill>
-                <a:effectLst/>
                 <a:highlight>
                   <a:srgbClr val="FFFF00"/>
                 </a:highlight>
               </a:rPr>
-              <a:t>RequestMapping</a:t>
+              <a:t>Request</a:t>
+            </a:r>
+            <a:r>
+              <a:rPr lang="en-US" dirty="0" err="1">
+                <a:solidFill>
+                  <a:srgbClr val="9E880D"/>
+                </a:solidFill>
+                <a:effectLst/>
+                <a:highlight>
+                  <a:srgbClr val="FFFF00"/>
+                </a:highlight>
+              </a:rPr>
+              <a:t>Mapping</a:t>
             </a:r>
             <a:r>
               <a:rPr lang="en-US" dirty="0">
@@ -25853,7 +26735,7 @@
                   <a:srgbClr val="FFFF00"/>
                 </a:highlight>
               </a:rPr>
-              <a:t>"/hello"</a:t>
+              <a:t>"hello"</a:t>
             </a:r>
             <a:r>
               <a:rPr lang="en-US" dirty="0">
@@ -25864,6 +26746,104 @@
               <a:t>)</a:t>
             </a:r>
             <a:br>
+              <a:rPr lang="en-US" dirty="0">
+                <a:solidFill>
+                  <a:srgbClr val="9E880D"/>
+                </a:solidFill>
+                <a:effectLst/>
+              </a:rPr>
+            </a:br>
+            <a:r>
+              <a:rPr lang="en-US" dirty="0">
+                <a:solidFill>
+                  <a:srgbClr val="0033B3"/>
+                </a:solidFill>
+                <a:effectLst/>
+              </a:rPr>
+              <a:t>public class </a:t>
+            </a:r>
+            <a:r>
+              <a:rPr lang="en-US" dirty="0" err="1">
+                <a:solidFill>
+                  <a:srgbClr val="000000"/>
+                </a:solidFill>
+                <a:effectLst/>
+              </a:rPr>
+              <a:t>HelloController</a:t>
+            </a:r>
+            <a:r>
+              <a:rPr lang="en-US" dirty="0">
+                <a:solidFill>
+                  <a:srgbClr val="000000"/>
+                </a:solidFill>
+                <a:effectLst/>
+              </a:rPr>
+              <a:t> </a:t>
+            </a:r>
+            <a:r>
+              <a:rPr lang="en-US" dirty="0"/>
+              <a:t>{</a:t>
+            </a:r>
+            <a:br>
+              <a:rPr lang="en-US" dirty="0"/>
+            </a:br>
+            <a:r>
+              <a:rPr lang="en-US" dirty="0"/>
+              <a:t>    </a:t>
+            </a:r>
+            <a:r>
+              <a:rPr lang="en-US" dirty="0">
+                <a:solidFill>
+                  <a:srgbClr val="9E880D"/>
+                </a:solidFill>
+                <a:effectLst/>
+                <a:highlight>
+                  <a:srgbClr val="FFFF00"/>
+                </a:highlight>
+              </a:rPr>
+              <a:t>@</a:t>
+            </a:r>
+            <a:r>
+              <a:rPr lang="en-US" dirty="0" err="1">
+                <a:solidFill>
+                  <a:srgbClr val="9E880D"/>
+                </a:solidFill>
+                <a:effectLst/>
+                <a:highlight>
+                  <a:srgbClr val="FFFF00"/>
+                </a:highlight>
+              </a:rPr>
+              <a:t>GetMapping</a:t>
+            </a:r>
+            <a:r>
+              <a:rPr lang="en-US" dirty="0">
+                <a:highlight>
+                  <a:srgbClr val="FFFF00"/>
+                </a:highlight>
+              </a:rPr>
+              <a:t>(</a:t>
+            </a:r>
+            <a:r>
+              <a:rPr lang="en-US" dirty="0">
+                <a:solidFill>
+                  <a:srgbClr val="067D17"/>
+                </a:solidFill>
+                <a:effectLst/>
+                <a:highlight>
+                  <a:srgbClr val="FFFF00"/>
+                </a:highlight>
+              </a:rPr>
+              <a:t>”world"</a:t>
+            </a:r>
+            <a:r>
+              <a:rPr lang="en-US" dirty="0">
+                <a:highlight>
+                  <a:srgbClr val="FFFF00"/>
+                </a:highlight>
+              </a:rPr>
+              <a:t>)</a:t>
+            </a:r>
+            <a:br>
               <a:rPr lang="en-US" dirty="0"/>
             </a:br>
             <a:r>
@@ -25948,6 +26928,129 @@
           </a:p>
         </p:txBody>
       </p:sp>
+      <p:sp>
+        <p:nvSpPr>
+          <p:cNvPr id="4" name="TextBox 3">
+            <a:extLst>
+              <a:ext uri="{FF2B5EF4-FFF2-40B4-BE49-F238E27FC236}">
+                <a16:creationId xmlns:a16="http://schemas.microsoft.com/office/drawing/2014/main" id="{0B604BDD-557E-12D6-6562-F8FCEC6765D7}"/>
+              </a:ext>
+            </a:extLst>
+          </p:cNvPr>
+          <p:cNvSpPr txBox="1"/>
+          <p:nvPr/>
+        </p:nvSpPr>
+        <p:spPr>
+          <a:xfrm>
+            <a:off x="7066262" y="3727272"/>
+            <a:ext cx="4084958" cy="923330"/>
+          </a:xfrm>
+          <a:prstGeom prst="rect">
+            <a:avLst/>
+          </a:prstGeom>
+          <a:solidFill>
+            <a:schemeClr val="accent3">
+              <a:lumMod val="20000"/>
+              <a:lumOff val="80000"/>
+            </a:schemeClr>
+          </a:solidFill>
+          <a:ln>
+            <a:solidFill>
+              <a:schemeClr val="tx1"/>
+            </a:solidFill>
+          </a:ln>
+        </p:spPr>
+        <p:txBody>
+          <a:bodyPr wrap="square" rtlCol="0">
+            <a:spAutoFit/>
+          </a:bodyPr>
+          <a:lstStyle/>
+          <a:p>
+            <a:r>
+              <a:rPr lang="en-IL" dirty="0">
+                <a:solidFill>
+                  <a:srgbClr val="00B050"/>
+                </a:solidFill>
+              </a:rPr>
+              <a:t>@RequestMapping</a:t>
+            </a:r>
+            <a:r>
+              <a:rPr lang="en-IL" dirty="0"/>
+              <a:t>, </a:t>
+            </a:r>
+            <a:r>
+              <a:rPr lang="en-IL" dirty="0">
+                <a:solidFill>
+                  <a:srgbClr val="00B050"/>
+                </a:solidFill>
+              </a:rPr>
+              <a:t>@GetMapping</a:t>
+            </a:r>
+            <a:r>
+              <a:rPr lang="en-IL" dirty="0"/>
+              <a:t>, </a:t>
+            </a:r>
+            <a:r>
+              <a:rPr lang="en-IL" dirty="0">
+                <a:solidFill>
+                  <a:srgbClr val="00B050"/>
+                </a:solidFill>
+              </a:rPr>
+              <a:t>@PostMapping </a:t>
+            </a:r>
+            <a:r>
+              <a:rPr lang="en-IL" dirty="0"/>
+              <a:t>map web requests </a:t>
+            </a:r>
+            <a:r>
+              <a:rPr lang="en-US" dirty="0"/>
+              <a:t>to Spring Controller methods.</a:t>
+            </a:r>
+            <a:endParaRPr lang="en-IL" dirty="0"/>
+          </a:p>
+        </p:txBody>
+      </p:sp>
+      <p:cxnSp>
+        <p:nvCxnSpPr>
+          <p:cNvPr id="6" name="Straight Arrow Connector 5">
+            <a:extLst>
+              <a:ext uri="{FF2B5EF4-FFF2-40B4-BE49-F238E27FC236}">
+                <a16:creationId xmlns:a16="http://schemas.microsoft.com/office/drawing/2014/main" id="{58D475F2-3852-FF70-F15E-F62F05AE420C}"/>
+              </a:ext>
+            </a:extLst>
+          </p:cNvPr>
+          <p:cNvCxnSpPr>
+            <a:cxnSpLocks/>
+          </p:cNvCxnSpPr>
+          <p:nvPr/>
+        </p:nvCxnSpPr>
+        <p:spPr>
+          <a:xfrm flipH="1">
+            <a:off x="3780263" y="4249358"/>
+            <a:ext cx="3285999" cy="0"/>
+          </a:xfrm>
+          <a:prstGeom prst="straightConnector1">
+            <a:avLst/>
+          </a:prstGeom>
+          <a:ln>
+            <a:tailEnd type="triangle"/>
+          </a:ln>
+        </p:spPr>
+        <p:style>
+          <a:lnRef idx="3">
+            <a:schemeClr val="accent6"/>
+          </a:lnRef>
+          <a:fillRef idx="0">
+            <a:schemeClr val="accent6"/>
+          </a:fillRef>
+          <a:effectRef idx="2">
+            <a:schemeClr val="accent6"/>
+          </a:effectRef>
+          <a:fontRef idx="minor">
+            <a:schemeClr val="tx1"/>
+          </a:fontRef>
+        </p:style>
+      </p:cxnSp>
     </p:spTree>
     <p:extLst>
       <p:ext uri="{BB962C8B-B14F-4D97-AF65-F5344CB8AC3E}">
